--- a/230619.pptx
+++ b/230619.pptx
@@ -4,12 +4,18 @@
   <p:sldMasterIdLst>
     <p:sldMasterId id="2147483648" r:id="rId1"/>
   </p:sldMasterIdLst>
+  <p:notesMasterIdLst>
+    <p:notesMasterId r:id="rId10"/>
+  </p:notesMasterIdLst>
   <p:sldIdLst>
     <p:sldId id="256" r:id="rId2"/>
     <p:sldId id="257" r:id="rId3"/>
     <p:sldId id="258" r:id="rId4"/>
     <p:sldId id="259" r:id="rId5"/>
     <p:sldId id="260" r:id="rId6"/>
+    <p:sldId id="261" r:id="rId7"/>
+    <p:sldId id="262" r:id="rId8"/>
+    <p:sldId id="263" r:id="rId9"/>
   </p:sldIdLst>
   <p:sldSz cx="12192000" cy="6858000"/>
   <p:notesSz cx="6858000" cy="9144000"/>
@@ -109,6 +115,608 @@
     </a:lvl9pPr>
   </p:defaultTextStyle>
 </p:presentation>
+</file>
+
+<file path=ppt/notesMasters/notesMaster1.xml><?xml version="1.0" encoding="utf-8"?>
+<p:notesMaster xmlns:a="http://schemas.openxmlformats.org/drawingml/2006/main" xmlns:r="http://schemas.openxmlformats.org/officeDocument/2006/relationships" xmlns:p="http://schemas.openxmlformats.org/presentationml/2006/main">
+  <p:cSld>
+    <p:bg>
+      <p:bgRef idx="1001">
+        <a:schemeClr val="bg1"/>
+      </p:bgRef>
+    </p:bg>
+    <p:spTree>
+      <p:nvGrpSpPr>
+        <p:cNvPr id="1" name=""/>
+        <p:cNvGrpSpPr/>
+        <p:nvPr/>
+      </p:nvGrpSpPr>
+      <p:grpSpPr>
+        <a:xfrm>
+          <a:off x="0" y="0"/>
+          <a:ext cx="0" cy="0"/>
+          <a:chOff x="0" y="0"/>
+          <a:chExt cx="0" cy="0"/>
+        </a:xfrm>
+      </p:grpSpPr>
+      <p:sp>
+        <p:nvSpPr>
+          <p:cNvPr id="2" name="머리글 개체 틀 1"/>
+          <p:cNvSpPr>
+            <a:spLocks noGrp="1"/>
+          </p:cNvSpPr>
+          <p:nvPr>
+            <p:ph type="hdr" sz="quarter"/>
+          </p:nvPr>
+        </p:nvSpPr>
+        <p:spPr>
+          <a:xfrm>
+            <a:off x="0" y="0"/>
+            <a:ext cx="2971800" cy="458788"/>
+          </a:xfrm>
+          <a:prstGeom prst="rect">
+            <a:avLst/>
+          </a:prstGeom>
+        </p:spPr>
+        <p:txBody>
+          <a:bodyPr vert="horz" lIns="91440" tIns="45720" rIns="91440" bIns="45720" rtlCol="0"/>
+          <a:lstStyle>
+            <a:lvl1pPr algn="l">
+              <a:defRPr sz="1200"/>
+            </a:lvl1pPr>
+          </a:lstStyle>
+          <a:p>
+            <a:endParaRPr kumimoji="1" lang="ko-Kore-KR" altLang="en-US"/>
+          </a:p>
+        </p:txBody>
+      </p:sp>
+      <p:sp>
+        <p:nvSpPr>
+          <p:cNvPr id="3" name="날짜 개체 틀 2"/>
+          <p:cNvSpPr>
+            <a:spLocks noGrp="1"/>
+          </p:cNvSpPr>
+          <p:nvPr>
+            <p:ph type="dt" idx="1"/>
+          </p:nvPr>
+        </p:nvSpPr>
+        <p:spPr>
+          <a:xfrm>
+            <a:off x="3884613" y="0"/>
+            <a:ext cx="2971800" cy="458788"/>
+          </a:xfrm>
+          <a:prstGeom prst="rect">
+            <a:avLst/>
+          </a:prstGeom>
+        </p:spPr>
+        <p:txBody>
+          <a:bodyPr vert="horz" lIns="91440" tIns="45720" rIns="91440" bIns="45720" rtlCol="0"/>
+          <a:lstStyle>
+            <a:lvl1pPr algn="r">
+              <a:defRPr sz="1200"/>
+            </a:lvl1pPr>
+          </a:lstStyle>
+          <a:p>
+            <a:fld id="{E0D06B91-6BC5-254A-92A2-3D43FCDCF866}" type="datetimeFigureOut">
+              <a:rPr kumimoji="1" lang="ko-Kore-KR" altLang="en-US" smtClean="0"/>
+              <a:t>2023. 6. 20.</a:t>
+            </a:fld>
+            <a:endParaRPr kumimoji="1" lang="ko-Kore-KR" altLang="en-US"/>
+          </a:p>
+        </p:txBody>
+      </p:sp>
+      <p:sp>
+        <p:nvSpPr>
+          <p:cNvPr id="4" name="슬라이드 이미지 개체 틀 3"/>
+          <p:cNvSpPr>
+            <a:spLocks noGrp="1" noRot="1" noChangeAspect="1"/>
+          </p:cNvSpPr>
+          <p:nvPr>
+            <p:ph type="sldImg" idx="2"/>
+          </p:nvPr>
+        </p:nvSpPr>
+        <p:spPr>
+          <a:xfrm>
+            <a:off x="685800" y="1143000"/>
+            <a:ext cx="5486400" cy="3086100"/>
+          </a:xfrm>
+          <a:prstGeom prst="rect">
+            <a:avLst/>
+          </a:prstGeom>
+          <a:noFill/>
+          <a:ln w="12700">
+            <a:solidFill>
+              <a:prstClr val="black"/>
+            </a:solidFill>
+          </a:ln>
+        </p:spPr>
+        <p:txBody>
+          <a:bodyPr vert="horz" lIns="91440" tIns="45720" rIns="91440" bIns="45720" rtlCol="0" anchor="ctr"/>
+          <a:lstStyle/>
+          <a:p>
+            <a:endParaRPr lang="ko-Kore-KR" altLang="en-US"/>
+          </a:p>
+        </p:txBody>
+      </p:sp>
+      <p:sp>
+        <p:nvSpPr>
+          <p:cNvPr id="5" name="슬라이드 노트 개체 틀 4"/>
+          <p:cNvSpPr>
+            <a:spLocks noGrp="1"/>
+          </p:cNvSpPr>
+          <p:nvPr>
+            <p:ph type="body" sz="quarter" idx="3"/>
+          </p:nvPr>
+        </p:nvSpPr>
+        <p:spPr>
+          <a:xfrm>
+            <a:off x="685800" y="4400550"/>
+            <a:ext cx="5486400" cy="3600450"/>
+          </a:xfrm>
+          <a:prstGeom prst="rect">
+            <a:avLst/>
+          </a:prstGeom>
+        </p:spPr>
+        <p:txBody>
+          <a:bodyPr vert="horz" lIns="91440" tIns="45720" rIns="91440" bIns="45720" rtlCol="0"/>
+          <a:lstStyle/>
+          <a:p>
+            <a:pPr lvl="0"/>
+            <a:r>
+              <a:rPr kumimoji="1" lang="ko-KR" altLang="en-US"/>
+              <a:t>마스터 텍스트 스타일을 편집하려면 클릭</a:t>
+            </a:r>
+          </a:p>
+          <a:p>
+            <a:pPr lvl="1"/>
+            <a:r>
+              <a:rPr kumimoji="1" lang="ko-KR" altLang="en-US"/>
+              <a:t>두 번째 수준</a:t>
+            </a:r>
+          </a:p>
+          <a:p>
+            <a:pPr lvl="2"/>
+            <a:r>
+              <a:rPr kumimoji="1" lang="ko-KR" altLang="en-US"/>
+              <a:t>세 번째 수준</a:t>
+            </a:r>
+          </a:p>
+          <a:p>
+            <a:pPr lvl="3"/>
+            <a:r>
+              <a:rPr kumimoji="1" lang="ko-KR" altLang="en-US"/>
+              <a:t>네 번째 수준</a:t>
+            </a:r>
+          </a:p>
+          <a:p>
+            <a:pPr lvl="4"/>
+            <a:r>
+              <a:rPr kumimoji="1" lang="ko-KR" altLang="en-US"/>
+              <a:t>다섯 번째 수준</a:t>
+            </a:r>
+            <a:endParaRPr kumimoji="1" lang="ko-Kore-KR" altLang="en-US"/>
+          </a:p>
+        </p:txBody>
+      </p:sp>
+      <p:sp>
+        <p:nvSpPr>
+          <p:cNvPr id="6" name="바닥글 개체 틀 5"/>
+          <p:cNvSpPr>
+            <a:spLocks noGrp="1"/>
+          </p:cNvSpPr>
+          <p:nvPr>
+            <p:ph type="ftr" sz="quarter" idx="4"/>
+          </p:nvPr>
+        </p:nvSpPr>
+        <p:spPr>
+          <a:xfrm>
+            <a:off x="0" y="8685213"/>
+            <a:ext cx="2971800" cy="458787"/>
+          </a:xfrm>
+          <a:prstGeom prst="rect">
+            <a:avLst/>
+          </a:prstGeom>
+        </p:spPr>
+        <p:txBody>
+          <a:bodyPr vert="horz" lIns="91440" tIns="45720" rIns="91440" bIns="45720" rtlCol="0" anchor="b"/>
+          <a:lstStyle>
+            <a:lvl1pPr algn="l">
+              <a:defRPr sz="1200"/>
+            </a:lvl1pPr>
+          </a:lstStyle>
+          <a:p>
+            <a:endParaRPr kumimoji="1" lang="ko-Kore-KR" altLang="en-US"/>
+          </a:p>
+        </p:txBody>
+      </p:sp>
+      <p:sp>
+        <p:nvSpPr>
+          <p:cNvPr id="7" name="슬라이드 번호 개체 틀 6"/>
+          <p:cNvSpPr>
+            <a:spLocks noGrp="1"/>
+          </p:cNvSpPr>
+          <p:nvPr>
+            <p:ph type="sldNum" sz="quarter" idx="5"/>
+          </p:nvPr>
+        </p:nvSpPr>
+        <p:spPr>
+          <a:xfrm>
+            <a:off x="3884613" y="8685213"/>
+            <a:ext cx="2971800" cy="458787"/>
+          </a:xfrm>
+          <a:prstGeom prst="rect">
+            <a:avLst/>
+          </a:prstGeom>
+        </p:spPr>
+        <p:txBody>
+          <a:bodyPr vert="horz" lIns="91440" tIns="45720" rIns="91440" bIns="45720" rtlCol="0" anchor="b"/>
+          <a:lstStyle>
+            <a:lvl1pPr algn="r">
+              <a:defRPr sz="1200"/>
+            </a:lvl1pPr>
+          </a:lstStyle>
+          <a:p>
+            <a:fld id="{D488503D-4055-2040-82C7-BFC9AB24BDB1}" type="slidenum">
+              <a:rPr kumimoji="1" lang="ko-Kore-KR" altLang="en-US" smtClean="0"/>
+              <a:t>‹#›</a:t>
+            </a:fld>
+            <a:endParaRPr kumimoji="1" lang="ko-Kore-KR" altLang="en-US"/>
+          </a:p>
+        </p:txBody>
+      </p:sp>
+    </p:spTree>
+    <p:extLst>
+      <p:ext uri="{BB962C8B-B14F-4D97-AF65-F5344CB8AC3E}">
+        <p14:creationId xmlns:p14="http://schemas.microsoft.com/office/powerpoint/2010/main" val="3883035202"/>
+      </p:ext>
+    </p:extLst>
+  </p:cSld>
+  <p:clrMap bg1="lt1" tx1="dk1" bg2="lt2" tx2="dk2" accent1="accent1" accent2="accent2" accent3="accent3" accent4="accent4" accent5="accent5" accent6="accent6" hlink="hlink" folHlink="folHlink"/>
+  <p:notesStyle>
+    <a:lvl1pPr marL="0" algn="l" defTabSz="914400" rtl="0" eaLnBrk="1" latinLnBrk="0" hangingPunct="1">
+      <a:defRPr sz="1200" kern="1200">
+        <a:solidFill>
+          <a:schemeClr val="tx1"/>
+        </a:solidFill>
+        <a:latin typeface="+mn-lt"/>
+        <a:ea typeface="+mn-ea"/>
+        <a:cs typeface="+mn-cs"/>
+      </a:defRPr>
+    </a:lvl1pPr>
+    <a:lvl2pPr marL="457200" algn="l" defTabSz="914400" rtl="0" eaLnBrk="1" latinLnBrk="0" hangingPunct="1">
+      <a:defRPr sz="1200" kern="1200">
+        <a:solidFill>
+          <a:schemeClr val="tx1"/>
+        </a:solidFill>
+        <a:latin typeface="+mn-lt"/>
+        <a:ea typeface="+mn-ea"/>
+        <a:cs typeface="+mn-cs"/>
+      </a:defRPr>
+    </a:lvl2pPr>
+    <a:lvl3pPr marL="914400" algn="l" defTabSz="914400" rtl="0" eaLnBrk="1" latinLnBrk="0" hangingPunct="1">
+      <a:defRPr sz="1200" kern="1200">
+        <a:solidFill>
+          <a:schemeClr val="tx1"/>
+        </a:solidFill>
+        <a:latin typeface="+mn-lt"/>
+        <a:ea typeface="+mn-ea"/>
+        <a:cs typeface="+mn-cs"/>
+      </a:defRPr>
+    </a:lvl3pPr>
+    <a:lvl4pPr marL="1371600" algn="l" defTabSz="914400" rtl="0" eaLnBrk="1" latinLnBrk="0" hangingPunct="1">
+      <a:defRPr sz="1200" kern="1200">
+        <a:solidFill>
+          <a:schemeClr val="tx1"/>
+        </a:solidFill>
+        <a:latin typeface="+mn-lt"/>
+        <a:ea typeface="+mn-ea"/>
+        <a:cs typeface="+mn-cs"/>
+      </a:defRPr>
+    </a:lvl4pPr>
+    <a:lvl5pPr marL="1828800" algn="l" defTabSz="914400" rtl="0" eaLnBrk="1" latinLnBrk="0" hangingPunct="1">
+      <a:defRPr sz="1200" kern="1200">
+        <a:solidFill>
+          <a:schemeClr val="tx1"/>
+        </a:solidFill>
+        <a:latin typeface="+mn-lt"/>
+        <a:ea typeface="+mn-ea"/>
+        <a:cs typeface="+mn-cs"/>
+      </a:defRPr>
+    </a:lvl5pPr>
+    <a:lvl6pPr marL="2286000" algn="l" defTabSz="914400" rtl="0" eaLnBrk="1" latinLnBrk="0" hangingPunct="1">
+      <a:defRPr sz="1200" kern="1200">
+        <a:solidFill>
+          <a:schemeClr val="tx1"/>
+        </a:solidFill>
+        <a:latin typeface="+mn-lt"/>
+        <a:ea typeface="+mn-ea"/>
+        <a:cs typeface="+mn-cs"/>
+      </a:defRPr>
+    </a:lvl6pPr>
+    <a:lvl7pPr marL="2743200" algn="l" defTabSz="914400" rtl="0" eaLnBrk="1" latinLnBrk="0" hangingPunct="1">
+      <a:defRPr sz="1200" kern="1200">
+        <a:solidFill>
+          <a:schemeClr val="tx1"/>
+        </a:solidFill>
+        <a:latin typeface="+mn-lt"/>
+        <a:ea typeface="+mn-ea"/>
+        <a:cs typeface="+mn-cs"/>
+      </a:defRPr>
+    </a:lvl7pPr>
+    <a:lvl8pPr marL="3200400" algn="l" defTabSz="914400" rtl="0" eaLnBrk="1" latinLnBrk="0" hangingPunct="1">
+      <a:defRPr sz="1200" kern="1200">
+        <a:solidFill>
+          <a:schemeClr val="tx1"/>
+        </a:solidFill>
+        <a:latin typeface="+mn-lt"/>
+        <a:ea typeface="+mn-ea"/>
+        <a:cs typeface="+mn-cs"/>
+      </a:defRPr>
+    </a:lvl8pPr>
+    <a:lvl9pPr marL="3657600" algn="l" defTabSz="914400" rtl="0" eaLnBrk="1" latinLnBrk="0" hangingPunct="1">
+      <a:defRPr sz="1200" kern="1200">
+        <a:solidFill>
+          <a:schemeClr val="tx1"/>
+        </a:solidFill>
+        <a:latin typeface="+mn-lt"/>
+        <a:ea typeface="+mn-ea"/>
+        <a:cs typeface="+mn-cs"/>
+      </a:defRPr>
+    </a:lvl9pPr>
+  </p:notesStyle>
+</p:notesMaster>
+</file>
+
+<file path=ppt/notesSlides/notesSlide1.xml><?xml version="1.0" encoding="utf-8"?>
+<p:notes xmlns:a="http://schemas.openxmlformats.org/drawingml/2006/main" xmlns:r="http://schemas.openxmlformats.org/officeDocument/2006/relationships" xmlns:p="http://schemas.openxmlformats.org/presentationml/2006/main">
+  <p:cSld>
+    <p:spTree>
+      <p:nvGrpSpPr>
+        <p:cNvPr id="1" name=""/>
+        <p:cNvGrpSpPr/>
+        <p:nvPr/>
+      </p:nvGrpSpPr>
+      <p:grpSpPr>
+        <a:xfrm>
+          <a:off x="0" y="0"/>
+          <a:ext cx="0" cy="0"/>
+          <a:chOff x="0" y="0"/>
+          <a:chExt cx="0" cy="0"/>
+        </a:xfrm>
+      </p:grpSpPr>
+      <p:sp>
+        <p:nvSpPr>
+          <p:cNvPr id="2" name="슬라이드 이미지 개체 틀 1"/>
+          <p:cNvSpPr>
+            <a:spLocks noGrp="1" noRot="1" noChangeAspect="1"/>
+          </p:cNvSpPr>
+          <p:nvPr>
+            <p:ph type="sldImg"/>
+          </p:nvPr>
+        </p:nvSpPr>
+        <p:spPr/>
+      </p:sp>
+      <p:sp>
+        <p:nvSpPr>
+          <p:cNvPr id="3" name="슬라이드 노트 개체 틀 2"/>
+          <p:cNvSpPr>
+            <a:spLocks noGrp="1"/>
+          </p:cNvSpPr>
+          <p:nvPr>
+            <p:ph type="body" idx="1"/>
+          </p:nvPr>
+        </p:nvSpPr>
+        <p:spPr/>
+        <p:txBody>
+          <a:bodyPr/>
+          <a:lstStyle/>
+          <a:p>
+            <a:endParaRPr kumimoji="1" lang="ko-Kore-KR" altLang="en-US" dirty="0"/>
+          </a:p>
+        </p:txBody>
+      </p:sp>
+      <p:sp>
+        <p:nvSpPr>
+          <p:cNvPr id="4" name="슬라이드 번호 개체 틀 3"/>
+          <p:cNvSpPr>
+            <a:spLocks noGrp="1"/>
+          </p:cNvSpPr>
+          <p:nvPr>
+            <p:ph type="sldNum" sz="quarter" idx="5"/>
+          </p:nvPr>
+        </p:nvSpPr>
+        <p:spPr/>
+        <p:txBody>
+          <a:bodyPr/>
+          <a:lstStyle/>
+          <a:p>
+            <a:fld id="{D488503D-4055-2040-82C7-BFC9AB24BDB1}" type="slidenum">
+              <a:rPr kumimoji="1" lang="ko-Kore-KR" altLang="en-US" smtClean="0"/>
+              <a:t>6</a:t>
+            </a:fld>
+            <a:endParaRPr kumimoji="1" lang="ko-Kore-KR" altLang="en-US"/>
+          </a:p>
+        </p:txBody>
+      </p:sp>
+    </p:spTree>
+    <p:extLst>
+      <p:ext uri="{BB962C8B-B14F-4D97-AF65-F5344CB8AC3E}">
+        <p14:creationId xmlns:p14="http://schemas.microsoft.com/office/powerpoint/2010/main" val="2263903322"/>
+      </p:ext>
+    </p:extLst>
+  </p:cSld>
+  <p:clrMapOvr>
+    <a:masterClrMapping/>
+  </p:clrMapOvr>
+</p:notes>
+</file>
+
+<file path=ppt/notesSlides/notesSlide2.xml><?xml version="1.0" encoding="utf-8"?>
+<p:notes xmlns:a="http://schemas.openxmlformats.org/drawingml/2006/main" xmlns:r="http://schemas.openxmlformats.org/officeDocument/2006/relationships" xmlns:p="http://schemas.openxmlformats.org/presentationml/2006/main">
+  <p:cSld>
+    <p:spTree>
+      <p:nvGrpSpPr>
+        <p:cNvPr id="1" name=""/>
+        <p:cNvGrpSpPr/>
+        <p:nvPr/>
+      </p:nvGrpSpPr>
+      <p:grpSpPr>
+        <a:xfrm>
+          <a:off x="0" y="0"/>
+          <a:ext cx="0" cy="0"/>
+          <a:chOff x="0" y="0"/>
+          <a:chExt cx="0" cy="0"/>
+        </a:xfrm>
+      </p:grpSpPr>
+      <p:sp>
+        <p:nvSpPr>
+          <p:cNvPr id="2" name="슬라이드 이미지 개체 틀 1"/>
+          <p:cNvSpPr>
+            <a:spLocks noGrp="1" noRot="1" noChangeAspect="1"/>
+          </p:cNvSpPr>
+          <p:nvPr>
+            <p:ph type="sldImg"/>
+          </p:nvPr>
+        </p:nvSpPr>
+        <p:spPr/>
+      </p:sp>
+      <p:sp>
+        <p:nvSpPr>
+          <p:cNvPr id="3" name="슬라이드 노트 개체 틀 2"/>
+          <p:cNvSpPr>
+            <a:spLocks noGrp="1"/>
+          </p:cNvSpPr>
+          <p:nvPr>
+            <p:ph type="body" idx="1"/>
+          </p:nvPr>
+        </p:nvSpPr>
+        <p:spPr/>
+        <p:txBody>
+          <a:bodyPr/>
+          <a:lstStyle/>
+          <a:p>
+            <a:endParaRPr kumimoji="1" lang="ko-Kore-KR" altLang="en-US" dirty="0"/>
+          </a:p>
+        </p:txBody>
+      </p:sp>
+      <p:sp>
+        <p:nvSpPr>
+          <p:cNvPr id="4" name="슬라이드 번호 개체 틀 3"/>
+          <p:cNvSpPr>
+            <a:spLocks noGrp="1"/>
+          </p:cNvSpPr>
+          <p:nvPr>
+            <p:ph type="sldNum" sz="quarter" idx="5"/>
+          </p:nvPr>
+        </p:nvSpPr>
+        <p:spPr/>
+        <p:txBody>
+          <a:bodyPr/>
+          <a:lstStyle/>
+          <a:p>
+            <a:fld id="{D488503D-4055-2040-82C7-BFC9AB24BDB1}" type="slidenum">
+              <a:rPr kumimoji="1" lang="ko-Kore-KR" altLang="en-US" smtClean="0"/>
+              <a:t>7</a:t>
+            </a:fld>
+            <a:endParaRPr kumimoji="1" lang="ko-Kore-KR" altLang="en-US"/>
+          </a:p>
+        </p:txBody>
+      </p:sp>
+    </p:spTree>
+    <p:extLst>
+      <p:ext uri="{BB962C8B-B14F-4D97-AF65-F5344CB8AC3E}">
+        <p14:creationId xmlns:p14="http://schemas.microsoft.com/office/powerpoint/2010/main" val="106762660"/>
+      </p:ext>
+    </p:extLst>
+  </p:cSld>
+  <p:clrMapOvr>
+    <a:masterClrMapping/>
+  </p:clrMapOvr>
+</p:notes>
+</file>
+
+<file path=ppt/notesSlides/notesSlide3.xml><?xml version="1.0" encoding="utf-8"?>
+<p:notes xmlns:a="http://schemas.openxmlformats.org/drawingml/2006/main" xmlns:r="http://schemas.openxmlformats.org/officeDocument/2006/relationships" xmlns:p="http://schemas.openxmlformats.org/presentationml/2006/main">
+  <p:cSld>
+    <p:spTree>
+      <p:nvGrpSpPr>
+        <p:cNvPr id="1" name=""/>
+        <p:cNvGrpSpPr/>
+        <p:nvPr/>
+      </p:nvGrpSpPr>
+      <p:grpSpPr>
+        <a:xfrm>
+          <a:off x="0" y="0"/>
+          <a:ext cx="0" cy="0"/>
+          <a:chOff x="0" y="0"/>
+          <a:chExt cx="0" cy="0"/>
+        </a:xfrm>
+      </p:grpSpPr>
+      <p:sp>
+        <p:nvSpPr>
+          <p:cNvPr id="2" name="슬라이드 이미지 개체 틀 1"/>
+          <p:cNvSpPr>
+            <a:spLocks noGrp="1" noRot="1" noChangeAspect="1"/>
+          </p:cNvSpPr>
+          <p:nvPr>
+            <p:ph type="sldImg"/>
+          </p:nvPr>
+        </p:nvSpPr>
+        <p:spPr/>
+      </p:sp>
+      <p:sp>
+        <p:nvSpPr>
+          <p:cNvPr id="3" name="슬라이드 노트 개체 틀 2"/>
+          <p:cNvSpPr>
+            <a:spLocks noGrp="1"/>
+          </p:cNvSpPr>
+          <p:nvPr>
+            <p:ph type="body" idx="1"/>
+          </p:nvPr>
+        </p:nvSpPr>
+        <p:spPr/>
+        <p:txBody>
+          <a:bodyPr/>
+          <a:lstStyle/>
+          <a:p>
+            <a:endParaRPr kumimoji="1" lang="ko-Kore-KR" altLang="en-US" dirty="0"/>
+          </a:p>
+        </p:txBody>
+      </p:sp>
+      <p:sp>
+        <p:nvSpPr>
+          <p:cNvPr id="4" name="슬라이드 번호 개체 틀 3"/>
+          <p:cNvSpPr>
+            <a:spLocks noGrp="1"/>
+          </p:cNvSpPr>
+          <p:nvPr>
+            <p:ph type="sldNum" sz="quarter" idx="5"/>
+          </p:nvPr>
+        </p:nvSpPr>
+        <p:spPr/>
+        <p:txBody>
+          <a:bodyPr/>
+          <a:lstStyle/>
+          <a:p>
+            <a:fld id="{D488503D-4055-2040-82C7-BFC9AB24BDB1}" type="slidenum">
+              <a:rPr kumimoji="1" lang="ko-Kore-KR" altLang="en-US" smtClean="0"/>
+              <a:t>8</a:t>
+            </a:fld>
+            <a:endParaRPr kumimoji="1" lang="ko-Kore-KR" altLang="en-US"/>
+          </a:p>
+        </p:txBody>
+      </p:sp>
+    </p:spTree>
+    <p:extLst>
+      <p:ext uri="{BB962C8B-B14F-4D97-AF65-F5344CB8AC3E}">
+        <p14:creationId xmlns:p14="http://schemas.microsoft.com/office/powerpoint/2010/main" val="2820191281"/>
+      </p:ext>
+    </p:extLst>
+  </p:cSld>
+  <p:clrMapOvr>
+    <a:masterClrMapping/>
+  </p:clrMapOvr>
+</p:notes>
 </file>
 
 <file path=ppt/slideLayouts/slideLayout1.xml><?xml version="1.0" encoding="utf-8"?>
@@ -5026,6 +5634,2798 @@
     <p:extLst>
       <p:ext uri="{BB962C8B-B14F-4D97-AF65-F5344CB8AC3E}">
         <p14:creationId xmlns:p14="http://schemas.microsoft.com/office/powerpoint/2010/main" val="2476979405"/>
+      </p:ext>
+    </p:extLst>
+  </p:cSld>
+  <p:clrMapOvr>
+    <a:masterClrMapping/>
+  </p:clrMapOvr>
+</p:sld>
+</file>
+
+<file path=ppt/slides/slide6.xml><?xml version="1.0" encoding="utf-8"?>
+<p:sld xmlns:a="http://schemas.openxmlformats.org/drawingml/2006/main" xmlns:r="http://schemas.openxmlformats.org/officeDocument/2006/relationships" xmlns:p="http://schemas.openxmlformats.org/presentationml/2006/main">
+  <p:cSld>
+    <p:spTree>
+      <p:nvGrpSpPr>
+        <p:cNvPr id="1" name=""/>
+        <p:cNvGrpSpPr/>
+        <p:nvPr/>
+      </p:nvGrpSpPr>
+      <p:grpSpPr>
+        <a:xfrm>
+          <a:off x="0" y="0"/>
+          <a:ext cx="0" cy="0"/>
+          <a:chOff x="0" y="0"/>
+          <a:chExt cx="0" cy="0"/>
+        </a:xfrm>
+      </p:grpSpPr>
+      <p:sp>
+        <p:nvSpPr>
+          <p:cNvPr id="26" name="TextBox 25">
+            <a:extLst>
+              <a:ext uri="{FF2B5EF4-FFF2-40B4-BE49-F238E27FC236}">
+                <a16:creationId xmlns:a16="http://schemas.microsoft.com/office/drawing/2014/main" id="{3719B63F-3882-0915-BFDB-068A3E553C25}"/>
+              </a:ext>
+            </a:extLst>
+          </p:cNvPr>
+          <p:cNvSpPr txBox="1"/>
+          <p:nvPr/>
+        </p:nvSpPr>
+        <p:spPr>
+          <a:xfrm>
+            <a:off x="580126" y="239048"/>
+            <a:ext cx="5216825" cy="6494085"/>
+          </a:xfrm>
+          <a:prstGeom prst="rect">
+            <a:avLst/>
+          </a:prstGeom>
+          <a:noFill/>
+        </p:spPr>
+        <p:txBody>
+          <a:bodyPr wrap="square">
+            <a:spAutoFit/>
+          </a:bodyPr>
+          <a:lstStyle/>
+          <a:p>
+            <a:r>
+              <a:rPr lang="ko-Kore-KR" altLang="en-US" sz="1600" dirty="0">
+                <a:latin typeface="DM Mono" panose="020B0509040201040103" pitchFamily="49" charset="0"/>
+              </a:rPr>
+              <a:t>class Point {</a:t>
+            </a:r>
+          </a:p>
+          <a:p>
+            <a:r>
+              <a:rPr lang="ko-Kore-KR" altLang="en-US" sz="1600" dirty="0">
+                <a:latin typeface="DM Mono" panose="020B0509040201040103" pitchFamily="49" charset="0"/>
+              </a:rPr>
+              <a:t>    int x;</a:t>
+            </a:r>
+          </a:p>
+          <a:p>
+            <a:r>
+              <a:rPr lang="ko-Kore-KR" altLang="en-US" sz="1600" dirty="0">
+                <a:latin typeface="DM Mono" panose="020B0509040201040103" pitchFamily="49" charset="0"/>
+              </a:rPr>
+              <a:t>    int y;</a:t>
+            </a:r>
+          </a:p>
+          <a:p>
+            <a:endParaRPr lang="ko-Kore-KR" altLang="en-US" sz="1600" dirty="0">
+              <a:latin typeface="DM Mono" panose="020B0509040201040103" pitchFamily="49" charset="0"/>
+            </a:endParaRPr>
+          </a:p>
+          <a:p>
+            <a:r>
+              <a:rPr lang="ko-Kore-KR" altLang="en-US" sz="1600" dirty="0">
+                <a:latin typeface="DM Mono" panose="020B0509040201040103" pitchFamily="49" charset="0"/>
+              </a:rPr>
+              <a:t>public:</a:t>
+            </a:r>
+          </a:p>
+          <a:p>
+            <a:r>
+              <a:rPr lang="ko-Kore-KR" altLang="en-US" sz="1600" dirty="0">
+                <a:latin typeface="DM Mono" panose="020B0509040201040103" pitchFamily="49" charset="0"/>
+              </a:rPr>
+              <a:t>    void Set(int a, int b)</a:t>
+            </a:r>
+          </a:p>
+          <a:p>
+            <a:r>
+              <a:rPr lang="ko-Kore-KR" altLang="en-US" sz="1600" dirty="0">
+                <a:latin typeface="DM Mono" panose="020B0509040201040103" pitchFamily="49" charset="0"/>
+              </a:rPr>
+              <a:t>    {</a:t>
+            </a:r>
+          </a:p>
+          <a:p>
+            <a:r>
+              <a:rPr lang="ko-Kore-KR" altLang="en-US" sz="1600" dirty="0">
+                <a:latin typeface="DM Mono" panose="020B0509040201040103" pitchFamily="49" charset="0"/>
+              </a:rPr>
+              <a:t>        x = a;</a:t>
+            </a:r>
+          </a:p>
+          <a:p>
+            <a:r>
+              <a:rPr lang="ko-Kore-KR" altLang="en-US" sz="1600" dirty="0">
+                <a:latin typeface="DM Mono" panose="020B0509040201040103" pitchFamily="49" charset="0"/>
+              </a:rPr>
+              <a:t>        y = b;</a:t>
+            </a:r>
+          </a:p>
+          <a:p>
+            <a:r>
+              <a:rPr lang="ko-Kore-KR" altLang="en-US" sz="1600" dirty="0">
+                <a:latin typeface="DM Mono" panose="020B0509040201040103" pitchFamily="49" charset="0"/>
+              </a:rPr>
+              <a:t>    }</a:t>
+            </a:r>
+          </a:p>
+          <a:p>
+            <a:endParaRPr lang="ko-Kore-KR" altLang="en-US" sz="1600" dirty="0">
+              <a:latin typeface="DM Mono" panose="020B0509040201040103" pitchFamily="49" charset="0"/>
+            </a:endParaRPr>
+          </a:p>
+          <a:p>
+            <a:r>
+              <a:rPr lang="ko-Kore-KR" altLang="en-US" sz="1600" dirty="0">
+                <a:latin typeface="DM Mono" panose="020B0509040201040103" pitchFamily="49" charset="0"/>
+              </a:rPr>
+              <a:t>    void Print()</a:t>
+            </a:r>
+          </a:p>
+          <a:p>
+            <a:r>
+              <a:rPr lang="ko-Kore-KR" altLang="en-US" sz="1600" dirty="0">
+                <a:latin typeface="DM Mono" panose="020B0509040201040103" pitchFamily="49" charset="0"/>
+              </a:rPr>
+              <a:t>    {</a:t>
+            </a:r>
+          </a:p>
+          <a:p>
+            <a:r>
+              <a:rPr lang="ko-Kore-KR" altLang="en-US" sz="1600" dirty="0">
+                <a:latin typeface="DM Mono" panose="020B0509040201040103" pitchFamily="49" charset="0"/>
+              </a:rPr>
+              <a:t>        cout &lt;&lt; x &lt;&lt; ", " &lt;&lt; y &lt;&lt; endl;</a:t>
+            </a:r>
+          </a:p>
+          <a:p>
+            <a:r>
+              <a:rPr lang="ko-Kore-KR" altLang="en-US" sz="1600" dirty="0">
+                <a:latin typeface="DM Mono" panose="020B0509040201040103" pitchFamily="49" charset="0"/>
+              </a:rPr>
+              <a:t>    }</a:t>
+            </a:r>
+          </a:p>
+          <a:p>
+            <a:r>
+              <a:rPr lang="ko-Kore-KR" altLang="en-US" sz="1600" dirty="0">
+                <a:latin typeface="DM Mono" panose="020B0509040201040103" pitchFamily="49" charset="0"/>
+              </a:rPr>
+              <a:t>};</a:t>
+            </a:r>
+          </a:p>
+          <a:p>
+            <a:endParaRPr lang="ko-Kore-KR" altLang="en-US" sz="1600" dirty="0">
+              <a:latin typeface="DM Mono" panose="020B0509040201040103" pitchFamily="49" charset="0"/>
+            </a:endParaRPr>
+          </a:p>
+          <a:p>
+            <a:r>
+              <a:rPr lang="ko-Kore-KR" altLang="en-US" sz="1600" dirty="0">
+                <a:latin typeface="DM Mono" panose="020B0509040201040103" pitchFamily="49" charset="0"/>
+              </a:rPr>
+              <a:t>int main()</a:t>
+            </a:r>
+          </a:p>
+          <a:p>
+            <a:r>
+              <a:rPr lang="ko-Kore-KR" altLang="en-US" sz="1600" dirty="0">
+                <a:latin typeface="DM Mono" panose="020B0509040201040103" pitchFamily="49" charset="0"/>
+              </a:rPr>
+              <a:t>{</a:t>
+            </a:r>
+          </a:p>
+          <a:p>
+            <a:r>
+              <a:rPr lang="ko-Kore-KR" altLang="en-US" sz="1600" dirty="0">
+                <a:latin typeface="DM Mono" panose="020B0509040201040103" pitchFamily="49" charset="0"/>
+              </a:rPr>
+              <a:t>    Point pt1, pt2;</a:t>
+            </a:r>
+          </a:p>
+          <a:p>
+            <a:r>
+              <a:rPr lang="ko-Kore-KR" altLang="en-US" sz="1600" dirty="0">
+                <a:latin typeface="DM Mono" panose="020B0509040201040103" pitchFamily="49" charset="0"/>
+              </a:rPr>
+              <a:t>    pt1.Set(10, 20);</a:t>
+            </a:r>
+          </a:p>
+          <a:p>
+            <a:r>
+              <a:rPr lang="ko-Kore-KR" altLang="en-US" sz="1600" dirty="0">
+                <a:latin typeface="DM Mono" panose="020B0509040201040103" pitchFamily="49" charset="0"/>
+              </a:rPr>
+              <a:t>    pt1.Print();</a:t>
+            </a:r>
+          </a:p>
+          <a:p>
+            <a:endParaRPr lang="ko-Kore-KR" altLang="en-US" sz="1600" dirty="0">
+              <a:latin typeface="DM Mono" panose="020B0509040201040103" pitchFamily="49" charset="0"/>
+            </a:endParaRPr>
+          </a:p>
+          <a:p>
+            <a:r>
+              <a:rPr lang="ko-Kore-KR" altLang="en-US" sz="1600" dirty="0">
+                <a:latin typeface="DM Mono" panose="020B0509040201040103" pitchFamily="49" charset="0"/>
+              </a:rPr>
+              <a:t>    pt2.Set(100, 200);</a:t>
+            </a:r>
+          </a:p>
+          <a:p>
+            <a:r>
+              <a:rPr lang="ko-Kore-KR" altLang="en-US" sz="1600" dirty="0">
+                <a:latin typeface="DM Mono" panose="020B0509040201040103" pitchFamily="49" charset="0"/>
+              </a:rPr>
+              <a:t>    pt2.Print();</a:t>
+            </a:r>
+          </a:p>
+          <a:p>
+            <a:r>
+              <a:rPr lang="ko-Kore-KR" altLang="en-US" sz="1600" dirty="0">
+                <a:latin typeface="DM Mono" panose="020B0509040201040103" pitchFamily="49" charset="0"/>
+              </a:rPr>
+              <a:t>}</a:t>
+            </a:r>
+          </a:p>
+        </p:txBody>
+      </p:sp>
+      <p:sp>
+        <p:nvSpPr>
+          <p:cNvPr id="27" name="직사각형 26">
+            <a:extLst>
+              <a:ext uri="{FF2B5EF4-FFF2-40B4-BE49-F238E27FC236}">
+                <a16:creationId xmlns:a16="http://schemas.microsoft.com/office/drawing/2014/main" id="{416C6628-7ED5-C529-B0AF-BE33BEA6C75B}"/>
+              </a:ext>
+            </a:extLst>
+          </p:cNvPr>
+          <p:cNvSpPr/>
+          <p:nvPr/>
+        </p:nvSpPr>
+        <p:spPr>
+          <a:xfrm>
+            <a:off x="6620055" y="4560708"/>
+            <a:ext cx="1414732" cy="511624"/>
+          </a:xfrm>
+          <a:prstGeom prst="rect">
+            <a:avLst/>
+          </a:prstGeom>
+          <a:solidFill>
+            <a:srgbClr val="FFFF00"/>
+          </a:solidFill>
+        </p:spPr>
+        <p:style>
+          <a:lnRef idx="2">
+            <a:schemeClr val="accent1">
+              <a:shade val="15000"/>
+            </a:schemeClr>
+          </a:lnRef>
+          <a:fillRef idx="1">
+            <a:schemeClr val="accent1"/>
+          </a:fillRef>
+          <a:effectRef idx="0">
+            <a:schemeClr val="accent1"/>
+          </a:effectRef>
+          <a:fontRef idx="minor">
+            <a:schemeClr val="lt1"/>
+          </a:fontRef>
+        </p:style>
+        <p:txBody>
+          <a:bodyPr rtlCol="0" anchor="ctr"/>
+          <a:lstStyle/>
+          <a:p>
+            <a:pPr algn="ctr"/>
+            <a:endParaRPr kumimoji="1" lang="ko-Kore-KR" altLang="en-US" dirty="0">
+              <a:solidFill>
+                <a:schemeClr val="tx1"/>
+              </a:solidFill>
+              <a:latin typeface="DM Mono" panose="020B0509040201040103" pitchFamily="49" charset="0"/>
+            </a:endParaRPr>
+          </a:p>
+        </p:txBody>
+      </p:sp>
+      <p:sp>
+        <p:nvSpPr>
+          <p:cNvPr id="28" name="TextBox 27">
+            <a:extLst>
+              <a:ext uri="{FF2B5EF4-FFF2-40B4-BE49-F238E27FC236}">
+                <a16:creationId xmlns:a16="http://schemas.microsoft.com/office/drawing/2014/main" id="{795546AC-41CE-FB3B-BBE4-A86DB1180079}"/>
+              </a:ext>
+            </a:extLst>
+          </p:cNvPr>
+          <p:cNvSpPr txBox="1"/>
+          <p:nvPr/>
+        </p:nvSpPr>
+        <p:spPr>
+          <a:xfrm>
+            <a:off x="6096000" y="4631854"/>
+            <a:ext cx="524055" cy="369332"/>
+          </a:xfrm>
+          <a:prstGeom prst="rect">
+            <a:avLst/>
+          </a:prstGeom>
+          <a:noFill/>
+        </p:spPr>
+        <p:txBody>
+          <a:bodyPr wrap="square">
+            <a:spAutoFit/>
+          </a:bodyPr>
+          <a:lstStyle/>
+          <a:p>
+            <a:pPr algn="r"/>
+            <a:r>
+              <a:rPr lang="en-US" altLang="ko-Kore-KR" dirty="0">
+                <a:latin typeface="DM Mono" panose="020B0509040201040103" pitchFamily="49" charset="0"/>
+              </a:rPr>
+              <a:t>x</a:t>
+            </a:r>
+            <a:endParaRPr lang="ko-Kore-KR" altLang="en-US" dirty="0"/>
+          </a:p>
+        </p:txBody>
+      </p:sp>
+      <p:sp>
+        <p:nvSpPr>
+          <p:cNvPr id="29" name="TextBox 28">
+            <a:extLst>
+              <a:ext uri="{FF2B5EF4-FFF2-40B4-BE49-F238E27FC236}">
+                <a16:creationId xmlns:a16="http://schemas.microsoft.com/office/drawing/2014/main" id="{E3D01BEC-783C-929A-707E-53E2EA310A29}"/>
+              </a:ext>
+            </a:extLst>
+          </p:cNvPr>
+          <p:cNvSpPr txBox="1"/>
+          <p:nvPr/>
+        </p:nvSpPr>
+        <p:spPr>
+          <a:xfrm>
+            <a:off x="6987756" y="4191376"/>
+            <a:ext cx="679330" cy="369332"/>
+          </a:xfrm>
+          <a:prstGeom prst="rect">
+            <a:avLst/>
+          </a:prstGeom>
+          <a:noFill/>
+        </p:spPr>
+        <p:txBody>
+          <a:bodyPr wrap="square">
+            <a:spAutoFit/>
+          </a:bodyPr>
+          <a:lstStyle/>
+          <a:p>
+            <a:pPr algn="ctr"/>
+            <a:r>
+              <a:rPr lang="en-US" altLang="ko-Kore-KR" dirty="0">
+                <a:latin typeface="DM Mono" panose="020B0509040201040103" pitchFamily="49" charset="0"/>
+              </a:rPr>
+              <a:t>pt1</a:t>
+            </a:r>
+            <a:endParaRPr lang="ko-Kore-KR" altLang="en-US" dirty="0"/>
+          </a:p>
+        </p:txBody>
+      </p:sp>
+      <p:sp>
+        <p:nvSpPr>
+          <p:cNvPr id="30" name="직사각형 29">
+            <a:extLst>
+              <a:ext uri="{FF2B5EF4-FFF2-40B4-BE49-F238E27FC236}">
+                <a16:creationId xmlns:a16="http://schemas.microsoft.com/office/drawing/2014/main" id="{1A6EC91E-DC43-A43F-083C-4112768501C6}"/>
+              </a:ext>
+            </a:extLst>
+          </p:cNvPr>
+          <p:cNvSpPr/>
+          <p:nvPr/>
+        </p:nvSpPr>
+        <p:spPr>
+          <a:xfrm>
+            <a:off x="6620055" y="5072332"/>
+            <a:ext cx="1414732" cy="511624"/>
+          </a:xfrm>
+          <a:prstGeom prst="rect">
+            <a:avLst/>
+          </a:prstGeom>
+          <a:solidFill>
+            <a:srgbClr val="FFFF00"/>
+          </a:solidFill>
+        </p:spPr>
+        <p:style>
+          <a:lnRef idx="2">
+            <a:schemeClr val="accent1">
+              <a:shade val="15000"/>
+            </a:schemeClr>
+          </a:lnRef>
+          <a:fillRef idx="1">
+            <a:schemeClr val="accent1"/>
+          </a:fillRef>
+          <a:effectRef idx="0">
+            <a:schemeClr val="accent1"/>
+          </a:effectRef>
+          <a:fontRef idx="minor">
+            <a:schemeClr val="lt1"/>
+          </a:fontRef>
+        </p:style>
+        <p:txBody>
+          <a:bodyPr rtlCol="0" anchor="ctr"/>
+          <a:lstStyle/>
+          <a:p>
+            <a:pPr algn="ctr"/>
+            <a:endParaRPr kumimoji="1" lang="ko-Kore-KR" altLang="en-US" dirty="0">
+              <a:solidFill>
+                <a:schemeClr val="tx1"/>
+              </a:solidFill>
+              <a:latin typeface="DM Mono" panose="020B0509040201040103" pitchFamily="49" charset="0"/>
+            </a:endParaRPr>
+          </a:p>
+        </p:txBody>
+      </p:sp>
+      <p:sp>
+        <p:nvSpPr>
+          <p:cNvPr id="31" name="TextBox 30">
+            <a:extLst>
+              <a:ext uri="{FF2B5EF4-FFF2-40B4-BE49-F238E27FC236}">
+                <a16:creationId xmlns:a16="http://schemas.microsoft.com/office/drawing/2014/main" id="{8D7A90F4-94C2-38AA-6736-05DD74A2F1FF}"/>
+              </a:ext>
+            </a:extLst>
+          </p:cNvPr>
+          <p:cNvSpPr txBox="1"/>
+          <p:nvPr/>
+        </p:nvSpPr>
+        <p:spPr>
+          <a:xfrm>
+            <a:off x="6096000" y="5143478"/>
+            <a:ext cx="524055" cy="369332"/>
+          </a:xfrm>
+          <a:prstGeom prst="rect">
+            <a:avLst/>
+          </a:prstGeom>
+          <a:noFill/>
+        </p:spPr>
+        <p:txBody>
+          <a:bodyPr wrap="square">
+            <a:spAutoFit/>
+          </a:bodyPr>
+          <a:lstStyle/>
+          <a:p>
+            <a:pPr algn="r"/>
+            <a:r>
+              <a:rPr lang="en-US" altLang="ko-Kore-KR" dirty="0">
+                <a:latin typeface="DM Mono" panose="020B0509040201040103" pitchFamily="49" charset="0"/>
+              </a:rPr>
+              <a:t>y</a:t>
+            </a:r>
+            <a:endParaRPr lang="ko-Kore-KR" altLang="en-US" dirty="0"/>
+          </a:p>
+        </p:txBody>
+      </p:sp>
+      <p:sp>
+        <p:nvSpPr>
+          <p:cNvPr id="32" name="직사각형 31">
+            <a:extLst>
+              <a:ext uri="{FF2B5EF4-FFF2-40B4-BE49-F238E27FC236}">
+                <a16:creationId xmlns:a16="http://schemas.microsoft.com/office/drawing/2014/main" id="{DFAF3B86-72C2-7933-AB5A-7ADE088098AB}"/>
+              </a:ext>
+            </a:extLst>
+          </p:cNvPr>
+          <p:cNvSpPr/>
+          <p:nvPr/>
+        </p:nvSpPr>
+        <p:spPr>
+          <a:xfrm>
+            <a:off x="9029341" y="4560708"/>
+            <a:ext cx="1414732" cy="511624"/>
+          </a:xfrm>
+          <a:prstGeom prst="rect">
+            <a:avLst/>
+          </a:prstGeom>
+          <a:solidFill>
+            <a:srgbClr val="FFFF00"/>
+          </a:solidFill>
+        </p:spPr>
+        <p:style>
+          <a:lnRef idx="2">
+            <a:schemeClr val="accent1">
+              <a:shade val="15000"/>
+            </a:schemeClr>
+          </a:lnRef>
+          <a:fillRef idx="1">
+            <a:schemeClr val="accent1"/>
+          </a:fillRef>
+          <a:effectRef idx="0">
+            <a:schemeClr val="accent1"/>
+          </a:effectRef>
+          <a:fontRef idx="minor">
+            <a:schemeClr val="lt1"/>
+          </a:fontRef>
+        </p:style>
+        <p:txBody>
+          <a:bodyPr rtlCol="0" anchor="ctr"/>
+          <a:lstStyle/>
+          <a:p>
+            <a:pPr algn="ctr"/>
+            <a:endParaRPr kumimoji="1" lang="ko-Kore-KR" altLang="en-US" dirty="0">
+              <a:solidFill>
+                <a:schemeClr val="tx1"/>
+              </a:solidFill>
+              <a:latin typeface="DM Mono" panose="020B0509040201040103" pitchFamily="49" charset="0"/>
+            </a:endParaRPr>
+          </a:p>
+        </p:txBody>
+      </p:sp>
+      <p:sp>
+        <p:nvSpPr>
+          <p:cNvPr id="33" name="TextBox 32">
+            <a:extLst>
+              <a:ext uri="{FF2B5EF4-FFF2-40B4-BE49-F238E27FC236}">
+                <a16:creationId xmlns:a16="http://schemas.microsoft.com/office/drawing/2014/main" id="{0D73DF93-4DC2-6E39-233E-97E5A36D00F3}"/>
+              </a:ext>
+            </a:extLst>
+          </p:cNvPr>
+          <p:cNvSpPr txBox="1"/>
+          <p:nvPr/>
+        </p:nvSpPr>
+        <p:spPr>
+          <a:xfrm>
+            <a:off x="8505286" y="4631854"/>
+            <a:ext cx="524055" cy="369332"/>
+          </a:xfrm>
+          <a:prstGeom prst="rect">
+            <a:avLst/>
+          </a:prstGeom>
+          <a:noFill/>
+        </p:spPr>
+        <p:txBody>
+          <a:bodyPr wrap="square">
+            <a:spAutoFit/>
+          </a:bodyPr>
+          <a:lstStyle/>
+          <a:p>
+            <a:pPr algn="r"/>
+            <a:r>
+              <a:rPr lang="en-US" altLang="ko-Kore-KR" dirty="0">
+                <a:latin typeface="DM Mono" panose="020B0509040201040103" pitchFamily="49" charset="0"/>
+              </a:rPr>
+              <a:t>x</a:t>
+            </a:r>
+            <a:endParaRPr lang="ko-Kore-KR" altLang="en-US" dirty="0"/>
+          </a:p>
+        </p:txBody>
+      </p:sp>
+      <p:sp>
+        <p:nvSpPr>
+          <p:cNvPr id="34" name="TextBox 33">
+            <a:extLst>
+              <a:ext uri="{FF2B5EF4-FFF2-40B4-BE49-F238E27FC236}">
+                <a16:creationId xmlns:a16="http://schemas.microsoft.com/office/drawing/2014/main" id="{B5521A07-0291-757F-D59B-E609E665FEDB}"/>
+              </a:ext>
+            </a:extLst>
+          </p:cNvPr>
+          <p:cNvSpPr txBox="1"/>
+          <p:nvPr/>
+        </p:nvSpPr>
+        <p:spPr>
+          <a:xfrm>
+            <a:off x="9397042" y="4191376"/>
+            <a:ext cx="679330" cy="369332"/>
+          </a:xfrm>
+          <a:prstGeom prst="rect">
+            <a:avLst/>
+          </a:prstGeom>
+          <a:noFill/>
+        </p:spPr>
+        <p:txBody>
+          <a:bodyPr wrap="square">
+            <a:spAutoFit/>
+          </a:bodyPr>
+          <a:lstStyle/>
+          <a:p>
+            <a:pPr algn="ctr"/>
+            <a:r>
+              <a:rPr lang="en-US" altLang="ko-Kore-KR" dirty="0">
+                <a:latin typeface="DM Mono" panose="020B0509040201040103" pitchFamily="49" charset="0"/>
+              </a:rPr>
+              <a:t>pt2</a:t>
+            </a:r>
+            <a:endParaRPr lang="ko-Kore-KR" altLang="en-US" dirty="0"/>
+          </a:p>
+        </p:txBody>
+      </p:sp>
+      <p:sp>
+        <p:nvSpPr>
+          <p:cNvPr id="35" name="직사각형 34">
+            <a:extLst>
+              <a:ext uri="{FF2B5EF4-FFF2-40B4-BE49-F238E27FC236}">
+                <a16:creationId xmlns:a16="http://schemas.microsoft.com/office/drawing/2014/main" id="{7D86D88E-B2CB-BBE3-EFBC-80DAEF348F67}"/>
+              </a:ext>
+            </a:extLst>
+          </p:cNvPr>
+          <p:cNvSpPr/>
+          <p:nvPr/>
+        </p:nvSpPr>
+        <p:spPr>
+          <a:xfrm>
+            <a:off x="9029341" y="5072332"/>
+            <a:ext cx="1414732" cy="511624"/>
+          </a:xfrm>
+          <a:prstGeom prst="rect">
+            <a:avLst/>
+          </a:prstGeom>
+          <a:solidFill>
+            <a:srgbClr val="FFFF00"/>
+          </a:solidFill>
+        </p:spPr>
+        <p:style>
+          <a:lnRef idx="2">
+            <a:schemeClr val="accent1">
+              <a:shade val="15000"/>
+            </a:schemeClr>
+          </a:lnRef>
+          <a:fillRef idx="1">
+            <a:schemeClr val="accent1"/>
+          </a:fillRef>
+          <a:effectRef idx="0">
+            <a:schemeClr val="accent1"/>
+          </a:effectRef>
+          <a:fontRef idx="minor">
+            <a:schemeClr val="lt1"/>
+          </a:fontRef>
+        </p:style>
+        <p:txBody>
+          <a:bodyPr rtlCol="0" anchor="ctr"/>
+          <a:lstStyle/>
+          <a:p>
+            <a:pPr algn="ctr"/>
+            <a:endParaRPr kumimoji="1" lang="ko-Kore-KR" altLang="en-US" dirty="0">
+              <a:solidFill>
+                <a:schemeClr val="tx1"/>
+              </a:solidFill>
+              <a:latin typeface="DM Mono" panose="020B0509040201040103" pitchFamily="49" charset="0"/>
+            </a:endParaRPr>
+          </a:p>
+        </p:txBody>
+      </p:sp>
+      <p:sp>
+        <p:nvSpPr>
+          <p:cNvPr id="36" name="TextBox 35">
+            <a:extLst>
+              <a:ext uri="{FF2B5EF4-FFF2-40B4-BE49-F238E27FC236}">
+                <a16:creationId xmlns:a16="http://schemas.microsoft.com/office/drawing/2014/main" id="{5337AB4F-6C65-0641-7F6A-1537B25C2DAB}"/>
+              </a:ext>
+            </a:extLst>
+          </p:cNvPr>
+          <p:cNvSpPr txBox="1"/>
+          <p:nvPr/>
+        </p:nvSpPr>
+        <p:spPr>
+          <a:xfrm>
+            <a:off x="8505286" y="5143478"/>
+            <a:ext cx="524055" cy="369332"/>
+          </a:xfrm>
+          <a:prstGeom prst="rect">
+            <a:avLst/>
+          </a:prstGeom>
+          <a:noFill/>
+        </p:spPr>
+        <p:txBody>
+          <a:bodyPr wrap="square">
+            <a:spAutoFit/>
+          </a:bodyPr>
+          <a:lstStyle/>
+          <a:p>
+            <a:pPr algn="r"/>
+            <a:r>
+              <a:rPr lang="en-US" altLang="ko-Kore-KR" dirty="0">
+                <a:latin typeface="DM Mono" panose="020B0509040201040103" pitchFamily="49" charset="0"/>
+              </a:rPr>
+              <a:t>y</a:t>
+            </a:r>
+            <a:endParaRPr lang="ko-Kore-KR" altLang="en-US" dirty="0"/>
+          </a:p>
+        </p:txBody>
+      </p:sp>
+      <p:sp>
+        <p:nvSpPr>
+          <p:cNvPr id="38" name="TextBox 37">
+            <a:extLst>
+              <a:ext uri="{FF2B5EF4-FFF2-40B4-BE49-F238E27FC236}">
+                <a16:creationId xmlns:a16="http://schemas.microsoft.com/office/drawing/2014/main" id="{B86642B1-46A0-1CF0-F2C7-03E908CA680D}"/>
+              </a:ext>
+            </a:extLst>
+          </p:cNvPr>
+          <p:cNvSpPr txBox="1"/>
+          <p:nvPr/>
+        </p:nvSpPr>
+        <p:spPr>
+          <a:xfrm>
+            <a:off x="5982060" y="1714522"/>
+            <a:ext cx="6094562" cy="1477328"/>
+          </a:xfrm>
+          <a:prstGeom prst="rect">
+            <a:avLst/>
+          </a:prstGeom>
+          <a:noFill/>
+        </p:spPr>
+        <p:txBody>
+          <a:bodyPr wrap="square">
+            <a:spAutoFit/>
+          </a:bodyPr>
+          <a:lstStyle/>
+          <a:p>
+            <a:r>
+              <a:rPr lang="ko-Kore-KR" altLang="en-US" sz="1800" dirty="0">
+                <a:latin typeface="DM Mono" panose="020B0509040201040103" pitchFamily="49" charset="0"/>
+              </a:rPr>
+              <a:t> </a:t>
+            </a:r>
+            <a:r>
+              <a:rPr lang="en-US" altLang="ko-Kore-KR" sz="1800" dirty="0">
+                <a:latin typeface="DM Mono" panose="020B0509040201040103" pitchFamily="49" charset="0"/>
+              </a:rPr>
+              <a:t>   </a:t>
+            </a:r>
+            <a:r>
+              <a:rPr lang="ko-Kore-KR" altLang="en-US" sz="1800" dirty="0">
+                <a:latin typeface="DM Mono" panose="020B0509040201040103" pitchFamily="49" charset="0"/>
+              </a:rPr>
+              <a:t>void </a:t>
+            </a:r>
+            <a:r>
+              <a:rPr lang="en-US" altLang="ko-Kore-KR" sz="1800" dirty="0">
+                <a:latin typeface="DM Mono" panose="020B0509040201040103" pitchFamily="49" charset="0"/>
+              </a:rPr>
+              <a:t>Point::</a:t>
+            </a:r>
+            <a:r>
+              <a:rPr lang="ko-Kore-KR" altLang="en-US" sz="1800" dirty="0">
+                <a:latin typeface="DM Mono" panose="020B0509040201040103" pitchFamily="49" charset="0"/>
+              </a:rPr>
+              <a:t>Set(int a, int b)</a:t>
+            </a:r>
+          </a:p>
+          <a:p>
+            <a:r>
+              <a:rPr lang="ko-Kore-KR" altLang="en-US" sz="1800" dirty="0">
+                <a:latin typeface="DM Mono" panose="020B0509040201040103" pitchFamily="49" charset="0"/>
+              </a:rPr>
+              <a:t>    {</a:t>
+            </a:r>
+          </a:p>
+          <a:p>
+            <a:r>
+              <a:rPr lang="ko-Kore-KR" altLang="en-US" sz="1800" dirty="0">
+                <a:latin typeface="DM Mono" panose="020B0509040201040103" pitchFamily="49" charset="0"/>
+              </a:rPr>
+              <a:t>        x = a;</a:t>
+            </a:r>
+          </a:p>
+          <a:p>
+            <a:r>
+              <a:rPr lang="ko-Kore-KR" altLang="en-US" sz="1800" dirty="0">
+                <a:latin typeface="DM Mono" panose="020B0509040201040103" pitchFamily="49" charset="0"/>
+              </a:rPr>
+              <a:t>        y = b;</a:t>
+            </a:r>
+          </a:p>
+          <a:p>
+            <a:r>
+              <a:rPr lang="ko-Kore-KR" altLang="en-US" sz="1800" dirty="0">
+                <a:latin typeface="DM Mono" panose="020B0509040201040103" pitchFamily="49" charset="0"/>
+              </a:rPr>
+              <a:t>    }</a:t>
+            </a:r>
+            <a:endParaRPr lang="ko-Kore-KR" altLang="en-US" dirty="0"/>
+          </a:p>
+        </p:txBody>
+      </p:sp>
+    </p:spTree>
+    <p:extLst>
+      <p:ext uri="{BB962C8B-B14F-4D97-AF65-F5344CB8AC3E}">
+        <p14:creationId xmlns:p14="http://schemas.microsoft.com/office/powerpoint/2010/main" val="2274847061"/>
+      </p:ext>
+    </p:extLst>
+  </p:cSld>
+  <p:clrMapOvr>
+    <a:masterClrMapping/>
+  </p:clrMapOvr>
+</p:sld>
+</file>
+
+<file path=ppt/slides/slide7.xml><?xml version="1.0" encoding="utf-8"?>
+<p:sld xmlns:a="http://schemas.openxmlformats.org/drawingml/2006/main" xmlns:r="http://schemas.openxmlformats.org/officeDocument/2006/relationships" xmlns:p="http://schemas.openxmlformats.org/presentationml/2006/main">
+  <p:cSld>
+    <p:spTree>
+      <p:nvGrpSpPr>
+        <p:cNvPr id="1" name=""/>
+        <p:cNvGrpSpPr/>
+        <p:nvPr/>
+      </p:nvGrpSpPr>
+      <p:grpSpPr>
+        <a:xfrm>
+          <a:off x="0" y="0"/>
+          <a:ext cx="0" cy="0"/>
+          <a:chOff x="0" y="0"/>
+          <a:chExt cx="0" cy="0"/>
+        </a:xfrm>
+      </p:grpSpPr>
+      <p:sp>
+        <p:nvSpPr>
+          <p:cNvPr id="26" name="TextBox 25">
+            <a:extLst>
+              <a:ext uri="{FF2B5EF4-FFF2-40B4-BE49-F238E27FC236}">
+                <a16:creationId xmlns:a16="http://schemas.microsoft.com/office/drawing/2014/main" id="{3719B63F-3882-0915-BFDB-068A3E553C25}"/>
+              </a:ext>
+            </a:extLst>
+          </p:cNvPr>
+          <p:cNvSpPr txBox="1"/>
+          <p:nvPr/>
+        </p:nvSpPr>
+        <p:spPr>
+          <a:xfrm>
+            <a:off x="580126" y="239048"/>
+            <a:ext cx="6295127" cy="6494085"/>
+          </a:xfrm>
+          <a:prstGeom prst="rect">
+            <a:avLst/>
+          </a:prstGeom>
+          <a:noFill/>
+        </p:spPr>
+        <p:txBody>
+          <a:bodyPr wrap="square">
+            <a:spAutoFit/>
+          </a:bodyPr>
+          <a:lstStyle/>
+          <a:p>
+            <a:r>
+              <a:rPr lang="ko-Kore-KR" altLang="en-US" sz="1600" dirty="0">
+                <a:latin typeface="DM Mono" panose="020B0509040201040103" pitchFamily="49" charset="0"/>
+              </a:rPr>
+              <a:t>class Point {</a:t>
+            </a:r>
+          </a:p>
+          <a:p>
+            <a:r>
+              <a:rPr lang="ko-Kore-KR" altLang="en-US" sz="1600" dirty="0">
+                <a:latin typeface="DM Mono" panose="020B0509040201040103" pitchFamily="49" charset="0"/>
+              </a:rPr>
+              <a:t>    int x;</a:t>
+            </a:r>
+          </a:p>
+          <a:p>
+            <a:r>
+              <a:rPr lang="ko-Kore-KR" altLang="en-US" sz="1600" dirty="0">
+                <a:latin typeface="DM Mono" panose="020B0509040201040103" pitchFamily="49" charset="0"/>
+              </a:rPr>
+              <a:t>    int y;</a:t>
+            </a:r>
+          </a:p>
+          <a:p>
+            <a:endParaRPr lang="ko-Kore-KR" altLang="en-US" sz="1600" dirty="0">
+              <a:latin typeface="DM Mono" panose="020B0509040201040103" pitchFamily="49" charset="0"/>
+            </a:endParaRPr>
+          </a:p>
+          <a:p>
+            <a:r>
+              <a:rPr lang="ko-Kore-KR" altLang="en-US" sz="1600" dirty="0">
+                <a:latin typeface="DM Mono" panose="020B0509040201040103" pitchFamily="49" charset="0"/>
+              </a:rPr>
+              <a:t>public:</a:t>
+            </a:r>
+          </a:p>
+          <a:p>
+            <a:r>
+              <a:rPr lang="ko-Kore-KR" altLang="en-US" sz="1600" dirty="0">
+                <a:latin typeface="DM Mono" panose="020B0509040201040103" pitchFamily="49" charset="0"/>
+              </a:rPr>
+              <a:t>    void Set(int a, int b)</a:t>
+            </a:r>
+          </a:p>
+          <a:p>
+            <a:r>
+              <a:rPr lang="ko-Kore-KR" altLang="en-US" sz="1600" dirty="0">
+                <a:latin typeface="DM Mono" panose="020B0509040201040103" pitchFamily="49" charset="0"/>
+              </a:rPr>
+              <a:t>    {</a:t>
+            </a:r>
+          </a:p>
+          <a:p>
+            <a:r>
+              <a:rPr lang="ko-Kore-KR" altLang="en-US" sz="1600" dirty="0">
+                <a:latin typeface="DM Mono" panose="020B0509040201040103" pitchFamily="49" charset="0"/>
+              </a:rPr>
+              <a:t>        x = a;</a:t>
+            </a:r>
+          </a:p>
+          <a:p>
+            <a:r>
+              <a:rPr lang="ko-Kore-KR" altLang="en-US" sz="1600" dirty="0">
+                <a:latin typeface="DM Mono" panose="020B0509040201040103" pitchFamily="49" charset="0"/>
+              </a:rPr>
+              <a:t>        y = b;</a:t>
+            </a:r>
+          </a:p>
+          <a:p>
+            <a:r>
+              <a:rPr lang="ko-Kore-KR" altLang="en-US" sz="1600" dirty="0">
+                <a:latin typeface="DM Mono" panose="020B0509040201040103" pitchFamily="49" charset="0"/>
+              </a:rPr>
+              <a:t>    }</a:t>
+            </a:r>
+          </a:p>
+          <a:p>
+            <a:endParaRPr lang="ko-Kore-KR" altLang="en-US" sz="1600" dirty="0">
+              <a:latin typeface="DM Mono" panose="020B0509040201040103" pitchFamily="49" charset="0"/>
+            </a:endParaRPr>
+          </a:p>
+          <a:p>
+            <a:r>
+              <a:rPr lang="ko-Kore-KR" altLang="en-US" sz="1600" dirty="0">
+                <a:latin typeface="DM Mono" panose="020B0509040201040103" pitchFamily="49" charset="0"/>
+              </a:rPr>
+              <a:t>    void Print()</a:t>
+            </a:r>
+          </a:p>
+          <a:p>
+            <a:r>
+              <a:rPr lang="ko-Kore-KR" altLang="en-US" sz="1600" dirty="0">
+                <a:latin typeface="DM Mono" panose="020B0509040201040103" pitchFamily="49" charset="0"/>
+              </a:rPr>
+              <a:t>    {</a:t>
+            </a:r>
+          </a:p>
+          <a:p>
+            <a:r>
+              <a:rPr lang="ko-Kore-KR" altLang="en-US" sz="1600" dirty="0">
+                <a:latin typeface="DM Mono" panose="020B0509040201040103" pitchFamily="49" charset="0"/>
+              </a:rPr>
+              <a:t>        cout &lt;&lt; x &lt;&lt; ", " &lt;&lt; y &lt;&lt; endl;</a:t>
+            </a:r>
+          </a:p>
+          <a:p>
+            <a:r>
+              <a:rPr lang="ko-Kore-KR" altLang="en-US" sz="1600" dirty="0">
+                <a:latin typeface="DM Mono" panose="020B0509040201040103" pitchFamily="49" charset="0"/>
+              </a:rPr>
+              <a:t>    }</a:t>
+            </a:r>
+          </a:p>
+          <a:p>
+            <a:r>
+              <a:rPr lang="ko-Kore-KR" altLang="en-US" sz="1600" dirty="0">
+                <a:latin typeface="DM Mono" panose="020B0509040201040103" pitchFamily="49" charset="0"/>
+              </a:rPr>
+              <a:t>};</a:t>
+            </a:r>
+          </a:p>
+          <a:p>
+            <a:endParaRPr lang="ko-Kore-KR" altLang="en-US" sz="1600" dirty="0">
+              <a:latin typeface="DM Mono" panose="020B0509040201040103" pitchFamily="49" charset="0"/>
+            </a:endParaRPr>
+          </a:p>
+          <a:p>
+            <a:r>
+              <a:rPr lang="ko-Kore-KR" altLang="en-US" sz="1600" dirty="0">
+                <a:latin typeface="DM Mono" panose="020B0509040201040103" pitchFamily="49" charset="0"/>
+              </a:rPr>
+              <a:t>int main()</a:t>
+            </a:r>
+          </a:p>
+          <a:p>
+            <a:r>
+              <a:rPr lang="ko-Kore-KR" altLang="en-US" sz="1600" dirty="0">
+                <a:latin typeface="DM Mono" panose="020B0509040201040103" pitchFamily="49" charset="0"/>
+              </a:rPr>
+              <a:t>{</a:t>
+            </a:r>
+          </a:p>
+          <a:p>
+            <a:r>
+              <a:rPr lang="ko-Kore-KR" altLang="en-US" sz="1600" dirty="0">
+                <a:latin typeface="DM Mono" panose="020B0509040201040103" pitchFamily="49" charset="0"/>
+              </a:rPr>
+              <a:t>    Point pt1, pt2;</a:t>
+            </a:r>
+          </a:p>
+          <a:p>
+            <a:r>
+              <a:rPr lang="ko-Kore-KR" altLang="en-US" sz="1600" dirty="0">
+                <a:solidFill>
+                  <a:srgbClr val="FF0000"/>
+                </a:solidFill>
+                <a:latin typeface="DM Mono" panose="020B0509040201040103" pitchFamily="49" charset="0"/>
+              </a:rPr>
+              <a:t>    pt1.Set(10, 20);</a:t>
+            </a:r>
+            <a:r>
+              <a:rPr lang="en-US" altLang="ko-Kore-KR" sz="1600" dirty="0">
+                <a:solidFill>
+                  <a:srgbClr val="FF0000"/>
+                </a:solidFill>
+                <a:latin typeface="DM Mono" panose="020B0509040201040103" pitchFamily="49" charset="0"/>
+              </a:rPr>
+              <a:t> // Point::Set(&amp;pt1, 10, 20)</a:t>
+            </a:r>
+            <a:endParaRPr lang="ko-Kore-KR" altLang="en-US" sz="1600" dirty="0">
+              <a:solidFill>
+                <a:srgbClr val="FF0000"/>
+              </a:solidFill>
+              <a:latin typeface="DM Mono" panose="020B0509040201040103" pitchFamily="49" charset="0"/>
+            </a:endParaRPr>
+          </a:p>
+          <a:p>
+            <a:r>
+              <a:rPr lang="ko-Kore-KR" altLang="en-US" sz="1600" dirty="0">
+                <a:latin typeface="DM Mono" panose="020B0509040201040103" pitchFamily="49" charset="0"/>
+              </a:rPr>
+              <a:t>    pt1.Print();</a:t>
+            </a:r>
+          </a:p>
+          <a:p>
+            <a:endParaRPr lang="ko-Kore-KR" altLang="en-US" sz="1600" dirty="0">
+              <a:latin typeface="DM Mono" panose="020B0509040201040103" pitchFamily="49" charset="0"/>
+            </a:endParaRPr>
+          </a:p>
+          <a:p>
+            <a:r>
+              <a:rPr lang="ko-Kore-KR" altLang="en-US" sz="1600" dirty="0">
+                <a:latin typeface="DM Mono" panose="020B0509040201040103" pitchFamily="49" charset="0"/>
+              </a:rPr>
+              <a:t>    pt2.Set(100, 200);</a:t>
+            </a:r>
+          </a:p>
+          <a:p>
+            <a:r>
+              <a:rPr lang="ko-Kore-KR" altLang="en-US" sz="1600" dirty="0">
+                <a:latin typeface="DM Mono" panose="020B0509040201040103" pitchFamily="49" charset="0"/>
+              </a:rPr>
+              <a:t>    pt2.Print();</a:t>
+            </a:r>
+          </a:p>
+          <a:p>
+            <a:r>
+              <a:rPr lang="ko-Kore-KR" altLang="en-US" sz="1600" dirty="0">
+                <a:latin typeface="DM Mono" panose="020B0509040201040103" pitchFamily="49" charset="0"/>
+              </a:rPr>
+              <a:t>}</a:t>
+            </a:r>
+          </a:p>
+        </p:txBody>
+      </p:sp>
+      <p:sp>
+        <p:nvSpPr>
+          <p:cNvPr id="27" name="직사각형 26">
+            <a:extLst>
+              <a:ext uri="{FF2B5EF4-FFF2-40B4-BE49-F238E27FC236}">
+                <a16:creationId xmlns:a16="http://schemas.microsoft.com/office/drawing/2014/main" id="{416C6628-7ED5-C529-B0AF-BE33BEA6C75B}"/>
+              </a:ext>
+            </a:extLst>
+          </p:cNvPr>
+          <p:cNvSpPr/>
+          <p:nvPr/>
+        </p:nvSpPr>
+        <p:spPr>
+          <a:xfrm>
+            <a:off x="7267036" y="4526203"/>
+            <a:ext cx="1414732" cy="511624"/>
+          </a:xfrm>
+          <a:prstGeom prst="rect">
+            <a:avLst/>
+          </a:prstGeom>
+          <a:solidFill>
+            <a:srgbClr val="FFFF00"/>
+          </a:solidFill>
+        </p:spPr>
+        <p:style>
+          <a:lnRef idx="2">
+            <a:schemeClr val="accent1">
+              <a:shade val="15000"/>
+            </a:schemeClr>
+          </a:lnRef>
+          <a:fillRef idx="1">
+            <a:schemeClr val="accent1"/>
+          </a:fillRef>
+          <a:effectRef idx="0">
+            <a:schemeClr val="accent1"/>
+          </a:effectRef>
+          <a:fontRef idx="minor">
+            <a:schemeClr val="lt1"/>
+          </a:fontRef>
+        </p:style>
+        <p:txBody>
+          <a:bodyPr rtlCol="0" anchor="ctr"/>
+          <a:lstStyle/>
+          <a:p>
+            <a:pPr algn="ctr"/>
+            <a:r>
+              <a:rPr kumimoji="1" lang="en-US" altLang="ko-Kore-KR" dirty="0">
+                <a:solidFill>
+                  <a:schemeClr val="tx1"/>
+                </a:solidFill>
+                <a:latin typeface="DM Mono" panose="020B0509040201040103" pitchFamily="49" charset="0"/>
+              </a:rPr>
+              <a:t>10</a:t>
+            </a:r>
+            <a:endParaRPr kumimoji="1" lang="ko-Kore-KR" altLang="en-US" dirty="0">
+              <a:solidFill>
+                <a:schemeClr val="tx1"/>
+              </a:solidFill>
+              <a:latin typeface="DM Mono" panose="020B0509040201040103" pitchFamily="49" charset="0"/>
+            </a:endParaRPr>
+          </a:p>
+        </p:txBody>
+      </p:sp>
+      <p:sp>
+        <p:nvSpPr>
+          <p:cNvPr id="28" name="TextBox 27">
+            <a:extLst>
+              <a:ext uri="{FF2B5EF4-FFF2-40B4-BE49-F238E27FC236}">
+                <a16:creationId xmlns:a16="http://schemas.microsoft.com/office/drawing/2014/main" id="{795546AC-41CE-FB3B-BBE4-A86DB1180079}"/>
+              </a:ext>
+            </a:extLst>
+          </p:cNvPr>
+          <p:cNvSpPr txBox="1"/>
+          <p:nvPr/>
+        </p:nvSpPr>
+        <p:spPr>
+          <a:xfrm>
+            <a:off x="6742981" y="4597349"/>
+            <a:ext cx="524055" cy="369332"/>
+          </a:xfrm>
+          <a:prstGeom prst="rect">
+            <a:avLst/>
+          </a:prstGeom>
+          <a:noFill/>
+        </p:spPr>
+        <p:txBody>
+          <a:bodyPr wrap="square">
+            <a:spAutoFit/>
+          </a:bodyPr>
+          <a:lstStyle/>
+          <a:p>
+            <a:pPr algn="r"/>
+            <a:r>
+              <a:rPr lang="en-US" altLang="ko-Kore-KR" dirty="0">
+                <a:latin typeface="DM Mono" panose="020B0509040201040103" pitchFamily="49" charset="0"/>
+              </a:rPr>
+              <a:t>x</a:t>
+            </a:r>
+            <a:endParaRPr lang="ko-Kore-KR" altLang="en-US" dirty="0"/>
+          </a:p>
+        </p:txBody>
+      </p:sp>
+      <p:sp>
+        <p:nvSpPr>
+          <p:cNvPr id="29" name="TextBox 28">
+            <a:extLst>
+              <a:ext uri="{FF2B5EF4-FFF2-40B4-BE49-F238E27FC236}">
+                <a16:creationId xmlns:a16="http://schemas.microsoft.com/office/drawing/2014/main" id="{E3D01BEC-783C-929A-707E-53E2EA310A29}"/>
+              </a:ext>
+            </a:extLst>
+          </p:cNvPr>
+          <p:cNvSpPr txBox="1"/>
+          <p:nvPr/>
+        </p:nvSpPr>
+        <p:spPr>
+          <a:xfrm>
+            <a:off x="7634737" y="4156871"/>
+            <a:ext cx="679330" cy="369332"/>
+          </a:xfrm>
+          <a:prstGeom prst="rect">
+            <a:avLst/>
+          </a:prstGeom>
+          <a:noFill/>
+        </p:spPr>
+        <p:txBody>
+          <a:bodyPr wrap="square">
+            <a:spAutoFit/>
+          </a:bodyPr>
+          <a:lstStyle/>
+          <a:p>
+            <a:pPr algn="ctr"/>
+            <a:r>
+              <a:rPr lang="en-US" altLang="ko-Kore-KR" dirty="0">
+                <a:latin typeface="DM Mono" panose="020B0509040201040103" pitchFamily="49" charset="0"/>
+              </a:rPr>
+              <a:t>pt1</a:t>
+            </a:r>
+            <a:endParaRPr lang="ko-Kore-KR" altLang="en-US" dirty="0"/>
+          </a:p>
+        </p:txBody>
+      </p:sp>
+      <p:sp>
+        <p:nvSpPr>
+          <p:cNvPr id="30" name="직사각형 29">
+            <a:extLst>
+              <a:ext uri="{FF2B5EF4-FFF2-40B4-BE49-F238E27FC236}">
+                <a16:creationId xmlns:a16="http://schemas.microsoft.com/office/drawing/2014/main" id="{1A6EC91E-DC43-A43F-083C-4112768501C6}"/>
+              </a:ext>
+            </a:extLst>
+          </p:cNvPr>
+          <p:cNvSpPr/>
+          <p:nvPr/>
+        </p:nvSpPr>
+        <p:spPr>
+          <a:xfrm>
+            <a:off x="7267036" y="5037827"/>
+            <a:ext cx="1414732" cy="511624"/>
+          </a:xfrm>
+          <a:prstGeom prst="rect">
+            <a:avLst/>
+          </a:prstGeom>
+          <a:solidFill>
+            <a:srgbClr val="FFFF00"/>
+          </a:solidFill>
+        </p:spPr>
+        <p:style>
+          <a:lnRef idx="2">
+            <a:schemeClr val="accent1">
+              <a:shade val="15000"/>
+            </a:schemeClr>
+          </a:lnRef>
+          <a:fillRef idx="1">
+            <a:schemeClr val="accent1"/>
+          </a:fillRef>
+          <a:effectRef idx="0">
+            <a:schemeClr val="accent1"/>
+          </a:effectRef>
+          <a:fontRef idx="minor">
+            <a:schemeClr val="lt1"/>
+          </a:fontRef>
+        </p:style>
+        <p:txBody>
+          <a:bodyPr rtlCol="0" anchor="ctr"/>
+          <a:lstStyle/>
+          <a:p>
+            <a:pPr algn="ctr"/>
+            <a:r>
+              <a:rPr kumimoji="1" lang="en-US" altLang="ko-Kore-KR" dirty="0">
+                <a:solidFill>
+                  <a:schemeClr val="tx1"/>
+                </a:solidFill>
+                <a:latin typeface="DM Mono" panose="020B0509040201040103" pitchFamily="49" charset="0"/>
+              </a:rPr>
+              <a:t>20</a:t>
+            </a:r>
+            <a:endParaRPr kumimoji="1" lang="ko-Kore-KR" altLang="en-US" dirty="0">
+              <a:solidFill>
+                <a:schemeClr val="tx1"/>
+              </a:solidFill>
+              <a:latin typeface="DM Mono" panose="020B0509040201040103" pitchFamily="49" charset="0"/>
+            </a:endParaRPr>
+          </a:p>
+        </p:txBody>
+      </p:sp>
+      <p:sp>
+        <p:nvSpPr>
+          <p:cNvPr id="31" name="TextBox 30">
+            <a:extLst>
+              <a:ext uri="{FF2B5EF4-FFF2-40B4-BE49-F238E27FC236}">
+                <a16:creationId xmlns:a16="http://schemas.microsoft.com/office/drawing/2014/main" id="{8D7A90F4-94C2-38AA-6736-05DD74A2F1FF}"/>
+              </a:ext>
+            </a:extLst>
+          </p:cNvPr>
+          <p:cNvSpPr txBox="1"/>
+          <p:nvPr/>
+        </p:nvSpPr>
+        <p:spPr>
+          <a:xfrm>
+            <a:off x="6742981" y="5108973"/>
+            <a:ext cx="524055" cy="369332"/>
+          </a:xfrm>
+          <a:prstGeom prst="rect">
+            <a:avLst/>
+          </a:prstGeom>
+          <a:noFill/>
+        </p:spPr>
+        <p:txBody>
+          <a:bodyPr wrap="square">
+            <a:spAutoFit/>
+          </a:bodyPr>
+          <a:lstStyle/>
+          <a:p>
+            <a:pPr algn="r"/>
+            <a:r>
+              <a:rPr lang="en-US" altLang="ko-Kore-KR" dirty="0">
+                <a:latin typeface="DM Mono" panose="020B0509040201040103" pitchFamily="49" charset="0"/>
+              </a:rPr>
+              <a:t>y</a:t>
+            </a:r>
+            <a:endParaRPr lang="ko-Kore-KR" altLang="en-US" dirty="0"/>
+          </a:p>
+        </p:txBody>
+      </p:sp>
+      <p:sp>
+        <p:nvSpPr>
+          <p:cNvPr id="32" name="직사각형 31">
+            <a:extLst>
+              <a:ext uri="{FF2B5EF4-FFF2-40B4-BE49-F238E27FC236}">
+                <a16:creationId xmlns:a16="http://schemas.microsoft.com/office/drawing/2014/main" id="{DFAF3B86-72C2-7933-AB5A-7ADE088098AB}"/>
+              </a:ext>
+            </a:extLst>
+          </p:cNvPr>
+          <p:cNvSpPr/>
+          <p:nvPr/>
+        </p:nvSpPr>
+        <p:spPr>
+          <a:xfrm>
+            <a:off x="9676322" y="4526203"/>
+            <a:ext cx="1414732" cy="511624"/>
+          </a:xfrm>
+          <a:prstGeom prst="rect">
+            <a:avLst/>
+          </a:prstGeom>
+          <a:solidFill>
+            <a:srgbClr val="FFFF00"/>
+          </a:solidFill>
+        </p:spPr>
+        <p:style>
+          <a:lnRef idx="2">
+            <a:schemeClr val="accent1">
+              <a:shade val="15000"/>
+            </a:schemeClr>
+          </a:lnRef>
+          <a:fillRef idx="1">
+            <a:schemeClr val="accent1"/>
+          </a:fillRef>
+          <a:effectRef idx="0">
+            <a:schemeClr val="accent1"/>
+          </a:effectRef>
+          <a:fontRef idx="minor">
+            <a:schemeClr val="lt1"/>
+          </a:fontRef>
+        </p:style>
+        <p:txBody>
+          <a:bodyPr rtlCol="0" anchor="ctr"/>
+          <a:lstStyle/>
+          <a:p>
+            <a:pPr algn="ctr"/>
+            <a:endParaRPr kumimoji="1" lang="ko-Kore-KR" altLang="en-US" dirty="0">
+              <a:solidFill>
+                <a:schemeClr val="tx1"/>
+              </a:solidFill>
+              <a:latin typeface="DM Mono" panose="020B0509040201040103" pitchFamily="49" charset="0"/>
+            </a:endParaRPr>
+          </a:p>
+        </p:txBody>
+      </p:sp>
+      <p:sp>
+        <p:nvSpPr>
+          <p:cNvPr id="33" name="TextBox 32">
+            <a:extLst>
+              <a:ext uri="{FF2B5EF4-FFF2-40B4-BE49-F238E27FC236}">
+                <a16:creationId xmlns:a16="http://schemas.microsoft.com/office/drawing/2014/main" id="{0D73DF93-4DC2-6E39-233E-97E5A36D00F3}"/>
+              </a:ext>
+            </a:extLst>
+          </p:cNvPr>
+          <p:cNvSpPr txBox="1"/>
+          <p:nvPr/>
+        </p:nvSpPr>
+        <p:spPr>
+          <a:xfrm>
+            <a:off x="9152267" y="4597349"/>
+            <a:ext cx="524055" cy="369332"/>
+          </a:xfrm>
+          <a:prstGeom prst="rect">
+            <a:avLst/>
+          </a:prstGeom>
+          <a:noFill/>
+        </p:spPr>
+        <p:txBody>
+          <a:bodyPr wrap="square">
+            <a:spAutoFit/>
+          </a:bodyPr>
+          <a:lstStyle/>
+          <a:p>
+            <a:pPr algn="r"/>
+            <a:r>
+              <a:rPr lang="en-US" altLang="ko-Kore-KR" dirty="0">
+                <a:latin typeface="DM Mono" panose="020B0509040201040103" pitchFamily="49" charset="0"/>
+              </a:rPr>
+              <a:t>x</a:t>
+            </a:r>
+            <a:endParaRPr lang="ko-Kore-KR" altLang="en-US" dirty="0"/>
+          </a:p>
+        </p:txBody>
+      </p:sp>
+      <p:sp>
+        <p:nvSpPr>
+          <p:cNvPr id="34" name="TextBox 33">
+            <a:extLst>
+              <a:ext uri="{FF2B5EF4-FFF2-40B4-BE49-F238E27FC236}">
+                <a16:creationId xmlns:a16="http://schemas.microsoft.com/office/drawing/2014/main" id="{B5521A07-0291-757F-D59B-E609E665FEDB}"/>
+              </a:ext>
+            </a:extLst>
+          </p:cNvPr>
+          <p:cNvSpPr txBox="1"/>
+          <p:nvPr/>
+        </p:nvSpPr>
+        <p:spPr>
+          <a:xfrm>
+            <a:off x="10044023" y="4156871"/>
+            <a:ext cx="679330" cy="369332"/>
+          </a:xfrm>
+          <a:prstGeom prst="rect">
+            <a:avLst/>
+          </a:prstGeom>
+          <a:noFill/>
+        </p:spPr>
+        <p:txBody>
+          <a:bodyPr wrap="square">
+            <a:spAutoFit/>
+          </a:bodyPr>
+          <a:lstStyle/>
+          <a:p>
+            <a:pPr algn="ctr"/>
+            <a:r>
+              <a:rPr lang="en-US" altLang="ko-Kore-KR" dirty="0">
+                <a:latin typeface="DM Mono" panose="020B0509040201040103" pitchFamily="49" charset="0"/>
+              </a:rPr>
+              <a:t>pt2</a:t>
+            </a:r>
+            <a:endParaRPr lang="ko-Kore-KR" altLang="en-US" dirty="0"/>
+          </a:p>
+        </p:txBody>
+      </p:sp>
+      <p:sp>
+        <p:nvSpPr>
+          <p:cNvPr id="35" name="직사각형 34">
+            <a:extLst>
+              <a:ext uri="{FF2B5EF4-FFF2-40B4-BE49-F238E27FC236}">
+                <a16:creationId xmlns:a16="http://schemas.microsoft.com/office/drawing/2014/main" id="{7D86D88E-B2CB-BBE3-EFBC-80DAEF348F67}"/>
+              </a:ext>
+            </a:extLst>
+          </p:cNvPr>
+          <p:cNvSpPr/>
+          <p:nvPr/>
+        </p:nvSpPr>
+        <p:spPr>
+          <a:xfrm>
+            <a:off x="9676322" y="5037827"/>
+            <a:ext cx="1414732" cy="511624"/>
+          </a:xfrm>
+          <a:prstGeom prst="rect">
+            <a:avLst/>
+          </a:prstGeom>
+          <a:solidFill>
+            <a:srgbClr val="FFFF00"/>
+          </a:solidFill>
+        </p:spPr>
+        <p:style>
+          <a:lnRef idx="2">
+            <a:schemeClr val="accent1">
+              <a:shade val="15000"/>
+            </a:schemeClr>
+          </a:lnRef>
+          <a:fillRef idx="1">
+            <a:schemeClr val="accent1"/>
+          </a:fillRef>
+          <a:effectRef idx="0">
+            <a:schemeClr val="accent1"/>
+          </a:effectRef>
+          <a:fontRef idx="minor">
+            <a:schemeClr val="lt1"/>
+          </a:fontRef>
+        </p:style>
+        <p:txBody>
+          <a:bodyPr rtlCol="0" anchor="ctr"/>
+          <a:lstStyle/>
+          <a:p>
+            <a:pPr algn="ctr"/>
+            <a:endParaRPr kumimoji="1" lang="ko-Kore-KR" altLang="en-US" dirty="0">
+              <a:solidFill>
+                <a:schemeClr val="tx1"/>
+              </a:solidFill>
+              <a:latin typeface="DM Mono" panose="020B0509040201040103" pitchFamily="49" charset="0"/>
+            </a:endParaRPr>
+          </a:p>
+        </p:txBody>
+      </p:sp>
+      <p:sp>
+        <p:nvSpPr>
+          <p:cNvPr id="36" name="TextBox 35">
+            <a:extLst>
+              <a:ext uri="{FF2B5EF4-FFF2-40B4-BE49-F238E27FC236}">
+                <a16:creationId xmlns:a16="http://schemas.microsoft.com/office/drawing/2014/main" id="{5337AB4F-6C65-0641-7F6A-1537B25C2DAB}"/>
+              </a:ext>
+            </a:extLst>
+          </p:cNvPr>
+          <p:cNvSpPr txBox="1"/>
+          <p:nvPr/>
+        </p:nvSpPr>
+        <p:spPr>
+          <a:xfrm>
+            <a:off x="9152267" y="5108973"/>
+            <a:ext cx="524055" cy="369332"/>
+          </a:xfrm>
+          <a:prstGeom prst="rect">
+            <a:avLst/>
+          </a:prstGeom>
+          <a:noFill/>
+        </p:spPr>
+        <p:txBody>
+          <a:bodyPr wrap="square">
+            <a:spAutoFit/>
+          </a:bodyPr>
+          <a:lstStyle/>
+          <a:p>
+            <a:pPr algn="r"/>
+            <a:r>
+              <a:rPr lang="en-US" altLang="ko-Kore-KR" dirty="0">
+                <a:latin typeface="DM Mono" panose="020B0509040201040103" pitchFamily="49" charset="0"/>
+              </a:rPr>
+              <a:t>y</a:t>
+            </a:r>
+            <a:endParaRPr lang="ko-Kore-KR" altLang="en-US" dirty="0"/>
+          </a:p>
+        </p:txBody>
+      </p:sp>
+      <p:sp>
+        <p:nvSpPr>
+          <p:cNvPr id="38" name="TextBox 37">
+            <a:extLst>
+              <a:ext uri="{FF2B5EF4-FFF2-40B4-BE49-F238E27FC236}">
+                <a16:creationId xmlns:a16="http://schemas.microsoft.com/office/drawing/2014/main" id="{B86642B1-46A0-1CF0-F2C7-03E908CA680D}"/>
+              </a:ext>
+            </a:extLst>
+          </p:cNvPr>
+          <p:cNvSpPr txBox="1"/>
+          <p:nvPr/>
+        </p:nvSpPr>
+        <p:spPr>
+          <a:xfrm>
+            <a:off x="5840083" y="1670480"/>
+            <a:ext cx="6780003" cy="1477328"/>
+          </a:xfrm>
+          <a:prstGeom prst="rect">
+            <a:avLst/>
+          </a:prstGeom>
+          <a:noFill/>
+        </p:spPr>
+        <p:txBody>
+          <a:bodyPr wrap="square">
+            <a:spAutoFit/>
+          </a:bodyPr>
+          <a:lstStyle/>
+          <a:p>
+            <a:r>
+              <a:rPr lang="ko-Kore-KR" altLang="en-US" sz="1800" dirty="0">
+                <a:latin typeface="DM Mono" panose="020B0509040201040103" pitchFamily="49" charset="0"/>
+              </a:rPr>
+              <a:t> </a:t>
+            </a:r>
+            <a:r>
+              <a:rPr lang="en-US" altLang="ko-Kore-KR" sz="1800" dirty="0">
+                <a:latin typeface="DM Mono" panose="020B0509040201040103" pitchFamily="49" charset="0"/>
+              </a:rPr>
+              <a:t>   </a:t>
+            </a:r>
+            <a:r>
+              <a:rPr lang="ko-Kore-KR" altLang="en-US" sz="1800" dirty="0">
+                <a:latin typeface="DM Mono" panose="020B0509040201040103" pitchFamily="49" charset="0"/>
+              </a:rPr>
+              <a:t>void </a:t>
+            </a:r>
+            <a:r>
+              <a:rPr lang="en-US" altLang="ko-Kore-KR" sz="1800" dirty="0">
+                <a:latin typeface="DM Mono" panose="020B0509040201040103" pitchFamily="49" charset="0"/>
+              </a:rPr>
+              <a:t>Point::</a:t>
+            </a:r>
+            <a:r>
+              <a:rPr lang="ko-Kore-KR" altLang="en-US" sz="1800" dirty="0">
+                <a:latin typeface="DM Mono" panose="020B0509040201040103" pitchFamily="49" charset="0"/>
+              </a:rPr>
+              <a:t>Set(</a:t>
+            </a:r>
+            <a:r>
+              <a:rPr lang="en-US" altLang="ko-Kore-KR" sz="1800" dirty="0">
+                <a:solidFill>
+                  <a:srgbClr val="FF0000"/>
+                </a:solidFill>
+                <a:latin typeface="DM Mono" panose="020B0509040201040103" pitchFamily="49" charset="0"/>
+              </a:rPr>
+              <a:t>Point* this</a:t>
+            </a:r>
+            <a:r>
+              <a:rPr lang="en-US" altLang="ko-Kore-KR" sz="1800" dirty="0">
+                <a:latin typeface="DM Mono" panose="020B0509040201040103" pitchFamily="49" charset="0"/>
+              </a:rPr>
+              <a:t>, </a:t>
+            </a:r>
+            <a:r>
+              <a:rPr lang="ko-Kore-KR" altLang="en-US" sz="1800" dirty="0">
+                <a:latin typeface="DM Mono" panose="020B0509040201040103" pitchFamily="49" charset="0"/>
+              </a:rPr>
+              <a:t>int a, int b)</a:t>
+            </a:r>
+          </a:p>
+          <a:p>
+            <a:r>
+              <a:rPr lang="ko-Kore-KR" altLang="en-US" sz="1800" dirty="0">
+                <a:latin typeface="DM Mono" panose="020B0509040201040103" pitchFamily="49" charset="0"/>
+              </a:rPr>
+              <a:t>    {</a:t>
+            </a:r>
+          </a:p>
+          <a:p>
+            <a:r>
+              <a:rPr lang="ko-Kore-KR" altLang="en-US" sz="1800" dirty="0">
+                <a:solidFill>
+                  <a:srgbClr val="FF0000"/>
+                </a:solidFill>
+                <a:latin typeface="DM Mono" panose="020B0509040201040103" pitchFamily="49" charset="0"/>
+              </a:rPr>
+              <a:t>        </a:t>
+            </a:r>
+            <a:r>
+              <a:rPr lang="en-US" altLang="ko-Kore-KR" sz="1800" dirty="0">
+                <a:solidFill>
+                  <a:srgbClr val="FF0000"/>
+                </a:solidFill>
+                <a:latin typeface="DM Mono" panose="020B0509040201040103" pitchFamily="49" charset="0"/>
+              </a:rPr>
+              <a:t>this-&gt;</a:t>
+            </a:r>
+            <a:r>
+              <a:rPr lang="ko-Kore-KR" altLang="en-US" sz="1800" dirty="0">
+                <a:latin typeface="DM Mono" panose="020B0509040201040103" pitchFamily="49" charset="0"/>
+              </a:rPr>
+              <a:t>x = a;</a:t>
+            </a:r>
+          </a:p>
+          <a:p>
+            <a:r>
+              <a:rPr lang="ko-Kore-KR" altLang="en-US" sz="1800" dirty="0">
+                <a:latin typeface="DM Mono" panose="020B0509040201040103" pitchFamily="49" charset="0"/>
+              </a:rPr>
+              <a:t>        </a:t>
+            </a:r>
+            <a:r>
+              <a:rPr lang="en-US" altLang="ko-Kore-KR" sz="1800" dirty="0">
+                <a:solidFill>
+                  <a:srgbClr val="FF0000"/>
+                </a:solidFill>
+                <a:latin typeface="DM Mono" panose="020B0509040201040103" pitchFamily="49" charset="0"/>
+              </a:rPr>
+              <a:t>this-&gt;</a:t>
+            </a:r>
+            <a:r>
+              <a:rPr lang="ko-Kore-KR" altLang="en-US" sz="1800" dirty="0">
+                <a:latin typeface="DM Mono" panose="020B0509040201040103" pitchFamily="49" charset="0"/>
+              </a:rPr>
+              <a:t>y = b;</a:t>
+            </a:r>
+          </a:p>
+          <a:p>
+            <a:r>
+              <a:rPr lang="ko-Kore-KR" altLang="en-US" sz="1800" dirty="0">
+                <a:latin typeface="DM Mono" panose="020B0509040201040103" pitchFamily="49" charset="0"/>
+              </a:rPr>
+              <a:t>    }</a:t>
+            </a:r>
+            <a:endParaRPr lang="ko-Kore-KR" altLang="en-US" dirty="0"/>
+          </a:p>
+        </p:txBody>
+      </p:sp>
+      <p:sp>
+        <p:nvSpPr>
+          <p:cNvPr id="2" name="직사각형 1">
+            <a:extLst>
+              <a:ext uri="{FF2B5EF4-FFF2-40B4-BE49-F238E27FC236}">
+                <a16:creationId xmlns:a16="http://schemas.microsoft.com/office/drawing/2014/main" id="{2852CA2C-2129-A131-CE46-27C127EE622B}"/>
+              </a:ext>
+            </a:extLst>
+          </p:cNvPr>
+          <p:cNvSpPr/>
+          <p:nvPr/>
+        </p:nvSpPr>
+        <p:spPr>
+          <a:xfrm>
+            <a:off x="9523562" y="1663363"/>
+            <a:ext cx="784644" cy="393668"/>
+          </a:xfrm>
+          <a:prstGeom prst="rect">
+            <a:avLst/>
+          </a:prstGeom>
+          <a:noFill/>
+        </p:spPr>
+        <p:style>
+          <a:lnRef idx="2">
+            <a:schemeClr val="accent1">
+              <a:shade val="15000"/>
+            </a:schemeClr>
+          </a:lnRef>
+          <a:fillRef idx="1">
+            <a:schemeClr val="accent1"/>
+          </a:fillRef>
+          <a:effectRef idx="0">
+            <a:schemeClr val="accent1"/>
+          </a:effectRef>
+          <a:fontRef idx="minor">
+            <a:schemeClr val="lt1"/>
+          </a:fontRef>
+        </p:style>
+        <p:txBody>
+          <a:bodyPr rtlCol="0" anchor="ctr"/>
+          <a:lstStyle/>
+          <a:p>
+            <a:pPr algn="ctr"/>
+            <a:endParaRPr kumimoji="1" lang="ko-Kore-KR" altLang="en-US" dirty="0">
+              <a:solidFill>
+                <a:schemeClr val="tx1"/>
+              </a:solidFill>
+              <a:latin typeface="DM Mono" panose="020B0509040201040103" pitchFamily="49" charset="0"/>
+            </a:endParaRPr>
+          </a:p>
+        </p:txBody>
+      </p:sp>
+      <p:cxnSp>
+        <p:nvCxnSpPr>
+          <p:cNvPr id="4" name="구부러진 연결선[U] 3">
+            <a:extLst>
+              <a:ext uri="{FF2B5EF4-FFF2-40B4-BE49-F238E27FC236}">
+                <a16:creationId xmlns:a16="http://schemas.microsoft.com/office/drawing/2014/main" id="{6A8BB002-5CB5-9683-144C-CC8FF8A44379}"/>
+              </a:ext>
+            </a:extLst>
+          </p:cNvPr>
+          <p:cNvCxnSpPr>
+            <a:cxnSpLocks/>
+            <a:endCxn id="27" idx="0"/>
+          </p:cNvCxnSpPr>
+          <p:nvPr/>
+        </p:nvCxnSpPr>
+        <p:spPr>
+          <a:xfrm rot="5400000">
+            <a:off x="7730058" y="2301376"/>
+            <a:ext cx="2469171" cy="1980482"/>
+          </a:xfrm>
+          <a:prstGeom prst="curvedConnector3">
+            <a:avLst/>
+          </a:prstGeom>
+          <a:ln>
+            <a:tailEnd type="triangle"/>
+          </a:ln>
+        </p:spPr>
+        <p:style>
+          <a:lnRef idx="1">
+            <a:schemeClr val="dk1"/>
+          </a:lnRef>
+          <a:fillRef idx="0">
+            <a:schemeClr val="dk1"/>
+          </a:fillRef>
+          <a:effectRef idx="0">
+            <a:schemeClr val="dk1"/>
+          </a:effectRef>
+          <a:fontRef idx="minor">
+            <a:schemeClr val="tx1"/>
+          </a:fontRef>
+        </p:style>
+      </p:cxnSp>
+    </p:spTree>
+    <p:extLst>
+      <p:ext uri="{BB962C8B-B14F-4D97-AF65-F5344CB8AC3E}">
+        <p14:creationId xmlns:p14="http://schemas.microsoft.com/office/powerpoint/2010/main" val="551030805"/>
+      </p:ext>
+    </p:extLst>
+  </p:cSld>
+  <p:clrMapOvr>
+    <a:masterClrMapping/>
+  </p:clrMapOvr>
+</p:sld>
+</file>
+
+<file path=ppt/slides/slide8.xml><?xml version="1.0" encoding="utf-8"?>
+<p:sld xmlns:a="http://schemas.openxmlformats.org/drawingml/2006/main" xmlns:r="http://schemas.openxmlformats.org/officeDocument/2006/relationships" xmlns:p="http://schemas.openxmlformats.org/presentationml/2006/main">
+  <p:cSld>
+    <p:spTree>
+      <p:nvGrpSpPr>
+        <p:cNvPr id="1" name=""/>
+        <p:cNvGrpSpPr/>
+        <p:nvPr/>
+      </p:nvGrpSpPr>
+      <p:grpSpPr>
+        <a:xfrm>
+          <a:off x="0" y="0"/>
+          <a:ext cx="0" cy="0"/>
+          <a:chOff x="0" y="0"/>
+          <a:chExt cx="0" cy="0"/>
+        </a:xfrm>
+      </p:grpSpPr>
+      <p:sp>
+        <p:nvSpPr>
+          <p:cNvPr id="26" name="TextBox 25">
+            <a:extLst>
+              <a:ext uri="{FF2B5EF4-FFF2-40B4-BE49-F238E27FC236}">
+                <a16:creationId xmlns:a16="http://schemas.microsoft.com/office/drawing/2014/main" id="{3719B63F-3882-0915-BFDB-068A3E553C25}"/>
+              </a:ext>
+            </a:extLst>
+          </p:cNvPr>
+          <p:cNvSpPr txBox="1"/>
+          <p:nvPr/>
+        </p:nvSpPr>
+        <p:spPr>
+          <a:xfrm>
+            <a:off x="580126" y="239048"/>
+            <a:ext cx="6701290" cy="6740307"/>
+          </a:xfrm>
+          <a:prstGeom prst="rect">
+            <a:avLst/>
+          </a:prstGeom>
+          <a:noFill/>
+        </p:spPr>
+        <p:txBody>
+          <a:bodyPr wrap="square">
+            <a:spAutoFit/>
+          </a:bodyPr>
+          <a:lstStyle/>
+          <a:p>
+            <a:r>
+              <a:rPr lang="ko-Kore-KR" altLang="en-US" sz="1600" dirty="0">
+                <a:latin typeface="DM Mono" panose="020B0509040201040103" pitchFamily="49" charset="0"/>
+              </a:rPr>
+              <a:t>class Point {</a:t>
+            </a:r>
+          </a:p>
+          <a:p>
+            <a:r>
+              <a:rPr lang="ko-Kore-KR" altLang="en-US" sz="1600" dirty="0">
+                <a:latin typeface="DM Mono" panose="020B0509040201040103" pitchFamily="49" charset="0"/>
+              </a:rPr>
+              <a:t>    int x;</a:t>
+            </a:r>
+          </a:p>
+          <a:p>
+            <a:r>
+              <a:rPr lang="ko-Kore-KR" altLang="en-US" sz="1600" dirty="0">
+                <a:latin typeface="DM Mono" panose="020B0509040201040103" pitchFamily="49" charset="0"/>
+              </a:rPr>
+              <a:t>    int y;</a:t>
+            </a:r>
+          </a:p>
+          <a:p>
+            <a:endParaRPr lang="ko-Kore-KR" altLang="en-US" sz="1600" dirty="0">
+              <a:latin typeface="DM Mono" panose="020B0509040201040103" pitchFamily="49" charset="0"/>
+            </a:endParaRPr>
+          </a:p>
+          <a:p>
+            <a:r>
+              <a:rPr lang="ko-Kore-KR" altLang="en-US" sz="1600" dirty="0">
+                <a:latin typeface="DM Mono" panose="020B0509040201040103" pitchFamily="49" charset="0"/>
+              </a:rPr>
+              <a:t>public:</a:t>
+            </a:r>
+          </a:p>
+          <a:p>
+            <a:r>
+              <a:rPr lang="ko-Kore-KR" altLang="en-US" sz="1600" dirty="0">
+                <a:latin typeface="DM Mono" panose="020B0509040201040103" pitchFamily="49" charset="0"/>
+              </a:rPr>
+              <a:t>    void Set(int a, int b)</a:t>
+            </a:r>
+          </a:p>
+          <a:p>
+            <a:r>
+              <a:rPr lang="ko-Kore-KR" altLang="en-US" sz="1600" dirty="0">
+                <a:latin typeface="DM Mono" panose="020B0509040201040103" pitchFamily="49" charset="0"/>
+              </a:rPr>
+              <a:t>    {</a:t>
+            </a:r>
+          </a:p>
+          <a:p>
+            <a:r>
+              <a:rPr lang="ko-Kore-KR" altLang="en-US" sz="1600" dirty="0">
+                <a:latin typeface="DM Mono" panose="020B0509040201040103" pitchFamily="49" charset="0"/>
+              </a:rPr>
+              <a:t>        x = a;</a:t>
+            </a:r>
+          </a:p>
+          <a:p>
+            <a:r>
+              <a:rPr lang="ko-Kore-KR" altLang="en-US" sz="1600" dirty="0">
+                <a:latin typeface="DM Mono" panose="020B0509040201040103" pitchFamily="49" charset="0"/>
+              </a:rPr>
+              <a:t>        y = b;</a:t>
+            </a:r>
+          </a:p>
+          <a:p>
+            <a:r>
+              <a:rPr lang="ko-Kore-KR" altLang="en-US" sz="1600" dirty="0">
+                <a:latin typeface="DM Mono" panose="020B0509040201040103" pitchFamily="49" charset="0"/>
+              </a:rPr>
+              <a:t>    }</a:t>
+            </a:r>
+          </a:p>
+          <a:p>
+            <a:endParaRPr lang="ko-Kore-KR" altLang="en-US" sz="1600" dirty="0">
+              <a:latin typeface="DM Mono" panose="020B0509040201040103" pitchFamily="49" charset="0"/>
+            </a:endParaRPr>
+          </a:p>
+          <a:p>
+            <a:r>
+              <a:rPr lang="ko-Kore-KR" altLang="en-US" sz="1600" dirty="0">
+                <a:latin typeface="DM Mono" panose="020B0509040201040103" pitchFamily="49" charset="0"/>
+              </a:rPr>
+              <a:t>    void Print()</a:t>
+            </a:r>
+          </a:p>
+          <a:p>
+            <a:r>
+              <a:rPr lang="ko-Kore-KR" altLang="en-US" sz="1600" dirty="0">
+                <a:latin typeface="DM Mono" panose="020B0509040201040103" pitchFamily="49" charset="0"/>
+              </a:rPr>
+              <a:t>    {</a:t>
+            </a:r>
+          </a:p>
+          <a:p>
+            <a:r>
+              <a:rPr lang="ko-Kore-KR" altLang="en-US" sz="1600" dirty="0">
+                <a:latin typeface="DM Mono" panose="020B0509040201040103" pitchFamily="49" charset="0"/>
+              </a:rPr>
+              <a:t>        cout &lt;&lt; x &lt;&lt; ", " &lt;&lt; y &lt;&lt; endl;</a:t>
+            </a:r>
+          </a:p>
+          <a:p>
+            <a:r>
+              <a:rPr lang="ko-Kore-KR" altLang="en-US" sz="1600" dirty="0">
+                <a:latin typeface="DM Mono" panose="020B0509040201040103" pitchFamily="49" charset="0"/>
+              </a:rPr>
+              <a:t>    }</a:t>
+            </a:r>
+          </a:p>
+          <a:p>
+            <a:r>
+              <a:rPr lang="ko-Kore-KR" altLang="en-US" sz="1600" dirty="0">
+                <a:latin typeface="DM Mono" panose="020B0509040201040103" pitchFamily="49" charset="0"/>
+              </a:rPr>
+              <a:t>};</a:t>
+            </a:r>
+          </a:p>
+          <a:p>
+            <a:endParaRPr lang="ko-Kore-KR" altLang="en-US" sz="1600" dirty="0">
+              <a:latin typeface="DM Mono" panose="020B0509040201040103" pitchFamily="49" charset="0"/>
+            </a:endParaRPr>
+          </a:p>
+          <a:p>
+            <a:r>
+              <a:rPr lang="ko-Kore-KR" altLang="en-US" sz="1600" dirty="0">
+                <a:latin typeface="DM Mono" panose="020B0509040201040103" pitchFamily="49" charset="0"/>
+              </a:rPr>
+              <a:t>int main()</a:t>
+            </a:r>
+          </a:p>
+          <a:p>
+            <a:r>
+              <a:rPr lang="ko-Kore-KR" altLang="en-US" sz="1600" dirty="0">
+                <a:latin typeface="DM Mono" panose="020B0509040201040103" pitchFamily="49" charset="0"/>
+              </a:rPr>
+              <a:t>{</a:t>
+            </a:r>
+          </a:p>
+          <a:p>
+            <a:r>
+              <a:rPr lang="ko-Kore-KR" altLang="en-US" sz="1600" dirty="0">
+                <a:latin typeface="DM Mono" panose="020B0509040201040103" pitchFamily="49" charset="0"/>
+              </a:rPr>
+              <a:t>    Point pt1, pt2;</a:t>
+            </a:r>
+          </a:p>
+          <a:p>
+            <a:r>
+              <a:rPr lang="ko-Kore-KR" altLang="en-US" sz="1600" dirty="0">
+                <a:latin typeface="DM Mono" panose="020B0509040201040103" pitchFamily="49" charset="0"/>
+              </a:rPr>
+              <a:t>    pt1.Set(10, 20);</a:t>
+            </a:r>
+            <a:r>
+              <a:rPr lang="en-US" altLang="ko-Kore-KR" sz="1600" dirty="0">
+                <a:latin typeface="DM Mono" panose="020B0509040201040103" pitchFamily="49" charset="0"/>
+              </a:rPr>
+              <a:t> // Point::Set(&amp;pt1, 10, 20)</a:t>
+            </a:r>
+            <a:endParaRPr lang="ko-Kore-KR" altLang="en-US" sz="1600" dirty="0">
+              <a:latin typeface="DM Mono" panose="020B0509040201040103" pitchFamily="49" charset="0"/>
+            </a:endParaRPr>
+          </a:p>
+          <a:p>
+            <a:r>
+              <a:rPr lang="ko-Kore-KR" altLang="en-US" sz="1600" dirty="0">
+                <a:latin typeface="DM Mono" panose="020B0509040201040103" pitchFamily="49" charset="0"/>
+              </a:rPr>
+              <a:t>    pt1.Print();</a:t>
+            </a:r>
+          </a:p>
+          <a:p>
+            <a:endParaRPr lang="ko-Kore-KR" altLang="en-US" sz="1600" dirty="0">
+              <a:latin typeface="DM Mono" panose="020B0509040201040103" pitchFamily="49" charset="0"/>
+            </a:endParaRPr>
+          </a:p>
+          <a:p>
+            <a:r>
+              <a:rPr lang="ko-Kore-KR" altLang="en-US" sz="1600" dirty="0">
+                <a:solidFill>
+                  <a:srgbClr val="FF0000"/>
+                </a:solidFill>
+                <a:latin typeface="DM Mono" panose="020B0509040201040103" pitchFamily="49" charset="0"/>
+              </a:rPr>
+              <a:t>    pt2.Set(100, 200);</a:t>
+            </a:r>
+            <a:r>
+              <a:rPr lang="en-US" altLang="ko-Kore-KR" sz="1600" dirty="0">
+                <a:solidFill>
+                  <a:srgbClr val="FF0000"/>
+                </a:solidFill>
+                <a:latin typeface="DM Mono" panose="020B0509040201040103" pitchFamily="49" charset="0"/>
+              </a:rPr>
+              <a:t> // Point::Set(&amp;pt2, 100, 200)</a:t>
+            </a:r>
+            <a:endParaRPr lang="ko-Kore-KR" altLang="en-US" sz="1600" dirty="0">
+              <a:solidFill>
+                <a:srgbClr val="FF0000"/>
+              </a:solidFill>
+              <a:latin typeface="DM Mono" panose="020B0509040201040103" pitchFamily="49" charset="0"/>
+            </a:endParaRPr>
+          </a:p>
+          <a:p>
+            <a:r>
+              <a:rPr lang="ko-Kore-KR" altLang="en-US" sz="1600" dirty="0">
+                <a:latin typeface="DM Mono" panose="020B0509040201040103" pitchFamily="49" charset="0"/>
+              </a:rPr>
+              <a:t>    pt2.Print();</a:t>
+            </a:r>
+          </a:p>
+          <a:p>
+            <a:r>
+              <a:rPr lang="ko-Kore-KR" altLang="en-US" sz="1600" dirty="0">
+                <a:latin typeface="DM Mono" panose="020B0509040201040103" pitchFamily="49" charset="0"/>
+              </a:rPr>
+              <a:t>}</a:t>
+            </a:r>
+          </a:p>
+        </p:txBody>
+      </p:sp>
+      <p:sp>
+        <p:nvSpPr>
+          <p:cNvPr id="27" name="직사각형 26">
+            <a:extLst>
+              <a:ext uri="{FF2B5EF4-FFF2-40B4-BE49-F238E27FC236}">
+                <a16:creationId xmlns:a16="http://schemas.microsoft.com/office/drawing/2014/main" id="{416C6628-7ED5-C529-B0AF-BE33BEA6C75B}"/>
+              </a:ext>
+            </a:extLst>
+          </p:cNvPr>
+          <p:cNvSpPr/>
+          <p:nvPr/>
+        </p:nvSpPr>
+        <p:spPr>
+          <a:xfrm>
+            <a:off x="7267036" y="4526203"/>
+            <a:ext cx="1414732" cy="511624"/>
+          </a:xfrm>
+          <a:prstGeom prst="rect">
+            <a:avLst/>
+          </a:prstGeom>
+          <a:solidFill>
+            <a:srgbClr val="FFFF00"/>
+          </a:solidFill>
+        </p:spPr>
+        <p:style>
+          <a:lnRef idx="2">
+            <a:schemeClr val="accent1">
+              <a:shade val="15000"/>
+            </a:schemeClr>
+          </a:lnRef>
+          <a:fillRef idx="1">
+            <a:schemeClr val="accent1"/>
+          </a:fillRef>
+          <a:effectRef idx="0">
+            <a:schemeClr val="accent1"/>
+          </a:effectRef>
+          <a:fontRef idx="minor">
+            <a:schemeClr val="lt1"/>
+          </a:fontRef>
+        </p:style>
+        <p:txBody>
+          <a:bodyPr rtlCol="0" anchor="ctr"/>
+          <a:lstStyle/>
+          <a:p>
+            <a:pPr algn="ctr"/>
+            <a:r>
+              <a:rPr kumimoji="1" lang="en-US" altLang="ko-Kore-KR" dirty="0">
+                <a:solidFill>
+                  <a:schemeClr val="tx1"/>
+                </a:solidFill>
+                <a:latin typeface="DM Mono" panose="020B0509040201040103" pitchFamily="49" charset="0"/>
+              </a:rPr>
+              <a:t>10</a:t>
+            </a:r>
+            <a:endParaRPr kumimoji="1" lang="ko-Kore-KR" altLang="en-US" dirty="0">
+              <a:solidFill>
+                <a:schemeClr val="tx1"/>
+              </a:solidFill>
+              <a:latin typeface="DM Mono" panose="020B0509040201040103" pitchFamily="49" charset="0"/>
+            </a:endParaRPr>
+          </a:p>
+        </p:txBody>
+      </p:sp>
+      <p:sp>
+        <p:nvSpPr>
+          <p:cNvPr id="28" name="TextBox 27">
+            <a:extLst>
+              <a:ext uri="{FF2B5EF4-FFF2-40B4-BE49-F238E27FC236}">
+                <a16:creationId xmlns:a16="http://schemas.microsoft.com/office/drawing/2014/main" id="{795546AC-41CE-FB3B-BBE4-A86DB1180079}"/>
+              </a:ext>
+            </a:extLst>
+          </p:cNvPr>
+          <p:cNvSpPr txBox="1"/>
+          <p:nvPr/>
+        </p:nvSpPr>
+        <p:spPr>
+          <a:xfrm>
+            <a:off x="6742981" y="4597349"/>
+            <a:ext cx="524055" cy="369332"/>
+          </a:xfrm>
+          <a:prstGeom prst="rect">
+            <a:avLst/>
+          </a:prstGeom>
+          <a:noFill/>
+        </p:spPr>
+        <p:txBody>
+          <a:bodyPr wrap="square">
+            <a:spAutoFit/>
+          </a:bodyPr>
+          <a:lstStyle/>
+          <a:p>
+            <a:pPr algn="r"/>
+            <a:r>
+              <a:rPr lang="en-US" altLang="ko-Kore-KR" dirty="0">
+                <a:latin typeface="DM Mono" panose="020B0509040201040103" pitchFamily="49" charset="0"/>
+              </a:rPr>
+              <a:t>x</a:t>
+            </a:r>
+            <a:endParaRPr lang="ko-Kore-KR" altLang="en-US" dirty="0"/>
+          </a:p>
+        </p:txBody>
+      </p:sp>
+      <p:sp>
+        <p:nvSpPr>
+          <p:cNvPr id="29" name="TextBox 28">
+            <a:extLst>
+              <a:ext uri="{FF2B5EF4-FFF2-40B4-BE49-F238E27FC236}">
+                <a16:creationId xmlns:a16="http://schemas.microsoft.com/office/drawing/2014/main" id="{E3D01BEC-783C-929A-707E-53E2EA310A29}"/>
+              </a:ext>
+            </a:extLst>
+          </p:cNvPr>
+          <p:cNvSpPr txBox="1"/>
+          <p:nvPr/>
+        </p:nvSpPr>
+        <p:spPr>
+          <a:xfrm>
+            <a:off x="7634737" y="4156871"/>
+            <a:ext cx="679330" cy="369332"/>
+          </a:xfrm>
+          <a:prstGeom prst="rect">
+            <a:avLst/>
+          </a:prstGeom>
+          <a:noFill/>
+        </p:spPr>
+        <p:txBody>
+          <a:bodyPr wrap="square">
+            <a:spAutoFit/>
+          </a:bodyPr>
+          <a:lstStyle/>
+          <a:p>
+            <a:pPr algn="ctr"/>
+            <a:r>
+              <a:rPr lang="en-US" altLang="ko-Kore-KR" dirty="0">
+                <a:latin typeface="DM Mono" panose="020B0509040201040103" pitchFamily="49" charset="0"/>
+              </a:rPr>
+              <a:t>pt1</a:t>
+            </a:r>
+            <a:endParaRPr lang="ko-Kore-KR" altLang="en-US" dirty="0"/>
+          </a:p>
+        </p:txBody>
+      </p:sp>
+      <p:sp>
+        <p:nvSpPr>
+          <p:cNvPr id="30" name="직사각형 29">
+            <a:extLst>
+              <a:ext uri="{FF2B5EF4-FFF2-40B4-BE49-F238E27FC236}">
+                <a16:creationId xmlns:a16="http://schemas.microsoft.com/office/drawing/2014/main" id="{1A6EC91E-DC43-A43F-083C-4112768501C6}"/>
+              </a:ext>
+            </a:extLst>
+          </p:cNvPr>
+          <p:cNvSpPr/>
+          <p:nvPr/>
+        </p:nvSpPr>
+        <p:spPr>
+          <a:xfrm>
+            <a:off x="7267036" y="5037827"/>
+            <a:ext cx="1414732" cy="511624"/>
+          </a:xfrm>
+          <a:prstGeom prst="rect">
+            <a:avLst/>
+          </a:prstGeom>
+          <a:solidFill>
+            <a:srgbClr val="FFFF00"/>
+          </a:solidFill>
+        </p:spPr>
+        <p:style>
+          <a:lnRef idx="2">
+            <a:schemeClr val="accent1">
+              <a:shade val="15000"/>
+            </a:schemeClr>
+          </a:lnRef>
+          <a:fillRef idx="1">
+            <a:schemeClr val="accent1"/>
+          </a:fillRef>
+          <a:effectRef idx="0">
+            <a:schemeClr val="accent1"/>
+          </a:effectRef>
+          <a:fontRef idx="minor">
+            <a:schemeClr val="lt1"/>
+          </a:fontRef>
+        </p:style>
+        <p:txBody>
+          <a:bodyPr rtlCol="0" anchor="ctr"/>
+          <a:lstStyle/>
+          <a:p>
+            <a:pPr algn="ctr"/>
+            <a:r>
+              <a:rPr kumimoji="1" lang="en-US" altLang="ko-Kore-KR" dirty="0">
+                <a:solidFill>
+                  <a:schemeClr val="tx1"/>
+                </a:solidFill>
+                <a:latin typeface="DM Mono" panose="020B0509040201040103" pitchFamily="49" charset="0"/>
+              </a:rPr>
+              <a:t>20</a:t>
+            </a:r>
+            <a:endParaRPr kumimoji="1" lang="ko-Kore-KR" altLang="en-US" dirty="0">
+              <a:solidFill>
+                <a:schemeClr val="tx1"/>
+              </a:solidFill>
+              <a:latin typeface="DM Mono" panose="020B0509040201040103" pitchFamily="49" charset="0"/>
+            </a:endParaRPr>
+          </a:p>
+        </p:txBody>
+      </p:sp>
+      <p:sp>
+        <p:nvSpPr>
+          <p:cNvPr id="31" name="TextBox 30">
+            <a:extLst>
+              <a:ext uri="{FF2B5EF4-FFF2-40B4-BE49-F238E27FC236}">
+                <a16:creationId xmlns:a16="http://schemas.microsoft.com/office/drawing/2014/main" id="{8D7A90F4-94C2-38AA-6736-05DD74A2F1FF}"/>
+              </a:ext>
+            </a:extLst>
+          </p:cNvPr>
+          <p:cNvSpPr txBox="1"/>
+          <p:nvPr/>
+        </p:nvSpPr>
+        <p:spPr>
+          <a:xfrm>
+            <a:off x="6742981" y="5108973"/>
+            <a:ext cx="524055" cy="369332"/>
+          </a:xfrm>
+          <a:prstGeom prst="rect">
+            <a:avLst/>
+          </a:prstGeom>
+          <a:noFill/>
+        </p:spPr>
+        <p:txBody>
+          <a:bodyPr wrap="square">
+            <a:spAutoFit/>
+          </a:bodyPr>
+          <a:lstStyle/>
+          <a:p>
+            <a:pPr algn="r"/>
+            <a:r>
+              <a:rPr lang="en-US" altLang="ko-Kore-KR" dirty="0">
+                <a:latin typeface="DM Mono" panose="020B0509040201040103" pitchFamily="49" charset="0"/>
+              </a:rPr>
+              <a:t>y</a:t>
+            </a:r>
+            <a:endParaRPr lang="ko-Kore-KR" altLang="en-US" dirty="0"/>
+          </a:p>
+        </p:txBody>
+      </p:sp>
+      <p:sp>
+        <p:nvSpPr>
+          <p:cNvPr id="32" name="직사각형 31">
+            <a:extLst>
+              <a:ext uri="{FF2B5EF4-FFF2-40B4-BE49-F238E27FC236}">
+                <a16:creationId xmlns:a16="http://schemas.microsoft.com/office/drawing/2014/main" id="{DFAF3B86-72C2-7933-AB5A-7ADE088098AB}"/>
+              </a:ext>
+            </a:extLst>
+          </p:cNvPr>
+          <p:cNvSpPr/>
+          <p:nvPr/>
+        </p:nvSpPr>
+        <p:spPr>
+          <a:xfrm>
+            <a:off x="9676322" y="4526203"/>
+            <a:ext cx="1414732" cy="511624"/>
+          </a:xfrm>
+          <a:prstGeom prst="rect">
+            <a:avLst/>
+          </a:prstGeom>
+          <a:solidFill>
+            <a:srgbClr val="FFFF00"/>
+          </a:solidFill>
+        </p:spPr>
+        <p:style>
+          <a:lnRef idx="2">
+            <a:schemeClr val="accent1">
+              <a:shade val="15000"/>
+            </a:schemeClr>
+          </a:lnRef>
+          <a:fillRef idx="1">
+            <a:schemeClr val="accent1"/>
+          </a:fillRef>
+          <a:effectRef idx="0">
+            <a:schemeClr val="accent1"/>
+          </a:effectRef>
+          <a:fontRef idx="minor">
+            <a:schemeClr val="lt1"/>
+          </a:fontRef>
+        </p:style>
+        <p:txBody>
+          <a:bodyPr rtlCol="0" anchor="ctr"/>
+          <a:lstStyle/>
+          <a:p>
+            <a:pPr algn="ctr"/>
+            <a:r>
+              <a:rPr kumimoji="1" lang="en-US" altLang="ko-Kore-KR" dirty="0">
+                <a:solidFill>
+                  <a:schemeClr val="tx1"/>
+                </a:solidFill>
+                <a:latin typeface="DM Mono" panose="020B0509040201040103" pitchFamily="49" charset="0"/>
+              </a:rPr>
+              <a:t>100</a:t>
+            </a:r>
+            <a:endParaRPr kumimoji="1" lang="ko-Kore-KR" altLang="en-US" dirty="0">
+              <a:solidFill>
+                <a:schemeClr val="tx1"/>
+              </a:solidFill>
+              <a:latin typeface="DM Mono" panose="020B0509040201040103" pitchFamily="49" charset="0"/>
+            </a:endParaRPr>
+          </a:p>
+        </p:txBody>
+      </p:sp>
+      <p:sp>
+        <p:nvSpPr>
+          <p:cNvPr id="33" name="TextBox 32">
+            <a:extLst>
+              <a:ext uri="{FF2B5EF4-FFF2-40B4-BE49-F238E27FC236}">
+                <a16:creationId xmlns:a16="http://schemas.microsoft.com/office/drawing/2014/main" id="{0D73DF93-4DC2-6E39-233E-97E5A36D00F3}"/>
+              </a:ext>
+            </a:extLst>
+          </p:cNvPr>
+          <p:cNvSpPr txBox="1"/>
+          <p:nvPr/>
+        </p:nvSpPr>
+        <p:spPr>
+          <a:xfrm>
+            <a:off x="9152267" y="4597349"/>
+            <a:ext cx="524055" cy="369332"/>
+          </a:xfrm>
+          <a:prstGeom prst="rect">
+            <a:avLst/>
+          </a:prstGeom>
+          <a:noFill/>
+        </p:spPr>
+        <p:txBody>
+          <a:bodyPr wrap="square">
+            <a:spAutoFit/>
+          </a:bodyPr>
+          <a:lstStyle/>
+          <a:p>
+            <a:pPr algn="r"/>
+            <a:r>
+              <a:rPr lang="en-US" altLang="ko-Kore-KR" dirty="0">
+                <a:latin typeface="DM Mono" panose="020B0509040201040103" pitchFamily="49" charset="0"/>
+              </a:rPr>
+              <a:t>x</a:t>
+            </a:r>
+            <a:endParaRPr lang="ko-Kore-KR" altLang="en-US" dirty="0"/>
+          </a:p>
+        </p:txBody>
+      </p:sp>
+      <p:sp>
+        <p:nvSpPr>
+          <p:cNvPr id="34" name="TextBox 33">
+            <a:extLst>
+              <a:ext uri="{FF2B5EF4-FFF2-40B4-BE49-F238E27FC236}">
+                <a16:creationId xmlns:a16="http://schemas.microsoft.com/office/drawing/2014/main" id="{B5521A07-0291-757F-D59B-E609E665FEDB}"/>
+              </a:ext>
+            </a:extLst>
+          </p:cNvPr>
+          <p:cNvSpPr txBox="1"/>
+          <p:nvPr/>
+        </p:nvSpPr>
+        <p:spPr>
+          <a:xfrm>
+            <a:off x="10044023" y="4156871"/>
+            <a:ext cx="679330" cy="369332"/>
+          </a:xfrm>
+          <a:prstGeom prst="rect">
+            <a:avLst/>
+          </a:prstGeom>
+          <a:noFill/>
+        </p:spPr>
+        <p:txBody>
+          <a:bodyPr wrap="square">
+            <a:spAutoFit/>
+          </a:bodyPr>
+          <a:lstStyle/>
+          <a:p>
+            <a:pPr algn="ctr"/>
+            <a:r>
+              <a:rPr lang="en-US" altLang="ko-Kore-KR" dirty="0">
+                <a:latin typeface="DM Mono" panose="020B0509040201040103" pitchFamily="49" charset="0"/>
+              </a:rPr>
+              <a:t>pt2</a:t>
+            </a:r>
+            <a:endParaRPr lang="ko-Kore-KR" altLang="en-US" dirty="0"/>
+          </a:p>
+        </p:txBody>
+      </p:sp>
+      <p:sp>
+        <p:nvSpPr>
+          <p:cNvPr id="35" name="직사각형 34">
+            <a:extLst>
+              <a:ext uri="{FF2B5EF4-FFF2-40B4-BE49-F238E27FC236}">
+                <a16:creationId xmlns:a16="http://schemas.microsoft.com/office/drawing/2014/main" id="{7D86D88E-B2CB-BBE3-EFBC-80DAEF348F67}"/>
+              </a:ext>
+            </a:extLst>
+          </p:cNvPr>
+          <p:cNvSpPr/>
+          <p:nvPr/>
+        </p:nvSpPr>
+        <p:spPr>
+          <a:xfrm>
+            <a:off x="9676322" y="5037827"/>
+            <a:ext cx="1414732" cy="511624"/>
+          </a:xfrm>
+          <a:prstGeom prst="rect">
+            <a:avLst/>
+          </a:prstGeom>
+          <a:solidFill>
+            <a:srgbClr val="FFFF00"/>
+          </a:solidFill>
+        </p:spPr>
+        <p:style>
+          <a:lnRef idx="2">
+            <a:schemeClr val="accent1">
+              <a:shade val="15000"/>
+            </a:schemeClr>
+          </a:lnRef>
+          <a:fillRef idx="1">
+            <a:schemeClr val="accent1"/>
+          </a:fillRef>
+          <a:effectRef idx="0">
+            <a:schemeClr val="accent1"/>
+          </a:effectRef>
+          <a:fontRef idx="minor">
+            <a:schemeClr val="lt1"/>
+          </a:fontRef>
+        </p:style>
+        <p:txBody>
+          <a:bodyPr rtlCol="0" anchor="ctr"/>
+          <a:lstStyle/>
+          <a:p>
+            <a:pPr algn="ctr"/>
+            <a:r>
+              <a:rPr kumimoji="1" lang="en-US" altLang="ko-Kore-KR" dirty="0">
+                <a:solidFill>
+                  <a:schemeClr val="tx1"/>
+                </a:solidFill>
+                <a:latin typeface="DM Mono" panose="020B0509040201040103" pitchFamily="49" charset="0"/>
+              </a:rPr>
+              <a:t>200</a:t>
+            </a:r>
+            <a:endParaRPr kumimoji="1" lang="ko-Kore-KR" altLang="en-US" dirty="0">
+              <a:solidFill>
+                <a:schemeClr val="tx1"/>
+              </a:solidFill>
+              <a:latin typeface="DM Mono" panose="020B0509040201040103" pitchFamily="49" charset="0"/>
+            </a:endParaRPr>
+          </a:p>
+        </p:txBody>
+      </p:sp>
+      <p:sp>
+        <p:nvSpPr>
+          <p:cNvPr id="36" name="TextBox 35">
+            <a:extLst>
+              <a:ext uri="{FF2B5EF4-FFF2-40B4-BE49-F238E27FC236}">
+                <a16:creationId xmlns:a16="http://schemas.microsoft.com/office/drawing/2014/main" id="{5337AB4F-6C65-0641-7F6A-1537B25C2DAB}"/>
+              </a:ext>
+            </a:extLst>
+          </p:cNvPr>
+          <p:cNvSpPr txBox="1"/>
+          <p:nvPr/>
+        </p:nvSpPr>
+        <p:spPr>
+          <a:xfrm>
+            <a:off x="9152267" y="5108973"/>
+            <a:ext cx="524055" cy="369332"/>
+          </a:xfrm>
+          <a:prstGeom prst="rect">
+            <a:avLst/>
+          </a:prstGeom>
+          <a:noFill/>
+        </p:spPr>
+        <p:txBody>
+          <a:bodyPr wrap="square">
+            <a:spAutoFit/>
+          </a:bodyPr>
+          <a:lstStyle/>
+          <a:p>
+            <a:pPr algn="r"/>
+            <a:r>
+              <a:rPr lang="en-US" altLang="ko-Kore-KR" dirty="0">
+                <a:latin typeface="DM Mono" panose="020B0509040201040103" pitchFamily="49" charset="0"/>
+              </a:rPr>
+              <a:t>y</a:t>
+            </a:r>
+            <a:endParaRPr lang="ko-Kore-KR" altLang="en-US" dirty="0"/>
+          </a:p>
+        </p:txBody>
+      </p:sp>
+      <p:sp>
+        <p:nvSpPr>
+          <p:cNvPr id="38" name="TextBox 37">
+            <a:extLst>
+              <a:ext uri="{FF2B5EF4-FFF2-40B4-BE49-F238E27FC236}">
+                <a16:creationId xmlns:a16="http://schemas.microsoft.com/office/drawing/2014/main" id="{B86642B1-46A0-1CF0-F2C7-03E908CA680D}"/>
+              </a:ext>
+            </a:extLst>
+          </p:cNvPr>
+          <p:cNvSpPr txBox="1"/>
+          <p:nvPr/>
+        </p:nvSpPr>
+        <p:spPr>
+          <a:xfrm>
+            <a:off x="5840083" y="1670480"/>
+            <a:ext cx="6780003" cy="1477328"/>
+          </a:xfrm>
+          <a:prstGeom prst="rect">
+            <a:avLst/>
+          </a:prstGeom>
+          <a:noFill/>
+        </p:spPr>
+        <p:txBody>
+          <a:bodyPr wrap="square">
+            <a:spAutoFit/>
+          </a:bodyPr>
+          <a:lstStyle/>
+          <a:p>
+            <a:r>
+              <a:rPr lang="ko-Kore-KR" altLang="en-US" sz="1800" dirty="0">
+                <a:latin typeface="DM Mono" panose="020B0509040201040103" pitchFamily="49" charset="0"/>
+              </a:rPr>
+              <a:t> </a:t>
+            </a:r>
+            <a:r>
+              <a:rPr lang="en-US" altLang="ko-Kore-KR" sz="1800" dirty="0">
+                <a:latin typeface="DM Mono" panose="020B0509040201040103" pitchFamily="49" charset="0"/>
+              </a:rPr>
+              <a:t>   </a:t>
+            </a:r>
+            <a:r>
+              <a:rPr lang="ko-Kore-KR" altLang="en-US" sz="1800" dirty="0">
+                <a:latin typeface="DM Mono" panose="020B0509040201040103" pitchFamily="49" charset="0"/>
+              </a:rPr>
+              <a:t>void </a:t>
+            </a:r>
+            <a:r>
+              <a:rPr lang="en-US" altLang="ko-Kore-KR" sz="1800" dirty="0">
+                <a:latin typeface="DM Mono" panose="020B0509040201040103" pitchFamily="49" charset="0"/>
+              </a:rPr>
+              <a:t>Point::</a:t>
+            </a:r>
+            <a:r>
+              <a:rPr lang="ko-Kore-KR" altLang="en-US" sz="1800" dirty="0">
+                <a:latin typeface="DM Mono" panose="020B0509040201040103" pitchFamily="49" charset="0"/>
+              </a:rPr>
+              <a:t>Set(</a:t>
+            </a:r>
+            <a:r>
+              <a:rPr lang="en-US" altLang="ko-Kore-KR" sz="1800" dirty="0">
+                <a:solidFill>
+                  <a:srgbClr val="FF0000"/>
+                </a:solidFill>
+                <a:latin typeface="DM Mono" panose="020B0509040201040103" pitchFamily="49" charset="0"/>
+              </a:rPr>
+              <a:t>Point* this</a:t>
+            </a:r>
+            <a:r>
+              <a:rPr lang="en-US" altLang="ko-Kore-KR" sz="1800" dirty="0">
+                <a:latin typeface="DM Mono" panose="020B0509040201040103" pitchFamily="49" charset="0"/>
+              </a:rPr>
+              <a:t>, </a:t>
+            </a:r>
+            <a:r>
+              <a:rPr lang="ko-Kore-KR" altLang="en-US" sz="1800" dirty="0">
+                <a:latin typeface="DM Mono" panose="020B0509040201040103" pitchFamily="49" charset="0"/>
+              </a:rPr>
+              <a:t>int a, int b)</a:t>
+            </a:r>
+          </a:p>
+          <a:p>
+            <a:r>
+              <a:rPr lang="ko-Kore-KR" altLang="en-US" sz="1800" dirty="0">
+                <a:latin typeface="DM Mono" panose="020B0509040201040103" pitchFamily="49" charset="0"/>
+              </a:rPr>
+              <a:t>    {</a:t>
+            </a:r>
+          </a:p>
+          <a:p>
+            <a:r>
+              <a:rPr lang="ko-Kore-KR" altLang="en-US" sz="1800" dirty="0">
+                <a:solidFill>
+                  <a:srgbClr val="FF0000"/>
+                </a:solidFill>
+                <a:latin typeface="DM Mono" panose="020B0509040201040103" pitchFamily="49" charset="0"/>
+              </a:rPr>
+              <a:t>        </a:t>
+            </a:r>
+            <a:r>
+              <a:rPr lang="en-US" altLang="ko-Kore-KR" sz="1800" dirty="0">
+                <a:solidFill>
+                  <a:srgbClr val="FF0000"/>
+                </a:solidFill>
+                <a:latin typeface="DM Mono" panose="020B0509040201040103" pitchFamily="49" charset="0"/>
+              </a:rPr>
+              <a:t>this-&gt;</a:t>
+            </a:r>
+            <a:r>
+              <a:rPr lang="ko-Kore-KR" altLang="en-US" sz="1800" dirty="0">
+                <a:latin typeface="DM Mono" panose="020B0509040201040103" pitchFamily="49" charset="0"/>
+              </a:rPr>
+              <a:t>x = a;</a:t>
+            </a:r>
+          </a:p>
+          <a:p>
+            <a:r>
+              <a:rPr lang="ko-Kore-KR" altLang="en-US" sz="1800" dirty="0">
+                <a:latin typeface="DM Mono" panose="020B0509040201040103" pitchFamily="49" charset="0"/>
+              </a:rPr>
+              <a:t>        </a:t>
+            </a:r>
+            <a:r>
+              <a:rPr lang="en-US" altLang="ko-Kore-KR" sz="1800" dirty="0">
+                <a:solidFill>
+                  <a:srgbClr val="FF0000"/>
+                </a:solidFill>
+                <a:latin typeface="DM Mono" panose="020B0509040201040103" pitchFamily="49" charset="0"/>
+              </a:rPr>
+              <a:t>this-&gt;</a:t>
+            </a:r>
+            <a:r>
+              <a:rPr lang="ko-Kore-KR" altLang="en-US" sz="1800" dirty="0">
+                <a:latin typeface="DM Mono" panose="020B0509040201040103" pitchFamily="49" charset="0"/>
+              </a:rPr>
+              <a:t>y = b;</a:t>
+            </a:r>
+          </a:p>
+          <a:p>
+            <a:r>
+              <a:rPr lang="ko-Kore-KR" altLang="en-US" sz="1800" dirty="0">
+                <a:latin typeface="DM Mono" panose="020B0509040201040103" pitchFamily="49" charset="0"/>
+              </a:rPr>
+              <a:t>    }</a:t>
+            </a:r>
+            <a:endParaRPr lang="ko-Kore-KR" altLang="en-US" dirty="0"/>
+          </a:p>
+        </p:txBody>
+      </p:sp>
+      <p:sp>
+        <p:nvSpPr>
+          <p:cNvPr id="2" name="직사각형 1">
+            <a:extLst>
+              <a:ext uri="{FF2B5EF4-FFF2-40B4-BE49-F238E27FC236}">
+                <a16:creationId xmlns:a16="http://schemas.microsoft.com/office/drawing/2014/main" id="{2852CA2C-2129-A131-CE46-27C127EE622B}"/>
+              </a:ext>
+            </a:extLst>
+          </p:cNvPr>
+          <p:cNvSpPr/>
+          <p:nvPr/>
+        </p:nvSpPr>
+        <p:spPr>
+          <a:xfrm>
+            <a:off x="9523562" y="1663363"/>
+            <a:ext cx="784644" cy="393668"/>
+          </a:xfrm>
+          <a:prstGeom prst="rect">
+            <a:avLst/>
+          </a:prstGeom>
+          <a:noFill/>
+        </p:spPr>
+        <p:style>
+          <a:lnRef idx="2">
+            <a:schemeClr val="accent1">
+              <a:shade val="15000"/>
+            </a:schemeClr>
+          </a:lnRef>
+          <a:fillRef idx="1">
+            <a:schemeClr val="accent1"/>
+          </a:fillRef>
+          <a:effectRef idx="0">
+            <a:schemeClr val="accent1"/>
+          </a:effectRef>
+          <a:fontRef idx="minor">
+            <a:schemeClr val="lt1"/>
+          </a:fontRef>
+        </p:style>
+        <p:txBody>
+          <a:bodyPr rtlCol="0" anchor="ctr"/>
+          <a:lstStyle/>
+          <a:p>
+            <a:pPr algn="ctr"/>
+            <a:endParaRPr kumimoji="1" lang="ko-Kore-KR" altLang="en-US" dirty="0">
+              <a:solidFill>
+                <a:schemeClr val="tx1"/>
+              </a:solidFill>
+              <a:latin typeface="DM Mono" panose="020B0509040201040103" pitchFamily="49" charset="0"/>
+            </a:endParaRPr>
+          </a:p>
+        </p:txBody>
+      </p:sp>
+      <p:cxnSp>
+        <p:nvCxnSpPr>
+          <p:cNvPr id="4" name="구부러진 연결선[U] 3">
+            <a:extLst>
+              <a:ext uri="{FF2B5EF4-FFF2-40B4-BE49-F238E27FC236}">
+                <a16:creationId xmlns:a16="http://schemas.microsoft.com/office/drawing/2014/main" id="{6A8BB002-5CB5-9683-144C-CC8FF8A44379}"/>
+              </a:ext>
+            </a:extLst>
+          </p:cNvPr>
+          <p:cNvCxnSpPr>
+            <a:cxnSpLocks/>
+            <a:endCxn id="32" idx="0"/>
+          </p:cNvCxnSpPr>
+          <p:nvPr/>
+        </p:nvCxnSpPr>
+        <p:spPr>
+          <a:xfrm rot="16200000" flipH="1">
+            <a:off x="8934700" y="3077215"/>
+            <a:ext cx="2469172" cy="428804"/>
+          </a:xfrm>
+          <a:prstGeom prst="curvedConnector3">
+            <a:avLst/>
+          </a:prstGeom>
+          <a:ln>
+            <a:tailEnd type="triangle"/>
+          </a:ln>
+        </p:spPr>
+        <p:style>
+          <a:lnRef idx="1">
+            <a:schemeClr val="dk1"/>
+          </a:lnRef>
+          <a:fillRef idx="0">
+            <a:schemeClr val="dk1"/>
+          </a:fillRef>
+          <a:effectRef idx="0">
+            <a:schemeClr val="dk1"/>
+          </a:effectRef>
+          <a:fontRef idx="minor">
+            <a:schemeClr val="tx1"/>
+          </a:fontRef>
+        </p:style>
+      </p:cxnSp>
+    </p:spTree>
+    <p:extLst>
+      <p:ext uri="{BB962C8B-B14F-4D97-AF65-F5344CB8AC3E}">
+        <p14:creationId xmlns:p14="http://schemas.microsoft.com/office/powerpoint/2010/main" val="4255201693"/>
       </p:ext>
     </p:extLst>
   </p:cSld>
@@ -5401,4 +8801,299 @@
     </a:ext>
   </a:extLst>
 </a:theme>
+</file>
+
+<file path=ppt/theme/theme2.xml><?xml version="1.0" encoding="utf-8"?>
+<a:theme xmlns:a="http://schemas.openxmlformats.org/drawingml/2006/main" name="Office 테마">
+  <a:themeElements>
+    <a:clrScheme name="Office">
+      <a:dk1>
+        <a:sysClr val="windowText" lastClr="000000"/>
+      </a:dk1>
+      <a:lt1>
+        <a:sysClr val="window" lastClr="FFFFFF"/>
+      </a:lt1>
+      <a:dk2>
+        <a:srgbClr val="44546A"/>
+      </a:dk2>
+      <a:lt2>
+        <a:srgbClr val="E7E6E6"/>
+      </a:lt2>
+      <a:accent1>
+        <a:srgbClr val="4472C4"/>
+      </a:accent1>
+      <a:accent2>
+        <a:srgbClr val="ED7D31"/>
+      </a:accent2>
+      <a:accent3>
+        <a:srgbClr val="A5A5A5"/>
+      </a:accent3>
+      <a:accent4>
+        <a:srgbClr val="FFC000"/>
+      </a:accent4>
+      <a:accent5>
+        <a:srgbClr val="5B9BD5"/>
+      </a:accent5>
+      <a:accent6>
+        <a:srgbClr val="70AD47"/>
+      </a:accent6>
+      <a:hlink>
+        <a:srgbClr val="0563C1"/>
+      </a:hlink>
+      <a:folHlink>
+        <a:srgbClr val="954F72"/>
+      </a:folHlink>
+    </a:clrScheme>
+    <a:fontScheme name="Office">
+      <a:majorFont>
+        <a:latin typeface="Calibri Light" panose="020F0302020204030204"/>
+        <a:ea typeface=""/>
+        <a:cs typeface=""/>
+        <a:font script="Jpan" typeface="游ゴシック Light"/>
+        <a:font script="Hang" typeface="맑은 고딕"/>
+        <a:font script="Hans" typeface="等线 Light"/>
+        <a:font script="Hant" typeface="新細明體"/>
+        <a:font script="Arab" typeface="Times New Roman"/>
+        <a:font script="Hebr" typeface="Times New Roman"/>
+        <a:font script="Thai" typeface="Angsana New"/>
+        <a:font script="Ethi" typeface="Nyala"/>
+        <a:font script="Beng" typeface="Vrinda"/>
+        <a:font script="Gujr" typeface="Shruti"/>
+        <a:font script="Khmr" typeface="MoolBoran"/>
+        <a:font script="Knda" typeface="Tunga"/>
+        <a:font script="Guru" typeface="Raavi"/>
+        <a:font script="Cans" typeface="Euphemia"/>
+        <a:font script="Cher" typeface="Plantagenet Cherokee"/>
+        <a:font script="Yiii" typeface="Microsoft Yi Baiti"/>
+        <a:font script="Tibt" typeface="Microsoft Himalaya"/>
+        <a:font script="Thaa" typeface="MV Boli"/>
+        <a:font script="Deva" typeface="Mangal"/>
+        <a:font script="Telu" typeface="Gautami"/>
+        <a:font script="Taml" typeface="Latha"/>
+        <a:font script="Syrc" typeface="Estrangelo Edessa"/>
+        <a:font script="Orya" typeface="Kalinga"/>
+        <a:font script="Mlym" typeface="Kartika"/>
+        <a:font script="Laoo" typeface="DokChampa"/>
+        <a:font script="Sinh" typeface="Iskoola Pota"/>
+        <a:font script="Mong" typeface="Mongolian Baiti"/>
+        <a:font script="Viet" typeface="Times New Roman"/>
+        <a:font script="Uigh" typeface="Microsoft Uighur"/>
+        <a:font script="Geor" typeface="Sylfaen"/>
+        <a:font script="Armn" typeface="Arial"/>
+        <a:font script="Bugi" typeface="Leelawadee UI"/>
+        <a:font script="Bopo" typeface="Microsoft JhengHei"/>
+        <a:font script="Java" typeface="Javanese Text"/>
+        <a:font script="Lisu" typeface="Segoe UI"/>
+        <a:font script="Mymr" typeface="Myanmar Text"/>
+        <a:font script="Nkoo" typeface="Ebrima"/>
+        <a:font script="Olck" typeface="Nirmala UI"/>
+        <a:font script="Osma" typeface="Ebrima"/>
+        <a:font script="Phag" typeface="Phagspa"/>
+        <a:font script="Syrn" typeface="Estrangelo Edessa"/>
+        <a:font script="Syrj" typeface="Estrangelo Edessa"/>
+        <a:font script="Syre" typeface="Estrangelo Edessa"/>
+        <a:font script="Sora" typeface="Nirmala UI"/>
+        <a:font script="Tale" typeface="Microsoft Tai Le"/>
+        <a:font script="Talu" typeface="Microsoft New Tai Lue"/>
+        <a:font script="Tfng" typeface="Ebrima"/>
+      </a:majorFont>
+      <a:minorFont>
+        <a:latin typeface="Calibri" panose="020F0502020204030204"/>
+        <a:ea typeface=""/>
+        <a:cs typeface=""/>
+        <a:font script="Jpan" typeface="游ゴシック"/>
+        <a:font script="Hang" typeface="맑은 고딕"/>
+        <a:font script="Hans" typeface="等线"/>
+        <a:font script="Hant" typeface="新細明體"/>
+        <a:font script="Arab" typeface="Arial"/>
+        <a:font script="Hebr" typeface="Arial"/>
+        <a:font script="Thai" typeface="Cordia New"/>
+        <a:font script="Ethi" typeface="Nyala"/>
+        <a:font script="Beng" typeface="Vrinda"/>
+        <a:font script="Gujr" typeface="Shruti"/>
+        <a:font script="Khmr" typeface="DaunPenh"/>
+        <a:font script="Knda" typeface="Tunga"/>
+        <a:font script="Guru" typeface="Raavi"/>
+        <a:font script="Cans" typeface="Euphemia"/>
+        <a:font script="Cher" typeface="Plantagenet Cherokee"/>
+        <a:font script="Yiii" typeface="Microsoft Yi Baiti"/>
+        <a:font script="Tibt" typeface="Microsoft Himalaya"/>
+        <a:font script="Thaa" typeface="MV Boli"/>
+        <a:font script="Deva" typeface="Mangal"/>
+        <a:font script="Telu" typeface="Gautami"/>
+        <a:font script="Taml" typeface="Latha"/>
+        <a:font script="Syrc" typeface="Estrangelo Edessa"/>
+        <a:font script="Orya" typeface="Kalinga"/>
+        <a:font script="Mlym" typeface="Kartika"/>
+        <a:font script="Laoo" typeface="DokChampa"/>
+        <a:font script="Sinh" typeface="Iskoola Pota"/>
+        <a:font script="Mong" typeface="Mongolian Baiti"/>
+        <a:font script="Viet" typeface="Arial"/>
+        <a:font script="Uigh" typeface="Microsoft Uighur"/>
+        <a:font script="Geor" typeface="Sylfaen"/>
+        <a:font script="Armn" typeface="Arial"/>
+        <a:font script="Bugi" typeface="Leelawadee UI"/>
+        <a:font script="Bopo" typeface="Microsoft JhengHei"/>
+        <a:font script="Java" typeface="Javanese Text"/>
+        <a:font script="Lisu" typeface="Segoe UI"/>
+        <a:font script="Mymr" typeface="Myanmar Text"/>
+        <a:font script="Nkoo" typeface="Ebrima"/>
+        <a:font script="Olck" typeface="Nirmala UI"/>
+        <a:font script="Osma" typeface="Ebrima"/>
+        <a:font script="Phag" typeface="Phagspa"/>
+        <a:font script="Syrn" typeface="Estrangelo Edessa"/>
+        <a:font script="Syrj" typeface="Estrangelo Edessa"/>
+        <a:font script="Syre" typeface="Estrangelo Edessa"/>
+        <a:font script="Sora" typeface="Nirmala UI"/>
+        <a:font script="Tale" typeface="Microsoft Tai Le"/>
+        <a:font script="Talu" typeface="Microsoft New Tai Lue"/>
+        <a:font script="Tfng" typeface="Ebrima"/>
+      </a:minorFont>
+    </a:fontScheme>
+    <a:fmtScheme name="Office">
+      <a:fillStyleLst>
+        <a:solidFill>
+          <a:schemeClr val="phClr"/>
+        </a:solidFill>
+        <a:gradFill rotWithShape="1">
+          <a:gsLst>
+            <a:gs pos="0">
+              <a:schemeClr val="phClr">
+                <a:lumMod val="110000"/>
+                <a:satMod val="105000"/>
+                <a:tint val="67000"/>
+              </a:schemeClr>
+            </a:gs>
+            <a:gs pos="50000">
+              <a:schemeClr val="phClr">
+                <a:lumMod val="105000"/>
+                <a:satMod val="103000"/>
+                <a:tint val="73000"/>
+              </a:schemeClr>
+            </a:gs>
+            <a:gs pos="100000">
+              <a:schemeClr val="phClr">
+                <a:lumMod val="105000"/>
+                <a:satMod val="109000"/>
+                <a:tint val="81000"/>
+              </a:schemeClr>
+            </a:gs>
+          </a:gsLst>
+          <a:lin ang="5400000" scaled="0"/>
+        </a:gradFill>
+        <a:gradFill rotWithShape="1">
+          <a:gsLst>
+            <a:gs pos="0">
+              <a:schemeClr val="phClr">
+                <a:satMod val="103000"/>
+                <a:lumMod val="102000"/>
+                <a:tint val="94000"/>
+              </a:schemeClr>
+            </a:gs>
+            <a:gs pos="50000">
+              <a:schemeClr val="phClr">
+                <a:satMod val="110000"/>
+                <a:lumMod val="100000"/>
+                <a:shade val="100000"/>
+              </a:schemeClr>
+            </a:gs>
+            <a:gs pos="100000">
+              <a:schemeClr val="phClr">
+                <a:lumMod val="99000"/>
+                <a:satMod val="120000"/>
+                <a:shade val="78000"/>
+              </a:schemeClr>
+            </a:gs>
+          </a:gsLst>
+          <a:lin ang="5400000" scaled="0"/>
+        </a:gradFill>
+      </a:fillStyleLst>
+      <a:lnStyleLst>
+        <a:ln w="6350" cap="flat" cmpd="sng" algn="ctr">
+          <a:solidFill>
+            <a:schemeClr val="phClr"/>
+          </a:solidFill>
+          <a:prstDash val="solid"/>
+          <a:miter lim="800000"/>
+        </a:ln>
+        <a:ln w="12700" cap="flat" cmpd="sng" algn="ctr">
+          <a:solidFill>
+            <a:schemeClr val="phClr"/>
+          </a:solidFill>
+          <a:prstDash val="solid"/>
+          <a:miter lim="800000"/>
+        </a:ln>
+        <a:ln w="19050" cap="flat" cmpd="sng" algn="ctr">
+          <a:solidFill>
+            <a:schemeClr val="phClr"/>
+          </a:solidFill>
+          <a:prstDash val="solid"/>
+          <a:miter lim="800000"/>
+        </a:ln>
+      </a:lnStyleLst>
+      <a:effectStyleLst>
+        <a:effectStyle>
+          <a:effectLst/>
+        </a:effectStyle>
+        <a:effectStyle>
+          <a:effectLst/>
+        </a:effectStyle>
+        <a:effectStyle>
+          <a:effectLst>
+            <a:outerShdw blurRad="57150" dist="19050" dir="5400000" algn="ctr" rotWithShape="0">
+              <a:srgbClr val="000000">
+                <a:alpha val="63000"/>
+              </a:srgbClr>
+            </a:outerShdw>
+          </a:effectLst>
+        </a:effectStyle>
+      </a:effectStyleLst>
+      <a:bgFillStyleLst>
+        <a:solidFill>
+          <a:schemeClr val="phClr"/>
+        </a:solidFill>
+        <a:solidFill>
+          <a:schemeClr val="phClr">
+            <a:tint val="95000"/>
+            <a:satMod val="170000"/>
+          </a:schemeClr>
+        </a:solidFill>
+        <a:gradFill rotWithShape="1">
+          <a:gsLst>
+            <a:gs pos="0">
+              <a:schemeClr val="phClr">
+                <a:tint val="93000"/>
+                <a:satMod val="150000"/>
+                <a:shade val="98000"/>
+                <a:lumMod val="102000"/>
+              </a:schemeClr>
+            </a:gs>
+            <a:gs pos="50000">
+              <a:schemeClr val="phClr">
+                <a:tint val="98000"/>
+                <a:satMod val="130000"/>
+                <a:shade val="90000"/>
+                <a:lumMod val="103000"/>
+              </a:schemeClr>
+            </a:gs>
+            <a:gs pos="100000">
+              <a:schemeClr val="phClr">
+                <a:shade val="63000"/>
+                <a:satMod val="120000"/>
+              </a:schemeClr>
+            </a:gs>
+          </a:gsLst>
+          <a:lin ang="5400000" scaled="0"/>
+        </a:gradFill>
+      </a:bgFillStyleLst>
+    </a:fmtScheme>
+  </a:themeElements>
+  <a:objectDefaults/>
+  <a:extraClrSchemeLst/>
+  <a:extLst>
+    <a:ext uri="{05A4C25C-085E-4340-85A3-A5531E510DB2}">
+      <thm15:themeFamily xmlns:thm15="http://schemas.microsoft.com/office/thememl/2012/main" name="Office Theme" id="{62F939B6-93AF-4DB8-9C6B-D6C7DFDC589F}" vid="{4A3C46E8-61CC-4603-A589-7422A47A8E4A}"/>
+    </a:ext>
+  </a:extLst>
+</a:theme>
 </file>
--- a/230619.pptx
+++ b/230619.pptx
@@ -5,7 +5,7 @@
     <p:sldMasterId id="2147483648" r:id="rId1"/>
   </p:sldMasterIdLst>
   <p:notesMasterIdLst>
-    <p:notesMasterId r:id="rId10"/>
+    <p:notesMasterId r:id="rId15"/>
   </p:notesMasterIdLst>
   <p:sldIdLst>
     <p:sldId id="256" r:id="rId2"/>
@@ -16,6 +16,11 @@
     <p:sldId id="261" r:id="rId7"/>
     <p:sldId id="262" r:id="rId8"/>
     <p:sldId id="263" r:id="rId9"/>
+    <p:sldId id="264" r:id="rId10"/>
+    <p:sldId id="265" r:id="rId11"/>
+    <p:sldId id="266" r:id="rId12"/>
+    <p:sldId id="267" r:id="rId13"/>
+    <p:sldId id="268" r:id="rId14"/>
   </p:sldIdLst>
   <p:sldSz cx="12192000" cy="6858000"/>
   <p:notesSz cx="6858000" cy="9144000"/>
@@ -4357,6 +4362,2905 @@
 </p:sld>
 </file>
 
+<file path=ppt/slides/slide10.xml><?xml version="1.0" encoding="utf-8"?>
+<p:sld xmlns:a="http://schemas.openxmlformats.org/drawingml/2006/main" xmlns:r="http://schemas.openxmlformats.org/officeDocument/2006/relationships" xmlns:p="http://schemas.openxmlformats.org/presentationml/2006/main">
+  <p:cSld>
+    <p:spTree>
+      <p:nvGrpSpPr>
+        <p:cNvPr id="1" name=""/>
+        <p:cNvGrpSpPr/>
+        <p:nvPr/>
+      </p:nvGrpSpPr>
+      <p:grpSpPr>
+        <a:xfrm>
+          <a:off x="0" y="0"/>
+          <a:ext cx="0" cy="0"/>
+          <a:chOff x="0" y="0"/>
+          <a:chExt cx="0" cy="0"/>
+        </a:xfrm>
+      </p:grpSpPr>
+      <p:sp>
+        <p:nvSpPr>
+          <p:cNvPr id="5" name="TextBox 4">
+            <a:extLst>
+              <a:ext uri="{FF2B5EF4-FFF2-40B4-BE49-F238E27FC236}">
+                <a16:creationId xmlns:a16="http://schemas.microsoft.com/office/drawing/2014/main" id="{F6448139-ECDE-6A20-7933-D2FA23F72243}"/>
+              </a:ext>
+            </a:extLst>
+          </p:cNvPr>
+          <p:cNvSpPr txBox="1"/>
+          <p:nvPr/>
+        </p:nvSpPr>
+        <p:spPr>
+          <a:xfrm>
+            <a:off x="424850" y="401996"/>
+            <a:ext cx="6094562" cy="5262979"/>
+          </a:xfrm>
+          <a:prstGeom prst="rect">
+            <a:avLst/>
+          </a:prstGeom>
+          <a:noFill/>
+        </p:spPr>
+        <p:txBody>
+          <a:bodyPr wrap="square">
+            <a:spAutoFit/>
+          </a:bodyPr>
+          <a:lstStyle/>
+          <a:p>
+            <a:r>
+              <a:rPr lang="ko-Kore-KR" altLang="en-US" sz="1400" dirty="0">
+                <a:latin typeface="DM Mono" panose="020B0509040201040103" pitchFamily="49" charset="0"/>
+              </a:rPr>
+              <a:t>class User {</a:t>
+            </a:r>
+          </a:p>
+          <a:p>
+            <a:r>
+              <a:rPr lang="ko-Kore-KR" altLang="en-US" sz="1400" dirty="0">
+                <a:latin typeface="DM Mono" panose="020B0509040201040103" pitchFamily="49" charset="0"/>
+              </a:rPr>
+              <a:t>    char* name;</a:t>
+            </a:r>
+          </a:p>
+          <a:p>
+            <a:r>
+              <a:rPr lang="ko-Kore-KR" altLang="en-US" sz="1400" dirty="0">
+                <a:latin typeface="DM Mono" panose="020B0509040201040103" pitchFamily="49" charset="0"/>
+              </a:rPr>
+              <a:t>    int age;</a:t>
+            </a:r>
+          </a:p>
+          <a:p>
+            <a:endParaRPr lang="ko-Kore-KR" altLang="en-US" sz="1400" dirty="0">
+              <a:latin typeface="DM Mono" panose="020B0509040201040103" pitchFamily="49" charset="0"/>
+            </a:endParaRPr>
+          </a:p>
+          <a:p>
+            <a:r>
+              <a:rPr lang="ko-Kore-KR" altLang="en-US" sz="1400" dirty="0">
+                <a:latin typeface="DM Mono" panose="020B0509040201040103" pitchFamily="49" charset="0"/>
+              </a:rPr>
+              <a:t>public:</a:t>
+            </a:r>
+          </a:p>
+          <a:p>
+            <a:r>
+              <a:rPr lang="ko-Kore-KR" altLang="en-US" sz="1400" dirty="0">
+                <a:latin typeface="DM Mono" panose="020B0509040201040103" pitchFamily="49" charset="0"/>
+              </a:rPr>
+              <a:t>    User(const char* s, int n)</a:t>
+            </a:r>
+          </a:p>
+          <a:p>
+            <a:r>
+              <a:rPr lang="ko-Kore-KR" altLang="en-US" sz="1400" dirty="0">
+                <a:latin typeface="DM Mono" panose="020B0509040201040103" pitchFamily="49" charset="0"/>
+              </a:rPr>
+              <a:t>        : age(n)</a:t>
+            </a:r>
+          </a:p>
+          <a:p>
+            <a:r>
+              <a:rPr lang="ko-Kore-KR" altLang="en-US" sz="1400" dirty="0">
+                <a:latin typeface="DM Mono" panose="020B0509040201040103" pitchFamily="49" charset="0"/>
+              </a:rPr>
+              <a:t>    {</a:t>
+            </a:r>
+          </a:p>
+          <a:p>
+            <a:r>
+              <a:rPr lang="ko-Kore-KR" altLang="en-US" sz="1400" dirty="0">
+                <a:latin typeface="DM Mono" panose="020B0509040201040103" pitchFamily="49" charset="0"/>
+              </a:rPr>
+              <a:t>        name = new char[strlen(s) + 1];</a:t>
+            </a:r>
+          </a:p>
+          <a:p>
+            <a:r>
+              <a:rPr lang="ko-Kore-KR" altLang="en-US" sz="1400" dirty="0">
+                <a:latin typeface="DM Mono" panose="020B0509040201040103" pitchFamily="49" charset="0"/>
+              </a:rPr>
+              <a:t>        strcpy(name, s);</a:t>
+            </a:r>
+          </a:p>
+          <a:p>
+            <a:r>
+              <a:rPr lang="ko-Kore-KR" altLang="en-US" sz="1400" dirty="0">
+                <a:latin typeface="DM Mono" panose="020B0509040201040103" pitchFamily="49" charset="0"/>
+              </a:rPr>
+              <a:t>    }</a:t>
+            </a:r>
+          </a:p>
+          <a:p>
+            <a:endParaRPr lang="ko-Kore-KR" altLang="en-US" sz="1400" dirty="0">
+              <a:latin typeface="DM Mono" panose="020B0509040201040103" pitchFamily="49" charset="0"/>
+            </a:endParaRPr>
+          </a:p>
+          <a:p>
+            <a:r>
+              <a:rPr lang="ko-Kore-KR" altLang="en-US" sz="1400" dirty="0">
+                <a:latin typeface="DM Mono" panose="020B0509040201040103" pitchFamily="49" charset="0"/>
+              </a:rPr>
+              <a:t>    ~User()</a:t>
+            </a:r>
+          </a:p>
+          <a:p>
+            <a:r>
+              <a:rPr lang="ko-Kore-KR" altLang="en-US" sz="1400" dirty="0">
+                <a:latin typeface="DM Mono" panose="020B0509040201040103" pitchFamily="49" charset="0"/>
+              </a:rPr>
+              <a:t>    {</a:t>
+            </a:r>
+          </a:p>
+          <a:p>
+            <a:r>
+              <a:rPr lang="ko-Kore-KR" altLang="en-US" sz="1400" dirty="0">
+                <a:latin typeface="DM Mono" panose="020B0509040201040103" pitchFamily="49" charset="0"/>
+              </a:rPr>
+              <a:t>        delete[] name;</a:t>
+            </a:r>
+          </a:p>
+          <a:p>
+            <a:r>
+              <a:rPr lang="ko-Kore-KR" altLang="en-US" sz="1400" dirty="0">
+                <a:latin typeface="DM Mono" panose="020B0509040201040103" pitchFamily="49" charset="0"/>
+              </a:rPr>
+              <a:t>    }</a:t>
+            </a:r>
+          </a:p>
+          <a:p>
+            <a:r>
+              <a:rPr lang="ko-Kore-KR" altLang="en-US" sz="1400" dirty="0">
+                <a:latin typeface="DM Mono" panose="020B0509040201040103" pitchFamily="49" charset="0"/>
+              </a:rPr>
+              <a:t>};</a:t>
+            </a:r>
+          </a:p>
+          <a:p>
+            <a:endParaRPr lang="ko-Kore-KR" altLang="en-US" sz="1400" dirty="0">
+              <a:latin typeface="DM Mono" panose="020B0509040201040103" pitchFamily="49" charset="0"/>
+            </a:endParaRPr>
+          </a:p>
+          <a:p>
+            <a:r>
+              <a:rPr lang="ko-Kore-KR" altLang="en-US" sz="1400" dirty="0">
+                <a:latin typeface="DM Mono" panose="020B0509040201040103" pitchFamily="49" charset="0"/>
+              </a:rPr>
+              <a:t>int main()</a:t>
+            </a:r>
+          </a:p>
+          <a:p>
+            <a:r>
+              <a:rPr lang="ko-Kore-KR" altLang="en-US" sz="1400" dirty="0">
+                <a:latin typeface="DM Mono" panose="020B0509040201040103" pitchFamily="49" charset="0"/>
+              </a:rPr>
+              <a:t>{</a:t>
+            </a:r>
+          </a:p>
+          <a:p>
+            <a:r>
+              <a:rPr lang="ko-Kore-KR" altLang="en-US" sz="1400" dirty="0">
+                <a:latin typeface="DM Mono" panose="020B0509040201040103" pitchFamily="49" charset="0"/>
+              </a:rPr>
+              <a:t>    User user("Tom", 42);</a:t>
+            </a:r>
+          </a:p>
+          <a:p>
+            <a:endParaRPr lang="ko-Kore-KR" altLang="en-US" sz="1400" dirty="0">
+              <a:latin typeface="DM Mono" panose="020B0509040201040103" pitchFamily="49" charset="0"/>
+            </a:endParaRPr>
+          </a:p>
+          <a:p>
+            <a:r>
+              <a:rPr lang="ko-Kore-KR" altLang="en-US" sz="1400" dirty="0">
+                <a:latin typeface="DM Mono" panose="020B0509040201040103" pitchFamily="49" charset="0"/>
+              </a:rPr>
+              <a:t>    User other = user;</a:t>
+            </a:r>
+          </a:p>
+          <a:p>
+            <a:r>
+              <a:rPr lang="ko-Kore-KR" altLang="en-US" sz="1400" dirty="0">
+                <a:latin typeface="DM Mono" panose="020B0509040201040103" pitchFamily="49" charset="0"/>
+              </a:rPr>
+              <a:t>}</a:t>
+            </a:r>
+          </a:p>
+        </p:txBody>
+      </p:sp>
+      <p:sp>
+        <p:nvSpPr>
+          <p:cNvPr id="6" name="직사각형 5">
+            <a:extLst>
+              <a:ext uri="{FF2B5EF4-FFF2-40B4-BE49-F238E27FC236}">
+                <a16:creationId xmlns:a16="http://schemas.microsoft.com/office/drawing/2014/main" id="{87724EDF-D895-CFE9-CF1E-25BA19190DF0}"/>
+              </a:ext>
+            </a:extLst>
+          </p:cNvPr>
+          <p:cNvSpPr/>
+          <p:nvPr/>
+        </p:nvSpPr>
+        <p:spPr>
+          <a:xfrm>
+            <a:off x="6519412" y="1403440"/>
+            <a:ext cx="1414732" cy="511624"/>
+          </a:xfrm>
+          <a:prstGeom prst="rect">
+            <a:avLst/>
+          </a:prstGeom>
+          <a:solidFill>
+            <a:srgbClr val="FFFF00"/>
+          </a:solidFill>
+        </p:spPr>
+        <p:style>
+          <a:lnRef idx="2">
+            <a:schemeClr val="accent1">
+              <a:shade val="15000"/>
+            </a:schemeClr>
+          </a:lnRef>
+          <a:fillRef idx="1">
+            <a:schemeClr val="accent1"/>
+          </a:fillRef>
+          <a:effectRef idx="0">
+            <a:schemeClr val="accent1"/>
+          </a:effectRef>
+          <a:fontRef idx="minor">
+            <a:schemeClr val="lt1"/>
+          </a:fontRef>
+        </p:style>
+        <p:txBody>
+          <a:bodyPr rtlCol="0" anchor="ctr"/>
+          <a:lstStyle/>
+          <a:p>
+            <a:pPr algn="ctr"/>
+            <a:r>
+              <a:rPr kumimoji="1" lang="en-US" altLang="ko-Kore-KR" dirty="0">
+                <a:solidFill>
+                  <a:schemeClr val="tx1"/>
+                </a:solidFill>
+                <a:latin typeface="DM Mono" panose="020B0509040201040103" pitchFamily="49" charset="0"/>
+              </a:rPr>
+              <a:t>0x100</a:t>
+            </a:r>
+            <a:endParaRPr kumimoji="1" lang="ko-Kore-KR" altLang="en-US" dirty="0">
+              <a:solidFill>
+                <a:schemeClr val="tx1"/>
+              </a:solidFill>
+              <a:latin typeface="DM Mono" panose="020B0509040201040103" pitchFamily="49" charset="0"/>
+            </a:endParaRPr>
+          </a:p>
+        </p:txBody>
+      </p:sp>
+      <p:sp>
+        <p:nvSpPr>
+          <p:cNvPr id="7" name="TextBox 6">
+            <a:extLst>
+              <a:ext uri="{FF2B5EF4-FFF2-40B4-BE49-F238E27FC236}">
+                <a16:creationId xmlns:a16="http://schemas.microsoft.com/office/drawing/2014/main" id="{91624FBD-4502-9C03-52A7-824C72B0A3C2}"/>
+              </a:ext>
+            </a:extLst>
+          </p:cNvPr>
+          <p:cNvSpPr txBox="1"/>
+          <p:nvPr/>
+        </p:nvSpPr>
+        <p:spPr>
+          <a:xfrm>
+            <a:off x="5512279" y="1474586"/>
+            <a:ext cx="1007133" cy="369332"/>
+          </a:xfrm>
+          <a:prstGeom prst="rect">
+            <a:avLst/>
+          </a:prstGeom>
+          <a:noFill/>
+        </p:spPr>
+        <p:txBody>
+          <a:bodyPr wrap="square">
+            <a:spAutoFit/>
+          </a:bodyPr>
+          <a:lstStyle/>
+          <a:p>
+            <a:pPr algn="r"/>
+            <a:r>
+              <a:rPr lang="en-US" altLang="ko-Kore-KR" dirty="0">
+                <a:latin typeface="DM Mono" panose="020B0509040201040103" pitchFamily="49" charset="0"/>
+              </a:rPr>
+              <a:t>name</a:t>
+            </a:r>
+            <a:endParaRPr lang="ko-Kore-KR" altLang="en-US" dirty="0"/>
+          </a:p>
+        </p:txBody>
+      </p:sp>
+      <p:sp>
+        <p:nvSpPr>
+          <p:cNvPr id="8" name="TextBox 7">
+            <a:extLst>
+              <a:ext uri="{FF2B5EF4-FFF2-40B4-BE49-F238E27FC236}">
+                <a16:creationId xmlns:a16="http://schemas.microsoft.com/office/drawing/2014/main" id="{4177E8EE-2E4E-A399-02F8-ABCEFDA2332F}"/>
+              </a:ext>
+            </a:extLst>
+          </p:cNvPr>
+          <p:cNvSpPr txBox="1"/>
+          <p:nvPr/>
+        </p:nvSpPr>
+        <p:spPr>
+          <a:xfrm>
+            <a:off x="6642340" y="1034108"/>
+            <a:ext cx="1164566" cy="369332"/>
+          </a:xfrm>
+          <a:prstGeom prst="rect">
+            <a:avLst/>
+          </a:prstGeom>
+          <a:noFill/>
+        </p:spPr>
+        <p:txBody>
+          <a:bodyPr wrap="square">
+            <a:spAutoFit/>
+          </a:bodyPr>
+          <a:lstStyle/>
+          <a:p>
+            <a:pPr algn="ctr"/>
+            <a:r>
+              <a:rPr lang="en-US" altLang="ko-Kore-KR" dirty="0">
+                <a:latin typeface="DM Mono" panose="020B0509040201040103" pitchFamily="49" charset="0"/>
+              </a:rPr>
+              <a:t>user</a:t>
+            </a:r>
+            <a:endParaRPr lang="ko-Kore-KR" altLang="en-US" dirty="0"/>
+          </a:p>
+        </p:txBody>
+      </p:sp>
+      <p:sp>
+        <p:nvSpPr>
+          <p:cNvPr id="9" name="직사각형 8">
+            <a:extLst>
+              <a:ext uri="{FF2B5EF4-FFF2-40B4-BE49-F238E27FC236}">
+                <a16:creationId xmlns:a16="http://schemas.microsoft.com/office/drawing/2014/main" id="{520CC13C-E00D-E517-581E-1F030F14C966}"/>
+              </a:ext>
+            </a:extLst>
+          </p:cNvPr>
+          <p:cNvSpPr/>
+          <p:nvPr/>
+        </p:nvSpPr>
+        <p:spPr>
+          <a:xfrm>
+            <a:off x="6519412" y="1915064"/>
+            <a:ext cx="1414732" cy="511624"/>
+          </a:xfrm>
+          <a:prstGeom prst="rect">
+            <a:avLst/>
+          </a:prstGeom>
+          <a:solidFill>
+            <a:srgbClr val="FFFF00"/>
+          </a:solidFill>
+        </p:spPr>
+        <p:style>
+          <a:lnRef idx="2">
+            <a:schemeClr val="accent1">
+              <a:shade val="15000"/>
+            </a:schemeClr>
+          </a:lnRef>
+          <a:fillRef idx="1">
+            <a:schemeClr val="accent1"/>
+          </a:fillRef>
+          <a:effectRef idx="0">
+            <a:schemeClr val="accent1"/>
+          </a:effectRef>
+          <a:fontRef idx="minor">
+            <a:schemeClr val="lt1"/>
+          </a:fontRef>
+        </p:style>
+        <p:txBody>
+          <a:bodyPr rtlCol="0" anchor="ctr"/>
+          <a:lstStyle/>
+          <a:p>
+            <a:pPr algn="ctr"/>
+            <a:r>
+              <a:rPr kumimoji="1" lang="en-US" altLang="ko-Kore-KR" dirty="0">
+                <a:solidFill>
+                  <a:schemeClr val="tx1"/>
+                </a:solidFill>
+                <a:latin typeface="DM Mono" panose="020B0509040201040103" pitchFamily="49" charset="0"/>
+              </a:rPr>
+              <a:t>42</a:t>
+            </a:r>
+            <a:endParaRPr kumimoji="1" lang="ko-Kore-KR" altLang="en-US" dirty="0">
+              <a:solidFill>
+                <a:schemeClr val="tx1"/>
+              </a:solidFill>
+              <a:latin typeface="DM Mono" panose="020B0509040201040103" pitchFamily="49" charset="0"/>
+            </a:endParaRPr>
+          </a:p>
+        </p:txBody>
+      </p:sp>
+      <p:sp>
+        <p:nvSpPr>
+          <p:cNvPr id="10" name="TextBox 9">
+            <a:extLst>
+              <a:ext uri="{FF2B5EF4-FFF2-40B4-BE49-F238E27FC236}">
+                <a16:creationId xmlns:a16="http://schemas.microsoft.com/office/drawing/2014/main" id="{BD556C66-C174-B6D3-EEED-EAFA6B64151D}"/>
+              </a:ext>
+            </a:extLst>
+          </p:cNvPr>
+          <p:cNvSpPr txBox="1"/>
+          <p:nvPr/>
+        </p:nvSpPr>
+        <p:spPr>
+          <a:xfrm>
+            <a:off x="5814205" y="1986210"/>
+            <a:ext cx="705208" cy="369332"/>
+          </a:xfrm>
+          <a:prstGeom prst="rect">
+            <a:avLst/>
+          </a:prstGeom>
+          <a:noFill/>
+        </p:spPr>
+        <p:txBody>
+          <a:bodyPr wrap="square">
+            <a:spAutoFit/>
+          </a:bodyPr>
+          <a:lstStyle/>
+          <a:p>
+            <a:pPr algn="r"/>
+            <a:r>
+              <a:rPr lang="en-US" altLang="ko-Kore-KR" dirty="0">
+                <a:latin typeface="DM Mono" panose="020B0509040201040103" pitchFamily="49" charset="0"/>
+              </a:rPr>
+              <a:t>age</a:t>
+            </a:r>
+            <a:endParaRPr lang="ko-Kore-KR" altLang="en-US" dirty="0"/>
+          </a:p>
+        </p:txBody>
+      </p:sp>
+      <p:sp>
+        <p:nvSpPr>
+          <p:cNvPr id="11" name="직사각형 10">
+            <a:extLst>
+              <a:ext uri="{FF2B5EF4-FFF2-40B4-BE49-F238E27FC236}">
+                <a16:creationId xmlns:a16="http://schemas.microsoft.com/office/drawing/2014/main" id="{5778D267-A3EA-1BA4-9268-69BFE1380352}"/>
+              </a:ext>
+            </a:extLst>
+          </p:cNvPr>
+          <p:cNvSpPr/>
+          <p:nvPr/>
+        </p:nvSpPr>
+        <p:spPr>
+          <a:xfrm>
+            <a:off x="10105126" y="401996"/>
+            <a:ext cx="1414732" cy="511624"/>
+          </a:xfrm>
+          <a:prstGeom prst="rect">
+            <a:avLst/>
+          </a:prstGeom>
+          <a:solidFill>
+            <a:srgbClr val="FFFF00"/>
+          </a:solidFill>
+          <a:ln>
+            <a:solidFill>
+              <a:srgbClr val="FF0000"/>
+            </a:solidFill>
+          </a:ln>
+        </p:spPr>
+        <p:style>
+          <a:lnRef idx="2">
+            <a:schemeClr val="accent1">
+              <a:shade val="15000"/>
+            </a:schemeClr>
+          </a:lnRef>
+          <a:fillRef idx="1">
+            <a:schemeClr val="accent1"/>
+          </a:fillRef>
+          <a:effectRef idx="0">
+            <a:schemeClr val="accent1"/>
+          </a:effectRef>
+          <a:fontRef idx="minor">
+            <a:schemeClr val="lt1"/>
+          </a:fontRef>
+        </p:style>
+        <p:txBody>
+          <a:bodyPr rtlCol="0" anchor="ctr"/>
+          <a:lstStyle/>
+          <a:p>
+            <a:pPr algn="ctr"/>
+            <a:r>
+              <a:rPr kumimoji="1" lang="en-US" altLang="ko-Kore-KR" dirty="0">
+                <a:solidFill>
+                  <a:schemeClr val="tx1"/>
+                </a:solidFill>
+                <a:latin typeface="DM Mono" panose="020B0509040201040103" pitchFamily="49" charset="0"/>
+              </a:rPr>
+              <a:t>“Tom”</a:t>
+            </a:r>
+            <a:endParaRPr kumimoji="1" lang="ko-Kore-KR" altLang="en-US" dirty="0">
+              <a:solidFill>
+                <a:schemeClr val="tx1"/>
+              </a:solidFill>
+              <a:latin typeface="DM Mono" panose="020B0509040201040103" pitchFamily="49" charset="0"/>
+            </a:endParaRPr>
+          </a:p>
+        </p:txBody>
+      </p:sp>
+      <p:sp>
+        <p:nvSpPr>
+          <p:cNvPr id="12" name="TextBox 11">
+            <a:extLst>
+              <a:ext uri="{FF2B5EF4-FFF2-40B4-BE49-F238E27FC236}">
+                <a16:creationId xmlns:a16="http://schemas.microsoft.com/office/drawing/2014/main" id="{973E0080-5DAE-23F2-3D90-F864567D3C0C}"/>
+              </a:ext>
+            </a:extLst>
+          </p:cNvPr>
+          <p:cNvSpPr txBox="1"/>
+          <p:nvPr/>
+        </p:nvSpPr>
+        <p:spPr>
+          <a:xfrm>
+            <a:off x="9522843" y="32664"/>
+            <a:ext cx="1164566" cy="369332"/>
+          </a:xfrm>
+          <a:prstGeom prst="rect">
+            <a:avLst/>
+          </a:prstGeom>
+          <a:noFill/>
+        </p:spPr>
+        <p:txBody>
+          <a:bodyPr wrap="square">
+            <a:spAutoFit/>
+          </a:bodyPr>
+          <a:lstStyle/>
+          <a:p>
+            <a:pPr algn="ctr"/>
+            <a:r>
+              <a:rPr lang="en-US" altLang="ko-Kore-KR" dirty="0">
+                <a:latin typeface="DM Mono" panose="020B0509040201040103" pitchFamily="49" charset="0"/>
+              </a:rPr>
+              <a:t>0x100</a:t>
+            </a:r>
+            <a:endParaRPr lang="ko-Kore-KR" altLang="en-US" dirty="0"/>
+          </a:p>
+        </p:txBody>
+      </p:sp>
+      <p:cxnSp>
+        <p:nvCxnSpPr>
+          <p:cNvPr id="14" name="구부러진 연결선[U] 13">
+            <a:extLst>
+              <a:ext uri="{FF2B5EF4-FFF2-40B4-BE49-F238E27FC236}">
+                <a16:creationId xmlns:a16="http://schemas.microsoft.com/office/drawing/2014/main" id="{A275FAF9-2C85-DDAD-8348-6287F47B20C0}"/>
+              </a:ext>
+            </a:extLst>
+          </p:cNvPr>
+          <p:cNvCxnSpPr>
+            <a:cxnSpLocks/>
+            <a:stCxn id="6" idx="3"/>
+            <a:endCxn id="11" idx="1"/>
+          </p:cNvCxnSpPr>
+          <p:nvPr/>
+        </p:nvCxnSpPr>
+        <p:spPr>
+          <a:xfrm flipV="1">
+            <a:off x="7934144" y="657808"/>
+            <a:ext cx="2170982" cy="1001444"/>
+          </a:xfrm>
+          <a:prstGeom prst="curvedConnector3">
+            <a:avLst/>
+          </a:prstGeom>
+          <a:ln>
+            <a:tailEnd type="triangle"/>
+          </a:ln>
+        </p:spPr>
+        <p:style>
+          <a:lnRef idx="1">
+            <a:schemeClr val="dk1"/>
+          </a:lnRef>
+          <a:fillRef idx="0">
+            <a:schemeClr val="dk1"/>
+          </a:fillRef>
+          <a:effectRef idx="0">
+            <a:schemeClr val="dk1"/>
+          </a:effectRef>
+          <a:fontRef idx="minor">
+            <a:schemeClr val="tx1"/>
+          </a:fontRef>
+        </p:style>
+      </p:cxnSp>
+      <p:sp>
+        <p:nvSpPr>
+          <p:cNvPr id="16" name="직사각형 15">
+            <a:extLst>
+              <a:ext uri="{FF2B5EF4-FFF2-40B4-BE49-F238E27FC236}">
+                <a16:creationId xmlns:a16="http://schemas.microsoft.com/office/drawing/2014/main" id="{1674A8FC-638F-33B9-1AB7-6EE4ECD87401}"/>
+              </a:ext>
+            </a:extLst>
+          </p:cNvPr>
+          <p:cNvSpPr/>
+          <p:nvPr/>
+        </p:nvSpPr>
+        <p:spPr>
+          <a:xfrm>
+            <a:off x="6519412" y="3498598"/>
+            <a:ext cx="1414732" cy="511624"/>
+          </a:xfrm>
+          <a:prstGeom prst="rect">
+            <a:avLst/>
+          </a:prstGeom>
+          <a:solidFill>
+            <a:srgbClr val="FFFF00"/>
+          </a:solidFill>
+          <a:ln>
+            <a:solidFill>
+              <a:srgbClr val="FF0000"/>
+            </a:solidFill>
+          </a:ln>
+        </p:spPr>
+        <p:style>
+          <a:lnRef idx="2">
+            <a:schemeClr val="accent1">
+              <a:shade val="15000"/>
+            </a:schemeClr>
+          </a:lnRef>
+          <a:fillRef idx="1">
+            <a:schemeClr val="accent1"/>
+          </a:fillRef>
+          <a:effectRef idx="0">
+            <a:schemeClr val="accent1"/>
+          </a:effectRef>
+          <a:fontRef idx="minor">
+            <a:schemeClr val="lt1"/>
+          </a:fontRef>
+        </p:style>
+        <p:txBody>
+          <a:bodyPr rtlCol="0" anchor="ctr"/>
+          <a:lstStyle/>
+          <a:p>
+            <a:pPr algn="ctr"/>
+            <a:r>
+              <a:rPr kumimoji="1" lang="en-US" altLang="ko-Kore-KR" dirty="0">
+                <a:solidFill>
+                  <a:schemeClr val="tx1"/>
+                </a:solidFill>
+                <a:latin typeface="DM Mono" panose="020B0509040201040103" pitchFamily="49" charset="0"/>
+              </a:rPr>
+              <a:t>0x100</a:t>
+            </a:r>
+            <a:endParaRPr kumimoji="1" lang="ko-Kore-KR" altLang="en-US" dirty="0">
+              <a:solidFill>
+                <a:schemeClr val="tx1"/>
+              </a:solidFill>
+              <a:latin typeface="DM Mono" panose="020B0509040201040103" pitchFamily="49" charset="0"/>
+            </a:endParaRPr>
+          </a:p>
+        </p:txBody>
+      </p:sp>
+      <p:sp>
+        <p:nvSpPr>
+          <p:cNvPr id="17" name="TextBox 16">
+            <a:extLst>
+              <a:ext uri="{FF2B5EF4-FFF2-40B4-BE49-F238E27FC236}">
+                <a16:creationId xmlns:a16="http://schemas.microsoft.com/office/drawing/2014/main" id="{251E413C-7012-0F50-3D59-DA4D59C5FE47}"/>
+              </a:ext>
+            </a:extLst>
+          </p:cNvPr>
+          <p:cNvSpPr txBox="1"/>
+          <p:nvPr/>
+        </p:nvSpPr>
+        <p:spPr>
+          <a:xfrm>
+            <a:off x="5512279" y="3569744"/>
+            <a:ext cx="1007133" cy="369332"/>
+          </a:xfrm>
+          <a:prstGeom prst="rect">
+            <a:avLst/>
+          </a:prstGeom>
+          <a:noFill/>
+        </p:spPr>
+        <p:txBody>
+          <a:bodyPr wrap="square">
+            <a:spAutoFit/>
+          </a:bodyPr>
+          <a:lstStyle/>
+          <a:p>
+            <a:pPr algn="r"/>
+            <a:r>
+              <a:rPr lang="en-US" altLang="ko-Kore-KR" dirty="0">
+                <a:latin typeface="DM Mono" panose="020B0509040201040103" pitchFamily="49" charset="0"/>
+              </a:rPr>
+              <a:t>name</a:t>
+            </a:r>
+            <a:endParaRPr lang="ko-Kore-KR" altLang="en-US" dirty="0"/>
+          </a:p>
+        </p:txBody>
+      </p:sp>
+      <p:sp>
+        <p:nvSpPr>
+          <p:cNvPr id="18" name="TextBox 17">
+            <a:extLst>
+              <a:ext uri="{FF2B5EF4-FFF2-40B4-BE49-F238E27FC236}">
+                <a16:creationId xmlns:a16="http://schemas.microsoft.com/office/drawing/2014/main" id="{08BEB54E-B7B1-7A2D-8B6C-7EFB6C24B52E}"/>
+              </a:ext>
+            </a:extLst>
+          </p:cNvPr>
+          <p:cNvSpPr txBox="1"/>
+          <p:nvPr/>
+        </p:nvSpPr>
+        <p:spPr>
+          <a:xfrm>
+            <a:off x="6642340" y="3129266"/>
+            <a:ext cx="1164566" cy="369332"/>
+          </a:xfrm>
+          <a:prstGeom prst="rect">
+            <a:avLst/>
+          </a:prstGeom>
+          <a:noFill/>
+        </p:spPr>
+        <p:txBody>
+          <a:bodyPr wrap="square">
+            <a:spAutoFit/>
+          </a:bodyPr>
+          <a:lstStyle/>
+          <a:p>
+            <a:pPr algn="ctr"/>
+            <a:r>
+              <a:rPr lang="en-US" altLang="ko-Kore-KR" dirty="0">
+                <a:latin typeface="DM Mono" panose="020B0509040201040103" pitchFamily="49" charset="0"/>
+              </a:rPr>
+              <a:t>other</a:t>
+            </a:r>
+            <a:endParaRPr lang="ko-Kore-KR" altLang="en-US" dirty="0"/>
+          </a:p>
+        </p:txBody>
+      </p:sp>
+      <p:sp>
+        <p:nvSpPr>
+          <p:cNvPr id="19" name="직사각형 18">
+            <a:extLst>
+              <a:ext uri="{FF2B5EF4-FFF2-40B4-BE49-F238E27FC236}">
+                <a16:creationId xmlns:a16="http://schemas.microsoft.com/office/drawing/2014/main" id="{62936458-41A1-2149-DD04-98CABD853FFE}"/>
+              </a:ext>
+            </a:extLst>
+          </p:cNvPr>
+          <p:cNvSpPr/>
+          <p:nvPr/>
+        </p:nvSpPr>
+        <p:spPr>
+          <a:xfrm>
+            <a:off x="6519412" y="4010222"/>
+            <a:ext cx="1414732" cy="511624"/>
+          </a:xfrm>
+          <a:prstGeom prst="rect">
+            <a:avLst/>
+          </a:prstGeom>
+          <a:solidFill>
+            <a:srgbClr val="FFFF00"/>
+          </a:solidFill>
+          <a:ln>
+            <a:solidFill>
+              <a:srgbClr val="FF0000"/>
+            </a:solidFill>
+          </a:ln>
+        </p:spPr>
+        <p:style>
+          <a:lnRef idx="2">
+            <a:schemeClr val="accent1">
+              <a:shade val="15000"/>
+            </a:schemeClr>
+          </a:lnRef>
+          <a:fillRef idx="1">
+            <a:schemeClr val="accent1"/>
+          </a:fillRef>
+          <a:effectRef idx="0">
+            <a:schemeClr val="accent1"/>
+          </a:effectRef>
+          <a:fontRef idx="minor">
+            <a:schemeClr val="lt1"/>
+          </a:fontRef>
+        </p:style>
+        <p:txBody>
+          <a:bodyPr rtlCol="0" anchor="ctr"/>
+          <a:lstStyle/>
+          <a:p>
+            <a:pPr algn="ctr"/>
+            <a:r>
+              <a:rPr kumimoji="1" lang="en-US" altLang="ko-Kore-KR" dirty="0">
+                <a:solidFill>
+                  <a:schemeClr val="tx1"/>
+                </a:solidFill>
+                <a:latin typeface="DM Mono" panose="020B0509040201040103" pitchFamily="49" charset="0"/>
+              </a:rPr>
+              <a:t>42</a:t>
+            </a:r>
+            <a:endParaRPr kumimoji="1" lang="ko-Kore-KR" altLang="en-US" dirty="0">
+              <a:solidFill>
+                <a:schemeClr val="tx1"/>
+              </a:solidFill>
+              <a:latin typeface="DM Mono" panose="020B0509040201040103" pitchFamily="49" charset="0"/>
+            </a:endParaRPr>
+          </a:p>
+        </p:txBody>
+      </p:sp>
+      <p:sp>
+        <p:nvSpPr>
+          <p:cNvPr id="20" name="TextBox 19">
+            <a:extLst>
+              <a:ext uri="{FF2B5EF4-FFF2-40B4-BE49-F238E27FC236}">
+                <a16:creationId xmlns:a16="http://schemas.microsoft.com/office/drawing/2014/main" id="{4525D349-B054-47E6-5A53-1FDDB31FE25D}"/>
+              </a:ext>
+            </a:extLst>
+          </p:cNvPr>
+          <p:cNvSpPr txBox="1"/>
+          <p:nvPr/>
+        </p:nvSpPr>
+        <p:spPr>
+          <a:xfrm>
+            <a:off x="5814205" y="4081368"/>
+            <a:ext cx="705208" cy="369332"/>
+          </a:xfrm>
+          <a:prstGeom prst="rect">
+            <a:avLst/>
+          </a:prstGeom>
+          <a:noFill/>
+        </p:spPr>
+        <p:txBody>
+          <a:bodyPr wrap="square">
+            <a:spAutoFit/>
+          </a:bodyPr>
+          <a:lstStyle/>
+          <a:p>
+            <a:pPr algn="r"/>
+            <a:r>
+              <a:rPr lang="en-US" altLang="ko-Kore-KR" dirty="0">
+                <a:latin typeface="DM Mono" panose="020B0509040201040103" pitchFamily="49" charset="0"/>
+              </a:rPr>
+              <a:t>age</a:t>
+            </a:r>
+            <a:endParaRPr lang="ko-Kore-KR" altLang="en-US" dirty="0"/>
+          </a:p>
+        </p:txBody>
+      </p:sp>
+      <p:cxnSp>
+        <p:nvCxnSpPr>
+          <p:cNvPr id="21" name="구부러진 연결선[U] 20">
+            <a:extLst>
+              <a:ext uri="{FF2B5EF4-FFF2-40B4-BE49-F238E27FC236}">
+                <a16:creationId xmlns:a16="http://schemas.microsoft.com/office/drawing/2014/main" id="{8E727A32-51B0-ACB2-512A-1239B9D11AB4}"/>
+              </a:ext>
+            </a:extLst>
+          </p:cNvPr>
+          <p:cNvCxnSpPr>
+            <a:cxnSpLocks/>
+            <a:stCxn id="16" idx="3"/>
+            <a:endCxn id="11" idx="1"/>
+          </p:cNvCxnSpPr>
+          <p:nvPr/>
+        </p:nvCxnSpPr>
+        <p:spPr>
+          <a:xfrm flipV="1">
+            <a:off x="7934144" y="657808"/>
+            <a:ext cx="2170982" cy="3096602"/>
+          </a:xfrm>
+          <a:prstGeom prst="curvedConnector3">
+            <a:avLst>
+              <a:gd name="adj1" fmla="val 50000"/>
+            </a:avLst>
+          </a:prstGeom>
+          <a:ln>
+            <a:tailEnd type="triangle"/>
+          </a:ln>
+        </p:spPr>
+        <p:style>
+          <a:lnRef idx="1">
+            <a:schemeClr val="dk1"/>
+          </a:lnRef>
+          <a:fillRef idx="0">
+            <a:schemeClr val="dk1"/>
+          </a:fillRef>
+          <a:effectRef idx="0">
+            <a:schemeClr val="dk1"/>
+          </a:effectRef>
+          <a:fontRef idx="minor">
+            <a:schemeClr val="tx1"/>
+          </a:fontRef>
+        </p:style>
+      </p:cxnSp>
+    </p:spTree>
+    <p:extLst>
+      <p:ext uri="{BB962C8B-B14F-4D97-AF65-F5344CB8AC3E}">
+        <p14:creationId xmlns:p14="http://schemas.microsoft.com/office/powerpoint/2010/main" val="3067240171"/>
+      </p:ext>
+    </p:extLst>
+  </p:cSld>
+  <p:clrMapOvr>
+    <a:masterClrMapping/>
+  </p:clrMapOvr>
+</p:sld>
+</file>
+
+<file path=ppt/slides/slide11.xml><?xml version="1.0" encoding="utf-8"?>
+<p:sld xmlns:a="http://schemas.openxmlformats.org/drawingml/2006/main" xmlns:r="http://schemas.openxmlformats.org/officeDocument/2006/relationships" xmlns:p="http://schemas.openxmlformats.org/presentationml/2006/main">
+  <p:cSld>
+    <p:spTree>
+      <p:nvGrpSpPr>
+        <p:cNvPr id="1" name=""/>
+        <p:cNvGrpSpPr/>
+        <p:nvPr/>
+      </p:nvGrpSpPr>
+      <p:grpSpPr>
+        <a:xfrm>
+          <a:off x="0" y="0"/>
+          <a:ext cx="0" cy="0"/>
+          <a:chOff x="0" y="0"/>
+          <a:chExt cx="0" cy="0"/>
+        </a:xfrm>
+      </p:grpSpPr>
+      <p:sp>
+        <p:nvSpPr>
+          <p:cNvPr id="5" name="TextBox 4">
+            <a:extLst>
+              <a:ext uri="{FF2B5EF4-FFF2-40B4-BE49-F238E27FC236}">
+                <a16:creationId xmlns:a16="http://schemas.microsoft.com/office/drawing/2014/main" id="{F6448139-ECDE-6A20-7933-D2FA23F72243}"/>
+              </a:ext>
+            </a:extLst>
+          </p:cNvPr>
+          <p:cNvSpPr txBox="1"/>
+          <p:nvPr/>
+        </p:nvSpPr>
+        <p:spPr>
+          <a:xfrm>
+            <a:off x="424850" y="401996"/>
+            <a:ext cx="6094562" cy="5262979"/>
+          </a:xfrm>
+          <a:prstGeom prst="rect">
+            <a:avLst/>
+          </a:prstGeom>
+          <a:noFill/>
+        </p:spPr>
+        <p:txBody>
+          <a:bodyPr wrap="square">
+            <a:spAutoFit/>
+          </a:bodyPr>
+          <a:lstStyle/>
+          <a:p>
+            <a:r>
+              <a:rPr lang="ko-Kore-KR" altLang="en-US" sz="1400" dirty="0">
+                <a:latin typeface="DM Mono" panose="020B0509040201040103" pitchFamily="49" charset="0"/>
+              </a:rPr>
+              <a:t>class User {</a:t>
+            </a:r>
+          </a:p>
+          <a:p>
+            <a:r>
+              <a:rPr lang="ko-Kore-KR" altLang="en-US" sz="1400" dirty="0">
+                <a:latin typeface="DM Mono" panose="020B0509040201040103" pitchFamily="49" charset="0"/>
+              </a:rPr>
+              <a:t>    char* name;</a:t>
+            </a:r>
+          </a:p>
+          <a:p>
+            <a:r>
+              <a:rPr lang="ko-Kore-KR" altLang="en-US" sz="1400" dirty="0">
+                <a:latin typeface="DM Mono" panose="020B0509040201040103" pitchFamily="49" charset="0"/>
+              </a:rPr>
+              <a:t>    int age;</a:t>
+            </a:r>
+          </a:p>
+          <a:p>
+            <a:endParaRPr lang="ko-Kore-KR" altLang="en-US" sz="1400" dirty="0">
+              <a:latin typeface="DM Mono" panose="020B0509040201040103" pitchFamily="49" charset="0"/>
+            </a:endParaRPr>
+          </a:p>
+          <a:p>
+            <a:r>
+              <a:rPr lang="ko-Kore-KR" altLang="en-US" sz="1400" dirty="0">
+                <a:latin typeface="DM Mono" panose="020B0509040201040103" pitchFamily="49" charset="0"/>
+              </a:rPr>
+              <a:t>public:</a:t>
+            </a:r>
+          </a:p>
+          <a:p>
+            <a:r>
+              <a:rPr lang="ko-Kore-KR" altLang="en-US" sz="1400" dirty="0">
+                <a:latin typeface="DM Mono" panose="020B0509040201040103" pitchFamily="49" charset="0"/>
+              </a:rPr>
+              <a:t>    User(const char* s, int n)</a:t>
+            </a:r>
+          </a:p>
+          <a:p>
+            <a:r>
+              <a:rPr lang="ko-Kore-KR" altLang="en-US" sz="1400" dirty="0">
+                <a:latin typeface="DM Mono" panose="020B0509040201040103" pitchFamily="49" charset="0"/>
+              </a:rPr>
+              <a:t>        : age(n)</a:t>
+            </a:r>
+          </a:p>
+          <a:p>
+            <a:r>
+              <a:rPr lang="ko-Kore-KR" altLang="en-US" sz="1400" dirty="0">
+                <a:latin typeface="DM Mono" panose="020B0509040201040103" pitchFamily="49" charset="0"/>
+              </a:rPr>
+              <a:t>    {</a:t>
+            </a:r>
+          </a:p>
+          <a:p>
+            <a:r>
+              <a:rPr lang="ko-Kore-KR" altLang="en-US" sz="1400" dirty="0">
+                <a:latin typeface="DM Mono" panose="020B0509040201040103" pitchFamily="49" charset="0"/>
+              </a:rPr>
+              <a:t>        name = new char[strlen(s) + 1];</a:t>
+            </a:r>
+          </a:p>
+          <a:p>
+            <a:r>
+              <a:rPr lang="ko-Kore-KR" altLang="en-US" sz="1400" dirty="0">
+                <a:latin typeface="DM Mono" panose="020B0509040201040103" pitchFamily="49" charset="0"/>
+              </a:rPr>
+              <a:t>        strcpy(name, s);</a:t>
+            </a:r>
+          </a:p>
+          <a:p>
+            <a:r>
+              <a:rPr lang="ko-Kore-KR" altLang="en-US" sz="1400" dirty="0">
+                <a:latin typeface="DM Mono" panose="020B0509040201040103" pitchFamily="49" charset="0"/>
+              </a:rPr>
+              <a:t>    }</a:t>
+            </a:r>
+          </a:p>
+          <a:p>
+            <a:endParaRPr lang="ko-Kore-KR" altLang="en-US" sz="1400" dirty="0">
+              <a:latin typeface="DM Mono" panose="020B0509040201040103" pitchFamily="49" charset="0"/>
+            </a:endParaRPr>
+          </a:p>
+          <a:p>
+            <a:r>
+              <a:rPr lang="ko-Kore-KR" altLang="en-US" sz="1400" dirty="0">
+                <a:latin typeface="DM Mono" panose="020B0509040201040103" pitchFamily="49" charset="0"/>
+              </a:rPr>
+              <a:t>    ~User()</a:t>
+            </a:r>
+          </a:p>
+          <a:p>
+            <a:r>
+              <a:rPr lang="ko-Kore-KR" altLang="en-US" sz="1400" dirty="0">
+                <a:latin typeface="DM Mono" panose="020B0509040201040103" pitchFamily="49" charset="0"/>
+              </a:rPr>
+              <a:t>    {</a:t>
+            </a:r>
+          </a:p>
+          <a:p>
+            <a:r>
+              <a:rPr lang="ko-Kore-KR" altLang="en-US" sz="1400" dirty="0">
+                <a:latin typeface="DM Mono" panose="020B0509040201040103" pitchFamily="49" charset="0"/>
+              </a:rPr>
+              <a:t>        delete[] name;</a:t>
+            </a:r>
+          </a:p>
+          <a:p>
+            <a:r>
+              <a:rPr lang="ko-Kore-KR" altLang="en-US" sz="1400" dirty="0">
+                <a:latin typeface="DM Mono" panose="020B0509040201040103" pitchFamily="49" charset="0"/>
+              </a:rPr>
+              <a:t>    }</a:t>
+            </a:r>
+          </a:p>
+          <a:p>
+            <a:r>
+              <a:rPr lang="ko-Kore-KR" altLang="en-US" sz="1400" dirty="0">
+                <a:latin typeface="DM Mono" panose="020B0509040201040103" pitchFamily="49" charset="0"/>
+              </a:rPr>
+              <a:t>};</a:t>
+            </a:r>
+          </a:p>
+          <a:p>
+            <a:endParaRPr lang="ko-Kore-KR" altLang="en-US" sz="1400" dirty="0">
+              <a:latin typeface="DM Mono" panose="020B0509040201040103" pitchFamily="49" charset="0"/>
+            </a:endParaRPr>
+          </a:p>
+          <a:p>
+            <a:r>
+              <a:rPr lang="ko-Kore-KR" altLang="en-US" sz="1400" dirty="0">
+                <a:latin typeface="DM Mono" panose="020B0509040201040103" pitchFamily="49" charset="0"/>
+              </a:rPr>
+              <a:t>int main()</a:t>
+            </a:r>
+          </a:p>
+          <a:p>
+            <a:r>
+              <a:rPr lang="ko-Kore-KR" altLang="en-US" sz="1400" dirty="0">
+                <a:latin typeface="DM Mono" panose="020B0509040201040103" pitchFamily="49" charset="0"/>
+              </a:rPr>
+              <a:t>{</a:t>
+            </a:r>
+          </a:p>
+          <a:p>
+            <a:r>
+              <a:rPr lang="ko-Kore-KR" altLang="en-US" sz="1400" dirty="0">
+                <a:latin typeface="DM Mono" panose="020B0509040201040103" pitchFamily="49" charset="0"/>
+              </a:rPr>
+              <a:t>    User user("Tom", 42);</a:t>
+            </a:r>
+          </a:p>
+          <a:p>
+            <a:endParaRPr lang="ko-Kore-KR" altLang="en-US" sz="1400" dirty="0">
+              <a:latin typeface="DM Mono" panose="020B0509040201040103" pitchFamily="49" charset="0"/>
+            </a:endParaRPr>
+          </a:p>
+          <a:p>
+            <a:r>
+              <a:rPr lang="ko-Kore-KR" altLang="en-US" sz="1400" dirty="0">
+                <a:latin typeface="DM Mono" panose="020B0509040201040103" pitchFamily="49" charset="0"/>
+              </a:rPr>
+              <a:t>    User other = user;</a:t>
+            </a:r>
+          </a:p>
+          <a:p>
+            <a:r>
+              <a:rPr lang="ko-Kore-KR" altLang="en-US" sz="1400" dirty="0">
+                <a:latin typeface="DM Mono" panose="020B0509040201040103" pitchFamily="49" charset="0"/>
+              </a:rPr>
+              <a:t>}</a:t>
+            </a:r>
+          </a:p>
+        </p:txBody>
+      </p:sp>
+      <p:sp>
+        <p:nvSpPr>
+          <p:cNvPr id="6" name="직사각형 5">
+            <a:extLst>
+              <a:ext uri="{FF2B5EF4-FFF2-40B4-BE49-F238E27FC236}">
+                <a16:creationId xmlns:a16="http://schemas.microsoft.com/office/drawing/2014/main" id="{87724EDF-D895-CFE9-CF1E-25BA19190DF0}"/>
+              </a:ext>
+            </a:extLst>
+          </p:cNvPr>
+          <p:cNvSpPr/>
+          <p:nvPr/>
+        </p:nvSpPr>
+        <p:spPr>
+          <a:xfrm>
+            <a:off x="6519412" y="1403440"/>
+            <a:ext cx="1414732" cy="511624"/>
+          </a:xfrm>
+          <a:prstGeom prst="rect">
+            <a:avLst/>
+          </a:prstGeom>
+          <a:solidFill>
+            <a:srgbClr val="FFFF00"/>
+          </a:solidFill>
+        </p:spPr>
+        <p:style>
+          <a:lnRef idx="2">
+            <a:schemeClr val="accent1">
+              <a:shade val="15000"/>
+            </a:schemeClr>
+          </a:lnRef>
+          <a:fillRef idx="1">
+            <a:schemeClr val="accent1"/>
+          </a:fillRef>
+          <a:effectRef idx="0">
+            <a:schemeClr val="accent1"/>
+          </a:effectRef>
+          <a:fontRef idx="minor">
+            <a:schemeClr val="lt1"/>
+          </a:fontRef>
+        </p:style>
+        <p:txBody>
+          <a:bodyPr rtlCol="0" anchor="ctr"/>
+          <a:lstStyle/>
+          <a:p>
+            <a:pPr algn="ctr"/>
+            <a:r>
+              <a:rPr kumimoji="1" lang="en-US" altLang="ko-Kore-KR" dirty="0">
+                <a:solidFill>
+                  <a:schemeClr val="tx1"/>
+                </a:solidFill>
+                <a:latin typeface="DM Mono" panose="020B0509040201040103" pitchFamily="49" charset="0"/>
+              </a:rPr>
+              <a:t>0x100</a:t>
+            </a:r>
+            <a:endParaRPr kumimoji="1" lang="ko-Kore-KR" altLang="en-US" dirty="0">
+              <a:solidFill>
+                <a:schemeClr val="tx1"/>
+              </a:solidFill>
+              <a:latin typeface="DM Mono" panose="020B0509040201040103" pitchFamily="49" charset="0"/>
+            </a:endParaRPr>
+          </a:p>
+        </p:txBody>
+      </p:sp>
+      <p:sp>
+        <p:nvSpPr>
+          <p:cNvPr id="7" name="TextBox 6">
+            <a:extLst>
+              <a:ext uri="{FF2B5EF4-FFF2-40B4-BE49-F238E27FC236}">
+                <a16:creationId xmlns:a16="http://schemas.microsoft.com/office/drawing/2014/main" id="{91624FBD-4502-9C03-52A7-824C72B0A3C2}"/>
+              </a:ext>
+            </a:extLst>
+          </p:cNvPr>
+          <p:cNvSpPr txBox="1"/>
+          <p:nvPr/>
+        </p:nvSpPr>
+        <p:spPr>
+          <a:xfrm>
+            <a:off x="5512279" y="1474586"/>
+            <a:ext cx="1007133" cy="369332"/>
+          </a:xfrm>
+          <a:prstGeom prst="rect">
+            <a:avLst/>
+          </a:prstGeom>
+          <a:noFill/>
+        </p:spPr>
+        <p:txBody>
+          <a:bodyPr wrap="square">
+            <a:spAutoFit/>
+          </a:bodyPr>
+          <a:lstStyle/>
+          <a:p>
+            <a:pPr algn="r"/>
+            <a:r>
+              <a:rPr lang="en-US" altLang="ko-Kore-KR" dirty="0">
+                <a:latin typeface="DM Mono" panose="020B0509040201040103" pitchFamily="49" charset="0"/>
+              </a:rPr>
+              <a:t>name</a:t>
+            </a:r>
+            <a:endParaRPr lang="ko-Kore-KR" altLang="en-US" dirty="0"/>
+          </a:p>
+        </p:txBody>
+      </p:sp>
+      <p:sp>
+        <p:nvSpPr>
+          <p:cNvPr id="8" name="TextBox 7">
+            <a:extLst>
+              <a:ext uri="{FF2B5EF4-FFF2-40B4-BE49-F238E27FC236}">
+                <a16:creationId xmlns:a16="http://schemas.microsoft.com/office/drawing/2014/main" id="{4177E8EE-2E4E-A399-02F8-ABCEFDA2332F}"/>
+              </a:ext>
+            </a:extLst>
+          </p:cNvPr>
+          <p:cNvSpPr txBox="1"/>
+          <p:nvPr/>
+        </p:nvSpPr>
+        <p:spPr>
+          <a:xfrm>
+            <a:off x="6642340" y="1034108"/>
+            <a:ext cx="1164566" cy="369332"/>
+          </a:xfrm>
+          <a:prstGeom prst="rect">
+            <a:avLst/>
+          </a:prstGeom>
+          <a:noFill/>
+        </p:spPr>
+        <p:txBody>
+          <a:bodyPr wrap="square">
+            <a:spAutoFit/>
+          </a:bodyPr>
+          <a:lstStyle/>
+          <a:p>
+            <a:pPr algn="ctr"/>
+            <a:r>
+              <a:rPr lang="en-US" altLang="ko-Kore-KR" dirty="0">
+                <a:latin typeface="DM Mono" panose="020B0509040201040103" pitchFamily="49" charset="0"/>
+              </a:rPr>
+              <a:t>user</a:t>
+            </a:r>
+            <a:endParaRPr lang="ko-Kore-KR" altLang="en-US" dirty="0"/>
+          </a:p>
+        </p:txBody>
+      </p:sp>
+      <p:sp>
+        <p:nvSpPr>
+          <p:cNvPr id="9" name="직사각형 8">
+            <a:extLst>
+              <a:ext uri="{FF2B5EF4-FFF2-40B4-BE49-F238E27FC236}">
+                <a16:creationId xmlns:a16="http://schemas.microsoft.com/office/drawing/2014/main" id="{520CC13C-E00D-E517-581E-1F030F14C966}"/>
+              </a:ext>
+            </a:extLst>
+          </p:cNvPr>
+          <p:cNvSpPr/>
+          <p:nvPr/>
+        </p:nvSpPr>
+        <p:spPr>
+          <a:xfrm>
+            <a:off x="6519412" y="1915064"/>
+            <a:ext cx="1414732" cy="511624"/>
+          </a:xfrm>
+          <a:prstGeom prst="rect">
+            <a:avLst/>
+          </a:prstGeom>
+          <a:solidFill>
+            <a:srgbClr val="FFFF00"/>
+          </a:solidFill>
+        </p:spPr>
+        <p:style>
+          <a:lnRef idx="2">
+            <a:schemeClr val="accent1">
+              <a:shade val="15000"/>
+            </a:schemeClr>
+          </a:lnRef>
+          <a:fillRef idx="1">
+            <a:schemeClr val="accent1"/>
+          </a:fillRef>
+          <a:effectRef idx="0">
+            <a:schemeClr val="accent1"/>
+          </a:effectRef>
+          <a:fontRef idx="minor">
+            <a:schemeClr val="lt1"/>
+          </a:fontRef>
+        </p:style>
+        <p:txBody>
+          <a:bodyPr rtlCol="0" anchor="ctr"/>
+          <a:lstStyle/>
+          <a:p>
+            <a:pPr algn="ctr"/>
+            <a:r>
+              <a:rPr kumimoji="1" lang="en-US" altLang="ko-Kore-KR" dirty="0">
+                <a:solidFill>
+                  <a:schemeClr val="tx1"/>
+                </a:solidFill>
+                <a:latin typeface="DM Mono" panose="020B0509040201040103" pitchFamily="49" charset="0"/>
+              </a:rPr>
+              <a:t>42</a:t>
+            </a:r>
+            <a:endParaRPr kumimoji="1" lang="ko-Kore-KR" altLang="en-US" dirty="0">
+              <a:solidFill>
+                <a:schemeClr val="tx1"/>
+              </a:solidFill>
+              <a:latin typeface="DM Mono" panose="020B0509040201040103" pitchFamily="49" charset="0"/>
+            </a:endParaRPr>
+          </a:p>
+        </p:txBody>
+      </p:sp>
+      <p:sp>
+        <p:nvSpPr>
+          <p:cNvPr id="10" name="TextBox 9">
+            <a:extLst>
+              <a:ext uri="{FF2B5EF4-FFF2-40B4-BE49-F238E27FC236}">
+                <a16:creationId xmlns:a16="http://schemas.microsoft.com/office/drawing/2014/main" id="{BD556C66-C174-B6D3-EEED-EAFA6B64151D}"/>
+              </a:ext>
+            </a:extLst>
+          </p:cNvPr>
+          <p:cNvSpPr txBox="1"/>
+          <p:nvPr/>
+        </p:nvSpPr>
+        <p:spPr>
+          <a:xfrm>
+            <a:off x="5814205" y="1986210"/>
+            <a:ext cx="705208" cy="369332"/>
+          </a:xfrm>
+          <a:prstGeom prst="rect">
+            <a:avLst/>
+          </a:prstGeom>
+          <a:noFill/>
+        </p:spPr>
+        <p:txBody>
+          <a:bodyPr wrap="square">
+            <a:spAutoFit/>
+          </a:bodyPr>
+          <a:lstStyle/>
+          <a:p>
+            <a:pPr algn="r"/>
+            <a:r>
+              <a:rPr lang="en-US" altLang="ko-Kore-KR" dirty="0">
+                <a:latin typeface="DM Mono" panose="020B0509040201040103" pitchFamily="49" charset="0"/>
+              </a:rPr>
+              <a:t>age</a:t>
+            </a:r>
+            <a:endParaRPr lang="ko-Kore-KR" altLang="en-US" dirty="0"/>
+          </a:p>
+        </p:txBody>
+      </p:sp>
+      <p:sp>
+        <p:nvSpPr>
+          <p:cNvPr id="11" name="직사각형 10">
+            <a:extLst>
+              <a:ext uri="{FF2B5EF4-FFF2-40B4-BE49-F238E27FC236}">
+                <a16:creationId xmlns:a16="http://schemas.microsoft.com/office/drawing/2014/main" id="{5778D267-A3EA-1BA4-9268-69BFE1380352}"/>
+              </a:ext>
+            </a:extLst>
+          </p:cNvPr>
+          <p:cNvSpPr/>
+          <p:nvPr/>
+        </p:nvSpPr>
+        <p:spPr>
+          <a:xfrm>
+            <a:off x="10105126" y="401996"/>
+            <a:ext cx="1414732" cy="511624"/>
+          </a:xfrm>
+          <a:prstGeom prst="rect">
+            <a:avLst/>
+          </a:prstGeom>
+          <a:solidFill>
+            <a:srgbClr val="FFFF00"/>
+          </a:solidFill>
+          <a:ln>
+            <a:solidFill>
+              <a:srgbClr val="FF0000"/>
+            </a:solidFill>
+          </a:ln>
+        </p:spPr>
+        <p:style>
+          <a:lnRef idx="2">
+            <a:schemeClr val="accent1">
+              <a:shade val="15000"/>
+            </a:schemeClr>
+          </a:lnRef>
+          <a:fillRef idx="1">
+            <a:schemeClr val="accent1"/>
+          </a:fillRef>
+          <a:effectRef idx="0">
+            <a:schemeClr val="accent1"/>
+          </a:effectRef>
+          <a:fontRef idx="minor">
+            <a:schemeClr val="lt1"/>
+          </a:fontRef>
+        </p:style>
+        <p:txBody>
+          <a:bodyPr rtlCol="0" anchor="ctr"/>
+          <a:lstStyle/>
+          <a:p>
+            <a:pPr algn="ctr"/>
+            <a:r>
+              <a:rPr kumimoji="1" lang="en-US" altLang="ko-Kore-KR" dirty="0">
+                <a:solidFill>
+                  <a:schemeClr val="tx1"/>
+                </a:solidFill>
+                <a:latin typeface="DM Mono" panose="020B0509040201040103" pitchFamily="49" charset="0"/>
+              </a:rPr>
+              <a:t>“Tom”</a:t>
+            </a:r>
+            <a:endParaRPr kumimoji="1" lang="ko-Kore-KR" altLang="en-US" dirty="0">
+              <a:solidFill>
+                <a:schemeClr val="tx1"/>
+              </a:solidFill>
+              <a:latin typeface="DM Mono" panose="020B0509040201040103" pitchFamily="49" charset="0"/>
+            </a:endParaRPr>
+          </a:p>
+        </p:txBody>
+      </p:sp>
+      <p:sp>
+        <p:nvSpPr>
+          <p:cNvPr id="12" name="TextBox 11">
+            <a:extLst>
+              <a:ext uri="{FF2B5EF4-FFF2-40B4-BE49-F238E27FC236}">
+                <a16:creationId xmlns:a16="http://schemas.microsoft.com/office/drawing/2014/main" id="{973E0080-5DAE-23F2-3D90-F864567D3C0C}"/>
+              </a:ext>
+            </a:extLst>
+          </p:cNvPr>
+          <p:cNvSpPr txBox="1"/>
+          <p:nvPr/>
+        </p:nvSpPr>
+        <p:spPr>
+          <a:xfrm>
+            <a:off x="9522843" y="32664"/>
+            <a:ext cx="1164566" cy="369332"/>
+          </a:xfrm>
+          <a:prstGeom prst="rect">
+            <a:avLst/>
+          </a:prstGeom>
+          <a:noFill/>
+        </p:spPr>
+        <p:txBody>
+          <a:bodyPr wrap="square">
+            <a:spAutoFit/>
+          </a:bodyPr>
+          <a:lstStyle/>
+          <a:p>
+            <a:pPr algn="ctr"/>
+            <a:r>
+              <a:rPr lang="en-US" altLang="ko-Kore-KR" dirty="0">
+                <a:latin typeface="DM Mono" panose="020B0509040201040103" pitchFamily="49" charset="0"/>
+              </a:rPr>
+              <a:t>0x100</a:t>
+            </a:r>
+            <a:endParaRPr lang="ko-Kore-KR" altLang="en-US" dirty="0"/>
+          </a:p>
+        </p:txBody>
+      </p:sp>
+      <p:cxnSp>
+        <p:nvCxnSpPr>
+          <p:cNvPr id="14" name="구부러진 연결선[U] 13">
+            <a:extLst>
+              <a:ext uri="{FF2B5EF4-FFF2-40B4-BE49-F238E27FC236}">
+                <a16:creationId xmlns:a16="http://schemas.microsoft.com/office/drawing/2014/main" id="{A275FAF9-2C85-DDAD-8348-6287F47B20C0}"/>
+              </a:ext>
+            </a:extLst>
+          </p:cNvPr>
+          <p:cNvCxnSpPr>
+            <a:cxnSpLocks/>
+            <a:stCxn id="6" idx="3"/>
+            <a:endCxn id="11" idx="1"/>
+          </p:cNvCxnSpPr>
+          <p:nvPr/>
+        </p:nvCxnSpPr>
+        <p:spPr>
+          <a:xfrm flipV="1">
+            <a:off x="7934144" y="657808"/>
+            <a:ext cx="2170982" cy="1001444"/>
+          </a:xfrm>
+          <a:prstGeom prst="curvedConnector3">
+            <a:avLst/>
+          </a:prstGeom>
+          <a:ln>
+            <a:tailEnd type="triangle"/>
+          </a:ln>
+        </p:spPr>
+        <p:style>
+          <a:lnRef idx="1">
+            <a:schemeClr val="dk1"/>
+          </a:lnRef>
+          <a:fillRef idx="0">
+            <a:schemeClr val="dk1"/>
+          </a:fillRef>
+          <a:effectRef idx="0">
+            <a:schemeClr val="dk1"/>
+          </a:effectRef>
+          <a:fontRef idx="minor">
+            <a:schemeClr val="tx1"/>
+          </a:fontRef>
+        </p:style>
+      </p:cxnSp>
+    </p:spTree>
+    <p:extLst>
+      <p:ext uri="{BB962C8B-B14F-4D97-AF65-F5344CB8AC3E}">
+        <p14:creationId xmlns:p14="http://schemas.microsoft.com/office/powerpoint/2010/main" val="889455051"/>
+      </p:ext>
+    </p:extLst>
+  </p:cSld>
+  <p:clrMapOvr>
+    <a:masterClrMapping/>
+  </p:clrMapOvr>
+</p:sld>
+</file>
+
+<file path=ppt/slides/slide12.xml><?xml version="1.0" encoding="utf-8"?>
+<p:sld xmlns:a="http://schemas.openxmlformats.org/drawingml/2006/main" xmlns:r="http://schemas.openxmlformats.org/officeDocument/2006/relationships" xmlns:p="http://schemas.openxmlformats.org/presentationml/2006/main">
+  <p:cSld>
+    <p:spTree>
+      <p:nvGrpSpPr>
+        <p:cNvPr id="1" name=""/>
+        <p:cNvGrpSpPr/>
+        <p:nvPr/>
+      </p:nvGrpSpPr>
+      <p:grpSpPr>
+        <a:xfrm>
+          <a:off x="0" y="0"/>
+          <a:ext cx="0" cy="0"/>
+          <a:chOff x="0" y="0"/>
+          <a:chExt cx="0" cy="0"/>
+        </a:xfrm>
+      </p:grpSpPr>
+      <p:sp>
+        <p:nvSpPr>
+          <p:cNvPr id="6" name="직사각형 5">
+            <a:extLst>
+              <a:ext uri="{FF2B5EF4-FFF2-40B4-BE49-F238E27FC236}">
+                <a16:creationId xmlns:a16="http://schemas.microsoft.com/office/drawing/2014/main" id="{87724EDF-D895-CFE9-CF1E-25BA19190DF0}"/>
+              </a:ext>
+            </a:extLst>
+          </p:cNvPr>
+          <p:cNvSpPr/>
+          <p:nvPr/>
+        </p:nvSpPr>
+        <p:spPr>
+          <a:xfrm>
+            <a:off x="6519412" y="1403440"/>
+            <a:ext cx="1414732" cy="511624"/>
+          </a:xfrm>
+          <a:prstGeom prst="rect">
+            <a:avLst/>
+          </a:prstGeom>
+          <a:solidFill>
+            <a:srgbClr val="FFFF00"/>
+          </a:solidFill>
+        </p:spPr>
+        <p:style>
+          <a:lnRef idx="2">
+            <a:schemeClr val="accent1">
+              <a:shade val="15000"/>
+            </a:schemeClr>
+          </a:lnRef>
+          <a:fillRef idx="1">
+            <a:schemeClr val="accent1"/>
+          </a:fillRef>
+          <a:effectRef idx="0">
+            <a:schemeClr val="accent1"/>
+          </a:effectRef>
+          <a:fontRef idx="minor">
+            <a:schemeClr val="lt1"/>
+          </a:fontRef>
+        </p:style>
+        <p:txBody>
+          <a:bodyPr rtlCol="0" anchor="ctr"/>
+          <a:lstStyle/>
+          <a:p>
+            <a:pPr algn="ctr"/>
+            <a:r>
+              <a:rPr kumimoji="1" lang="en-US" altLang="ko-Kore-KR" dirty="0">
+                <a:solidFill>
+                  <a:schemeClr val="tx1"/>
+                </a:solidFill>
+                <a:latin typeface="DM Mono" panose="020B0509040201040103" pitchFamily="49" charset="0"/>
+              </a:rPr>
+              <a:t>0x100</a:t>
+            </a:r>
+            <a:endParaRPr kumimoji="1" lang="ko-Kore-KR" altLang="en-US" dirty="0">
+              <a:solidFill>
+                <a:schemeClr val="tx1"/>
+              </a:solidFill>
+              <a:latin typeface="DM Mono" panose="020B0509040201040103" pitchFamily="49" charset="0"/>
+            </a:endParaRPr>
+          </a:p>
+        </p:txBody>
+      </p:sp>
+      <p:sp>
+        <p:nvSpPr>
+          <p:cNvPr id="7" name="TextBox 6">
+            <a:extLst>
+              <a:ext uri="{FF2B5EF4-FFF2-40B4-BE49-F238E27FC236}">
+                <a16:creationId xmlns:a16="http://schemas.microsoft.com/office/drawing/2014/main" id="{91624FBD-4502-9C03-52A7-824C72B0A3C2}"/>
+              </a:ext>
+            </a:extLst>
+          </p:cNvPr>
+          <p:cNvSpPr txBox="1"/>
+          <p:nvPr/>
+        </p:nvSpPr>
+        <p:spPr>
+          <a:xfrm>
+            <a:off x="5512279" y="1474586"/>
+            <a:ext cx="1007133" cy="369332"/>
+          </a:xfrm>
+          <a:prstGeom prst="rect">
+            <a:avLst/>
+          </a:prstGeom>
+          <a:noFill/>
+        </p:spPr>
+        <p:txBody>
+          <a:bodyPr wrap="square">
+            <a:spAutoFit/>
+          </a:bodyPr>
+          <a:lstStyle/>
+          <a:p>
+            <a:pPr algn="r"/>
+            <a:r>
+              <a:rPr lang="en-US" altLang="ko-Kore-KR" dirty="0">
+                <a:latin typeface="DM Mono" panose="020B0509040201040103" pitchFamily="49" charset="0"/>
+              </a:rPr>
+              <a:t>name</a:t>
+            </a:r>
+            <a:endParaRPr lang="ko-Kore-KR" altLang="en-US" dirty="0"/>
+          </a:p>
+        </p:txBody>
+      </p:sp>
+      <p:sp>
+        <p:nvSpPr>
+          <p:cNvPr id="8" name="TextBox 7">
+            <a:extLst>
+              <a:ext uri="{FF2B5EF4-FFF2-40B4-BE49-F238E27FC236}">
+                <a16:creationId xmlns:a16="http://schemas.microsoft.com/office/drawing/2014/main" id="{4177E8EE-2E4E-A399-02F8-ABCEFDA2332F}"/>
+              </a:ext>
+            </a:extLst>
+          </p:cNvPr>
+          <p:cNvSpPr txBox="1"/>
+          <p:nvPr/>
+        </p:nvSpPr>
+        <p:spPr>
+          <a:xfrm>
+            <a:off x="6642340" y="1034108"/>
+            <a:ext cx="1164566" cy="369332"/>
+          </a:xfrm>
+          <a:prstGeom prst="rect">
+            <a:avLst/>
+          </a:prstGeom>
+          <a:noFill/>
+        </p:spPr>
+        <p:txBody>
+          <a:bodyPr wrap="square">
+            <a:spAutoFit/>
+          </a:bodyPr>
+          <a:lstStyle/>
+          <a:p>
+            <a:pPr algn="ctr"/>
+            <a:r>
+              <a:rPr lang="en-US" altLang="ko-Kore-KR" dirty="0">
+                <a:latin typeface="DM Mono" panose="020B0509040201040103" pitchFamily="49" charset="0"/>
+              </a:rPr>
+              <a:t>user</a:t>
+            </a:r>
+            <a:endParaRPr lang="ko-Kore-KR" altLang="en-US" dirty="0"/>
+          </a:p>
+        </p:txBody>
+      </p:sp>
+      <p:sp>
+        <p:nvSpPr>
+          <p:cNvPr id="9" name="직사각형 8">
+            <a:extLst>
+              <a:ext uri="{FF2B5EF4-FFF2-40B4-BE49-F238E27FC236}">
+                <a16:creationId xmlns:a16="http://schemas.microsoft.com/office/drawing/2014/main" id="{520CC13C-E00D-E517-581E-1F030F14C966}"/>
+              </a:ext>
+            </a:extLst>
+          </p:cNvPr>
+          <p:cNvSpPr/>
+          <p:nvPr/>
+        </p:nvSpPr>
+        <p:spPr>
+          <a:xfrm>
+            <a:off x="6519412" y="1915064"/>
+            <a:ext cx="1414732" cy="511624"/>
+          </a:xfrm>
+          <a:prstGeom prst="rect">
+            <a:avLst/>
+          </a:prstGeom>
+          <a:solidFill>
+            <a:srgbClr val="FFFF00"/>
+          </a:solidFill>
+        </p:spPr>
+        <p:style>
+          <a:lnRef idx="2">
+            <a:schemeClr val="accent1">
+              <a:shade val="15000"/>
+            </a:schemeClr>
+          </a:lnRef>
+          <a:fillRef idx="1">
+            <a:schemeClr val="accent1"/>
+          </a:fillRef>
+          <a:effectRef idx="0">
+            <a:schemeClr val="accent1"/>
+          </a:effectRef>
+          <a:fontRef idx="minor">
+            <a:schemeClr val="lt1"/>
+          </a:fontRef>
+        </p:style>
+        <p:txBody>
+          <a:bodyPr rtlCol="0" anchor="ctr"/>
+          <a:lstStyle/>
+          <a:p>
+            <a:pPr algn="ctr"/>
+            <a:r>
+              <a:rPr kumimoji="1" lang="en-US" altLang="ko-Kore-KR" dirty="0">
+                <a:solidFill>
+                  <a:schemeClr val="tx1"/>
+                </a:solidFill>
+                <a:latin typeface="DM Mono" panose="020B0509040201040103" pitchFamily="49" charset="0"/>
+              </a:rPr>
+              <a:t>42</a:t>
+            </a:r>
+            <a:endParaRPr kumimoji="1" lang="ko-Kore-KR" altLang="en-US" dirty="0">
+              <a:solidFill>
+                <a:schemeClr val="tx1"/>
+              </a:solidFill>
+              <a:latin typeface="DM Mono" panose="020B0509040201040103" pitchFamily="49" charset="0"/>
+            </a:endParaRPr>
+          </a:p>
+        </p:txBody>
+      </p:sp>
+      <p:sp>
+        <p:nvSpPr>
+          <p:cNvPr id="10" name="TextBox 9">
+            <a:extLst>
+              <a:ext uri="{FF2B5EF4-FFF2-40B4-BE49-F238E27FC236}">
+                <a16:creationId xmlns:a16="http://schemas.microsoft.com/office/drawing/2014/main" id="{BD556C66-C174-B6D3-EEED-EAFA6B64151D}"/>
+              </a:ext>
+            </a:extLst>
+          </p:cNvPr>
+          <p:cNvSpPr txBox="1"/>
+          <p:nvPr/>
+        </p:nvSpPr>
+        <p:spPr>
+          <a:xfrm>
+            <a:off x="5814205" y="1986210"/>
+            <a:ext cx="705208" cy="369332"/>
+          </a:xfrm>
+          <a:prstGeom prst="rect">
+            <a:avLst/>
+          </a:prstGeom>
+          <a:noFill/>
+        </p:spPr>
+        <p:txBody>
+          <a:bodyPr wrap="square">
+            <a:spAutoFit/>
+          </a:bodyPr>
+          <a:lstStyle/>
+          <a:p>
+            <a:pPr algn="r"/>
+            <a:r>
+              <a:rPr lang="en-US" altLang="ko-Kore-KR" dirty="0">
+                <a:latin typeface="DM Mono" panose="020B0509040201040103" pitchFamily="49" charset="0"/>
+              </a:rPr>
+              <a:t>age</a:t>
+            </a:r>
+            <a:endParaRPr lang="ko-Kore-KR" altLang="en-US" dirty="0"/>
+          </a:p>
+        </p:txBody>
+      </p:sp>
+      <p:sp>
+        <p:nvSpPr>
+          <p:cNvPr id="11" name="직사각형 10">
+            <a:extLst>
+              <a:ext uri="{FF2B5EF4-FFF2-40B4-BE49-F238E27FC236}">
+                <a16:creationId xmlns:a16="http://schemas.microsoft.com/office/drawing/2014/main" id="{5778D267-A3EA-1BA4-9268-69BFE1380352}"/>
+              </a:ext>
+            </a:extLst>
+          </p:cNvPr>
+          <p:cNvSpPr/>
+          <p:nvPr/>
+        </p:nvSpPr>
+        <p:spPr>
+          <a:xfrm>
+            <a:off x="10105126" y="401996"/>
+            <a:ext cx="1414732" cy="511624"/>
+          </a:xfrm>
+          <a:prstGeom prst="rect">
+            <a:avLst/>
+          </a:prstGeom>
+          <a:solidFill>
+            <a:srgbClr val="FFFF00"/>
+          </a:solidFill>
+        </p:spPr>
+        <p:style>
+          <a:lnRef idx="2">
+            <a:schemeClr val="accent1">
+              <a:shade val="15000"/>
+            </a:schemeClr>
+          </a:lnRef>
+          <a:fillRef idx="1">
+            <a:schemeClr val="accent1"/>
+          </a:fillRef>
+          <a:effectRef idx="0">
+            <a:schemeClr val="accent1"/>
+          </a:effectRef>
+          <a:fontRef idx="minor">
+            <a:schemeClr val="lt1"/>
+          </a:fontRef>
+        </p:style>
+        <p:txBody>
+          <a:bodyPr rtlCol="0" anchor="ctr"/>
+          <a:lstStyle/>
+          <a:p>
+            <a:pPr algn="ctr"/>
+            <a:r>
+              <a:rPr kumimoji="1" lang="en-US" altLang="ko-Kore-KR" dirty="0">
+                <a:solidFill>
+                  <a:schemeClr val="tx1"/>
+                </a:solidFill>
+                <a:latin typeface="DM Mono" panose="020B0509040201040103" pitchFamily="49" charset="0"/>
+              </a:rPr>
+              <a:t>“Tom”</a:t>
+            </a:r>
+            <a:endParaRPr kumimoji="1" lang="ko-Kore-KR" altLang="en-US" dirty="0">
+              <a:solidFill>
+                <a:schemeClr val="tx1"/>
+              </a:solidFill>
+              <a:latin typeface="DM Mono" panose="020B0509040201040103" pitchFamily="49" charset="0"/>
+            </a:endParaRPr>
+          </a:p>
+        </p:txBody>
+      </p:sp>
+      <p:sp>
+        <p:nvSpPr>
+          <p:cNvPr id="12" name="TextBox 11">
+            <a:extLst>
+              <a:ext uri="{FF2B5EF4-FFF2-40B4-BE49-F238E27FC236}">
+                <a16:creationId xmlns:a16="http://schemas.microsoft.com/office/drawing/2014/main" id="{973E0080-5DAE-23F2-3D90-F864567D3C0C}"/>
+              </a:ext>
+            </a:extLst>
+          </p:cNvPr>
+          <p:cNvSpPr txBox="1"/>
+          <p:nvPr/>
+        </p:nvSpPr>
+        <p:spPr>
+          <a:xfrm>
+            <a:off x="9522843" y="32664"/>
+            <a:ext cx="1164566" cy="369332"/>
+          </a:xfrm>
+          <a:prstGeom prst="rect">
+            <a:avLst/>
+          </a:prstGeom>
+          <a:noFill/>
+        </p:spPr>
+        <p:txBody>
+          <a:bodyPr wrap="square">
+            <a:spAutoFit/>
+          </a:bodyPr>
+          <a:lstStyle/>
+          <a:p>
+            <a:pPr algn="ctr"/>
+            <a:r>
+              <a:rPr lang="en-US" altLang="ko-Kore-KR" dirty="0">
+                <a:latin typeface="DM Mono" panose="020B0509040201040103" pitchFamily="49" charset="0"/>
+              </a:rPr>
+              <a:t>0x100</a:t>
+            </a:r>
+            <a:endParaRPr lang="ko-Kore-KR" altLang="en-US" dirty="0"/>
+          </a:p>
+        </p:txBody>
+      </p:sp>
+      <p:cxnSp>
+        <p:nvCxnSpPr>
+          <p:cNvPr id="14" name="구부러진 연결선[U] 13">
+            <a:extLst>
+              <a:ext uri="{FF2B5EF4-FFF2-40B4-BE49-F238E27FC236}">
+                <a16:creationId xmlns:a16="http://schemas.microsoft.com/office/drawing/2014/main" id="{A275FAF9-2C85-DDAD-8348-6287F47B20C0}"/>
+              </a:ext>
+            </a:extLst>
+          </p:cNvPr>
+          <p:cNvCxnSpPr>
+            <a:cxnSpLocks/>
+            <a:stCxn id="6" idx="3"/>
+            <a:endCxn id="11" idx="1"/>
+          </p:cNvCxnSpPr>
+          <p:nvPr/>
+        </p:nvCxnSpPr>
+        <p:spPr>
+          <a:xfrm flipV="1">
+            <a:off x="7934144" y="657808"/>
+            <a:ext cx="2170982" cy="1001444"/>
+          </a:xfrm>
+          <a:prstGeom prst="curvedConnector3">
+            <a:avLst/>
+          </a:prstGeom>
+          <a:ln>
+            <a:tailEnd type="triangle"/>
+          </a:ln>
+        </p:spPr>
+        <p:style>
+          <a:lnRef idx="1">
+            <a:schemeClr val="dk1"/>
+          </a:lnRef>
+          <a:fillRef idx="0">
+            <a:schemeClr val="dk1"/>
+          </a:fillRef>
+          <a:effectRef idx="0">
+            <a:schemeClr val="dk1"/>
+          </a:effectRef>
+          <a:fontRef idx="minor">
+            <a:schemeClr val="tx1"/>
+          </a:fontRef>
+        </p:style>
+      </p:cxnSp>
+    </p:spTree>
+    <p:extLst>
+      <p:ext uri="{BB962C8B-B14F-4D97-AF65-F5344CB8AC3E}">
+        <p14:creationId xmlns:p14="http://schemas.microsoft.com/office/powerpoint/2010/main" val="2107426346"/>
+      </p:ext>
+    </p:extLst>
+  </p:cSld>
+  <p:clrMapOvr>
+    <a:masterClrMapping/>
+  </p:clrMapOvr>
+</p:sld>
+</file>
+
+<file path=ppt/slides/slide13.xml><?xml version="1.0" encoding="utf-8"?>
+<p:sld xmlns:a="http://schemas.openxmlformats.org/drawingml/2006/main" xmlns:r="http://schemas.openxmlformats.org/officeDocument/2006/relationships" xmlns:p="http://schemas.openxmlformats.org/presentationml/2006/main">
+  <p:cSld>
+    <p:spTree>
+      <p:nvGrpSpPr>
+        <p:cNvPr id="1" name=""/>
+        <p:cNvGrpSpPr/>
+        <p:nvPr/>
+      </p:nvGrpSpPr>
+      <p:grpSpPr>
+        <a:xfrm>
+          <a:off x="0" y="0"/>
+          <a:ext cx="0" cy="0"/>
+          <a:chOff x="0" y="0"/>
+          <a:chExt cx="0" cy="0"/>
+        </a:xfrm>
+      </p:grpSpPr>
+      <p:sp>
+        <p:nvSpPr>
+          <p:cNvPr id="5" name="TextBox 4">
+            <a:extLst>
+              <a:ext uri="{FF2B5EF4-FFF2-40B4-BE49-F238E27FC236}">
+                <a16:creationId xmlns:a16="http://schemas.microsoft.com/office/drawing/2014/main" id="{F6448139-ECDE-6A20-7933-D2FA23F72243}"/>
+              </a:ext>
+            </a:extLst>
+          </p:cNvPr>
+          <p:cNvSpPr txBox="1"/>
+          <p:nvPr/>
+        </p:nvSpPr>
+        <p:spPr>
+          <a:xfrm>
+            <a:off x="424850" y="401996"/>
+            <a:ext cx="6094562" cy="307777"/>
+          </a:xfrm>
+          <a:prstGeom prst="rect">
+            <a:avLst/>
+          </a:prstGeom>
+          <a:noFill/>
+        </p:spPr>
+        <p:txBody>
+          <a:bodyPr wrap="square">
+            <a:spAutoFit/>
+          </a:bodyPr>
+          <a:lstStyle/>
+          <a:p>
+            <a:endParaRPr lang="ko-Kore-KR" altLang="en-US" sz="1400" dirty="0">
+              <a:latin typeface="DM Mono" panose="020B0509040201040103" pitchFamily="49" charset="0"/>
+            </a:endParaRPr>
+          </a:p>
+        </p:txBody>
+      </p:sp>
+      <p:sp>
+        <p:nvSpPr>
+          <p:cNvPr id="6" name="직사각형 5">
+            <a:extLst>
+              <a:ext uri="{FF2B5EF4-FFF2-40B4-BE49-F238E27FC236}">
+                <a16:creationId xmlns:a16="http://schemas.microsoft.com/office/drawing/2014/main" id="{87724EDF-D895-CFE9-CF1E-25BA19190DF0}"/>
+              </a:ext>
+            </a:extLst>
+          </p:cNvPr>
+          <p:cNvSpPr/>
+          <p:nvPr/>
+        </p:nvSpPr>
+        <p:spPr>
+          <a:xfrm>
+            <a:off x="6519412" y="1403440"/>
+            <a:ext cx="1414732" cy="511624"/>
+          </a:xfrm>
+          <a:prstGeom prst="rect">
+            <a:avLst/>
+          </a:prstGeom>
+          <a:solidFill>
+            <a:srgbClr val="FFFF00"/>
+          </a:solidFill>
+        </p:spPr>
+        <p:style>
+          <a:lnRef idx="2">
+            <a:schemeClr val="accent1">
+              <a:shade val="15000"/>
+            </a:schemeClr>
+          </a:lnRef>
+          <a:fillRef idx="1">
+            <a:schemeClr val="accent1"/>
+          </a:fillRef>
+          <a:effectRef idx="0">
+            <a:schemeClr val="accent1"/>
+          </a:effectRef>
+          <a:fontRef idx="minor">
+            <a:schemeClr val="lt1"/>
+          </a:fontRef>
+        </p:style>
+        <p:txBody>
+          <a:bodyPr rtlCol="0" anchor="ctr"/>
+          <a:lstStyle/>
+          <a:p>
+            <a:pPr algn="ctr"/>
+            <a:r>
+              <a:rPr kumimoji="1" lang="en-US" altLang="ko-Kore-KR" dirty="0">
+                <a:solidFill>
+                  <a:schemeClr val="tx1"/>
+                </a:solidFill>
+                <a:latin typeface="DM Mono" panose="020B0509040201040103" pitchFamily="49" charset="0"/>
+              </a:rPr>
+              <a:t>0x100</a:t>
+            </a:r>
+            <a:endParaRPr kumimoji="1" lang="ko-Kore-KR" altLang="en-US" dirty="0">
+              <a:solidFill>
+                <a:schemeClr val="tx1"/>
+              </a:solidFill>
+              <a:latin typeface="DM Mono" panose="020B0509040201040103" pitchFamily="49" charset="0"/>
+            </a:endParaRPr>
+          </a:p>
+        </p:txBody>
+      </p:sp>
+      <p:sp>
+        <p:nvSpPr>
+          <p:cNvPr id="7" name="TextBox 6">
+            <a:extLst>
+              <a:ext uri="{FF2B5EF4-FFF2-40B4-BE49-F238E27FC236}">
+                <a16:creationId xmlns:a16="http://schemas.microsoft.com/office/drawing/2014/main" id="{91624FBD-4502-9C03-52A7-824C72B0A3C2}"/>
+              </a:ext>
+            </a:extLst>
+          </p:cNvPr>
+          <p:cNvSpPr txBox="1"/>
+          <p:nvPr/>
+        </p:nvSpPr>
+        <p:spPr>
+          <a:xfrm>
+            <a:off x="5512279" y="1474586"/>
+            <a:ext cx="1007133" cy="369332"/>
+          </a:xfrm>
+          <a:prstGeom prst="rect">
+            <a:avLst/>
+          </a:prstGeom>
+          <a:noFill/>
+        </p:spPr>
+        <p:txBody>
+          <a:bodyPr wrap="square">
+            <a:spAutoFit/>
+          </a:bodyPr>
+          <a:lstStyle/>
+          <a:p>
+            <a:pPr algn="r"/>
+            <a:r>
+              <a:rPr lang="en-US" altLang="ko-Kore-KR" dirty="0">
+                <a:latin typeface="DM Mono" panose="020B0509040201040103" pitchFamily="49" charset="0"/>
+              </a:rPr>
+              <a:t>name</a:t>
+            </a:r>
+            <a:endParaRPr lang="ko-Kore-KR" altLang="en-US" dirty="0"/>
+          </a:p>
+        </p:txBody>
+      </p:sp>
+      <p:sp>
+        <p:nvSpPr>
+          <p:cNvPr id="8" name="TextBox 7">
+            <a:extLst>
+              <a:ext uri="{FF2B5EF4-FFF2-40B4-BE49-F238E27FC236}">
+                <a16:creationId xmlns:a16="http://schemas.microsoft.com/office/drawing/2014/main" id="{4177E8EE-2E4E-A399-02F8-ABCEFDA2332F}"/>
+              </a:ext>
+            </a:extLst>
+          </p:cNvPr>
+          <p:cNvSpPr txBox="1"/>
+          <p:nvPr/>
+        </p:nvSpPr>
+        <p:spPr>
+          <a:xfrm>
+            <a:off x="6642340" y="1034108"/>
+            <a:ext cx="1164566" cy="369332"/>
+          </a:xfrm>
+          <a:prstGeom prst="rect">
+            <a:avLst/>
+          </a:prstGeom>
+          <a:noFill/>
+        </p:spPr>
+        <p:txBody>
+          <a:bodyPr wrap="square">
+            <a:spAutoFit/>
+          </a:bodyPr>
+          <a:lstStyle/>
+          <a:p>
+            <a:pPr algn="ctr"/>
+            <a:r>
+              <a:rPr lang="en-US" altLang="ko-Kore-KR" dirty="0">
+                <a:latin typeface="DM Mono" panose="020B0509040201040103" pitchFamily="49" charset="0"/>
+              </a:rPr>
+              <a:t>user</a:t>
+            </a:r>
+            <a:endParaRPr lang="ko-Kore-KR" altLang="en-US" dirty="0"/>
+          </a:p>
+        </p:txBody>
+      </p:sp>
+      <p:sp>
+        <p:nvSpPr>
+          <p:cNvPr id="9" name="직사각형 8">
+            <a:extLst>
+              <a:ext uri="{FF2B5EF4-FFF2-40B4-BE49-F238E27FC236}">
+                <a16:creationId xmlns:a16="http://schemas.microsoft.com/office/drawing/2014/main" id="{520CC13C-E00D-E517-581E-1F030F14C966}"/>
+              </a:ext>
+            </a:extLst>
+          </p:cNvPr>
+          <p:cNvSpPr/>
+          <p:nvPr/>
+        </p:nvSpPr>
+        <p:spPr>
+          <a:xfrm>
+            <a:off x="6519412" y="1915064"/>
+            <a:ext cx="1414732" cy="511624"/>
+          </a:xfrm>
+          <a:prstGeom prst="rect">
+            <a:avLst/>
+          </a:prstGeom>
+          <a:solidFill>
+            <a:srgbClr val="FFFF00"/>
+          </a:solidFill>
+        </p:spPr>
+        <p:style>
+          <a:lnRef idx="2">
+            <a:schemeClr val="accent1">
+              <a:shade val="15000"/>
+            </a:schemeClr>
+          </a:lnRef>
+          <a:fillRef idx="1">
+            <a:schemeClr val="accent1"/>
+          </a:fillRef>
+          <a:effectRef idx="0">
+            <a:schemeClr val="accent1"/>
+          </a:effectRef>
+          <a:fontRef idx="minor">
+            <a:schemeClr val="lt1"/>
+          </a:fontRef>
+        </p:style>
+        <p:txBody>
+          <a:bodyPr rtlCol="0" anchor="ctr"/>
+          <a:lstStyle/>
+          <a:p>
+            <a:pPr algn="ctr"/>
+            <a:r>
+              <a:rPr kumimoji="1" lang="en-US" altLang="ko-Kore-KR" dirty="0">
+                <a:solidFill>
+                  <a:schemeClr val="tx1"/>
+                </a:solidFill>
+                <a:latin typeface="DM Mono" panose="020B0509040201040103" pitchFamily="49" charset="0"/>
+              </a:rPr>
+              <a:t>42</a:t>
+            </a:r>
+            <a:endParaRPr kumimoji="1" lang="ko-Kore-KR" altLang="en-US" dirty="0">
+              <a:solidFill>
+                <a:schemeClr val="tx1"/>
+              </a:solidFill>
+              <a:latin typeface="DM Mono" panose="020B0509040201040103" pitchFamily="49" charset="0"/>
+            </a:endParaRPr>
+          </a:p>
+        </p:txBody>
+      </p:sp>
+      <p:sp>
+        <p:nvSpPr>
+          <p:cNvPr id="10" name="TextBox 9">
+            <a:extLst>
+              <a:ext uri="{FF2B5EF4-FFF2-40B4-BE49-F238E27FC236}">
+                <a16:creationId xmlns:a16="http://schemas.microsoft.com/office/drawing/2014/main" id="{BD556C66-C174-B6D3-EEED-EAFA6B64151D}"/>
+              </a:ext>
+            </a:extLst>
+          </p:cNvPr>
+          <p:cNvSpPr txBox="1"/>
+          <p:nvPr/>
+        </p:nvSpPr>
+        <p:spPr>
+          <a:xfrm>
+            <a:off x="5814205" y="1986210"/>
+            <a:ext cx="705208" cy="369332"/>
+          </a:xfrm>
+          <a:prstGeom prst="rect">
+            <a:avLst/>
+          </a:prstGeom>
+          <a:noFill/>
+        </p:spPr>
+        <p:txBody>
+          <a:bodyPr wrap="square">
+            <a:spAutoFit/>
+          </a:bodyPr>
+          <a:lstStyle/>
+          <a:p>
+            <a:pPr algn="r"/>
+            <a:r>
+              <a:rPr lang="en-US" altLang="ko-Kore-KR" dirty="0">
+                <a:latin typeface="DM Mono" panose="020B0509040201040103" pitchFamily="49" charset="0"/>
+              </a:rPr>
+              <a:t>age</a:t>
+            </a:r>
+            <a:endParaRPr lang="ko-Kore-KR" altLang="en-US" dirty="0"/>
+          </a:p>
+        </p:txBody>
+      </p:sp>
+      <p:sp>
+        <p:nvSpPr>
+          <p:cNvPr id="11" name="직사각형 10">
+            <a:extLst>
+              <a:ext uri="{FF2B5EF4-FFF2-40B4-BE49-F238E27FC236}">
+                <a16:creationId xmlns:a16="http://schemas.microsoft.com/office/drawing/2014/main" id="{5778D267-A3EA-1BA4-9268-69BFE1380352}"/>
+              </a:ext>
+            </a:extLst>
+          </p:cNvPr>
+          <p:cNvSpPr/>
+          <p:nvPr/>
+        </p:nvSpPr>
+        <p:spPr>
+          <a:xfrm>
+            <a:off x="10105126" y="401996"/>
+            <a:ext cx="1414732" cy="511624"/>
+          </a:xfrm>
+          <a:prstGeom prst="rect">
+            <a:avLst/>
+          </a:prstGeom>
+          <a:solidFill>
+            <a:srgbClr val="FFFF00"/>
+          </a:solidFill>
+        </p:spPr>
+        <p:style>
+          <a:lnRef idx="2">
+            <a:schemeClr val="accent1">
+              <a:shade val="15000"/>
+            </a:schemeClr>
+          </a:lnRef>
+          <a:fillRef idx="1">
+            <a:schemeClr val="accent1"/>
+          </a:fillRef>
+          <a:effectRef idx="0">
+            <a:schemeClr val="accent1"/>
+          </a:effectRef>
+          <a:fontRef idx="minor">
+            <a:schemeClr val="lt1"/>
+          </a:fontRef>
+        </p:style>
+        <p:txBody>
+          <a:bodyPr rtlCol="0" anchor="ctr"/>
+          <a:lstStyle/>
+          <a:p>
+            <a:pPr algn="ctr"/>
+            <a:r>
+              <a:rPr kumimoji="1" lang="en-US" altLang="ko-Kore-KR" dirty="0">
+                <a:solidFill>
+                  <a:schemeClr val="tx1"/>
+                </a:solidFill>
+                <a:latin typeface="DM Mono" panose="020B0509040201040103" pitchFamily="49" charset="0"/>
+              </a:rPr>
+              <a:t>“Tom”</a:t>
+            </a:r>
+            <a:endParaRPr kumimoji="1" lang="ko-Kore-KR" altLang="en-US" dirty="0">
+              <a:solidFill>
+                <a:schemeClr val="tx1"/>
+              </a:solidFill>
+              <a:latin typeface="DM Mono" panose="020B0509040201040103" pitchFamily="49" charset="0"/>
+            </a:endParaRPr>
+          </a:p>
+        </p:txBody>
+      </p:sp>
+      <p:sp>
+        <p:nvSpPr>
+          <p:cNvPr id="12" name="TextBox 11">
+            <a:extLst>
+              <a:ext uri="{FF2B5EF4-FFF2-40B4-BE49-F238E27FC236}">
+                <a16:creationId xmlns:a16="http://schemas.microsoft.com/office/drawing/2014/main" id="{973E0080-5DAE-23F2-3D90-F864567D3C0C}"/>
+              </a:ext>
+            </a:extLst>
+          </p:cNvPr>
+          <p:cNvSpPr txBox="1"/>
+          <p:nvPr/>
+        </p:nvSpPr>
+        <p:spPr>
+          <a:xfrm>
+            <a:off x="9522843" y="32664"/>
+            <a:ext cx="1164566" cy="369332"/>
+          </a:xfrm>
+          <a:prstGeom prst="rect">
+            <a:avLst/>
+          </a:prstGeom>
+          <a:noFill/>
+        </p:spPr>
+        <p:txBody>
+          <a:bodyPr wrap="square">
+            <a:spAutoFit/>
+          </a:bodyPr>
+          <a:lstStyle/>
+          <a:p>
+            <a:pPr algn="ctr"/>
+            <a:r>
+              <a:rPr lang="en-US" altLang="ko-Kore-KR" dirty="0">
+                <a:latin typeface="DM Mono" panose="020B0509040201040103" pitchFamily="49" charset="0"/>
+              </a:rPr>
+              <a:t>0x100</a:t>
+            </a:r>
+            <a:endParaRPr lang="ko-Kore-KR" altLang="en-US" dirty="0"/>
+          </a:p>
+        </p:txBody>
+      </p:sp>
+      <p:cxnSp>
+        <p:nvCxnSpPr>
+          <p:cNvPr id="14" name="구부러진 연결선[U] 13">
+            <a:extLst>
+              <a:ext uri="{FF2B5EF4-FFF2-40B4-BE49-F238E27FC236}">
+                <a16:creationId xmlns:a16="http://schemas.microsoft.com/office/drawing/2014/main" id="{A275FAF9-2C85-DDAD-8348-6287F47B20C0}"/>
+              </a:ext>
+            </a:extLst>
+          </p:cNvPr>
+          <p:cNvCxnSpPr>
+            <a:cxnSpLocks/>
+            <a:stCxn id="6" idx="3"/>
+            <a:endCxn id="11" idx="1"/>
+          </p:cNvCxnSpPr>
+          <p:nvPr/>
+        </p:nvCxnSpPr>
+        <p:spPr>
+          <a:xfrm flipV="1">
+            <a:off x="7934144" y="657808"/>
+            <a:ext cx="2170982" cy="1001444"/>
+          </a:xfrm>
+          <a:prstGeom prst="curvedConnector3">
+            <a:avLst/>
+          </a:prstGeom>
+          <a:ln>
+            <a:tailEnd type="triangle"/>
+          </a:ln>
+        </p:spPr>
+        <p:style>
+          <a:lnRef idx="1">
+            <a:schemeClr val="dk1"/>
+          </a:lnRef>
+          <a:fillRef idx="0">
+            <a:schemeClr val="dk1"/>
+          </a:fillRef>
+          <a:effectRef idx="0">
+            <a:schemeClr val="dk1"/>
+          </a:effectRef>
+          <a:fontRef idx="minor">
+            <a:schemeClr val="tx1"/>
+          </a:fontRef>
+        </p:style>
+      </p:cxnSp>
+      <p:sp>
+        <p:nvSpPr>
+          <p:cNvPr id="2" name="직사각형 1">
+            <a:extLst>
+              <a:ext uri="{FF2B5EF4-FFF2-40B4-BE49-F238E27FC236}">
+                <a16:creationId xmlns:a16="http://schemas.microsoft.com/office/drawing/2014/main" id="{4AB5FA25-A361-2658-4216-0D434AAB93EE}"/>
+              </a:ext>
+            </a:extLst>
+          </p:cNvPr>
+          <p:cNvSpPr/>
+          <p:nvPr/>
+        </p:nvSpPr>
+        <p:spPr>
+          <a:xfrm>
+            <a:off x="6519412" y="3374090"/>
+            <a:ext cx="1414732" cy="511624"/>
+          </a:xfrm>
+          <a:prstGeom prst="rect">
+            <a:avLst/>
+          </a:prstGeom>
+          <a:solidFill>
+            <a:srgbClr val="FFFF00"/>
+          </a:solidFill>
+        </p:spPr>
+        <p:style>
+          <a:lnRef idx="2">
+            <a:schemeClr val="accent1">
+              <a:shade val="15000"/>
+            </a:schemeClr>
+          </a:lnRef>
+          <a:fillRef idx="1">
+            <a:schemeClr val="accent1"/>
+          </a:fillRef>
+          <a:effectRef idx="0">
+            <a:schemeClr val="accent1"/>
+          </a:effectRef>
+          <a:fontRef idx="minor">
+            <a:schemeClr val="lt1"/>
+          </a:fontRef>
+        </p:style>
+        <p:txBody>
+          <a:bodyPr rtlCol="0" anchor="ctr"/>
+          <a:lstStyle/>
+          <a:p>
+            <a:pPr algn="ctr"/>
+            <a:r>
+              <a:rPr kumimoji="1" lang="en-US" altLang="ko-Kore-KR" dirty="0">
+                <a:solidFill>
+                  <a:srgbClr val="FF0000"/>
+                </a:solidFill>
+                <a:latin typeface="DM Mono" panose="020B0509040201040103" pitchFamily="49" charset="0"/>
+              </a:rPr>
+              <a:t>0x200</a:t>
+            </a:r>
+            <a:endParaRPr kumimoji="1" lang="ko-Kore-KR" altLang="en-US" dirty="0">
+              <a:solidFill>
+                <a:srgbClr val="FF0000"/>
+              </a:solidFill>
+              <a:latin typeface="DM Mono" panose="020B0509040201040103" pitchFamily="49" charset="0"/>
+            </a:endParaRPr>
+          </a:p>
+        </p:txBody>
+      </p:sp>
+      <p:sp>
+        <p:nvSpPr>
+          <p:cNvPr id="3" name="TextBox 2">
+            <a:extLst>
+              <a:ext uri="{FF2B5EF4-FFF2-40B4-BE49-F238E27FC236}">
+                <a16:creationId xmlns:a16="http://schemas.microsoft.com/office/drawing/2014/main" id="{6F7B3249-7B05-3C1F-F8A1-4197D54534E0}"/>
+              </a:ext>
+            </a:extLst>
+          </p:cNvPr>
+          <p:cNvSpPr txBox="1"/>
+          <p:nvPr/>
+        </p:nvSpPr>
+        <p:spPr>
+          <a:xfrm>
+            <a:off x="5512279" y="3445236"/>
+            <a:ext cx="1007133" cy="369332"/>
+          </a:xfrm>
+          <a:prstGeom prst="rect">
+            <a:avLst/>
+          </a:prstGeom>
+          <a:noFill/>
+        </p:spPr>
+        <p:txBody>
+          <a:bodyPr wrap="square">
+            <a:spAutoFit/>
+          </a:bodyPr>
+          <a:lstStyle/>
+          <a:p>
+            <a:pPr algn="r"/>
+            <a:r>
+              <a:rPr lang="en-US" altLang="ko-Kore-KR" dirty="0">
+                <a:latin typeface="DM Mono" panose="020B0509040201040103" pitchFamily="49" charset="0"/>
+              </a:rPr>
+              <a:t>name</a:t>
+            </a:r>
+            <a:endParaRPr lang="ko-Kore-KR" altLang="en-US" dirty="0"/>
+          </a:p>
+        </p:txBody>
+      </p:sp>
+      <p:sp>
+        <p:nvSpPr>
+          <p:cNvPr id="4" name="TextBox 3">
+            <a:extLst>
+              <a:ext uri="{FF2B5EF4-FFF2-40B4-BE49-F238E27FC236}">
+                <a16:creationId xmlns:a16="http://schemas.microsoft.com/office/drawing/2014/main" id="{C6274430-39DE-5997-1B53-61D38C877A02}"/>
+              </a:ext>
+            </a:extLst>
+          </p:cNvPr>
+          <p:cNvSpPr txBox="1"/>
+          <p:nvPr/>
+        </p:nvSpPr>
+        <p:spPr>
+          <a:xfrm>
+            <a:off x="6642340" y="3004758"/>
+            <a:ext cx="1164566" cy="369332"/>
+          </a:xfrm>
+          <a:prstGeom prst="rect">
+            <a:avLst/>
+          </a:prstGeom>
+          <a:noFill/>
+        </p:spPr>
+        <p:txBody>
+          <a:bodyPr wrap="square">
+            <a:spAutoFit/>
+          </a:bodyPr>
+          <a:lstStyle/>
+          <a:p>
+            <a:pPr algn="ctr"/>
+            <a:r>
+              <a:rPr lang="en-US" altLang="ko-Kore-KR" dirty="0">
+                <a:latin typeface="DM Mono" panose="020B0509040201040103" pitchFamily="49" charset="0"/>
+              </a:rPr>
+              <a:t>other</a:t>
+            </a:r>
+            <a:endParaRPr lang="ko-Kore-KR" altLang="en-US" dirty="0"/>
+          </a:p>
+        </p:txBody>
+      </p:sp>
+      <p:sp>
+        <p:nvSpPr>
+          <p:cNvPr id="13" name="직사각형 12">
+            <a:extLst>
+              <a:ext uri="{FF2B5EF4-FFF2-40B4-BE49-F238E27FC236}">
+                <a16:creationId xmlns:a16="http://schemas.microsoft.com/office/drawing/2014/main" id="{92D1787B-F5CB-0520-28ED-817ABED91EC9}"/>
+              </a:ext>
+            </a:extLst>
+          </p:cNvPr>
+          <p:cNvSpPr/>
+          <p:nvPr/>
+        </p:nvSpPr>
+        <p:spPr>
+          <a:xfrm>
+            <a:off x="6519412" y="3885714"/>
+            <a:ext cx="1414732" cy="511624"/>
+          </a:xfrm>
+          <a:prstGeom prst="rect">
+            <a:avLst/>
+          </a:prstGeom>
+          <a:solidFill>
+            <a:srgbClr val="FFFF00"/>
+          </a:solidFill>
+        </p:spPr>
+        <p:style>
+          <a:lnRef idx="2">
+            <a:schemeClr val="accent1">
+              <a:shade val="15000"/>
+            </a:schemeClr>
+          </a:lnRef>
+          <a:fillRef idx="1">
+            <a:schemeClr val="accent1"/>
+          </a:fillRef>
+          <a:effectRef idx="0">
+            <a:schemeClr val="accent1"/>
+          </a:effectRef>
+          <a:fontRef idx="minor">
+            <a:schemeClr val="lt1"/>
+          </a:fontRef>
+        </p:style>
+        <p:txBody>
+          <a:bodyPr rtlCol="0" anchor="ctr"/>
+          <a:lstStyle/>
+          <a:p>
+            <a:pPr algn="ctr"/>
+            <a:r>
+              <a:rPr kumimoji="1" lang="en-US" altLang="ko-Kore-KR" dirty="0">
+                <a:solidFill>
+                  <a:srgbClr val="FF0000"/>
+                </a:solidFill>
+                <a:latin typeface="DM Mono" panose="020B0509040201040103" pitchFamily="49" charset="0"/>
+              </a:rPr>
+              <a:t>42</a:t>
+            </a:r>
+            <a:endParaRPr kumimoji="1" lang="ko-Kore-KR" altLang="en-US" dirty="0">
+              <a:solidFill>
+                <a:srgbClr val="FF0000"/>
+              </a:solidFill>
+              <a:latin typeface="DM Mono" panose="020B0509040201040103" pitchFamily="49" charset="0"/>
+            </a:endParaRPr>
+          </a:p>
+        </p:txBody>
+      </p:sp>
+      <p:sp>
+        <p:nvSpPr>
+          <p:cNvPr id="15" name="TextBox 14">
+            <a:extLst>
+              <a:ext uri="{FF2B5EF4-FFF2-40B4-BE49-F238E27FC236}">
+                <a16:creationId xmlns:a16="http://schemas.microsoft.com/office/drawing/2014/main" id="{6E685154-5FE7-2D11-FB2A-94B8AC1AE692}"/>
+              </a:ext>
+            </a:extLst>
+          </p:cNvPr>
+          <p:cNvSpPr txBox="1"/>
+          <p:nvPr/>
+        </p:nvSpPr>
+        <p:spPr>
+          <a:xfrm>
+            <a:off x="5814205" y="3956860"/>
+            <a:ext cx="705208" cy="369332"/>
+          </a:xfrm>
+          <a:prstGeom prst="rect">
+            <a:avLst/>
+          </a:prstGeom>
+          <a:noFill/>
+        </p:spPr>
+        <p:txBody>
+          <a:bodyPr wrap="square">
+            <a:spAutoFit/>
+          </a:bodyPr>
+          <a:lstStyle/>
+          <a:p>
+            <a:pPr algn="r"/>
+            <a:r>
+              <a:rPr lang="en-US" altLang="ko-Kore-KR" dirty="0">
+                <a:latin typeface="DM Mono" panose="020B0509040201040103" pitchFamily="49" charset="0"/>
+              </a:rPr>
+              <a:t>age</a:t>
+            </a:r>
+            <a:endParaRPr lang="ko-Kore-KR" altLang="en-US" dirty="0"/>
+          </a:p>
+        </p:txBody>
+      </p:sp>
+      <p:sp>
+        <p:nvSpPr>
+          <p:cNvPr id="17" name="직사각형 16">
+            <a:extLst>
+              <a:ext uri="{FF2B5EF4-FFF2-40B4-BE49-F238E27FC236}">
+                <a16:creationId xmlns:a16="http://schemas.microsoft.com/office/drawing/2014/main" id="{18A1C8A3-1A08-C301-12CA-1E3594FF1B65}"/>
+              </a:ext>
+            </a:extLst>
+          </p:cNvPr>
+          <p:cNvSpPr/>
+          <p:nvPr/>
+        </p:nvSpPr>
+        <p:spPr>
+          <a:xfrm>
+            <a:off x="10121660" y="2708902"/>
+            <a:ext cx="1414732" cy="511624"/>
+          </a:xfrm>
+          <a:prstGeom prst="rect">
+            <a:avLst/>
+          </a:prstGeom>
+          <a:solidFill>
+            <a:srgbClr val="FFFF00"/>
+          </a:solidFill>
+        </p:spPr>
+        <p:style>
+          <a:lnRef idx="2">
+            <a:schemeClr val="accent1">
+              <a:shade val="15000"/>
+            </a:schemeClr>
+          </a:lnRef>
+          <a:fillRef idx="1">
+            <a:schemeClr val="accent1"/>
+          </a:fillRef>
+          <a:effectRef idx="0">
+            <a:schemeClr val="accent1"/>
+          </a:effectRef>
+          <a:fontRef idx="minor">
+            <a:schemeClr val="lt1"/>
+          </a:fontRef>
+        </p:style>
+        <p:txBody>
+          <a:bodyPr rtlCol="0" anchor="ctr"/>
+          <a:lstStyle/>
+          <a:p>
+            <a:pPr algn="ctr"/>
+            <a:r>
+              <a:rPr kumimoji="1" lang="en-US" altLang="ko-Kore-KR" dirty="0">
+                <a:solidFill>
+                  <a:schemeClr val="tx1"/>
+                </a:solidFill>
+                <a:latin typeface="DM Mono" panose="020B0509040201040103" pitchFamily="49" charset="0"/>
+              </a:rPr>
+              <a:t>“Tom”</a:t>
+            </a:r>
+            <a:endParaRPr kumimoji="1" lang="ko-Kore-KR" altLang="en-US" dirty="0">
+              <a:solidFill>
+                <a:schemeClr val="tx1"/>
+              </a:solidFill>
+              <a:latin typeface="DM Mono" panose="020B0509040201040103" pitchFamily="49" charset="0"/>
+            </a:endParaRPr>
+          </a:p>
+        </p:txBody>
+      </p:sp>
+      <p:sp>
+        <p:nvSpPr>
+          <p:cNvPr id="18" name="TextBox 17">
+            <a:extLst>
+              <a:ext uri="{FF2B5EF4-FFF2-40B4-BE49-F238E27FC236}">
+                <a16:creationId xmlns:a16="http://schemas.microsoft.com/office/drawing/2014/main" id="{7DF1C8E2-23EF-BB7B-2F56-239F67CBB1A4}"/>
+              </a:ext>
+            </a:extLst>
+          </p:cNvPr>
+          <p:cNvSpPr txBox="1"/>
+          <p:nvPr/>
+        </p:nvSpPr>
+        <p:spPr>
+          <a:xfrm>
+            <a:off x="9539377" y="2339570"/>
+            <a:ext cx="1164566" cy="369332"/>
+          </a:xfrm>
+          <a:prstGeom prst="rect">
+            <a:avLst/>
+          </a:prstGeom>
+          <a:noFill/>
+        </p:spPr>
+        <p:txBody>
+          <a:bodyPr wrap="square">
+            <a:spAutoFit/>
+          </a:bodyPr>
+          <a:lstStyle/>
+          <a:p>
+            <a:pPr algn="ctr"/>
+            <a:r>
+              <a:rPr lang="en-US" altLang="ko-Kore-KR" dirty="0">
+                <a:latin typeface="DM Mono" panose="020B0509040201040103" pitchFamily="49" charset="0"/>
+              </a:rPr>
+              <a:t>0x200</a:t>
+            </a:r>
+            <a:endParaRPr lang="ko-Kore-KR" altLang="en-US" dirty="0"/>
+          </a:p>
+        </p:txBody>
+      </p:sp>
+      <p:cxnSp>
+        <p:nvCxnSpPr>
+          <p:cNvPr id="19" name="구부러진 연결선[U] 18">
+            <a:extLst>
+              <a:ext uri="{FF2B5EF4-FFF2-40B4-BE49-F238E27FC236}">
+                <a16:creationId xmlns:a16="http://schemas.microsoft.com/office/drawing/2014/main" id="{65DDEA60-B009-8566-6803-897A4163F632}"/>
+              </a:ext>
+            </a:extLst>
+          </p:cNvPr>
+          <p:cNvCxnSpPr>
+            <a:cxnSpLocks/>
+            <a:stCxn id="2" idx="3"/>
+            <a:endCxn id="17" idx="1"/>
+          </p:cNvCxnSpPr>
+          <p:nvPr/>
+        </p:nvCxnSpPr>
+        <p:spPr>
+          <a:xfrm flipV="1">
+            <a:off x="7934144" y="2964714"/>
+            <a:ext cx="2187516" cy="665188"/>
+          </a:xfrm>
+          <a:prstGeom prst="curvedConnector3">
+            <a:avLst>
+              <a:gd name="adj1" fmla="val 50000"/>
+            </a:avLst>
+          </a:prstGeom>
+          <a:ln>
+            <a:tailEnd type="triangle"/>
+          </a:ln>
+        </p:spPr>
+        <p:style>
+          <a:lnRef idx="1">
+            <a:schemeClr val="dk1"/>
+          </a:lnRef>
+          <a:fillRef idx="0">
+            <a:schemeClr val="dk1"/>
+          </a:fillRef>
+          <a:effectRef idx="0">
+            <a:schemeClr val="dk1"/>
+          </a:effectRef>
+          <a:fontRef idx="minor">
+            <a:schemeClr val="tx1"/>
+          </a:fontRef>
+        </p:style>
+      </p:cxnSp>
+      <p:sp>
+        <p:nvSpPr>
+          <p:cNvPr id="23" name="TextBox 22">
+            <a:extLst>
+              <a:ext uri="{FF2B5EF4-FFF2-40B4-BE49-F238E27FC236}">
+                <a16:creationId xmlns:a16="http://schemas.microsoft.com/office/drawing/2014/main" id="{01FD6873-80E2-CE3A-5CD8-9F4029BC5B07}"/>
+              </a:ext>
+            </a:extLst>
+          </p:cNvPr>
+          <p:cNvSpPr txBox="1"/>
+          <p:nvPr/>
+        </p:nvSpPr>
+        <p:spPr>
+          <a:xfrm>
+            <a:off x="361231" y="526277"/>
+            <a:ext cx="6094562" cy="1384995"/>
+          </a:xfrm>
+          <a:prstGeom prst="rect">
+            <a:avLst/>
+          </a:prstGeom>
+          <a:noFill/>
+        </p:spPr>
+        <p:txBody>
+          <a:bodyPr wrap="square">
+            <a:spAutoFit/>
+          </a:bodyPr>
+          <a:lstStyle/>
+          <a:p>
+            <a:r>
+              <a:rPr lang="ko-Kore-KR" altLang="en-US" sz="1400" dirty="0">
+                <a:latin typeface="DM Mono" panose="020B0509040201040103" pitchFamily="49" charset="0"/>
+              </a:rPr>
+              <a:t> User(const User&amp; rhs)</a:t>
+            </a:r>
+          </a:p>
+          <a:p>
+            <a:r>
+              <a:rPr lang="ko-Kore-KR" altLang="en-US" sz="1400" dirty="0">
+                <a:latin typeface="DM Mono" panose="020B0509040201040103" pitchFamily="49" charset="0"/>
+              </a:rPr>
+              <a:t>        : age(rhs.age)</a:t>
+            </a:r>
+          </a:p>
+          <a:p>
+            <a:r>
+              <a:rPr lang="ko-Kore-KR" altLang="en-US" sz="1400" dirty="0">
+                <a:latin typeface="DM Mono" panose="020B0509040201040103" pitchFamily="49" charset="0"/>
+              </a:rPr>
+              <a:t>    {</a:t>
+            </a:r>
+          </a:p>
+          <a:p>
+            <a:r>
+              <a:rPr lang="ko-Kore-KR" altLang="en-US" sz="1400" dirty="0">
+                <a:latin typeface="DM Mono" panose="020B0509040201040103" pitchFamily="49" charset="0"/>
+              </a:rPr>
+              <a:t>        name = new char[strlen(rhs.name) + 1];</a:t>
+            </a:r>
+          </a:p>
+          <a:p>
+            <a:r>
+              <a:rPr lang="ko-Kore-KR" altLang="en-US" sz="1400" dirty="0">
+                <a:latin typeface="DM Mono" panose="020B0509040201040103" pitchFamily="49" charset="0"/>
+              </a:rPr>
+              <a:t>        strcpy(name, rhs.name);</a:t>
+            </a:r>
+          </a:p>
+          <a:p>
+            <a:r>
+              <a:rPr lang="ko-Kore-KR" altLang="en-US" sz="1400" dirty="0">
+                <a:latin typeface="DM Mono" panose="020B0509040201040103" pitchFamily="49" charset="0"/>
+              </a:rPr>
+              <a:t>    }</a:t>
+            </a:r>
+          </a:p>
+        </p:txBody>
+      </p:sp>
+    </p:spTree>
+    <p:extLst>
+      <p:ext uri="{BB962C8B-B14F-4D97-AF65-F5344CB8AC3E}">
+        <p14:creationId xmlns:p14="http://schemas.microsoft.com/office/powerpoint/2010/main" val="1763504441"/>
+      </p:ext>
+    </p:extLst>
+  </p:cSld>
+  <p:clrMapOvr>
+    <a:masterClrMapping/>
+  </p:clrMapOvr>
+</p:sld>
+</file>
+
 <file path=ppt/slides/slide2.xml><?xml version="1.0" encoding="utf-8"?>
 <p:sld xmlns:a="http://schemas.openxmlformats.org/drawingml/2006/main" xmlns:r="http://schemas.openxmlformats.org/officeDocument/2006/relationships" xmlns:p="http://schemas.openxmlformats.org/presentationml/2006/main">
   <p:cSld>
@@ -8426,6 +11330,921 @@
     <p:extLst>
       <p:ext uri="{BB962C8B-B14F-4D97-AF65-F5344CB8AC3E}">
         <p14:creationId xmlns:p14="http://schemas.microsoft.com/office/powerpoint/2010/main" val="4255201693"/>
+      </p:ext>
+    </p:extLst>
+  </p:cSld>
+  <p:clrMapOvr>
+    <a:masterClrMapping/>
+  </p:clrMapOvr>
+</p:sld>
+</file>
+
+<file path=ppt/slides/slide9.xml><?xml version="1.0" encoding="utf-8"?>
+<p:sld xmlns:a="http://schemas.openxmlformats.org/drawingml/2006/main" xmlns:r="http://schemas.openxmlformats.org/officeDocument/2006/relationships" xmlns:p="http://schemas.openxmlformats.org/presentationml/2006/main">
+  <p:cSld>
+    <p:spTree>
+      <p:nvGrpSpPr>
+        <p:cNvPr id="1" name=""/>
+        <p:cNvGrpSpPr/>
+        <p:nvPr/>
+      </p:nvGrpSpPr>
+      <p:grpSpPr>
+        <a:xfrm>
+          <a:off x="0" y="0"/>
+          <a:ext cx="0" cy="0"/>
+          <a:chOff x="0" y="0"/>
+          <a:chExt cx="0" cy="0"/>
+        </a:xfrm>
+      </p:grpSpPr>
+      <p:sp>
+        <p:nvSpPr>
+          <p:cNvPr id="5" name="TextBox 4">
+            <a:extLst>
+              <a:ext uri="{FF2B5EF4-FFF2-40B4-BE49-F238E27FC236}">
+                <a16:creationId xmlns:a16="http://schemas.microsoft.com/office/drawing/2014/main" id="{F6448139-ECDE-6A20-7933-D2FA23F72243}"/>
+              </a:ext>
+            </a:extLst>
+          </p:cNvPr>
+          <p:cNvSpPr txBox="1"/>
+          <p:nvPr/>
+        </p:nvSpPr>
+        <p:spPr>
+          <a:xfrm>
+            <a:off x="424850" y="401996"/>
+            <a:ext cx="6094562" cy="5262979"/>
+          </a:xfrm>
+          <a:prstGeom prst="rect">
+            <a:avLst/>
+          </a:prstGeom>
+          <a:noFill/>
+        </p:spPr>
+        <p:txBody>
+          <a:bodyPr wrap="square">
+            <a:spAutoFit/>
+          </a:bodyPr>
+          <a:lstStyle/>
+          <a:p>
+            <a:r>
+              <a:rPr lang="ko-Kore-KR" altLang="en-US" sz="1400" dirty="0">
+                <a:latin typeface="DM Mono" panose="020B0509040201040103" pitchFamily="49" charset="0"/>
+              </a:rPr>
+              <a:t>class User {</a:t>
+            </a:r>
+          </a:p>
+          <a:p>
+            <a:r>
+              <a:rPr lang="ko-Kore-KR" altLang="en-US" sz="1400" dirty="0">
+                <a:latin typeface="DM Mono" panose="020B0509040201040103" pitchFamily="49" charset="0"/>
+              </a:rPr>
+              <a:t>    char* name;</a:t>
+            </a:r>
+          </a:p>
+          <a:p>
+            <a:r>
+              <a:rPr lang="ko-Kore-KR" altLang="en-US" sz="1400" dirty="0">
+                <a:latin typeface="DM Mono" panose="020B0509040201040103" pitchFamily="49" charset="0"/>
+              </a:rPr>
+              <a:t>    int age;</a:t>
+            </a:r>
+          </a:p>
+          <a:p>
+            <a:endParaRPr lang="ko-Kore-KR" altLang="en-US" sz="1400" dirty="0">
+              <a:latin typeface="DM Mono" panose="020B0509040201040103" pitchFamily="49" charset="0"/>
+            </a:endParaRPr>
+          </a:p>
+          <a:p>
+            <a:r>
+              <a:rPr lang="ko-Kore-KR" altLang="en-US" sz="1400" dirty="0">
+                <a:latin typeface="DM Mono" panose="020B0509040201040103" pitchFamily="49" charset="0"/>
+              </a:rPr>
+              <a:t>public:</a:t>
+            </a:r>
+          </a:p>
+          <a:p>
+            <a:r>
+              <a:rPr lang="ko-Kore-KR" altLang="en-US" sz="1400" dirty="0">
+                <a:latin typeface="DM Mono" panose="020B0509040201040103" pitchFamily="49" charset="0"/>
+              </a:rPr>
+              <a:t>    User(const char* s, int n)</a:t>
+            </a:r>
+          </a:p>
+          <a:p>
+            <a:r>
+              <a:rPr lang="ko-Kore-KR" altLang="en-US" sz="1400" dirty="0">
+                <a:latin typeface="DM Mono" panose="020B0509040201040103" pitchFamily="49" charset="0"/>
+              </a:rPr>
+              <a:t>        : age(n)</a:t>
+            </a:r>
+          </a:p>
+          <a:p>
+            <a:r>
+              <a:rPr lang="ko-Kore-KR" altLang="en-US" sz="1400" dirty="0">
+                <a:latin typeface="DM Mono" panose="020B0509040201040103" pitchFamily="49" charset="0"/>
+              </a:rPr>
+              <a:t>    {</a:t>
+            </a:r>
+          </a:p>
+          <a:p>
+            <a:r>
+              <a:rPr lang="ko-Kore-KR" altLang="en-US" sz="1400" dirty="0">
+                <a:latin typeface="DM Mono" panose="020B0509040201040103" pitchFamily="49" charset="0"/>
+              </a:rPr>
+              <a:t>        name = new char[strlen(s) + 1];</a:t>
+            </a:r>
+          </a:p>
+          <a:p>
+            <a:r>
+              <a:rPr lang="ko-Kore-KR" altLang="en-US" sz="1400" dirty="0">
+                <a:latin typeface="DM Mono" panose="020B0509040201040103" pitchFamily="49" charset="0"/>
+              </a:rPr>
+              <a:t>        strcpy(name, s);</a:t>
+            </a:r>
+          </a:p>
+          <a:p>
+            <a:r>
+              <a:rPr lang="ko-Kore-KR" altLang="en-US" sz="1400" dirty="0">
+                <a:latin typeface="DM Mono" panose="020B0509040201040103" pitchFamily="49" charset="0"/>
+              </a:rPr>
+              <a:t>    }</a:t>
+            </a:r>
+          </a:p>
+          <a:p>
+            <a:endParaRPr lang="ko-Kore-KR" altLang="en-US" sz="1400" dirty="0">
+              <a:latin typeface="DM Mono" panose="020B0509040201040103" pitchFamily="49" charset="0"/>
+            </a:endParaRPr>
+          </a:p>
+          <a:p>
+            <a:r>
+              <a:rPr lang="ko-Kore-KR" altLang="en-US" sz="1400" dirty="0">
+                <a:latin typeface="DM Mono" panose="020B0509040201040103" pitchFamily="49" charset="0"/>
+              </a:rPr>
+              <a:t>    ~User()</a:t>
+            </a:r>
+          </a:p>
+          <a:p>
+            <a:r>
+              <a:rPr lang="ko-Kore-KR" altLang="en-US" sz="1400" dirty="0">
+                <a:latin typeface="DM Mono" panose="020B0509040201040103" pitchFamily="49" charset="0"/>
+              </a:rPr>
+              <a:t>    {</a:t>
+            </a:r>
+          </a:p>
+          <a:p>
+            <a:r>
+              <a:rPr lang="ko-Kore-KR" altLang="en-US" sz="1400" dirty="0">
+                <a:latin typeface="DM Mono" panose="020B0509040201040103" pitchFamily="49" charset="0"/>
+              </a:rPr>
+              <a:t>        delete[] name;</a:t>
+            </a:r>
+          </a:p>
+          <a:p>
+            <a:r>
+              <a:rPr lang="ko-Kore-KR" altLang="en-US" sz="1400" dirty="0">
+                <a:latin typeface="DM Mono" panose="020B0509040201040103" pitchFamily="49" charset="0"/>
+              </a:rPr>
+              <a:t>    }</a:t>
+            </a:r>
+          </a:p>
+          <a:p>
+            <a:r>
+              <a:rPr lang="ko-Kore-KR" altLang="en-US" sz="1400" dirty="0">
+                <a:latin typeface="DM Mono" panose="020B0509040201040103" pitchFamily="49" charset="0"/>
+              </a:rPr>
+              <a:t>};</a:t>
+            </a:r>
+          </a:p>
+          <a:p>
+            <a:endParaRPr lang="ko-Kore-KR" altLang="en-US" sz="1400" dirty="0">
+              <a:latin typeface="DM Mono" panose="020B0509040201040103" pitchFamily="49" charset="0"/>
+            </a:endParaRPr>
+          </a:p>
+          <a:p>
+            <a:r>
+              <a:rPr lang="ko-Kore-KR" altLang="en-US" sz="1400" dirty="0">
+                <a:latin typeface="DM Mono" panose="020B0509040201040103" pitchFamily="49" charset="0"/>
+              </a:rPr>
+              <a:t>int main()</a:t>
+            </a:r>
+          </a:p>
+          <a:p>
+            <a:r>
+              <a:rPr lang="ko-Kore-KR" altLang="en-US" sz="1400" dirty="0">
+                <a:latin typeface="DM Mono" panose="020B0509040201040103" pitchFamily="49" charset="0"/>
+              </a:rPr>
+              <a:t>{</a:t>
+            </a:r>
+          </a:p>
+          <a:p>
+            <a:r>
+              <a:rPr lang="ko-Kore-KR" altLang="en-US" sz="1400" dirty="0">
+                <a:latin typeface="DM Mono" panose="020B0509040201040103" pitchFamily="49" charset="0"/>
+              </a:rPr>
+              <a:t>    User user("Tom", 42);</a:t>
+            </a:r>
+          </a:p>
+          <a:p>
+            <a:endParaRPr lang="ko-Kore-KR" altLang="en-US" sz="1400" dirty="0">
+              <a:latin typeface="DM Mono" panose="020B0509040201040103" pitchFamily="49" charset="0"/>
+            </a:endParaRPr>
+          </a:p>
+          <a:p>
+            <a:r>
+              <a:rPr lang="ko-Kore-KR" altLang="en-US" sz="1400" dirty="0">
+                <a:latin typeface="DM Mono" panose="020B0509040201040103" pitchFamily="49" charset="0"/>
+              </a:rPr>
+              <a:t>    User other = user;</a:t>
+            </a:r>
+          </a:p>
+          <a:p>
+            <a:r>
+              <a:rPr lang="ko-Kore-KR" altLang="en-US" sz="1400" dirty="0">
+                <a:latin typeface="DM Mono" panose="020B0509040201040103" pitchFamily="49" charset="0"/>
+              </a:rPr>
+              <a:t>}</a:t>
+            </a:r>
+          </a:p>
+        </p:txBody>
+      </p:sp>
+      <p:sp>
+        <p:nvSpPr>
+          <p:cNvPr id="6" name="직사각형 5">
+            <a:extLst>
+              <a:ext uri="{FF2B5EF4-FFF2-40B4-BE49-F238E27FC236}">
+                <a16:creationId xmlns:a16="http://schemas.microsoft.com/office/drawing/2014/main" id="{87724EDF-D895-CFE9-CF1E-25BA19190DF0}"/>
+              </a:ext>
+            </a:extLst>
+          </p:cNvPr>
+          <p:cNvSpPr/>
+          <p:nvPr/>
+        </p:nvSpPr>
+        <p:spPr>
+          <a:xfrm>
+            <a:off x="6519412" y="1403440"/>
+            <a:ext cx="1414732" cy="511624"/>
+          </a:xfrm>
+          <a:prstGeom prst="rect">
+            <a:avLst/>
+          </a:prstGeom>
+          <a:solidFill>
+            <a:srgbClr val="FFFF00"/>
+          </a:solidFill>
+        </p:spPr>
+        <p:style>
+          <a:lnRef idx="2">
+            <a:schemeClr val="accent1">
+              <a:shade val="15000"/>
+            </a:schemeClr>
+          </a:lnRef>
+          <a:fillRef idx="1">
+            <a:schemeClr val="accent1"/>
+          </a:fillRef>
+          <a:effectRef idx="0">
+            <a:schemeClr val="accent1"/>
+          </a:effectRef>
+          <a:fontRef idx="minor">
+            <a:schemeClr val="lt1"/>
+          </a:fontRef>
+        </p:style>
+        <p:txBody>
+          <a:bodyPr rtlCol="0" anchor="ctr"/>
+          <a:lstStyle/>
+          <a:p>
+            <a:pPr algn="ctr"/>
+            <a:r>
+              <a:rPr kumimoji="1" lang="en-US" altLang="ko-Kore-KR" dirty="0">
+                <a:solidFill>
+                  <a:schemeClr val="tx1"/>
+                </a:solidFill>
+                <a:latin typeface="DM Mono" panose="020B0509040201040103" pitchFamily="49" charset="0"/>
+              </a:rPr>
+              <a:t>0x100</a:t>
+            </a:r>
+            <a:endParaRPr kumimoji="1" lang="ko-Kore-KR" altLang="en-US" dirty="0">
+              <a:solidFill>
+                <a:schemeClr val="tx1"/>
+              </a:solidFill>
+              <a:latin typeface="DM Mono" panose="020B0509040201040103" pitchFamily="49" charset="0"/>
+            </a:endParaRPr>
+          </a:p>
+        </p:txBody>
+      </p:sp>
+      <p:sp>
+        <p:nvSpPr>
+          <p:cNvPr id="7" name="TextBox 6">
+            <a:extLst>
+              <a:ext uri="{FF2B5EF4-FFF2-40B4-BE49-F238E27FC236}">
+                <a16:creationId xmlns:a16="http://schemas.microsoft.com/office/drawing/2014/main" id="{91624FBD-4502-9C03-52A7-824C72B0A3C2}"/>
+              </a:ext>
+            </a:extLst>
+          </p:cNvPr>
+          <p:cNvSpPr txBox="1"/>
+          <p:nvPr/>
+        </p:nvSpPr>
+        <p:spPr>
+          <a:xfrm>
+            <a:off x="5512279" y="1474586"/>
+            <a:ext cx="1007133" cy="369332"/>
+          </a:xfrm>
+          <a:prstGeom prst="rect">
+            <a:avLst/>
+          </a:prstGeom>
+          <a:noFill/>
+        </p:spPr>
+        <p:txBody>
+          <a:bodyPr wrap="square">
+            <a:spAutoFit/>
+          </a:bodyPr>
+          <a:lstStyle/>
+          <a:p>
+            <a:pPr algn="r"/>
+            <a:r>
+              <a:rPr lang="en-US" altLang="ko-Kore-KR" dirty="0">
+                <a:latin typeface="DM Mono" panose="020B0509040201040103" pitchFamily="49" charset="0"/>
+              </a:rPr>
+              <a:t>name</a:t>
+            </a:r>
+            <a:endParaRPr lang="ko-Kore-KR" altLang="en-US" dirty="0"/>
+          </a:p>
+        </p:txBody>
+      </p:sp>
+      <p:sp>
+        <p:nvSpPr>
+          <p:cNvPr id="8" name="TextBox 7">
+            <a:extLst>
+              <a:ext uri="{FF2B5EF4-FFF2-40B4-BE49-F238E27FC236}">
+                <a16:creationId xmlns:a16="http://schemas.microsoft.com/office/drawing/2014/main" id="{4177E8EE-2E4E-A399-02F8-ABCEFDA2332F}"/>
+              </a:ext>
+            </a:extLst>
+          </p:cNvPr>
+          <p:cNvSpPr txBox="1"/>
+          <p:nvPr/>
+        </p:nvSpPr>
+        <p:spPr>
+          <a:xfrm>
+            <a:off x="6642340" y="1034108"/>
+            <a:ext cx="1164566" cy="369332"/>
+          </a:xfrm>
+          <a:prstGeom prst="rect">
+            <a:avLst/>
+          </a:prstGeom>
+          <a:noFill/>
+        </p:spPr>
+        <p:txBody>
+          <a:bodyPr wrap="square">
+            <a:spAutoFit/>
+          </a:bodyPr>
+          <a:lstStyle/>
+          <a:p>
+            <a:pPr algn="ctr"/>
+            <a:r>
+              <a:rPr lang="en-US" altLang="ko-Kore-KR" dirty="0">
+                <a:latin typeface="DM Mono" panose="020B0509040201040103" pitchFamily="49" charset="0"/>
+              </a:rPr>
+              <a:t>user</a:t>
+            </a:r>
+            <a:endParaRPr lang="ko-Kore-KR" altLang="en-US" dirty="0"/>
+          </a:p>
+        </p:txBody>
+      </p:sp>
+      <p:sp>
+        <p:nvSpPr>
+          <p:cNvPr id="9" name="직사각형 8">
+            <a:extLst>
+              <a:ext uri="{FF2B5EF4-FFF2-40B4-BE49-F238E27FC236}">
+                <a16:creationId xmlns:a16="http://schemas.microsoft.com/office/drawing/2014/main" id="{520CC13C-E00D-E517-581E-1F030F14C966}"/>
+              </a:ext>
+            </a:extLst>
+          </p:cNvPr>
+          <p:cNvSpPr/>
+          <p:nvPr/>
+        </p:nvSpPr>
+        <p:spPr>
+          <a:xfrm>
+            <a:off x="6519412" y="1915064"/>
+            <a:ext cx="1414732" cy="511624"/>
+          </a:xfrm>
+          <a:prstGeom prst="rect">
+            <a:avLst/>
+          </a:prstGeom>
+          <a:solidFill>
+            <a:srgbClr val="FFFF00"/>
+          </a:solidFill>
+        </p:spPr>
+        <p:style>
+          <a:lnRef idx="2">
+            <a:schemeClr val="accent1">
+              <a:shade val="15000"/>
+            </a:schemeClr>
+          </a:lnRef>
+          <a:fillRef idx="1">
+            <a:schemeClr val="accent1"/>
+          </a:fillRef>
+          <a:effectRef idx="0">
+            <a:schemeClr val="accent1"/>
+          </a:effectRef>
+          <a:fontRef idx="minor">
+            <a:schemeClr val="lt1"/>
+          </a:fontRef>
+        </p:style>
+        <p:txBody>
+          <a:bodyPr rtlCol="0" anchor="ctr"/>
+          <a:lstStyle/>
+          <a:p>
+            <a:pPr algn="ctr"/>
+            <a:r>
+              <a:rPr kumimoji="1" lang="en-US" altLang="ko-Kore-KR" dirty="0">
+                <a:solidFill>
+                  <a:schemeClr val="tx1"/>
+                </a:solidFill>
+                <a:latin typeface="DM Mono" panose="020B0509040201040103" pitchFamily="49" charset="0"/>
+              </a:rPr>
+              <a:t>42</a:t>
+            </a:r>
+            <a:endParaRPr kumimoji="1" lang="ko-Kore-KR" altLang="en-US" dirty="0">
+              <a:solidFill>
+                <a:schemeClr val="tx1"/>
+              </a:solidFill>
+              <a:latin typeface="DM Mono" panose="020B0509040201040103" pitchFamily="49" charset="0"/>
+            </a:endParaRPr>
+          </a:p>
+        </p:txBody>
+      </p:sp>
+      <p:sp>
+        <p:nvSpPr>
+          <p:cNvPr id="10" name="TextBox 9">
+            <a:extLst>
+              <a:ext uri="{FF2B5EF4-FFF2-40B4-BE49-F238E27FC236}">
+                <a16:creationId xmlns:a16="http://schemas.microsoft.com/office/drawing/2014/main" id="{BD556C66-C174-B6D3-EEED-EAFA6B64151D}"/>
+              </a:ext>
+            </a:extLst>
+          </p:cNvPr>
+          <p:cNvSpPr txBox="1"/>
+          <p:nvPr/>
+        </p:nvSpPr>
+        <p:spPr>
+          <a:xfrm>
+            <a:off x="5814205" y="1986210"/>
+            <a:ext cx="705208" cy="369332"/>
+          </a:xfrm>
+          <a:prstGeom prst="rect">
+            <a:avLst/>
+          </a:prstGeom>
+          <a:noFill/>
+        </p:spPr>
+        <p:txBody>
+          <a:bodyPr wrap="square">
+            <a:spAutoFit/>
+          </a:bodyPr>
+          <a:lstStyle/>
+          <a:p>
+            <a:pPr algn="r"/>
+            <a:r>
+              <a:rPr lang="en-US" altLang="ko-Kore-KR" dirty="0">
+                <a:latin typeface="DM Mono" panose="020B0509040201040103" pitchFamily="49" charset="0"/>
+              </a:rPr>
+              <a:t>age</a:t>
+            </a:r>
+            <a:endParaRPr lang="ko-Kore-KR" altLang="en-US" dirty="0"/>
+          </a:p>
+        </p:txBody>
+      </p:sp>
+      <p:sp>
+        <p:nvSpPr>
+          <p:cNvPr id="11" name="직사각형 10">
+            <a:extLst>
+              <a:ext uri="{FF2B5EF4-FFF2-40B4-BE49-F238E27FC236}">
+                <a16:creationId xmlns:a16="http://schemas.microsoft.com/office/drawing/2014/main" id="{5778D267-A3EA-1BA4-9268-69BFE1380352}"/>
+              </a:ext>
+            </a:extLst>
+          </p:cNvPr>
+          <p:cNvSpPr/>
+          <p:nvPr/>
+        </p:nvSpPr>
+        <p:spPr>
+          <a:xfrm>
+            <a:off x="10105126" y="401996"/>
+            <a:ext cx="1414732" cy="511624"/>
+          </a:xfrm>
+          <a:prstGeom prst="rect">
+            <a:avLst/>
+          </a:prstGeom>
+          <a:solidFill>
+            <a:srgbClr val="FFFF00"/>
+          </a:solidFill>
+        </p:spPr>
+        <p:style>
+          <a:lnRef idx="2">
+            <a:schemeClr val="accent1">
+              <a:shade val="15000"/>
+            </a:schemeClr>
+          </a:lnRef>
+          <a:fillRef idx="1">
+            <a:schemeClr val="accent1"/>
+          </a:fillRef>
+          <a:effectRef idx="0">
+            <a:schemeClr val="accent1"/>
+          </a:effectRef>
+          <a:fontRef idx="minor">
+            <a:schemeClr val="lt1"/>
+          </a:fontRef>
+        </p:style>
+        <p:txBody>
+          <a:bodyPr rtlCol="0" anchor="ctr"/>
+          <a:lstStyle/>
+          <a:p>
+            <a:pPr algn="ctr"/>
+            <a:r>
+              <a:rPr kumimoji="1" lang="en-US" altLang="ko-Kore-KR" dirty="0">
+                <a:solidFill>
+                  <a:schemeClr val="tx1"/>
+                </a:solidFill>
+                <a:latin typeface="DM Mono" panose="020B0509040201040103" pitchFamily="49" charset="0"/>
+              </a:rPr>
+              <a:t>“Tom”</a:t>
+            </a:r>
+            <a:endParaRPr kumimoji="1" lang="ko-Kore-KR" altLang="en-US" dirty="0">
+              <a:solidFill>
+                <a:schemeClr val="tx1"/>
+              </a:solidFill>
+              <a:latin typeface="DM Mono" panose="020B0509040201040103" pitchFamily="49" charset="0"/>
+            </a:endParaRPr>
+          </a:p>
+        </p:txBody>
+      </p:sp>
+      <p:sp>
+        <p:nvSpPr>
+          <p:cNvPr id="12" name="TextBox 11">
+            <a:extLst>
+              <a:ext uri="{FF2B5EF4-FFF2-40B4-BE49-F238E27FC236}">
+                <a16:creationId xmlns:a16="http://schemas.microsoft.com/office/drawing/2014/main" id="{973E0080-5DAE-23F2-3D90-F864567D3C0C}"/>
+              </a:ext>
+            </a:extLst>
+          </p:cNvPr>
+          <p:cNvSpPr txBox="1"/>
+          <p:nvPr/>
+        </p:nvSpPr>
+        <p:spPr>
+          <a:xfrm>
+            <a:off x="9522843" y="32664"/>
+            <a:ext cx="1164566" cy="369332"/>
+          </a:xfrm>
+          <a:prstGeom prst="rect">
+            <a:avLst/>
+          </a:prstGeom>
+          <a:noFill/>
+        </p:spPr>
+        <p:txBody>
+          <a:bodyPr wrap="square">
+            <a:spAutoFit/>
+          </a:bodyPr>
+          <a:lstStyle/>
+          <a:p>
+            <a:pPr algn="ctr"/>
+            <a:r>
+              <a:rPr lang="en-US" altLang="ko-Kore-KR" dirty="0">
+                <a:latin typeface="DM Mono" panose="020B0509040201040103" pitchFamily="49" charset="0"/>
+              </a:rPr>
+              <a:t>0x100</a:t>
+            </a:r>
+            <a:endParaRPr lang="ko-Kore-KR" altLang="en-US" dirty="0"/>
+          </a:p>
+        </p:txBody>
+      </p:sp>
+      <p:cxnSp>
+        <p:nvCxnSpPr>
+          <p:cNvPr id="14" name="구부러진 연결선[U] 13">
+            <a:extLst>
+              <a:ext uri="{FF2B5EF4-FFF2-40B4-BE49-F238E27FC236}">
+                <a16:creationId xmlns:a16="http://schemas.microsoft.com/office/drawing/2014/main" id="{A275FAF9-2C85-DDAD-8348-6287F47B20C0}"/>
+              </a:ext>
+            </a:extLst>
+          </p:cNvPr>
+          <p:cNvCxnSpPr>
+            <a:cxnSpLocks/>
+            <a:stCxn id="6" idx="3"/>
+            <a:endCxn id="11" idx="1"/>
+          </p:cNvCxnSpPr>
+          <p:nvPr/>
+        </p:nvCxnSpPr>
+        <p:spPr>
+          <a:xfrm flipV="1">
+            <a:off x="7934144" y="657808"/>
+            <a:ext cx="2170982" cy="1001444"/>
+          </a:xfrm>
+          <a:prstGeom prst="curvedConnector3">
+            <a:avLst/>
+          </a:prstGeom>
+          <a:ln>
+            <a:tailEnd type="triangle"/>
+          </a:ln>
+        </p:spPr>
+        <p:style>
+          <a:lnRef idx="1">
+            <a:schemeClr val="dk1"/>
+          </a:lnRef>
+          <a:fillRef idx="0">
+            <a:schemeClr val="dk1"/>
+          </a:fillRef>
+          <a:effectRef idx="0">
+            <a:schemeClr val="dk1"/>
+          </a:effectRef>
+          <a:fontRef idx="minor">
+            <a:schemeClr val="tx1"/>
+          </a:fontRef>
+        </p:style>
+      </p:cxnSp>
+      <p:sp>
+        <p:nvSpPr>
+          <p:cNvPr id="16" name="직사각형 15">
+            <a:extLst>
+              <a:ext uri="{FF2B5EF4-FFF2-40B4-BE49-F238E27FC236}">
+                <a16:creationId xmlns:a16="http://schemas.microsoft.com/office/drawing/2014/main" id="{1674A8FC-638F-33B9-1AB7-6EE4ECD87401}"/>
+              </a:ext>
+            </a:extLst>
+          </p:cNvPr>
+          <p:cNvSpPr/>
+          <p:nvPr/>
+        </p:nvSpPr>
+        <p:spPr>
+          <a:xfrm>
+            <a:off x="6519412" y="3498598"/>
+            <a:ext cx="1414732" cy="511624"/>
+          </a:xfrm>
+          <a:prstGeom prst="rect">
+            <a:avLst/>
+          </a:prstGeom>
+          <a:solidFill>
+            <a:srgbClr val="FFFF00"/>
+          </a:solidFill>
+        </p:spPr>
+        <p:style>
+          <a:lnRef idx="2">
+            <a:schemeClr val="accent1">
+              <a:shade val="15000"/>
+            </a:schemeClr>
+          </a:lnRef>
+          <a:fillRef idx="1">
+            <a:schemeClr val="accent1"/>
+          </a:fillRef>
+          <a:effectRef idx="0">
+            <a:schemeClr val="accent1"/>
+          </a:effectRef>
+          <a:fontRef idx="minor">
+            <a:schemeClr val="lt1"/>
+          </a:fontRef>
+        </p:style>
+        <p:txBody>
+          <a:bodyPr rtlCol="0" anchor="ctr"/>
+          <a:lstStyle/>
+          <a:p>
+            <a:pPr algn="ctr"/>
+            <a:r>
+              <a:rPr kumimoji="1" lang="en-US" altLang="ko-Kore-KR" dirty="0">
+                <a:solidFill>
+                  <a:schemeClr val="tx1"/>
+                </a:solidFill>
+                <a:latin typeface="DM Mono" panose="020B0509040201040103" pitchFamily="49" charset="0"/>
+              </a:rPr>
+              <a:t>0x100</a:t>
+            </a:r>
+            <a:endParaRPr kumimoji="1" lang="ko-Kore-KR" altLang="en-US" dirty="0">
+              <a:solidFill>
+                <a:schemeClr val="tx1"/>
+              </a:solidFill>
+              <a:latin typeface="DM Mono" panose="020B0509040201040103" pitchFamily="49" charset="0"/>
+            </a:endParaRPr>
+          </a:p>
+        </p:txBody>
+      </p:sp>
+      <p:sp>
+        <p:nvSpPr>
+          <p:cNvPr id="17" name="TextBox 16">
+            <a:extLst>
+              <a:ext uri="{FF2B5EF4-FFF2-40B4-BE49-F238E27FC236}">
+                <a16:creationId xmlns:a16="http://schemas.microsoft.com/office/drawing/2014/main" id="{251E413C-7012-0F50-3D59-DA4D59C5FE47}"/>
+              </a:ext>
+            </a:extLst>
+          </p:cNvPr>
+          <p:cNvSpPr txBox="1"/>
+          <p:nvPr/>
+        </p:nvSpPr>
+        <p:spPr>
+          <a:xfrm>
+            <a:off x="5512279" y="3569744"/>
+            <a:ext cx="1007133" cy="369332"/>
+          </a:xfrm>
+          <a:prstGeom prst="rect">
+            <a:avLst/>
+          </a:prstGeom>
+          <a:noFill/>
+        </p:spPr>
+        <p:txBody>
+          <a:bodyPr wrap="square">
+            <a:spAutoFit/>
+          </a:bodyPr>
+          <a:lstStyle/>
+          <a:p>
+            <a:pPr algn="r"/>
+            <a:r>
+              <a:rPr lang="en-US" altLang="ko-Kore-KR" dirty="0">
+                <a:latin typeface="DM Mono" panose="020B0509040201040103" pitchFamily="49" charset="0"/>
+              </a:rPr>
+              <a:t>name</a:t>
+            </a:r>
+            <a:endParaRPr lang="ko-Kore-KR" altLang="en-US" dirty="0"/>
+          </a:p>
+        </p:txBody>
+      </p:sp>
+      <p:sp>
+        <p:nvSpPr>
+          <p:cNvPr id="18" name="TextBox 17">
+            <a:extLst>
+              <a:ext uri="{FF2B5EF4-FFF2-40B4-BE49-F238E27FC236}">
+                <a16:creationId xmlns:a16="http://schemas.microsoft.com/office/drawing/2014/main" id="{08BEB54E-B7B1-7A2D-8B6C-7EFB6C24B52E}"/>
+              </a:ext>
+            </a:extLst>
+          </p:cNvPr>
+          <p:cNvSpPr txBox="1"/>
+          <p:nvPr/>
+        </p:nvSpPr>
+        <p:spPr>
+          <a:xfrm>
+            <a:off x="6642340" y="3129266"/>
+            <a:ext cx="1164566" cy="369332"/>
+          </a:xfrm>
+          <a:prstGeom prst="rect">
+            <a:avLst/>
+          </a:prstGeom>
+          <a:noFill/>
+        </p:spPr>
+        <p:txBody>
+          <a:bodyPr wrap="square">
+            <a:spAutoFit/>
+          </a:bodyPr>
+          <a:lstStyle/>
+          <a:p>
+            <a:pPr algn="ctr"/>
+            <a:r>
+              <a:rPr lang="en-US" altLang="ko-Kore-KR" dirty="0">
+                <a:latin typeface="DM Mono" panose="020B0509040201040103" pitchFamily="49" charset="0"/>
+              </a:rPr>
+              <a:t>other</a:t>
+            </a:r>
+            <a:endParaRPr lang="ko-Kore-KR" altLang="en-US" dirty="0"/>
+          </a:p>
+        </p:txBody>
+      </p:sp>
+      <p:sp>
+        <p:nvSpPr>
+          <p:cNvPr id="19" name="직사각형 18">
+            <a:extLst>
+              <a:ext uri="{FF2B5EF4-FFF2-40B4-BE49-F238E27FC236}">
+                <a16:creationId xmlns:a16="http://schemas.microsoft.com/office/drawing/2014/main" id="{62936458-41A1-2149-DD04-98CABD853FFE}"/>
+              </a:ext>
+            </a:extLst>
+          </p:cNvPr>
+          <p:cNvSpPr/>
+          <p:nvPr/>
+        </p:nvSpPr>
+        <p:spPr>
+          <a:xfrm>
+            <a:off x="6519412" y="4010222"/>
+            <a:ext cx="1414732" cy="511624"/>
+          </a:xfrm>
+          <a:prstGeom prst="rect">
+            <a:avLst/>
+          </a:prstGeom>
+          <a:solidFill>
+            <a:srgbClr val="FFFF00"/>
+          </a:solidFill>
+        </p:spPr>
+        <p:style>
+          <a:lnRef idx="2">
+            <a:schemeClr val="accent1">
+              <a:shade val="15000"/>
+            </a:schemeClr>
+          </a:lnRef>
+          <a:fillRef idx="1">
+            <a:schemeClr val="accent1"/>
+          </a:fillRef>
+          <a:effectRef idx="0">
+            <a:schemeClr val="accent1"/>
+          </a:effectRef>
+          <a:fontRef idx="minor">
+            <a:schemeClr val="lt1"/>
+          </a:fontRef>
+        </p:style>
+        <p:txBody>
+          <a:bodyPr rtlCol="0" anchor="ctr"/>
+          <a:lstStyle/>
+          <a:p>
+            <a:pPr algn="ctr"/>
+            <a:r>
+              <a:rPr kumimoji="1" lang="en-US" altLang="ko-Kore-KR" dirty="0">
+                <a:solidFill>
+                  <a:schemeClr val="tx1"/>
+                </a:solidFill>
+                <a:latin typeface="DM Mono" panose="020B0509040201040103" pitchFamily="49" charset="0"/>
+              </a:rPr>
+              <a:t>42</a:t>
+            </a:r>
+            <a:endParaRPr kumimoji="1" lang="ko-Kore-KR" altLang="en-US" dirty="0">
+              <a:solidFill>
+                <a:schemeClr val="tx1"/>
+              </a:solidFill>
+              <a:latin typeface="DM Mono" panose="020B0509040201040103" pitchFamily="49" charset="0"/>
+            </a:endParaRPr>
+          </a:p>
+        </p:txBody>
+      </p:sp>
+      <p:sp>
+        <p:nvSpPr>
+          <p:cNvPr id="20" name="TextBox 19">
+            <a:extLst>
+              <a:ext uri="{FF2B5EF4-FFF2-40B4-BE49-F238E27FC236}">
+                <a16:creationId xmlns:a16="http://schemas.microsoft.com/office/drawing/2014/main" id="{4525D349-B054-47E6-5A53-1FDDB31FE25D}"/>
+              </a:ext>
+            </a:extLst>
+          </p:cNvPr>
+          <p:cNvSpPr txBox="1"/>
+          <p:nvPr/>
+        </p:nvSpPr>
+        <p:spPr>
+          <a:xfrm>
+            <a:off x="5814205" y="4081368"/>
+            <a:ext cx="705208" cy="369332"/>
+          </a:xfrm>
+          <a:prstGeom prst="rect">
+            <a:avLst/>
+          </a:prstGeom>
+          <a:noFill/>
+        </p:spPr>
+        <p:txBody>
+          <a:bodyPr wrap="square">
+            <a:spAutoFit/>
+          </a:bodyPr>
+          <a:lstStyle/>
+          <a:p>
+            <a:pPr algn="r"/>
+            <a:r>
+              <a:rPr lang="en-US" altLang="ko-Kore-KR" dirty="0">
+                <a:latin typeface="DM Mono" panose="020B0509040201040103" pitchFamily="49" charset="0"/>
+              </a:rPr>
+              <a:t>age</a:t>
+            </a:r>
+            <a:endParaRPr lang="ko-Kore-KR" altLang="en-US" dirty="0"/>
+          </a:p>
+        </p:txBody>
+      </p:sp>
+      <p:cxnSp>
+        <p:nvCxnSpPr>
+          <p:cNvPr id="21" name="구부러진 연결선[U] 20">
+            <a:extLst>
+              <a:ext uri="{FF2B5EF4-FFF2-40B4-BE49-F238E27FC236}">
+                <a16:creationId xmlns:a16="http://schemas.microsoft.com/office/drawing/2014/main" id="{8E727A32-51B0-ACB2-512A-1239B9D11AB4}"/>
+              </a:ext>
+            </a:extLst>
+          </p:cNvPr>
+          <p:cNvCxnSpPr>
+            <a:cxnSpLocks/>
+            <a:stCxn id="16" idx="3"/>
+            <a:endCxn id="11" idx="1"/>
+          </p:cNvCxnSpPr>
+          <p:nvPr/>
+        </p:nvCxnSpPr>
+        <p:spPr>
+          <a:xfrm flipV="1">
+            <a:off x="7934144" y="657808"/>
+            <a:ext cx="2170982" cy="3096602"/>
+          </a:xfrm>
+          <a:prstGeom prst="curvedConnector3">
+            <a:avLst>
+              <a:gd name="adj1" fmla="val 50000"/>
+            </a:avLst>
+          </a:prstGeom>
+          <a:ln>
+            <a:tailEnd type="triangle"/>
+          </a:ln>
+        </p:spPr>
+        <p:style>
+          <a:lnRef idx="1">
+            <a:schemeClr val="dk1"/>
+          </a:lnRef>
+          <a:fillRef idx="0">
+            <a:schemeClr val="dk1"/>
+          </a:fillRef>
+          <a:effectRef idx="0">
+            <a:schemeClr val="dk1"/>
+          </a:effectRef>
+          <a:fontRef idx="minor">
+            <a:schemeClr val="tx1"/>
+          </a:fontRef>
+        </p:style>
+      </p:cxnSp>
+    </p:spTree>
+    <p:extLst>
+      <p:ext uri="{BB962C8B-B14F-4D97-AF65-F5344CB8AC3E}">
+        <p14:creationId xmlns:p14="http://schemas.microsoft.com/office/powerpoint/2010/main" val="1472243445"/>
       </p:ext>
     </p:extLst>
   </p:cSld>

--- a/230619.pptx
+++ b/230619.pptx
@@ -5,7 +5,7 @@
     <p:sldMasterId id="2147483648" r:id="rId1"/>
   </p:sldMasterIdLst>
   <p:notesMasterIdLst>
-    <p:notesMasterId r:id="rId15"/>
+    <p:notesMasterId r:id="rId21"/>
   </p:notesMasterIdLst>
   <p:sldIdLst>
     <p:sldId id="256" r:id="rId2"/>
@@ -21,6 +21,12 @@
     <p:sldId id="266" r:id="rId12"/>
     <p:sldId id="267" r:id="rId13"/>
     <p:sldId id="268" r:id="rId14"/>
+    <p:sldId id="269" r:id="rId15"/>
+    <p:sldId id="270" r:id="rId16"/>
+    <p:sldId id="271" r:id="rId17"/>
+    <p:sldId id="272" r:id="rId18"/>
+    <p:sldId id="273" r:id="rId19"/>
+    <p:sldId id="274" r:id="rId20"/>
   </p:sldIdLst>
   <p:sldSz cx="12192000" cy="6858000"/>
   <p:notesSz cx="6858000" cy="9144000"/>
@@ -7252,6 +7258,6840 @@
     <p:extLst>
       <p:ext uri="{BB962C8B-B14F-4D97-AF65-F5344CB8AC3E}">
         <p14:creationId xmlns:p14="http://schemas.microsoft.com/office/powerpoint/2010/main" val="1763504441"/>
+      </p:ext>
+    </p:extLst>
+  </p:cSld>
+  <p:clrMapOvr>
+    <a:masterClrMapping/>
+  </p:clrMapOvr>
+</p:sld>
+</file>
+
+<file path=ppt/slides/slide14.xml><?xml version="1.0" encoding="utf-8"?>
+<p:sld xmlns:a="http://schemas.openxmlformats.org/drawingml/2006/main" xmlns:r="http://schemas.openxmlformats.org/officeDocument/2006/relationships" xmlns:p="http://schemas.openxmlformats.org/presentationml/2006/main">
+  <p:cSld>
+    <p:spTree>
+      <p:nvGrpSpPr>
+        <p:cNvPr id="1" name=""/>
+        <p:cNvGrpSpPr/>
+        <p:nvPr/>
+      </p:nvGrpSpPr>
+      <p:grpSpPr>
+        <a:xfrm>
+          <a:off x="0" y="0"/>
+          <a:ext cx="0" cy="0"/>
+          <a:chOff x="0" y="0"/>
+          <a:chExt cx="0" cy="0"/>
+        </a:xfrm>
+      </p:grpSpPr>
+      <p:sp>
+        <p:nvSpPr>
+          <p:cNvPr id="6" name="직사각형 5">
+            <a:extLst>
+              <a:ext uri="{FF2B5EF4-FFF2-40B4-BE49-F238E27FC236}">
+                <a16:creationId xmlns:a16="http://schemas.microsoft.com/office/drawing/2014/main" id="{87724EDF-D895-CFE9-CF1E-25BA19190DF0}"/>
+              </a:ext>
+            </a:extLst>
+          </p:cNvPr>
+          <p:cNvSpPr/>
+          <p:nvPr/>
+        </p:nvSpPr>
+        <p:spPr>
+          <a:xfrm>
+            <a:off x="6519412" y="1403440"/>
+            <a:ext cx="1414732" cy="511624"/>
+          </a:xfrm>
+          <a:prstGeom prst="rect">
+            <a:avLst/>
+          </a:prstGeom>
+          <a:solidFill>
+            <a:srgbClr val="FFFF00"/>
+          </a:solidFill>
+        </p:spPr>
+        <p:style>
+          <a:lnRef idx="2">
+            <a:schemeClr val="accent1">
+              <a:shade val="15000"/>
+            </a:schemeClr>
+          </a:lnRef>
+          <a:fillRef idx="1">
+            <a:schemeClr val="accent1"/>
+          </a:fillRef>
+          <a:effectRef idx="0">
+            <a:schemeClr val="accent1"/>
+          </a:effectRef>
+          <a:fontRef idx="minor">
+            <a:schemeClr val="lt1"/>
+          </a:fontRef>
+        </p:style>
+        <p:txBody>
+          <a:bodyPr rtlCol="0" anchor="ctr"/>
+          <a:lstStyle/>
+          <a:p>
+            <a:pPr algn="ctr"/>
+            <a:r>
+              <a:rPr kumimoji="1" lang="en-US" altLang="ko-Kore-KR" dirty="0">
+                <a:solidFill>
+                  <a:schemeClr val="tx1"/>
+                </a:solidFill>
+                <a:latin typeface="DM Mono" panose="020B0509040201040103" pitchFamily="49" charset="0"/>
+              </a:rPr>
+              <a:t>0x100</a:t>
+            </a:r>
+            <a:endParaRPr kumimoji="1" lang="ko-Kore-KR" altLang="en-US" dirty="0">
+              <a:solidFill>
+                <a:schemeClr val="tx1"/>
+              </a:solidFill>
+              <a:latin typeface="DM Mono" panose="020B0509040201040103" pitchFamily="49" charset="0"/>
+            </a:endParaRPr>
+          </a:p>
+        </p:txBody>
+      </p:sp>
+      <p:sp>
+        <p:nvSpPr>
+          <p:cNvPr id="7" name="TextBox 6">
+            <a:extLst>
+              <a:ext uri="{FF2B5EF4-FFF2-40B4-BE49-F238E27FC236}">
+                <a16:creationId xmlns:a16="http://schemas.microsoft.com/office/drawing/2014/main" id="{91624FBD-4502-9C03-52A7-824C72B0A3C2}"/>
+              </a:ext>
+            </a:extLst>
+          </p:cNvPr>
+          <p:cNvSpPr txBox="1"/>
+          <p:nvPr/>
+        </p:nvSpPr>
+        <p:spPr>
+          <a:xfrm>
+            <a:off x="5512279" y="1474586"/>
+            <a:ext cx="1007133" cy="369332"/>
+          </a:xfrm>
+          <a:prstGeom prst="rect">
+            <a:avLst/>
+          </a:prstGeom>
+          <a:noFill/>
+        </p:spPr>
+        <p:txBody>
+          <a:bodyPr wrap="square">
+            <a:spAutoFit/>
+          </a:bodyPr>
+          <a:lstStyle/>
+          <a:p>
+            <a:pPr algn="r"/>
+            <a:r>
+              <a:rPr lang="en-US" altLang="ko-Kore-KR" dirty="0">
+                <a:latin typeface="DM Mono" panose="020B0509040201040103" pitchFamily="49" charset="0"/>
+              </a:rPr>
+              <a:t>name</a:t>
+            </a:r>
+            <a:endParaRPr lang="ko-Kore-KR" altLang="en-US" dirty="0"/>
+          </a:p>
+        </p:txBody>
+      </p:sp>
+      <p:sp>
+        <p:nvSpPr>
+          <p:cNvPr id="8" name="TextBox 7">
+            <a:extLst>
+              <a:ext uri="{FF2B5EF4-FFF2-40B4-BE49-F238E27FC236}">
+                <a16:creationId xmlns:a16="http://schemas.microsoft.com/office/drawing/2014/main" id="{4177E8EE-2E4E-A399-02F8-ABCEFDA2332F}"/>
+              </a:ext>
+            </a:extLst>
+          </p:cNvPr>
+          <p:cNvSpPr txBox="1"/>
+          <p:nvPr/>
+        </p:nvSpPr>
+        <p:spPr>
+          <a:xfrm>
+            <a:off x="6642340" y="1034108"/>
+            <a:ext cx="1164566" cy="369332"/>
+          </a:xfrm>
+          <a:prstGeom prst="rect">
+            <a:avLst/>
+          </a:prstGeom>
+          <a:noFill/>
+        </p:spPr>
+        <p:txBody>
+          <a:bodyPr wrap="square">
+            <a:spAutoFit/>
+          </a:bodyPr>
+          <a:lstStyle/>
+          <a:p>
+            <a:pPr algn="ctr"/>
+            <a:r>
+              <a:rPr lang="en-US" altLang="ko-Kore-KR" dirty="0">
+                <a:latin typeface="DM Mono" panose="020B0509040201040103" pitchFamily="49" charset="0"/>
+              </a:rPr>
+              <a:t>user</a:t>
+            </a:r>
+            <a:endParaRPr lang="ko-Kore-KR" altLang="en-US" dirty="0"/>
+          </a:p>
+        </p:txBody>
+      </p:sp>
+      <p:sp>
+        <p:nvSpPr>
+          <p:cNvPr id="9" name="직사각형 8">
+            <a:extLst>
+              <a:ext uri="{FF2B5EF4-FFF2-40B4-BE49-F238E27FC236}">
+                <a16:creationId xmlns:a16="http://schemas.microsoft.com/office/drawing/2014/main" id="{520CC13C-E00D-E517-581E-1F030F14C966}"/>
+              </a:ext>
+            </a:extLst>
+          </p:cNvPr>
+          <p:cNvSpPr/>
+          <p:nvPr/>
+        </p:nvSpPr>
+        <p:spPr>
+          <a:xfrm>
+            <a:off x="6519412" y="1915064"/>
+            <a:ext cx="1414732" cy="511624"/>
+          </a:xfrm>
+          <a:prstGeom prst="rect">
+            <a:avLst/>
+          </a:prstGeom>
+          <a:solidFill>
+            <a:srgbClr val="FFFF00"/>
+          </a:solidFill>
+        </p:spPr>
+        <p:style>
+          <a:lnRef idx="2">
+            <a:schemeClr val="accent1">
+              <a:shade val="15000"/>
+            </a:schemeClr>
+          </a:lnRef>
+          <a:fillRef idx="1">
+            <a:schemeClr val="accent1"/>
+          </a:fillRef>
+          <a:effectRef idx="0">
+            <a:schemeClr val="accent1"/>
+          </a:effectRef>
+          <a:fontRef idx="minor">
+            <a:schemeClr val="lt1"/>
+          </a:fontRef>
+        </p:style>
+        <p:txBody>
+          <a:bodyPr rtlCol="0" anchor="ctr"/>
+          <a:lstStyle/>
+          <a:p>
+            <a:pPr algn="ctr"/>
+            <a:r>
+              <a:rPr kumimoji="1" lang="en-US" altLang="ko-Kore-KR" dirty="0">
+                <a:solidFill>
+                  <a:schemeClr val="tx1"/>
+                </a:solidFill>
+                <a:latin typeface="DM Mono" panose="020B0509040201040103" pitchFamily="49" charset="0"/>
+              </a:rPr>
+              <a:t>42</a:t>
+            </a:r>
+            <a:endParaRPr kumimoji="1" lang="ko-Kore-KR" altLang="en-US" dirty="0">
+              <a:solidFill>
+                <a:schemeClr val="tx1"/>
+              </a:solidFill>
+              <a:latin typeface="DM Mono" panose="020B0509040201040103" pitchFamily="49" charset="0"/>
+            </a:endParaRPr>
+          </a:p>
+        </p:txBody>
+      </p:sp>
+      <p:sp>
+        <p:nvSpPr>
+          <p:cNvPr id="10" name="TextBox 9">
+            <a:extLst>
+              <a:ext uri="{FF2B5EF4-FFF2-40B4-BE49-F238E27FC236}">
+                <a16:creationId xmlns:a16="http://schemas.microsoft.com/office/drawing/2014/main" id="{BD556C66-C174-B6D3-EEED-EAFA6B64151D}"/>
+              </a:ext>
+            </a:extLst>
+          </p:cNvPr>
+          <p:cNvSpPr txBox="1"/>
+          <p:nvPr/>
+        </p:nvSpPr>
+        <p:spPr>
+          <a:xfrm>
+            <a:off x="5814205" y="1986210"/>
+            <a:ext cx="705208" cy="369332"/>
+          </a:xfrm>
+          <a:prstGeom prst="rect">
+            <a:avLst/>
+          </a:prstGeom>
+          <a:noFill/>
+        </p:spPr>
+        <p:txBody>
+          <a:bodyPr wrap="square">
+            <a:spAutoFit/>
+          </a:bodyPr>
+          <a:lstStyle/>
+          <a:p>
+            <a:pPr algn="r"/>
+            <a:r>
+              <a:rPr lang="en-US" altLang="ko-Kore-KR" dirty="0">
+                <a:latin typeface="DM Mono" panose="020B0509040201040103" pitchFamily="49" charset="0"/>
+              </a:rPr>
+              <a:t>age</a:t>
+            </a:r>
+            <a:endParaRPr lang="ko-Kore-KR" altLang="en-US" dirty="0"/>
+          </a:p>
+        </p:txBody>
+      </p:sp>
+      <p:sp>
+        <p:nvSpPr>
+          <p:cNvPr id="11" name="직사각형 10">
+            <a:extLst>
+              <a:ext uri="{FF2B5EF4-FFF2-40B4-BE49-F238E27FC236}">
+                <a16:creationId xmlns:a16="http://schemas.microsoft.com/office/drawing/2014/main" id="{5778D267-A3EA-1BA4-9268-69BFE1380352}"/>
+              </a:ext>
+            </a:extLst>
+          </p:cNvPr>
+          <p:cNvSpPr/>
+          <p:nvPr/>
+        </p:nvSpPr>
+        <p:spPr>
+          <a:xfrm>
+            <a:off x="10105126" y="401996"/>
+            <a:ext cx="1414732" cy="511624"/>
+          </a:xfrm>
+          <a:prstGeom prst="rect">
+            <a:avLst/>
+          </a:prstGeom>
+          <a:solidFill>
+            <a:srgbClr val="FFFF00"/>
+          </a:solidFill>
+        </p:spPr>
+        <p:style>
+          <a:lnRef idx="2">
+            <a:schemeClr val="accent1">
+              <a:shade val="15000"/>
+            </a:schemeClr>
+          </a:lnRef>
+          <a:fillRef idx="1">
+            <a:schemeClr val="accent1"/>
+          </a:fillRef>
+          <a:effectRef idx="0">
+            <a:schemeClr val="accent1"/>
+          </a:effectRef>
+          <a:fontRef idx="minor">
+            <a:schemeClr val="lt1"/>
+          </a:fontRef>
+        </p:style>
+        <p:txBody>
+          <a:bodyPr rtlCol="0" anchor="ctr"/>
+          <a:lstStyle/>
+          <a:p>
+            <a:pPr algn="ctr"/>
+            <a:r>
+              <a:rPr kumimoji="1" lang="en-US" altLang="ko-Kore-KR" dirty="0">
+                <a:solidFill>
+                  <a:schemeClr val="tx1"/>
+                </a:solidFill>
+                <a:latin typeface="DM Mono" panose="020B0509040201040103" pitchFamily="49" charset="0"/>
+              </a:rPr>
+              <a:t>“Tom”</a:t>
+            </a:r>
+            <a:endParaRPr kumimoji="1" lang="ko-Kore-KR" altLang="en-US" dirty="0">
+              <a:solidFill>
+                <a:schemeClr val="tx1"/>
+              </a:solidFill>
+              <a:latin typeface="DM Mono" panose="020B0509040201040103" pitchFamily="49" charset="0"/>
+            </a:endParaRPr>
+          </a:p>
+        </p:txBody>
+      </p:sp>
+      <p:sp>
+        <p:nvSpPr>
+          <p:cNvPr id="12" name="TextBox 11">
+            <a:extLst>
+              <a:ext uri="{FF2B5EF4-FFF2-40B4-BE49-F238E27FC236}">
+                <a16:creationId xmlns:a16="http://schemas.microsoft.com/office/drawing/2014/main" id="{973E0080-5DAE-23F2-3D90-F864567D3C0C}"/>
+              </a:ext>
+            </a:extLst>
+          </p:cNvPr>
+          <p:cNvSpPr txBox="1"/>
+          <p:nvPr/>
+        </p:nvSpPr>
+        <p:spPr>
+          <a:xfrm>
+            <a:off x="9522843" y="32664"/>
+            <a:ext cx="1164566" cy="369332"/>
+          </a:xfrm>
+          <a:prstGeom prst="rect">
+            <a:avLst/>
+          </a:prstGeom>
+          <a:noFill/>
+        </p:spPr>
+        <p:txBody>
+          <a:bodyPr wrap="square">
+            <a:spAutoFit/>
+          </a:bodyPr>
+          <a:lstStyle/>
+          <a:p>
+            <a:pPr algn="ctr"/>
+            <a:r>
+              <a:rPr lang="en-US" altLang="ko-Kore-KR" dirty="0">
+                <a:latin typeface="DM Mono" panose="020B0509040201040103" pitchFamily="49" charset="0"/>
+              </a:rPr>
+              <a:t>0x100</a:t>
+            </a:r>
+            <a:endParaRPr lang="ko-Kore-KR" altLang="en-US" dirty="0"/>
+          </a:p>
+        </p:txBody>
+      </p:sp>
+      <p:cxnSp>
+        <p:nvCxnSpPr>
+          <p:cNvPr id="14" name="구부러진 연결선[U] 13">
+            <a:extLst>
+              <a:ext uri="{FF2B5EF4-FFF2-40B4-BE49-F238E27FC236}">
+                <a16:creationId xmlns:a16="http://schemas.microsoft.com/office/drawing/2014/main" id="{A275FAF9-2C85-DDAD-8348-6287F47B20C0}"/>
+              </a:ext>
+            </a:extLst>
+          </p:cNvPr>
+          <p:cNvCxnSpPr>
+            <a:cxnSpLocks/>
+            <a:stCxn id="6" idx="3"/>
+            <a:endCxn id="11" idx="1"/>
+          </p:cNvCxnSpPr>
+          <p:nvPr/>
+        </p:nvCxnSpPr>
+        <p:spPr>
+          <a:xfrm flipV="1">
+            <a:off x="7934144" y="657808"/>
+            <a:ext cx="2170982" cy="1001444"/>
+          </a:xfrm>
+          <a:prstGeom prst="curvedConnector3">
+            <a:avLst/>
+          </a:prstGeom>
+          <a:ln>
+            <a:tailEnd type="triangle"/>
+          </a:ln>
+        </p:spPr>
+        <p:style>
+          <a:lnRef idx="1">
+            <a:schemeClr val="dk1"/>
+          </a:lnRef>
+          <a:fillRef idx="0">
+            <a:schemeClr val="dk1"/>
+          </a:fillRef>
+          <a:effectRef idx="0">
+            <a:schemeClr val="dk1"/>
+          </a:effectRef>
+          <a:fontRef idx="minor">
+            <a:schemeClr val="tx1"/>
+          </a:fontRef>
+        </p:style>
+      </p:cxnSp>
+      <p:sp>
+        <p:nvSpPr>
+          <p:cNvPr id="18" name="직사각형 17">
+            <a:extLst>
+              <a:ext uri="{FF2B5EF4-FFF2-40B4-BE49-F238E27FC236}">
+                <a16:creationId xmlns:a16="http://schemas.microsoft.com/office/drawing/2014/main" id="{1E185AFF-FECF-6A1A-4FA5-C0B3BEE07D99}"/>
+              </a:ext>
+            </a:extLst>
+          </p:cNvPr>
+          <p:cNvSpPr/>
+          <p:nvPr/>
+        </p:nvSpPr>
+        <p:spPr>
+          <a:xfrm>
+            <a:off x="6519412" y="2426688"/>
+            <a:ext cx="1414732" cy="511624"/>
+          </a:xfrm>
+          <a:prstGeom prst="rect">
+            <a:avLst/>
+          </a:prstGeom>
+          <a:solidFill>
+            <a:srgbClr val="FFFF00"/>
+          </a:solidFill>
+        </p:spPr>
+        <p:style>
+          <a:lnRef idx="2">
+            <a:schemeClr val="accent1">
+              <a:shade val="15000"/>
+            </a:schemeClr>
+          </a:lnRef>
+          <a:fillRef idx="1">
+            <a:schemeClr val="accent1"/>
+          </a:fillRef>
+          <a:effectRef idx="0">
+            <a:schemeClr val="accent1"/>
+          </a:effectRef>
+          <a:fontRef idx="minor">
+            <a:schemeClr val="lt1"/>
+          </a:fontRef>
+        </p:style>
+        <p:txBody>
+          <a:bodyPr rtlCol="0" anchor="ctr"/>
+          <a:lstStyle/>
+          <a:p>
+            <a:pPr algn="ctr"/>
+            <a:endParaRPr kumimoji="1" lang="ko-Kore-KR" altLang="en-US" dirty="0">
+              <a:solidFill>
+                <a:schemeClr val="tx1"/>
+              </a:solidFill>
+              <a:latin typeface="DM Mono" panose="020B0509040201040103" pitchFamily="49" charset="0"/>
+            </a:endParaRPr>
+          </a:p>
+        </p:txBody>
+      </p:sp>
+      <p:sp>
+        <p:nvSpPr>
+          <p:cNvPr id="19" name="TextBox 18">
+            <a:extLst>
+              <a:ext uri="{FF2B5EF4-FFF2-40B4-BE49-F238E27FC236}">
+                <a16:creationId xmlns:a16="http://schemas.microsoft.com/office/drawing/2014/main" id="{F33C301D-7998-0B2D-5295-56F1B6CF919D}"/>
+              </a:ext>
+            </a:extLst>
+          </p:cNvPr>
+          <p:cNvSpPr txBox="1"/>
+          <p:nvPr/>
+        </p:nvSpPr>
+        <p:spPr>
+          <a:xfrm>
+            <a:off x="5814205" y="2497834"/>
+            <a:ext cx="705208" cy="369332"/>
+          </a:xfrm>
+          <a:prstGeom prst="rect">
+            <a:avLst/>
+          </a:prstGeom>
+          <a:noFill/>
+        </p:spPr>
+        <p:txBody>
+          <a:bodyPr wrap="square">
+            <a:spAutoFit/>
+          </a:bodyPr>
+          <a:lstStyle/>
+          <a:p>
+            <a:pPr algn="r"/>
+            <a:r>
+              <a:rPr lang="en-US" altLang="ko-Kore-KR" dirty="0">
+                <a:latin typeface="DM Mono" panose="020B0509040201040103" pitchFamily="49" charset="0"/>
+              </a:rPr>
+              <a:t>ref</a:t>
+            </a:r>
+            <a:endParaRPr lang="ko-Kore-KR" altLang="en-US" dirty="0"/>
+          </a:p>
+        </p:txBody>
+      </p:sp>
+      <p:sp>
+        <p:nvSpPr>
+          <p:cNvPr id="20" name="직사각형 19">
+            <a:extLst>
+              <a:ext uri="{FF2B5EF4-FFF2-40B4-BE49-F238E27FC236}">
+                <a16:creationId xmlns:a16="http://schemas.microsoft.com/office/drawing/2014/main" id="{F76D75CC-FC1B-7961-E52D-41320F8E46FA}"/>
+              </a:ext>
+            </a:extLst>
+          </p:cNvPr>
+          <p:cNvSpPr/>
+          <p:nvPr/>
+        </p:nvSpPr>
+        <p:spPr>
+          <a:xfrm>
+            <a:off x="10326537" y="1588106"/>
+            <a:ext cx="801538" cy="511624"/>
+          </a:xfrm>
+          <a:prstGeom prst="rect">
+            <a:avLst/>
+          </a:prstGeom>
+          <a:solidFill>
+            <a:srgbClr val="FFFF00"/>
+          </a:solidFill>
+        </p:spPr>
+        <p:style>
+          <a:lnRef idx="2">
+            <a:schemeClr val="accent1">
+              <a:shade val="15000"/>
+            </a:schemeClr>
+          </a:lnRef>
+          <a:fillRef idx="1">
+            <a:schemeClr val="accent1"/>
+          </a:fillRef>
+          <a:effectRef idx="0">
+            <a:schemeClr val="accent1"/>
+          </a:effectRef>
+          <a:fontRef idx="minor">
+            <a:schemeClr val="lt1"/>
+          </a:fontRef>
+        </p:style>
+        <p:txBody>
+          <a:bodyPr rtlCol="0" anchor="ctr"/>
+          <a:lstStyle/>
+          <a:p>
+            <a:pPr algn="ctr"/>
+            <a:r>
+              <a:rPr kumimoji="1" lang="en-US" altLang="ko-Kore-KR" dirty="0">
+                <a:solidFill>
+                  <a:schemeClr val="tx1"/>
+                </a:solidFill>
+                <a:latin typeface="DM Mono" panose="020B0509040201040103" pitchFamily="49" charset="0"/>
+              </a:rPr>
+              <a:t>1</a:t>
+            </a:r>
+            <a:endParaRPr kumimoji="1" lang="ko-Kore-KR" altLang="en-US" dirty="0">
+              <a:solidFill>
+                <a:schemeClr val="tx1"/>
+              </a:solidFill>
+              <a:latin typeface="DM Mono" panose="020B0509040201040103" pitchFamily="49" charset="0"/>
+            </a:endParaRPr>
+          </a:p>
+        </p:txBody>
+      </p:sp>
+      <p:cxnSp>
+        <p:nvCxnSpPr>
+          <p:cNvPr id="21" name="구부러진 연결선[U] 20">
+            <a:extLst>
+              <a:ext uri="{FF2B5EF4-FFF2-40B4-BE49-F238E27FC236}">
+                <a16:creationId xmlns:a16="http://schemas.microsoft.com/office/drawing/2014/main" id="{958935D4-6E7B-0262-3215-03C13DBF7979}"/>
+              </a:ext>
+            </a:extLst>
+          </p:cNvPr>
+          <p:cNvCxnSpPr>
+            <a:cxnSpLocks/>
+            <a:stCxn id="18" idx="3"/>
+            <a:endCxn id="20" idx="1"/>
+          </p:cNvCxnSpPr>
+          <p:nvPr/>
+        </p:nvCxnSpPr>
+        <p:spPr>
+          <a:xfrm flipV="1">
+            <a:off x="7934144" y="1843918"/>
+            <a:ext cx="2392393" cy="838582"/>
+          </a:xfrm>
+          <a:prstGeom prst="curvedConnector3">
+            <a:avLst/>
+          </a:prstGeom>
+          <a:ln>
+            <a:tailEnd type="triangle"/>
+          </a:ln>
+        </p:spPr>
+        <p:style>
+          <a:lnRef idx="1">
+            <a:schemeClr val="dk1"/>
+          </a:lnRef>
+          <a:fillRef idx="0">
+            <a:schemeClr val="dk1"/>
+          </a:fillRef>
+          <a:effectRef idx="0">
+            <a:schemeClr val="dk1"/>
+          </a:effectRef>
+          <a:fontRef idx="minor">
+            <a:schemeClr val="tx1"/>
+          </a:fontRef>
+        </p:style>
+      </p:cxnSp>
+      <p:sp>
+        <p:nvSpPr>
+          <p:cNvPr id="25" name="TextBox 24">
+            <a:extLst>
+              <a:ext uri="{FF2B5EF4-FFF2-40B4-BE49-F238E27FC236}">
+                <a16:creationId xmlns:a16="http://schemas.microsoft.com/office/drawing/2014/main" id="{A2FE4426-135C-30FC-B38D-6C78D7431FD7}"/>
+              </a:ext>
+            </a:extLst>
+          </p:cNvPr>
+          <p:cNvSpPr txBox="1"/>
+          <p:nvPr/>
+        </p:nvSpPr>
+        <p:spPr>
+          <a:xfrm>
+            <a:off x="361231" y="374176"/>
+            <a:ext cx="6094562" cy="1815882"/>
+          </a:xfrm>
+          <a:prstGeom prst="rect">
+            <a:avLst/>
+          </a:prstGeom>
+          <a:noFill/>
+        </p:spPr>
+        <p:txBody>
+          <a:bodyPr wrap="square">
+            <a:spAutoFit/>
+          </a:bodyPr>
+          <a:lstStyle/>
+          <a:p>
+            <a:r>
+              <a:rPr lang="ko-Kore-KR" altLang="en-US" sz="1400" dirty="0">
+                <a:latin typeface="DM Mono" panose="020B0509040201040103" pitchFamily="49" charset="0"/>
+              </a:rPr>
+              <a:t> User(const char* s, int n)</a:t>
+            </a:r>
+          </a:p>
+          <a:p>
+            <a:r>
+              <a:rPr lang="ko-Kore-KR" altLang="en-US" sz="1400" dirty="0">
+                <a:latin typeface="DM Mono" panose="020B0509040201040103" pitchFamily="49" charset="0"/>
+              </a:rPr>
+              <a:t>        : age(n)</a:t>
+            </a:r>
+          </a:p>
+          <a:p>
+            <a:r>
+              <a:rPr lang="ko-Kore-KR" altLang="en-US" sz="1400" dirty="0">
+                <a:latin typeface="DM Mono" panose="020B0509040201040103" pitchFamily="49" charset="0"/>
+              </a:rPr>
+              <a:t>    {</a:t>
+            </a:r>
+          </a:p>
+          <a:p>
+            <a:r>
+              <a:rPr lang="ko-Kore-KR" altLang="en-US" sz="1400" dirty="0">
+                <a:latin typeface="DM Mono" panose="020B0509040201040103" pitchFamily="49" charset="0"/>
+              </a:rPr>
+              <a:t>        name = new char[strlen(s) + 1];</a:t>
+            </a:r>
+          </a:p>
+          <a:p>
+            <a:r>
+              <a:rPr lang="ko-Kore-KR" altLang="en-US" sz="1400" dirty="0">
+                <a:latin typeface="DM Mono" panose="020B0509040201040103" pitchFamily="49" charset="0"/>
+              </a:rPr>
+              <a:t>        strcpy(name, s);</a:t>
+            </a:r>
+          </a:p>
+          <a:p>
+            <a:endParaRPr lang="ko-Kore-KR" altLang="en-US" sz="1400" dirty="0">
+              <a:latin typeface="DM Mono" panose="020B0509040201040103" pitchFamily="49" charset="0"/>
+            </a:endParaRPr>
+          </a:p>
+          <a:p>
+            <a:r>
+              <a:rPr lang="ko-Kore-KR" altLang="en-US" sz="1400" dirty="0">
+                <a:solidFill>
+                  <a:srgbClr val="FF0000"/>
+                </a:solidFill>
+                <a:latin typeface="DM Mono" panose="020B0509040201040103" pitchFamily="49" charset="0"/>
+              </a:rPr>
+              <a:t>        ref = new int(1);</a:t>
+            </a:r>
+          </a:p>
+          <a:p>
+            <a:r>
+              <a:rPr lang="ko-Kore-KR" altLang="en-US" sz="1400" dirty="0">
+                <a:latin typeface="DM Mono" panose="020B0509040201040103" pitchFamily="49" charset="0"/>
+              </a:rPr>
+              <a:t>    }</a:t>
+            </a:r>
+          </a:p>
+        </p:txBody>
+      </p:sp>
+    </p:spTree>
+    <p:extLst>
+      <p:ext uri="{BB962C8B-B14F-4D97-AF65-F5344CB8AC3E}">
+        <p14:creationId xmlns:p14="http://schemas.microsoft.com/office/powerpoint/2010/main" val="2670144521"/>
+      </p:ext>
+    </p:extLst>
+  </p:cSld>
+  <p:clrMapOvr>
+    <a:masterClrMapping/>
+  </p:clrMapOvr>
+</p:sld>
+</file>
+
+<file path=ppt/slides/slide15.xml><?xml version="1.0" encoding="utf-8"?>
+<p:sld xmlns:a="http://schemas.openxmlformats.org/drawingml/2006/main" xmlns:r="http://schemas.openxmlformats.org/officeDocument/2006/relationships" xmlns:p="http://schemas.openxmlformats.org/presentationml/2006/main">
+  <p:cSld>
+    <p:spTree>
+      <p:nvGrpSpPr>
+        <p:cNvPr id="1" name=""/>
+        <p:cNvGrpSpPr/>
+        <p:nvPr/>
+      </p:nvGrpSpPr>
+      <p:grpSpPr>
+        <a:xfrm>
+          <a:off x="0" y="0"/>
+          <a:ext cx="0" cy="0"/>
+          <a:chOff x="0" y="0"/>
+          <a:chExt cx="0" cy="0"/>
+        </a:xfrm>
+      </p:grpSpPr>
+      <p:sp>
+        <p:nvSpPr>
+          <p:cNvPr id="6" name="직사각형 5">
+            <a:extLst>
+              <a:ext uri="{FF2B5EF4-FFF2-40B4-BE49-F238E27FC236}">
+                <a16:creationId xmlns:a16="http://schemas.microsoft.com/office/drawing/2014/main" id="{87724EDF-D895-CFE9-CF1E-25BA19190DF0}"/>
+              </a:ext>
+            </a:extLst>
+          </p:cNvPr>
+          <p:cNvSpPr/>
+          <p:nvPr/>
+        </p:nvSpPr>
+        <p:spPr>
+          <a:xfrm>
+            <a:off x="6519412" y="1403440"/>
+            <a:ext cx="1414732" cy="511624"/>
+          </a:xfrm>
+          <a:prstGeom prst="rect">
+            <a:avLst/>
+          </a:prstGeom>
+          <a:solidFill>
+            <a:srgbClr val="FFFF00"/>
+          </a:solidFill>
+        </p:spPr>
+        <p:style>
+          <a:lnRef idx="2">
+            <a:schemeClr val="accent1">
+              <a:shade val="15000"/>
+            </a:schemeClr>
+          </a:lnRef>
+          <a:fillRef idx="1">
+            <a:schemeClr val="accent1"/>
+          </a:fillRef>
+          <a:effectRef idx="0">
+            <a:schemeClr val="accent1"/>
+          </a:effectRef>
+          <a:fontRef idx="minor">
+            <a:schemeClr val="lt1"/>
+          </a:fontRef>
+        </p:style>
+        <p:txBody>
+          <a:bodyPr rtlCol="0" anchor="ctr"/>
+          <a:lstStyle/>
+          <a:p>
+            <a:pPr algn="ctr"/>
+            <a:r>
+              <a:rPr kumimoji="1" lang="en-US" altLang="ko-Kore-KR" dirty="0">
+                <a:solidFill>
+                  <a:schemeClr val="tx1"/>
+                </a:solidFill>
+                <a:latin typeface="DM Mono" panose="020B0509040201040103" pitchFamily="49" charset="0"/>
+              </a:rPr>
+              <a:t>0x100</a:t>
+            </a:r>
+            <a:endParaRPr kumimoji="1" lang="ko-Kore-KR" altLang="en-US" dirty="0">
+              <a:solidFill>
+                <a:schemeClr val="tx1"/>
+              </a:solidFill>
+              <a:latin typeface="DM Mono" panose="020B0509040201040103" pitchFamily="49" charset="0"/>
+            </a:endParaRPr>
+          </a:p>
+        </p:txBody>
+      </p:sp>
+      <p:sp>
+        <p:nvSpPr>
+          <p:cNvPr id="7" name="TextBox 6">
+            <a:extLst>
+              <a:ext uri="{FF2B5EF4-FFF2-40B4-BE49-F238E27FC236}">
+                <a16:creationId xmlns:a16="http://schemas.microsoft.com/office/drawing/2014/main" id="{91624FBD-4502-9C03-52A7-824C72B0A3C2}"/>
+              </a:ext>
+            </a:extLst>
+          </p:cNvPr>
+          <p:cNvSpPr txBox="1"/>
+          <p:nvPr/>
+        </p:nvSpPr>
+        <p:spPr>
+          <a:xfrm>
+            <a:off x="5512279" y="1474586"/>
+            <a:ext cx="1007133" cy="369332"/>
+          </a:xfrm>
+          <a:prstGeom prst="rect">
+            <a:avLst/>
+          </a:prstGeom>
+          <a:noFill/>
+        </p:spPr>
+        <p:txBody>
+          <a:bodyPr wrap="square">
+            <a:spAutoFit/>
+          </a:bodyPr>
+          <a:lstStyle/>
+          <a:p>
+            <a:pPr algn="r"/>
+            <a:r>
+              <a:rPr lang="en-US" altLang="ko-Kore-KR" dirty="0">
+                <a:latin typeface="DM Mono" panose="020B0509040201040103" pitchFamily="49" charset="0"/>
+              </a:rPr>
+              <a:t>name</a:t>
+            </a:r>
+            <a:endParaRPr lang="ko-Kore-KR" altLang="en-US" dirty="0"/>
+          </a:p>
+        </p:txBody>
+      </p:sp>
+      <p:sp>
+        <p:nvSpPr>
+          <p:cNvPr id="8" name="TextBox 7">
+            <a:extLst>
+              <a:ext uri="{FF2B5EF4-FFF2-40B4-BE49-F238E27FC236}">
+                <a16:creationId xmlns:a16="http://schemas.microsoft.com/office/drawing/2014/main" id="{4177E8EE-2E4E-A399-02F8-ABCEFDA2332F}"/>
+              </a:ext>
+            </a:extLst>
+          </p:cNvPr>
+          <p:cNvSpPr txBox="1"/>
+          <p:nvPr/>
+        </p:nvSpPr>
+        <p:spPr>
+          <a:xfrm>
+            <a:off x="6642340" y="1034108"/>
+            <a:ext cx="1164566" cy="369332"/>
+          </a:xfrm>
+          <a:prstGeom prst="rect">
+            <a:avLst/>
+          </a:prstGeom>
+          <a:noFill/>
+        </p:spPr>
+        <p:txBody>
+          <a:bodyPr wrap="square">
+            <a:spAutoFit/>
+          </a:bodyPr>
+          <a:lstStyle/>
+          <a:p>
+            <a:pPr algn="ctr"/>
+            <a:r>
+              <a:rPr lang="en-US" altLang="ko-Kore-KR" dirty="0">
+                <a:latin typeface="DM Mono" panose="020B0509040201040103" pitchFamily="49" charset="0"/>
+              </a:rPr>
+              <a:t>user</a:t>
+            </a:r>
+            <a:endParaRPr lang="ko-Kore-KR" altLang="en-US" dirty="0"/>
+          </a:p>
+        </p:txBody>
+      </p:sp>
+      <p:sp>
+        <p:nvSpPr>
+          <p:cNvPr id="9" name="직사각형 8">
+            <a:extLst>
+              <a:ext uri="{FF2B5EF4-FFF2-40B4-BE49-F238E27FC236}">
+                <a16:creationId xmlns:a16="http://schemas.microsoft.com/office/drawing/2014/main" id="{520CC13C-E00D-E517-581E-1F030F14C966}"/>
+              </a:ext>
+            </a:extLst>
+          </p:cNvPr>
+          <p:cNvSpPr/>
+          <p:nvPr/>
+        </p:nvSpPr>
+        <p:spPr>
+          <a:xfrm>
+            <a:off x="6519412" y="1915064"/>
+            <a:ext cx="1414732" cy="511624"/>
+          </a:xfrm>
+          <a:prstGeom prst="rect">
+            <a:avLst/>
+          </a:prstGeom>
+          <a:solidFill>
+            <a:srgbClr val="FFFF00"/>
+          </a:solidFill>
+        </p:spPr>
+        <p:style>
+          <a:lnRef idx="2">
+            <a:schemeClr val="accent1">
+              <a:shade val="15000"/>
+            </a:schemeClr>
+          </a:lnRef>
+          <a:fillRef idx="1">
+            <a:schemeClr val="accent1"/>
+          </a:fillRef>
+          <a:effectRef idx="0">
+            <a:schemeClr val="accent1"/>
+          </a:effectRef>
+          <a:fontRef idx="minor">
+            <a:schemeClr val="lt1"/>
+          </a:fontRef>
+        </p:style>
+        <p:txBody>
+          <a:bodyPr rtlCol="0" anchor="ctr"/>
+          <a:lstStyle/>
+          <a:p>
+            <a:pPr algn="ctr"/>
+            <a:r>
+              <a:rPr kumimoji="1" lang="en-US" altLang="ko-Kore-KR" dirty="0">
+                <a:solidFill>
+                  <a:schemeClr val="tx1"/>
+                </a:solidFill>
+                <a:latin typeface="DM Mono" panose="020B0509040201040103" pitchFamily="49" charset="0"/>
+              </a:rPr>
+              <a:t>42</a:t>
+            </a:r>
+            <a:endParaRPr kumimoji="1" lang="ko-Kore-KR" altLang="en-US" dirty="0">
+              <a:solidFill>
+                <a:schemeClr val="tx1"/>
+              </a:solidFill>
+              <a:latin typeface="DM Mono" panose="020B0509040201040103" pitchFamily="49" charset="0"/>
+            </a:endParaRPr>
+          </a:p>
+        </p:txBody>
+      </p:sp>
+      <p:sp>
+        <p:nvSpPr>
+          <p:cNvPr id="10" name="TextBox 9">
+            <a:extLst>
+              <a:ext uri="{FF2B5EF4-FFF2-40B4-BE49-F238E27FC236}">
+                <a16:creationId xmlns:a16="http://schemas.microsoft.com/office/drawing/2014/main" id="{BD556C66-C174-B6D3-EEED-EAFA6B64151D}"/>
+              </a:ext>
+            </a:extLst>
+          </p:cNvPr>
+          <p:cNvSpPr txBox="1"/>
+          <p:nvPr/>
+        </p:nvSpPr>
+        <p:spPr>
+          <a:xfrm>
+            <a:off x="5814205" y="1986210"/>
+            <a:ext cx="705208" cy="369332"/>
+          </a:xfrm>
+          <a:prstGeom prst="rect">
+            <a:avLst/>
+          </a:prstGeom>
+          <a:noFill/>
+        </p:spPr>
+        <p:txBody>
+          <a:bodyPr wrap="square">
+            <a:spAutoFit/>
+          </a:bodyPr>
+          <a:lstStyle/>
+          <a:p>
+            <a:pPr algn="r"/>
+            <a:r>
+              <a:rPr lang="en-US" altLang="ko-Kore-KR" dirty="0">
+                <a:latin typeface="DM Mono" panose="020B0509040201040103" pitchFamily="49" charset="0"/>
+              </a:rPr>
+              <a:t>age</a:t>
+            </a:r>
+            <a:endParaRPr lang="ko-Kore-KR" altLang="en-US" dirty="0"/>
+          </a:p>
+        </p:txBody>
+      </p:sp>
+      <p:sp>
+        <p:nvSpPr>
+          <p:cNvPr id="11" name="직사각형 10">
+            <a:extLst>
+              <a:ext uri="{FF2B5EF4-FFF2-40B4-BE49-F238E27FC236}">
+                <a16:creationId xmlns:a16="http://schemas.microsoft.com/office/drawing/2014/main" id="{5778D267-A3EA-1BA4-9268-69BFE1380352}"/>
+              </a:ext>
+            </a:extLst>
+          </p:cNvPr>
+          <p:cNvSpPr/>
+          <p:nvPr/>
+        </p:nvSpPr>
+        <p:spPr>
+          <a:xfrm>
+            <a:off x="10105126" y="401996"/>
+            <a:ext cx="1414732" cy="511624"/>
+          </a:xfrm>
+          <a:prstGeom prst="rect">
+            <a:avLst/>
+          </a:prstGeom>
+          <a:solidFill>
+            <a:srgbClr val="FFFF00"/>
+          </a:solidFill>
+        </p:spPr>
+        <p:style>
+          <a:lnRef idx="2">
+            <a:schemeClr val="accent1">
+              <a:shade val="15000"/>
+            </a:schemeClr>
+          </a:lnRef>
+          <a:fillRef idx="1">
+            <a:schemeClr val="accent1"/>
+          </a:fillRef>
+          <a:effectRef idx="0">
+            <a:schemeClr val="accent1"/>
+          </a:effectRef>
+          <a:fontRef idx="minor">
+            <a:schemeClr val="lt1"/>
+          </a:fontRef>
+        </p:style>
+        <p:txBody>
+          <a:bodyPr rtlCol="0" anchor="ctr"/>
+          <a:lstStyle/>
+          <a:p>
+            <a:pPr algn="ctr"/>
+            <a:r>
+              <a:rPr kumimoji="1" lang="en-US" altLang="ko-Kore-KR" dirty="0">
+                <a:solidFill>
+                  <a:schemeClr val="tx1"/>
+                </a:solidFill>
+                <a:latin typeface="DM Mono" panose="020B0509040201040103" pitchFamily="49" charset="0"/>
+              </a:rPr>
+              <a:t>“Tom”</a:t>
+            </a:r>
+            <a:endParaRPr kumimoji="1" lang="ko-Kore-KR" altLang="en-US" dirty="0">
+              <a:solidFill>
+                <a:schemeClr val="tx1"/>
+              </a:solidFill>
+              <a:latin typeface="DM Mono" panose="020B0509040201040103" pitchFamily="49" charset="0"/>
+            </a:endParaRPr>
+          </a:p>
+        </p:txBody>
+      </p:sp>
+      <p:sp>
+        <p:nvSpPr>
+          <p:cNvPr id="12" name="TextBox 11">
+            <a:extLst>
+              <a:ext uri="{FF2B5EF4-FFF2-40B4-BE49-F238E27FC236}">
+                <a16:creationId xmlns:a16="http://schemas.microsoft.com/office/drawing/2014/main" id="{973E0080-5DAE-23F2-3D90-F864567D3C0C}"/>
+              </a:ext>
+            </a:extLst>
+          </p:cNvPr>
+          <p:cNvSpPr txBox="1"/>
+          <p:nvPr/>
+        </p:nvSpPr>
+        <p:spPr>
+          <a:xfrm>
+            <a:off x="9522843" y="32664"/>
+            <a:ext cx="1164566" cy="369332"/>
+          </a:xfrm>
+          <a:prstGeom prst="rect">
+            <a:avLst/>
+          </a:prstGeom>
+          <a:noFill/>
+        </p:spPr>
+        <p:txBody>
+          <a:bodyPr wrap="square">
+            <a:spAutoFit/>
+          </a:bodyPr>
+          <a:lstStyle/>
+          <a:p>
+            <a:pPr algn="ctr"/>
+            <a:r>
+              <a:rPr lang="en-US" altLang="ko-Kore-KR" dirty="0">
+                <a:latin typeface="DM Mono" panose="020B0509040201040103" pitchFamily="49" charset="0"/>
+              </a:rPr>
+              <a:t>0x100</a:t>
+            </a:r>
+            <a:endParaRPr lang="ko-Kore-KR" altLang="en-US" dirty="0"/>
+          </a:p>
+        </p:txBody>
+      </p:sp>
+      <p:cxnSp>
+        <p:nvCxnSpPr>
+          <p:cNvPr id="14" name="구부러진 연결선[U] 13">
+            <a:extLst>
+              <a:ext uri="{FF2B5EF4-FFF2-40B4-BE49-F238E27FC236}">
+                <a16:creationId xmlns:a16="http://schemas.microsoft.com/office/drawing/2014/main" id="{A275FAF9-2C85-DDAD-8348-6287F47B20C0}"/>
+              </a:ext>
+            </a:extLst>
+          </p:cNvPr>
+          <p:cNvCxnSpPr>
+            <a:cxnSpLocks/>
+            <a:stCxn id="6" idx="3"/>
+            <a:endCxn id="11" idx="1"/>
+          </p:cNvCxnSpPr>
+          <p:nvPr/>
+        </p:nvCxnSpPr>
+        <p:spPr>
+          <a:xfrm flipV="1">
+            <a:off x="7934144" y="657808"/>
+            <a:ext cx="2170982" cy="1001444"/>
+          </a:xfrm>
+          <a:prstGeom prst="curvedConnector3">
+            <a:avLst/>
+          </a:prstGeom>
+          <a:ln>
+            <a:tailEnd type="triangle"/>
+          </a:ln>
+        </p:spPr>
+        <p:style>
+          <a:lnRef idx="1">
+            <a:schemeClr val="dk1"/>
+          </a:lnRef>
+          <a:fillRef idx="0">
+            <a:schemeClr val="dk1"/>
+          </a:fillRef>
+          <a:effectRef idx="0">
+            <a:schemeClr val="dk1"/>
+          </a:effectRef>
+          <a:fontRef idx="minor">
+            <a:schemeClr val="tx1"/>
+          </a:fontRef>
+        </p:style>
+      </p:cxnSp>
+      <p:sp>
+        <p:nvSpPr>
+          <p:cNvPr id="18" name="직사각형 17">
+            <a:extLst>
+              <a:ext uri="{FF2B5EF4-FFF2-40B4-BE49-F238E27FC236}">
+                <a16:creationId xmlns:a16="http://schemas.microsoft.com/office/drawing/2014/main" id="{1E185AFF-FECF-6A1A-4FA5-C0B3BEE07D99}"/>
+              </a:ext>
+            </a:extLst>
+          </p:cNvPr>
+          <p:cNvSpPr/>
+          <p:nvPr/>
+        </p:nvSpPr>
+        <p:spPr>
+          <a:xfrm>
+            <a:off x="6519412" y="2426688"/>
+            <a:ext cx="1414732" cy="511624"/>
+          </a:xfrm>
+          <a:prstGeom prst="rect">
+            <a:avLst/>
+          </a:prstGeom>
+          <a:solidFill>
+            <a:srgbClr val="FFFF00"/>
+          </a:solidFill>
+        </p:spPr>
+        <p:style>
+          <a:lnRef idx="2">
+            <a:schemeClr val="accent1">
+              <a:shade val="15000"/>
+            </a:schemeClr>
+          </a:lnRef>
+          <a:fillRef idx="1">
+            <a:schemeClr val="accent1"/>
+          </a:fillRef>
+          <a:effectRef idx="0">
+            <a:schemeClr val="accent1"/>
+          </a:effectRef>
+          <a:fontRef idx="minor">
+            <a:schemeClr val="lt1"/>
+          </a:fontRef>
+        </p:style>
+        <p:txBody>
+          <a:bodyPr rtlCol="0" anchor="ctr"/>
+          <a:lstStyle/>
+          <a:p>
+            <a:pPr algn="ctr"/>
+            <a:endParaRPr kumimoji="1" lang="ko-Kore-KR" altLang="en-US" dirty="0">
+              <a:solidFill>
+                <a:schemeClr val="tx1"/>
+              </a:solidFill>
+              <a:latin typeface="DM Mono" panose="020B0509040201040103" pitchFamily="49" charset="0"/>
+            </a:endParaRPr>
+          </a:p>
+        </p:txBody>
+      </p:sp>
+      <p:sp>
+        <p:nvSpPr>
+          <p:cNvPr id="19" name="TextBox 18">
+            <a:extLst>
+              <a:ext uri="{FF2B5EF4-FFF2-40B4-BE49-F238E27FC236}">
+                <a16:creationId xmlns:a16="http://schemas.microsoft.com/office/drawing/2014/main" id="{F33C301D-7998-0B2D-5295-56F1B6CF919D}"/>
+              </a:ext>
+            </a:extLst>
+          </p:cNvPr>
+          <p:cNvSpPr txBox="1"/>
+          <p:nvPr/>
+        </p:nvSpPr>
+        <p:spPr>
+          <a:xfrm>
+            <a:off x="5814205" y="2497834"/>
+            <a:ext cx="705208" cy="369332"/>
+          </a:xfrm>
+          <a:prstGeom prst="rect">
+            <a:avLst/>
+          </a:prstGeom>
+          <a:noFill/>
+        </p:spPr>
+        <p:txBody>
+          <a:bodyPr wrap="square">
+            <a:spAutoFit/>
+          </a:bodyPr>
+          <a:lstStyle/>
+          <a:p>
+            <a:pPr algn="r"/>
+            <a:r>
+              <a:rPr lang="en-US" altLang="ko-Kore-KR" dirty="0">
+                <a:latin typeface="DM Mono" panose="020B0509040201040103" pitchFamily="49" charset="0"/>
+              </a:rPr>
+              <a:t>ref</a:t>
+            </a:r>
+            <a:endParaRPr lang="ko-Kore-KR" altLang="en-US" dirty="0"/>
+          </a:p>
+        </p:txBody>
+      </p:sp>
+      <p:sp>
+        <p:nvSpPr>
+          <p:cNvPr id="20" name="직사각형 19">
+            <a:extLst>
+              <a:ext uri="{FF2B5EF4-FFF2-40B4-BE49-F238E27FC236}">
+                <a16:creationId xmlns:a16="http://schemas.microsoft.com/office/drawing/2014/main" id="{F76D75CC-FC1B-7961-E52D-41320F8E46FA}"/>
+              </a:ext>
+            </a:extLst>
+          </p:cNvPr>
+          <p:cNvSpPr/>
+          <p:nvPr/>
+        </p:nvSpPr>
+        <p:spPr>
+          <a:xfrm>
+            <a:off x="10326537" y="1588106"/>
+            <a:ext cx="801538" cy="511624"/>
+          </a:xfrm>
+          <a:prstGeom prst="rect">
+            <a:avLst/>
+          </a:prstGeom>
+          <a:solidFill>
+            <a:srgbClr val="FFFF00"/>
+          </a:solidFill>
+        </p:spPr>
+        <p:style>
+          <a:lnRef idx="2">
+            <a:schemeClr val="accent1">
+              <a:shade val="15000"/>
+            </a:schemeClr>
+          </a:lnRef>
+          <a:fillRef idx="1">
+            <a:schemeClr val="accent1"/>
+          </a:fillRef>
+          <a:effectRef idx="0">
+            <a:schemeClr val="accent1"/>
+          </a:effectRef>
+          <a:fontRef idx="minor">
+            <a:schemeClr val="lt1"/>
+          </a:fontRef>
+        </p:style>
+        <p:txBody>
+          <a:bodyPr rtlCol="0" anchor="ctr"/>
+          <a:lstStyle/>
+          <a:p>
+            <a:pPr algn="ctr"/>
+            <a:r>
+              <a:rPr kumimoji="1" lang="en-US" altLang="ko-Kore-KR" dirty="0">
+                <a:solidFill>
+                  <a:srgbClr val="FF0000"/>
+                </a:solidFill>
+                <a:latin typeface="DM Mono" panose="020B0509040201040103" pitchFamily="49" charset="0"/>
+              </a:rPr>
+              <a:t>2</a:t>
+            </a:r>
+            <a:endParaRPr kumimoji="1" lang="ko-Kore-KR" altLang="en-US" dirty="0">
+              <a:solidFill>
+                <a:srgbClr val="FF0000"/>
+              </a:solidFill>
+              <a:latin typeface="DM Mono" panose="020B0509040201040103" pitchFamily="49" charset="0"/>
+            </a:endParaRPr>
+          </a:p>
+        </p:txBody>
+      </p:sp>
+      <p:cxnSp>
+        <p:nvCxnSpPr>
+          <p:cNvPr id="21" name="구부러진 연결선[U] 20">
+            <a:extLst>
+              <a:ext uri="{FF2B5EF4-FFF2-40B4-BE49-F238E27FC236}">
+                <a16:creationId xmlns:a16="http://schemas.microsoft.com/office/drawing/2014/main" id="{958935D4-6E7B-0262-3215-03C13DBF7979}"/>
+              </a:ext>
+            </a:extLst>
+          </p:cNvPr>
+          <p:cNvCxnSpPr>
+            <a:cxnSpLocks/>
+            <a:stCxn id="18" idx="3"/>
+            <a:endCxn id="20" idx="1"/>
+          </p:cNvCxnSpPr>
+          <p:nvPr/>
+        </p:nvCxnSpPr>
+        <p:spPr>
+          <a:xfrm flipV="1">
+            <a:off x="7934144" y="1843918"/>
+            <a:ext cx="2392393" cy="838582"/>
+          </a:xfrm>
+          <a:prstGeom prst="curvedConnector3">
+            <a:avLst/>
+          </a:prstGeom>
+          <a:ln>
+            <a:tailEnd type="triangle"/>
+          </a:ln>
+        </p:spPr>
+        <p:style>
+          <a:lnRef idx="1">
+            <a:schemeClr val="dk1"/>
+          </a:lnRef>
+          <a:fillRef idx="0">
+            <a:schemeClr val="dk1"/>
+          </a:fillRef>
+          <a:effectRef idx="0">
+            <a:schemeClr val="dk1"/>
+          </a:effectRef>
+          <a:fontRef idx="minor">
+            <a:schemeClr val="tx1"/>
+          </a:fontRef>
+        </p:style>
+      </p:cxnSp>
+      <p:sp>
+        <p:nvSpPr>
+          <p:cNvPr id="2" name="직사각형 1">
+            <a:extLst>
+              <a:ext uri="{FF2B5EF4-FFF2-40B4-BE49-F238E27FC236}">
+                <a16:creationId xmlns:a16="http://schemas.microsoft.com/office/drawing/2014/main" id="{EF8C0CBC-AADB-BCB7-9FD0-9D04BD66981A}"/>
+              </a:ext>
+            </a:extLst>
+          </p:cNvPr>
+          <p:cNvSpPr/>
+          <p:nvPr/>
+        </p:nvSpPr>
+        <p:spPr>
+          <a:xfrm>
+            <a:off x="6519412" y="3364203"/>
+            <a:ext cx="1414732" cy="511624"/>
+          </a:xfrm>
+          <a:prstGeom prst="rect">
+            <a:avLst/>
+          </a:prstGeom>
+          <a:solidFill>
+            <a:srgbClr val="FFFF00"/>
+          </a:solidFill>
+        </p:spPr>
+        <p:style>
+          <a:lnRef idx="2">
+            <a:schemeClr val="accent1">
+              <a:shade val="15000"/>
+            </a:schemeClr>
+          </a:lnRef>
+          <a:fillRef idx="1">
+            <a:schemeClr val="accent1"/>
+          </a:fillRef>
+          <a:effectRef idx="0">
+            <a:schemeClr val="accent1"/>
+          </a:effectRef>
+          <a:fontRef idx="minor">
+            <a:schemeClr val="lt1"/>
+          </a:fontRef>
+        </p:style>
+        <p:txBody>
+          <a:bodyPr rtlCol="0" anchor="ctr"/>
+          <a:lstStyle/>
+          <a:p>
+            <a:pPr algn="ctr"/>
+            <a:r>
+              <a:rPr kumimoji="1" lang="en-US" altLang="ko-Kore-KR" dirty="0">
+                <a:solidFill>
+                  <a:schemeClr val="tx1"/>
+                </a:solidFill>
+                <a:latin typeface="DM Mono" panose="020B0509040201040103" pitchFamily="49" charset="0"/>
+              </a:rPr>
+              <a:t>0x100</a:t>
+            </a:r>
+            <a:endParaRPr kumimoji="1" lang="ko-Kore-KR" altLang="en-US" dirty="0">
+              <a:solidFill>
+                <a:schemeClr val="tx1"/>
+              </a:solidFill>
+              <a:latin typeface="DM Mono" panose="020B0509040201040103" pitchFamily="49" charset="0"/>
+            </a:endParaRPr>
+          </a:p>
+        </p:txBody>
+      </p:sp>
+      <p:sp>
+        <p:nvSpPr>
+          <p:cNvPr id="3" name="TextBox 2">
+            <a:extLst>
+              <a:ext uri="{FF2B5EF4-FFF2-40B4-BE49-F238E27FC236}">
+                <a16:creationId xmlns:a16="http://schemas.microsoft.com/office/drawing/2014/main" id="{D9B4EA37-92D1-8984-4BB2-9D15895CB425}"/>
+              </a:ext>
+            </a:extLst>
+          </p:cNvPr>
+          <p:cNvSpPr txBox="1"/>
+          <p:nvPr/>
+        </p:nvSpPr>
+        <p:spPr>
+          <a:xfrm>
+            <a:off x="5512279" y="3435349"/>
+            <a:ext cx="1007133" cy="369332"/>
+          </a:xfrm>
+          <a:prstGeom prst="rect">
+            <a:avLst/>
+          </a:prstGeom>
+          <a:noFill/>
+        </p:spPr>
+        <p:txBody>
+          <a:bodyPr wrap="square">
+            <a:spAutoFit/>
+          </a:bodyPr>
+          <a:lstStyle/>
+          <a:p>
+            <a:pPr algn="r"/>
+            <a:r>
+              <a:rPr lang="en-US" altLang="ko-Kore-KR" dirty="0">
+                <a:latin typeface="DM Mono" panose="020B0509040201040103" pitchFamily="49" charset="0"/>
+              </a:rPr>
+              <a:t>name</a:t>
+            </a:r>
+            <a:endParaRPr lang="ko-Kore-KR" altLang="en-US" dirty="0"/>
+          </a:p>
+        </p:txBody>
+      </p:sp>
+      <p:sp>
+        <p:nvSpPr>
+          <p:cNvPr id="4" name="TextBox 3">
+            <a:extLst>
+              <a:ext uri="{FF2B5EF4-FFF2-40B4-BE49-F238E27FC236}">
+                <a16:creationId xmlns:a16="http://schemas.microsoft.com/office/drawing/2014/main" id="{AB8DD3C1-6167-C65E-1C7D-D634A5FE1B31}"/>
+              </a:ext>
+            </a:extLst>
+          </p:cNvPr>
+          <p:cNvSpPr txBox="1"/>
+          <p:nvPr/>
+        </p:nvSpPr>
+        <p:spPr>
+          <a:xfrm>
+            <a:off x="6642340" y="2994871"/>
+            <a:ext cx="1164566" cy="369332"/>
+          </a:xfrm>
+          <a:prstGeom prst="rect">
+            <a:avLst/>
+          </a:prstGeom>
+          <a:noFill/>
+        </p:spPr>
+        <p:txBody>
+          <a:bodyPr wrap="square">
+            <a:spAutoFit/>
+          </a:bodyPr>
+          <a:lstStyle/>
+          <a:p>
+            <a:pPr algn="ctr"/>
+            <a:r>
+              <a:rPr lang="en-US" altLang="ko-Kore-KR" dirty="0">
+                <a:latin typeface="DM Mono" panose="020B0509040201040103" pitchFamily="49" charset="0"/>
+              </a:rPr>
+              <a:t>other</a:t>
+            </a:r>
+            <a:endParaRPr lang="ko-Kore-KR" altLang="en-US" dirty="0"/>
+          </a:p>
+        </p:txBody>
+      </p:sp>
+      <p:sp>
+        <p:nvSpPr>
+          <p:cNvPr id="5" name="직사각형 4">
+            <a:extLst>
+              <a:ext uri="{FF2B5EF4-FFF2-40B4-BE49-F238E27FC236}">
+                <a16:creationId xmlns:a16="http://schemas.microsoft.com/office/drawing/2014/main" id="{478F08D9-F56A-5DAE-78D9-0C62AA993B04}"/>
+              </a:ext>
+            </a:extLst>
+          </p:cNvPr>
+          <p:cNvSpPr/>
+          <p:nvPr/>
+        </p:nvSpPr>
+        <p:spPr>
+          <a:xfrm>
+            <a:off x="6519412" y="3875827"/>
+            <a:ext cx="1414732" cy="511624"/>
+          </a:xfrm>
+          <a:prstGeom prst="rect">
+            <a:avLst/>
+          </a:prstGeom>
+          <a:solidFill>
+            <a:srgbClr val="FFFF00"/>
+          </a:solidFill>
+        </p:spPr>
+        <p:style>
+          <a:lnRef idx="2">
+            <a:schemeClr val="accent1">
+              <a:shade val="15000"/>
+            </a:schemeClr>
+          </a:lnRef>
+          <a:fillRef idx="1">
+            <a:schemeClr val="accent1"/>
+          </a:fillRef>
+          <a:effectRef idx="0">
+            <a:schemeClr val="accent1"/>
+          </a:effectRef>
+          <a:fontRef idx="minor">
+            <a:schemeClr val="lt1"/>
+          </a:fontRef>
+        </p:style>
+        <p:txBody>
+          <a:bodyPr rtlCol="0" anchor="ctr"/>
+          <a:lstStyle/>
+          <a:p>
+            <a:pPr algn="ctr"/>
+            <a:r>
+              <a:rPr kumimoji="1" lang="en-US" altLang="ko-Kore-KR" dirty="0">
+                <a:solidFill>
+                  <a:schemeClr val="tx1"/>
+                </a:solidFill>
+                <a:latin typeface="DM Mono" panose="020B0509040201040103" pitchFamily="49" charset="0"/>
+              </a:rPr>
+              <a:t>42</a:t>
+            </a:r>
+            <a:endParaRPr kumimoji="1" lang="ko-Kore-KR" altLang="en-US" dirty="0">
+              <a:solidFill>
+                <a:schemeClr val="tx1"/>
+              </a:solidFill>
+              <a:latin typeface="DM Mono" panose="020B0509040201040103" pitchFamily="49" charset="0"/>
+            </a:endParaRPr>
+          </a:p>
+        </p:txBody>
+      </p:sp>
+      <p:sp>
+        <p:nvSpPr>
+          <p:cNvPr id="13" name="TextBox 12">
+            <a:extLst>
+              <a:ext uri="{FF2B5EF4-FFF2-40B4-BE49-F238E27FC236}">
+                <a16:creationId xmlns:a16="http://schemas.microsoft.com/office/drawing/2014/main" id="{EE09B3DE-90A3-CB75-3A7A-243DE1AB1DDB}"/>
+              </a:ext>
+            </a:extLst>
+          </p:cNvPr>
+          <p:cNvSpPr txBox="1"/>
+          <p:nvPr/>
+        </p:nvSpPr>
+        <p:spPr>
+          <a:xfrm>
+            <a:off x="5814205" y="3946973"/>
+            <a:ext cx="705208" cy="369332"/>
+          </a:xfrm>
+          <a:prstGeom prst="rect">
+            <a:avLst/>
+          </a:prstGeom>
+          <a:noFill/>
+        </p:spPr>
+        <p:txBody>
+          <a:bodyPr wrap="square">
+            <a:spAutoFit/>
+          </a:bodyPr>
+          <a:lstStyle/>
+          <a:p>
+            <a:pPr algn="r"/>
+            <a:r>
+              <a:rPr lang="en-US" altLang="ko-Kore-KR" dirty="0">
+                <a:latin typeface="DM Mono" panose="020B0509040201040103" pitchFamily="49" charset="0"/>
+              </a:rPr>
+              <a:t>age</a:t>
+            </a:r>
+            <a:endParaRPr lang="ko-Kore-KR" altLang="en-US" dirty="0"/>
+          </a:p>
+        </p:txBody>
+      </p:sp>
+      <p:sp>
+        <p:nvSpPr>
+          <p:cNvPr id="15" name="직사각형 14">
+            <a:extLst>
+              <a:ext uri="{FF2B5EF4-FFF2-40B4-BE49-F238E27FC236}">
+                <a16:creationId xmlns:a16="http://schemas.microsoft.com/office/drawing/2014/main" id="{D0741FD0-A317-3F57-7DD0-3429317E018A}"/>
+              </a:ext>
+            </a:extLst>
+          </p:cNvPr>
+          <p:cNvSpPr/>
+          <p:nvPr/>
+        </p:nvSpPr>
+        <p:spPr>
+          <a:xfrm>
+            <a:off x="6519412" y="4387451"/>
+            <a:ext cx="1414732" cy="511624"/>
+          </a:xfrm>
+          <a:prstGeom prst="rect">
+            <a:avLst/>
+          </a:prstGeom>
+          <a:solidFill>
+            <a:srgbClr val="FFFF00"/>
+          </a:solidFill>
+        </p:spPr>
+        <p:style>
+          <a:lnRef idx="2">
+            <a:schemeClr val="accent1">
+              <a:shade val="15000"/>
+            </a:schemeClr>
+          </a:lnRef>
+          <a:fillRef idx="1">
+            <a:schemeClr val="accent1"/>
+          </a:fillRef>
+          <a:effectRef idx="0">
+            <a:schemeClr val="accent1"/>
+          </a:effectRef>
+          <a:fontRef idx="minor">
+            <a:schemeClr val="lt1"/>
+          </a:fontRef>
+        </p:style>
+        <p:txBody>
+          <a:bodyPr rtlCol="0" anchor="ctr"/>
+          <a:lstStyle/>
+          <a:p>
+            <a:pPr algn="ctr"/>
+            <a:endParaRPr kumimoji="1" lang="ko-Kore-KR" altLang="en-US" dirty="0">
+              <a:solidFill>
+                <a:schemeClr val="tx1"/>
+              </a:solidFill>
+              <a:latin typeface="DM Mono" panose="020B0509040201040103" pitchFamily="49" charset="0"/>
+            </a:endParaRPr>
+          </a:p>
+        </p:txBody>
+      </p:sp>
+      <p:sp>
+        <p:nvSpPr>
+          <p:cNvPr id="16" name="TextBox 15">
+            <a:extLst>
+              <a:ext uri="{FF2B5EF4-FFF2-40B4-BE49-F238E27FC236}">
+                <a16:creationId xmlns:a16="http://schemas.microsoft.com/office/drawing/2014/main" id="{87DB63FE-CB9C-D5C6-7BDC-3872060D39EA}"/>
+              </a:ext>
+            </a:extLst>
+          </p:cNvPr>
+          <p:cNvSpPr txBox="1"/>
+          <p:nvPr/>
+        </p:nvSpPr>
+        <p:spPr>
+          <a:xfrm>
+            <a:off x="5814205" y="4458597"/>
+            <a:ext cx="705208" cy="369332"/>
+          </a:xfrm>
+          <a:prstGeom prst="rect">
+            <a:avLst/>
+          </a:prstGeom>
+          <a:noFill/>
+        </p:spPr>
+        <p:txBody>
+          <a:bodyPr wrap="square">
+            <a:spAutoFit/>
+          </a:bodyPr>
+          <a:lstStyle/>
+          <a:p>
+            <a:pPr algn="r"/>
+            <a:r>
+              <a:rPr lang="en-US" altLang="ko-Kore-KR" dirty="0">
+                <a:latin typeface="DM Mono" panose="020B0509040201040103" pitchFamily="49" charset="0"/>
+              </a:rPr>
+              <a:t>ref</a:t>
+            </a:r>
+            <a:endParaRPr lang="ko-Kore-KR" altLang="en-US" dirty="0"/>
+          </a:p>
+        </p:txBody>
+      </p:sp>
+      <p:cxnSp>
+        <p:nvCxnSpPr>
+          <p:cNvPr id="17" name="구부러진 연결선[U] 16">
+            <a:extLst>
+              <a:ext uri="{FF2B5EF4-FFF2-40B4-BE49-F238E27FC236}">
+                <a16:creationId xmlns:a16="http://schemas.microsoft.com/office/drawing/2014/main" id="{6B497635-C3F8-8D16-5748-058BC520FE4E}"/>
+              </a:ext>
+            </a:extLst>
+          </p:cNvPr>
+          <p:cNvCxnSpPr>
+            <a:cxnSpLocks/>
+            <a:stCxn id="2" idx="3"/>
+            <a:endCxn id="11" idx="1"/>
+          </p:cNvCxnSpPr>
+          <p:nvPr/>
+        </p:nvCxnSpPr>
+        <p:spPr>
+          <a:xfrm flipV="1">
+            <a:off x="7934144" y="657808"/>
+            <a:ext cx="2170982" cy="2962207"/>
+          </a:xfrm>
+          <a:prstGeom prst="curvedConnector3">
+            <a:avLst>
+              <a:gd name="adj1" fmla="val 50000"/>
+            </a:avLst>
+          </a:prstGeom>
+          <a:ln>
+            <a:tailEnd type="triangle"/>
+          </a:ln>
+        </p:spPr>
+        <p:style>
+          <a:lnRef idx="1">
+            <a:schemeClr val="dk1"/>
+          </a:lnRef>
+          <a:fillRef idx="0">
+            <a:schemeClr val="dk1"/>
+          </a:fillRef>
+          <a:effectRef idx="0">
+            <a:schemeClr val="dk1"/>
+          </a:effectRef>
+          <a:fontRef idx="minor">
+            <a:schemeClr val="tx1"/>
+          </a:fontRef>
+        </p:style>
+      </p:cxnSp>
+      <p:cxnSp>
+        <p:nvCxnSpPr>
+          <p:cNvPr id="24" name="구부러진 연결선[U] 23">
+            <a:extLst>
+              <a:ext uri="{FF2B5EF4-FFF2-40B4-BE49-F238E27FC236}">
+                <a16:creationId xmlns:a16="http://schemas.microsoft.com/office/drawing/2014/main" id="{A513562E-CC52-E2CF-BD5F-9BDAD1B7898F}"/>
+              </a:ext>
+            </a:extLst>
+          </p:cNvPr>
+          <p:cNvCxnSpPr>
+            <a:cxnSpLocks/>
+            <a:stCxn id="15" idx="3"/>
+            <a:endCxn id="20" idx="1"/>
+          </p:cNvCxnSpPr>
+          <p:nvPr/>
+        </p:nvCxnSpPr>
+        <p:spPr>
+          <a:xfrm flipV="1">
+            <a:off x="7934144" y="1843918"/>
+            <a:ext cx="2392393" cy="2799345"/>
+          </a:xfrm>
+          <a:prstGeom prst="curvedConnector3">
+            <a:avLst>
+              <a:gd name="adj1" fmla="val 50000"/>
+            </a:avLst>
+          </a:prstGeom>
+          <a:ln>
+            <a:tailEnd type="triangle"/>
+          </a:ln>
+        </p:spPr>
+        <p:style>
+          <a:lnRef idx="1">
+            <a:schemeClr val="dk1"/>
+          </a:lnRef>
+          <a:fillRef idx="0">
+            <a:schemeClr val="dk1"/>
+          </a:fillRef>
+          <a:effectRef idx="0">
+            <a:schemeClr val="dk1"/>
+          </a:effectRef>
+          <a:fontRef idx="minor">
+            <a:schemeClr val="tx1"/>
+          </a:fontRef>
+        </p:style>
+      </p:cxnSp>
+      <p:sp>
+        <p:nvSpPr>
+          <p:cNvPr id="28" name="TextBox 27">
+            <a:extLst>
+              <a:ext uri="{FF2B5EF4-FFF2-40B4-BE49-F238E27FC236}">
+                <a16:creationId xmlns:a16="http://schemas.microsoft.com/office/drawing/2014/main" id="{F6E98890-6169-463A-287C-26C85D176799}"/>
+              </a:ext>
+            </a:extLst>
+          </p:cNvPr>
+          <p:cNvSpPr txBox="1"/>
+          <p:nvPr/>
+        </p:nvSpPr>
+        <p:spPr>
+          <a:xfrm>
+            <a:off x="484159" y="659068"/>
+            <a:ext cx="6094562" cy="2031325"/>
+          </a:xfrm>
+          <a:prstGeom prst="rect">
+            <a:avLst/>
+          </a:prstGeom>
+          <a:noFill/>
+        </p:spPr>
+        <p:txBody>
+          <a:bodyPr wrap="square">
+            <a:spAutoFit/>
+          </a:bodyPr>
+          <a:lstStyle/>
+          <a:p>
+            <a:r>
+              <a:rPr lang="ko-Kore-KR" altLang="en-US" dirty="0">
+                <a:latin typeface="DM Mono" panose="020B0509040201040103" pitchFamily="49" charset="0"/>
+              </a:rPr>
+              <a:t> User(const User&amp; rhs)</a:t>
+            </a:r>
+          </a:p>
+          <a:p>
+            <a:r>
+              <a:rPr lang="ko-Kore-KR" altLang="en-US" dirty="0">
+                <a:latin typeface="DM Mono" panose="020B0509040201040103" pitchFamily="49" charset="0"/>
+              </a:rPr>
+              <a:t>        : name(rhs.name)</a:t>
+            </a:r>
+          </a:p>
+          <a:p>
+            <a:r>
+              <a:rPr lang="ko-Kore-KR" altLang="en-US" dirty="0">
+                <a:latin typeface="DM Mono" panose="020B0509040201040103" pitchFamily="49" charset="0"/>
+              </a:rPr>
+              <a:t>        , age(rhs.age)</a:t>
+            </a:r>
+          </a:p>
+          <a:p>
+            <a:r>
+              <a:rPr lang="ko-Kore-KR" altLang="en-US" dirty="0">
+                <a:latin typeface="DM Mono" panose="020B0509040201040103" pitchFamily="49" charset="0"/>
+              </a:rPr>
+              <a:t>        , ref(rhs.ref)</a:t>
+            </a:r>
+          </a:p>
+          <a:p>
+            <a:r>
+              <a:rPr lang="ko-Kore-KR" altLang="en-US" dirty="0">
+                <a:latin typeface="DM Mono" panose="020B0509040201040103" pitchFamily="49" charset="0"/>
+              </a:rPr>
+              <a:t>    {</a:t>
+            </a:r>
+          </a:p>
+          <a:p>
+            <a:r>
+              <a:rPr lang="ko-Kore-KR" altLang="en-US" dirty="0">
+                <a:latin typeface="DM Mono" panose="020B0509040201040103" pitchFamily="49" charset="0"/>
+              </a:rPr>
+              <a:t>        </a:t>
+            </a:r>
+            <a:r>
+              <a:rPr lang="ko-Kore-KR" altLang="en-US" dirty="0">
+                <a:solidFill>
+                  <a:srgbClr val="FF0000"/>
+                </a:solidFill>
+                <a:latin typeface="DM Mono" panose="020B0509040201040103" pitchFamily="49" charset="0"/>
+              </a:rPr>
+              <a:t>++(*ref);</a:t>
+            </a:r>
+          </a:p>
+          <a:p>
+            <a:r>
+              <a:rPr lang="ko-Kore-KR" altLang="en-US" dirty="0">
+                <a:latin typeface="DM Mono" panose="020B0509040201040103" pitchFamily="49" charset="0"/>
+              </a:rPr>
+              <a:t>    }</a:t>
+            </a:r>
+          </a:p>
+        </p:txBody>
+      </p:sp>
+    </p:spTree>
+    <p:extLst>
+      <p:ext uri="{BB962C8B-B14F-4D97-AF65-F5344CB8AC3E}">
+        <p14:creationId xmlns:p14="http://schemas.microsoft.com/office/powerpoint/2010/main" val="433172592"/>
+      </p:ext>
+    </p:extLst>
+  </p:cSld>
+  <p:clrMapOvr>
+    <a:masterClrMapping/>
+  </p:clrMapOvr>
+</p:sld>
+</file>
+
+<file path=ppt/slides/slide16.xml><?xml version="1.0" encoding="utf-8"?>
+<p:sld xmlns:a="http://schemas.openxmlformats.org/drawingml/2006/main" xmlns:r="http://schemas.openxmlformats.org/officeDocument/2006/relationships" xmlns:p="http://schemas.openxmlformats.org/presentationml/2006/main">
+  <p:cSld>
+    <p:spTree>
+      <p:nvGrpSpPr>
+        <p:cNvPr id="1" name=""/>
+        <p:cNvGrpSpPr/>
+        <p:nvPr/>
+      </p:nvGrpSpPr>
+      <p:grpSpPr>
+        <a:xfrm>
+          <a:off x="0" y="0"/>
+          <a:ext cx="0" cy="0"/>
+          <a:chOff x="0" y="0"/>
+          <a:chExt cx="0" cy="0"/>
+        </a:xfrm>
+      </p:grpSpPr>
+      <p:sp>
+        <p:nvSpPr>
+          <p:cNvPr id="6" name="직사각형 5">
+            <a:extLst>
+              <a:ext uri="{FF2B5EF4-FFF2-40B4-BE49-F238E27FC236}">
+                <a16:creationId xmlns:a16="http://schemas.microsoft.com/office/drawing/2014/main" id="{87724EDF-D895-CFE9-CF1E-25BA19190DF0}"/>
+              </a:ext>
+            </a:extLst>
+          </p:cNvPr>
+          <p:cNvSpPr/>
+          <p:nvPr/>
+        </p:nvSpPr>
+        <p:spPr>
+          <a:xfrm>
+            <a:off x="6545292" y="834097"/>
+            <a:ext cx="1414732" cy="511624"/>
+          </a:xfrm>
+          <a:prstGeom prst="rect">
+            <a:avLst/>
+          </a:prstGeom>
+          <a:solidFill>
+            <a:srgbClr val="FFFF00"/>
+          </a:solidFill>
+        </p:spPr>
+        <p:style>
+          <a:lnRef idx="2">
+            <a:schemeClr val="accent1">
+              <a:shade val="15000"/>
+            </a:schemeClr>
+          </a:lnRef>
+          <a:fillRef idx="1">
+            <a:schemeClr val="accent1"/>
+          </a:fillRef>
+          <a:effectRef idx="0">
+            <a:schemeClr val="accent1"/>
+          </a:effectRef>
+          <a:fontRef idx="minor">
+            <a:schemeClr val="lt1"/>
+          </a:fontRef>
+        </p:style>
+        <p:txBody>
+          <a:bodyPr rtlCol="0" anchor="ctr"/>
+          <a:lstStyle/>
+          <a:p>
+            <a:pPr algn="ctr"/>
+            <a:r>
+              <a:rPr kumimoji="1" lang="en-US" altLang="ko-Kore-KR" dirty="0">
+                <a:solidFill>
+                  <a:schemeClr val="tx1"/>
+                </a:solidFill>
+                <a:latin typeface="DM Mono" panose="020B0509040201040103" pitchFamily="49" charset="0"/>
+              </a:rPr>
+              <a:t>0x100</a:t>
+            </a:r>
+            <a:endParaRPr kumimoji="1" lang="ko-Kore-KR" altLang="en-US" dirty="0">
+              <a:solidFill>
+                <a:schemeClr val="tx1"/>
+              </a:solidFill>
+              <a:latin typeface="DM Mono" panose="020B0509040201040103" pitchFamily="49" charset="0"/>
+            </a:endParaRPr>
+          </a:p>
+        </p:txBody>
+      </p:sp>
+      <p:sp>
+        <p:nvSpPr>
+          <p:cNvPr id="7" name="TextBox 6">
+            <a:extLst>
+              <a:ext uri="{FF2B5EF4-FFF2-40B4-BE49-F238E27FC236}">
+                <a16:creationId xmlns:a16="http://schemas.microsoft.com/office/drawing/2014/main" id="{91624FBD-4502-9C03-52A7-824C72B0A3C2}"/>
+              </a:ext>
+            </a:extLst>
+          </p:cNvPr>
+          <p:cNvSpPr txBox="1"/>
+          <p:nvPr/>
+        </p:nvSpPr>
+        <p:spPr>
+          <a:xfrm>
+            <a:off x="5538159" y="905243"/>
+            <a:ext cx="1007133" cy="369332"/>
+          </a:xfrm>
+          <a:prstGeom prst="rect">
+            <a:avLst/>
+          </a:prstGeom>
+          <a:noFill/>
+        </p:spPr>
+        <p:txBody>
+          <a:bodyPr wrap="square">
+            <a:spAutoFit/>
+          </a:bodyPr>
+          <a:lstStyle/>
+          <a:p>
+            <a:pPr algn="r"/>
+            <a:r>
+              <a:rPr lang="en-US" altLang="ko-Kore-KR" dirty="0">
+                <a:latin typeface="DM Mono" panose="020B0509040201040103" pitchFamily="49" charset="0"/>
+              </a:rPr>
+              <a:t>name</a:t>
+            </a:r>
+            <a:endParaRPr lang="ko-Kore-KR" altLang="en-US" dirty="0"/>
+          </a:p>
+        </p:txBody>
+      </p:sp>
+      <p:sp>
+        <p:nvSpPr>
+          <p:cNvPr id="8" name="TextBox 7">
+            <a:extLst>
+              <a:ext uri="{FF2B5EF4-FFF2-40B4-BE49-F238E27FC236}">
+                <a16:creationId xmlns:a16="http://schemas.microsoft.com/office/drawing/2014/main" id="{4177E8EE-2E4E-A399-02F8-ABCEFDA2332F}"/>
+              </a:ext>
+            </a:extLst>
+          </p:cNvPr>
+          <p:cNvSpPr txBox="1"/>
+          <p:nvPr/>
+        </p:nvSpPr>
+        <p:spPr>
+          <a:xfrm>
+            <a:off x="6668220" y="464765"/>
+            <a:ext cx="1164566" cy="369332"/>
+          </a:xfrm>
+          <a:prstGeom prst="rect">
+            <a:avLst/>
+          </a:prstGeom>
+          <a:noFill/>
+        </p:spPr>
+        <p:txBody>
+          <a:bodyPr wrap="square">
+            <a:spAutoFit/>
+          </a:bodyPr>
+          <a:lstStyle/>
+          <a:p>
+            <a:pPr algn="ctr"/>
+            <a:r>
+              <a:rPr lang="en-US" altLang="ko-Kore-KR" dirty="0">
+                <a:latin typeface="DM Mono" panose="020B0509040201040103" pitchFamily="49" charset="0"/>
+              </a:rPr>
+              <a:t>user</a:t>
+            </a:r>
+            <a:endParaRPr lang="ko-Kore-KR" altLang="en-US" dirty="0"/>
+          </a:p>
+        </p:txBody>
+      </p:sp>
+      <p:sp>
+        <p:nvSpPr>
+          <p:cNvPr id="9" name="직사각형 8">
+            <a:extLst>
+              <a:ext uri="{FF2B5EF4-FFF2-40B4-BE49-F238E27FC236}">
+                <a16:creationId xmlns:a16="http://schemas.microsoft.com/office/drawing/2014/main" id="{520CC13C-E00D-E517-581E-1F030F14C966}"/>
+              </a:ext>
+            </a:extLst>
+          </p:cNvPr>
+          <p:cNvSpPr/>
+          <p:nvPr/>
+        </p:nvSpPr>
+        <p:spPr>
+          <a:xfrm>
+            <a:off x="6545292" y="1345721"/>
+            <a:ext cx="1414732" cy="511624"/>
+          </a:xfrm>
+          <a:prstGeom prst="rect">
+            <a:avLst/>
+          </a:prstGeom>
+          <a:solidFill>
+            <a:srgbClr val="FFFF00"/>
+          </a:solidFill>
+        </p:spPr>
+        <p:style>
+          <a:lnRef idx="2">
+            <a:schemeClr val="accent1">
+              <a:shade val="15000"/>
+            </a:schemeClr>
+          </a:lnRef>
+          <a:fillRef idx="1">
+            <a:schemeClr val="accent1"/>
+          </a:fillRef>
+          <a:effectRef idx="0">
+            <a:schemeClr val="accent1"/>
+          </a:effectRef>
+          <a:fontRef idx="minor">
+            <a:schemeClr val="lt1"/>
+          </a:fontRef>
+        </p:style>
+        <p:txBody>
+          <a:bodyPr rtlCol="0" anchor="ctr"/>
+          <a:lstStyle/>
+          <a:p>
+            <a:pPr algn="ctr"/>
+            <a:r>
+              <a:rPr kumimoji="1" lang="en-US" altLang="ko-Kore-KR" dirty="0">
+                <a:solidFill>
+                  <a:schemeClr val="tx1"/>
+                </a:solidFill>
+                <a:latin typeface="DM Mono" panose="020B0509040201040103" pitchFamily="49" charset="0"/>
+              </a:rPr>
+              <a:t>42</a:t>
+            </a:r>
+            <a:endParaRPr kumimoji="1" lang="ko-Kore-KR" altLang="en-US" dirty="0">
+              <a:solidFill>
+                <a:schemeClr val="tx1"/>
+              </a:solidFill>
+              <a:latin typeface="DM Mono" panose="020B0509040201040103" pitchFamily="49" charset="0"/>
+            </a:endParaRPr>
+          </a:p>
+        </p:txBody>
+      </p:sp>
+      <p:sp>
+        <p:nvSpPr>
+          <p:cNvPr id="10" name="TextBox 9">
+            <a:extLst>
+              <a:ext uri="{FF2B5EF4-FFF2-40B4-BE49-F238E27FC236}">
+                <a16:creationId xmlns:a16="http://schemas.microsoft.com/office/drawing/2014/main" id="{BD556C66-C174-B6D3-EEED-EAFA6B64151D}"/>
+              </a:ext>
+            </a:extLst>
+          </p:cNvPr>
+          <p:cNvSpPr txBox="1"/>
+          <p:nvPr/>
+        </p:nvSpPr>
+        <p:spPr>
+          <a:xfrm>
+            <a:off x="5840085" y="1416867"/>
+            <a:ext cx="705208" cy="369332"/>
+          </a:xfrm>
+          <a:prstGeom prst="rect">
+            <a:avLst/>
+          </a:prstGeom>
+          <a:noFill/>
+        </p:spPr>
+        <p:txBody>
+          <a:bodyPr wrap="square">
+            <a:spAutoFit/>
+          </a:bodyPr>
+          <a:lstStyle/>
+          <a:p>
+            <a:pPr algn="r"/>
+            <a:r>
+              <a:rPr lang="en-US" altLang="ko-Kore-KR" dirty="0">
+                <a:latin typeface="DM Mono" panose="020B0509040201040103" pitchFamily="49" charset="0"/>
+              </a:rPr>
+              <a:t>age</a:t>
+            </a:r>
+            <a:endParaRPr lang="ko-Kore-KR" altLang="en-US" dirty="0"/>
+          </a:p>
+        </p:txBody>
+      </p:sp>
+      <p:sp>
+        <p:nvSpPr>
+          <p:cNvPr id="11" name="직사각형 10">
+            <a:extLst>
+              <a:ext uri="{FF2B5EF4-FFF2-40B4-BE49-F238E27FC236}">
+                <a16:creationId xmlns:a16="http://schemas.microsoft.com/office/drawing/2014/main" id="{5778D267-A3EA-1BA4-9268-69BFE1380352}"/>
+              </a:ext>
+            </a:extLst>
+          </p:cNvPr>
+          <p:cNvSpPr/>
+          <p:nvPr/>
+        </p:nvSpPr>
+        <p:spPr>
+          <a:xfrm>
+            <a:off x="10527821" y="1608750"/>
+            <a:ext cx="1414732" cy="511624"/>
+          </a:xfrm>
+          <a:prstGeom prst="rect">
+            <a:avLst/>
+          </a:prstGeom>
+          <a:solidFill>
+            <a:srgbClr val="FFFF00"/>
+          </a:solidFill>
+        </p:spPr>
+        <p:style>
+          <a:lnRef idx="2">
+            <a:schemeClr val="accent1">
+              <a:shade val="15000"/>
+            </a:schemeClr>
+          </a:lnRef>
+          <a:fillRef idx="1">
+            <a:schemeClr val="accent1"/>
+          </a:fillRef>
+          <a:effectRef idx="0">
+            <a:schemeClr val="accent1"/>
+          </a:effectRef>
+          <a:fontRef idx="minor">
+            <a:schemeClr val="lt1"/>
+          </a:fontRef>
+        </p:style>
+        <p:txBody>
+          <a:bodyPr rtlCol="0" anchor="ctr"/>
+          <a:lstStyle/>
+          <a:p>
+            <a:pPr algn="ctr"/>
+            <a:r>
+              <a:rPr kumimoji="1" lang="en-US" altLang="ko-Kore-KR" dirty="0">
+                <a:solidFill>
+                  <a:schemeClr val="tx1"/>
+                </a:solidFill>
+                <a:latin typeface="DM Mono" panose="020B0509040201040103" pitchFamily="49" charset="0"/>
+              </a:rPr>
+              <a:t>“Tom”</a:t>
+            </a:r>
+            <a:endParaRPr kumimoji="1" lang="ko-Kore-KR" altLang="en-US" dirty="0">
+              <a:solidFill>
+                <a:schemeClr val="tx1"/>
+              </a:solidFill>
+              <a:latin typeface="DM Mono" panose="020B0509040201040103" pitchFamily="49" charset="0"/>
+            </a:endParaRPr>
+          </a:p>
+        </p:txBody>
+      </p:sp>
+      <p:sp>
+        <p:nvSpPr>
+          <p:cNvPr id="12" name="TextBox 11">
+            <a:extLst>
+              <a:ext uri="{FF2B5EF4-FFF2-40B4-BE49-F238E27FC236}">
+                <a16:creationId xmlns:a16="http://schemas.microsoft.com/office/drawing/2014/main" id="{973E0080-5DAE-23F2-3D90-F864567D3C0C}"/>
+              </a:ext>
+            </a:extLst>
+          </p:cNvPr>
+          <p:cNvSpPr txBox="1"/>
+          <p:nvPr/>
+        </p:nvSpPr>
+        <p:spPr>
+          <a:xfrm>
+            <a:off x="9945538" y="1239418"/>
+            <a:ext cx="1164566" cy="369332"/>
+          </a:xfrm>
+          <a:prstGeom prst="rect">
+            <a:avLst/>
+          </a:prstGeom>
+          <a:noFill/>
+        </p:spPr>
+        <p:txBody>
+          <a:bodyPr wrap="square">
+            <a:spAutoFit/>
+          </a:bodyPr>
+          <a:lstStyle/>
+          <a:p>
+            <a:pPr algn="ctr"/>
+            <a:r>
+              <a:rPr lang="en-US" altLang="ko-Kore-KR" dirty="0">
+                <a:latin typeface="DM Mono" panose="020B0509040201040103" pitchFamily="49" charset="0"/>
+              </a:rPr>
+              <a:t>0x100</a:t>
+            </a:r>
+            <a:endParaRPr lang="ko-Kore-KR" altLang="en-US" dirty="0"/>
+          </a:p>
+        </p:txBody>
+      </p:sp>
+      <p:cxnSp>
+        <p:nvCxnSpPr>
+          <p:cNvPr id="14" name="구부러진 연결선[U] 13">
+            <a:extLst>
+              <a:ext uri="{FF2B5EF4-FFF2-40B4-BE49-F238E27FC236}">
+                <a16:creationId xmlns:a16="http://schemas.microsoft.com/office/drawing/2014/main" id="{A275FAF9-2C85-DDAD-8348-6287F47B20C0}"/>
+              </a:ext>
+            </a:extLst>
+          </p:cNvPr>
+          <p:cNvCxnSpPr>
+            <a:cxnSpLocks/>
+            <a:stCxn id="6" idx="3"/>
+            <a:endCxn id="11" idx="1"/>
+          </p:cNvCxnSpPr>
+          <p:nvPr/>
+        </p:nvCxnSpPr>
+        <p:spPr>
+          <a:xfrm>
+            <a:off x="7960024" y="1089909"/>
+            <a:ext cx="2567797" cy="774653"/>
+          </a:xfrm>
+          <a:prstGeom prst="curvedConnector3">
+            <a:avLst/>
+          </a:prstGeom>
+          <a:ln>
+            <a:tailEnd type="triangle"/>
+          </a:ln>
+        </p:spPr>
+        <p:style>
+          <a:lnRef idx="1">
+            <a:schemeClr val="dk1"/>
+          </a:lnRef>
+          <a:fillRef idx="0">
+            <a:schemeClr val="dk1"/>
+          </a:fillRef>
+          <a:effectRef idx="0">
+            <a:schemeClr val="dk1"/>
+          </a:effectRef>
+          <a:fontRef idx="minor">
+            <a:schemeClr val="tx1"/>
+          </a:fontRef>
+        </p:style>
+      </p:cxnSp>
+      <p:sp>
+        <p:nvSpPr>
+          <p:cNvPr id="18" name="직사각형 17">
+            <a:extLst>
+              <a:ext uri="{FF2B5EF4-FFF2-40B4-BE49-F238E27FC236}">
+                <a16:creationId xmlns:a16="http://schemas.microsoft.com/office/drawing/2014/main" id="{1E185AFF-FECF-6A1A-4FA5-C0B3BEE07D99}"/>
+              </a:ext>
+            </a:extLst>
+          </p:cNvPr>
+          <p:cNvSpPr/>
+          <p:nvPr/>
+        </p:nvSpPr>
+        <p:spPr>
+          <a:xfrm>
+            <a:off x="6545292" y="1857345"/>
+            <a:ext cx="1414732" cy="511624"/>
+          </a:xfrm>
+          <a:prstGeom prst="rect">
+            <a:avLst/>
+          </a:prstGeom>
+          <a:solidFill>
+            <a:srgbClr val="FFFF00"/>
+          </a:solidFill>
+        </p:spPr>
+        <p:style>
+          <a:lnRef idx="2">
+            <a:schemeClr val="accent1">
+              <a:shade val="15000"/>
+            </a:schemeClr>
+          </a:lnRef>
+          <a:fillRef idx="1">
+            <a:schemeClr val="accent1"/>
+          </a:fillRef>
+          <a:effectRef idx="0">
+            <a:schemeClr val="accent1"/>
+          </a:effectRef>
+          <a:fontRef idx="minor">
+            <a:schemeClr val="lt1"/>
+          </a:fontRef>
+        </p:style>
+        <p:txBody>
+          <a:bodyPr rtlCol="0" anchor="ctr"/>
+          <a:lstStyle/>
+          <a:p>
+            <a:pPr algn="ctr"/>
+            <a:endParaRPr kumimoji="1" lang="ko-Kore-KR" altLang="en-US" dirty="0">
+              <a:solidFill>
+                <a:schemeClr val="tx1"/>
+              </a:solidFill>
+              <a:latin typeface="DM Mono" panose="020B0509040201040103" pitchFamily="49" charset="0"/>
+            </a:endParaRPr>
+          </a:p>
+        </p:txBody>
+      </p:sp>
+      <p:sp>
+        <p:nvSpPr>
+          <p:cNvPr id="19" name="TextBox 18">
+            <a:extLst>
+              <a:ext uri="{FF2B5EF4-FFF2-40B4-BE49-F238E27FC236}">
+                <a16:creationId xmlns:a16="http://schemas.microsoft.com/office/drawing/2014/main" id="{F33C301D-7998-0B2D-5295-56F1B6CF919D}"/>
+              </a:ext>
+            </a:extLst>
+          </p:cNvPr>
+          <p:cNvSpPr txBox="1"/>
+          <p:nvPr/>
+        </p:nvSpPr>
+        <p:spPr>
+          <a:xfrm>
+            <a:off x="5840085" y="1928491"/>
+            <a:ext cx="705208" cy="369332"/>
+          </a:xfrm>
+          <a:prstGeom prst="rect">
+            <a:avLst/>
+          </a:prstGeom>
+          <a:noFill/>
+        </p:spPr>
+        <p:txBody>
+          <a:bodyPr wrap="square">
+            <a:spAutoFit/>
+          </a:bodyPr>
+          <a:lstStyle/>
+          <a:p>
+            <a:pPr algn="r"/>
+            <a:r>
+              <a:rPr lang="en-US" altLang="ko-Kore-KR" dirty="0">
+                <a:latin typeface="DM Mono" panose="020B0509040201040103" pitchFamily="49" charset="0"/>
+              </a:rPr>
+              <a:t>ref</a:t>
+            </a:r>
+            <a:endParaRPr lang="ko-Kore-KR" altLang="en-US" dirty="0"/>
+          </a:p>
+        </p:txBody>
+      </p:sp>
+      <p:sp>
+        <p:nvSpPr>
+          <p:cNvPr id="20" name="직사각형 19">
+            <a:extLst>
+              <a:ext uri="{FF2B5EF4-FFF2-40B4-BE49-F238E27FC236}">
+                <a16:creationId xmlns:a16="http://schemas.microsoft.com/office/drawing/2014/main" id="{F76D75CC-FC1B-7961-E52D-41320F8E46FA}"/>
+              </a:ext>
+            </a:extLst>
+          </p:cNvPr>
+          <p:cNvSpPr/>
+          <p:nvPr/>
+        </p:nvSpPr>
+        <p:spPr>
+          <a:xfrm>
+            <a:off x="10749232" y="2794860"/>
+            <a:ext cx="801538" cy="511624"/>
+          </a:xfrm>
+          <a:prstGeom prst="rect">
+            <a:avLst/>
+          </a:prstGeom>
+          <a:solidFill>
+            <a:srgbClr val="FFFF00"/>
+          </a:solidFill>
+        </p:spPr>
+        <p:style>
+          <a:lnRef idx="2">
+            <a:schemeClr val="accent1">
+              <a:shade val="15000"/>
+            </a:schemeClr>
+          </a:lnRef>
+          <a:fillRef idx="1">
+            <a:schemeClr val="accent1"/>
+          </a:fillRef>
+          <a:effectRef idx="0">
+            <a:schemeClr val="accent1"/>
+          </a:effectRef>
+          <a:fontRef idx="minor">
+            <a:schemeClr val="lt1"/>
+          </a:fontRef>
+        </p:style>
+        <p:txBody>
+          <a:bodyPr rtlCol="0" anchor="ctr"/>
+          <a:lstStyle/>
+          <a:p>
+            <a:pPr algn="ctr"/>
+            <a:r>
+              <a:rPr kumimoji="1" lang="en-US" altLang="ko-Kore-KR" dirty="0">
+                <a:solidFill>
+                  <a:srgbClr val="FF0000"/>
+                </a:solidFill>
+                <a:latin typeface="DM Mono" panose="020B0509040201040103" pitchFamily="49" charset="0"/>
+              </a:rPr>
+              <a:t>3</a:t>
+            </a:r>
+            <a:endParaRPr kumimoji="1" lang="ko-Kore-KR" altLang="en-US" dirty="0">
+              <a:solidFill>
+                <a:srgbClr val="FF0000"/>
+              </a:solidFill>
+              <a:latin typeface="DM Mono" panose="020B0509040201040103" pitchFamily="49" charset="0"/>
+            </a:endParaRPr>
+          </a:p>
+        </p:txBody>
+      </p:sp>
+      <p:cxnSp>
+        <p:nvCxnSpPr>
+          <p:cNvPr id="21" name="구부러진 연결선[U] 20">
+            <a:extLst>
+              <a:ext uri="{FF2B5EF4-FFF2-40B4-BE49-F238E27FC236}">
+                <a16:creationId xmlns:a16="http://schemas.microsoft.com/office/drawing/2014/main" id="{958935D4-6E7B-0262-3215-03C13DBF7979}"/>
+              </a:ext>
+            </a:extLst>
+          </p:cNvPr>
+          <p:cNvCxnSpPr>
+            <a:cxnSpLocks/>
+            <a:stCxn id="18" idx="3"/>
+            <a:endCxn id="20" idx="1"/>
+          </p:cNvCxnSpPr>
+          <p:nvPr/>
+        </p:nvCxnSpPr>
+        <p:spPr>
+          <a:xfrm>
+            <a:off x="7960024" y="2113157"/>
+            <a:ext cx="2789208" cy="937515"/>
+          </a:xfrm>
+          <a:prstGeom prst="curvedConnector3">
+            <a:avLst/>
+          </a:prstGeom>
+          <a:ln>
+            <a:tailEnd type="triangle"/>
+          </a:ln>
+        </p:spPr>
+        <p:style>
+          <a:lnRef idx="1">
+            <a:schemeClr val="dk1"/>
+          </a:lnRef>
+          <a:fillRef idx="0">
+            <a:schemeClr val="dk1"/>
+          </a:fillRef>
+          <a:effectRef idx="0">
+            <a:schemeClr val="dk1"/>
+          </a:effectRef>
+          <a:fontRef idx="minor">
+            <a:schemeClr val="tx1"/>
+          </a:fontRef>
+        </p:style>
+      </p:cxnSp>
+      <p:sp>
+        <p:nvSpPr>
+          <p:cNvPr id="2" name="직사각형 1">
+            <a:extLst>
+              <a:ext uri="{FF2B5EF4-FFF2-40B4-BE49-F238E27FC236}">
+                <a16:creationId xmlns:a16="http://schemas.microsoft.com/office/drawing/2014/main" id="{EF8C0CBC-AADB-BCB7-9FD0-9D04BD66981A}"/>
+              </a:ext>
+            </a:extLst>
+          </p:cNvPr>
+          <p:cNvSpPr/>
+          <p:nvPr/>
+        </p:nvSpPr>
+        <p:spPr>
+          <a:xfrm>
+            <a:off x="6545292" y="2794860"/>
+            <a:ext cx="1414732" cy="511624"/>
+          </a:xfrm>
+          <a:prstGeom prst="rect">
+            <a:avLst/>
+          </a:prstGeom>
+          <a:solidFill>
+            <a:srgbClr val="FFFF00"/>
+          </a:solidFill>
+        </p:spPr>
+        <p:style>
+          <a:lnRef idx="2">
+            <a:schemeClr val="accent1">
+              <a:shade val="15000"/>
+            </a:schemeClr>
+          </a:lnRef>
+          <a:fillRef idx="1">
+            <a:schemeClr val="accent1"/>
+          </a:fillRef>
+          <a:effectRef idx="0">
+            <a:schemeClr val="accent1"/>
+          </a:effectRef>
+          <a:fontRef idx="minor">
+            <a:schemeClr val="lt1"/>
+          </a:fontRef>
+        </p:style>
+        <p:txBody>
+          <a:bodyPr rtlCol="0" anchor="ctr"/>
+          <a:lstStyle/>
+          <a:p>
+            <a:pPr algn="ctr"/>
+            <a:r>
+              <a:rPr kumimoji="1" lang="en-US" altLang="ko-Kore-KR" dirty="0">
+                <a:solidFill>
+                  <a:schemeClr val="tx1"/>
+                </a:solidFill>
+                <a:latin typeface="DM Mono" panose="020B0509040201040103" pitchFamily="49" charset="0"/>
+              </a:rPr>
+              <a:t>0x100</a:t>
+            </a:r>
+            <a:endParaRPr kumimoji="1" lang="ko-Kore-KR" altLang="en-US" dirty="0">
+              <a:solidFill>
+                <a:schemeClr val="tx1"/>
+              </a:solidFill>
+              <a:latin typeface="DM Mono" panose="020B0509040201040103" pitchFamily="49" charset="0"/>
+            </a:endParaRPr>
+          </a:p>
+        </p:txBody>
+      </p:sp>
+      <p:sp>
+        <p:nvSpPr>
+          <p:cNvPr id="3" name="TextBox 2">
+            <a:extLst>
+              <a:ext uri="{FF2B5EF4-FFF2-40B4-BE49-F238E27FC236}">
+                <a16:creationId xmlns:a16="http://schemas.microsoft.com/office/drawing/2014/main" id="{D9B4EA37-92D1-8984-4BB2-9D15895CB425}"/>
+              </a:ext>
+            </a:extLst>
+          </p:cNvPr>
+          <p:cNvSpPr txBox="1"/>
+          <p:nvPr/>
+        </p:nvSpPr>
+        <p:spPr>
+          <a:xfrm>
+            <a:off x="5538159" y="2866006"/>
+            <a:ext cx="1007133" cy="369332"/>
+          </a:xfrm>
+          <a:prstGeom prst="rect">
+            <a:avLst/>
+          </a:prstGeom>
+          <a:noFill/>
+        </p:spPr>
+        <p:txBody>
+          <a:bodyPr wrap="square">
+            <a:spAutoFit/>
+          </a:bodyPr>
+          <a:lstStyle/>
+          <a:p>
+            <a:pPr algn="r"/>
+            <a:r>
+              <a:rPr lang="en-US" altLang="ko-Kore-KR" dirty="0">
+                <a:latin typeface="DM Mono" panose="020B0509040201040103" pitchFamily="49" charset="0"/>
+              </a:rPr>
+              <a:t>name</a:t>
+            </a:r>
+            <a:endParaRPr lang="ko-Kore-KR" altLang="en-US" dirty="0"/>
+          </a:p>
+        </p:txBody>
+      </p:sp>
+      <p:sp>
+        <p:nvSpPr>
+          <p:cNvPr id="4" name="TextBox 3">
+            <a:extLst>
+              <a:ext uri="{FF2B5EF4-FFF2-40B4-BE49-F238E27FC236}">
+                <a16:creationId xmlns:a16="http://schemas.microsoft.com/office/drawing/2014/main" id="{AB8DD3C1-6167-C65E-1C7D-D634A5FE1B31}"/>
+              </a:ext>
+            </a:extLst>
+          </p:cNvPr>
+          <p:cNvSpPr txBox="1"/>
+          <p:nvPr/>
+        </p:nvSpPr>
+        <p:spPr>
+          <a:xfrm>
+            <a:off x="6668220" y="2425528"/>
+            <a:ext cx="1164566" cy="369332"/>
+          </a:xfrm>
+          <a:prstGeom prst="rect">
+            <a:avLst/>
+          </a:prstGeom>
+          <a:noFill/>
+        </p:spPr>
+        <p:txBody>
+          <a:bodyPr wrap="square">
+            <a:spAutoFit/>
+          </a:bodyPr>
+          <a:lstStyle/>
+          <a:p>
+            <a:pPr algn="ctr"/>
+            <a:r>
+              <a:rPr lang="en-US" altLang="ko-Kore-KR" dirty="0">
+                <a:latin typeface="DM Mono" panose="020B0509040201040103" pitchFamily="49" charset="0"/>
+              </a:rPr>
+              <a:t>other</a:t>
+            </a:r>
+            <a:endParaRPr lang="ko-Kore-KR" altLang="en-US" dirty="0"/>
+          </a:p>
+        </p:txBody>
+      </p:sp>
+      <p:sp>
+        <p:nvSpPr>
+          <p:cNvPr id="5" name="직사각형 4">
+            <a:extLst>
+              <a:ext uri="{FF2B5EF4-FFF2-40B4-BE49-F238E27FC236}">
+                <a16:creationId xmlns:a16="http://schemas.microsoft.com/office/drawing/2014/main" id="{478F08D9-F56A-5DAE-78D9-0C62AA993B04}"/>
+              </a:ext>
+            </a:extLst>
+          </p:cNvPr>
+          <p:cNvSpPr/>
+          <p:nvPr/>
+        </p:nvSpPr>
+        <p:spPr>
+          <a:xfrm>
+            <a:off x="6545292" y="3306484"/>
+            <a:ext cx="1414732" cy="511624"/>
+          </a:xfrm>
+          <a:prstGeom prst="rect">
+            <a:avLst/>
+          </a:prstGeom>
+          <a:solidFill>
+            <a:srgbClr val="FFFF00"/>
+          </a:solidFill>
+        </p:spPr>
+        <p:style>
+          <a:lnRef idx="2">
+            <a:schemeClr val="accent1">
+              <a:shade val="15000"/>
+            </a:schemeClr>
+          </a:lnRef>
+          <a:fillRef idx="1">
+            <a:schemeClr val="accent1"/>
+          </a:fillRef>
+          <a:effectRef idx="0">
+            <a:schemeClr val="accent1"/>
+          </a:effectRef>
+          <a:fontRef idx="minor">
+            <a:schemeClr val="lt1"/>
+          </a:fontRef>
+        </p:style>
+        <p:txBody>
+          <a:bodyPr rtlCol="0" anchor="ctr"/>
+          <a:lstStyle/>
+          <a:p>
+            <a:pPr algn="ctr"/>
+            <a:r>
+              <a:rPr kumimoji="1" lang="en-US" altLang="ko-Kore-KR" dirty="0">
+                <a:solidFill>
+                  <a:schemeClr val="tx1"/>
+                </a:solidFill>
+                <a:latin typeface="DM Mono" panose="020B0509040201040103" pitchFamily="49" charset="0"/>
+              </a:rPr>
+              <a:t>42</a:t>
+            </a:r>
+            <a:endParaRPr kumimoji="1" lang="ko-Kore-KR" altLang="en-US" dirty="0">
+              <a:solidFill>
+                <a:schemeClr val="tx1"/>
+              </a:solidFill>
+              <a:latin typeface="DM Mono" panose="020B0509040201040103" pitchFamily="49" charset="0"/>
+            </a:endParaRPr>
+          </a:p>
+        </p:txBody>
+      </p:sp>
+      <p:sp>
+        <p:nvSpPr>
+          <p:cNvPr id="13" name="TextBox 12">
+            <a:extLst>
+              <a:ext uri="{FF2B5EF4-FFF2-40B4-BE49-F238E27FC236}">
+                <a16:creationId xmlns:a16="http://schemas.microsoft.com/office/drawing/2014/main" id="{EE09B3DE-90A3-CB75-3A7A-243DE1AB1DDB}"/>
+              </a:ext>
+            </a:extLst>
+          </p:cNvPr>
+          <p:cNvSpPr txBox="1"/>
+          <p:nvPr/>
+        </p:nvSpPr>
+        <p:spPr>
+          <a:xfrm>
+            <a:off x="5840085" y="3377630"/>
+            <a:ext cx="705208" cy="369332"/>
+          </a:xfrm>
+          <a:prstGeom prst="rect">
+            <a:avLst/>
+          </a:prstGeom>
+          <a:noFill/>
+        </p:spPr>
+        <p:txBody>
+          <a:bodyPr wrap="square">
+            <a:spAutoFit/>
+          </a:bodyPr>
+          <a:lstStyle/>
+          <a:p>
+            <a:pPr algn="r"/>
+            <a:r>
+              <a:rPr lang="en-US" altLang="ko-Kore-KR" dirty="0">
+                <a:latin typeface="DM Mono" panose="020B0509040201040103" pitchFamily="49" charset="0"/>
+              </a:rPr>
+              <a:t>age</a:t>
+            </a:r>
+            <a:endParaRPr lang="ko-Kore-KR" altLang="en-US" dirty="0"/>
+          </a:p>
+        </p:txBody>
+      </p:sp>
+      <p:sp>
+        <p:nvSpPr>
+          <p:cNvPr id="15" name="직사각형 14">
+            <a:extLst>
+              <a:ext uri="{FF2B5EF4-FFF2-40B4-BE49-F238E27FC236}">
+                <a16:creationId xmlns:a16="http://schemas.microsoft.com/office/drawing/2014/main" id="{D0741FD0-A317-3F57-7DD0-3429317E018A}"/>
+              </a:ext>
+            </a:extLst>
+          </p:cNvPr>
+          <p:cNvSpPr/>
+          <p:nvPr/>
+        </p:nvSpPr>
+        <p:spPr>
+          <a:xfrm>
+            <a:off x="6545292" y="3818108"/>
+            <a:ext cx="1414732" cy="511624"/>
+          </a:xfrm>
+          <a:prstGeom prst="rect">
+            <a:avLst/>
+          </a:prstGeom>
+          <a:solidFill>
+            <a:srgbClr val="FFFF00"/>
+          </a:solidFill>
+        </p:spPr>
+        <p:style>
+          <a:lnRef idx="2">
+            <a:schemeClr val="accent1">
+              <a:shade val="15000"/>
+            </a:schemeClr>
+          </a:lnRef>
+          <a:fillRef idx="1">
+            <a:schemeClr val="accent1"/>
+          </a:fillRef>
+          <a:effectRef idx="0">
+            <a:schemeClr val="accent1"/>
+          </a:effectRef>
+          <a:fontRef idx="minor">
+            <a:schemeClr val="lt1"/>
+          </a:fontRef>
+        </p:style>
+        <p:txBody>
+          <a:bodyPr rtlCol="0" anchor="ctr"/>
+          <a:lstStyle/>
+          <a:p>
+            <a:pPr algn="ctr"/>
+            <a:endParaRPr kumimoji="1" lang="ko-Kore-KR" altLang="en-US" dirty="0">
+              <a:solidFill>
+                <a:schemeClr val="tx1"/>
+              </a:solidFill>
+              <a:latin typeface="DM Mono" panose="020B0509040201040103" pitchFamily="49" charset="0"/>
+            </a:endParaRPr>
+          </a:p>
+        </p:txBody>
+      </p:sp>
+      <p:sp>
+        <p:nvSpPr>
+          <p:cNvPr id="16" name="TextBox 15">
+            <a:extLst>
+              <a:ext uri="{FF2B5EF4-FFF2-40B4-BE49-F238E27FC236}">
+                <a16:creationId xmlns:a16="http://schemas.microsoft.com/office/drawing/2014/main" id="{87DB63FE-CB9C-D5C6-7BDC-3872060D39EA}"/>
+              </a:ext>
+            </a:extLst>
+          </p:cNvPr>
+          <p:cNvSpPr txBox="1"/>
+          <p:nvPr/>
+        </p:nvSpPr>
+        <p:spPr>
+          <a:xfrm>
+            <a:off x="5840085" y="3889254"/>
+            <a:ext cx="705208" cy="369332"/>
+          </a:xfrm>
+          <a:prstGeom prst="rect">
+            <a:avLst/>
+          </a:prstGeom>
+          <a:noFill/>
+        </p:spPr>
+        <p:txBody>
+          <a:bodyPr wrap="square">
+            <a:spAutoFit/>
+          </a:bodyPr>
+          <a:lstStyle/>
+          <a:p>
+            <a:pPr algn="r"/>
+            <a:r>
+              <a:rPr lang="en-US" altLang="ko-Kore-KR" dirty="0">
+                <a:latin typeface="DM Mono" panose="020B0509040201040103" pitchFamily="49" charset="0"/>
+              </a:rPr>
+              <a:t>ref</a:t>
+            </a:r>
+            <a:endParaRPr lang="ko-Kore-KR" altLang="en-US" dirty="0"/>
+          </a:p>
+        </p:txBody>
+      </p:sp>
+      <p:cxnSp>
+        <p:nvCxnSpPr>
+          <p:cNvPr id="17" name="구부러진 연결선[U] 16">
+            <a:extLst>
+              <a:ext uri="{FF2B5EF4-FFF2-40B4-BE49-F238E27FC236}">
+                <a16:creationId xmlns:a16="http://schemas.microsoft.com/office/drawing/2014/main" id="{6B497635-C3F8-8D16-5748-058BC520FE4E}"/>
+              </a:ext>
+            </a:extLst>
+          </p:cNvPr>
+          <p:cNvCxnSpPr>
+            <a:cxnSpLocks/>
+            <a:stCxn id="2" idx="3"/>
+            <a:endCxn id="11" idx="1"/>
+          </p:cNvCxnSpPr>
+          <p:nvPr/>
+        </p:nvCxnSpPr>
+        <p:spPr>
+          <a:xfrm flipV="1">
+            <a:off x="7960024" y="1864562"/>
+            <a:ext cx="2567797" cy="1186110"/>
+          </a:xfrm>
+          <a:prstGeom prst="curvedConnector3">
+            <a:avLst>
+              <a:gd name="adj1" fmla="val 50000"/>
+            </a:avLst>
+          </a:prstGeom>
+          <a:ln>
+            <a:tailEnd type="triangle"/>
+          </a:ln>
+        </p:spPr>
+        <p:style>
+          <a:lnRef idx="1">
+            <a:schemeClr val="dk1"/>
+          </a:lnRef>
+          <a:fillRef idx="0">
+            <a:schemeClr val="dk1"/>
+          </a:fillRef>
+          <a:effectRef idx="0">
+            <a:schemeClr val="dk1"/>
+          </a:effectRef>
+          <a:fontRef idx="minor">
+            <a:schemeClr val="tx1"/>
+          </a:fontRef>
+        </p:style>
+      </p:cxnSp>
+      <p:cxnSp>
+        <p:nvCxnSpPr>
+          <p:cNvPr id="24" name="구부러진 연결선[U] 23">
+            <a:extLst>
+              <a:ext uri="{FF2B5EF4-FFF2-40B4-BE49-F238E27FC236}">
+                <a16:creationId xmlns:a16="http://schemas.microsoft.com/office/drawing/2014/main" id="{A513562E-CC52-E2CF-BD5F-9BDAD1B7898F}"/>
+              </a:ext>
+            </a:extLst>
+          </p:cNvPr>
+          <p:cNvCxnSpPr>
+            <a:cxnSpLocks/>
+            <a:stCxn id="15" idx="3"/>
+            <a:endCxn id="20" idx="1"/>
+          </p:cNvCxnSpPr>
+          <p:nvPr/>
+        </p:nvCxnSpPr>
+        <p:spPr>
+          <a:xfrm flipV="1">
+            <a:off x="7960024" y="3050672"/>
+            <a:ext cx="2789208" cy="1023248"/>
+          </a:xfrm>
+          <a:prstGeom prst="curvedConnector3">
+            <a:avLst>
+              <a:gd name="adj1" fmla="val 50000"/>
+            </a:avLst>
+          </a:prstGeom>
+          <a:ln>
+            <a:tailEnd type="triangle"/>
+          </a:ln>
+        </p:spPr>
+        <p:style>
+          <a:lnRef idx="1">
+            <a:schemeClr val="dk1"/>
+          </a:lnRef>
+          <a:fillRef idx="0">
+            <a:schemeClr val="dk1"/>
+          </a:fillRef>
+          <a:effectRef idx="0">
+            <a:schemeClr val="dk1"/>
+          </a:effectRef>
+          <a:fontRef idx="minor">
+            <a:schemeClr val="tx1"/>
+          </a:fontRef>
+        </p:style>
+      </p:cxnSp>
+      <p:sp>
+        <p:nvSpPr>
+          <p:cNvPr id="22" name="직사각형 21">
+            <a:extLst>
+              <a:ext uri="{FF2B5EF4-FFF2-40B4-BE49-F238E27FC236}">
+                <a16:creationId xmlns:a16="http://schemas.microsoft.com/office/drawing/2014/main" id="{BDF1A24B-8C83-E8B8-0618-76E0A9F23305}"/>
+              </a:ext>
+            </a:extLst>
+          </p:cNvPr>
+          <p:cNvSpPr/>
+          <p:nvPr/>
+        </p:nvSpPr>
+        <p:spPr>
+          <a:xfrm>
+            <a:off x="6545292" y="4702361"/>
+            <a:ext cx="1414732" cy="511624"/>
+          </a:xfrm>
+          <a:prstGeom prst="rect">
+            <a:avLst/>
+          </a:prstGeom>
+          <a:solidFill>
+            <a:srgbClr val="FFFF00"/>
+          </a:solidFill>
+        </p:spPr>
+        <p:style>
+          <a:lnRef idx="2">
+            <a:schemeClr val="accent1">
+              <a:shade val="15000"/>
+            </a:schemeClr>
+          </a:lnRef>
+          <a:fillRef idx="1">
+            <a:schemeClr val="accent1"/>
+          </a:fillRef>
+          <a:effectRef idx="0">
+            <a:schemeClr val="accent1"/>
+          </a:effectRef>
+          <a:fontRef idx="minor">
+            <a:schemeClr val="lt1"/>
+          </a:fontRef>
+        </p:style>
+        <p:txBody>
+          <a:bodyPr rtlCol="0" anchor="ctr"/>
+          <a:lstStyle/>
+          <a:p>
+            <a:pPr algn="ctr"/>
+            <a:r>
+              <a:rPr kumimoji="1" lang="en-US" altLang="ko-Kore-KR" dirty="0">
+                <a:solidFill>
+                  <a:schemeClr val="tx1"/>
+                </a:solidFill>
+                <a:latin typeface="DM Mono" panose="020B0509040201040103" pitchFamily="49" charset="0"/>
+              </a:rPr>
+              <a:t>0x100</a:t>
+            </a:r>
+            <a:endParaRPr kumimoji="1" lang="ko-Kore-KR" altLang="en-US" dirty="0">
+              <a:solidFill>
+                <a:schemeClr val="tx1"/>
+              </a:solidFill>
+              <a:latin typeface="DM Mono" panose="020B0509040201040103" pitchFamily="49" charset="0"/>
+            </a:endParaRPr>
+          </a:p>
+        </p:txBody>
+      </p:sp>
+      <p:sp>
+        <p:nvSpPr>
+          <p:cNvPr id="23" name="TextBox 22">
+            <a:extLst>
+              <a:ext uri="{FF2B5EF4-FFF2-40B4-BE49-F238E27FC236}">
+                <a16:creationId xmlns:a16="http://schemas.microsoft.com/office/drawing/2014/main" id="{445F18DD-3FBD-6078-EB93-3046D0D346B8}"/>
+              </a:ext>
+            </a:extLst>
+          </p:cNvPr>
+          <p:cNvSpPr txBox="1"/>
+          <p:nvPr/>
+        </p:nvSpPr>
+        <p:spPr>
+          <a:xfrm>
+            <a:off x="6668220" y="4333029"/>
+            <a:ext cx="1164566" cy="369332"/>
+          </a:xfrm>
+          <a:prstGeom prst="rect">
+            <a:avLst/>
+          </a:prstGeom>
+          <a:noFill/>
+        </p:spPr>
+        <p:txBody>
+          <a:bodyPr wrap="square">
+            <a:spAutoFit/>
+          </a:bodyPr>
+          <a:lstStyle/>
+          <a:p>
+            <a:pPr algn="ctr"/>
+            <a:r>
+              <a:rPr lang="en-US" altLang="ko-Kore-KR" dirty="0">
+                <a:latin typeface="DM Mono" panose="020B0509040201040103" pitchFamily="49" charset="0"/>
+              </a:rPr>
+              <a:t>other2</a:t>
+            </a:r>
+            <a:endParaRPr lang="ko-Kore-KR" altLang="en-US" dirty="0"/>
+          </a:p>
+        </p:txBody>
+      </p:sp>
+      <p:sp>
+        <p:nvSpPr>
+          <p:cNvPr id="25" name="직사각형 24">
+            <a:extLst>
+              <a:ext uri="{FF2B5EF4-FFF2-40B4-BE49-F238E27FC236}">
+                <a16:creationId xmlns:a16="http://schemas.microsoft.com/office/drawing/2014/main" id="{0CDDAFDA-4D4B-A61C-B269-84A02BBFAACE}"/>
+              </a:ext>
+            </a:extLst>
+          </p:cNvPr>
+          <p:cNvSpPr/>
+          <p:nvPr/>
+        </p:nvSpPr>
+        <p:spPr>
+          <a:xfrm>
+            <a:off x="6545292" y="5213985"/>
+            <a:ext cx="1414732" cy="511624"/>
+          </a:xfrm>
+          <a:prstGeom prst="rect">
+            <a:avLst/>
+          </a:prstGeom>
+          <a:solidFill>
+            <a:srgbClr val="FFFF00"/>
+          </a:solidFill>
+        </p:spPr>
+        <p:style>
+          <a:lnRef idx="2">
+            <a:schemeClr val="accent1">
+              <a:shade val="15000"/>
+            </a:schemeClr>
+          </a:lnRef>
+          <a:fillRef idx="1">
+            <a:schemeClr val="accent1"/>
+          </a:fillRef>
+          <a:effectRef idx="0">
+            <a:schemeClr val="accent1"/>
+          </a:effectRef>
+          <a:fontRef idx="minor">
+            <a:schemeClr val="lt1"/>
+          </a:fontRef>
+        </p:style>
+        <p:txBody>
+          <a:bodyPr rtlCol="0" anchor="ctr"/>
+          <a:lstStyle/>
+          <a:p>
+            <a:pPr algn="ctr"/>
+            <a:r>
+              <a:rPr kumimoji="1" lang="en-US" altLang="ko-Kore-KR" dirty="0">
+                <a:solidFill>
+                  <a:schemeClr val="tx1"/>
+                </a:solidFill>
+                <a:latin typeface="DM Mono" panose="020B0509040201040103" pitchFamily="49" charset="0"/>
+              </a:rPr>
+              <a:t>42</a:t>
+            </a:r>
+            <a:endParaRPr kumimoji="1" lang="ko-Kore-KR" altLang="en-US" dirty="0">
+              <a:solidFill>
+                <a:schemeClr val="tx1"/>
+              </a:solidFill>
+              <a:latin typeface="DM Mono" panose="020B0509040201040103" pitchFamily="49" charset="0"/>
+            </a:endParaRPr>
+          </a:p>
+        </p:txBody>
+      </p:sp>
+      <p:sp>
+        <p:nvSpPr>
+          <p:cNvPr id="26" name="TextBox 25">
+            <a:extLst>
+              <a:ext uri="{FF2B5EF4-FFF2-40B4-BE49-F238E27FC236}">
+                <a16:creationId xmlns:a16="http://schemas.microsoft.com/office/drawing/2014/main" id="{D6AA4B2C-79F4-A3E9-ED99-6B1966D952E9}"/>
+              </a:ext>
+            </a:extLst>
+          </p:cNvPr>
+          <p:cNvSpPr txBox="1"/>
+          <p:nvPr/>
+        </p:nvSpPr>
+        <p:spPr>
+          <a:xfrm>
+            <a:off x="5840085" y="5285131"/>
+            <a:ext cx="705208" cy="369332"/>
+          </a:xfrm>
+          <a:prstGeom prst="rect">
+            <a:avLst/>
+          </a:prstGeom>
+          <a:noFill/>
+        </p:spPr>
+        <p:txBody>
+          <a:bodyPr wrap="square">
+            <a:spAutoFit/>
+          </a:bodyPr>
+          <a:lstStyle/>
+          <a:p>
+            <a:pPr algn="r"/>
+            <a:r>
+              <a:rPr lang="en-US" altLang="ko-Kore-KR" dirty="0">
+                <a:latin typeface="DM Mono" panose="020B0509040201040103" pitchFamily="49" charset="0"/>
+              </a:rPr>
+              <a:t>age</a:t>
+            </a:r>
+            <a:endParaRPr lang="ko-Kore-KR" altLang="en-US" dirty="0"/>
+          </a:p>
+        </p:txBody>
+      </p:sp>
+      <p:sp>
+        <p:nvSpPr>
+          <p:cNvPr id="27" name="직사각형 26">
+            <a:extLst>
+              <a:ext uri="{FF2B5EF4-FFF2-40B4-BE49-F238E27FC236}">
+                <a16:creationId xmlns:a16="http://schemas.microsoft.com/office/drawing/2014/main" id="{79B3F5DD-4E5D-94D9-AD5D-491F2FD349C3}"/>
+              </a:ext>
+            </a:extLst>
+          </p:cNvPr>
+          <p:cNvSpPr/>
+          <p:nvPr/>
+        </p:nvSpPr>
+        <p:spPr>
+          <a:xfrm>
+            <a:off x="6545292" y="5725609"/>
+            <a:ext cx="1414732" cy="511624"/>
+          </a:xfrm>
+          <a:prstGeom prst="rect">
+            <a:avLst/>
+          </a:prstGeom>
+          <a:solidFill>
+            <a:srgbClr val="FFFF00"/>
+          </a:solidFill>
+        </p:spPr>
+        <p:style>
+          <a:lnRef idx="2">
+            <a:schemeClr val="accent1">
+              <a:shade val="15000"/>
+            </a:schemeClr>
+          </a:lnRef>
+          <a:fillRef idx="1">
+            <a:schemeClr val="accent1"/>
+          </a:fillRef>
+          <a:effectRef idx="0">
+            <a:schemeClr val="accent1"/>
+          </a:effectRef>
+          <a:fontRef idx="minor">
+            <a:schemeClr val="lt1"/>
+          </a:fontRef>
+        </p:style>
+        <p:txBody>
+          <a:bodyPr rtlCol="0" anchor="ctr"/>
+          <a:lstStyle/>
+          <a:p>
+            <a:pPr algn="ctr"/>
+            <a:endParaRPr kumimoji="1" lang="ko-Kore-KR" altLang="en-US" dirty="0">
+              <a:solidFill>
+                <a:schemeClr val="tx1"/>
+              </a:solidFill>
+              <a:latin typeface="DM Mono" panose="020B0509040201040103" pitchFamily="49" charset="0"/>
+            </a:endParaRPr>
+          </a:p>
+        </p:txBody>
+      </p:sp>
+      <p:sp>
+        <p:nvSpPr>
+          <p:cNvPr id="28" name="TextBox 27">
+            <a:extLst>
+              <a:ext uri="{FF2B5EF4-FFF2-40B4-BE49-F238E27FC236}">
+                <a16:creationId xmlns:a16="http://schemas.microsoft.com/office/drawing/2014/main" id="{F312AD2B-8EE1-09F8-B4A5-B539CEE4D554}"/>
+              </a:ext>
+            </a:extLst>
+          </p:cNvPr>
+          <p:cNvSpPr txBox="1"/>
+          <p:nvPr/>
+        </p:nvSpPr>
+        <p:spPr>
+          <a:xfrm>
+            <a:off x="5840085" y="5796755"/>
+            <a:ext cx="705208" cy="369332"/>
+          </a:xfrm>
+          <a:prstGeom prst="rect">
+            <a:avLst/>
+          </a:prstGeom>
+          <a:noFill/>
+        </p:spPr>
+        <p:txBody>
+          <a:bodyPr wrap="square">
+            <a:spAutoFit/>
+          </a:bodyPr>
+          <a:lstStyle/>
+          <a:p>
+            <a:pPr algn="r"/>
+            <a:r>
+              <a:rPr lang="en-US" altLang="ko-Kore-KR" dirty="0">
+                <a:latin typeface="DM Mono" panose="020B0509040201040103" pitchFamily="49" charset="0"/>
+              </a:rPr>
+              <a:t>ref</a:t>
+            </a:r>
+            <a:endParaRPr lang="ko-Kore-KR" altLang="en-US" dirty="0"/>
+          </a:p>
+        </p:txBody>
+      </p:sp>
+      <p:cxnSp>
+        <p:nvCxnSpPr>
+          <p:cNvPr id="29" name="구부러진 연결선[U] 28">
+            <a:extLst>
+              <a:ext uri="{FF2B5EF4-FFF2-40B4-BE49-F238E27FC236}">
+                <a16:creationId xmlns:a16="http://schemas.microsoft.com/office/drawing/2014/main" id="{E106ECF8-0FC5-BF58-C89A-1E3BEE2BDAA4}"/>
+              </a:ext>
+            </a:extLst>
+          </p:cNvPr>
+          <p:cNvCxnSpPr>
+            <a:cxnSpLocks/>
+            <a:stCxn id="22" idx="3"/>
+            <a:endCxn id="11" idx="1"/>
+          </p:cNvCxnSpPr>
+          <p:nvPr/>
+        </p:nvCxnSpPr>
+        <p:spPr>
+          <a:xfrm flipV="1">
+            <a:off x="7960024" y="1864562"/>
+            <a:ext cx="2567797" cy="3093611"/>
+          </a:xfrm>
+          <a:prstGeom prst="curvedConnector3">
+            <a:avLst>
+              <a:gd name="adj1" fmla="val 50000"/>
+            </a:avLst>
+          </a:prstGeom>
+          <a:ln>
+            <a:tailEnd type="triangle"/>
+          </a:ln>
+        </p:spPr>
+        <p:style>
+          <a:lnRef idx="1">
+            <a:schemeClr val="dk1"/>
+          </a:lnRef>
+          <a:fillRef idx="0">
+            <a:schemeClr val="dk1"/>
+          </a:fillRef>
+          <a:effectRef idx="0">
+            <a:schemeClr val="dk1"/>
+          </a:effectRef>
+          <a:fontRef idx="minor">
+            <a:schemeClr val="tx1"/>
+          </a:fontRef>
+        </p:style>
+      </p:cxnSp>
+      <p:cxnSp>
+        <p:nvCxnSpPr>
+          <p:cNvPr id="32" name="구부러진 연결선[U] 31">
+            <a:extLst>
+              <a:ext uri="{FF2B5EF4-FFF2-40B4-BE49-F238E27FC236}">
+                <a16:creationId xmlns:a16="http://schemas.microsoft.com/office/drawing/2014/main" id="{BF16A683-9D14-6A46-C942-CA2BCD2D636B}"/>
+              </a:ext>
+            </a:extLst>
+          </p:cNvPr>
+          <p:cNvCxnSpPr>
+            <a:cxnSpLocks/>
+            <a:stCxn id="27" idx="3"/>
+            <a:endCxn id="20" idx="1"/>
+          </p:cNvCxnSpPr>
+          <p:nvPr/>
+        </p:nvCxnSpPr>
+        <p:spPr>
+          <a:xfrm flipV="1">
+            <a:off x="7960024" y="3050672"/>
+            <a:ext cx="2789208" cy="2930749"/>
+          </a:xfrm>
+          <a:prstGeom prst="curvedConnector3">
+            <a:avLst>
+              <a:gd name="adj1" fmla="val 50000"/>
+            </a:avLst>
+          </a:prstGeom>
+          <a:ln>
+            <a:tailEnd type="triangle"/>
+          </a:ln>
+        </p:spPr>
+        <p:style>
+          <a:lnRef idx="1">
+            <a:schemeClr val="dk1"/>
+          </a:lnRef>
+          <a:fillRef idx="0">
+            <a:schemeClr val="dk1"/>
+          </a:fillRef>
+          <a:effectRef idx="0">
+            <a:schemeClr val="dk1"/>
+          </a:effectRef>
+          <a:fontRef idx="minor">
+            <a:schemeClr val="tx1"/>
+          </a:fontRef>
+        </p:style>
+      </p:cxnSp>
+      <p:sp>
+        <p:nvSpPr>
+          <p:cNvPr id="41" name="TextBox 40">
+            <a:extLst>
+              <a:ext uri="{FF2B5EF4-FFF2-40B4-BE49-F238E27FC236}">
+                <a16:creationId xmlns:a16="http://schemas.microsoft.com/office/drawing/2014/main" id="{2B25B2AB-C523-80FD-0E4A-5B44A8453355}"/>
+              </a:ext>
+            </a:extLst>
+          </p:cNvPr>
+          <p:cNvSpPr txBox="1"/>
+          <p:nvPr/>
+        </p:nvSpPr>
+        <p:spPr>
+          <a:xfrm>
+            <a:off x="484159" y="659068"/>
+            <a:ext cx="6094562" cy="2031325"/>
+          </a:xfrm>
+          <a:prstGeom prst="rect">
+            <a:avLst/>
+          </a:prstGeom>
+          <a:noFill/>
+        </p:spPr>
+        <p:txBody>
+          <a:bodyPr wrap="square">
+            <a:spAutoFit/>
+          </a:bodyPr>
+          <a:lstStyle/>
+          <a:p>
+            <a:r>
+              <a:rPr lang="ko-Kore-KR" altLang="en-US" dirty="0">
+                <a:latin typeface="DM Mono" panose="020B0509040201040103" pitchFamily="49" charset="0"/>
+              </a:rPr>
+              <a:t> User(const User&amp; rhs)</a:t>
+            </a:r>
+          </a:p>
+          <a:p>
+            <a:r>
+              <a:rPr lang="ko-Kore-KR" altLang="en-US" dirty="0">
+                <a:latin typeface="DM Mono" panose="020B0509040201040103" pitchFamily="49" charset="0"/>
+              </a:rPr>
+              <a:t>        : name(rhs.name)</a:t>
+            </a:r>
+          </a:p>
+          <a:p>
+            <a:r>
+              <a:rPr lang="ko-Kore-KR" altLang="en-US" dirty="0">
+                <a:latin typeface="DM Mono" panose="020B0509040201040103" pitchFamily="49" charset="0"/>
+              </a:rPr>
+              <a:t>        , age(rhs.age)</a:t>
+            </a:r>
+          </a:p>
+          <a:p>
+            <a:r>
+              <a:rPr lang="ko-Kore-KR" altLang="en-US" dirty="0">
+                <a:latin typeface="DM Mono" panose="020B0509040201040103" pitchFamily="49" charset="0"/>
+              </a:rPr>
+              <a:t>        , ref(rhs.ref)</a:t>
+            </a:r>
+          </a:p>
+          <a:p>
+            <a:r>
+              <a:rPr lang="ko-Kore-KR" altLang="en-US" dirty="0">
+                <a:latin typeface="DM Mono" panose="020B0509040201040103" pitchFamily="49" charset="0"/>
+              </a:rPr>
+              <a:t>    {</a:t>
+            </a:r>
+          </a:p>
+          <a:p>
+            <a:r>
+              <a:rPr lang="ko-Kore-KR" altLang="en-US" dirty="0">
+                <a:latin typeface="DM Mono" panose="020B0509040201040103" pitchFamily="49" charset="0"/>
+              </a:rPr>
+              <a:t>        </a:t>
+            </a:r>
+            <a:r>
+              <a:rPr lang="ko-Kore-KR" altLang="en-US" dirty="0">
+                <a:solidFill>
+                  <a:srgbClr val="FF0000"/>
+                </a:solidFill>
+                <a:latin typeface="DM Mono" panose="020B0509040201040103" pitchFamily="49" charset="0"/>
+              </a:rPr>
+              <a:t>++(*ref);</a:t>
+            </a:r>
+          </a:p>
+          <a:p>
+            <a:r>
+              <a:rPr lang="ko-Kore-KR" altLang="en-US" dirty="0">
+                <a:latin typeface="DM Mono" panose="020B0509040201040103" pitchFamily="49" charset="0"/>
+              </a:rPr>
+              <a:t>    }</a:t>
+            </a:r>
+          </a:p>
+        </p:txBody>
+      </p:sp>
+    </p:spTree>
+    <p:extLst>
+      <p:ext uri="{BB962C8B-B14F-4D97-AF65-F5344CB8AC3E}">
+        <p14:creationId xmlns:p14="http://schemas.microsoft.com/office/powerpoint/2010/main" val="75014884"/>
+      </p:ext>
+    </p:extLst>
+  </p:cSld>
+  <p:clrMapOvr>
+    <a:masterClrMapping/>
+  </p:clrMapOvr>
+</p:sld>
+</file>
+
+<file path=ppt/slides/slide17.xml><?xml version="1.0" encoding="utf-8"?>
+<p:sld xmlns:a="http://schemas.openxmlformats.org/drawingml/2006/main" xmlns:r="http://schemas.openxmlformats.org/officeDocument/2006/relationships" xmlns:p="http://schemas.openxmlformats.org/presentationml/2006/main">
+  <p:cSld>
+    <p:spTree>
+      <p:nvGrpSpPr>
+        <p:cNvPr id="1" name=""/>
+        <p:cNvGrpSpPr/>
+        <p:nvPr/>
+      </p:nvGrpSpPr>
+      <p:grpSpPr>
+        <a:xfrm>
+          <a:off x="0" y="0"/>
+          <a:ext cx="0" cy="0"/>
+          <a:chOff x="0" y="0"/>
+          <a:chExt cx="0" cy="0"/>
+        </a:xfrm>
+      </p:grpSpPr>
+      <p:sp>
+        <p:nvSpPr>
+          <p:cNvPr id="6" name="직사각형 5">
+            <a:extLst>
+              <a:ext uri="{FF2B5EF4-FFF2-40B4-BE49-F238E27FC236}">
+                <a16:creationId xmlns:a16="http://schemas.microsoft.com/office/drawing/2014/main" id="{87724EDF-D895-CFE9-CF1E-25BA19190DF0}"/>
+              </a:ext>
+            </a:extLst>
+          </p:cNvPr>
+          <p:cNvSpPr/>
+          <p:nvPr/>
+        </p:nvSpPr>
+        <p:spPr>
+          <a:xfrm>
+            <a:off x="6545292" y="834097"/>
+            <a:ext cx="1414732" cy="511624"/>
+          </a:xfrm>
+          <a:prstGeom prst="rect">
+            <a:avLst/>
+          </a:prstGeom>
+          <a:solidFill>
+            <a:srgbClr val="FFFF00"/>
+          </a:solidFill>
+        </p:spPr>
+        <p:style>
+          <a:lnRef idx="2">
+            <a:schemeClr val="accent1">
+              <a:shade val="15000"/>
+            </a:schemeClr>
+          </a:lnRef>
+          <a:fillRef idx="1">
+            <a:schemeClr val="accent1"/>
+          </a:fillRef>
+          <a:effectRef idx="0">
+            <a:schemeClr val="accent1"/>
+          </a:effectRef>
+          <a:fontRef idx="minor">
+            <a:schemeClr val="lt1"/>
+          </a:fontRef>
+        </p:style>
+        <p:txBody>
+          <a:bodyPr rtlCol="0" anchor="ctr"/>
+          <a:lstStyle/>
+          <a:p>
+            <a:pPr algn="ctr"/>
+            <a:r>
+              <a:rPr kumimoji="1" lang="en-US" altLang="ko-Kore-KR" dirty="0">
+                <a:solidFill>
+                  <a:schemeClr val="tx1"/>
+                </a:solidFill>
+                <a:latin typeface="DM Mono" panose="020B0509040201040103" pitchFamily="49" charset="0"/>
+              </a:rPr>
+              <a:t>0x100</a:t>
+            </a:r>
+            <a:endParaRPr kumimoji="1" lang="ko-Kore-KR" altLang="en-US" dirty="0">
+              <a:solidFill>
+                <a:schemeClr val="tx1"/>
+              </a:solidFill>
+              <a:latin typeface="DM Mono" panose="020B0509040201040103" pitchFamily="49" charset="0"/>
+            </a:endParaRPr>
+          </a:p>
+        </p:txBody>
+      </p:sp>
+      <p:sp>
+        <p:nvSpPr>
+          <p:cNvPr id="7" name="TextBox 6">
+            <a:extLst>
+              <a:ext uri="{FF2B5EF4-FFF2-40B4-BE49-F238E27FC236}">
+                <a16:creationId xmlns:a16="http://schemas.microsoft.com/office/drawing/2014/main" id="{91624FBD-4502-9C03-52A7-824C72B0A3C2}"/>
+              </a:ext>
+            </a:extLst>
+          </p:cNvPr>
+          <p:cNvSpPr txBox="1"/>
+          <p:nvPr/>
+        </p:nvSpPr>
+        <p:spPr>
+          <a:xfrm>
+            <a:off x="5538159" y="905243"/>
+            <a:ext cx="1007133" cy="369332"/>
+          </a:xfrm>
+          <a:prstGeom prst="rect">
+            <a:avLst/>
+          </a:prstGeom>
+          <a:noFill/>
+        </p:spPr>
+        <p:txBody>
+          <a:bodyPr wrap="square">
+            <a:spAutoFit/>
+          </a:bodyPr>
+          <a:lstStyle/>
+          <a:p>
+            <a:pPr algn="r"/>
+            <a:r>
+              <a:rPr lang="en-US" altLang="ko-Kore-KR" dirty="0">
+                <a:latin typeface="DM Mono" panose="020B0509040201040103" pitchFamily="49" charset="0"/>
+              </a:rPr>
+              <a:t>name</a:t>
+            </a:r>
+            <a:endParaRPr lang="ko-Kore-KR" altLang="en-US" dirty="0"/>
+          </a:p>
+        </p:txBody>
+      </p:sp>
+      <p:sp>
+        <p:nvSpPr>
+          <p:cNvPr id="8" name="TextBox 7">
+            <a:extLst>
+              <a:ext uri="{FF2B5EF4-FFF2-40B4-BE49-F238E27FC236}">
+                <a16:creationId xmlns:a16="http://schemas.microsoft.com/office/drawing/2014/main" id="{4177E8EE-2E4E-A399-02F8-ABCEFDA2332F}"/>
+              </a:ext>
+            </a:extLst>
+          </p:cNvPr>
+          <p:cNvSpPr txBox="1"/>
+          <p:nvPr/>
+        </p:nvSpPr>
+        <p:spPr>
+          <a:xfrm>
+            <a:off x="6668220" y="464765"/>
+            <a:ext cx="1164566" cy="369332"/>
+          </a:xfrm>
+          <a:prstGeom prst="rect">
+            <a:avLst/>
+          </a:prstGeom>
+          <a:noFill/>
+        </p:spPr>
+        <p:txBody>
+          <a:bodyPr wrap="square">
+            <a:spAutoFit/>
+          </a:bodyPr>
+          <a:lstStyle/>
+          <a:p>
+            <a:pPr algn="ctr"/>
+            <a:r>
+              <a:rPr lang="en-US" altLang="ko-Kore-KR" dirty="0">
+                <a:latin typeface="DM Mono" panose="020B0509040201040103" pitchFamily="49" charset="0"/>
+              </a:rPr>
+              <a:t>user</a:t>
+            </a:r>
+            <a:endParaRPr lang="ko-Kore-KR" altLang="en-US" dirty="0"/>
+          </a:p>
+        </p:txBody>
+      </p:sp>
+      <p:sp>
+        <p:nvSpPr>
+          <p:cNvPr id="9" name="직사각형 8">
+            <a:extLst>
+              <a:ext uri="{FF2B5EF4-FFF2-40B4-BE49-F238E27FC236}">
+                <a16:creationId xmlns:a16="http://schemas.microsoft.com/office/drawing/2014/main" id="{520CC13C-E00D-E517-581E-1F030F14C966}"/>
+              </a:ext>
+            </a:extLst>
+          </p:cNvPr>
+          <p:cNvSpPr/>
+          <p:nvPr/>
+        </p:nvSpPr>
+        <p:spPr>
+          <a:xfrm>
+            <a:off x="6545292" y="1345721"/>
+            <a:ext cx="1414732" cy="511624"/>
+          </a:xfrm>
+          <a:prstGeom prst="rect">
+            <a:avLst/>
+          </a:prstGeom>
+          <a:solidFill>
+            <a:srgbClr val="FFFF00"/>
+          </a:solidFill>
+        </p:spPr>
+        <p:style>
+          <a:lnRef idx="2">
+            <a:schemeClr val="accent1">
+              <a:shade val="15000"/>
+            </a:schemeClr>
+          </a:lnRef>
+          <a:fillRef idx="1">
+            <a:schemeClr val="accent1"/>
+          </a:fillRef>
+          <a:effectRef idx="0">
+            <a:schemeClr val="accent1"/>
+          </a:effectRef>
+          <a:fontRef idx="minor">
+            <a:schemeClr val="lt1"/>
+          </a:fontRef>
+        </p:style>
+        <p:txBody>
+          <a:bodyPr rtlCol="0" anchor="ctr"/>
+          <a:lstStyle/>
+          <a:p>
+            <a:pPr algn="ctr"/>
+            <a:r>
+              <a:rPr kumimoji="1" lang="en-US" altLang="ko-Kore-KR" dirty="0">
+                <a:solidFill>
+                  <a:schemeClr val="tx1"/>
+                </a:solidFill>
+                <a:latin typeface="DM Mono" panose="020B0509040201040103" pitchFamily="49" charset="0"/>
+              </a:rPr>
+              <a:t>42</a:t>
+            </a:r>
+            <a:endParaRPr kumimoji="1" lang="ko-Kore-KR" altLang="en-US" dirty="0">
+              <a:solidFill>
+                <a:schemeClr val="tx1"/>
+              </a:solidFill>
+              <a:latin typeface="DM Mono" panose="020B0509040201040103" pitchFamily="49" charset="0"/>
+            </a:endParaRPr>
+          </a:p>
+        </p:txBody>
+      </p:sp>
+      <p:sp>
+        <p:nvSpPr>
+          <p:cNvPr id="10" name="TextBox 9">
+            <a:extLst>
+              <a:ext uri="{FF2B5EF4-FFF2-40B4-BE49-F238E27FC236}">
+                <a16:creationId xmlns:a16="http://schemas.microsoft.com/office/drawing/2014/main" id="{BD556C66-C174-B6D3-EEED-EAFA6B64151D}"/>
+              </a:ext>
+            </a:extLst>
+          </p:cNvPr>
+          <p:cNvSpPr txBox="1"/>
+          <p:nvPr/>
+        </p:nvSpPr>
+        <p:spPr>
+          <a:xfrm>
+            <a:off x="5840085" y="1416867"/>
+            <a:ext cx="705208" cy="369332"/>
+          </a:xfrm>
+          <a:prstGeom prst="rect">
+            <a:avLst/>
+          </a:prstGeom>
+          <a:noFill/>
+        </p:spPr>
+        <p:txBody>
+          <a:bodyPr wrap="square">
+            <a:spAutoFit/>
+          </a:bodyPr>
+          <a:lstStyle/>
+          <a:p>
+            <a:pPr algn="r"/>
+            <a:r>
+              <a:rPr lang="en-US" altLang="ko-Kore-KR" dirty="0">
+                <a:latin typeface="DM Mono" panose="020B0509040201040103" pitchFamily="49" charset="0"/>
+              </a:rPr>
+              <a:t>age</a:t>
+            </a:r>
+            <a:endParaRPr lang="ko-Kore-KR" altLang="en-US" dirty="0"/>
+          </a:p>
+        </p:txBody>
+      </p:sp>
+      <p:sp>
+        <p:nvSpPr>
+          <p:cNvPr id="11" name="직사각형 10">
+            <a:extLst>
+              <a:ext uri="{FF2B5EF4-FFF2-40B4-BE49-F238E27FC236}">
+                <a16:creationId xmlns:a16="http://schemas.microsoft.com/office/drawing/2014/main" id="{5778D267-A3EA-1BA4-9268-69BFE1380352}"/>
+              </a:ext>
+            </a:extLst>
+          </p:cNvPr>
+          <p:cNvSpPr/>
+          <p:nvPr/>
+        </p:nvSpPr>
+        <p:spPr>
+          <a:xfrm>
+            <a:off x="10527821" y="1608750"/>
+            <a:ext cx="1414732" cy="511624"/>
+          </a:xfrm>
+          <a:prstGeom prst="rect">
+            <a:avLst/>
+          </a:prstGeom>
+          <a:solidFill>
+            <a:srgbClr val="FFFF00"/>
+          </a:solidFill>
+        </p:spPr>
+        <p:style>
+          <a:lnRef idx="2">
+            <a:schemeClr val="accent1">
+              <a:shade val="15000"/>
+            </a:schemeClr>
+          </a:lnRef>
+          <a:fillRef idx="1">
+            <a:schemeClr val="accent1"/>
+          </a:fillRef>
+          <a:effectRef idx="0">
+            <a:schemeClr val="accent1"/>
+          </a:effectRef>
+          <a:fontRef idx="minor">
+            <a:schemeClr val="lt1"/>
+          </a:fontRef>
+        </p:style>
+        <p:txBody>
+          <a:bodyPr rtlCol="0" anchor="ctr"/>
+          <a:lstStyle/>
+          <a:p>
+            <a:pPr algn="ctr"/>
+            <a:r>
+              <a:rPr kumimoji="1" lang="en-US" altLang="ko-Kore-KR" dirty="0">
+                <a:solidFill>
+                  <a:schemeClr val="tx1"/>
+                </a:solidFill>
+                <a:latin typeface="DM Mono" panose="020B0509040201040103" pitchFamily="49" charset="0"/>
+              </a:rPr>
+              <a:t>“Tom”</a:t>
+            </a:r>
+            <a:endParaRPr kumimoji="1" lang="ko-Kore-KR" altLang="en-US" dirty="0">
+              <a:solidFill>
+                <a:schemeClr val="tx1"/>
+              </a:solidFill>
+              <a:latin typeface="DM Mono" panose="020B0509040201040103" pitchFamily="49" charset="0"/>
+            </a:endParaRPr>
+          </a:p>
+        </p:txBody>
+      </p:sp>
+      <p:sp>
+        <p:nvSpPr>
+          <p:cNvPr id="12" name="TextBox 11">
+            <a:extLst>
+              <a:ext uri="{FF2B5EF4-FFF2-40B4-BE49-F238E27FC236}">
+                <a16:creationId xmlns:a16="http://schemas.microsoft.com/office/drawing/2014/main" id="{973E0080-5DAE-23F2-3D90-F864567D3C0C}"/>
+              </a:ext>
+            </a:extLst>
+          </p:cNvPr>
+          <p:cNvSpPr txBox="1"/>
+          <p:nvPr/>
+        </p:nvSpPr>
+        <p:spPr>
+          <a:xfrm>
+            <a:off x="9945538" y="1239418"/>
+            <a:ext cx="1164566" cy="369332"/>
+          </a:xfrm>
+          <a:prstGeom prst="rect">
+            <a:avLst/>
+          </a:prstGeom>
+          <a:noFill/>
+        </p:spPr>
+        <p:txBody>
+          <a:bodyPr wrap="square">
+            <a:spAutoFit/>
+          </a:bodyPr>
+          <a:lstStyle/>
+          <a:p>
+            <a:pPr algn="ctr"/>
+            <a:r>
+              <a:rPr lang="en-US" altLang="ko-Kore-KR" dirty="0">
+                <a:latin typeface="DM Mono" panose="020B0509040201040103" pitchFamily="49" charset="0"/>
+              </a:rPr>
+              <a:t>0x100</a:t>
+            </a:r>
+            <a:endParaRPr lang="ko-Kore-KR" altLang="en-US" dirty="0"/>
+          </a:p>
+        </p:txBody>
+      </p:sp>
+      <p:cxnSp>
+        <p:nvCxnSpPr>
+          <p:cNvPr id="14" name="구부러진 연결선[U] 13">
+            <a:extLst>
+              <a:ext uri="{FF2B5EF4-FFF2-40B4-BE49-F238E27FC236}">
+                <a16:creationId xmlns:a16="http://schemas.microsoft.com/office/drawing/2014/main" id="{A275FAF9-2C85-DDAD-8348-6287F47B20C0}"/>
+              </a:ext>
+            </a:extLst>
+          </p:cNvPr>
+          <p:cNvCxnSpPr>
+            <a:cxnSpLocks/>
+            <a:stCxn id="6" idx="3"/>
+            <a:endCxn id="11" idx="1"/>
+          </p:cNvCxnSpPr>
+          <p:nvPr/>
+        </p:nvCxnSpPr>
+        <p:spPr>
+          <a:xfrm>
+            <a:off x="7960024" y="1089909"/>
+            <a:ext cx="2567797" cy="774653"/>
+          </a:xfrm>
+          <a:prstGeom prst="curvedConnector3">
+            <a:avLst/>
+          </a:prstGeom>
+          <a:ln>
+            <a:tailEnd type="triangle"/>
+          </a:ln>
+        </p:spPr>
+        <p:style>
+          <a:lnRef idx="1">
+            <a:schemeClr val="dk1"/>
+          </a:lnRef>
+          <a:fillRef idx="0">
+            <a:schemeClr val="dk1"/>
+          </a:fillRef>
+          <a:effectRef idx="0">
+            <a:schemeClr val="dk1"/>
+          </a:effectRef>
+          <a:fontRef idx="minor">
+            <a:schemeClr val="tx1"/>
+          </a:fontRef>
+        </p:style>
+      </p:cxnSp>
+      <p:sp>
+        <p:nvSpPr>
+          <p:cNvPr id="18" name="직사각형 17">
+            <a:extLst>
+              <a:ext uri="{FF2B5EF4-FFF2-40B4-BE49-F238E27FC236}">
+                <a16:creationId xmlns:a16="http://schemas.microsoft.com/office/drawing/2014/main" id="{1E185AFF-FECF-6A1A-4FA5-C0B3BEE07D99}"/>
+              </a:ext>
+            </a:extLst>
+          </p:cNvPr>
+          <p:cNvSpPr/>
+          <p:nvPr/>
+        </p:nvSpPr>
+        <p:spPr>
+          <a:xfrm>
+            <a:off x="6545292" y="1857345"/>
+            <a:ext cx="1414732" cy="511624"/>
+          </a:xfrm>
+          <a:prstGeom prst="rect">
+            <a:avLst/>
+          </a:prstGeom>
+          <a:solidFill>
+            <a:srgbClr val="FFFF00"/>
+          </a:solidFill>
+        </p:spPr>
+        <p:style>
+          <a:lnRef idx="2">
+            <a:schemeClr val="accent1">
+              <a:shade val="15000"/>
+            </a:schemeClr>
+          </a:lnRef>
+          <a:fillRef idx="1">
+            <a:schemeClr val="accent1"/>
+          </a:fillRef>
+          <a:effectRef idx="0">
+            <a:schemeClr val="accent1"/>
+          </a:effectRef>
+          <a:fontRef idx="minor">
+            <a:schemeClr val="lt1"/>
+          </a:fontRef>
+        </p:style>
+        <p:txBody>
+          <a:bodyPr rtlCol="0" anchor="ctr"/>
+          <a:lstStyle/>
+          <a:p>
+            <a:pPr algn="ctr"/>
+            <a:endParaRPr kumimoji="1" lang="ko-Kore-KR" altLang="en-US" dirty="0">
+              <a:solidFill>
+                <a:schemeClr val="tx1"/>
+              </a:solidFill>
+              <a:latin typeface="DM Mono" panose="020B0509040201040103" pitchFamily="49" charset="0"/>
+            </a:endParaRPr>
+          </a:p>
+        </p:txBody>
+      </p:sp>
+      <p:sp>
+        <p:nvSpPr>
+          <p:cNvPr id="19" name="TextBox 18">
+            <a:extLst>
+              <a:ext uri="{FF2B5EF4-FFF2-40B4-BE49-F238E27FC236}">
+                <a16:creationId xmlns:a16="http://schemas.microsoft.com/office/drawing/2014/main" id="{F33C301D-7998-0B2D-5295-56F1B6CF919D}"/>
+              </a:ext>
+            </a:extLst>
+          </p:cNvPr>
+          <p:cNvSpPr txBox="1"/>
+          <p:nvPr/>
+        </p:nvSpPr>
+        <p:spPr>
+          <a:xfrm>
+            <a:off x="5840085" y="1928491"/>
+            <a:ext cx="705208" cy="369332"/>
+          </a:xfrm>
+          <a:prstGeom prst="rect">
+            <a:avLst/>
+          </a:prstGeom>
+          <a:noFill/>
+        </p:spPr>
+        <p:txBody>
+          <a:bodyPr wrap="square">
+            <a:spAutoFit/>
+          </a:bodyPr>
+          <a:lstStyle/>
+          <a:p>
+            <a:pPr algn="r"/>
+            <a:r>
+              <a:rPr lang="en-US" altLang="ko-Kore-KR" dirty="0">
+                <a:latin typeface="DM Mono" panose="020B0509040201040103" pitchFamily="49" charset="0"/>
+              </a:rPr>
+              <a:t>ref</a:t>
+            </a:r>
+            <a:endParaRPr lang="ko-Kore-KR" altLang="en-US" dirty="0"/>
+          </a:p>
+        </p:txBody>
+      </p:sp>
+      <p:sp>
+        <p:nvSpPr>
+          <p:cNvPr id="20" name="직사각형 19">
+            <a:extLst>
+              <a:ext uri="{FF2B5EF4-FFF2-40B4-BE49-F238E27FC236}">
+                <a16:creationId xmlns:a16="http://schemas.microsoft.com/office/drawing/2014/main" id="{F76D75CC-FC1B-7961-E52D-41320F8E46FA}"/>
+              </a:ext>
+            </a:extLst>
+          </p:cNvPr>
+          <p:cNvSpPr/>
+          <p:nvPr/>
+        </p:nvSpPr>
+        <p:spPr>
+          <a:xfrm>
+            <a:off x="10749232" y="2794860"/>
+            <a:ext cx="801538" cy="511624"/>
+          </a:xfrm>
+          <a:prstGeom prst="rect">
+            <a:avLst/>
+          </a:prstGeom>
+          <a:solidFill>
+            <a:srgbClr val="FFFF00"/>
+          </a:solidFill>
+        </p:spPr>
+        <p:style>
+          <a:lnRef idx="2">
+            <a:schemeClr val="accent1">
+              <a:shade val="15000"/>
+            </a:schemeClr>
+          </a:lnRef>
+          <a:fillRef idx="1">
+            <a:schemeClr val="accent1"/>
+          </a:fillRef>
+          <a:effectRef idx="0">
+            <a:schemeClr val="accent1"/>
+          </a:effectRef>
+          <a:fontRef idx="minor">
+            <a:schemeClr val="lt1"/>
+          </a:fontRef>
+        </p:style>
+        <p:txBody>
+          <a:bodyPr rtlCol="0" anchor="ctr"/>
+          <a:lstStyle/>
+          <a:p>
+            <a:pPr algn="ctr"/>
+            <a:r>
+              <a:rPr kumimoji="1" lang="en-US" altLang="ko-Kore-KR" dirty="0">
+                <a:solidFill>
+                  <a:srgbClr val="FF0000"/>
+                </a:solidFill>
+                <a:latin typeface="DM Mono" panose="020B0509040201040103" pitchFamily="49" charset="0"/>
+              </a:rPr>
+              <a:t>2</a:t>
+            </a:r>
+            <a:endParaRPr kumimoji="1" lang="ko-Kore-KR" altLang="en-US" dirty="0">
+              <a:solidFill>
+                <a:srgbClr val="FF0000"/>
+              </a:solidFill>
+              <a:latin typeface="DM Mono" panose="020B0509040201040103" pitchFamily="49" charset="0"/>
+            </a:endParaRPr>
+          </a:p>
+        </p:txBody>
+      </p:sp>
+      <p:cxnSp>
+        <p:nvCxnSpPr>
+          <p:cNvPr id="21" name="구부러진 연결선[U] 20">
+            <a:extLst>
+              <a:ext uri="{FF2B5EF4-FFF2-40B4-BE49-F238E27FC236}">
+                <a16:creationId xmlns:a16="http://schemas.microsoft.com/office/drawing/2014/main" id="{958935D4-6E7B-0262-3215-03C13DBF7979}"/>
+              </a:ext>
+            </a:extLst>
+          </p:cNvPr>
+          <p:cNvCxnSpPr>
+            <a:cxnSpLocks/>
+            <a:stCxn id="18" idx="3"/>
+            <a:endCxn id="20" idx="1"/>
+          </p:cNvCxnSpPr>
+          <p:nvPr/>
+        </p:nvCxnSpPr>
+        <p:spPr>
+          <a:xfrm>
+            <a:off x="7960024" y="2113157"/>
+            <a:ext cx="2789208" cy="937515"/>
+          </a:xfrm>
+          <a:prstGeom prst="curvedConnector3">
+            <a:avLst/>
+          </a:prstGeom>
+          <a:ln>
+            <a:tailEnd type="triangle"/>
+          </a:ln>
+        </p:spPr>
+        <p:style>
+          <a:lnRef idx="1">
+            <a:schemeClr val="dk1"/>
+          </a:lnRef>
+          <a:fillRef idx="0">
+            <a:schemeClr val="dk1"/>
+          </a:fillRef>
+          <a:effectRef idx="0">
+            <a:schemeClr val="dk1"/>
+          </a:effectRef>
+          <a:fontRef idx="minor">
+            <a:schemeClr val="tx1"/>
+          </a:fontRef>
+        </p:style>
+      </p:cxnSp>
+      <p:sp>
+        <p:nvSpPr>
+          <p:cNvPr id="2" name="직사각형 1">
+            <a:extLst>
+              <a:ext uri="{FF2B5EF4-FFF2-40B4-BE49-F238E27FC236}">
+                <a16:creationId xmlns:a16="http://schemas.microsoft.com/office/drawing/2014/main" id="{EF8C0CBC-AADB-BCB7-9FD0-9D04BD66981A}"/>
+              </a:ext>
+            </a:extLst>
+          </p:cNvPr>
+          <p:cNvSpPr/>
+          <p:nvPr/>
+        </p:nvSpPr>
+        <p:spPr>
+          <a:xfrm>
+            <a:off x="6545292" y="2794860"/>
+            <a:ext cx="1414732" cy="511624"/>
+          </a:xfrm>
+          <a:prstGeom prst="rect">
+            <a:avLst/>
+          </a:prstGeom>
+          <a:solidFill>
+            <a:srgbClr val="FFFF00"/>
+          </a:solidFill>
+        </p:spPr>
+        <p:style>
+          <a:lnRef idx="2">
+            <a:schemeClr val="accent1">
+              <a:shade val="15000"/>
+            </a:schemeClr>
+          </a:lnRef>
+          <a:fillRef idx="1">
+            <a:schemeClr val="accent1"/>
+          </a:fillRef>
+          <a:effectRef idx="0">
+            <a:schemeClr val="accent1"/>
+          </a:effectRef>
+          <a:fontRef idx="minor">
+            <a:schemeClr val="lt1"/>
+          </a:fontRef>
+        </p:style>
+        <p:txBody>
+          <a:bodyPr rtlCol="0" anchor="ctr"/>
+          <a:lstStyle/>
+          <a:p>
+            <a:pPr algn="ctr"/>
+            <a:r>
+              <a:rPr kumimoji="1" lang="en-US" altLang="ko-Kore-KR" dirty="0">
+                <a:solidFill>
+                  <a:schemeClr val="tx1"/>
+                </a:solidFill>
+                <a:latin typeface="DM Mono" panose="020B0509040201040103" pitchFamily="49" charset="0"/>
+              </a:rPr>
+              <a:t>0x100</a:t>
+            </a:r>
+            <a:endParaRPr kumimoji="1" lang="ko-Kore-KR" altLang="en-US" dirty="0">
+              <a:solidFill>
+                <a:schemeClr val="tx1"/>
+              </a:solidFill>
+              <a:latin typeface="DM Mono" panose="020B0509040201040103" pitchFamily="49" charset="0"/>
+            </a:endParaRPr>
+          </a:p>
+        </p:txBody>
+      </p:sp>
+      <p:sp>
+        <p:nvSpPr>
+          <p:cNvPr id="3" name="TextBox 2">
+            <a:extLst>
+              <a:ext uri="{FF2B5EF4-FFF2-40B4-BE49-F238E27FC236}">
+                <a16:creationId xmlns:a16="http://schemas.microsoft.com/office/drawing/2014/main" id="{D9B4EA37-92D1-8984-4BB2-9D15895CB425}"/>
+              </a:ext>
+            </a:extLst>
+          </p:cNvPr>
+          <p:cNvSpPr txBox="1"/>
+          <p:nvPr/>
+        </p:nvSpPr>
+        <p:spPr>
+          <a:xfrm>
+            <a:off x="5538159" y="2866006"/>
+            <a:ext cx="1007133" cy="369332"/>
+          </a:xfrm>
+          <a:prstGeom prst="rect">
+            <a:avLst/>
+          </a:prstGeom>
+          <a:noFill/>
+        </p:spPr>
+        <p:txBody>
+          <a:bodyPr wrap="square">
+            <a:spAutoFit/>
+          </a:bodyPr>
+          <a:lstStyle/>
+          <a:p>
+            <a:pPr algn="r"/>
+            <a:r>
+              <a:rPr lang="en-US" altLang="ko-Kore-KR" dirty="0">
+                <a:latin typeface="DM Mono" panose="020B0509040201040103" pitchFamily="49" charset="0"/>
+              </a:rPr>
+              <a:t>name</a:t>
+            </a:r>
+            <a:endParaRPr lang="ko-Kore-KR" altLang="en-US" dirty="0"/>
+          </a:p>
+        </p:txBody>
+      </p:sp>
+      <p:sp>
+        <p:nvSpPr>
+          <p:cNvPr id="4" name="TextBox 3">
+            <a:extLst>
+              <a:ext uri="{FF2B5EF4-FFF2-40B4-BE49-F238E27FC236}">
+                <a16:creationId xmlns:a16="http://schemas.microsoft.com/office/drawing/2014/main" id="{AB8DD3C1-6167-C65E-1C7D-D634A5FE1B31}"/>
+              </a:ext>
+            </a:extLst>
+          </p:cNvPr>
+          <p:cNvSpPr txBox="1"/>
+          <p:nvPr/>
+        </p:nvSpPr>
+        <p:spPr>
+          <a:xfrm>
+            <a:off x="6668220" y="2425528"/>
+            <a:ext cx="1164566" cy="369332"/>
+          </a:xfrm>
+          <a:prstGeom prst="rect">
+            <a:avLst/>
+          </a:prstGeom>
+          <a:noFill/>
+        </p:spPr>
+        <p:txBody>
+          <a:bodyPr wrap="square">
+            <a:spAutoFit/>
+          </a:bodyPr>
+          <a:lstStyle/>
+          <a:p>
+            <a:pPr algn="ctr"/>
+            <a:r>
+              <a:rPr lang="en-US" altLang="ko-Kore-KR" dirty="0">
+                <a:latin typeface="DM Mono" panose="020B0509040201040103" pitchFamily="49" charset="0"/>
+              </a:rPr>
+              <a:t>other</a:t>
+            </a:r>
+            <a:endParaRPr lang="ko-Kore-KR" altLang="en-US" dirty="0"/>
+          </a:p>
+        </p:txBody>
+      </p:sp>
+      <p:sp>
+        <p:nvSpPr>
+          <p:cNvPr id="5" name="직사각형 4">
+            <a:extLst>
+              <a:ext uri="{FF2B5EF4-FFF2-40B4-BE49-F238E27FC236}">
+                <a16:creationId xmlns:a16="http://schemas.microsoft.com/office/drawing/2014/main" id="{478F08D9-F56A-5DAE-78D9-0C62AA993B04}"/>
+              </a:ext>
+            </a:extLst>
+          </p:cNvPr>
+          <p:cNvSpPr/>
+          <p:nvPr/>
+        </p:nvSpPr>
+        <p:spPr>
+          <a:xfrm>
+            <a:off x="6545292" y="3306484"/>
+            <a:ext cx="1414732" cy="511624"/>
+          </a:xfrm>
+          <a:prstGeom prst="rect">
+            <a:avLst/>
+          </a:prstGeom>
+          <a:solidFill>
+            <a:srgbClr val="FFFF00"/>
+          </a:solidFill>
+        </p:spPr>
+        <p:style>
+          <a:lnRef idx="2">
+            <a:schemeClr val="accent1">
+              <a:shade val="15000"/>
+            </a:schemeClr>
+          </a:lnRef>
+          <a:fillRef idx="1">
+            <a:schemeClr val="accent1"/>
+          </a:fillRef>
+          <a:effectRef idx="0">
+            <a:schemeClr val="accent1"/>
+          </a:effectRef>
+          <a:fontRef idx="minor">
+            <a:schemeClr val="lt1"/>
+          </a:fontRef>
+        </p:style>
+        <p:txBody>
+          <a:bodyPr rtlCol="0" anchor="ctr"/>
+          <a:lstStyle/>
+          <a:p>
+            <a:pPr algn="ctr"/>
+            <a:r>
+              <a:rPr kumimoji="1" lang="en-US" altLang="ko-Kore-KR" dirty="0">
+                <a:solidFill>
+                  <a:schemeClr val="tx1"/>
+                </a:solidFill>
+                <a:latin typeface="DM Mono" panose="020B0509040201040103" pitchFamily="49" charset="0"/>
+              </a:rPr>
+              <a:t>42</a:t>
+            </a:r>
+            <a:endParaRPr kumimoji="1" lang="ko-Kore-KR" altLang="en-US" dirty="0">
+              <a:solidFill>
+                <a:schemeClr val="tx1"/>
+              </a:solidFill>
+              <a:latin typeface="DM Mono" panose="020B0509040201040103" pitchFamily="49" charset="0"/>
+            </a:endParaRPr>
+          </a:p>
+        </p:txBody>
+      </p:sp>
+      <p:sp>
+        <p:nvSpPr>
+          <p:cNvPr id="13" name="TextBox 12">
+            <a:extLst>
+              <a:ext uri="{FF2B5EF4-FFF2-40B4-BE49-F238E27FC236}">
+                <a16:creationId xmlns:a16="http://schemas.microsoft.com/office/drawing/2014/main" id="{EE09B3DE-90A3-CB75-3A7A-243DE1AB1DDB}"/>
+              </a:ext>
+            </a:extLst>
+          </p:cNvPr>
+          <p:cNvSpPr txBox="1"/>
+          <p:nvPr/>
+        </p:nvSpPr>
+        <p:spPr>
+          <a:xfrm>
+            <a:off x="5840085" y="3377630"/>
+            <a:ext cx="705208" cy="369332"/>
+          </a:xfrm>
+          <a:prstGeom prst="rect">
+            <a:avLst/>
+          </a:prstGeom>
+          <a:noFill/>
+        </p:spPr>
+        <p:txBody>
+          <a:bodyPr wrap="square">
+            <a:spAutoFit/>
+          </a:bodyPr>
+          <a:lstStyle/>
+          <a:p>
+            <a:pPr algn="r"/>
+            <a:r>
+              <a:rPr lang="en-US" altLang="ko-Kore-KR" dirty="0">
+                <a:latin typeface="DM Mono" panose="020B0509040201040103" pitchFamily="49" charset="0"/>
+              </a:rPr>
+              <a:t>age</a:t>
+            </a:r>
+            <a:endParaRPr lang="ko-Kore-KR" altLang="en-US" dirty="0"/>
+          </a:p>
+        </p:txBody>
+      </p:sp>
+      <p:sp>
+        <p:nvSpPr>
+          <p:cNvPr id="15" name="직사각형 14">
+            <a:extLst>
+              <a:ext uri="{FF2B5EF4-FFF2-40B4-BE49-F238E27FC236}">
+                <a16:creationId xmlns:a16="http://schemas.microsoft.com/office/drawing/2014/main" id="{D0741FD0-A317-3F57-7DD0-3429317E018A}"/>
+              </a:ext>
+            </a:extLst>
+          </p:cNvPr>
+          <p:cNvSpPr/>
+          <p:nvPr/>
+        </p:nvSpPr>
+        <p:spPr>
+          <a:xfrm>
+            <a:off x="6545292" y="3818108"/>
+            <a:ext cx="1414732" cy="511624"/>
+          </a:xfrm>
+          <a:prstGeom prst="rect">
+            <a:avLst/>
+          </a:prstGeom>
+          <a:solidFill>
+            <a:srgbClr val="FFFF00"/>
+          </a:solidFill>
+        </p:spPr>
+        <p:style>
+          <a:lnRef idx="2">
+            <a:schemeClr val="accent1">
+              <a:shade val="15000"/>
+            </a:schemeClr>
+          </a:lnRef>
+          <a:fillRef idx="1">
+            <a:schemeClr val="accent1"/>
+          </a:fillRef>
+          <a:effectRef idx="0">
+            <a:schemeClr val="accent1"/>
+          </a:effectRef>
+          <a:fontRef idx="minor">
+            <a:schemeClr val="lt1"/>
+          </a:fontRef>
+        </p:style>
+        <p:txBody>
+          <a:bodyPr rtlCol="0" anchor="ctr"/>
+          <a:lstStyle/>
+          <a:p>
+            <a:pPr algn="ctr"/>
+            <a:endParaRPr kumimoji="1" lang="ko-Kore-KR" altLang="en-US" dirty="0">
+              <a:solidFill>
+                <a:schemeClr val="tx1"/>
+              </a:solidFill>
+              <a:latin typeface="DM Mono" panose="020B0509040201040103" pitchFamily="49" charset="0"/>
+            </a:endParaRPr>
+          </a:p>
+        </p:txBody>
+      </p:sp>
+      <p:sp>
+        <p:nvSpPr>
+          <p:cNvPr id="16" name="TextBox 15">
+            <a:extLst>
+              <a:ext uri="{FF2B5EF4-FFF2-40B4-BE49-F238E27FC236}">
+                <a16:creationId xmlns:a16="http://schemas.microsoft.com/office/drawing/2014/main" id="{87DB63FE-CB9C-D5C6-7BDC-3872060D39EA}"/>
+              </a:ext>
+            </a:extLst>
+          </p:cNvPr>
+          <p:cNvSpPr txBox="1"/>
+          <p:nvPr/>
+        </p:nvSpPr>
+        <p:spPr>
+          <a:xfrm>
+            <a:off x="5840085" y="3889254"/>
+            <a:ext cx="705208" cy="369332"/>
+          </a:xfrm>
+          <a:prstGeom prst="rect">
+            <a:avLst/>
+          </a:prstGeom>
+          <a:noFill/>
+        </p:spPr>
+        <p:txBody>
+          <a:bodyPr wrap="square">
+            <a:spAutoFit/>
+          </a:bodyPr>
+          <a:lstStyle/>
+          <a:p>
+            <a:pPr algn="r"/>
+            <a:r>
+              <a:rPr lang="en-US" altLang="ko-Kore-KR" dirty="0">
+                <a:latin typeface="DM Mono" panose="020B0509040201040103" pitchFamily="49" charset="0"/>
+              </a:rPr>
+              <a:t>ref</a:t>
+            </a:r>
+            <a:endParaRPr lang="ko-Kore-KR" altLang="en-US" dirty="0"/>
+          </a:p>
+        </p:txBody>
+      </p:sp>
+      <p:cxnSp>
+        <p:nvCxnSpPr>
+          <p:cNvPr id="17" name="구부러진 연결선[U] 16">
+            <a:extLst>
+              <a:ext uri="{FF2B5EF4-FFF2-40B4-BE49-F238E27FC236}">
+                <a16:creationId xmlns:a16="http://schemas.microsoft.com/office/drawing/2014/main" id="{6B497635-C3F8-8D16-5748-058BC520FE4E}"/>
+              </a:ext>
+            </a:extLst>
+          </p:cNvPr>
+          <p:cNvCxnSpPr>
+            <a:cxnSpLocks/>
+            <a:stCxn id="2" idx="3"/>
+            <a:endCxn id="11" idx="1"/>
+          </p:cNvCxnSpPr>
+          <p:nvPr/>
+        </p:nvCxnSpPr>
+        <p:spPr>
+          <a:xfrm flipV="1">
+            <a:off x="7960024" y="1864562"/>
+            <a:ext cx="2567797" cy="1186110"/>
+          </a:xfrm>
+          <a:prstGeom prst="curvedConnector3">
+            <a:avLst>
+              <a:gd name="adj1" fmla="val 50000"/>
+            </a:avLst>
+          </a:prstGeom>
+          <a:ln>
+            <a:tailEnd type="triangle"/>
+          </a:ln>
+        </p:spPr>
+        <p:style>
+          <a:lnRef idx="1">
+            <a:schemeClr val="dk1"/>
+          </a:lnRef>
+          <a:fillRef idx="0">
+            <a:schemeClr val="dk1"/>
+          </a:fillRef>
+          <a:effectRef idx="0">
+            <a:schemeClr val="dk1"/>
+          </a:effectRef>
+          <a:fontRef idx="minor">
+            <a:schemeClr val="tx1"/>
+          </a:fontRef>
+        </p:style>
+      </p:cxnSp>
+      <p:cxnSp>
+        <p:nvCxnSpPr>
+          <p:cNvPr id="24" name="구부러진 연결선[U] 23">
+            <a:extLst>
+              <a:ext uri="{FF2B5EF4-FFF2-40B4-BE49-F238E27FC236}">
+                <a16:creationId xmlns:a16="http://schemas.microsoft.com/office/drawing/2014/main" id="{A513562E-CC52-E2CF-BD5F-9BDAD1B7898F}"/>
+              </a:ext>
+            </a:extLst>
+          </p:cNvPr>
+          <p:cNvCxnSpPr>
+            <a:cxnSpLocks/>
+            <a:stCxn id="15" idx="3"/>
+            <a:endCxn id="20" idx="1"/>
+          </p:cNvCxnSpPr>
+          <p:nvPr/>
+        </p:nvCxnSpPr>
+        <p:spPr>
+          <a:xfrm flipV="1">
+            <a:off x="7960024" y="3050672"/>
+            <a:ext cx="2789208" cy="1023248"/>
+          </a:xfrm>
+          <a:prstGeom prst="curvedConnector3">
+            <a:avLst>
+              <a:gd name="adj1" fmla="val 50000"/>
+            </a:avLst>
+          </a:prstGeom>
+          <a:ln>
+            <a:tailEnd type="triangle"/>
+          </a:ln>
+        </p:spPr>
+        <p:style>
+          <a:lnRef idx="1">
+            <a:schemeClr val="dk1"/>
+          </a:lnRef>
+          <a:fillRef idx="0">
+            <a:schemeClr val="dk1"/>
+          </a:fillRef>
+          <a:effectRef idx="0">
+            <a:schemeClr val="dk1"/>
+          </a:effectRef>
+          <a:fontRef idx="minor">
+            <a:schemeClr val="tx1"/>
+          </a:fontRef>
+        </p:style>
+      </p:cxnSp>
+      <p:sp>
+        <p:nvSpPr>
+          <p:cNvPr id="22" name="직사각형 21">
+            <a:extLst>
+              <a:ext uri="{FF2B5EF4-FFF2-40B4-BE49-F238E27FC236}">
+                <a16:creationId xmlns:a16="http://schemas.microsoft.com/office/drawing/2014/main" id="{BDF1A24B-8C83-E8B8-0618-76E0A9F23305}"/>
+              </a:ext>
+            </a:extLst>
+          </p:cNvPr>
+          <p:cNvSpPr/>
+          <p:nvPr/>
+        </p:nvSpPr>
+        <p:spPr>
+          <a:xfrm>
+            <a:off x="6545292" y="4702361"/>
+            <a:ext cx="1414732" cy="511624"/>
+          </a:xfrm>
+          <a:prstGeom prst="rect">
+            <a:avLst/>
+          </a:prstGeom>
+          <a:solidFill>
+            <a:srgbClr val="FFFF00"/>
+          </a:solidFill>
+          <a:ln w="38100">
+            <a:solidFill>
+              <a:srgbClr val="FF0000"/>
+            </a:solidFill>
+          </a:ln>
+        </p:spPr>
+        <p:style>
+          <a:lnRef idx="2">
+            <a:schemeClr val="accent1">
+              <a:shade val="15000"/>
+            </a:schemeClr>
+          </a:lnRef>
+          <a:fillRef idx="1">
+            <a:schemeClr val="accent1"/>
+          </a:fillRef>
+          <a:effectRef idx="0">
+            <a:schemeClr val="accent1"/>
+          </a:effectRef>
+          <a:fontRef idx="minor">
+            <a:schemeClr val="lt1"/>
+          </a:fontRef>
+        </p:style>
+        <p:txBody>
+          <a:bodyPr rtlCol="0" anchor="ctr"/>
+          <a:lstStyle/>
+          <a:p>
+            <a:pPr algn="ctr"/>
+            <a:r>
+              <a:rPr kumimoji="1" lang="en-US" altLang="ko-Kore-KR" dirty="0">
+                <a:solidFill>
+                  <a:schemeClr val="tx1"/>
+                </a:solidFill>
+                <a:latin typeface="DM Mono" panose="020B0509040201040103" pitchFamily="49" charset="0"/>
+              </a:rPr>
+              <a:t>0x100</a:t>
+            </a:r>
+            <a:endParaRPr kumimoji="1" lang="ko-Kore-KR" altLang="en-US" dirty="0">
+              <a:solidFill>
+                <a:schemeClr val="tx1"/>
+              </a:solidFill>
+              <a:latin typeface="DM Mono" panose="020B0509040201040103" pitchFamily="49" charset="0"/>
+            </a:endParaRPr>
+          </a:p>
+        </p:txBody>
+      </p:sp>
+      <p:sp>
+        <p:nvSpPr>
+          <p:cNvPr id="23" name="TextBox 22">
+            <a:extLst>
+              <a:ext uri="{FF2B5EF4-FFF2-40B4-BE49-F238E27FC236}">
+                <a16:creationId xmlns:a16="http://schemas.microsoft.com/office/drawing/2014/main" id="{445F18DD-3FBD-6078-EB93-3046D0D346B8}"/>
+              </a:ext>
+            </a:extLst>
+          </p:cNvPr>
+          <p:cNvSpPr txBox="1"/>
+          <p:nvPr/>
+        </p:nvSpPr>
+        <p:spPr>
+          <a:xfrm>
+            <a:off x="6668220" y="4333029"/>
+            <a:ext cx="1164566" cy="369332"/>
+          </a:xfrm>
+          <a:prstGeom prst="rect">
+            <a:avLst/>
+          </a:prstGeom>
+          <a:noFill/>
+        </p:spPr>
+        <p:txBody>
+          <a:bodyPr wrap="square">
+            <a:spAutoFit/>
+          </a:bodyPr>
+          <a:lstStyle/>
+          <a:p>
+            <a:pPr algn="ctr"/>
+            <a:r>
+              <a:rPr lang="en-US" altLang="ko-Kore-KR" dirty="0">
+                <a:latin typeface="DM Mono" panose="020B0509040201040103" pitchFamily="49" charset="0"/>
+              </a:rPr>
+              <a:t>other2</a:t>
+            </a:r>
+            <a:endParaRPr lang="ko-Kore-KR" altLang="en-US" dirty="0"/>
+          </a:p>
+        </p:txBody>
+      </p:sp>
+      <p:sp>
+        <p:nvSpPr>
+          <p:cNvPr id="25" name="직사각형 24">
+            <a:extLst>
+              <a:ext uri="{FF2B5EF4-FFF2-40B4-BE49-F238E27FC236}">
+                <a16:creationId xmlns:a16="http://schemas.microsoft.com/office/drawing/2014/main" id="{0CDDAFDA-4D4B-A61C-B269-84A02BBFAACE}"/>
+              </a:ext>
+            </a:extLst>
+          </p:cNvPr>
+          <p:cNvSpPr/>
+          <p:nvPr/>
+        </p:nvSpPr>
+        <p:spPr>
+          <a:xfrm>
+            <a:off x="6545292" y="5213985"/>
+            <a:ext cx="1414732" cy="511624"/>
+          </a:xfrm>
+          <a:prstGeom prst="rect">
+            <a:avLst/>
+          </a:prstGeom>
+          <a:solidFill>
+            <a:srgbClr val="FFFF00"/>
+          </a:solidFill>
+          <a:ln w="38100">
+            <a:solidFill>
+              <a:srgbClr val="FF0000"/>
+            </a:solidFill>
+          </a:ln>
+        </p:spPr>
+        <p:style>
+          <a:lnRef idx="2">
+            <a:schemeClr val="accent1">
+              <a:shade val="15000"/>
+            </a:schemeClr>
+          </a:lnRef>
+          <a:fillRef idx="1">
+            <a:schemeClr val="accent1"/>
+          </a:fillRef>
+          <a:effectRef idx="0">
+            <a:schemeClr val="accent1"/>
+          </a:effectRef>
+          <a:fontRef idx="minor">
+            <a:schemeClr val="lt1"/>
+          </a:fontRef>
+        </p:style>
+        <p:txBody>
+          <a:bodyPr rtlCol="0" anchor="ctr"/>
+          <a:lstStyle/>
+          <a:p>
+            <a:pPr algn="ctr"/>
+            <a:r>
+              <a:rPr kumimoji="1" lang="en-US" altLang="ko-Kore-KR" dirty="0">
+                <a:solidFill>
+                  <a:schemeClr val="tx1"/>
+                </a:solidFill>
+                <a:latin typeface="DM Mono" panose="020B0509040201040103" pitchFamily="49" charset="0"/>
+              </a:rPr>
+              <a:t>42</a:t>
+            </a:r>
+            <a:endParaRPr kumimoji="1" lang="ko-Kore-KR" altLang="en-US" dirty="0">
+              <a:solidFill>
+                <a:schemeClr val="tx1"/>
+              </a:solidFill>
+              <a:latin typeface="DM Mono" panose="020B0509040201040103" pitchFamily="49" charset="0"/>
+            </a:endParaRPr>
+          </a:p>
+        </p:txBody>
+      </p:sp>
+      <p:sp>
+        <p:nvSpPr>
+          <p:cNvPr id="26" name="TextBox 25">
+            <a:extLst>
+              <a:ext uri="{FF2B5EF4-FFF2-40B4-BE49-F238E27FC236}">
+                <a16:creationId xmlns:a16="http://schemas.microsoft.com/office/drawing/2014/main" id="{D6AA4B2C-79F4-A3E9-ED99-6B1966D952E9}"/>
+              </a:ext>
+            </a:extLst>
+          </p:cNvPr>
+          <p:cNvSpPr txBox="1"/>
+          <p:nvPr/>
+        </p:nvSpPr>
+        <p:spPr>
+          <a:xfrm>
+            <a:off x="5840085" y="5285131"/>
+            <a:ext cx="705208" cy="369332"/>
+          </a:xfrm>
+          <a:prstGeom prst="rect">
+            <a:avLst/>
+          </a:prstGeom>
+          <a:noFill/>
+        </p:spPr>
+        <p:txBody>
+          <a:bodyPr wrap="square">
+            <a:spAutoFit/>
+          </a:bodyPr>
+          <a:lstStyle/>
+          <a:p>
+            <a:pPr algn="r"/>
+            <a:r>
+              <a:rPr lang="en-US" altLang="ko-Kore-KR" dirty="0">
+                <a:latin typeface="DM Mono" panose="020B0509040201040103" pitchFamily="49" charset="0"/>
+              </a:rPr>
+              <a:t>age</a:t>
+            </a:r>
+            <a:endParaRPr lang="ko-Kore-KR" altLang="en-US" dirty="0"/>
+          </a:p>
+        </p:txBody>
+      </p:sp>
+      <p:sp>
+        <p:nvSpPr>
+          <p:cNvPr id="27" name="직사각형 26">
+            <a:extLst>
+              <a:ext uri="{FF2B5EF4-FFF2-40B4-BE49-F238E27FC236}">
+                <a16:creationId xmlns:a16="http://schemas.microsoft.com/office/drawing/2014/main" id="{79B3F5DD-4E5D-94D9-AD5D-491F2FD349C3}"/>
+              </a:ext>
+            </a:extLst>
+          </p:cNvPr>
+          <p:cNvSpPr/>
+          <p:nvPr/>
+        </p:nvSpPr>
+        <p:spPr>
+          <a:xfrm>
+            <a:off x="6545292" y="5725609"/>
+            <a:ext cx="1414732" cy="511624"/>
+          </a:xfrm>
+          <a:prstGeom prst="rect">
+            <a:avLst/>
+          </a:prstGeom>
+          <a:solidFill>
+            <a:srgbClr val="FFFF00"/>
+          </a:solidFill>
+          <a:ln w="38100">
+            <a:solidFill>
+              <a:srgbClr val="FF0000"/>
+            </a:solidFill>
+          </a:ln>
+        </p:spPr>
+        <p:style>
+          <a:lnRef idx="2">
+            <a:schemeClr val="accent1">
+              <a:shade val="15000"/>
+            </a:schemeClr>
+          </a:lnRef>
+          <a:fillRef idx="1">
+            <a:schemeClr val="accent1"/>
+          </a:fillRef>
+          <a:effectRef idx="0">
+            <a:schemeClr val="accent1"/>
+          </a:effectRef>
+          <a:fontRef idx="minor">
+            <a:schemeClr val="lt1"/>
+          </a:fontRef>
+        </p:style>
+        <p:txBody>
+          <a:bodyPr rtlCol="0" anchor="ctr"/>
+          <a:lstStyle/>
+          <a:p>
+            <a:pPr algn="ctr"/>
+            <a:endParaRPr kumimoji="1" lang="ko-Kore-KR" altLang="en-US" dirty="0">
+              <a:solidFill>
+                <a:schemeClr val="tx1"/>
+              </a:solidFill>
+              <a:latin typeface="DM Mono" panose="020B0509040201040103" pitchFamily="49" charset="0"/>
+            </a:endParaRPr>
+          </a:p>
+        </p:txBody>
+      </p:sp>
+      <p:sp>
+        <p:nvSpPr>
+          <p:cNvPr id="28" name="TextBox 27">
+            <a:extLst>
+              <a:ext uri="{FF2B5EF4-FFF2-40B4-BE49-F238E27FC236}">
+                <a16:creationId xmlns:a16="http://schemas.microsoft.com/office/drawing/2014/main" id="{F312AD2B-8EE1-09F8-B4A5-B539CEE4D554}"/>
+              </a:ext>
+            </a:extLst>
+          </p:cNvPr>
+          <p:cNvSpPr txBox="1"/>
+          <p:nvPr/>
+        </p:nvSpPr>
+        <p:spPr>
+          <a:xfrm>
+            <a:off x="5840085" y="5796755"/>
+            <a:ext cx="705208" cy="369332"/>
+          </a:xfrm>
+          <a:prstGeom prst="rect">
+            <a:avLst/>
+          </a:prstGeom>
+          <a:noFill/>
+        </p:spPr>
+        <p:txBody>
+          <a:bodyPr wrap="square">
+            <a:spAutoFit/>
+          </a:bodyPr>
+          <a:lstStyle/>
+          <a:p>
+            <a:pPr algn="r"/>
+            <a:r>
+              <a:rPr lang="en-US" altLang="ko-Kore-KR" dirty="0">
+                <a:latin typeface="DM Mono" panose="020B0509040201040103" pitchFamily="49" charset="0"/>
+              </a:rPr>
+              <a:t>ref</a:t>
+            </a:r>
+            <a:endParaRPr lang="ko-Kore-KR" altLang="en-US" dirty="0"/>
+          </a:p>
+        </p:txBody>
+      </p:sp>
+      <p:cxnSp>
+        <p:nvCxnSpPr>
+          <p:cNvPr id="29" name="구부러진 연결선[U] 28">
+            <a:extLst>
+              <a:ext uri="{FF2B5EF4-FFF2-40B4-BE49-F238E27FC236}">
+                <a16:creationId xmlns:a16="http://schemas.microsoft.com/office/drawing/2014/main" id="{E106ECF8-0FC5-BF58-C89A-1E3BEE2BDAA4}"/>
+              </a:ext>
+            </a:extLst>
+          </p:cNvPr>
+          <p:cNvCxnSpPr>
+            <a:cxnSpLocks/>
+            <a:stCxn id="22" idx="3"/>
+            <a:endCxn id="11" idx="1"/>
+          </p:cNvCxnSpPr>
+          <p:nvPr/>
+        </p:nvCxnSpPr>
+        <p:spPr>
+          <a:xfrm flipV="1">
+            <a:off x="7960024" y="1864562"/>
+            <a:ext cx="2567797" cy="3093611"/>
+          </a:xfrm>
+          <a:prstGeom prst="curvedConnector3">
+            <a:avLst>
+              <a:gd name="adj1" fmla="val 50000"/>
+            </a:avLst>
+          </a:prstGeom>
+          <a:ln>
+            <a:tailEnd type="triangle"/>
+          </a:ln>
+        </p:spPr>
+        <p:style>
+          <a:lnRef idx="1">
+            <a:schemeClr val="dk1"/>
+          </a:lnRef>
+          <a:fillRef idx="0">
+            <a:schemeClr val="dk1"/>
+          </a:fillRef>
+          <a:effectRef idx="0">
+            <a:schemeClr val="dk1"/>
+          </a:effectRef>
+          <a:fontRef idx="minor">
+            <a:schemeClr val="tx1"/>
+          </a:fontRef>
+        </p:style>
+      </p:cxnSp>
+      <p:cxnSp>
+        <p:nvCxnSpPr>
+          <p:cNvPr id="32" name="구부러진 연결선[U] 31">
+            <a:extLst>
+              <a:ext uri="{FF2B5EF4-FFF2-40B4-BE49-F238E27FC236}">
+                <a16:creationId xmlns:a16="http://schemas.microsoft.com/office/drawing/2014/main" id="{BF16A683-9D14-6A46-C942-CA2BCD2D636B}"/>
+              </a:ext>
+            </a:extLst>
+          </p:cNvPr>
+          <p:cNvCxnSpPr>
+            <a:cxnSpLocks/>
+            <a:stCxn id="27" idx="3"/>
+            <a:endCxn id="20" idx="1"/>
+          </p:cNvCxnSpPr>
+          <p:nvPr/>
+        </p:nvCxnSpPr>
+        <p:spPr>
+          <a:xfrm flipV="1">
+            <a:off x="7960024" y="3050672"/>
+            <a:ext cx="2789208" cy="2930749"/>
+          </a:xfrm>
+          <a:prstGeom prst="curvedConnector3">
+            <a:avLst>
+              <a:gd name="adj1" fmla="val 50000"/>
+            </a:avLst>
+          </a:prstGeom>
+          <a:ln>
+            <a:tailEnd type="triangle"/>
+          </a:ln>
+        </p:spPr>
+        <p:style>
+          <a:lnRef idx="1">
+            <a:schemeClr val="dk1"/>
+          </a:lnRef>
+          <a:fillRef idx="0">
+            <a:schemeClr val="dk1"/>
+          </a:fillRef>
+          <a:effectRef idx="0">
+            <a:schemeClr val="dk1"/>
+          </a:effectRef>
+          <a:fontRef idx="minor">
+            <a:schemeClr val="tx1"/>
+          </a:fontRef>
+        </p:style>
+      </p:cxnSp>
+      <p:sp>
+        <p:nvSpPr>
+          <p:cNvPr id="31" name="TextBox 30">
+            <a:extLst>
+              <a:ext uri="{FF2B5EF4-FFF2-40B4-BE49-F238E27FC236}">
+                <a16:creationId xmlns:a16="http://schemas.microsoft.com/office/drawing/2014/main" id="{5A2AA085-D235-4417-6804-0E0D324D3B70}"/>
+              </a:ext>
+            </a:extLst>
+          </p:cNvPr>
+          <p:cNvSpPr txBox="1"/>
+          <p:nvPr/>
+        </p:nvSpPr>
+        <p:spPr>
+          <a:xfrm>
+            <a:off x="581564" y="515309"/>
+            <a:ext cx="6094562" cy="2031325"/>
+          </a:xfrm>
+          <a:prstGeom prst="rect">
+            <a:avLst/>
+          </a:prstGeom>
+          <a:noFill/>
+        </p:spPr>
+        <p:txBody>
+          <a:bodyPr wrap="square">
+            <a:spAutoFit/>
+          </a:bodyPr>
+          <a:lstStyle/>
+          <a:p>
+            <a:r>
+              <a:rPr lang="ko-Kore-KR" altLang="en-US" dirty="0">
+                <a:latin typeface="DM Mono" panose="020B0509040201040103" pitchFamily="49" charset="0"/>
+              </a:rPr>
+              <a:t> ~User()</a:t>
+            </a:r>
+          </a:p>
+          <a:p>
+            <a:r>
+              <a:rPr lang="ko-Kore-KR" altLang="en-US" dirty="0">
+                <a:latin typeface="DM Mono" panose="020B0509040201040103" pitchFamily="49" charset="0"/>
+              </a:rPr>
+              <a:t>    {</a:t>
+            </a:r>
+          </a:p>
+          <a:p>
+            <a:r>
+              <a:rPr lang="ko-Kore-KR" altLang="en-US" dirty="0">
+                <a:latin typeface="DM Mono" panose="020B0509040201040103" pitchFamily="49" charset="0"/>
+              </a:rPr>
+              <a:t>        if </a:t>
+            </a:r>
+            <a:r>
+              <a:rPr lang="ko-Kore-KR" altLang="en-US" dirty="0">
+                <a:solidFill>
+                  <a:srgbClr val="FF0000"/>
+                </a:solidFill>
+                <a:latin typeface="DM Mono" panose="020B0509040201040103" pitchFamily="49" charset="0"/>
+              </a:rPr>
+              <a:t>(--*ref == 0)</a:t>
+            </a:r>
+            <a:r>
+              <a:rPr lang="ko-Kore-KR" altLang="en-US" dirty="0">
+                <a:latin typeface="DM Mono" panose="020B0509040201040103" pitchFamily="49" charset="0"/>
+              </a:rPr>
+              <a:t> {</a:t>
+            </a:r>
+          </a:p>
+          <a:p>
+            <a:r>
+              <a:rPr lang="ko-Kore-KR" altLang="en-US" dirty="0">
+                <a:latin typeface="DM Mono" panose="020B0509040201040103" pitchFamily="49" charset="0"/>
+              </a:rPr>
+              <a:t>            delete[] name;</a:t>
+            </a:r>
+          </a:p>
+          <a:p>
+            <a:r>
+              <a:rPr lang="ko-Kore-KR" altLang="en-US" dirty="0">
+                <a:latin typeface="DM Mono" panose="020B0509040201040103" pitchFamily="49" charset="0"/>
+              </a:rPr>
+              <a:t>            delete ref;</a:t>
+            </a:r>
+          </a:p>
+          <a:p>
+            <a:r>
+              <a:rPr lang="ko-Kore-KR" altLang="en-US" dirty="0">
+                <a:latin typeface="DM Mono" panose="020B0509040201040103" pitchFamily="49" charset="0"/>
+              </a:rPr>
+              <a:t>        }</a:t>
+            </a:r>
+          </a:p>
+          <a:p>
+            <a:r>
+              <a:rPr lang="ko-Kore-KR" altLang="en-US" dirty="0">
+                <a:latin typeface="DM Mono" panose="020B0509040201040103" pitchFamily="49" charset="0"/>
+              </a:rPr>
+              <a:t>    }</a:t>
+            </a:r>
+          </a:p>
+        </p:txBody>
+      </p:sp>
+    </p:spTree>
+    <p:extLst>
+      <p:ext uri="{BB962C8B-B14F-4D97-AF65-F5344CB8AC3E}">
+        <p14:creationId xmlns:p14="http://schemas.microsoft.com/office/powerpoint/2010/main" val="2104591689"/>
+      </p:ext>
+    </p:extLst>
+  </p:cSld>
+  <p:clrMapOvr>
+    <a:masterClrMapping/>
+  </p:clrMapOvr>
+</p:sld>
+</file>
+
+<file path=ppt/slides/slide18.xml><?xml version="1.0" encoding="utf-8"?>
+<p:sld xmlns:a="http://schemas.openxmlformats.org/drawingml/2006/main" xmlns:r="http://schemas.openxmlformats.org/officeDocument/2006/relationships" xmlns:p="http://schemas.openxmlformats.org/presentationml/2006/main">
+  <p:cSld>
+    <p:spTree>
+      <p:nvGrpSpPr>
+        <p:cNvPr id="1" name=""/>
+        <p:cNvGrpSpPr/>
+        <p:nvPr/>
+      </p:nvGrpSpPr>
+      <p:grpSpPr>
+        <a:xfrm>
+          <a:off x="0" y="0"/>
+          <a:ext cx="0" cy="0"/>
+          <a:chOff x="0" y="0"/>
+          <a:chExt cx="0" cy="0"/>
+        </a:xfrm>
+      </p:grpSpPr>
+      <p:sp>
+        <p:nvSpPr>
+          <p:cNvPr id="6" name="직사각형 5">
+            <a:extLst>
+              <a:ext uri="{FF2B5EF4-FFF2-40B4-BE49-F238E27FC236}">
+                <a16:creationId xmlns:a16="http://schemas.microsoft.com/office/drawing/2014/main" id="{87724EDF-D895-CFE9-CF1E-25BA19190DF0}"/>
+              </a:ext>
+            </a:extLst>
+          </p:cNvPr>
+          <p:cNvSpPr/>
+          <p:nvPr/>
+        </p:nvSpPr>
+        <p:spPr>
+          <a:xfrm>
+            <a:off x="6545292" y="834097"/>
+            <a:ext cx="1414732" cy="511624"/>
+          </a:xfrm>
+          <a:prstGeom prst="rect">
+            <a:avLst/>
+          </a:prstGeom>
+          <a:solidFill>
+            <a:srgbClr val="FFFF00"/>
+          </a:solidFill>
+        </p:spPr>
+        <p:style>
+          <a:lnRef idx="2">
+            <a:schemeClr val="accent1">
+              <a:shade val="15000"/>
+            </a:schemeClr>
+          </a:lnRef>
+          <a:fillRef idx="1">
+            <a:schemeClr val="accent1"/>
+          </a:fillRef>
+          <a:effectRef idx="0">
+            <a:schemeClr val="accent1"/>
+          </a:effectRef>
+          <a:fontRef idx="minor">
+            <a:schemeClr val="lt1"/>
+          </a:fontRef>
+        </p:style>
+        <p:txBody>
+          <a:bodyPr rtlCol="0" anchor="ctr"/>
+          <a:lstStyle/>
+          <a:p>
+            <a:pPr algn="ctr"/>
+            <a:r>
+              <a:rPr kumimoji="1" lang="en-US" altLang="ko-Kore-KR" dirty="0">
+                <a:solidFill>
+                  <a:schemeClr val="tx1"/>
+                </a:solidFill>
+                <a:latin typeface="DM Mono" panose="020B0509040201040103" pitchFamily="49" charset="0"/>
+              </a:rPr>
+              <a:t>0x100</a:t>
+            </a:r>
+            <a:endParaRPr kumimoji="1" lang="ko-Kore-KR" altLang="en-US" dirty="0">
+              <a:solidFill>
+                <a:schemeClr val="tx1"/>
+              </a:solidFill>
+              <a:latin typeface="DM Mono" panose="020B0509040201040103" pitchFamily="49" charset="0"/>
+            </a:endParaRPr>
+          </a:p>
+        </p:txBody>
+      </p:sp>
+      <p:sp>
+        <p:nvSpPr>
+          <p:cNvPr id="7" name="TextBox 6">
+            <a:extLst>
+              <a:ext uri="{FF2B5EF4-FFF2-40B4-BE49-F238E27FC236}">
+                <a16:creationId xmlns:a16="http://schemas.microsoft.com/office/drawing/2014/main" id="{91624FBD-4502-9C03-52A7-824C72B0A3C2}"/>
+              </a:ext>
+            </a:extLst>
+          </p:cNvPr>
+          <p:cNvSpPr txBox="1"/>
+          <p:nvPr/>
+        </p:nvSpPr>
+        <p:spPr>
+          <a:xfrm>
+            <a:off x="5538159" y="905243"/>
+            <a:ext cx="1007133" cy="369332"/>
+          </a:xfrm>
+          <a:prstGeom prst="rect">
+            <a:avLst/>
+          </a:prstGeom>
+          <a:noFill/>
+        </p:spPr>
+        <p:txBody>
+          <a:bodyPr wrap="square">
+            <a:spAutoFit/>
+          </a:bodyPr>
+          <a:lstStyle/>
+          <a:p>
+            <a:pPr algn="r"/>
+            <a:r>
+              <a:rPr lang="en-US" altLang="ko-Kore-KR" dirty="0">
+                <a:latin typeface="DM Mono" panose="020B0509040201040103" pitchFamily="49" charset="0"/>
+              </a:rPr>
+              <a:t>name</a:t>
+            </a:r>
+            <a:endParaRPr lang="ko-Kore-KR" altLang="en-US" dirty="0"/>
+          </a:p>
+        </p:txBody>
+      </p:sp>
+      <p:sp>
+        <p:nvSpPr>
+          <p:cNvPr id="8" name="TextBox 7">
+            <a:extLst>
+              <a:ext uri="{FF2B5EF4-FFF2-40B4-BE49-F238E27FC236}">
+                <a16:creationId xmlns:a16="http://schemas.microsoft.com/office/drawing/2014/main" id="{4177E8EE-2E4E-A399-02F8-ABCEFDA2332F}"/>
+              </a:ext>
+            </a:extLst>
+          </p:cNvPr>
+          <p:cNvSpPr txBox="1"/>
+          <p:nvPr/>
+        </p:nvSpPr>
+        <p:spPr>
+          <a:xfrm>
+            <a:off x="6668220" y="464765"/>
+            <a:ext cx="1164566" cy="369332"/>
+          </a:xfrm>
+          <a:prstGeom prst="rect">
+            <a:avLst/>
+          </a:prstGeom>
+          <a:noFill/>
+        </p:spPr>
+        <p:txBody>
+          <a:bodyPr wrap="square">
+            <a:spAutoFit/>
+          </a:bodyPr>
+          <a:lstStyle/>
+          <a:p>
+            <a:pPr algn="ctr"/>
+            <a:r>
+              <a:rPr lang="en-US" altLang="ko-Kore-KR" dirty="0">
+                <a:latin typeface="DM Mono" panose="020B0509040201040103" pitchFamily="49" charset="0"/>
+              </a:rPr>
+              <a:t>user</a:t>
+            </a:r>
+            <a:endParaRPr lang="ko-Kore-KR" altLang="en-US" dirty="0"/>
+          </a:p>
+        </p:txBody>
+      </p:sp>
+      <p:sp>
+        <p:nvSpPr>
+          <p:cNvPr id="9" name="직사각형 8">
+            <a:extLst>
+              <a:ext uri="{FF2B5EF4-FFF2-40B4-BE49-F238E27FC236}">
+                <a16:creationId xmlns:a16="http://schemas.microsoft.com/office/drawing/2014/main" id="{520CC13C-E00D-E517-581E-1F030F14C966}"/>
+              </a:ext>
+            </a:extLst>
+          </p:cNvPr>
+          <p:cNvSpPr/>
+          <p:nvPr/>
+        </p:nvSpPr>
+        <p:spPr>
+          <a:xfrm>
+            <a:off x="6545292" y="1345721"/>
+            <a:ext cx="1414732" cy="511624"/>
+          </a:xfrm>
+          <a:prstGeom prst="rect">
+            <a:avLst/>
+          </a:prstGeom>
+          <a:solidFill>
+            <a:srgbClr val="FFFF00"/>
+          </a:solidFill>
+        </p:spPr>
+        <p:style>
+          <a:lnRef idx="2">
+            <a:schemeClr val="accent1">
+              <a:shade val="15000"/>
+            </a:schemeClr>
+          </a:lnRef>
+          <a:fillRef idx="1">
+            <a:schemeClr val="accent1"/>
+          </a:fillRef>
+          <a:effectRef idx="0">
+            <a:schemeClr val="accent1"/>
+          </a:effectRef>
+          <a:fontRef idx="minor">
+            <a:schemeClr val="lt1"/>
+          </a:fontRef>
+        </p:style>
+        <p:txBody>
+          <a:bodyPr rtlCol="0" anchor="ctr"/>
+          <a:lstStyle/>
+          <a:p>
+            <a:pPr algn="ctr"/>
+            <a:r>
+              <a:rPr kumimoji="1" lang="en-US" altLang="ko-Kore-KR" dirty="0">
+                <a:solidFill>
+                  <a:schemeClr val="tx1"/>
+                </a:solidFill>
+                <a:latin typeface="DM Mono" panose="020B0509040201040103" pitchFamily="49" charset="0"/>
+              </a:rPr>
+              <a:t>42</a:t>
+            </a:r>
+            <a:endParaRPr kumimoji="1" lang="ko-Kore-KR" altLang="en-US" dirty="0">
+              <a:solidFill>
+                <a:schemeClr val="tx1"/>
+              </a:solidFill>
+              <a:latin typeface="DM Mono" panose="020B0509040201040103" pitchFamily="49" charset="0"/>
+            </a:endParaRPr>
+          </a:p>
+        </p:txBody>
+      </p:sp>
+      <p:sp>
+        <p:nvSpPr>
+          <p:cNvPr id="10" name="TextBox 9">
+            <a:extLst>
+              <a:ext uri="{FF2B5EF4-FFF2-40B4-BE49-F238E27FC236}">
+                <a16:creationId xmlns:a16="http://schemas.microsoft.com/office/drawing/2014/main" id="{BD556C66-C174-B6D3-EEED-EAFA6B64151D}"/>
+              </a:ext>
+            </a:extLst>
+          </p:cNvPr>
+          <p:cNvSpPr txBox="1"/>
+          <p:nvPr/>
+        </p:nvSpPr>
+        <p:spPr>
+          <a:xfrm>
+            <a:off x="5840085" y="1416867"/>
+            <a:ext cx="705208" cy="369332"/>
+          </a:xfrm>
+          <a:prstGeom prst="rect">
+            <a:avLst/>
+          </a:prstGeom>
+          <a:noFill/>
+        </p:spPr>
+        <p:txBody>
+          <a:bodyPr wrap="square">
+            <a:spAutoFit/>
+          </a:bodyPr>
+          <a:lstStyle/>
+          <a:p>
+            <a:pPr algn="r"/>
+            <a:r>
+              <a:rPr lang="en-US" altLang="ko-Kore-KR" dirty="0">
+                <a:latin typeface="DM Mono" panose="020B0509040201040103" pitchFamily="49" charset="0"/>
+              </a:rPr>
+              <a:t>age</a:t>
+            </a:r>
+            <a:endParaRPr lang="ko-Kore-KR" altLang="en-US" dirty="0"/>
+          </a:p>
+        </p:txBody>
+      </p:sp>
+      <p:sp>
+        <p:nvSpPr>
+          <p:cNvPr id="11" name="직사각형 10">
+            <a:extLst>
+              <a:ext uri="{FF2B5EF4-FFF2-40B4-BE49-F238E27FC236}">
+                <a16:creationId xmlns:a16="http://schemas.microsoft.com/office/drawing/2014/main" id="{5778D267-A3EA-1BA4-9268-69BFE1380352}"/>
+              </a:ext>
+            </a:extLst>
+          </p:cNvPr>
+          <p:cNvSpPr/>
+          <p:nvPr/>
+        </p:nvSpPr>
+        <p:spPr>
+          <a:xfrm>
+            <a:off x="10527821" y="1608750"/>
+            <a:ext cx="1414732" cy="511624"/>
+          </a:xfrm>
+          <a:prstGeom prst="rect">
+            <a:avLst/>
+          </a:prstGeom>
+          <a:solidFill>
+            <a:srgbClr val="FFFF00"/>
+          </a:solidFill>
+        </p:spPr>
+        <p:style>
+          <a:lnRef idx="2">
+            <a:schemeClr val="accent1">
+              <a:shade val="15000"/>
+            </a:schemeClr>
+          </a:lnRef>
+          <a:fillRef idx="1">
+            <a:schemeClr val="accent1"/>
+          </a:fillRef>
+          <a:effectRef idx="0">
+            <a:schemeClr val="accent1"/>
+          </a:effectRef>
+          <a:fontRef idx="minor">
+            <a:schemeClr val="lt1"/>
+          </a:fontRef>
+        </p:style>
+        <p:txBody>
+          <a:bodyPr rtlCol="0" anchor="ctr"/>
+          <a:lstStyle/>
+          <a:p>
+            <a:pPr algn="ctr"/>
+            <a:r>
+              <a:rPr kumimoji="1" lang="en-US" altLang="ko-Kore-KR" dirty="0">
+                <a:solidFill>
+                  <a:schemeClr val="tx1"/>
+                </a:solidFill>
+                <a:latin typeface="DM Mono" panose="020B0509040201040103" pitchFamily="49" charset="0"/>
+              </a:rPr>
+              <a:t>“Tom”</a:t>
+            </a:r>
+            <a:endParaRPr kumimoji="1" lang="ko-Kore-KR" altLang="en-US" dirty="0">
+              <a:solidFill>
+                <a:schemeClr val="tx1"/>
+              </a:solidFill>
+              <a:latin typeface="DM Mono" panose="020B0509040201040103" pitchFamily="49" charset="0"/>
+            </a:endParaRPr>
+          </a:p>
+        </p:txBody>
+      </p:sp>
+      <p:sp>
+        <p:nvSpPr>
+          <p:cNvPr id="12" name="TextBox 11">
+            <a:extLst>
+              <a:ext uri="{FF2B5EF4-FFF2-40B4-BE49-F238E27FC236}">
+                <a16:creationId xmlns:a16="http://schemas.microsoft.com/office/drawing/2014/main" id="{973E0080-5DAE-23F2-3D90-F864567D3C0C}"/>
+              </a:ext>
+            </a:extLst>
+          </p:cNvPr>
+          <p:cNvSpPr txBox="1"/>
+          <p:nvPr/>
+        </p:nvSpPr>
+        <p:spPr>
+          <a:xfrm>
+            <a:off x="9945538" y="1239418"/>
+            <a:ext cx="1164566" cy="369332"/>
+          </a:xfrm>
+          <a:prstGeom prst="rect">
+            <a:avLst/>
+          </a:prstGeom>
+          <a:noFill/>
+        </p:spPr>
+        <p:txBody>
+          <a:bodyPr wrap="square">
+            <a:spAutoFit/>
+          </a:bodyPr>
+          <a:lstStyle/>
+          <a:p>
+            <a:pPr algn="ctr"/>
+            <a:r>
+              <a:rPr lang="en-US" altLang="ko-Kore-KR" dirty="0">
+                <a:latin typeface="DM Mono" panose="020B0509040201040103" pitchFamily="49" charset="0"/>
+              </a:rPr>
+              <a:t>0x100</a:t>
+            </a:r>
+            <a:endParaRPr lang="ko-Kore-KR" altLang="en-US" dirty="0"/>
+          </a:p>
+        </p:txBody>
+      </p:sp>
+      <p:cxnSp>
+        <p:nvCxnSpPr>
+          <p:cNvPr id="14" name="구부러진 연결선[U] 13">
+            <a:extLst>
+              <a:ext uri="{FF2B5EF4-FFF2-40B4-BE49-F238E27FC236}">
+                <a16:creationId xmlns:a16="http://schemas.microsoft.com/office/drawing/2014/main" id="{A275FAF9-2C85-DDAD-8348-6287F47B20C0}"/>
+              </a:ext>
+            </a:extLst>
+          </p:cNvPr>
+          <p:cNvCxnSpPr>
+            <a:cxnSpLocks/>
+            <a:stCxn id="6" idx="3"/>
+            <a:endCxn id="11" idx="1"/>
+          </p:cNvCxnSpPr>
+          <p:nvPr/>
+        </p:nvCxnSpPr>
+        <p:spPr>
+          <a:xfrm>
+            <a:off x="7960024" y="1089909"/>
+            <a:ext cx="2567797" cy="774653"/>
+          </a:xfrm>
+          <a:prstGeom prst="curvedConnector3">
+            <a:avLst/>
+          </a:prstGeom>
+          <a:ln>
+            <a:tailEnd type="triangle"/>
+          </a:ln>
+        </p:spPr>
+        <p:style>
+          <a:lnRef idx="1">
+            <a:schemeClr val="dk1"/>
+          </a:lnRef>
+          <a:fillRef idx="0">
+            <a:schemeClr val="dk1"/>
+          </a:fillRef>
+          <a:effectRef idx="0">
+            <a:schemeClr val="dk1"/>
+          </a:effectRef>
+          <a:fontRef idx="minor">
+            <a:schemeClr val="tx1"/>
+          </a:fontRef>
+        </p:style>
+      </p:cxnSp>
+      <p:sp>
+        <p:nvSpPr>
+          <p:cNvPr id="18" name="직사각형 17">
+            <a:extLst>
+              <a:ext uri="{FF2B5EF4-FFF2-40B4-BE49-F238E27FC236}">
+                <a16:creationId xmlns:a16="http://schemas.microsoft.com/office/drawing/2014/main" id="{1E185AFF-FECF-6A1A-4FA5-C0B3BEE07D99}"/>
+              </a:ext>
+            </a:extLst>
+          </p:cNvPr>
+          <p:cNvSpPr/>
+          <p:nvPr/>
+        </p:nvSpPr>
+        <p:spPr>
+          <a:xfrm>
+            <a:off x="6545292" y="1857345"/>
+            <a:ext cx="1414732" cy="511624"/>
+          </a:xfrm>
+          <a:prstGeom prst="rect">
+            <a:avLst/>
+          </a:prstGeom>
+          <a:solidFill>
+            <a:srgbClr val="FFFF00"/>
+          </a:solidFill>
+        </p:spPr>
+        <p:style>
+          <a:lnRef idx="2">
+            <a:schemeClr val="accent1">
+              <a:shade val="15000"/>
+            </a:schemeClr>
+          </a:lnRef>
+          <a:fillRef idx="1">
+            <a:schemeClr val="accent1"/>
+          </a:fillRef>
+          <a:effectRef idx="0">
+            <a:schemeClr val="accent1"/>
+          </a:effectRef>
+          <a:fontRef idx="minor">
+            <a:schemeClr val="lt1"/>
+          </a:fontRef>
+        </p:style>
+        <p:txBody>
+          <a:bodyPr rtlCol="0" anchor="ctr"/>
+          <a:lstStyle/>
+          <a:p>
+            <a:pPr algn="ctr"/>
+            <a:endParaRPr kumimoji="1" lang="ko-Kore-KR" altLang="en-US" dirty="0">
+              <a:solidFill>
+                <a:schemeClr val="tx1"/>
+              </a:solidFill>
+              <a:latin typeface="DM Mono" panose="020B0509040201040103" pitchFamily="49" charset="0"/>
+            </a:endParaRPr>
+          </a:p>
+        </p:txBody>
+      </p:sp>
+      <p:sp>
+        <p:nvSpPr>
+          <p:cNvPr id="19" name="TextBox 18">
+            <a:extLst>
+              <a:ext uri="{FF2B5EF4-FFF2-40B4-BE49-F238E27FC236}">
+                <a16:creationId xmlns:a16="http://schemas.microsoft.com/office/drawing/2014/main" id="{F33C301D-7998-0B2D-5295-56F1B6CF919D}"/>
+              </a:ext>
+            </a:extLst>
+          </p:cNvPr>
+          <p:cNvSpPr txBox="1"/>
+          <p:nvPr/>
+        </p:nvSpPr>
+        <p:spPr>
+          <a:xfrm>
+            <a:off x="5840085" y="1928491"/>
+            <a:ext cx="705208" cy="369332"/>
+          </a:xfrm>
+          <a:prstGeom prst="rect">
+            <a:avLst/>
+          </a:prstGeom>
+          <a:noFill/>
+        </p:spPr>
+        <p:txBody>
+          <a:bodyPr wrap="square">
+            <a:spAutoFit/>
+          </a:bodyPr>
+          <a:lstStyle/>
+          <a:p>
+            <a:pPr algn="r"/>
+            <a:r>
+              <a:rPr lang="en-US" altLang="ko-Kore-KR" dirty="0">
+                <a:latin typeface="DM Mono" panose="020B0509040201040103" pitchFamily="49" charset="0"/>
+              </a:rPr>
+              <a:t>ref</a:t>
+            </a:r>
+            <a:endParaRPr lang="ko-Kore-KR" altLang="en-US" dirty="0"/>
+          </a:p>
+        </p:txBody>
+      </p:sp>
+      <p:sp>
+        <p:nvSpPr>
+          <p:cNvPr id="20" name="직사각형 19">
+            <a:extLst>
+              <a:ext uri="{FF2B5EF4-FFF2-40B4-BE49-F238E27FC236}">
+                <a16:creationId xmlns:a16="http://schemas.microsoft.com/office/drawing/2014/main" id="{F76D75CC-FC1B-7961-E52D-41320F8E46FA}"/>
+              </a:ext>
+            </a:extLst>
+          </p:cNvPr>
+          <p:cNvSpPr/>
+          <p:nvPr/>
+        </p:nvSpPr>
+        <p:spPr>
+          <a:xfrm>
+            <a:off x="10749232" y="2794860"/>
+            <a:ext cx="801538" cy="511624"/>
+          </a:xfrm>
+          <a:prstGeom prst="rect">
+            <a:avLst/>
+          </a:prstGeom>
+          <a:solidFill>
+            <a:srgbClr val="FFFF00"/>
+          </a:solidFill>
+        </p:spPr>
+        <p:style>
+          <a:lnRef idx="2">
+            <a:schemeClr val="accent1">
+              <a:shade val="15000"/>
+            </a:schemeClr>
+          </a:lnRef>
+          <a:fillRef idx="1">
+            <a:schemeClr val="accent1"/>
+          </a:fillRef>
+          <a:effectRef idx="0">
+            <a:schemeClr val="accent1"/>
+          </a:effectRef>
+          <a:fontRef idx="minor">
+            <a:schemeClr val="lt1"/>
+          </a:fontRef>
+        </p:style>
+        <p:txBody>
+          <a:bodyPr rtlCol="0" anchor="ctr"/>
+          <a:lstStyle/>
+          <a:p>
+            <a:pPr algn="ctr"/>
+            <a:r>
+              <a:rPr kumimoji="1" lang="en-US" altLang="ko-Kore-KR" dirty="0">
+                <a:solidFill>
+                  <a:srgbClr val="FF0000"/>
+                </a:solidFill>
+                <a:latin typeface="DM Mono" panose="020B0509040201040103" pitchFamily="49" charset="0"/>
+              </a:rPr>
+              <a:t>1</a:t>
+            </a:r>
+            <a:endParaRPr kumimoji="1" lang="ko-Kore-KR" altLang="en-US" dirty="0">
+              <a:solidFill>
+                <a:srgbClr val="FF0000"/>
+              </a:solidFill>
+              <a:latin typeface="DM Mono" panose="020B0509040201040103" pitchFamily="49" charset="0"/>
+            </a:endParaRPr>
+          </a:p>
+        </p:txBody>
+      </p:sp>
+      <p:cxnSp>
+        <p:nvCxnSpPr>
+          <p:cNvPr id="21" name="구부러진 연결선[U] 20">
+            <a:extLst>
+              <a:ext uri="{FF2B5EF4-FFF2-40B4-BE49-F238E27FC236}">
+                <a16:creationId xmlns:a16="http://schemas.microsoft.com/office/drawing/2014/main" id="{958935D4-6E7B-0262-3215-03C13DBF7979}"/>
+              </a:ext>
+            </a:extLst>
+          </p:cNvPr>
+          <p:cNvCxnSpPr>
+            <a:cxnSpLocks/>
+            <a:stCxn id="18" idx="3"/>
+            <a:endCxn id="20" idx="1"/>
+          </p:cNvCxnSpPr>
+          <p:nvPr/>
+        </p:nvCxnSpPr>
+        <p:spPr>
+          <a:xfrm>
+            <a:off x="7960024" y="2113157"/>
+            <a:ext cx="2789208" cy="937515"/>
+          </a:xfrm>
+          <a:prstGeom prst="curvedConnector3">
+            <a:avLst/>
+          </a:prstGeom>
+          <a:ln>
+            <a:tailEnd type="triangle"/>
+          </a:ln>
+        </p:spPr>
+        <p:style>
+          <a:lnRef idx="1">
+            <a:schemeClr val="dk1"/>
+          </a:lnRef>
+          <a:fillRef idx="0">
+            <a:schemeClr val="dk1"/>
+          </a:fillRef>
+          <a:effectRef idx="0">
+            <a:schemeClr val="dk1"/>
+          </a:effectRef>
+          <a:fontRef idx="minor">
+            <a:schemeClr val="tx1"/>
+          </a:fontRef>
+        </p:style>
+      </p:cxnSp>
+      <p:sp>
+        <p:nvSpPr>
+          <p:cNvPr id="2" name="직사각형 1">
+            <a:extLst>
+              <a:ext uri="{FF2B5EF4-FFF2-40B4-BE49-F238E27FC236}">
+                <a16:creationId xmlns:a16="http://schemas.microsoft.com/office/drawing/2014/main" id="{EF8C0CBC-AADB-BCB7-9FD0-9D04BD66981A}"/>
+              </a:ext>
+            </a:extLst>
+          </p:cNvPr>
+          <p:cNvSpPr/>
+          <p:nvPr/>
+        </p:nvSpPr>
+        <p:spPr>
+          <a:xfrm>
+            <a:off x="6545292" y="2794860"/>
+            <a:ext cx="1414732" cy="511624"/>
+          </a:xfrm>
+          <a:prstGeom prst="rect">
+            <a:avLst/>
+          </a:prstGeom>
+          <a:solidFill>
+            <a:srgbClr val="FFFF00"/>
+          </a:solidFill>
+          <a:ln w="38100">
+            <a:solidFill>
+              <a:srgbClr val="FF0000"/>
+            </a:solidFill>
+          </a:ln>
+        </p:spPr>
+        <p:style>
+          <a:lnRef idx="2">
+            <a:schemeClr val="accent1">
+              <a:shade val="15000"/>
+            </a:schemeClr>
+          </a:lnRef>
+          <a:fillRef idx="1">
+            <a:schemeClr val="accent1"/>
+          </a:fillRef>
+          <a:effectRef idx="0">
+            <a:schemeClr val="accent1"/>
+          </a:effectRef>
+          <a:fontRef idx="minor">
+            <a:schemeClr val="lt1"/>
+          </a:fontRef>
+        </p:style>
+        <p:txBody>
+          <a:bodyPr rtlCol="0" anchor="ctr"/>
+          <a:lstStyle/>
+          <a:p>
+            <a:pPr algn="ctr"/>
+            <a:r>
+              <a:rPr kumimoji="1" lang="en-US" altLang="ko-Kore-KR" dirty="0">
+                <a:solidFill>
+                  <a:schemeClr val="tx1"/>
+                </a:solidFill>
+                <a:latin typeface="DM Mono" panose="020B0509040201040103" pitchFamily="49" charset="0"/>
+              </a:rPr>
+              <a:t>0x100</a:t>
+            </a:r>
+            <a:endParaRPr kumimoji="1" lang="ko-Kore-KR" altLang="en-US" dirty="0">
+              <a:solidFill>
+                <a:schemeClr val="tx1"/>
+              </a:solidFill>
+              <a:latin typeface="DM Mono" panose="020B0509040201040103" pitchFamily="49" charset="0"/>
+            </a:endParaRPr>
+          </a:p>
+        </p:txBody>
+      </p:sp>
+      <p:sp>
+        <p:nvSpPr>
+          <p:cNvPr id="3" name="TextBox 2">
+            <a:extLst>
+              <a:ext uri="{FF2B5EF4-FFF2-40B4-BE49-F238E27FC236}">
+                <a16:creationId xmlns:a16="http://schemas.microsoft.com/office/drawing/2014/main" id="{D9B4EA37-92D1-8984-4BB2-9D15895CB425}"/>
+              </a:ext>
+            </a:extLst>
+          </p:cNvPr>
+          <p:cNvSpPr txBox="1"/>
+          <p:nvPr/>
+        </p:nvSpPr>
+        <p:spPr>
+          <a:xfrm>
+            <a:off x="5538159" y="2866006"/>
+            <a:ext cx="1007133" cy="369332"/>
+          </a:xfrm>
+          <a:prstGeom prst="rect">
+            <a:avLst/>
+          </a:prstGeom>
+          <a:noFill/>
+        </p:spPr>
+        <p:txBody>
+          <a:bodyPr wrap="square">
+            <a:spAutoFit/>
+          </a:bodyPr>
+          <a:lstStyle/>
+          <a:p>
+            <a:pPr algn="r"/>
+            <a:r>
+              <a:rPr lang="en-US" altLang="ko-Kore-KR" dirty="0">
+                <a:latin typeface="DM Mono" panose="020B0509040201040103" pitchFamily="49" charset="0"/>
+              </a:rPr>
+              <a:t>name</a:t>
+            </a:r>
+            <a:endParaRPr lang="ko-Kore-KR" altLang="en-US" dirty="0"/>
+          </a:p>
+        </p:txBody>
+      </p:sp>
+      <p:sp>
+        <p:nvSpPr>
+          <p:cNvPr id="4" name="TextBox 3">
+            <a:extLst>
+              <a:ext uri="{FF2B5EF4-FFF2-40B4-BE49-F238E27FC236}">
+                <a16:creationId xmlns:a16="http://schemas.microsoft.com/office/drawing/2014/main" id="{AB8DD3C1-6167-C65E-1C7D-D634A5FE1B31}"/>
+              </a:ext>
+            </a:extLst>
+          </p:cNvPr>
+          <p:cNvSpPr txBox="1"/>
+          <p:nvPr/>
+        </p:nvSpPr>
+        <p:spPr>
+          <a:xfrm>
+            <a:off x="6668220" y="2425528"/>
+            <a:ext cx="1164566" cy="369332"/>
+          </a:xfrm>
+          <a:prstGeom prst="rect">
+            <a:avLst/>
+          </a:prstGeom>
+          <a:noFill/>
+        </p:spPr>
+        <p:txBody>
+          <a:bodyPr wrap="square">
+            <a:spAutoFit/>
+          </a:bodyPr>
+          <a:lstStyle/>
+          <a:p>
+            <a:pPr algn="ctr"/>
+            <a:r>
+              <a:rPr lang="en-US" altLang="ko-Kore-KR" dirty="0">
+                <a:latin typeface="DM Mono" panose="020B0509040201040103" pitchFamily="49" charset="0"/>
+              </a:rPr>
+              <a:t>other</a:t>
+            </a:r>
+            <a:endParaRPr lang="ko-Kore-KR" altLang="en-US" dirty="0"/>
+          </a:p>
+        </p:txBody>
+      </p:sp>
+      <p:sp>
+        <p:nvSpPr>
+          <p:cNvPr id="5" name="직사각형 4">
+            <a:extLst>
+              <a:ext uri="{FF2B5EF4-FFF2-40B4-BE49-F238E27FC236}">
+                <a16:creationId xmlns:a16="http://schemas.microsoft.com/office/drawing/2014/main" id="{478F08D9-F56A-5DAE-78D9-0C62AA993B04}"/>
+              </a:ext>
+            </a:extLst>
+          </p:cNvPr>
+          <p:cNvSpPr/>
+          <p:nvPr/>
+        </p:nvSpPr>
+        <p:spPr>
+          <a:xfrm>
+            <a:off x="6545292" y="3306484"/>
+            <a:ext cx="1414732" cy="511624"/>
+          </a:xfrm>
+          <a:prstGeom prst="rect">
+            <a:avLst/>
+          </a:prstGeom>
+          <a:solidFill>
+            <a:srgbClr val="FFFF00"/>
+          </a:solidFill>
+          <a:ln w="38100">
+            <a:solidFill>
+              <a:srgbClr val="FF0000"/>
+            </a:solidFill>
+          </a:ln>
+        </p:spPr>
+        <p:style>
+          <a:lnRef idx="2">
+            <a:schemeClr val="accent1">
+              <a:shade val="15000"/>
+            </a:schemeClr>
+          </a:lnRef>
+          <a:fillRef idx="1">
+            <a:schemeClr val="accent1"/>
+          </a:fillRef>
+          <a:effectRef idx="0">
+            <a:schemeClr val="accent1"/>
+          </a:effectRef>
+          <a:fontRef idx="minor">
+            <a:schemeClr val="lt1"/>
+          </a:fontRef>
+        </p:style>
+        <p:txBody>
+          <a:bodyPr rtlCol="0" anchor="ctr"/>
+          <a:lstStyle/>
+          <a:p>
+            <a:pPr algn="ctr"/>
+            <a:r>
+              <a:rPr kumimoji="1" lang="en-US" altLang="ko-Kore-KR" dirty="0">
+                <a:solidFill>
+                  <a:schemeClr val="tx1"/>
+                </a:solidFill>
+                <a:latin typeface="DM Mono" panose="020B0509040201040103" pitchFamily="49" charset="0"/>
+              </a:rPr>
+              <a:t>42</a:t>
+            </a:r>
+            <a:endParaRPr kumimoji="1" lang="ko-Kore-KR" altLang="en-US" dirty="0">
+              <a:solidFill>
+                <a:schemeClr val="tx1"/>
+              </a:solidFill>
+              <a:latin typeface="DM Mono" panose="020B0509040201040103" pitchFamily="49" charset="0"/>
+            </a:endParaRPr>
+          </a:p>
+        </p:txBody>
+      </p:sp>
+      <p:sp>
+        <p:nvSpPr>
+          <p:cNvPr id="13" name="TextBox 12">
+            <a:extLst>
+              <a:ext uri="{FF2B5EF4-FFF2-40B4-BE49-F238E27FC236}">
+                <a16:creationId xmlns:a16="http://schemas.microsoft.com/office/drawing/2014/main" id="{EE09B3DE-90A3-CB75-3A7A-243DE1AB1DDB}"/>
+              </a:ext>
+            </a:extLst>
+          </p:cNvPr>
+          <p:cNvSpPr txBox="1"/>
+          <p:nvPr/>
+        </p:nvSpPr>
+        <p:spPr>
+          <a:xfrm>
+            <a:off x="5840085" y="3377630"/>
+            <a:ext cx="705208" cy="369332"/>
+          </a:xfrm>
+          <a:prstGeom prst="rect">
+            <a:avLst/>
+          </a:prstGeom>
+          <a:noFill/>
+        </p:spPr>
+        <p:txBody>
+          <a:bodyPr wrap="square">
+            <a:spAutoFit/>
+          </a:bodyPr>
+          <a:lstStyle/>
+          <a:p>
+            <a:pPr algn="r"/>
+            <a:r>
+              <a:rPr lang="en-US" altLang="ko-Kore-KR" dirty="0">
+                <a:latin typeface="DM Mono" panose="020B0509040201040103" pitchFamily="49" charset="0"/>
+              </a:rPr>
+              <a:t>age</a:t>
+            </a:r>
+            <a:endParaRPr lang="ko-Kore-KR" altLang="en-US" dirty="0"/>
+          </a:p>
+        </p:txBody>
+      </p:sp>
+      <p:sp>
+        <p:nvSpPr>
+          <p:cNvPr id="15" name="직사각형 14">
+            <a:extLst>
+              <a:ext uri="{FF2B5EF4-FFF2-40B4-BE49-F238E27FC236}">
+                <a16:creationId xmlns:a16="http://schemas.microsoft.com/office/drawing/2014/main" id="{D0741FD0-A317-3F57-7DD0-3429317E018A}"/>
+              </a:ext>
+            </a:extLst>
+          </p:cNvPr>
+          <p:cNvSpPr/>
+          <p:nvPr/>
+        </p:nvSpPr>
+        <p:spPr>
+          <a:xfrm>
+            <a:off x="6545292" y="3818108"/>
+            <a:ext cx="1414732" cy="511624"/>
+          </a:xfrm>
+          <a:prstGeom prst="rect">
+            <a:avLst/>
+          </a:prstGeom>
+          <a:solidFill>
+            <a:srgbClr val="FFFF00"/>
+          </a:solidFill>
+          <a:ln w="38100">
+            <a:solidFill>
+              <a:srgbClr val="FF0000"/>
+            </a:solidFill>
+          </a:ln>
+        </p:spPr>
+        <p:style>
+          <a:lnRef idx="2">
+            <a:schemeClr val="accent1">
+              <a:shade val="15000"/>
+            </a:schemeClr>
+          </a:lnRef>
+          <a:fillRef idx="1">
+            <a:schemeClr val="accent1"/>
+          </a:fillRef>
+          <a:effectRef idx="0">
+            <a:schemeClr val="accent1"/>
+          </a:effectRef>
+          <a:fontRef idx="minor">
+            <a:schemeClr val="lt1"/>
+          </a:fontRef>
+        </p:style>
+        <p:txBody>
+          <a:bodyPr rtlCol="0" anchor="ctr"/>
+          <a:lstStyle/>
+          <a:p>
+            <a:pPr algn="ctr"/>
+            <a:endParaRPr kumimoji="1" lang="ko-Kore-KR" altLang="en-US" dirty="0">
+              <a:solidFill>
+                <a:schemeClr val="tx1"/>
+              </a:solidFill>
+              <a:latin typeface="DM Mono" panose="020B0509040201040103" pitchFamily="49" charset="0"/>
+            </a:endParaRPr>
+          </a:p>
+        </p:txBody>
+      </p:sp>
+      <p:sp>
+        <p:nvSpPr>
+          <p:cNvPr id="16" name="TextBox 15">
+            <a:extLst>
+              <a:ext uri="{FF2B5EF4-FFF2-40B4-BE49-F238E27FC236}">
+                <a16:creationId xmlns:a16="http://schemas.microsoft.com/office/drawing/2014/main" id="{87DB63FE-CB9C-D5C6-7BDC-3872060D39EA}"/>
+              </a:ext>
+            </a:extLst>
+          </p:cNvPr>
+          <p:cNvSpPr txBox="1"/>
+          <p:nvPr/>
+        </p:nvSpPr>
+        <p:spPr>
+          <a:xfrm>
+            <a:off x="5840085" y="3889254"/>
+            <a:ext cx="705208" cy="369332"/>
+          </a:xfrm>
+          <a:prstGeom prst="rect">
+            <a:avLst/>
+          </a:prstGeom>
+          <a:noFill/>
+        </p:spPr>
+        <p:txBody>
+          <a:bodyPr wrap="square">
+            <a:spAutoFit/>
+          </a:bodyPr>
+          <a:lstStyle/>
+          <a:p>
+            <a:pPr algn="r"/>
+            <a:r>
+              <a:rPr lang="en-US" altLang="ko-Kore-KR" dirty="0">
+                <a:latin typeface="DM Mono" panose="020B0509040201040103" pitchFamily="49" charset="0"/>
+              </a:rPr>
+              <a:t>ref</a:t>
+            </a:r>
+            <a:endParaRPr lang="ko-Kore-KR" altLang="en-US" dirty="0"/>
+          </a:p>
+        </p:txBody>
+      </p:sp>
+      <p:cxnSp>
+        <p:nvCxnSpPr>
+          <p:cNvPr id="17" name="구부러진 연결선[U] 16">
+            <a:extLst>
+              <a:ext uri="{FF2B5EF4-FFF2-40B4-BE49-F238E27FC236}">
+                <a16:creationId xmlns:a16="http://schemas.microsoft.com/office/drawing/2014/main" id="{6B497635-C3F8-8D16-5748-058BC520FE4E}"/>
+              </a:ext>
+            </a:extLst>
+          </p:cNvPr>
+          <p:cNvCxnSpPr>
+            <a:cxnSpLocks/>
+            <a:stCxn id="2" idx="3"/>
+            <a:endCxn id="11" idx="1"/>
+          </p:cNvCxnSpPr>
+          <p:nvPr/>
+        </p:nvCxnSpPr>
+        <p:spPr>
+          <a:xfrm flipV="1">
+            <a:off x="7960024" y="1864562"/>
+            <a:ext cx="2567797" cy="1186110"/>
+          </a:xfrm>
+          <a:prstGeom prst="curvedConnector3">
+            <a:avLst>
+              <a:gd name="adj1" fmla="val 50000"/>
+            </a:avLst>
+          </a:prstGeom>
+          <a:ln>
+            <a:tailEnd type="triangle"/>
+          </a:ln>
+        </p:spPr>
+        <p:style>
+          <a:lnRef idx="1">
+            <a:schemeClr val="dk1"/>
+          </a:lnRef>
+          <a:fillRef idx="0">
+            <a:schemeClr val="dk1"/>
+          </a:fillRef>
+          <a:effectRef idx="0">
+            <a:schemeClr val="dk1"/>
+          </a:effectRef>
+          <a:fontRef idx="minor">
+            <a:schemeClr val="tx1"/>
+          </a:fontRef>
+        </p:style>
+      </p:cxnSp>
+      <p:cxnSp>
+        <p:nvCxnSpPr>
+          <p:cNvPr id="24" name="구부러진 연결선[U] 23">
+            <a:extLst>
+              <a:ext uri="{FF2B5EF4-FFF2-40B4-BE49-F238E27FC236}">
+                <a16:creationId xmlns:a16="http://schemas.microsoft.com/office/drawing/2014/main" id="{A513562E-CC52-E2CF-BD5F-9BDAD1B7898F}"/>
+              </a:ext>
+            </a:extLst>
+          </p:cNvPr>
+          <p:cNvCxnSpPr>
+            <a:cxnSpLocks/>
+            <a:stCxn id="15" idx="3"/>
+            <a:endCxn id="20" idx="1"/>
+          </p:cNvCxnSpPr>
+          <p:nvPr/>
+        </p:nvCxnSpPr>
+        <p:spPr>
+          <a:xfrm flipV="1">
+            <a:off x="7960024" y="3050672"/>
+            <a:ext cx="2789208" cy="1023248"/>
+          </a:xfrm>
+          <a:prstGeom prst="curvedConnector3">
+            <a:avLst>
+              <a:gd name="adj1" fmla="val 50000"/>
+            </a:avLst>
+          </a:prstGeom>
+          <a:ln>
+            <a:tailEnd type="triangle"/>
+          </a:ln>
+        </p:spPr>
+        <p:style>
+          <a:lnRef idx="1">
+            <a:schemeClr val="dk1"/>
+          </a:lnRef>
+          <a:fillRef idx="0">
+            <a:schemeClr val="dk1"/>
+          </a:fillRef>
+          <a:effectRef idx="0">
+            <a:schemeClr val="dk1"/>
+          </a:effectRef>
+          <a:fontRef idx="minor">
+            <a:schemeClr val="tx1"/>
+          </a:fontRef>
+        </p:style>
+      </p:cxnSp>
+      <p:sp>
+        <p:nvSpPr>
+          <p:cNvPr id="30" name="TextBox 29">
+            <a:extLst>
+              <a:ext uri="{FF2B5EF4-FFF2-40B4-BE49-F238E27FC236}">
+                <a16:creationId xmlns:a16="http://schemas.microsoft.com/office/drawing/2014/main" id="{B14F8DD9-B4E6-5C18-33DB-8F127972FAC9}"/>
+              </a:ext>
+            </a:extLst>
+          </p:cNvPr>
+          <p:cNvSpPr txBox="1"/>
+          <p:nvPr/>
+        </p:nvSpPr>
+        <p:spPr>
+          <a:xfrm>
+            <a:off x="581564" y="515309"/>
+            <a:ext cx="6094562" cy="2031325"/>
+          </a:xfrm>
+          <a:prstGeom prst="rect">
+            <a:avLst/>
+          </a:prstGeom>
+          <a:noFill/>
+        </p:spPr>
+        <p:txBody>
+          <a:bodyPr wrap="square">
+            <a:spAutoFit/>
+          </a:bodyPr>
+          <a:lstStyle/>
+          <a:p>
+            <a:r>
+              <a:rPr lang="ko-Kore-KR" altLang="en-US" dirty="0">
+                <a:latin typeface="DM Mono" panose="020B0509040201040103" pitchFamily="49" charset="0"/>
+              </a:rPr>
+              <a:t> ~User()</a:t>
+            </a:r>
+          </a:p>
+          <a:p>
+            <a:r>
+              <a:rPr lang="ko-Kore-KR" altLang="en-US" dirty="0">
+                <a:latin typeface="DM Mono" panose="020B0509040201040103" pitchFamily="49" charset="0"/>
+              </a:rPr>
+              <a:t>    {</a:t>
+            </a:r>
+          </a:p>
+          <a:p>
+            <a:r>
+              <a:rPr lang="ko-Kore-KR" altLang="en-US" dirty="0">
+                <a:latin typeface="DM Mono" panose="020B0509040201040103" pitchFamily="49" charset="0"/>
+              </a:rPr>
+              <a:t>        if </a:t>
+            </a:r>
+            <a:r>
+              <a:rPr lang="ko-Kore-KR" altLang="en-US" dirty="0">
+                <a:solidFill>
+                  <a:srgbClr val="FF0000"/>
+                </a:solidFill>
+                <a:latin typeface="DM Mono" panose="020B0509040201040103" pitchFamily="49" charset="0"/>
+              </a:rPr>
+              <a:t>(--*ref == 0)</a:t>
+            </a:r>
+            <a:r>
+              <a:rPr lang="ko-Kore-KR" altLang="en-US" dirty="0">
+                <a:latin typeface="DM Mono" panose="020B0509040201040103" pitchFamily="49" charset="0"/>
+              </a:rPr>
+              <a:t> {</a:t>
+            </a:r>
+          </a:p>
+          <a:p>
+            <a:r>
+              <a:rPr lang="ko-Kore-KR" altLang="en-US" dirty="0">
+                <a:latin typeface="DM Mono" panose="020B0509040201040103" pitchFamily="49" charset="0"/>
+              </a:rPr>
+              <a:t>            delete[] name;</a:t>
+            </a:r>
+          </a:p>
+          <a:p>
+            <a:r>
+              <a:rPr lang="ko-Kore-KR" altLang="en-US" dirty="0">
+                <a:latin typeface="DM Mono" panose="020B0509040201040103" pitchFamily="49" charset="0"/>
+              </a:rPr>
+              <a:t>            delete ref;</a:t>
+            </a:r>
+          </a:p>
+          <a:p>
+            <a:r>
+              <a:rPr lang="ko-Kore-KR" altLang="en-US" dirty="0">
+                <a:latin typeface="DM Mono" panose="020B0509040201040103" pitchFamily="49" charset="0"/>
+              </a:rPr>
+              <a:t>        }</a:t>
+            </a:r>
+          </a:p>
+          <a:p>
+            <a:r>
+              <a:rPr lang="ko-Kore-KR" altLang="en-US" dirty="0">
+                <a:latin typeface="DM Mono" panose="020B0509040201040103" pitchFamily="49" charset="0"/>
+              </a:rPr>
+              <a:t>    }</a:t>
+            </a:r>
+          </a:p>
+        </p:txBody>
+      </p:sp>
+    </p:spTree>
+    <p:extLst>
+      <p:ext uri="{BB962C8B-B14F-4D97-AF65-F5344CB8AC3E}">
+        <p14:creationId xmlns:p14="http://schemas.microsoft.com/office/powerpoint/2010/main" val="3216802261"/>
+      </p:ext>
+    </p:extLst>
+  </p:cSld>
+  <p:clrMapOvr>
+    <a:masterClrMapping/>
+  </p:clrMapOvr>
+</p:sld>
+</file>
+
+<file path=ppt/slides/slide19.xml><?xml version="1.0" encoding="utf-8"?>
+<p:sld xmlns:a="http://schemas.openxmlformats.org/drawingml/2006/main" xmlns:r="http://schemas.openxmlformats.org/officeDocument/2006/relationships" xmlns:p="http://schemas.openxmlformats.org/presentationml/2006/main">
+  <p:cSld>
+    <p:spTree>
+      <p:nvGrpSpPr>
+        <p:cNvPr id="1" name=""/>
+        <p:cNvGrpSpPr/>
+        <p:nvPr/>
+      </p:nvGrpSpPr>
+      <p:grpSpPr>
+        <a:xfrm>
+          <a:off x="0" y="0"/>
+          <a:ext cx="0" cy="0"/>
+          <a:chOff x="0" y="0"/>
+          <a:chExt cx="0" cy="0"/>
+        </a:xfrm>
+      </p:grpSpPr>
+      <p:sp>
+        <p:nvSpPr>
+          <p:cNvPr id="6" name="직사각형 5">
+            <a:extLst>
+              <a:ext uri="{FF2B5EF4-FFF2-40B4-BE49-F238E27FC236}">
+                <a16:creationId xmlns:a16="http://schemas.microsoft.com/office/drawing/2014/main" id="{87724EDF-D895-CFE9-CF1E-25BA19190DF0}"/>
+              </a:ext>
+            </a:extLst>
+          </p:cNvPr>
+          <p:cNvSpPr/>
+          <p:nvPr/>
+        </p:nvSpPr>
+        <p:spPr>
+          <a:xfrm>
+            <a:off x="6545292" y="834097"/>
+            <a:ext cx="1414732" cy="511624"/>
+          </a:xfrm>
+          <a:prstGeom prst="rect">
+            <a:avLst/>
+          </a:prstGeom>
+          <a:solidFill>
+            <a:srgbClr val="FFFF00"/>
+          </a:solidFill>
+          <a:ln w="38100">
+            <a:solidFill>
+              <a:srgbClr val="FF0000"/>
+            </a:solidFill>
+          </a:ln>
+        </p:spPr>
+        <p:style>
+          <a:lnRef idx="2">
+            <a:schemeClr val="accent1">
+              <a:shade val="15000"/>
+            </a:schemeClr>
+          </a:lnRef>
+          <a:fillRef idx="1">
+            <a:schemeClr val="accent1"/>
+          </a:fillRef>
+          <a:effectRef idx="0">
+            <a:schemeClr val="accent1"/>
+          </a:effectRef>
+          <a:fontRef idx="minor">
+            <a:schemeClr val="lt1"/>
+          </a:fontRef>
+        </p:style>
+        <p:txBody>
+          <a:bodyPr rtlCol="0" anchor="ctr"/>
+          <a:lstStyle/>
+          <a:p>
+            <a:pPr algn="ctr"/>
+            <a:r>
+              <a:rPr kumimoji="1" lang="en-US" altLang="ko-Kore-KR" dirty="0">
+                <a:solidFill>
+                  <a:schemeClr val="tx1"/>
+                </a:solidFill>
+                <a:latin typeface="DM Mono" panose="020B0509040201040103" pitchFamily="49" charset="0"/>
+              </a:rPr>
+              <a:t>0x100</a:t>
+            </a:r>
+            <a:endParaRPr kumimoji="1" lang="ko-Kore-KR" altLang="en-US" dirty="0">
+              <a:solidFill>
+                <a:schemeClr val="tx1"/>
+              </a:solidFill>
+              <a:latin typeface="DM Mono" panose="020B0509040201040103" pitchFamily="49" charset="0"/>
+            </a:endParaRPr>
+          </a:p>
+        </p:txBody>
+      </p:sp>
+      <p:sp>
+        <p:nvSpPr>
+          <p:cNvPr id="7" name="TextBox 6">
+            <a:extLst>
+              <a:ext uri="{FF2B5EF4-FFF2-40B4-BE49-F238E27FC236}">
+                <a16:creationId xmlns:a16="http://schemas.microsoft.com/office/drawing/2014/main" id="{91624FBD-4502-9C03-52A7-824C72B0A3C2}"/>
+              </a:ext>
+            </a:extLst>
+          </p:cNvPr>
+          <p:cNvSpPr txBox="1"/>
+          <p:nvPr/>
+        </p:nvSpPr>
+        <p:spPr>
+          <a:xfrm>
+            <a:off x="5538159" y="905243"/>
+            <a:ext cx="1007133" cy="369332"/>
+          </a:xfrm>
+          <a:prstGeom prst="rect">
+            <a:avLst/>
+          </a:prstGeom>
+          <a:noFill/>
+        </p:spPr>
+        <p:txBody>
+          <a:bodyPr wrap="square">
+            <a:spAutoFit/>
+          </a:bodyPr>
+          <a:lstStyle/>
+          <a:p>
+            <a:pPr algn="r"/>
+            <a:r>
+              <a:rPr lang="en-US" altLang="ko-Kore-KR" dirty="0">
+                <a:latin typeface="DM Mono" panose="020B0509040201040103" pitchFamily="49" charset="0"/>
+              </a:rPr>
+              <a:t>name</a:t>
+            </a:r>
+            <a:endParaRPr lang="ko-Kore-KR" altLang="en-US" dirty="0"/>
+          </a:p>
+        </p:txBody>
+      </p:sp>
+      <p:sp>
+        <p:nvSpPr>
+          <p:cNvPr id="8" name="TextBox 7">
+            <a:extLst>
+              <a:ext uri="{FF2B5EF4-FFF2-40B4-BE49-F238E27FC236}">
+                <a16:creationId xmlns:a16="http://schemas.microsoft.com/office/drawing/2014/main" id="{4177E8EE-2E4E-A399-02F8-ABCEFDA2332F}"/>
+              </a:ext>
+            </a:extLst>
+          </p:cNvPr>
+          <p:cNvSpPr txBox="1"/>
+          <p:nvPr/>
+        </p:nvSpPr>
+        <p:spPr>
+          <a:xfrm>
+            <a:off x="6668220" y="464765"/>
+            <a:ext cx="1164566" cy="369332"/>
+          </a:xfrm>
+          <a:prstGeom prst="rect">
+            <a:avLst/>
+          </a:prstGeom>
+          <a:noFill/>
+        </p:spPr>
+        <p:txBody>
+          <a:bodyPr wrap="square">
+            <a:spAutoFit/>
+          </a:bodyPr>
+          <a:lstStyle/>
+          <a:p>
+            <a:pPr algn="ctr"/>
+            <a:r>
+              <a:rPr lang="en-US" altLang="ko-Kore-KR" dirty="0">
+                <a:latin typeface="DM Mono" panose="020B0509040201040103" pitchFamily="49" charset="0"/>
+              </a:rPr>
+              <a:t>user</a:t>
+            </a:r>
+            <a:endParaRPr lang="ko-Kore-KR" altLang="en-US" dirty="0"/>
+          </a:p>
+        </p:txBody>
+      </p:sp>
+      <p:sp>
+        <p:nvSpPr>
+          <p:cNvPr id="9" name="직사각형 8">
+            <a:extLst>
+              <a:ext uri="{FF2B5EF4-FFF2-40B4-BE49-F238E27FC236}">
+                <a16:creationId xmlns:a16="http://schemas.microsoft.com/office/drawing/2014/main" id="{520CC13C-E00D-E517-581E-1F030F14C966}"/>
+              </a:ext>
+            </a:extLst>
+          </p:cNvPr>
+          <p:cNvSpPr/>
+          <p:nvPr/>
+        </p:nvSpPr>
+        <p:spPr>
+          <a:xfrm>
+            <a:off x="6545292" y="1345721"/>
+            <a:ext cx="1414732" cy="511624"/>
+          </a:xfrm>
+          <a:prstGeom prst="rect">
+            <a:avLst/>
+          </a:prstGeom>
+          <a:solidFill>
+            <a:srgbClr val="FFFF00"/>
+          </a:solidFill>
+          <a:ln w="38100">
+            <a:solidFill>
+              <a:srgbClr val="FF0000"/>
+            </a:solidFill>
+          </a:ln>
+        </p:spPr>
+        <p:style>
+          <a:lnRef idx="2">
+            <a:schemeClr val="accent1">
+              <a:shade val="15000"/>
+            </a:schemeClr>
+          </a:lnRef>
+          <a:fillRef idx="1">
+            <a:schemeClr val="accent1"/>
+          </a:fillRef>
+          <a:effectRef idx="0">
+            <a:schemeClr val="accent1"/>
+          </a:effectRef>
+          <a:fontRef idx="minor">
+            <a:schemeClr val="lt1"/>
+          </a:fontRef>
+        </p:style>
+        <p:txBody>
+          <a:bodyPr rtlCol="0" anchor="ctr"/>
+          <a:lstStyle/>
+          <a:p>
+            <a:pPr algn="ctr"/>
+            <a:r>
+              <a:rPr kumimoji="1" lang="en-US" altLang="ko-Kore-KR" dirty="0">
+                <a:solidFill>
+                  <a:schemeClr val="tx1"/>
+                </a:solidFill>
+                <a:latin typeface="DM Mono" panose="020B0509040201040103" pitchFamily="49" charset="0"/>
+              </a:rPr>
+              <a:t>42</a:t>
+            </a:r>
+            <a:endParaRPr kumimoji="1" lang="ko-Kore-KR" altLang="en-US" dirty="0">
+              <a:solidFill>
+                <a:schemeClr val="tx1"/>
+              </a:solidFill>
+              <a:latin typeface="DM Mono" panose="020B0509040201040103" pitchFamily="49" charset="0"/>
+            </a:endParaRPr>
+          </a:p>
+        </p:txBody>
+      </p:sp>
+      <p:sp>
+        <p:nvSpPr>
+          <p:cNvPr id="10" name="TextBox 9">
+            <a:extLst>
+              <a:ext uri="{FF2B5EF4-FFF2-40B4-BE49-F238E27FC236}">
+                <a16:creationId xmlns:a16="http://schemas.microsoft.com/office/drawing/2014/main" id="{BD556C66-C174-B6D3-EEED-EAFA6B64151D}"/>
+              </a:ext>
+            </a:extLst>
+          </p:cNvPr>
+          <p:cNvSpPr txBox="1"/>
+          <p:nvPr/>
+        </p:nvSpPr>
+        <p:spPr>
+          <a:xfrm>
+            <a:off x="5840085" y="1416867"/>
+            <a:ext cx="705208" cy="369332"/>
+          </a:xfrm>
+          <a:prstGeom prst="rect">
+            <a:avLst/>
+          </a:prstGeom>
+          <a:noFill/>
+        </p:spPr>
+        <p:txBody>
+          <a:bodyPr wrap="square">
+            <a:spAutoFit/>
+          </a:bodyPr>
+          <a:lstStyle/>
+          <a:p>
+            <a:pPr algn="r"/>
+            <a:r>
+              <a:rPr lang="en-US" altLang="ko-Kore-KR" dirty="0">
+                <a:latin typeface="DM Mono" panose="020B0509040201040103" pitchFamily="49" charset="0"/>
+              </a:rPr>
+              <a:t>age</a:t>
+            </a:r>
+            <a:endParaRPr lang="ko-Kore-KR" altLang="en-US" dirty="0"/>
+          </a:p>
+        </p:txBody>
+      </p:sp>
+      <p:sp>
+        <p:nvSpPr>
+          <p:cNvPr id="11" name="직사각형 10">
+            <a:extLst>
+              <a:ext uri="{FF2B5EF4-FFF2-40B4-BE49-F238E27FC236}">
+                <a16:creationId xmlns:a16="http://schemas.microsoft.com/office/drawing/2014/main" id="{5778D267-A3EA-1BA4-9268-69BFE1380352}"/>
+              </a:ext>
+            </a:extLst>
+          </p:cNvPr>
+          <p:cNvSpPr/>
+          <p:nvPr/>
+        </p:nvSpPr>
+        <p:spPr>
+          <a:xfrm>
+            <a:off x="10527821" y="1608750"/>
+            <a:ext cx="1414732" cy="511624"/>
+          </a:xfrm>
+          <a:prstGeom prst="rect">
+            <a:avLst/>
+          </a:prstGeom>
+          <a:solidFill>
+            <a:srgbClr val="FFFF00"/>
+          </a:solidFill>
+          <a:ln w="38100">
+            <a:solidFill>
+              <a:srgbClr val="FF0000"/>
+            </a:solidFill>
+          </a:ln>
+        </p:spPr>
+        <p:style>
+          <a:lnRef idx="2">
+            <a:schemeClr val="accent1">
+              <a:shade val="15000"/>
+            </a:schemeClr>
+          </a:lnRef>
+          <a:fillRef idx="1">
+            <a:schemeClr val="accent1"/>
+          </a:fillRef>
+          <a:effectRef idx="0">
+            <a:schemeClr val="accent1"/>
+          </a:effectRef>
+          <a:fontRef idx="minor">
+            <a:schemeClr val="lt1"/>
+          </a:fontRef>
+        </p:style>
+        <p:txBody>
+          <a:bodyPr rtlCol="0" anchor="ctr"/>
+          <a:lstStyle/>
+          <a:p>
+            <a:pPr algn="ctr"/>
+            <a:r>
+              <a:rPr kumimoji="1" lang="en-US" altLang="ko-Kore-KR" dirty="0">
+                <a:solidFill>
+                  <a:schemeClr val="tx1"/>
+                </a:solidFill>
+                <a:latin typeface="DM Mono" panose="020B0509040201040103" pitchFamily="49" charset="0"/>
+              </a:rPr>
+              <a:t>“Tom”</a:t>
+            </a:r>
+            <a:endParaRPr kumimoji="1" lang="ko-Kore-KR" altLang="en-US" dirty="0">
+              <a:solidFill>
+                <a:schemeClr val="tx1"/>
+              </a:solidFill>
+              <a:latin typeface="DM Mono" panose="020B0509040201040103" pitchFamily="49" charset="0"/>
+            </a:endParaRPr>
+          </a:p>
+        </p:txBody>
+      </p:sp>
+      <p:sp>
+        <p:nvSpPr>
+          <p:cNvPr id="12" name="TextBox 11">
+            <a:extLst>
+              <a:ext uri="{FF2B5EF4-FFF2-40B4-BE49-F238E27FC236}">
+                <a16:creationId xmlns:a16="http://schemas.microsoft.com/office/drawing/2014/main" id="{973E0080-5DAE-23F2-3D90-F864567D3C0C}"/>
+              </a:ext>
+            </a:extLst>
+          </p:cNvPr>
+          <p:cNvSpPr txBox="1"/>
+          <p:nvPr/>
+        </p:nvSpPr>
+        <p:spPr>
+          <a:xfrm>
+            <a:off x="9945538" y="1239418"/>
+            <a:ext cx="1164566" cy="369332"/>
+          </a:xfrm>
+          <a:prstGeom prst="rect">
+            <a:avLst/>
+          </a:prstGeom>
+          <a:noFill/>
+        </p:spPr>
+        <p:txBody>
+          <a:bodyPr wrap="square">
+            <a:spAutoFit/>
+          </a:bodyPr>
+          <a:lstStyle/>
+          <a:p>
+            <a:pPr algn="ctr"/>
+            <a:r>
+              <a:rPr lang="en-US" altLang="ko-Kore-KR" dirty="0">
+                <a:latin typeface="DM Mono" panose="020B0509040201040103" pitchFamily="49" charset="0"/>
+              </a:rPr>
+              <a:t>0x100</a:t>
+            </a:r>
+            <a:endParaRPr lang="ko-Kore-KR" altLang="en-US" dirty="0"/>
+          </a:p>
+        </p:txBody>
+      </p:sp>
+      <p:cxnSp>
+        <p:nvCxnSpPr>
+          <p:cNvPr id="14" name="구부러진 연결선[U] 13">
+            <a:extLst>
+              <a:ext uri="{FF2B5EF4-FFF2-40B4-BE49-F238E27FC236}">
+                <a16:creationId xmlns:a16="http://schemas.microsoft.com/office/drawing/2014/main" id="{A275FAF9-2C85-DDAD-8348-6287F47B20C0}"/>
+              </a:ext>
+            </a:extLst>
+          </p:cNvPr>
+          <p:cNvCxnSpPr>
+            <a:cxnSpLocks/>
+            <a:stCxn id="6" idx="3"/>
+            <a:endCxn id="11" idx="1"/>
+          </p:cNvCxnSpPr>
+          <p:nvPr/>
+        </p:nvCxnSpPr>
+        <p:spPr>
+          <a:xfrm>
+            <a:off x="7960024" y="1089909"/>
+            <a:ext cx="2567797" cy="774653"/>
+          </a:xfrm>
+          <a:prstGeom prst="curvedConnector3">
+            <a:avLst/>
+          </a:prstGeom>
+          <a:ln>
+            <a:tailEnd type="triangle"/>
+          </a:ln>
+        </p:spPr>
+        <p:style>
+          <a:lnRef idx="1">
+            <a:schemeClr val="dk1"/>
+          </a:lnRef>
+          <a:fillRef idx="0">
+            <a:schemeClr val="dk1"/>
+          </a:fillRef>
+          <a:effectRef idx="0">
+            <a:schemeClr val="dk1"/>
+          </a:effectRef>
+          <a:fontRef idx="minor">
+            <a:schemeClr val="tx1"/>
+          </a:fontRef>
+        </p:style>
+      </p:cxnSp>
+      <p:sp>
+        <p:nvSpPr>
+          <p:cNvPr id="18" name="직사각형 17">
+            <a:extLst>
+              <a:ext uri="{FF2B5EF4-FFF2-40B4-BE49-F238E27FC236}">
+                <a16:creationId xmlns:a16="http://schemas.microsoft.com/office/drawing/2014/main" id="{1E185AFF-FECF-6A1A-4FA5-C0B3BEE07D99}"/>
+              </a:ext>
+            </a:extLst>
+          </p:cNvPr>
+          <p:cNvSpPr/>
+          <p:nvPr/>
+        </p:nvSpPr>
+        <p:spPr>
+          <a:xfrm>
+            <a:off x="6545292" y="1857345"/>
+            <a:ext cx="1414732" cy="511624"/>
+          </a:xfrm>
+          <a:prstGeom prst="rect">
+            <a:avLst/>
+          </a:prstGeom>
+          <a:solidFill>
+            <a:srgbClr val="FFFF00"/>
+          </a:solidFill>
+          <a:ln w="38100">
+            <a:solidFill>
+              <a:srgbClr val="FF0000"/>
+            </a:solidFill>
+          </a:ln>
+        </p:spPr>
+        <p:style>
+          <a:lnRef idx="2">
+            <a:schemeClr val="accent1">
+              <a:shade val="15000"/>
+            </a:schemeClr>
+          </a:lnRef>
+          <a:fillRef idx="1">
+            <a:schemeClr val="accent1"/>
+          </a:fillRef>
+          <a:effectRef idx="0">
+            <a:schemeClr val="accent1"/>
+          </a:effectRef>
+          <a:fontRef idx="minor">
+            <a:schemeClr val="lt1"/>
+          </a:fontRef>
+        </p:style>
+        <p:txBody>
+          <a:bodyPr rtlCol="0" anchor="ctr"/>
+          <a:lstStyle/>
+          <a:p>
+            <a:pPr algn="ctr"/>
+            <a:endParaRPr kumimoji="1" lang="ko-Kore-KR" altLang="en-US" dirty="0">
+              <a:solidFill>
+                <a:schemeClr val="tx1"/>
+              </a:solidFill>
+              <a:latin typeface="DM Mono" panose="020B0509040201040103" pitchFamily="49" charset="0"/>
+            </a:endParaRPr>
+          </a:p>
+        </p:txBody>
+      </p:sp>
+      <p:sp>
+        <p:nvSpPr>
+          <p:cNvPr id="19" name="TextBox 18">
+            <a:extLst>
+              <a:ext uri="{FF2B5EF4-FFF2-40B4-BE49-F238E27FC236}">
+                <a16:creationId xmlns:a16="http://schemas.microsoft.com/office/drawing/2014/main" id="{F33C301D-7998-0B2D-5295-56F1B6CF919D}"/>
+              </a:ext>
+            </a:extLst>
+          </p:cNvPr>
+          <p:cNvSpPr txBox="1"/>
+          <p:nvPr/>
+        </p:nvSpPr>
+        <p:spPr>
+          <a:xfrm>
+            <a:off x="5840085" y="1928491"/>
+            <a:ext cx="705208" cy="369332"/>
+          </a:xfrm>
+          <a:prstGeom prst="rect">
+            <a:avLst/>
+          </a:prstGeom>
+          <a:noFill/>
+        </p:spPr>
+        <p:txBody>
+          <a:bodyPr wrap="square">
+            <a:spAutoFit/>
+          </a:bodyPr>
+          <a:lstStyle/>
+          <a:p>
+            <a:pPr algn="r"/>
+            <a:r>
+              <a:rPr lang="en-US" altLang="ko-Kore-KR" dirty="0">
+                <a:latin typeface="DM Mono" panose="020B0509040201040103" pitchFamily="49" charset="0"/>
+              </a:rPr>
+              <a:t>ref</a:t>
+            </a:r>
+            <a:endParaRPr lang="ko-Kore-KR" altLang="en-US" dirty="0"/>
+          </a:p>
+        </p:txBody>
+      </p:sp>
+      <p:sp>
+        <p:nvSpPr>
+          <p:cNvPr id="20" name="직사각형 19">
+            <a:extLst>
+              <a:ext uri="{FF2B5EF4-FFF2-40B4-BE49-F238E27FC236}">
+                <a16:creationId xmlns:a16="http://schemas.microsoft.com/office/drawing/2014/main" id="{F76D75CC-FC1B-7961-E52D-41320F8E46FA}"/>
+              </a:ext>
+            </a:extLst>
+          </p:cNvPr>
+          <p:cNvSpPr/>
+          <p:nvPr/>
+        </p:nvSpPr>
+        <p:spPr>
+          <a:xfrm>
+            <a:off x="10749232" y="2794860"/>
+            <a:ext cx="801538" cy="511624"/>
+          </a:xfrm>
+          <a:prstGeom prst="rect">
+            <a:avLst/>
+          </a:prstGeom>
+          <a:solidFill>
+            <a:srgbClr val="FFFF00"/>
+          </a:solidFill>
+          <a:ln w="38100">
+            <a:solidFill>
+              <a:srgbClr val="FF0000"/>
+            </a:solidFill>
+          </a:ln>
+        </p:spPr>
+        <p:style>
+          <a:lnRef idx="2">
+            <a:schemeClr val="accent1">
+              <a:shade val="15000"/>
+            </a:schemeClr>
+          </a:lnRef>
+          <a:fillRef idx="1">
+            <a:schemeClr val="accent1"/>
+          </a:fillRef>
+          <a:effectRef idx="0">
+            <a:schemeClr val="accent1"/>
+          </a:effectRef>
+          <a:fontRef idx="minor">
+            <a:schemeClr val="lt1"/>
+          </a:fontRef>
+        </p:style>
+        <p:txBody>
+          <a:bodyPr rtlCol="0" anchor="ctr"/>
+          <a:lstStyle/>
+          <a:p>
+            <a:pPr algn="ctr"/>
+            <a:r>
+              <a:rPr kumimoji="1" lang="en-US" altLang="ko-Kore-KR" dirty="0">
+                <a:solidFill>
+                  <a:srgbClr val="FF0000"/>
+                </a:solidFill>
+                <a:latin typeface="DM Mono" panose="020B0509040201040103" pitchFamily="49" charset="0"/>
+              </a:rPr>
+              <a:t>0</a:t>
+            </a:r>
+            <a:endParaRPr kumimoji="1" lang="ko-Kore-KR" altLang="en-US" dirty="0">
+              <a:solidFill>
+                <a:srgbClr val="FF0000"/>
+              </a:solidFill>
+              <a:latin typeface="DM Mono" panose="020B0509040201040103" pitchFamily="49" charset="0"/>
+            </a:endParaRPr>
+          </a:p>
+        </p:txBody>
+      </p:sp>
+      <p:cxnSp>
+        <p:nvCxnSpPr>
+          <p:cNvPr id="21" name="구부러진 연결선[U] 20">
+            <a:extLst>
+              <a:ext uri="{FF2B5EF4-FFF2-40B4-BE49-F238E27FC236}">
+                <a16:creationId xmlns:a16="http://schemas.microsoft.com/office/drawing/2014/main" id="{958935D4-6E7B-0262-3215-03C13DBF7979}"/>
+              </a:ext>
+            </a:extLst>
+          </p:cNvPr>
+          <p:cNvCxnSpPr>
+            <a:cxnSpLocks/>
+            <a:stCxn id="18" idx="3"/>
+            <a:endCxn id="20" idx="1"/>
+          </p:cNvCxnSpPr>
+          <p:nvPr/>
+        </p:nvCxnSpPr>
+        <p:spPr>
+          <a:xfrm>
+            <a:off x="7960024" y="2113157"/>
+            <a:ext cx="2789208" cy="937515"/>
+          </a:xfrm>
+          <a:prstGeom prst="curvedConnector3">
+            <a:avLst/>
+          </a:prstGeom>
+          <a:ln>
+            <a:tailEnd type="triangle"/>
+          </a:ln>
+        </p:spPr>
+        <p:style>
+          <a:lnRef idx="1">
+            <a:schemeClr val="dk1"/>
+          </a:lnRef>
+          <a:fillRef idx="0">
+            <a:schemeClr val="dk1"/>
+          </a:fillRef>
+          <a:effectRef idx="0">
+            <a:schemeClr val="dk1"/>
+          </a:effectRef>
+          <a:fontRef idx="minor">
+            <a:schemeClr val="tx1"/>
+          </a:fontRef>
+        </p:style>
+      </p:cxnSp>
+      <p:sp>
+        <p:nvSpPr>
+          <p:cNvPr id="22" name="TextBox 21">
+            <a:extLst>
+              <a:ext uri="{FF2B5EF4-FFF2-40B4-BE49-F238E27FC236}">
+                <a16:creationId xmlns:a16="http://schemas.microsoft.com/office/drawing/2014/main" id="{9CBA94AE-94D8-9059-4136-EFCDE6C0E82B}"/>
+              </a:ext>
+            </a:extLst>
+          </p:cNvPr>
+          <p:cNvSpPr txBox="1"/>
+          <p:nvPr/>
+        </p:nvSpPr>
+        <p:spPr>
+          <a:xfrm>
+            <a:off x="581564" y="515309"/>
+            <a:ext cx="6094562" cy="2031325"/>
+          </a:xfrm>
+          <a:prstGeom prst="rect">
+            <a:avLst/>
+          </a:prstGeom>
+          <a:noFill/>
+        </p:spPr>
+        <p:txBody>
+          <a:bodyPr wrap="square">
+            <a:spAutoFit/>
+          </a:bodyPr>
+          <a:lstStyle/>
+          <a:p>
+            <a:r>
+              <a:rPr lang="ko-Kore-KR" altLang="en-US" dirty="0">
+                <a:latin typeface="DM Mono" panose="020B0509040201040103" pitchFamily="49" charset="0"/>
+              </a:rPr>
+              <a:t> ~User()</a:t>
+            </a:r>
+          </a:p>
+          <a:p>
+            <a:r>
+              <a:rPr lang="ko-Kore-KR" altLang="en-US" dirty="0">
+                <a:latin typeface="DM Mono" panose="020B0509040201040103" pitchFamily="49" charset="0"/>
+              </a:rPr>
+              <a:t>    {</a:t>
+            </a:r>
+          </a:p>
+          <a:p>
+            <a:r>
+              <a:rPr lang="ko-Kore-KR" altLang="en-US" dirty="0">
+                <a:latin typeface="DM Mono" panose="020B0509040201040103" pitchFamily="49" charset="0"/>
+              </a:rPr>
+              <a:t>        if </a:t>
+            </a:r>
+            <a:r>
+              <a:rPr lang="ko-Kore-KR" altLang="en-US" dirty="0">
+                <a:solidFill>
+                  <a:srgbClr val="FF0000"/>
+                </a:solidFill>
+                <a:latin typeface="DM Mono" panose="020B0509040201040103" pitchFamily="49" charset="0"/>
+              </a:rPr>
+              <a:t>(--*ref == 0)</a:t>
+            </a:r>
+            <a:r>
+              <a:rPr lang="ko-Kore-KR" altLang="en-US" dirty="0">
+                <a:latin typeface="DM Mono" panose="020B0509040201040103" pitchFamily="49" charset="0"/>
+              </a:rPr>
+              <a:t> </a:t>
+            </a:r>
+            <a:r>
+              <a:rPr lang="ko-Kore-KR" altLang="en-US" dirty="0">
+                <a:solidFill>
+                  <a:srgbClr val="FF0000"/>
+                </a:solidFill>
+                <a:latin typeface="DM Mono" panose="020B0509040201040103" pitchFamily="49" charset="0"/>
+              </a:rPr>
+              <a:t>{</a:t>
+            </a:r>
+          </a:p>
+          <a:p>
+            <a:r>
+              <a:rPr lang="ko-Kore-KR" altLang="en-US" dirty="0">
+                <a:solidFill>
+                  <a:srgbClr val="FF0000"/>
+                </a:solidFill>
+                <a:latin typeface="DM Mono" panose="020B0509040201040103" pitchFamily="49" charset="0"/>
+              </a:rPr>
+              <a:t>            delete[] name;</a:t>
+            </a:r>
+          </a:p>
+          <a:p>
+            <a:r>
+              <a:rPr lang="ko-Kore-KR" altLang="en-US" dirty="0">
+                <a:solidFill>
+                  <a:srgbClr val="FF0000"/>
+                </a:solidFill>
+                <a:latin typeface="DM Mono" panose="020B0509040201040103" pitchFamily="49" charset="0"/>
+              </a:rPr>
+              <a:t>            delete ref;</a:t>
+            </a:r>
+          </a:p>
+          <a:p>
+            <a:r>
+              <a:rPr lang="ko-Kore-KR" altLang="en-US" dirty="0">
+                <a:solidFill>
+                  <a:srgbClr val="FF0000"/>
+                </a:solidFill>
+                <a:latin typeface="DM Mono" panose="020B0509040201040103" pitchFamily="49" charset="0"/>
+              </a:rPr>
+              <a:t>        }</a:t>
+            </a:r>
+          </a:p>
+          <a:p>
+            <a:r>
+              <a:rPr lang="ko-Kore-KR" altLang="en-US" dirty="0">
+                <a:latin typeface="DM Mono" panose="020B0509040201040103" pitchFamily="49" charset="0"/>
+              </a:rPr>
+              <a:t>    }</a:t>
+            </a:r>
+          </a:p>
+        </p:txBody>
+      </p:sp>
+    </p:spTree>
+    <p:extLst>
+      <p:ext uri="{BB962C8B-B14F-4D97-AF65-F5344CB8AC3E}">
+        <p14:creationId xmlns:p14="http://schemas.microsoft.com/office/powerpoint/2010/main" val="570927073"/>
       </p:ext>
     </p:extLst>
   </p:cSld>

--- a/230619.pptx
+++ b/230619.pptx
@@ -5,7 +5,7 @@
     <p:sldMasterId id="2147483648" r:id="rId1"/>
   </p:sldMasterIdLst>
   <p:notesMasterIdLst>
-    <p:notesMasterId r:id="rId21"/>
+    <p:notesMasterId r:id="rId26"/>
   </p:notesMasterIdLst>
   <p:sldIdLst>
     <p:sldId id="256" r:id="rId2"/>
@@ -27,6 +27,11 @@
     <p:sldId id="272" r:id="rId18"/>
     <p:sldId id="273" r:id="rId19"/>
     <p:sldId id="274" r:id="rId20"/>
+    <p:sldId id="275" r:id="rId21"/>
+    <p:sldId id="278" r:id="rId22"/>
+    <p:sldId id="276" r:id="rId23"/>
+    <p:sldId id="277" r:id="rId24"/>
+    <p:sldId id="279" r:id="rId25"/>
   </p:sldIdLst>
   <p:sldSz cx="12192000" cy="6858000"/>
   <p:notesSz cx="6858000" cy="9144000"/>
@@ -7886,7 +7891,7 @@
         <p:spPr>
           <a:xfrm>
             <a:off x="361231" y="374176"/>
-            <a:ext cx="6094562" cy="1815882"/>
+            <a:ext cx="4866377" cy="1815882"/>
           </a:xfrm>
           <a:prstGeom prst="rect">
             <a:avLst/>
@@ -14515,6 +14520,3049 @@
     <p:extLst>
       <p:ext uri="{BB962C8B-B14F-4D97-AF65-F5344CB8AC3E}">
         <p14:creationId xmlns:p14="http://schemas.microsoft.com/office/powerpoint/2010/main" val="733154400"/>
+      </p:ext>
+    </p:extLst>
+  </p:cSld>
+  <p:clrMapOvr>
+    <a:masterClrMapping/>
+  </p:clrMapOvr>
+</p:sld>
+</file>
+
+<file path=ppt/slides/slide20.xml><?xml version="1.0" encoding="utf-8"?>
+<p:sld xmlns:a="http://schemas.openxmlformats.org/drawingml/2006/main" xmlns:r="http://schemas.openxmlformats.org/officeDocument/2006/relationships" xmlns:p="http://schemas.openxmlformats.org/presentationml/2006/main">
+  <p:cSld>
+    <p:spTree>
+      <p:nvGrpSpPr>
+        <p:cNvPr id="1" name=""/>
+        <p:cNvGrpSpPr/>
+        <p:nvPr/>
+      </p:nvGrpSpPr>
+      <p:grpSpPr>
+        <a:xfrm>
+          <a:off x="0" y="0"/>
+          <a:ext cx="0" cy="0"/>
+          <a:chOff x="0" y="0"/>
+          <a:chExt cx="0" cy="0"/>
+        </a:xfrm>
+      </p:grpSpPr>
+      <p:sp>
+        <p:nvSpPr>
+          <p:cNvPr id="5" name="TextBox 4">
+            <a:extLst>
+              <a:ext uri="{FF2B5EF4-FFF2-40B4-BE49-F238E27FC236}">
+                <a16:creationId xmlns:a16="http://schemas.microsoft.com/office/drawing/2014/main" id="{4044DB94-5E93-FE18-EB93-6403ED44D04D}"/>
+              </a:ext>
+            </a:extLst>
+          </p:cNvPr>
+          <p:cNvSpPr txBox="1"/>
+          <p:nvPr/>
+        </p:nvSpPr>
+        <p:spPr>
+          <a:xfrm>
+            <a:off x="511115" y="319980"/>
+            <a:ext cx="6094562" cy="369332"/>
+          </a:xfrm>
+          <a:prstGeom prst="rect">
+            <a:avLst/>
+          </a:prstGeom>
+          <a:noFill/>
+        </p:spPr>
+        <p:txBody>
+          <a:bodyPr wrap="square">
+            <a:spAutoFit/>
+          </a:bodyPr>
+          <a:lstStyle/>
+          <a:p>
+            <a:r>
+              <a:rPr lang="ko-Kore-KR" altLang="en-US" dirty="0">
+                <a:latin typeface="DM Mono" panose="020B0509040201040103" pitchFamily="49" charset="0"/>
+              </a:rPr>
+              <a:t> User other = User("Tom", 42);</a:t>
+            </a:r>
+          </a:p>
+        </p:txBody>
+      </p:sp>
+      <p:sp>
+        <p:nvSpPr>
+          <p:cNvPr id="6" name="직사각형 5">
+            <a:extLst>
+              <a:ext uri="{FF2B5EF4-FFF2-40B4-BE49-F238E27FC236}">
+                <a16:creationId xmlns:a16="http://schemas.microsoft.com/office/drawing/2014/main" id="{0057F79F-F4FB-47E2-D5BD-A149BECBAB5D}"/>
+              </a:ext>
+            </a:extLst>
+          </p:cNvPr>
+          <p:cNvSpPr/>
+          <p:nvPr/>
+        </p:nvSpPr>
+        <p:spPr>
+          <a:xfrm>
+            <a:off x="6519412" y="1403440"/>
+            <a:ext cx="1414732" cy="511624"/>
+          </a:xfrm>
+          <a:prstGeom prst="rect">
+            <a:avLst/>
+          </a:prstGeom>
+          <a:solidFill>
+            <a:srgbClr val="FFFF00"/>
+          </a:solidFill>
+        </p:spPr>
+        <p:style>
+          <a:lnRef idx="2">
+            <a:schemeClr val="accent1">
+              <a:shade val="15000"/>
+            </a:schemeClr>
+          </a:lnRef>
+          <a:fillRef idx="1">
+            <a:schemeClr val="accent1"/>
+          </a:fillRef>
+          <a:effectRef idx="0">
+            <a:schemeClr val="accent1"/>
+          </a:effectRef>
+          <a:fontRef idx="minor">
+            <a:schemeClr val="lt1"/>
+          </a:fontRef>
+        </p:style>
+        <p:txBody>
+          <a:bodyPr rtlCol="0" anchor="ctr"/>
+          <a:lstStyle/>
+          <a:p>
+            <a:pPr algn="ctr"/>
+            <a:r>
+              <a:rPr kumimoji="1" lang="en-US" altLang="ko-Kore-KR" dirty="0">
+                <a:solidFill>
+                  <a:schemeClr val="tx1"/>
+                </a:solidFill>
+                <a:latin typeface="DM Mono" panose="020B0509040201040103" pitchFamily="49" charset="0"/>
+              </a:rPr>
+              <a:t>0x100</a:t>
+            </a:r>
+            <a:endParaRPr kumimoji="1" lang="ko-Kore-KR" altLang="en-US" dirty="0">
+              <a:solidFill>
+                <a:schemeClr val="tx1"/>
+              </a:solidFill>
+              <a:latin typeface="DM Mono" panose="020B0509040201040103" pitchFamily="49" charset="0"/>
+            </a:endParaRPr>
+          </a:p>
+        </p:txBody>
+      </p:sp>
+      <p:sp>
+        <p:nvSpPr>
+          <p:cNvPr id="7" name="TextBox 6">
+            <a:extLst>
+              <a:ext uri="{FF2B5EF4-FFF2-40B4-BE49-F238E27FC236}">
+                <a16:creationId xmlns:a16="http://schemas.microsoft.com/office/drawing/2014/main" id="{F0181EC7-84ED-4A75-C138-8518257A41C5}"/>
+              </a:ext>
+            </a:extLst>
+          </p:cNvPr>
+          <p:cNvSpPr txBox="1"/>
+          <p:nvPr/>
+        </p:nvSpPr>
+        <p:spPr>
+          <a:xfrm>
+            <a:off x="5512279" y="1474586"/>
+            <a:ext cx="1007133" cy="369332"/>
+          </a:xfrm>
+          <a:prstGeom prst="rect">
+            <a:avLst/>
+          </a:prstGeom>
+          <a:noFill/>
+        </p:spPr>
+        <p:txBody>
+          <a:bodyPr wrap="square">
+            <a:spAutoFit/>
+          </a:bodyPr>
+          <a:lstStyle/>
+          <a:p>
+            <a:pPr algn="r"/>
+            <a:r>
+              <a:rPr lang="en-US" altLang="ko-Kore-KR" dirty="0">
+                <a:latin typeface="DM Mono" panose="020B0509040201040103" pitchFamily="49" charset="0"/>
+              </a:rPr>
+              <a:t>name</a:t>
+            </a:r>
+            <a:endParaRPr lang="ko-Kore-KR" altLang="en-US" dirty="0"/>
+          </a:p>
+        </p:txBody>
+      </p:sp>
+      <p:sp>
+        <p:nvSpPr>
+          <p:cNvPr id="8" name="TextBox 7">
+            <a:extLst>
+              <a:ext uri="{FF2B5EF4-FFF2-40B4-BE49-F238E27FC236}">
+                <a16:creationId xmlns:a16="http://schemas.microsoft.com/office/drawing/2014/main" id="{B8EC8205-99D6-D1CA-969B-E09BE5F54003}"/>
+              </a:ext>
+            </a:extLst>
+          </p:cNvPr>
+          <p:cNvSpPr txBox="1"/>
+          <p:nvPr/>
+        </p:nvSpPr>
+        <p:spPr>
+          <a:xfrm>
+            <a:off x="6642340" y="1034108"/>
+            <a:ext cx="1164566" cy="369332"/>
+          </a:xfrm>
+          <a:prstGeom prst="rect">
+            <a:avLst/>
+          </a:prstGeom>
+          <a:noFill/>
+        </p:spPr>
+        <p:txBody>
+          <a:bodyPr wrap="square">
+            <a:spAutoFit/>
+          </a:bodyPr>
+          <a:lstStyle/>
+          <a:p>
+            <a:pPr algn="ctr"/>
+            <a:r>
+              <a:rPr lang="ko-KR" altLang="en-US" dirty="0">
+                <a:latin typeface="DM Mono" panose="020B0509040201040103" pitchFamily="49" charset="0"/>
+              </a:rPr>
+              <a:t>임시객체</a:t>
+            </a:r>
+            <a:endParaRPr lang="ko-Kore-KR" altLang="en-US" dirty="0"/>
+          </a:p>
+        </p:txBody>
+      </p:sp>
+      <p:sp>
+        <p:nvSpPr>
+          <p:cNvPr id="9" name="직사각형 8">
+            <a:extLst>
+              <a:ext uri="{FF2B5EF4-FFF2-40B4-BE49-F238E27FC236}">
+                <a16:creationId xmlns:a16="http://schemas.microsoft.com/office/drawing/2014/main" id="{587B6B29-AAF2-2F97-E2A9-646627E61CA1}"/>
+              </a:ext>
+            </a:extLst>
+          </p:cNvPr>
+          <p:cNvSpPr/>
+          <p:nvPr/>
+        </p:nvSpPr>
+        <p:spPr>
+          <a:xfrm>
+            <a:off x="6519412" y="1915064"/>
+            <a:ext cx="1414732" cy="511624"/>
+          </a:xfrm>
+          <a:prstGeom prst="rect">
+            <a:avLst/>
+          </a:prstGeom>
+          <a:solidFill>
+            <a:srgbClr val="FFFF00"/>
+          </a:solidFill>
+        </p:spPr>
+        <p:style>
+          <a:lnRef idx="2">
+            <a:schemeClr val="accent1">
+              <a:shade val="15000"/>
+            </a:schemeClr>
+          </a:lnRef>
+          <a:fillRef idx="1">
+            <a:schemeClr val="accent1"/>
+          </a:fillRef>
+          <a:effectRef idx="0">
+            <a:schemeClr val="accent1"/>
+          </a:effectRef>
+          <a:fontRef idx="minor">
+            <a:schemeClr val="lt1"/>
+          </a:fontRef>
+        </p:style>
+        <p:txBody>
+          <a:bodyPr rtlCol="0" anchor="ctr"/>
+          <a:lstStyle/>
+          <a:p>
+            <a:pPr algn="ctr"/>
+            <a:r>
+              <a:rPr kumimoji="1" lang="en-US" altLang="ko-Kore-KR" dirty="0">
+                <a:solidFill>
+                  <a:schemeClr val="tx1"/>
+                </a:solidFill>
+                <a:latin typeface="DM Mono" panose="020B0509040201040103" pitchFamily="49" charset="0"/>
+              </a:rPr>
+              <a:t>42</a:t>
+            </a:r>
+            <a:endParaRPr kumimoji="1" lang="ko-Kore-KR" altLang="en-US" dirty="0">
+              <a:solidFill>
+                <a:schemeClr val="tx1"/>
+              </a:solidFill>
+              <a:latin typeface="DM Mono" panose="020B0509040201040103" pitchFamily="49" charset="0"/>
+            </a:endParaRPr>
+          </a:p>
+        </p:txBody>
+      </p:sp>
+      <p:sp>
+        <p:nvSpPr>
+          <p:cNvPr id="10" name="TextBox 9">
+            <a:extLst>
+              <a:ext uri="{FF2B5EF4-FFF2-40B4-BE49-F238E27FC236}">
+                <a16:creationId xmlns:a16="http://schemas.microsoft.com/office/drawing/2014/main" id="{370EA880-0339-4A9D-9C9D-5356DC6C8DF8}"/>
+              </a:ext>
+            </a:extLst>
+          </p:cNvPr>
+          <p:cNvSpPr txBox="1"/>
+          <p:nvPr/>
+        </p:nvSpPr>
+        <p:spPr>
+          <a:xfrm>
+            <a:off x="5814205" y="1986210"/>
+            <a:ext cx="705208" cy="369332"/>
+          </a:xfrm>
+          <a:prstGeom prst="rect">
+            <a:avLst/>
+          </a:prstGeom>
+          <a:noFill/>
+        </p:spPr>
+        <p:txBody>
+          <a:bodyPr wrap="square">
+            <a:spAutoFit/>
+          </a:bodyPr>
+          <a:lstStyle/>
+          <a:p>
+            <a:pPr algn="r"/>
+            <a:r>
+              <a:rPr lang="en-US" altLang="ko-Kore-KR" dirty="0">
+                <a:latin typeface="DM Mono" panose="020B0509040201040103" pitchFamily="49" charset="0"/>
+              </a:rPr>
+              <a:t>age</a:t>
+            </a:r>
+            <a:endParaRPr lang="ko-Kore-KR" altLang="en-US" dirty="0"/>
+          </a:p>
+        </p:txBody>
+      </p:sp>
+      <p:sp>
+        <p:nvSpPr>
+          <p:cNvPr id="11" name="직사각형 10">
+            <a:extLst>
+              <a:ext uri="{FF2B5EF4-FFF2-40B4-BE49-F238E27FC236}">
+                <a16:creationId xmlns:a16="http://schemas.microsoft.com/office/drawing/2014/main" id="{5E3E71C8-3EE9-9842-4353-2FADD5612177}"/>
+              </a:ext>
+            </a:extLst>
+          </p:cNvPr>
+          <p:cNvSpPr/>
+          <p:nvPr/>
+        </p:nvSpPr>
+        <p:spPr>
+          <a:xfrm>
+            <a:off x="10105126" y="401996"/>
+            <a:ext cx="1414732" cy="511624"/>
+          </a:xfrm>
+          <a:prstGeom prst="rect">
+            <a:avLst/>
+          </a:prstGeom>
+          <a:solidFill>
+            <a:srgbClr val="FFFF00"/>
+          </a:solidFill>
+        </p:spPr>
+        <p:style>
+          <a:lnRef idx="2">
+            <a:schemeClr val="accent1">
+              <a:shade val="15000"/>
+            </a:schemeClr>
+          </a:lnRef>
+          <a:fillRef idx="1">
+            <a:schemeClr val="accent1"/>
+          </a:fillRef>
+          <a:effectRef idx="0">
+            <a:schemeClr val="accent1"/>
+          </a:effectRef>
+          <a:fontRef idx="minor">
+            <a:schemeClr val="lt1"/>
+          </a:fontRef>
+        </p:style>
+        <p:txBody>
+          <a:bodyPr rtlCol="0" anchor="ctr"/>
+          <a:lstStyle/>
+          <a:p>
+            <a:pPr algn="ctr"/>
+            <a:r>
+              <a:rPr kumimoji="1" lang="en-US" altLang="ko-Kore-KR" dirty="0">
+                <a:solidFill>
+                  <a:schemeClr val="tx1"/>
+                </a:solidFill>
+                <a:latin typeface="DM Mono" panose="020B0509040201040103" pitchFamily="49" charset="0"/>
+              </a:rPr>
+              <a:t>“Tom”</a:t>
+            </a:r>
+            <a:endParaRPr kumimoji="1" lang="ko-Kore-KR" altLang="en-US" dirty="0">
+              <a:solidFill>
+                <a:schemeClr val="tx1"/>
+              </a:solidFill>
+              <a:latin typeface="DM Mono" panose="020B0509040201040103" pitchFamily="49" charset="0"/>
+            </a:endParaRPr>
+          </a:p>
+        </p:txBody>
+      </p:sp>
+      <p:sp>
+        <p:nvSpPr>
+          <p:cNvPr id="12" name="TextBox 11">
+            <a:extLst>
+              <a:ext uri="{FF2B5EF4-FFF2-40B4-BE49-F238E27FC236}">
+                <a16:creationId xmlns:a16="http://schemas.microsoft.com/office/drawing/2014/main" id="{A3FDBE69-6851-6896-F432-F1C13B2ADF5C}"/>
+              </a:ext>
+            </a:extLst>
+          </p:cNvPr>
+          <p:cNvSpPr txBox="1"/>
+          <p:nvPr/>
+        </p:nvSpPr>
+        <p:spPr>
+          <a:xfrm>
+            <a:off x="9522843" y="32664"/>
+            <a:ext cx="1164566" cy="369332"/>
+          </a:xfrm>
+          <a:prstGeom prst="rect">
+            <a:avLst/>
+          </a:prstGeom>
+          <a:noFill/>
+        </p:spPr>
+        <p:txBody>
+          <a:bodyPr wrap="square">
+            <a:spAutoFit/>
+          </a:bodyPr>
+          <a:lstStyle/>
+          <a:p>
+            <a:pPr algn="ctr"/>
+            <a:r>
+              <a:rPr lang="en-US" altLang="ko-Kore-KR" dirty="0">
+                <a:latin typeface="DM Mono" panose="020B0509040201040103" pitchFamily="49" charset="0"/>
+              </a:rPr>
+              <a:t>0x100</a:t>
+            </a:r>
+            <a:endParaRPr lang="ko-Kore-KR" altLang="en-US" dirty="0"/>
+          </a:p>
+        </p:txBody>
+      </p:sp>
+      <p:cxnSp>
+        <p:nvCxnSpPr>
+          <p:cNvPr id="13" name="구부러진 연결선[U] 12">
+            <a:extLst>
+              <a:ext uri="{FF2B5EF4-FFF2-40B4-BE49-F238E27FC236}">
+                <a16:creationId xmlns:a16="http://schemas.microsoft.com/office/drawing/2014/main" id="{49CCD483-67BD-794A-D958-C8B05755F033}"/>
+              </a:ext>
+            </a:extLst>
+          </p:cNvPr>
+          <p:cNvCxnSpPr>
+            <a:cxnSpLocks/>
+            <a:stCxn id="6" idx="3"/>
+            <a:endCxn id="11" idx="1"/>
+          </p:cNvCxnSpPr>
+          <p:nvPr/>
+        </p:nvCxnSpPr>
+        <p:spPr>
+          <a:xfrm flipV="1">
+            <a:off x="7934144" y="657808"/>
+            <a:ext cx="2170982" cy="1001444"/>
+          </a:xfrm>
+          <a:prstGeom prst="curvedConnector3">
+            <a:avLst/>
+          </a:prstGeom>
+          <a:ln>
+            <a:tailEnd type="triangle"/>
+          </a:ln>
+        </p:spPr>
+        <p:style>
+          <a:lnRef idx="1">
+            <a:schemeClr val="dk1"/>
+          </a:lnRef>
+          <a:fillRef idx="0">
+            <a:schemeClr val="dk1"/>
+          </a:fillRef>
+          <a:effectRef idx="0">
+            <a:schemeClr val="dk1"/>
+          </a:effectRef>
+          <a:fontRef idx="minor">
+            <a:schemeClr val="tx1"/>
+          </a:fontRef>
+        </p:style>
+      </p:cxnSp>
+      <p:sp>
+        <p:nvSpPr>
+          <p:cNvPr id="22" name="직사각형 21">
+            <a:extLst>
+              <a:ext uri="{FF2B5EF4-FFF2-40B4-BE49-F238E27FC236}">
+                <a16:creationId xmlns:a16="http://schemas.microsoft.com/office/drawing/2014/main" id="{8B15A85A-9EA0-4E4E-87E2-FED8A1367434}"/>
+              </a:ext>
+            </a:extLst>
+          </p:cNvPr>
+          <p:cNvSpPr/>
+          <p:nvPr/>
+        </p:nvSpPr>
+        <p:spPr>
+          <a:xfrm>
+            <a:off x="6519412" y="3559490"/>
+            <a:ext cx="1414732" cy="511624"/>
+          </a:xfrm>
+          <a:prstGeom prst="rect">
+            <a:avLst/>
+          </a:prstGeom>
+          <a:solidFill>
+            <a:srgbClr val="FFFF00"/>
+          </a:solidFill>
+        </p:spPr>
+        <p:style>
+          <a:lnRef idx="2">
+            <a:schemeClr val="accent1">
+              <a:shade val="15000"/>
+            </a:schemeClr>
+          </a:lnRef>
+          <a:fillRef idx="1">
+            <a:schemeClr val="accent1"/>
+          </a:fillRef>
+          <a:effectRef idx="0">
+            <a:schemeClr val="accent1"/>
+          </a:effectRef>
+          <a:fontRef idx="minor">
+            <a:schemeClr val="lt1"/>
+          </a:fontRef>
+        </p:style>
+        <p:txBody>
+          <a:bodyPr rtlCol="0" anchor="ctr"/>
+          <a:lstStyle/>
+          <a:p>
+            <a:pPr algn="ctr"/>
+            <a:r>
+              <a:rPr kumimoji="1" lang="en-US" altLang="ko-Kore-KR" dirty="0">
+                <a:solidFill>
+                  <a:schemeClr val="tx1"/>
+                </a:solidFill>
+                <a:latin typeface="DM Mono" panose="020B0509040201040103" pitchFamily="49" charset="0"/>
+              </a:rPr>
+              <a:t>0x200</a:t>
+            </a:r>
+            <a:endParaRPr kumimoji="1" lang="ko-Kore-KR" altLang="en-US" dirty="0">
+              <a:solidFill>
+                <a:schemeClr val="tx1"/>
+              </a:solidFill>
+              <a:latin typeface="DM Mono" panose="020B0509040201040103" pitchFamily="49" charset="0"/>
+            </a:endParaRPr>
+          </a:p>
+        </p:txBody>
+      </p:sp>
+      <p:sp>
+        <p:nvSpPr>
+          <p:cNvPr id="23" name="TextBox 22">
+            <a:extLst>
+              <a:ext uri="{FF2B5EF4-FFF2-40B4-BE49-F238E27FC236}">
+                <a16:creationId xmlns:a16="http://schemas.microsoft.com/office/drawing/2014/main" id="{9DB90319-324E-90B2-18C7-482C4F512866}"/>
+              </a:ext>
+            </a:extLst>
+          </p:cNvPr>
+          <p:cNvSpPr txBox="1"/>
+          <p:nvPr/>
+        </p:nvSpPr>
+        <p:spPr>
+          <a:xfrm>
+            <a:off x="6642340" y="3190158"/>
+            <a:ext cx="1164566" cy="369332"/>
+          </a:xfrm>
+          <a:prstGeom prst="rect">
+            <a:avLst/>
+          </a:prstGeom>
+          <a:noFill/>
+        </p:spPr>
+        <p:txBody>
+          <a:bodyPr wrap="square">
+            <a:spAutoFit/>
+          </a:bodyPr>
+          <a:lstStyle/>
+          <a:p>
+            <a:pPr algn="ctr"/>
+            <a:r>
+              <a:rPr lang="en-US" altLang="ko-Kore-KR" dirty="0">
+                <a:latin typeface="DM Mono" panose="020B0509040201040103" pitchFamily="49" charset="0"/>
+              </a:rPr>
+              <a:t>other</a:t>
+            </a:r>
+            <a:endParaRPr lang="ko-Kore-KR" altLang="en-US" dirty="0"/>
+          </a:p>
+        </p:txBody>
+      </p:sp>
+      <p:sp>
+        <p:nvSpPr>
+          <p:cNvPr id="24" name="직사각형 23">
+            <a:extLst>
+              <a:ext uri="{FF2B5EF4-FFF2-40B4-BE49-F238E27FC236}">
+                <a16:creationId xmlns:a16="http://schemas.microsoft.com/office/drawing/2014/main" id="{CBF52D68-9CFA-A80A-CC68-D94B2C10A848}"/>
+              </a:ext>
+            </a:extLst>
+          </p:cNvPr>
+          <p:cNvSpPr/>
+          <p:nvPr/>
+        </p:nvSpPr>
+        <p:spPr>
+          <a:xfrm>
+            <a:off x="6519412" y="4071114"/>
+            <a:ext cx="1414732" cy="511624"/>
+          </a:xfrm>
+          <a:prstGeom prst="rect">
+            <a:avLst/>
+          </a:prstGeom>
+          <a:solidFill>
+            <a:srgbClr val="FFFF00"/>
+          </a:solidFill>
+        </p:spPr>
+        <p:style>
+          <a:lnRef idx="2">
+            <a:schemeClr val="accent1">
+              <a:shade val="15000"/>
+            </a:schemeClr>
+          </a:lnRef>
+          <a:fillRef idx="1">
+            <a:schemeClr val="accent1"/>
+          </a:fillRef>
+          <a:effectRef idx="0">
+            <a:schemeClr val="accent1"/>
+          </a:effectRef>
+          <a:fontRef idx="minor">
+            <a:schemeClr val="lt1"/>
+          </a:fontRef>
+        </p:style>
+        <p:txBody>
+          <a:bodyPr rtlCol="0" anchor="ctr"/>
+          <a:lstStyle/>
+          <a:p>
+            <a:pPr algn="ctr"/>
+            <a:r>
+              <a:rPr kumimoji="1" lang="en-US" altLang="ko-Kore-KR" dirty="0">
+                <a:solidFill>
+                  <a:schemeClr val="tx1"/>
+                </a:solidFill>
+                <a:latin typeface="DM Mono" panose="020B0509040201040103" pitchFamily="49" charset="0"/>
+              </a:rPr>
+              <a:t>42</a:t>
+            </a:r>
+            <a:endParaRPr kumimoji="1" lang="ko-Kore-KR" altLang="en-US" dirty="0">
+              <a:solidFill>
+                <a:schemeClr val="tx1"/>
+              </a:solidFill>
+              <a:latin typeface="DM Mono" panose="020B0509040201040103" pitchFamily="49" charset="0"/>
+            </a:endParaRPr>
+          </a:p>
+        </p:txBody>
+      </p:sp>
+      <p:sp>
+        <p:nvSpPr>
+          <p:cNvPr id="25" name="TextBox 24">
+            <a:extLst>
+              <a:ext uri="{FF2B5EF4-FFF2-40B4-BE49-F238E27FC236}">
+                <a16:creationId xmlns:a16="http://schemas.microsoft.com/office/drawing/2014/main" id="{B57AE7CB-D69A-1A2B-E6EC-2E22273697BC}"/>
+              </a:ext>
+            </a:extLst>
+          </p:cNvPr>
+          <p:cNvSpPr txBox="1"/>
+          <p:nvPr/>
+        </p:nvSpPr>
+        <p:spPr>
+          <a:xfrm>
+            <a:off x="5814205" y="4142260"/>
+            <a:ext cx="705208" cy="369332"/>
+          </a:xfrm>
+          <a:prstGeom prst="rect">
+            <a:avLst/>
+          </a:prstGeom>
+          <a:noFill/>
+        </p:spPr>
+        <p:txBody>
+          <a:bodyPr wrap="square">
+            <a:spAutoFit/>
+          </a:bodyPr>
+          <a:lstStyle/>
+          <a:p>
+            <a:pPr algn="r"/>
+            <a:r>
+              <a:rPr lang="en-US" altLang="ko-Kore-KR" dirty="0">
+                <a:latin typeface="DM Mono" panose="020B0509040201040103" pitchFamily="49" charset="0"/>
+              </a:rPr>
+              <a:t>age</a:t>
+            </a:r>
+            <a:endParaRPr lang="ko-Kore-KR" altLang="en-US" dirty="0"/>
+          </a:p>
+        </p:txBody>
+      </p:sp>
+      <p:sp>
+        <p:nvSpPr>
+          <p:cNvPr id="26" name="직사각형 25">
+            <a:extLst>
+              <a:ext uri="{FF2B5EF4-FFF2-40B4-BE49-F238E27FC236}">
+                <a16:creationId xmlns:a16="http://schemas.microsoft.com/office/drawing/2014/main" id="{F942947E-4AC3-955B-48E1-168B5FE8AC7D}"/>
+              </a:ext>
+            </a:extLst>
+          </p:cNvPr>
+          <p:cNvSpPr/>
+          <p:nvPr/>
+        </p:nvSpPr>
+        <p:spPr>
+          <a:xfrm>
+            <a:off x="10105126" y="2558046"/>
+            <a:ext cx="1414732" cy="511624"/>
+          </a:xfrm>
+          <a:prstGeom prst="rect">
+            <a:avLst/>
+          </a:prstGeom>
+          <a:solidFill>
+            <a:srgbClr val="FFFF00"/>
+          </a:solidFill>
+        </p:spPr>
+        <p:style>
+          <a:lnRef idx="2">
+            <a:schemeClr val="accent1">
+              <a:shade val="15000"/>
+            </a:schemeClr>
+          </a:lnRef>
+          <a:fillRef idx="1">
+            <a:schemeClr val="accent1"/>
+          </a:fillRef>
+          <a:effectRef idx="0">
+            <a:schemeClr val="accent1"/>
+          </a:effectRef>
+          <a:fontRef idx="minor">
+            <a:schemeClr val="lt1"/>
+          </a:fontRef>
+        </p:style>
+        <p:txBody>
+          <a:bodyPr rtlCol="0" anchor="ctr"/>
+          <a:lstStyle/>
+          <a:p>
+            <a:pPr algn="ctr"/>
+            <a:r>
+              <a:rPr kumimoji="1" lang="en-US" altLang="ko-Kore-KR" dirty="0">
+                <a:solidFill>
+                  <a:schemeClr val="tx1"/>
+                </a:solidFill>
+                <a:latin typeface="DM Mono" panose="020B0509040201040103" pitchFamily="49" charset="0"/>
+              </a:rPr>
+              <a:t>“Tom”</a:t>
+            </a:r>
+            <a:endParaRPr kumimoji="1" lang="ko-Kore-KR" altLang="en-US" dirty="0">
+              <a:solidFill>
+                <a:schemeClr val="tx1"/>
+              </a:solidFill>
+              <a:latin typeface="DM Mono" panose="020B0509040201040103" pitchFamily="49" charset="0"/>
+            </a:endParaRPr>
+          </a:p>
+        </p:txBody>
+      </p:sp>
+      <p:sp>
+        <p:nvSpPr>
+          <p:cNvPr id="27" name="TextBox 26">
+            <a:extLst>
+              <a:ext uri="{FF2B5EF4-FFF2-40B4-BE49-F238E27FC236}">
+                <a16:creationId xmlns:a16="http://schemas.microsoft.com/office/drawing/2014/main" id="{A180C223-1B45-B64F-1D04-09E63399A1B0}"/>
+              </a:ext>
+            </a:extLst>
+          </p:cNvPr>
+          <p:cNvSpPr txBox="1"/>
+          <p:nvPr/>
+        </p:nvSpPr>
+        <p:spPr>
+          <a:xfrm>
+            <a:off x="9522843" y="2188714"/>
+            <a:ext cx="1164566" cy="369332"/>
+          </a:xfrm>
+          <a:prstGeom prst="rect">
+            <a:avLst/>
+          </a:prstGeom>
+          <a:noFill/>
+        </p:spPr>
+        <p:txBody>
+          <a:bodyPr wrap="square">
+            <a:spAutoFit/>
+          </a:bodyPr>
+          <a:lstStyle/>
+          <a:p>
+            <a:pPr algn="ctr"/>
+            <a:r>
+              <a:rPr lang="en-US" altLang="ko-Kore-KR" dirty="0">
+                <a:latin typeface="DM Mono" panose="020B0509040201040103" pitchFamily="49" charset="0"/>
+              </a:rPr>
+              <a:t>0x200</a:t>
+            </a:r>
+            <a:endParaRPr lang="ko-Kore-KR" altLang="en-US" dirty="0"/>
+          </a:p>
+        </p:txBody>
+      </p:sp>
+      <p:cxnSp>
+        <p:nvCxnSpPr>
+          <p:cNvPr id="28" name="구부러진 연결선[U] 27">
+            <a:extLst>
+              <a:ext uri="{FF2B5EF4-FFF2-40B4-BE49-F238E27FC236}">
+                <a16:creationId xmlns:a16="http://schemas.microsoft.com/office/drawing/2014/main" id="{022A1104-A1C4-B217-393A-78B138139AF4}"/>
+              </a:ext>
+            </a:extLst>
+          </p:cNvPr>
+          <p:cNvCxnSpPr>
+            <a:cxnSpLocks/>
+            <a:stCxn id="22" idx="3"/>
+            <a:endCxn id="26" idx="1"/>
+          </p:cNvCxnSpPr>
+          <p:nvPr/>
+        </p:nvCxnSpPr>
+        <p:spPr>
+          <a:xfrm flipV="1">
+            <a:off x="7934144" y="2813858"/>
+            <a:ext cx="2170982" cy="1001444"/>
+          </a:xfrm>
+          <a:prstGeom prst="curvedConnector3">
+            <a:avLst/>
+          </a:prstGeom>
+          <a:ln>
+            <a:tailEnd type="triangle"/>
+          </a:ln>
+        </p:spPr>
+        <p:style>
+          <a:lnRef idx="1">
+            <a:schemeClr val="dk1"/>
+          </a:lnRef>
+          <a:fillRef idx="0">
+            <a:schemeClr val="dk1"/>
+          </a:fillRef>
+          <a:effectRef idx="0">
+            <a:schemeClr val="dk1"/>
+          </a:effectRef>
+          <a:fontRef idx="minor">
+            <a:schemeClr val="tx1"/>
+          </a:fontRef>
+        </p:style>
+      </p:cxnSp>
+    </p:spTree>
+    <p:extLst>
+      <p:ext uri="{BB962C8B-B14F-4D97-AF65-F5344CB8AC3E}">
+        <p14:creationId xmlns:p14="http://schemas.microsoft.com/office/powerpoint/2010/main" val="1646630391"/>
+      </p:ext>
+    </p:extLst>
+  </p:cSld>
+  <p:clrMapOvr>
+    <a:masterClrMapping/>
+  </p:clrMapOvr>
+</p:sld>
+</file>
+
+<file path=ppt/slides/slide21.xml><?xml version="1.0" encoding="utf-8"?>
+<p:sld xmlns:a="http://schemas.openxmlformats.org/drawingml/2006/main" xmlns:r="http://schemas.openxmlformats.org/officeDocument/2006/relationships" xmlns:p="http://schemas.openxmlformats.org/presentationml/2006/main">
+  <p:cSld>
+    <p:spTree>
+      <p:nvGrpSpPr>
+        <p:cNvPr id="1" name=""/>
+        <p:cNvGrpSpPr/>
+        <p:nvPr/>
+      </p:nvGrpSpPr>
+      <p:grpSpPr>
+        <a:xfrm>
+          <a:off x="0" y="0"/>
+          <a:ext cx="0" cy="0"/>
+          <a:chOff x="0" y="0"/>
+          <a:chExt cx="0" cy="0"/>
+        </a:xfrm>
+      </p:grpSpPr>
+      <p:sp>
+        <p:nvSpPr>
+          <p:cNvPr id="5" name="TextBox 4">
+            <a:extLst>
+              <a:ext uri="{FF2B5EF4-FFF2-40B4-BE49-F238E27FC236}">
+                <a16:creationId xmlns:a16="http://schemas.microsoft.com/office/drawing/2014/main" id="{4044DB94-5E93-FE18-EB93-6403ED44D04D}"/>
+              </a:ext>
+            </a:extLst>
+          </p:cNvPr>
+          <p:cNvSpPr txBox="1"/>
+          <p:nvPr/>
+        </p:nvSpPr>
+        <p:spPr>
+          <a:xfrm>
+            <a:off x="511115" y="319980"/>
+            <a:ext cx="6094562" cy="369332"/>
+          </a:xfrm>
+          <a:prstGeom prst="rect">
+            <a:avLst/>
+          </a:prstGeom>
+          <a:noFill/>
+        </p:spPr>
+        <p:txBody>
+          <a:bodyPr wrap="square">
+            <a:spAutoFit/>
+          </a:bodyPr>
+          <a:lstStyle/>
+          <a:p>
+            <a:r>
+              <a:rPr lang="ko-Kore-KR" altLang="en-US" dirty="0">
+                <a:latin typeface="DM Mono" panose="020B0509040201040103" pitchFamily="49" charset="0"/>
+              </a:rPr>
+              <a:t> User other = User("Tom", 42);</a:t>
+            </a:r>
+          </a:p>
+        </p:txBody>
+      </p:sp>
+      <p:sp>
+        <p:nvSpPr>
+          <p:cNvPr id="22" name="직사각형 21">
+            <a:extLst>
+              <a:ext uri="{FF2B5EF4-FFF2-40B4-BE49-F238E27FC236}">
+                <a16:creationId xmlns:a16="http://schemas.microsoft.com/office/drawing/2014/main" id="{8B15A85A-9EA0-4E4E-87E2-FED8A1367434}"/>
+              </a:ext>
+            </a:extLst>
+          </p:cNvPr>
+          <p:cNvSpPr/>
+          <p:nvPr/>
+        </p:nvSpPr>
+        <p:spPr>
+          <a:xfrm>
+            <a:off x="6519412" y="3559490"/>
+            <a:ext cx="1414732" cy="511624"/>
+          </a:xfrm>
+          <a:prstGeom prst="rect">
+            <a:avLst/>
+          </a:prstGeom>
+          <a:solidFill>
+            <a:srgbClr val="FFFF00"/>
+          </a:solidFill>
+        </p:spPr>
+        <p:style>
+          <a:lnRef idx="2">
+            <a:schemeClr val="accent1">
+              <a:shade val="15000"/>
+            </a:schemeClr>
+          </a:lnRef>
+          <a:fillRef idx="1">
+            <a:schemeClr val="accent1"/>
+          </a:fillRef>
+          <a:effectRef idx="0">
+            <a:schemeClr val="accent1"/>
+          </a:effectRef>
+          <a:fontRef idx="minor">
+            <a:schemeClr val="lt1"/>
+          </a:fontRef>
+        </p:style>
+        <p:txBody>
+          <a:bodyPr rtlCol="0" anchor="ctr"/>
+          <a:lstStyle/>
+          <a:p>
+            <a:pPr algn="ctr"/>
+            <a:r>
+              <a:rPr kumimoji="1" lang="en-US" altLang="ko-Kore-KR" dirty="0">
+                <a:solidFill>
+                  <a:schemeClr val="tx1"/>
+                </a:solidFill>
+                <a:latin typeface="DM Mono" panose="020B0509040201040103" pitchFamily="49" charset="0"/>
+              </a:rPr>
+              <a:t>0x200</a:t>
+            </a:r>
+            <a:endParaRPr kumimoji="1" lang="ko-Kore-KR" altLang="en-US" dirty="0">
+              <a:solidFill>
+                <a:schemeClr val="tx1"/>
+              </a:solidFill>
+              <a:latin typeface="DM Mono" panose="020B0509040201040103" pitchFamily="49" charset="0"/>
+            </a:endParaRPr>
+          </a:p>
+        </p:txBody>
+      </p:sp>
+      <p:sp>
+        <p:nvSpPr>
+          <p:cNvPr id="23" name="TextBox 22">
+            <a:extLst>
+              <a:ext uri="{FF2B5EF4-FFF2-40B4-BE49-F238E27FC236}">
+                <a16:creationId xmlns:a16="http://schemas.microsoft.com/office/drawing/2014/main" id="{9DB90319-324E-90B2-18C7-482C4F512866}"/>
+              </a:ext>
+            </a:extLst>
+          </p:cNvPr>
+          <p:cNvSpPr txBox="1"/>
+          <p:nvPr/>
+        </p:nvSpPr>
+        <p:spPr>
+          <a:xfrm>
+            <a:off x="6642340" y="3190158"/>
+            <a:ext cx="1164566" cy="369332"/>
+          </a:xfrm>
+          <a:prstGeom prst="rect">
+            <a:avLst/>
+          </a:prstGeom>
+          <a:noFill/>
+        </p:spPr>
+        <p:txBody>
+          <a:bodyPr wrap="square">
+            <a:spAutoFit/>
+          </a:bodyPr>
+          <a:lstStyle/>
+          <a:p>
+            <a:pPr algn="ctr"/>
+            <a:r>
+              <a:rPr lang="en-US" altLang="ko-Kore-KR" dirty="0">
+                <a:latin typeface="DM Mono" panose="020B0509040201040103" pitchFamily="49" charset="0"/>
+              </a:rPr>
+              <a:t>other</a:t>
+            </a:r>
+            <a:endParaRPr lang="ko-Kore-KR" altLang="en-US" dirty="0"/>
+          </a:p>
+        </p:txBody>
+      </p:sp>
+      <p:sp>
+        <p:nvSpPr>
+          <p:cNvPr id="24" name="직사각형 23">
+            <a:extLst>
+              <a:ext uri="{FF2B5EF4-FFF2-40B4-BE49-F238E27FC236}">
+                <a16:creationId xmlns:a16="http://schemas.microsoft.com/office/drawing/2014/main" id="{CBF52D68-9CFA-A80A-CC68-D94B2C10A848}"/>
+              </a:ext>
+            </a:extLst>
+          </p:cNvPr>
+          <p:cNvSpPr/>
+          <p:nvPr/>
+        </p:nvSpPr>
+        <p:spPr>
+          <a:xfrm>
+            <a:off x="6519412" y="4071114"/>
+            <a:ext cx="1414732" cy="511624"/>
+          </a:xfrm>
+          <a:prstGeom prst="rect">
+            <a:avLst/>
+          </a:prstGeom>
+          <a:solidFill>
+            <a:srgbClr val="FFFF00"/>
+          </a:solidFill>
+        </p:spPr>
+        <p:style>
+          <a:lnRef idx="2">
+            <a:schemeClr val="accent1">
+              <a:shade val="15000"/>
+            </a:schemeClr>
+          </a:lnRef>
+          <a:fillRef idx="1">
+            <a:schemeClr val="accent1"/>
+          </a:fillRef>
+          <a:effectRef idx="0">
+            <a:schemeClr val="accent1"/>
+          </a:effectRef>
+          <a:fontRef idx="minor">
+            <a:schemeClr val="lt1"/>
+          </a:fontRef>
+        </p:style>
+        <p:txBody>
+          <a:bodyPr rtlCol="0" anchor="ctr"/>
+          <a:lstStyle/>
+          <a:p>
+            <a:pPr algn="ctr"/>
+            <a:r>
+              <a:rPr kumimoji="1" lang="en-US" altLang="ko-Kore-KR" dirty="0">
+                <a:solidFill>
+                  <a:schemeClr val="tx1"/>
+                </a:solidFill>
+                <a:latin typeface="DM Mono" panose="020B0509040201040103" pitchFamily="49" charset="0"/>
+              </a:rPr>
+              <a:t>42</a:t>
+            </a:r>
+            <a:endParaRPr kumimoji="1" lang="ko-Kore-KR" altLang="en-US" dirty="0">
+              <a:solidFill>
+                <a:schemeClr val="tx1"/>
+              </a:solidFill>
+              <a:latin typeface="DM Mono" panose="020B0509040201040103" pitchFamily="49" charset="0"/>
+            </a:endParaRPr>
+          </a:p>
+        </p:txBody>
+      </p:sp>
+      <p:sp>
+        <p:nvSpPr>
+          <p:cNvPr id="25" name="TextBox 24">
+            <a:extLst>
+              <a:ext uri="{FF2B5EF4-FFF2-40B4-BE49-F238E27FC236}">
+                <a16:creationId xmlns:a16="http://schemas.microsoft.com/office/drawing/2014/main" id="{B57AE7CB-D69A-1A2B-E6EC-2E22273697BC}"/>
+              </a:ext>
+            </a:extLst>
+          </p:cNvPr>
+          <p:cNvSpPr txBox="1"/>
+          <p:nvPr/>
+        </p:nvSpPr>
+        <p:spPr>
+          <a:xfrm>
+            <a:off x="5814205" y="4142260"/>
+            <a:ext cx="705208" cy="369332"/>
+          </a:xfrm>
+          <a:prstGeom prst="rect">
+            <a:avLst/>
+          </a:prstGeom>
+          <a:noFill/>
+        </p:spPr>
+        <p:txBody>
+          <a:bodyPr wrap="square">
+            <a:spAutoFit/>
+          </a:bodyPr>
+          <a:lstStyle/>
+          <a:p>
+            <a:pPr algn="r"/>
+            <a:r>
+              <a:rPr lang="en-US" altLang="ko-Kore-KR" dirty="0">
+                <a:latin typeface="DM Mono" panose="020B0509040201040103" pitchFamily="49" charset="0"/>
+              </a:rPr>
+              <a:t>age</a:t>
+            </a:r>
+            <a:endParaRPr lang="ko-Kore-KR" altLang="en-US" dirty="0"/>
+          </a:p>
+        </p:txBody>
+      </p:sp>
+      <p:sp>
+        <p:nvSpPr>
+          <p:cNvPr id="26" name="직사각형 25">
+            <a:extLst>
+              <a:ext uri="{FF2B5EF4-FFF2-40B4-BE49-F238E27FC236}">
+                <a16:creationId xmlns:a16="http://schemas.microsoft.com/office/drawing/2014/main" id="{F942947E-4AC3-955B-48E1-168B5FE8AC7D}"/>
+              </a:ext>
+            </a:extLst>
+          </p:cNvPr>
+          <p:cNvSpPr/>
+          <p:nvPr/>
+        </p:nvSpPr>
+        <p:spPr>
+          <a:xfrm>
+            <a:off x="10105126" y="2558046"/>
+            <a:ext cx="1414732" cy="511624"/>
+          </a:xfrm>
+          <a:prstGeom prst="rect">
+            <a:avLst/>
+          </a:prstGeom>
+          <a:solidFill>
+            <a:srgbClr val="FFFF00"/>
+          </a:solidFill>
+        </p:spPr>
+        <p:style>
+          <a:lnRef idx="2">
+            <a:schemeClr val="accent1">
+              <a:shade val="15000"/>
+            </a:schemeClr>
+          </a:lnRef>
+          <a:fillRef idx="1">
+            <a:schemeClr val="accent1"/>
+          </a:fillRef>
+          <a:effectRef idx="0">
+            <a:schemeClr val="accent1"/>
+          </a:effectRef>
+          <a:fontRef idx="minor">
+            <a:schemeClr val="lt1"/>
+          </a:fontRef>
+        </p:style>
+        <p:txBody>
+          <a:bodyPr rtlCol="0" anchor="ctr"/>
+          <a:lstStyle/>
+          <a:p>
+            <a:pPr algn="ctr"/>
+            <a:r>
+              <a:rPr kumimoji="1" lang="en-US" altLang="ko-Kore-KR" dirty="0">
+                <a:solidFill>
+                  <a:schemeClr val="tx1"/>
+                </a:solidFill>
+                <a:latin typeface="DM Mono" panose="020B0509040201040103" pitchFamily="49" charset="0"/>
+              </a:rPr>
+              <a:t>“Tom”</a:t>
+            </a:r>
+            <a:endParaRPr kumimoji="1" lang="ko-Kore-KR" altLang="en-US" dirty="0">
+              <a:solidFill>
+                <a:schemeClr val="tx1"/>
+              </a:solidFill>
+              <a:latin typeface="DM Mono" panose="020B0509040201040103" pitchFamily="49" charset="0"/>
+            </a:endParaRPr>
+          </a:p>
+        </p:txBody>
+      </p:sp>
+      <p:sp>
+        <p:nvSpPr>
+          <p:cNvPr id="27" name="TextBox 26">
+            <a:extLst>
+              <a:ext uri="{FF2B5EF4-FFF2-40B4-BE49-F238E27FC236}">
+                <a16:creationId xmlns:a16="http://schemas.microsoft.com/office/drawing/2014/main" id="{A180C223-1B45-B64F-1D04-09E63399A1B0}"/>
+              </a:ext>
+            </a:extLst>
+          </p:cNvPr>
+          <p:cNvSpPr txBox="1"/>
+          <p:nvPr/>
+        </p:nvSpPr>
+        <p:spPr>
+          <a:xfrm>
+            <a:off x="9522843" y="2188714"/>
+            <a:ext cx="1164566" cy="369332"/>
+          </a:xfrm>
+          <a:prstGeom prst="rect">
+            <a:avLst/>
+          </a:prstGeom>
+          <a:noFill/>
+        </p:spPr>
+        <p:txBody>
+          <a:bodyPr wrap="square">
+            <a:spAutoFit/>
+          </a:bodyPr>
+          <a:lstStyle/>
+          <a:p>
+            <a:pPr algn="ctr"/>
+            <a:r>
+              <a:rPr lang="en-US" altLang="ko-Kore-KR" dirty="0">
+                <a:latin typeface="DM Mono" panose="020B0509040201040103" pitchFamily="49" charset="0"/>
+              </a:rPr>
+              <a:t>0x200</a:t>
+            </a:r>
+            <a:endParaRPr lang="ko-Kore-KR" altLang="en-US" dirty="0"/>
+          </a:p>
+        </p:txBody>
+      </p:sp>
+      <p:cxnSp>
+        <p:nvCxnSpPr>
+          <p:cNvPr id="28" name="구부러진 연결선[U] 27">
+            <a:extLst>
+              <a:ext uri="{FF2B5EF4-FFF2-40B4-BE49-F238E27FC236}">
+                <a16:creationId xmlns:a16="http://schemas.microsoft.com/office/drawing/2014/main" id="{022A1104-A1C4-B217-393A-78B138139AF4}"/>
+              </a:ext>
+            </a:extLst>
+          </p:cNvPr>
+          <p:cNvCxnSpPr>
+            <a:cxnSpLocks/>
+            <a:stCxn id="22" idx="3"/>
+            <a:endCxn id="26" idx="1"/>
+          </p:cNvCxnSpPr>
+          <p:nvPr/>
+        </p:nvCxnSpPr>
+        <p:spPr>
+          <a:xfrm flipV="1">
+            <a:off x="7934144" y="2813858"/>
+            <a:ext cx="2170982" cy="1001444"/>
+          </a:xfrm>
+          <a:prstGeom prst="curvedConnector3">
+            <a:avLst/>
+          </a:prstGeom>
+          <a:ln>
+            <a:tailEnd type="triangle"/>
+          </a:ln>
+        </p:spPr>
+        <p:style>
+          <a:lnRef idx="1">
+            <a:schemeClr val="dk1"/>
+          </a:lnRef>
+          <a:fillRef idx="0">
+            <a:schemeClr val="dk1"/>
+          </a:fillRef>
+          <a:effectRef idx="0">
+            <a:schemeClr val="dk1"/>
+          </a:effectRef>
+          <a:fontRef idx="minor">
+            <a:schemeClr val="tx1"/>
+          </a:fontRef>
+        </p:style>
+      </p:cxnSp>
+    </p:spTree>
+    <p:extLst>
+      <p:ext uri="{BB962C8B-B14F-4D97-AF65-F5344CB8AC3E}">
+        <p14:creationId xmlns:p14="http://schemas.microsoft.com/office/powerpoint/2010/main" val="3863578407"/>
+      </p:ext>
+    </p:extLst>
+  </p:cSld>
+  <p:clrMapOvr>
+    <a:masterClrMapping/>
+  </p:clrMapOvr>
+</p:sld>
+</file>
+
+<file path=ppt/slides/slide22.xml><?xml version="1.0" encoding="utf-8"?>
+<p:sld xmlns:a="http://schemas.openxmlformats.org/drawingml/2006/main" xmlns:r="http://schemas.openxmlformats.org/officeDocument/2006/relationships" xmlns:p="http://schemas.openxmlformats.org/presentationml/2006/main">
+  <p:cSld>
+    <p:spTree>
+      <p:nvGrpSpPr>
+        <p:cNvPr id="1" name=""/>
+        <p:cNvGrpSpPr/>
+        <p:nvPr/>
+      </p:nvGrpSpPr>
+      <p:grpSpPr>
+        <a:xfrm>
+          <a:off x="0" y="0"/>
+          <a:ext cx="0" cy="0"/>
+          <a:chOff x="0" y="0"/>
+          <a:chExt cx="0" cy="0"/>
+        </a:xfrm>
+      </p:grpSpPr>
+      <p:sp>
+        <p:nvSpPr>
+          <p:cNvPr id="5" name="TextBox 4">
+            <a:extLst>
+              <a:ext uri="{FF2B5EF4-FFF2-40B4-BE49-F238E27FC236}">
+                <a16:creationId xmlns:a16="http://schemas.microsoft.com/office/drawing/2014/main" id="{4044DB94-5E93-FE18-EB93-6403ED44D04D}"/>
+              </a:ext>
+            </a:extLst>
+          </p:cNvPr>
+          <p:cNvSpPr txBox="1"/>
+          <p:nvPr/>
+        </p:nvSpPr>
+        <p:spPr>
+          <a:xfrm>
+            <a:off x="511115" y="319980"/>
+            <a:ext cx="6094562" cy="369332"/>
+          </a:xfrm>
+          <a:prstGeom prst="rect">
+            <a:avLst/>
+          </a:prstGeom>
+          <a:noFill/>
+        </p:spPr>
+        <p:txBody>
+          <a:bodyPr wrap="square">
+            <a:spAutoFit/>
+          </a:bodyPr>
+          <a:lstStyle/>
+          <a:p>
+            <a:r>
+              <a:rPr lang="ko-Kore-KR" altLang="en-US" dirty="0">
+                <a:latin typeface="DM Mono" panose="020B0509040201040103" pitchFamily="49" charset="0"/>
+              </a:rPr>
+              <a:t> User other = User("Tom", 42);</a:t>
+            </a:r>
+          </a:p>
+        </p:txBody>
+      </p:sp>
+      <p:sp>
+        <p:nvSpPr>
+          <p:cNvPr id="6" name="직사각형 5">
+            <a:extLst>
+              <a:ext uri="{FF2B5EF4-FFF2-40B4-BE49-F238E27FC236}">
+                <a16:creationId xmlns:a16="http://schemas.microsoft.com/office/drawing/2014/main" id="{0057F79F-F4FB-47E2-D5BD-A149BECBAB5D}"/>
+              </a:ext>
+            </a:extLst>
+          </p:cNvPr>
+          <p:cNvSpPr/>
+          <p:nvPr/>
+        </p:nvSpPr>
+        <p:spPr>
+          <a:xfrm>
+            <a:off x="6519412" y="1403440"/>
+            <a:ext cx="1414732" cy="511624"/>
+          </a:xfrm>
+          <a:prstGeom prst="rect">
+            <a:avLst/>
+          </a:prstGeom>
+          <a:solidFill>
+            <a:srgbClr val="FFFF00"/>
+          </a:solidFill>
+        </p:spPr>
+        <p:style>
+          <a:lnRef idx="2">
+            <a:schemeClr val="accent1">
+              <a:shade val="15000"/>
+            </a:schemeClr>
+          </a:lnRef>
+          <a:fillRef idx="1">
+            <a:schemeClr val="accent1"/>
+          </a:fillRef>
+          <a:effectRef idx="0">
+            <a:schemeClr val="accent1"/>
+          </a:effectRef>
+          <a:fontRef idx="minor">
+            <a:schemeClr val="lt1"/>
+          </a:fontRef>
+        </p:style>
+        <p:txBody>
+          <a:bodyPr rtlCol="0" anchor="ctr"/>
+          <a:lstStyle/>
+          <a:p>
+            <a:pPr algn="ctr"/>
+            <a:r>
+              <a:rPr kumimoji="1" lang="en-US" altLang="ko-Kore-KR" dirty="0" err="1">
+                <a:solidFill>
+                  <a:srgbClr val="FF0000"/>
+                </a:solidFill>
+                <a:latin typeface="DM Mono" panose="020B0509040201040103" pitchFamily="49" charset="0"/>
+              </a:rPr>
+              <a:t>nullptr</a:t>
+            </a:r>
+            <a:endParaRPr kumimoji="1" lang="ko-Kore-KR" altLang="en-US" dirty="0">
+              <a:solidFill>
+                <a:srgbClr val="FF0000"/>
+              </a:solidFill>
+              <a:latin typeface="DM Mono" panose="020B0509040201040103" pitchFamily="49" charset="0"/>
+            </a:endParaRPr>
+          </a:p>
+        </p:txBody>
+      </p:sp>
+      <p:sp>
+        <p:nvSpPr>
+          <p:cNvPr id="7" name="TextBox 6">
+            <a:extLst>
+              <a:ext uri="{FF2B5EF4-FFF2-40B4-BE49-F238E27FC236}">
+                <a16:creationId xmlns:a16="http://schemas.microsoft.com/office/drawing/2014/main" id="{F0181EC7-84ED-4A75-C138-8518257A41C5}"/>
+              </a:ext>
+            </a:extLst>
+          </p:cNvPr>
+          <p:cNvSpPr txBox="1"/>
+          <p:nvPr/>
+        </p:nvSpPr>
+        <p:spPr>
+          <a:xfrm>
+            <a:off x="5512279" y="1474586"/>
+            <a:ext cx="1007133" cy="369332"/>
+          </a:xfrm>
+          <a:prstGeom prst="rect">
+            <a:avLst/>
+          </a:prstGeom>
+          <a:noFill/>
+        </p:spPr>
+        <p:txBody>
+          <a:bodyPr wrap="square">
+            <a:spAutoFit/>
+          </a:bodyPr>
+          <a:lstStyle/>
+          <a:p>
+            <a:pPr algn="r"/>
+            <a:r>
+              <a:rPr lang="en-US" altLang="ko-Kore-KR" dirty="0">
+                <a:latin typeface="DM Mono" panose="020B0509040201040103" pitchFamily="49" charset="0"/>
+              </a:rPr>
+              <a:t>name</a:t>
+            </a:r>
+            <a:endParaRPr lang="ko-Kore-KR" altLang="en-US" dirty="0"/>
+          </a:p>
+        </p:txBody>
+      </p:sp>
+      <p:sp>
+        <p:nvSpPr>
+          <p:cNvPr id="8" name="TextBox 7">
+            <a:extLst>
+              <a:ext uri="{FF2B5EF4-FFF2-40B4-BE49-F238E27FC236}">
+                <a16:creationId xmlns:a16="http://schemas.microsoft.com/office/drawing/2014/main" id="{B8EC8205-99D6-D1CA-969B-E09BE5F54003}"/>
+              </a:ext>
+            </a:extLst>
+          </p:cNvPr>
+          <p:cNvSpPr txBox="1"/>
+          <p:nvPr/>
+        </p:nvSpPr>
+        <p:spPr>
+          <a:xfrm>
+            <a:off x="6642340" y="1034108"/>
+            <a:ext cx="1164566" cy="369332"/>
+          </a:xfrm>
+          <a:prstGeom prst="rect">
+            <a:avLst/>
+          </a:prstGeom>
+          <a:noFill/>
+        </p:spPr>
+        <p:txBody>
+          <a:bodyPr wrap="square">
+            <a:spAutoFit/>
+          </a:bodyPr>
+          <a:lstStyle/>
+          <a:p>
+            <a:pPr algn="ctr"/>
+            <a:r>
+              <a:rPr lang="ko-KR" altLang="en-US" dirty="0">
+                <a:latin typeface="DM Mono" panose="020B0509040201040103" pitchFamily="49" charset="0"/>
+              </a:rPr>
+              <a:t>임시객체</a:t>
+            </a:r>
+            <a:endParaRPr lang="ko-Kore-KR" altLang="en-US" dirty="0"/>
+          </a:p>
+        </p:txBody>
+      </p:sp>
+      <p:sp>
+        <p:nvSpPr>
+          <p:cNvPr id="9" name="직사각형 8">
+            <a:extLst>
+              <a:ext uri="{FF2B5EF4-FFF2-40B4-BE49-F238E27FC236}">
+                <a16:creationId xmlns:a16="http://schemas.microsoft.com/office/drawing/2014/main" id="{587B6B29-AAF2-2F97-E2A9-646627E61CA1}"/>
+              </a:ext>
+            </a:extLst>
+          </p:cNvPr>
+          <p:cNvSpPr/>
+          <p:nvPr/>
+        </p:nvSpPr>
+        <p:spPr>
+          <a:xfrm>
+            <a:off x="6519412" y="1915064"/>
+            <a:ext cx="1414732" cy="511624"/>
+          </a:xfrm>
+          <a:prstGeom prst="rect">
+            <a:avLst/>
+          </a:prstGeom>
+          <a:solidFill>
+            <a:srgbClr val="FFFF00"/>
+          </a:solidFill>
+        </p:spPr>
+        <p:style>
+          <a:lnRef idx="2">
+            <a:schemeClr val="accent1">
+              <a:shade val="15000"/>
+            </a:schemeClr>
+          </a:lnRef>
+          <a:fillRef idx="1">
+            <a:schemeClr val="accent1"/>
+          </a:fillRef>
+          <a:effectRef idx="0">
+            <a:schemeClr val="accent1"/>
+          </a:effectRef>
+          <a:fontRef idx="minor">
+            <a:schemeClr val="lt1"/>
+          </a:fontRef>
+        </p:style>
+        <p:txBody>
+          <a:bodyPr rtlCol="0" anchor="ctr"/>
+          <a:lstStyle/>
+          <a:p>
+            <a:pPr algn="ctr"/>
+            <a:r>
+              <a:rPr kumimoji="1" lang="en-US" altLang="ko-Kore-KR" dirty="0">
+                <a:solidFill>
+                  <a:schemeClr val="tx1"/>
+                </a:solidFill>
+                <a:latin typeface="DM Mono" panose="020B0509040201040103" pitchFamily="49" charset="0"/>
+              </a:rPr>
+              <a:t>42</a:t>
+            </a:r>
+            <a:endParaRPr kumimoji="1" lang="ko-Kore-KR" altLang="en-US" dirty="0">
+              <a:solidFill>
+                <a:schemeClr val="tx1"/>
+              </a:solidFill>
+              <a:latin typeface="DM Mono" panose="020B0509040201040103" pitchFamily="49" charset="0"/>
+            </a:endParaRPr>
+          </a:p>
+        </p:txBody>
+      </p:sp>
+      <p:sp>
+        <p:nvSpPr>
+          <p:cNvPr id="10" name="TextBox 9">
+            <a:extLst>
+              <a:ext uri="{FF2B5EF4-FFF2-40B4-BE49-F238E27FC236}">
+                <a16:creationId xmlns:a16="http://schemas.microsoft.com/office/drawing/2014/main" id="{370EA880-0339-4A9D-9C9D-5356DC6C8DF8}"/>
+              </a:ext>
+            </a:extLst>
+          </p:cNvPr>
+          <p:cNvSpPr txBox="1"/>
+          <p:nvPr/>
+        </p:nvSpPr>
+        <p:spPr>
+          <a:xfrm>
+            <a:off x="5814205" y="1986210"/>
+            <a:ext cx="705208" cy="369332"/>
+          </a:xfrm>
+          <a:prstGeom prst="rect">
+            <a:avLst/>
+          </a:prstGeom>
+          <a:noFill/>
+        </p:spPr>
+        <p:txBody>
+          <a:bodyPr wrap="square">
+            <a:spAutoFit/>
+          </a:bodyPr>
+          <a:lstStyle/>
+          <a:p>
+            <a:pPr algn="r"/>
+            <a:r>
+              <a:rPr lang="en-US" altLang="ko-Kore-KR" dirty="0">
+                <a:latin typeface="DM Mono" panose="020B0509040201040103" pitchFamily="49" charset="0"/>
+              </a:rPr>
+              <a:t>age</a:t>
+            </a:r>
+            <a:endParaRPr lang="ko-Kore-KR" altLang="en-US" dirty="0"/>
+          </a:p>
+        </p:txBody>
+      </p:sp>
+      <p:sp>
+        <p:nvSpPr>
+          <p:cNvPr id="11" name="직사각형 10">
+            <a:extLst>
+              <a:ext uri="{FF2B5EF4-FFF2-40B4-BE49-F238E27FC236}">
+                <a16:creationId xmlns:a16="http://schemas.microsoft.com/office/drawing/2014/main" id="{5E3E71C8-3EE9-9842-4353-2FADD5612177}"/>
+              </a:ext>
+            </a:extLst>
+          </p:cNvPr>
+          <p:cNvSpPr/>
+          <p:nvPr/>
+        </p:nvSpPr>
+        <p:spPr>
+          <a:xfrm>
+            <a:off x="10105126" y="401996"/>
+            <a:ext cx="1414732" cy="511624"/>
+          </a:xfrm>
+          <a:prstGeom prst="rect">
+            <a:avLst/>
+          </a:prstGeom>
+          <a:solidFill>
+            <a:srgbClr val="FFFF00"/>
+          </a:solidFill>
+        </p:spPr>
+        <p:style>
+          <a:lnRef idx="2">
+            <a:schemeClr val="accent1">
+              <a:shade val="15000"/>
+            </a:schemeClr>
+          </a:lnRef>
+          <a:fillRef idx="1">
+            <a:schemeClr val="accent1"/>
+          </a:fillRef>
+          <a:effectRef idx="0">
+            <a:schemeClr val="accent1"/>
+          </a:effectRef>
+          <a:fontRef idx="minor">
+            <a:schemeClr val="lt1"/>
+          </a:fontRef>
+        </p:style>
+        <p:txBody>
+          <a:bodyPr rtlCol="0" anchor="ctr"/>
+          <a:lstStyle/>
+          <a:p>
+            <a:pPr algn="ctr"/>
+            <a:r>
+              <a:rPr kumimoji="1" lang="en-US" altLang="ko-Kore-KR" dirty="0">
+                <a:solidFill>
+                  <a:schemeClr val="tx1"/>
+                </a:solidFill>
+                <a:latin typeface="DM Mono" panose="020B0509040201040103" pitchFamily="49" charset="0"/>
+              </a:rPr>
+              <a:t>“Tom”</a:t>
+            </a:r>
+            <a:endParaRPr kumimoji="1" lang="ko-Kore-KR" altLang="en-US" dirty="0">
+              <a:solidFill>
+                <a:schemeClr val="tx1"/>
+              </a:solidFill>
+              <a:latin typeface="DM Mono" panose="020B0509040201040103" pitchFamily="49" charset="0"/>
+            </a:endParaRPr>
+          </a:p>
+        </p:txBody>
+      </p:sp>
+      <p:sp>
+        <p:nvSpPr>
+          <p:cNvPr id="12" name="TextBox 11">
+            <a:extLst>
+              <a:ext uri="{FF2B5EF4-FFF2-40B4-BE49-F238E27FC236}">
+                <a16:creationId xmlns:a16="http://schemas.microsoft.com/office/drawing/2014/main" id="{A3FDBE69-6851-6896-F432-F1C13B2ADF5C}"/>
+              </a:ext>
+            </a:extLst>
+          </p:cNvPr>
+          <p:cNvSpPr txBox="1"/>
+          <p:nvPr/>
+        </p:nvSpPr>
+        <p:spPr>
+          <a:xfrm>
+            <a:off x="9522843" y="32664"/>
+            <a:ext cx="1164566" cy="369332"/>
+          </a:xfrm>
+          <a:prstGeom prst="rect">
+            <a:avLst/>
+          </a:prstGeom>
+          <a:noFill/>
+        </p:spPr>
+        <p:txBody>
+          <a:bodyPr wrap="square">
+            <a:spAutoFit/>
+          </a:bodyPr>
+          <a:lstStyle/>
+          <a:p>
+            <a:pPr algn="ctr"/>
+            <a:r>
+              <a:rPr lang="en-US" altLang="ko-Kore-KR" dirty="0">
+                <a:latin typeface="DM Mono" panose="020B0509040201040103" pitchFamily="49" charset="0"/>
+              </a:rPr>
+              <a:t>0x100</a:t>
+            </a:r>
+            <a:endParaRPr lang="ko-Kore-KR" altLang="en-US" dirty="0"/>
+          </a:p>
+        </p:txBody>
+      </p:sp>
+      <p:cxnSp>
+        <p:nvCxnSpPr>
+          <p:cNvPr id="13" name="구부러진 연결선[U] 12">
+            <a:extLst>
+              <a:ext uri="{FF2B5EF4-FFF2-40B4-BE49-F238E27FC236}">
+                <a16:creationId xmlns:a16="http://schemas.microsoft.com/office/drawing/2014/main" id="{49CCD483-67BD-794A-D958-C8B05755F033}"/>
+              </a:ext>
+            </a:extLst>
+          </p:cNvPr>
+          <p:cNvCxnSpPr>
+            <a:cxnSpLocks/>
+            <a:stCxn id="22" idx="3"/>
+            <a:endCxn id="11" idx="1"/>
+          </p:cNvCxnSpPr>
+          <p:nvPr/>
+        </p:nvCxnSpPr>
+        <p:spPr>
+          <a:xfrm flipV="1">
+            <a:off x="7934144" y="657808"/>
+            <a:ext cx="2170982" cy="3157494"/>
+          </a:xfrm>
+          <a:prstGeom prst="curvedConnector3">
+            <a:avLst/>
+          </a:prstGeom>
+          <a:ln>
+            <a:tailEnd type="triangle"/>
+          </a:ln>
+        </p:spPr>
+        <p:style>
+          <a:lnRef idx="1">
+            <a:schemeClr val="dk1"/>
+          </a:lnRef>
+          <a:fillRef idx="0">
+            <a:schemeClr val="dk1"/>
+          </a:fillRef>
+          <a:effectRef idx="0">
+            <a:schemeClr val="dk1"/>
+          </a:effectRef>
+          <a:fontRef idx="minor">
+            <a:schemeClr val="tx1"/>
+          </a:fontRef>
+        </p:style>
+      </p:cxnSp>
+      <p:sp>
+        <p:nvSpPr>
+          <p:cNvPr id="22" name="직사각형 21">
+            <a:extLst>
+              <a:ext uri="{FF2B5EF4-FFF2-40B4-BE49-F238E27FC236}">
+                <a16:creationId xmlns:a16="http://schemas.microsoft.com/office/drawing/2014/main" id="{8B15A85A-9EA0-4E4E-87E2-FED8A1367434}"/>
+              </a:ext>
+            </a:extLst>
+          </p:cNvPr>
+          <p:cNvSpPr/>
+          <p:nvPr/>
+        </p:nvSpPr>
+        <p:spPr>
+          <a:xfrm>
+            <a:off x="6519412" y="3559490"/>
+            <a:ext cx="1414732" cy="511624"/>
+          </a:xfrm>
+          <a:prstGeom prst="rect">
+            <a:avLst/>
+          </a:prstGeom>
+          <a:solidFill>
+            <a:srgbClr val="FFFF00"/>
+          </a:solidFill>
+        </p:spPr>
+        <p:style>
+          <a:lnRef idx="2">
+            <a:schemeClr val="accent1">
+              <a:shade val="15000"/>
+            </a:schemeClr>
+          </a:lnRef>
+          <a:fillRef idx="1">
+            <a:schemeClr val="accent1"/>
+          </a:fillRef>
+          <a:effectRef idx="0">
+            <a:schemeClr val="accent1"/>
+          </a:effectRef>
+          <a:fontRef idx="minor">
+            <a:schemeClr val="lt1"/>
+          </a:fontRef>
+        </p:style>
+        <p:txBody>
+          <a:bodyPr rtlCol="0" anchor="ctr"/>
+          <a:lstStyle/>
+          <a:p>
+            <a:pPr algn="ctr"/>
+            <a:r>
+              <a:rPr kumimoji="1" lang="en-US" altLang="ko-Kore-KR" dirty="0">
+                <a:solidFill>
+                  <a:schemeClr val="tx1"/>
+                </a:solidFill>
+                <a:latin typeface="DM Mono" panose="020B0509040201040103" pitchFamily="49" charset="0"/>
+              </a:rPr>
+              <a:t>0x100</a:t>
+            </a:r>
+            <a:endParaRPr kumimoji="1" lang="ko-Kore-KR" altLang="en-US" dirty="0">
+              <a:solidFill>
+                <a:schemeClr val="tx1"/>
+              </a:solidFill>
+              <a:latin typeface="DM Mono" panose="020B0509040201040103" pitchFamily="49" charset="0"/>
+            </a:endParaRPr>
+          </a:p>
+        </p:txBody>
+      </p:sp>
+      <p:sp>
+        <p:nvSpPr>
+          <p:cNvPr id="23" name="TextBox 22">
+            <a:extLst>
+              <a:ext uri="{FF2B5EF4-FFF2-40B4-BE49-F238E27FC236}">
+                <a16:creationId xmlns:a16="http://schemas.microsoft.com/office/drawing/2014/main" id="{9DB90319-324E-90B2-18C7-482C4F512866}"/>
+              </a:ext>
+            </a:extLst>
+          </p:cNvPr>
+          <p:cNvSpPr txBox="1"/>
+          <p:nvPr/>
+        </p:nvSpPr>
+        <p:spPr>
+          <a:xfrm>
+            <a:off x="6642340" y="3190158"/>
+            <a:ext cx="1164566" cy="369332"/>
+          </a:xfrm>
+          <a:prstGeom prst="rect">
+            <a:avLst/>
+          </a:prstGeom>
+          <a:noFill/>
+        </p:spPr>
+        <p:txBody>
+          <a:bodyPr wrap="square">
+            <a:spAutoFit/>
+          </a:bodyPr>
+          <a:lstStyle/>
+          <a:p>
+            <a:pPr algn="ctr"/>
+            <a:r>
+              <a:rPr lang="en-US" altLang="ko-Kore-KR" dirty="0">
+                <a:latin typeface="DM Mono" panose="020B0509040201040103" pitchFamily="49" charset="0"/>
+              </a:rPr>
+              <a:t>other</a:t>
+            </a:r>
+            <a:endParaRPr lang="ko-Kore-KR" altLang="en-US" dirty="0"/>
+          </a:p>
+        </p:txBody>
+      </p:sp>
+      <p:sp>
+        <p:nvSpPr>
+          <p:cNvPr id="24" name="직사각형 23">
+            <a:extLst>
+              <a:ext uri="{FF2B5EF4-FFF2-40B4-BE49-F238E27FC236}">
+                <a16:creationId xmlns:a16="http://schemas.microsoft.com/office/drawing/2014/main" id="{CBF52D68-9CFA-A80A-CC68-D94B2C10A848}"/>
+              </a:ext>
+            </a:extLst>
+          </p:cNvPr>
+          <p:cNvSpPr/>
+          <p:nvPr/>
+        </p:nvSpPr>
+        <p:spPr>
+          <a:xfrm>
+            <a:off x="6519412" y="4071114"/>
+            <a:ext cx="1414732" cy="511624"/>
+          </a:xfrm>
+          <a:prstGeom prst="rect">
+            <a:avLst/>
+          </a:prstGeom>
+          <a:solidFill>
+            <a:srgbClr val="FFFF00"/>
+          </a:solidFill>
+        </p:spPr>
+        <p:style>
+          <a:lnRef idx="2">
+            <a:schemeClr val="accent1">
+              <a:shade val="15000"/>
+            </a:schemeClr>
+          </a:lnRef>
+          <a:fillRef idx="1">
+            <a:schemeClr val="accent1"/>
+          </a:fillRef>
+          <a:effectRef idx="0">
+            <a:schemeClr val="accent1"/>
+          </a:effectRef>
+          <a:fontRef idx="minor">
+            <a:schemeClr val="lt1"/>
+          </a:fontRef>
+        </p:style>
+        <p:txBody>
+          <a:bodyPr rtlCol="0" anchor="ctr"/>
+          <a:lstStyle/>
+          <a:p>
+            <a:pPr algn="ctr"/>
+            <a:r>
+              <a:rPr kumimoji="1" lang="en-US" altLang="ko-Kore-KR" dirty="0">
+                <a:solidFill>
+                  <a:schemeClr val="tx1"/>
+                </a:solidFill>
+                <a:latin typeface="DM Mono" panose="020B0509040201040103" pitchFamily="49" charset="0"/>
+              </a:rPr>
+              <a:t>42</a:t>
+            </a:r>
+            <a:endParaRPr kumimoji="1" lang="ko-Kore-KR" altLang="en-US" dirty="0">
+              <a:solidFill>
+                <a:schemeClr val="tx1"/>
+              </a:solidFill>
+              <a:latin typeface="DM Mono" panose="020B0509040201040103" pitchFamily="49" charset="0"/>
+            </a:endParaRPr>
+          </a:p>
+        </p:txBody>
+      </p:sp>
+      <p:sp>
+        <p:nvSpPr>
+          <p:cNvPr id="25" name="TextBox 24">
+            <a:extLst>
+              <a:ext uri="{FF2B5EF4-FFF2-40B4-BE49-F238E27FC236}">
+                <a16:creationId xmlns:a16="http://schemas.microsoft.com/office/drawing/2014/main" id="{B57AE7CB-D69A-1A2B-E6EC-2E22273697BC}"/>
+              </a:ext>
+            </a:extLst>
+          </p:cNvPr>
+          <p:cNvSpPr txBox="1"/>
+          <p:nvPr/>
+        </p:nvSpPr>
+        <p:spPr>
+          <a:xfrm>
+            <a:off x="5814205" y="4142260"/>
+            <a:ext cx="705208" cy="369332"/>
+          </a:xfrm>
+          <a:prstGeom prst="rect">
+            <a:avLst/>
+          </a:prstGeom>
+          <a:noFill/>
+        </p:spPr>
+        <p:txBody>
+          <a:bodyPr wrap="square">
+            <a:spAutoFit/>
+          </a:bodyPr>
+          <a:lstStyle/>
+          <a:p>
+            <a:pPr algn="r"/>
+            <a:r>
+              <a:rPr lang="en-US" altLang="ko-Kore-KR" dirty="0">
+                <a:latin typeface="DM Mono" panose="020B0509040201040103" pitchFamily="49" charset="0"/>
+              </a:rPr>
+              <a:t>age</a:t>
+            </a:r>
+            <a:endParaRPr lang="ko-Kore-KR" altLang="en-US" dirty="0"/>
+          </a:p>
+        </p:txBody>
+      </p:sp>
+      <p:sp>
+        <p:nvSpPr>
+          <p:cNvPr id="14" name="TextBox 13">
+            <a:extLst>
+              <a:ext uri="{FF2B5EF4-FFF2-40B4-BE49-F238E27FC236}">
+                <a16:creationId xmlns:a16="http://schemas.microsoft.com/office/drawing/2014/main" id="{3E4362E2-F608-05DE-E42F-EE797148878E}"/>
+              </a:ext>
+            </a:extLst>
+          </p:cNvPr>
+          <p:cNvSpPr txBox="1"/>
+          <p:nvPr/>
+        </p:nvSpPr>
+        <p:spPr>
+          <a:xfrm>
+            <a:off x="5512278" y="3630636"/>
+            <a:ext cx="1007133" cy="369332"/>
+          </a:xfrm>
+          <a:prstGeom prst="rect">
+            <a:avLst/>
+          </a:prstGeom>
+          <a:noFill/>
+        </p:spPr>
+        <p:txBody>
+          <a:bodyPr wrap="square">
+            <a:spAutoFit/>
+          </a:bodyPr>
+          <a:lstStyle/>
+          <a:p>
+            <a:pPr algn="r"/>
+            <a:r>
+              <a:rPr lang="en-US" altLang="ko-Kore-KR" dirty="0">
+                <a:latin typeface="DM Mono" panose="020B0509040201040103" pitchFamily="49" charset="0"/>
+              </a:rPr>
+              <a:t>name</a:t>
+            </a:r>
+            <a:endParaRPr lang="ko-Kore-KR" altLang="en-US" dirty="0"/>
+          </a:p>
+        </p:txBody>
+      </p:sp>
+    </p:spTree>
+    <p:extLst>
+      <p:ext uri="{BB962C8B-B14F-4D97-AF65-F5344CB8AC3E}">
+        <p14:creationId xmlns:p14="http://schemas.microsoft.com/office/powerpoint/2010/main" val="552532540"/>
+      </p:ext>
+    </p:extLst>
+  </p:cSld>
+  <p:clrMapOvr>
+    <a:masterClrMapping/>
+  </p:clrMapOvr>
+</p:sld>
+</file>
+
+<file path=ppt/slides/slide23.xml><?xml version="1.0" encoding="utf-8"?>
+<p:sld xmlns:a="http://schemas.openxmlformats.org/drawingml/2006/main" xmlns:r="http://schemas.openxmlformats.org/officeDocument/2006/relationships" xmlns:p="http://schemas.openxmlformats.org/presentationml/2006/main">
+  <p:cSld>
+    <p:spTree>
+      <p:nvGrpSpPr>
+        <p:cNvPr id="1" name=""/>
+        <p:cNvGrpSpPr/>
+        <p:nvPr/>
+      </p:nvGrpSpPr>
+      <p:grpSpPr>
+        <a:xfrm>
+          <a:off x="0" y="0"/>
+          <a:ext cx="0" cy="0"/>
+          <a:chOff x="0" y="0"/>
+          <a:chExt cx="0" cy="0"/>
+        </a:xfrm>
+      </p:grpSpPr>
+      <p:sp>
+        <p:nvSpPr>
+          <p:cNvPr id="5" name="TextBox 4">
+            <a:extLst>
+              <a:ext uri="{FF2B5EF4-FFF2-40B4-BE49-F238E27FC236}">
+                <a16:creationId xmlns:a16="http://schemas.microsoft.com/office/drawing/2014/main" id="{4044DB94-5E93-FE18-EB93-6403ED44D04D}"/>
+              </a:ext>
+            </a:extLst>
+          </p:cNvPr>
+          <p:cNvSpPr txBox="1"/>
+          <p:nvPr/>
+        </p:nvSpPr>
+        <p:spPr>
+          <a:xfrm>
+            <a:off x="511115" y="319980"/>
+            <a:ext cx="6094562" cy="369332"/>
+          </a:xfrm>
+          <a:prstGeom prst="rect">
+            <a:avLst/>
+          </a:prstGeom>
+          <a:noFill/>
+        </p:spPr>
+        <p:txBody>
+          <a:bodyPr wrap="square">
+            <a:spAutoFit/>
+          </a:bodyPr>
+          <a:lstStyle/>
+          <a:p>
+            <a:r>
+              <a:rPr lang="ko-Kore-KR" altLang="en-US" dirty="0">
+                <a:latin typeface="DM Mono" panose="020B0509040201040103" pitchFamily="49" charset="0"/>
+              </a:rPr>
+              <a:t> User other = User("Tom", 42);</a:t>
+            </a:r>
+          </a:p>
+        </p:txBody>
+      </p:sp>
+      <p:sp>
+        <p:nvSpPr>
+          <p:cNvPr id="11" name="직사각형 10">
+            <a:extLst>
+              <a:ext uri="{FF2B5EF4-FFF2-40B4-BE49-F238E27FC236}">
+                <a16:creationId xmlns:a16="http://schemas.microsoft.com/office/drawing/2014/main" id="{5E3E71C8-3EE9-9842-4353-2FADD5612177}"/>
+              </a:ext>
+            </a:extLst>
+          </p:cNvPr>
+          <p:cNvSpPr/>
+          <p:nvPr/>
+        </p:nvSpPr>
+        <p:spPr>
+          <a:xfrm>
+            <a:off x="10105126" y="401996"/>
+            <a:ext cx="1414732" cy="511624"/>
+          </a:xfrm>
+          <a:prstGeom prst="rect">
+            <a:avLst/>
+          </a:prstGeom>
+          <a:solidFill>
+            <a:srgbClr val="FFFF00"/>
+          </a:solidFill>
+        </p:spPr>
+        <p:style>
+          <a:lnRef idx="2">
+            <a:schemeClr val="accent1">
+              <a:shade val="15000"/>
+            </a:schemeClr>
+          </a:lnRef>
+          <a:fillRef idx="1">
+            <a:schemeClr val="accent1"/>
+          </a:fillRef>
+          <a:effectRef idx="0">
+            <a:schemeClr val="accent1"/>
+          </a:effectRef>
+          <a:fontRef idx="minor">
+            <a:schemeClr val="lt1"/>
+          </a:fontRef>
+        </p:style>
+        <p:txBody>
+          <a:bodyPr rtlCol="0" anchor="ctr"/>
+          <a:lstStyle/>
+          <a:p>
+            <a:pPr algn="ctr"/>
+            <a:r>
+              <a:rPr kumimoji="1" lang="en-US" altLang="ko-Kore-KR" dirty="0">
+                <a:solidFill>
+                  <a:schemeClr val="tx1"/>
+                </a:solidFill>
+                <a:latin typeface="DM Mono" panose="020B0509040201040103" pitchFamily="49" charset="0"/>
+              </a:rPr>
+              <a:t>“Tom”</a:t>
+            </a:r>
+            <a:endParaRPr kumimoji="1" lang="ko-Kore-KR" altLang="en-US" dirty="0">
+              <a:solidFill>
+                <a:schemeClr val="tx1"/>
+              </a:solidFill>
+              <a:latin typeface="DM Mono" panose="020B0509040201040103" pitchFamily="49" charset="0"/>
+            </a:endParaRPr>
+          </a:p>
+        </p:txBody>
+      </p:sp>
+      <p:sp>
+        <p:nvSpPr>
+          <p:cNvPr id="12" name="TextBox 11">
+            <a:extLst>
+              <a:ext uri="{FF2B5EF4-FFF2-40B4-BE49-F238E27FC236}">
+                <a16:creationId xmlns:a16="http://schemas.microsoft.com/office/drawing/2014/main" id="{A3FDBE69-6851-6896-F432-F1C13B2ADF5C}"/>
+              </a:ext>
+            </a:extLst>
+          </p:cNvPr>
+          <p:cNvSpPr txBox="1"/>
+          <p:nvPr/>
+        </p:nvSpPr>
+        <p:spPr>
+          <a:xfrm>
+            <a:off x="9522843" y="32664"/>
+            <a:ext cx="1164566" cy="369332"/>
+          </a:xfrm>
+          <a:prstGeom prst="rect">
+            <a:avLst/>
+          </a:prstGeom>
+          <a:noFill/>
+        </p:spPr>
+        <p:txBody>
+          <a:bodyPr wrap="square">
+            <a:spAutoFit/>
+          </a:bodyPr>
+          <a:lstStyle/>
+          <a:p>
+            <a:pPr algn="ctr"/>
+            <a:r>
+              <a:rPr lang="en-US" altLang="ko-Kore-KR" dirty="0">
+                <a:latin typeface="DM Mono" panose="020B0509040201040103" pitchFamily="49" charset="0"/>
+              </a:rPr>
+              <a:t>0x100</a:t>
+            </a:r>
+            <a:endParaRPr lang="ko-Kore-KR" altLang="en-US" dirty="0"/>
+          </a:p>
+        </p:txBody>
+      </p:sp>
+      <p:cxnSp>
+        <p:nvCxnSpPr>
+          <p:cNvPr id="13" name="구부러진 연결선[U] 12">
+            <a:extLst>
+              <a:ext uri="{FF2B5EF4-FFF2-40B4-BE49-F238E27FC236}">
+                <a16:creationId xmlns:a16="http://schemas.microsoft.com/office/drawing/2014/main" id="{49CCD483-67BD-794A-D958-C8B05755F033}"/>
+              </a:ext>
+            </a:extLst>
+          </p:cNvPr>
+          <p:cNvCxnSpPr>
+            <a:cxnSpLocks/>
+            <a:stCxn id="22" idx="3"/>
+            <a:endCxn id="11" idx="1"/>
+          </p:cNvCxnSpPr>
+          <p:nvPr/>
+        </p:nvCxnSpPr>
+        <p:spPr>
+          <a:xfrm flipV="1">
+            <a:off x="7934144" y="657808"/>
+            <a:ext cx="2170982" cy="3157494"/>
+          </a:xfrm>
+          <a:prstGeom prst="curvedConnector3">
+            <a:avLst/>
+          </a:prstGeom>
+          <a:ln>
+            <a:tailEnd type="triangle"/>
+          </a:ln>
+        </p:spPr>
+        <p:style>
+          <a:lnRef idx="1">
+            <a:schemeClr val="dk1"/>
+          </a:lnRef>
+          <a:fillRef idx="0">
+            <a:schemeClr val="dk1"/>
+          </a:fillRef>
+          <a:effectRef idx="0">
+            <a:schemeClr val="dk1"/>
+          </a:effectRef>
+          <a:fontRef idx="minor">
+            <a:schemeClr val="tx1"/>
+          </a:fontRef>
+        </p:style>
+      </p:cxnSp>
+      <p:sp>
+        <p:nvSpPr>
+          <p:cNvPr id="22" name="직사각형 21">
+            <a:extLst>
+              <a:ext uri="{FF2B5EF4-FFF2-40B4-BE49-F238E27FC236}">
+                <a16:creationId xmlns:a16="http://schemas.microsoft.com/office/drawing/2014/main" id="{8B15A85A-9EA0-4E4E-87E2-FED8A1367434}"/>
+              </a:ext>
+            </a:extLst>
+          </p:cNvPr>
+          <p:cNvSpPr/>
+          <p:nvPr/>
+        </p:nvSpPr>
+        <p:spPr>
+          <a:xfrm>
+            <a:off x="6519412" y="3559490"/>
+            <a:ext cx="1414732" cy="511624"/>
+          </a:xfrm>
+          <a:prstGeom prst="rect">
+            <a:avLst/>
+          </a:prstGeom>
+          <a:solidFill>
+            <a:srgbClr val="FFFF00"/>
+          </a:solidFill>
+        </p:spPr>
+        <p:style>
+          <a:lnRef idx="2">
+            <a:schemeClr val="accent1">
+              <a:shade val="15000"/>
+            </a:schemeClr>
+          </a:lnRef>
+          <a:fillRef idx="1">
+            <a:schemeClr val="accent1"/>
+          </a:fillRef>
+          <a:effectRef idx="0">
+            <a:schemeClr val="accent1"/>
+          </a:effectRef>
+          <a:fontRef idx="minor">
+            <a:schemeClr val="lt1"/>
+          </a:fontRef>
+        </p:style>
+        <p:txBody>
+          <a:bodyPr rtlCol="0" anchor="ctr"/>
+          <a:lstStyle/>
+          <a:p>
+            <a:pPr algn="ctr"/>
+            <a:r>
+              <a:rPr kumimoji="1" lang="en-US" altLang="ko-Kore-KR" dirty="0">
+                <a:solidFill>
+                  <a:schemeClr val="tx1"/>
+                </a:solidFill>
+                <a:latin typeface="DM Mono" panose="020B0509040201040103" pitchFamily="49" charset="0"/>
+              </a:rPr>
+              <a:t>0x100</a:t>
+            </a:r>
+            <a:endParaRPr kumimoji="1" lang="ko-Kore-KR" altLang="en-US" dirty="0">
+              <a:solidFill>
+                <a:schemeClr val="tx1"/>
+              </a:solidFill>
+              <a:latin typeface="DM Mono" panose="020B0509040201040103" pitchFamily="49" charset="0"/>
+            </a:endParaRPr>
+          </a:p>
+        </p:txBody>
+      </p:sp>
+      <p:sp>
+        <p:nvSpPr>
+          <p:cNvPr id="23" name="TextBox 22">
+            <a:extLst>
+              <a:ext uri="{FF2B5EF4-FFF2-40B4-BE49-F238E27FC236}">
+                <a16:creationId xmlns:a16="http://schemas.microsoft.com/office/drawing/2014/main" id="{9DB90319-324E-90B2-18C7-482C4F512866}"/>
+              </a:ext>
+            </a:extLst>
+          </p:cNvPr>
+          <p:cNvSpPr txBox="1"/>
+          <p:nvPr/>
+        </p:nvSpPr>
+        <p:spPr>
+          <a:xfrm>
+            <a:off x="6642340" y="3190158"/>
+            <a:ext cx="1164566" cy="369332"/>
+          </a:xfrm>
+          <a:prstGeom prst="rect">
+            <a:avLst/>
+          </a:prstGeom>
+          <a:noFill/>
+        </p:spPr>
+        <p:txBody>
+          <a:bodyPr wrap="square">
+            <a:spAutoFit/>
+          </a:bodyPr>
+          <a:lstStyle/>
+          <a:p>
+            <a:pPr algn="ctr"/>
+            <a:r>
+              <a:rPr lang="en-US" altLang="ko-Kore-KR" dirty="0">
+                <a:latin typeface="DM Mono" panose="020B0509040201040103" pitchFamily="49" charset="0"/>
+              </a:rPr>
+              <a:t>other</a:t>
+            </a:r>
+            <a:endParaRPr lang="ko-Kore-KR" altLang="en-US" dirty="0"/>
+          </a:p>
+        </p:txBody>
+      </p:sp>
+      <p:sp>
+        <p:nvSpPr>
+          <p:cNvPr id="24" name="직사각형 23">
+            <a:extLst>
+              <a:ext uri="{FF2B5EF4-FFF2-40B4-BE49-F238E27FC236}">
+                <a16:creationId xmlns:a16="http://schemas.microsoft.com/office/drawing/2014/main" id="{CBF52D68-9CFA-A80A-CC68-D94B2C10A848}"/>
+              </a:ext>
+            </a:extLst>
+          </p:cNvPr>
+          <p:cNvSpPr/>
+          <p:nvPr/>
+        </p:nvSpPr>
+        <p:spPr>
+          <a:xfrm>
+            <a:off x="6519412" y="4071114"/>
+            <a:ext cx="1414732" cy="511624"/>
+          </a:xfrm>
+          <a:prstGeom prst="rect">
+            <a:avLst/>
+          </a:prstGeom>
+          <a:solidFill>
+            <a:srgbClr val="FFFF00"/>
+          </a:solidFill>
+        </p:spPr>
+        <p:style>
+          <a:lnRef idx="2">
+            <a:schemeClr val="accent1">
+              <a:shade val="15000"/>
+            </a:schemeClr>
+          </a:lnRef>
+          <a:fillRef idx="1">
+            <a:schemeClr val="accent1"/>
+          </a:fillRef>
+          <a:effectRef idx="0">
+            <a:schemeClr val="accent1"/>
+          </a:effectRef>
+          <a:fontRef idx="minor">
+            <a:schemeClr val="lt1"/>
+          </a:fontRef>
+        </p:style>
+        <p:txBody>
+          <a:bodyPr rtlCol="0" anchor="ctr"/>
+          <a:lstStyle/>
+          <a:p>
+            <a:pPr algn="ctr"/>
+            <a:r>
+              <a:rPr kumimoji="1" lang="en-US" altLang="ko-Kore-KR" dirty="0">
+                <a:solidFill>
+                  <a:schemeClr val="tx1"/>
+                </a:solidFill>
+                <a:latin typeface="DM Mono" panose="020B0509040201040103" pitchFamily="49" charset="0"/>
+              </a:rPr>
+              <a:t>42</a:t>
+            </a:r>
+            <a:endParaRPr kumimoji="1" lang="ko-Kore-KR" altLang="en-US" dirty="0">
+              <a:solidFill>
+                <a:schemeClr val="tx1"/>
+              </a:solidFill>
+              <a:latin typeface="DM Mono" panose="020B0509040201040103" pitchFamily="49" charset="0"/>
+            </a:endParaRPr>
+          </a:p>
+        </p:txBody>
+      </p:sp>
+      <p:sp>
+        <p:nvSpPr>
+          <p:cNvPr id="25" name="TextBox 24">
+            <a:extLst>
+              <a:ext uri="{FF2B5EF4-FFF2-40B4-BE49-F238E27FC236}">
+                <a16:creationId xmlns:a16="http://schemas.microsoft.com/office/drawing/2014/main" id="{B57AE7CB-D69A-1A2B-E6EC-2E22273697BC}"/>
+              </a:ext>
+            </a:extLst>
+          </p:cNvPr>
+          <p:cNvSpPr txBox="1"/>
+          <p:nvPr/>
+        </p:nvSpPr>
+        <p:spPr>
+          <a:xfrm>
+            <a:off x="5814205" y="4142260"/>
+            <a:ext cx="705208" cy="369332"/>
+          </a:xfrm>
+          <a:prstGeom prst="rect">
+            <a:avLst/>
+          </a:prstGeom>
+          <a:noFill/>
+        </p:spPr>
+        <p:txBody>
+          <a:bodyPr wrap="square">
+            <a:spAutoFit/>
+          </a:bodyPr>
+          <a:lstStyle/>
+          <a:p>
+            <a:pPr algn="r"/>
+            <a:r>
+              <a:rPr lang="en-US" altLang="ko-Kore-KR" dirty="0">
+                <a:latin typeface="DM Mono" panose="020B0509040201040103" pitchFamily="49" charset="0"/>
+              </a:rPr>
+              <a:t>age</a:t>
+            </a:r>
+            <a:endParaRPr lang="ko-Kore-KR" altLang="en-US" dirty="0"/>
+          </a:p>
+        </p:txBody>
+      </p:sp>
+    </p:spTree>
+    <p:extLst>
+      <p:ext uri="{BB962C8B-B14F-4D97-AF65-F5344CB8AC3E}">
+        <p14:creationId xmlns:p14="http://schemas.microsoft.com/office/powerpoint/2010/main" val="3292089285"/>
+      </p:ext>
+    </p:extLst>
+  </p:cSld>
+  <p:clrMapOvr>
+    <a:masterClrMapping/>
+  </p:clrMapOvr>
+</p:sld>
+</file>
+
+<file path=ppt/slides/slide24.xml><?xml version="1.0" encoding="utf-8"?>
+<p:sld xmlns:a="http://schemas.openxmlformats.org/drawingml/2006/main" xmlns:r="http://schemas.openxmlformats.org/officeDocument/2006/relationships" xmlns:p="http://schemas.openxmlformats.org/presentationml/2006/main">
+  <p:cSld>
+    <p:spTree>
+      <p:nvGrpSpPr>
+        <p:cNvPr id="1" name=""/>
+        <p:cNvGrpSpPr/>
+        <p:nvPr/>
+      </p:nvGrpSpPr>
+      <p:grpSpPr>
+        <a:xfrm>
+          <a:off x="0" y="0"/>
+          <a:ext cx="0" cy="0"/>
+          <a:chOff x="0" y="0"/>
+          <a:chExt cx="0" cy="0"/>
+        </a:xfrm>
+      </p:grpSpPr>
+      <p:sp>
+        <p:nvSpPr>
+          <p:cNvPr id="5" name="TextBox 4">
+            <a:extLst>
+              <a:ext uri="{FF2B5EF4-FFF2-40B4-BE49-F238E27FC236}">
+                <a16:creationId xmlns:a16="http://schemas.microsoft.com/office/drawing/2014/main" id="{4044DB94-5E93-FE18-EB93-6403ED44D04D}"/>
+              </a:ext>
+            </a:extLst>
+          </p:cNvPr>
+          <p:cNvSpPr txBox="1"/>
+          <p:nvPr/>
+        </p:nvSpPr>
+        <p:spPr>
+          <a:xfrm>
+            <a:off x="511115" y="319980"/>
+            <a:ext cx="6094562" cy="369332"/>
+          </a:xfrm>
+          <a:prstGeom prst="rect">
+            <a:avLst/>
+          </a:prstGeom>
+          <a:noFill/>
+        </p:spPr>
+        <p:txBody>
+          <a:bodyPr wrap="square">
+            <a:spAutoFit/>
+          </a:bodyPr>
+          <a:lstStyle/>
+          <a:p>
+            <a:r>
+              <a:rPr lang="ko-Kore-KR" altLang="en-US" dirty="0">
+                <a:latin typeface="DM Mono" panose="020B0509040201040103" pitchFamily="49" charset="0"/>
+              </a:rPr>
+              <a:t> User other = </a:t>
+            </a:r>
+            <a:r>
+              <a:rPr lang="en-US" altLang="ko-Kore-KR" dirty="0">
+                <a:latin typeface="DM Mono" panose="020B0509040201040103" pitchFamily="49" charset="0"/>
+              </a:rPr>
+              <a:t>std::move(user);</a:t>
+            </a:r>
+            <a:endParaRPr lang="ko-Kore-KR" altLang="en-US" dirty="0">
+              <a:latin typeface="DM Mono" panose="020B0509040201040103" pitchFamily="49" charset="0"/>
+            </a:endParaRPr>
+          </a:p>
+        </p:txBody>
+      </p:sp>
+      <p:sp>
+        <p:nvSpPr>
+          <p:cNvPr id="6" name="직사각형 5">
+            <a:extLst>
+              <a:ext uri="{FF2B5EF4-FFF2-40B4-BE49-F238E27FC236}">
+                <a16:creationId xmlns:a16="http://schemas.microsoft.com/office/drawing/2014/main" id="{0057F79F-F4FB-47E2-D5BD-A149BECBAB5D}"/>
+              </a:ext>
+            </a:extLst>
+          </p:cNvPr>
+          <p:cNvSpPr/>
+          <p:nvPr/>
+        </p:nvSpPr>
+        <p:spPr>
+          <a:xfrm>
+            <a:off x="6519412" y="1403440"/>
+            <a:ext cx="1414732" cy="511624"/>
+          </a:xfrm>
+          <a:prstGeom prst="rect">
+            <a:avLst/>
+          </a:prstGeom>
+          <a:solidFill>
+            <a:srgbClr val="FFFF00"/>
+          </a:solidFill>
+        </p:spPr>
+        <p:style>
+          <a:lnRef idx="2">
+            <a:schemeClr val="accent1">
+              <a:shade val="15000"/>
+            </a:schemeClr>
+          </a:lnRef>
+          <a:fillRef idx="1">
+            <a:schemeClr val="accent1"/>
+          </a:fillRef>
+          <a:effectRef idx="0">
+            <a:schemeClr val="accent1"/>
+          </a:effectRef>
+          <a:fontRef idx="minor">
+            <a:schemeClr val="lt1"/>
+          </a:fontRef>
+        </p:style>
+        <p:txBody>
+          <a:bodyPr rtlCol="0" anchor="ctr"/>
+          <a:lstStyle/>
+          <a:p>
+            <a:pPr algn="ctr"/>
+            <a:r>
+              <a:rPr kumimoji="1" lang="en-US" altLang="ko-Kore-KR" dirty="0" err="1">
+                <a:solidFill>
+                  <a:schemeClr val="tx1"/>
+                </a:solidFill>
+                <a:latin typeface="DM Mono" panose="020B0509040201040103" pitchFamily="49" charset="0"/>
+              </a:rPr>
+              <a:t>nullptr</a:t>
+            </a:r>
+            <a:endParaRPr kumimoji="1" lang="ko-Kore-KR" altLang="en-US" dirty="0">
+              <a:solidFill>
+                <a:schemeClr val="tx1"/>
+              </a:solidFill>
+              <a:latin typeface="DM Mono" panose="020B0509040201040103" pitchFamily="49" charset="0"/>
+            </a:endParaRPr>
+          </a:p>
+        </p:txBody>
+      </p:sp>
+      <p:sp>
+        <p:nvSpPr>
+          <p:cNvPr id="7" name="TextBox 6">
+            <a:extLst>
+              <a:ext uri="{FF2B5EF4-FFF2-40B4-BE49-F238E27FC236}">
+                <a16:creationId xmlns:a16="http://schemas.microsoft.com/office/drawing/2014/main" id="{F0181EC7-84ED-4A75-C138-8518257A41C5}"/>
+              </a:ext>
+            </a:extLst>
+          </p:cNvPr>
+          <p:cNvSpPr txBox="1"/>
+          <p:nvPr/>
+        </p:nvSpPr>
+        <p:spPr>
+          <a:xfrm>
+            <a:off x="5512279" y="1474586"/>
+            <a:ext cx="1007133" cy="369332"/>
+          </a:xfrm>
+          <a:prstGeom prst="rect">
+            <a:avLst/>
+          </a:prstGeom>
+          <a:noFill/>
+        </p:spPr>
+        <p:txBody>
+          <a:bodyPr wrap="square">
+            <a:spAutoFit/>
+          </a:bodyPr>
+          <a:lstStyle/>
+          <a:p>
+            <a:pPr algn="r"/>
+            <a:r>
+              <a:rPr lang="en-US" altLang="ko-Kore-KR" dirty="0">
+                <a:latin typeface="DM Mono" panose="020B0509040201040103" pitchFamily="49" charset="0"/>
+              </a:rPr>
+              <a:t>name</a:t>
+            </a:r>
+            <a:endParaRPr lang="ko-Kore-KR" altLang="en-US" dirty="0"/>
+          </a:p>
+        </p:txBody>
+      </p:sp>
+      <p:sp>
+        <p:nvSpPr>
+          <p:cNvPr id="8" name="TextBox 7">
+            <a:extLst>
+              <a:ext uri="{FF2B5EF4-FFF2-40B4-BE49-F238E27FC236}">
+                <a16:creationId xmlns:a16="http://schemas.microsoft.com/office/drawing/2014/main" id="{B8EC8205-99D6-D1CA-969B-E09BE5F54003}"/>
+              </a:ext>
+            </a:extLst>
+          </p:cNvPr>
+          <p:cNvSpPr txBox="1"/>
+          <p:nvPr/>
+        </p:nvSpPr>
+        <p:spPr>
+          <a:xfrm>
+            <a:off x="6642340" y="1034108"/>
+            <a:ext cx="1164566" cy="369332"/>
+          </a:xfrm>
+          <a:prstGeom prst="rect">
+            <a:avLst/>
+          </a:prstGeom>
+          <a:noFill/>
+        </p:spPr>
+        <p:txBody>
+          <a:bodyPr wrap="square">
+            <a:spAutoFit/>
+          </a:bodyPr>
+          <a:lstStyle/>
+          <a:p>
+            <a:pPr algn="ctr"/>
+            <a:r>
+              <a:rPr lang="en-US" altLang="ko-KR" dirty="0">
+                <a:latin typeface="DM Mono" panose="020B0509040201040103" pitchFamily="49" charset="0"/>
+              </a:rPr>
+              <a:t>user</a:t>
+            </a:r>
+            <a:endParaRPr lang="ko-Kore-KR" altLang="en-US" dirty="0"/>
+          </a:p>
+        </p:txBody>
+      </p:sp>
+      <p:sp>
+        <p:nvSpPr>
+          <p:cNvPr id="9" name="직사각형 8">
+            <a:extLst>
+              <a:ext uri="{FF2B5EF4-FFF2-40B4-BE49-F238E27FC236}">
+                <a16:creationId xmlns:a16="http://schemas.microsoft.com/office/drawing/2014/main" id="{587B6B29-AAF2-2F97-E2A9-646627E61CA1}"/>
+              </a:ext>
+            </a:extLst>
+          </p:cNvPr>
+          <p:cNvSpPr/>
+          <p:nvPr/>
+        </p:nvSpPr>
+        <p:spPr>
+          <a:xfrm>
+            <a:off x="6519412" y="1915064"/>
+            <a:ext cx="1414732" cy="511624"/>
+          </a:xfrm>
+          <a:prstGeom prst="rect">
+            <a:avLst/>
+          </a:prstGeom>
+          <a:solidFill>
+            <a:srgbClr val="FFFF00"/>
+          </a:solidFill>
+        </p:spPr>
+        <p:style>
+          <a:lnRef idx="2">
+            <a:schemeClr val="accent1">
+              <a:shade val="15000"/>
+            </a:schemeClr>
+          </a:lnRef>
+          <a:fillRef idx="1">
+            <a:schemeClr val="accent1"/>
+          </a:fillRef>
+          <a:effectRef idx="0">
+            <a:schemeClr val="accent1"/>
+          </a:effectRef>
+          <a:fontRef idx="minor">
+            <a:schemeClr val="lt1"/>
+          </a:fontRef>
+        </p:style>
+        <p:txBody>
+          <a:bodyPr rtlCol="0" anchor="ctr"/>
+          <a:lstStyle/>
+          <a:p>
+            <a:pPr algn="ctr"/>
+            <a:r>
+              <a:rPr kumimoji="1" lang="en-US" altLang="ko-Kore-KR" dirty="0">
+                <a:solidFill>
+                  <a:schemeClr val="tx1"/>
+                </a:solidFill>
+                <a:latin typeface="DM Mono" panose="020B0509040201040103" pitchFamily="49" charset="0"/>
+              </a:rPr>
+              <a:t>42</a:t>
+            </a:r>
+            <a:endParaRPr kumimoji="1" lang="ko-Kore-KR" altLang="en-US" dirty="0">
+              <a:solidFill>
+                <a:schemeClr val="tx1"/>
+              </a:solidFill>
+              <a:latin typeface="DM Mono" panose="020B0509040201040103" pitchFamily="49" charset="0"/>
+            </a:endParaRPr>
+          </a:p>
+        </p:txBody>
+      </p:sp>
+      <p:sp>
+        <p:nvSpPr>
+          <p:cNvPr id="10" name="TextBox 9">
+            <a:extLst>
+              <a:ext uri="{FF2B5EF4-FFF2-40B4-BE49-F238E27FC236}">
+                <a16:creationId xmlns:a16="http://schemas.microsoft.com/office/drawing/2014/main" id="{370EA880-0339-4A9D-9C9D-5356DC6C8DF8}"/>
+              </a:ext>
+            </a:extLst>
+          </p:cNvPr>
+          <p:cNvSpPr txBox="1"/>
+          <p:nvPr/>
+        </p:nvSpPr>
+        <p:spPr>
+          <a:xfrm>
+            <a:off x="5814205" y="1986210"/>
+            <a:ext cx="705208" cy="369332"/>
+          </a:xfrm>
+          <a:prstGeom prst="rect">
+            <a:avLst/>
+          </a:prstGeom>
+          <a:noFill/>
+        </p:spPr>
+        <p:txBody>
+          <a:bodyPr wrap="square">
+            <a:spAutoFit/>
+          </a:bodyPr>
+          <a:lstStyle/>
+          <a:p>
+            <a:pPr algn="r"/>
+            <a:r>
+              <a:rPr lang="en-US" altLang="ko-Kore-KR" dirty="0">
+                <a:latin typeface="DM Mono" panose="020B0509040201040103" pitchFamily="49" charset="0"/>
+              </a:rPr>
+              <a:t>age</a:t>
+            </a:r>
+            <a:endParaRPr lang="ko-Kore-KR" altLang="en-US" dirty="0"/>
+          </a:p>
+        </p:txBody>
+      </p:sp>
+      <p:sp>
+        <p:nvSpPr>
+          <p:cNvPr id="11" name="직사각형 10">
+            <a:extLst>
+              <a:ext uri="{FF2B5EF4-FFF2-40B4-BE49-F238E27FC236}">
+                <a16:creationId xmlns:a16="http://schemas.microsoft.com/office/drawing/2014/main" id="{5E3E71C8-3EE9-9842-4353-2FADD5612177}"/>
+              </a:ext>
+            </a:extLst>
+          </p:cNvPr>
+          <p:cNvSpPr/>
+          <p:nvPr/>
+        </p:nvSpPr>
+        <p:spPr>
+          <a:xfrm>
+            <a:off x="10105126" y="401996"/>
+            <a:ext cx="1414732" cy="511624"/>
+          </a:xfrm>
+          <a:prstGeom prst="rect">
+            <a:avLst/>
+          </a:prstGeom>
+          <a:solidFill>
+            <a:srgbClr val="FFFF00"/>
+          </a:solidFill>
+        </p:spPr>
+        <p:style>
+          <a:lnRef idx="2">
+            <a:schemeClr val="accent1">
+              <a:shade val="15000"/>
+            </a:schemeClr>
+          </a:lnRef>
+          <a:fillRef idx="1">
+            <a:schemeClr val="accent1"/>
+          </a:fillRef>
+          <a:effectRef idx="0">
+            <a:schemeClr val="accent1"/>
+          </a:effectRef>
+          <a:fontRef idx="minor">
+            <a:schemeClr val="lt1"/>
+          </a:fontRef>
+        </p:style>
+        <p:txBody>
+          <a:bodyPr rtlCol="0" anchor="ctr"/>
+          <a:lstStyle/>
+          <a:p>
+            <a:pPr algn="ctr"/>
+            <a:r>
+              <a:rPr kumimoji="1" lang="en-US" altLang="ko-Kore-KR" dirty="0">
+                <a:solidFill>
+                  <a:schemeClr val="tx1"/>
+                </a:solidFill>
+                <a:latin typeface="DM Mono" panose="020B0509040201040103" pitchFamily="49" charset="0"/>
+              </a:rPr>
+              <a:t>“Tom”</a:t>
+            </a:r>
+            <a:endParaRPr kumimoji="1" lang="ko-Kore-KR" altLang="en-US" dirty="0">
+              <a:solidFill>
+                <a:schemeClr val="tx1"/>
+              </a:solidFill>
+              <a:latin typeface="DM Mono" panose="020B0509040201040103" pitchFamily="49" charset="0"/>
+            </a:endParaRPr>
+          </a:p>
+        </p:txBody>
+      </p:sp>
+      <p:sp>
+        <p:nvSpPr>
+          <p:cNvPr id="12" name="TextBox 11">
+            <a:extLst>
+              <a:ext uri="{FF2B5EF4-FFF2-40B4-BE49-F238E27FC236}">
+                <a16:creationId xmlns:a16="http://schemas.microsoft.com/office/drawing/2014/main" id="{A3FDBE69-6851-6896-F432-F1C13B2ADF5C}"/>
+              </a:ext>
+            </a:extLst>
+          </p:cNvPr>
+          <p:cNvSpPr txBox="1"/>
+          <p:nvPr/>
+        </p:nvSpPr>
+        <p:spPr>
+          <a:xfrm>
+            <a:off x="9522843" y="32664"/>
+            <a:ext cx="1164566" cy="369332"/>
+          </a:xfrm>
+          <a:prstGeom prst="rect">
+            <a:avLst/>
+          </a:prstGeom>
+          <a:noFill/>
+        </p:spPr>
+        <p:txBody>
+          <a:bodyPr wrap="square">
+            <a:spAutoFit/>
+          </a:bodyPr>
+          <a:lstStyle/>
+          <a:p>
+            <a:pPr algn="ctr"/>
+            <a:r>
+              <a:rPr lang="en-US" altLang="ko-Kore-KR" dirty="0">
+                <a:latin typeface="DM Mono" panose="020B0509040201040103" pitchFamily="49" charset="0"/>
+              </a:rPr>
+              <a:t>0x100</a:t>
+            </a:r>
+            <a:endParaRPr lang="ko-Kore-KR" altLang="en-US" dirty="0"/>
+          </a:p>
+        </p:txBody>
+      </p:sp>
+      <p:sp>
+        <p:nvSpPr>
+          <p:cNvPr id="22" name="직사각형 21">
+            <a:extLst>
+              <a:ext uri="{FF2B5EF4-FFF2-40B4-BE49-F238E27FC236}">
+                <a16:creationId xmlns:a16="http://schemas.microsoft.com/office/drawing/2014/main" id="{8B15A85A-9EA0-4E4E-87E2-FED8A1367434}"/>
+              </a:ext>
+            </a:extLst>
+          </p:cNvPr>
+          <p:cNvSpPr/>
+          <p:nvPr/>
+        </p:nvSpPr>
+        <p:spPr>
+          <a:xfrm>
+            <a:off x="6519412" y="3559490"/>
+            <a:ext cx="1414732" cy="511624"/>
+          </a:xfrm>
+          <a:prstGeom prst="rect">
+            <a:avLst/>
+          </a:prstGeom>
+          <a:solidFill>
+            <a:srgbClr val="FFFF00"/>
+          </a:solidFill>
+        </p:spPr>
+        <p:style>
+          <a:lnRef idx="2">
+            <a:schemeClr val="accent1">
+              <a:shade val="15000"/>
+            </a:schemeClr>
+          </a:lnRef>
+          <a:fillRef idx="1">
+            <a:schemeClr val="accent1"/>
+          </a:fillRef>
+          <a:effectRef idx="0">
+            <a:schemeClr val="accent1"/>
+          </a:effectRef>
+          <a:fontRef idx="minor">
+            <a:schemeClr val="lt1"/>
+          </a:fontRef>
+        </p:style>
+        <p:txBody>
+          <a:bodyPr rtlCol="0" anchor="ctr"/>
+          <a:lstStyle/>
+          <a:p>
+            <a:pPr algn="ctr"/>
+            <a:r>
+              <a:rPr kumimoji="1" lang="en-US" altLang="ko-Kore-KR" dirty="0">
+                <a:solidFill>
+                  <a:schemeClr val="tx1"/>
+                </a:solidFill>
+                <a:latin typeface="DM Mono" panose="020B0509040201040103" pitchFamily="49" charset="0"/>
+              </a:rPr>
+              <a:t>0x100</a:t>
+            </a:r>
+            <a:endParaRPr kumimoji="1" lang="ko-Kore-KR" altLang="en-US" dirty="0">
+              <a:solidFill>
+                <a:schemeClr val="tx1"/>
+              </a:solidFill>
+              <a:latin typeface="DM Mono" panose="020B0509040201040103" pitchFamily="49" charset="0"/>
+            </a:endParaRPr>
+          </a:p>
+        </p:txBody>
+      </p:sp>
+      <p:sp>
+        <p:nvSpPr>
+          <p:cNvPr id="23" name="TextBox 22">
+            <a:extLst>
+              <a:ext uri="{FF2B5EF4-FFF2-40B4-BE49-F238E27FC236}">
+                <a16:creationId xmlns:a16="http://schemas.microsoft.com/office/drawing/2014/main" id="{9DB90319-324E-90B2-18C7-482C4F512866}"/>
+              </a:ext>
+            </a:extLst>
+          </p:cNvPr>
+          <p:cNvSpPr txBox="1"/>
+          <p:nvPr/>
+        </p:nvSpPr>
+        <p:spPr>
+          <a:xfrm>
+            <a:off x="6642340" y="3190158"/>
+            <a:ext cx="1164566" cy="369332"/>
+          </a:xfrm>
+          <a:prstGeom prst="rect">
+            <a:avLst/>
+          </a:prstGeom>
+          <a:noFill/>
+        </p:spPr>
+        <p:txBody>
+          <a:bodyPr wrap="square">
+            <a:spAutoFit/>
+          </a:bodyPr>
+          <a:lstStyle/>
+          <a:p>
+            <a:pPr algn="ctr"/>
+            <a:r>
+              <a:rPr lang="en-US" altLang="ko-Kore-KR" dirty="0">
+                <a:latin typeface="DM Mono" panose="020B0509040201040103" pitchFamily="49" charset="0"/>
+              </a:rPr>
+              <a:t>other</a:t>
+            </a:r>
+            <a:endParaRPr lang="ko-Kore-KR" altLang="en-US" dirty="0"/>
+          </a:p>
+        </p:txBody>
+      </p:sp>
+      <p:sp>
+        <p:nvSpPr>
+          <p:cNvPr id="24" name="직사각형 23">
+            <a:extLst>
+              <a:ext uri="{FF2B5EF4-FFF2-40B4-BE49-F238E27FC236}">
+                <a16:creationId xmlns:a16="http://schemas.microsoft.com/office/drawing/2014/main" id="{CBF52D68-9CFA-A80A-CC68-D94B2C10A848}"/>
+              </a:ext>
+            </a:extLst>
+          </p:cNvPr>
+          <p:cNvSpPr/>
+          <p:nvPr/>
+        </p:nvSpPr>
+        <p:spPr>
+          <a:xfrm>
+            <a:off x="6519412" y="4071114"/>
+            <a:ext cx="1414732" cy="511624"/>
+          </a:xfrm>
+          <a:prstGeom prst="rect">
+            <a:avLst/>
+          </a:prstGeom>
+          <a:solidFill>
+            <a:srgbClr val="FFFF00"/>
+          </a:solidFill>
+        </p:spPr>
+        <p:style>
+          <a:lnRef idx="2">
+            <a:schemeClr val="accent1">
+              <a:shade val="15000"/>
+            </a:schemeClr>
+          </a:lnRef>
+          <a:fillRef idx="1">
+            <a:schemeClr val="accent1"/>
+          </a:fillRef>
+          <a:effectRef idx="0">
+            <a:schemeClr val="accent1"/>
+          </a:effectRef>
+          <a:fontRef idx="minor">
+            <a:schemeClr val="lt1"/>
+          </a:fontRef>
+        </p:style>
+        <p:txBody>
+          <a:bodyPr rtlCol="0" anchor="ctr"/>
+          <a:lstStyle/>
+          <a:p>
+            <a:pPr algn="ctr"/>
+            <a:r>
+              <a:rPr kumimoji="1" lang="en-US" altLang="ko-Kore-KR" dirty="0">
+                <a:solidFill>
+                  <a:schemeClr val="tx1"/>
+                </a:solidFill>
+                <a:latin typeface="DM Mono" panose="020B0509040201040103" pitchFamily="49" charset="0"/>
+              </a:rPr>
+              <a:t>42</a:t>
+            </a:r>
+            <a:endParaRPr kumimoji="1" lang="ko-Kore-KR" altLang="en-US" dirty="0">
+              <a:solidFill>
+                <a:schemeClr val="tx1"/>
+              </a:solidFill>
+              <a:latin typeface="DM Mono" panose="020B0509040201040103" pitchFamily="49" charset="0"/>
+            </a:endParaRPr>
+          </a:p>
+        </p:txBody>
+      </p:sp>
+      <p:sp>
+        <p:nvSpPr>
+          <p:cNvPr id="25" name="TextBox 24">
+            <a:extLst>
+              <a:ext uri="{FF2B5EF4-FFF2-40B4-BE49-F238E27FC236}">
+                <a16:creationId xmlns:a16="http://schemas.microsoft.com/office/drawing/2014/main" id="{B57AE7CB-D69A-1A2B-E6EC-2E22273697BC}"/>
+              </a:ext>
+            </a:extLst>
+          </p:cNvPr>
+          <p:cNvSpPr txBox="1"/>
+          <p:nvPr/>
+        </p:nvSpPr>
+        <p:spPr>
+          <a:xfrm>
+            <a:off x="5814205" y="4142260"/>
+            <a:ext cx="705208" cy="369332"/>
+          </a:xfrm>
+          <a:prstGeom prst="rect">
+            <a:avLst/>
+          </a:prstGeom>
+          <a:noFill/>
+        </p:spPr>
+        <p:txBody>
+          <a:bodyPr wrap="square">
+            <a:spAutoFit/>
+          </a:bodyPr>
+          <a:lstStyle/>
+          <a:p>
+            <a:pPr algn="r"/>
+            <a:r>
+              <a:rPr lang="en-US" altLang="ko-Kore-KR" dirty="0">
+                <a:latin typeface="DM Mono" panose="020B0509040201040103" pitchFamily="49" charset="0"/>
+              </a:rPr>
+              <a:t>age</a:t>
+            </a:r>
+            <a:endParaRPr lang="ko-Kore-KR" altLang="en-US" dirty="0"/>
+          </a:p>
+        </p:txBody>
+      </p:sp>
+      <p:sp>
+        <p:nvSpPr>
+          <p:cNvPr id="14" name="TextBox 13">
+            <a:extLst>
+              <a:ext uri="{FF2B5EF4-FFF2-40B4-BE49-F238E27FC236}">
+                <a16:creationId xmlns:a16="http://schemas.microsoft.com/office/drawing/2014/main" id="{3E4362E2-F608-05DE-E42F-EE797148878E}"/>
+              </a:ext>
+            </a:extLst>
+          </p:cNvPr>
+          <p:cNvSpPr txBox="1"/>
+          <p:nvPr/>
+        </p:nvSpPr>
+        <p:spPr>
+          <a:xfrm>
+            <a:off x="5512278" y="3630636"/>
+            <a:ext cx="1007133" cy="369332"/>
+          </a:xfrm>
+          <a:prstGeom prst="rect">
+            <a:avLst/>
+          </a:prstGeom>
+          <a:noFill/>
+        </p:spPr>
+        <p:txBody>
+          <a:bodyPr wrap="square">
+            <a:spAutoFit/>
+          </a:bodyPr>
+          <a:lstStyle/>
+          <a:p>
+            <a:pPr algn="r"/>
+            <a:r>
+              <a:rPr lang="en-US" altLang="ko-Kore-KR" dirty="0">
+                <a:latin typeface="DM Mono" panose="020B0509040201040103" pitchFamily="49" charset="0"/>
+              </a:rPr>
+              <a:t>name</a:t>
+            </a:r>
+            <a:endParaRPr lang="ko-Kore-KR" altLang="en-US" dirty="0"/>
+          </a:p>
+        </p:txBody>
+      </p:sp>
+      <p:cxnSp>
+        <p:nvCxnSpPr>
+          <p:cNvPr id="3" name="구부러진 연결선[U] 2">
+            <a:extLst>
+              <a:ext uri="{FF2B5EF4-FFF2-40B4-BE49-F238E27FC236}">
+                <a16:creationId xmlns:a16="http://schemas.microsoft.com/office/drawing/2014/main" id="{C265D4F3-89B6-FDC4-F779-6D3A086C3BED}"/>
+              </a:ext>
+            </a:extLst>
+          </p:cNvPr>
+          <p:cNvCxnSpPr>
+            <a:cxnSpLocks/>
+            <a:stCxn id="22" idx="3"/>
+            <a:endCxn id="11" idx="1"/>
+          </p:cNvCxnSpPr>
+          <p:nvPr/>
+        </p:nvCxnSpPr>
+        <p:spPr>
+          <a:xfrm flipV="1">
+            <a:off x="7934144" y="657808"/>
+            <a:ext cx="2170982" cy="3157494"/>
+          </a:xfrm>
+          <a:prstGeom prst="curvedConnector3">
+            <a:avLst>
+              <a:gd name="adj1" fmla="val 50000"/>
+            </a:avLst>
+          </a:prstGeom>
+          <a:ln>
+            <a:tailEnd type="triangle"/>
+          </a:ln>
+        </p:spPr>
+        <p:style>
+          <a:lnRef idx="1">
+            <a:schemeClr val="dk1"/>
+          </a:lnRef>
+          <a:fillRef idx="0">
+            <a:schemeClr val="dk1"/>
+          </a:fillRef>
+          <a:effectRef idx="0">
+            <a:schemeClr val="dk1"/>
+          </a:effectRef>
+          <a:fontRef idx="minor">
+            <a:schemeClr val="tx1"/>
+          </a:fontRef>
+        </p:style>
+      </p:cxnSp>
+    </p:spTree>
+    <p:extLst>
+      <p:ext uri="{BB962C8B-B14F-4D97-AF65-F5344CB8AC3E}">
+        <p14:creationId xmlns:p14="http://schemas.microsoft.com/office/powerpoint/2010/main" val="79676402"/>
       </p:ext>
     </p:extLst>
   </p:cSld>

--- a/230619.pptx
+++ b/230619.pptx
@@ -5,7 +5,7 @@
     <p:sldMasterId id="2147483648" r:id="rId1"/>
   </p:sldMasterIdLst>
   <p:notesMasterIdLst>
-    <p:notesMasterId r:id="rId26"/>
+    <p:notesMasterId r:id="rId27"/>
   </p:notesMasterIdLst>
   <p:sldIdLst>
     <p:sldId id="256" r:id="rId2"/>
@@ -32,6 +32,7 @@
     <p:sldId id="276" r:id="rId23"/>
     <p:sldId id="277" r:id="rId24"/>
     <p:sldId id="279" r:id="rId25"/>
+    <p:sldId id="280" r:id="rId26"/>
   </p:sldIdLst>
   <p:sldSz cx="12192000" cy="6858000"/>
   <p:notesSz cx="6858000" cy="9144000"/>
@@ -17563,6 +17564,621 @@
     <p:extLst>
       <p:ext uri="{BB962C8B-B14F-4D97-AF65-F5344CB8AC3E}">
         <p14:creationId xmlns:p14="http://schemas.microsoft.com/office/powerpoint/2010/main" val="79676402"/>
+      </p:ext>
+    </p:extLst>
+  </p:cSld>
+  <p:clrMapOvr>
+    <a:masterClrMapping/>
+  </p:clrMapOvr>
+</p:sld>
+</file>
+
+<file path=ppt/slides/slide25.xml><?xml version="1.0" encoding="utf-8"?>
+<p:sld xmlns:a="http://schemas.openxmlformats.org/drawingml/2006/main" xmlns:r="http://schemas.openxmlformats.org/officeDocument/2006/relationships" xmlns:p="http://schemas.openxmlformats.org/presentationml/2006/main">
+  <p:cSld>
+    <p:spTree>
+      <p:nvGrpSpPr>
+        <p:cNvPr id="1" name=""/>
+        <p:cNvGrpSpPr/>
+        <p:nvPr/>
+      </p:nvGrpSpPr>
+      <p:grpSpPr>
+        <a:xfrm>
+          <a:off x="0" y="0"/>
+          <a:ext cx="0" cy="0"/>
+          <a:chOff x="0" y="0"/>
+          <a:chExt cx="0" cy="0"/>
+        </a:xfrm>
+      </p:grpSpPr>
+      <p:sp>
+        <p:nvSpPr>
+          <p:cNvPr id="5" name="TextBox 4">
+            <a:extLst>
+              <a:ext uri="{FF2B5EF4-FFF2-40B4-BE49-F238E27FC236}">
+                <a16:creationId xmlns:a16="http://schemas.microsoft.com/office/drawing/2014/main" id="{22F376A0-C640-8326-F6B9-790EDE9963C7}"/>
+              </a:ext>
+            </a:extLst>
+          </p:cNvPr>
+          <p:cNvSpPr txBox="1"/>
+          <p:nvPr/>
+        </p:nvSpPr>
+        <p:spPr>
+          <a:xfrm>
+            <a:off x="536994" y="348287"/>
+            <a:ext cx="5559006" cy="5632311"/>
+          </a:xfrm>
+          <a:prstGeom prst="rect">
+            <a:avLst/>
+          </a:prstGeom>
+          <a:noFill/>
+        </p:spPr>
+        <p:txBody>
+          <a:bodyPr wrap="square">
+            <a:spAutoFit/>
+          </a:bodyPr>
+          <a:lstStyle/>
+          <a:p>
+            <a:r>
+              <a:rPr lang="en-US" altLang="ko-Kore-KR" dirty="0">
+                <a:latin typeface="DM Mono" panose="020B0509040201040103" pitchFamily="49" charset="0"/>
+              </a:rPr>
+              <a:t>// </a:t>
+            </a:r>
+            <a:r>
+              <a:rPr lang="en-US" altLang="ko-Kore-KR" dirty="0" err="1">
+                <a:latin typeface="DM Mono" panose="020B0509040201040103" pitchFamily="49" charset="0"/>
+              </a:rPr>
+              <a:t>Car.h</a:t>
+            </a:r>
+            <a:endParaRPr lang="en-US" altLang="ko-Kore-KR" dirty="0">
+              <a:latin typeface="DM Mono" panose="020B0509040201040103" pitchFamily="49" charset="0"/>
+            </a:endParaRPr>
+          </a:p>
+          <a:p>
+            <a:r>
+              <a:rPr lang="ko-Kore-KR" altLang="en-US" dirty="0">
+                <a:latin typeface="DM Mono" panose="020B0509040201040103" pitchFamily="49" charset="0"/>
+              </a:rPr>
+              <a:t>class Car {</a:t>
+            </a:r>
+          </a:p>
+          <a:p>
+            <a:r>
+              <a:rPr lang="ko-Kore-KR" altLang="en-US" dirty="0">
+                <a:latin typeface="DM Mono" panose="020B0509040201040103" pitchFamily="49" charset="0"/>
+              </a:rPr>
+              <a:t>    static int cnt; </a:t>
+            </a:r>
+            <a:endParaRPr lang="en-US" altLang="ko-Kore-KR" dirty="0">
+              <a:latin typeface="DM Mono" panose="020B0509040201040103" pitchFamily="49" charset="0"/>
+            </a:endParaRPr>
+          </a:p>
+          <a:p>
+            <a:r>
+              <a:rPr lang="en-US" altLang="ko-Kore-KR" dirty="0">
+                <a:latin typeface="DM Mono" panose="020B0509040201040103" pitchFamily="49" charset="0"/>
+              </a:rPr>
+              <a:t>    </a:t>
+            </a:r>
+            <a:r>
+              <a:rPr lang="ko-Kore-KR" altLang="en-US" dirty="0">
+                <a:latin typeface="DM Mono" panose="020B0509040201040103" pitchFamily="49" charset="0"/>
+              </a:rPr>
+              <a:t>int color;</a:t>
+            </a:r>
+          </a:p>
+          <a:p>
+            <a:endParaRPr lang="ko-Kore-KR" altLang="en-US" dirty="0">
+              <a:latin typeface="DM Mono" panose="020B0509040201040103" pitchFamily="49" charset="0"/>
+            </a:endParaRPr>
+          </a:p>
+          <a:p>
+            <a:r>
+              <a:rPr lang="ko-Kore-KR" altLang="en-US" dirty="0">
+                <a:latin typeface="DM Mono" panose="020B0509040201040103" pitchFamily="49" charset="0"/>
+              </a:rPr>
+              <a:t>public:</a:t>
+            </a:r>
+          </a:p>
+          <a:p>
+            <a:r>
+              <a:rPr lang="ko-Kore-KR" altLang="en-US" dirty="0">
+                <a:latin typeface="DM Mono" panose="020B0509040201040103" pitchFamily="49" charset="0"/>
+              </a:rPr>
+              <a:t>    Car()</a:t>
+            </a:r>
+          </a:p>
+          <a:p>
+            <a:r>
+              <a:rPr lang="ko-Kore-KR" altLang="en-US" dirty="0">
+                <a:latin typeface="DM Mono" panose="020B0509040201040103" pitchFamily="49" charset="0"/>
+              </a:rPr>
+              <a:t>    {</a:t>
+            </a:r>
+          </a:p>
+          <a:p>
+            <a:r>
+              <a:rPr lang="ko-Kore-KR" altLang="en-US" dirty="0">
+                <a:latin typeface="DM Mono" panose="020B0509040201040103" pitchFamily="49" charset="0"/>
+              </a:rPr>
+              <a:t>        ++cnt;</a:t>
+            </a:r>
+          </a:p>
+          <a:p>
+            <a:r>
+              <a:rPr lang="ko-Kore-KR" altLang="en-US" dirty="0">
+                <a:latin typeface="DM Mono" panose="020B0509040201040103" pitchFamily="49" charset="0"/>
+              </a:rPr>
+              <a:t>    }</a:t>
+            </a:r>
+          </a:p>
+          <a:p>
+            <a:endParaRPr lang="ko-Kore-KR" altLang="en-US" dirty="0">
+              <a:latin typeface="DM Mono" panose="020B0509040201040103" pitchFamily="49" charset="0"/>
+            </a:endParaRPr>
+          </a:p>
+          <a:p>
+            <a:r>
+              <a:rPr lang="ko-Kore-KR" altLang="en-US" dirty="0">
+                <a:latin typeface="DM Mono" panose="020B0509040201040103" pitchFamily="49" charset="0"/>
+              </a:rPr>
+              <a:t>    ~Car() { --cnt; }</a:t>
+            </a:r>
+          </a:p>
+          <a:p>
+            <a:endParaRPr lang="ko-Kore-KR" altLang="en-US" dirty="0">
+              <a:latin typeface="DM Mono" panose="020B0509040201040103" pitchFamily="49" charset="0"/>
+            </a:endParaRPr>
+          </a:p>
+          <a:p>
+            <a:r>
+              <a:rPr lang="ko-Kore-KR" altLang="en-US" dirty="0">
+                <a:latin typeface="DM Mono" panose="020B0509040201040103" pitchFamily="49" charset="0"/>
+              </a:rPr>
+              <a:t>    int GetCount() { return cnt; }</a:t>
+            </a:r>
+          </a:p>
+          <a:p>
+            <a:r>
+              <a:rPr lang="ko-Kore-KR" altLang="en-US" dirty="0">
+                <a:latin typeface="DM Mono" panose="020B0509040201040103" pitchFamily="49" charset="0"/>
+              </a:rPr>
+              <a:t>};</a:t>
+            </a:r>
+            <a:endParaRPr lang="en-US" altLang="ko-Kore-KR" dirty="0">
+              <a:latin typeface="DM Mono" panose="020B0509040201040103" pitchFamily="49" charset="0"/>
+            </a:endParaRPr>
+          </a:p>
+          <a:p>
+            <a:endParaRPr lang="en-US" altLang="ko-Kore-KR" dirty="0">
+              <a:latin typeface="DM Mono" panose="020B0509040201040103" pitchFamily="49" charset="0"/>
+            </a:endParaRPr>
+          </a:p>
+          <a:p>
+            <a:endParaRPr lang="en-US" altLang="ko-Kore-KR" dirty="0">
+              <a:latin typeface="DM Mono" panose="020B0509040201040103" pitchFamily="49" charset="0"/>
+            </a:endParaRPr>
+          </a:p>
+          <a:p>
+            <a:r>
+              <a:rPr lang="en-US" altLang="ko-Kore-KR" dirty="0">
+                <a:latin typeface="DM Mono" panose="020B0509040201040103" pitchFamily="49" charset="0"/>
+              </a:rPr>
+              <a:t>// </a:t>
+            </a:r>
+            <a:r>
+              <a:rPr lang="en-US" altLang="ko-Kore-KR" dirty="0" err="1">
+                <a:latin typeface="DM Mono" panose="020B0509040201040103" pitchFamily="49" charset="0"/>
+              </a:rPr>
+              <a:t>Car.cpp</a:t>
+            </a:r>
+            <a:endParaRPr lang="en-US" altLang="ko-Kore-KR" dirty="0">
+              <a:latin typeface="DM Mono" panose="020B0509040201040103" pitchFamily="49" charset="0"/>
+            </a:endParaRPr>
+          </a:p>
+          <a:p>
+            <a:r>
+              <a:rPr lang="en-US" altLang="ko-Kore-KR" dirty="0">
+                <a:latin typeface="DM Mono" panose="020B0509040201040103" pitchFamily="49" charset="0"/>
+              </a:rPr>
+              <a:t>int Car::</a:t>
+            </a:r>
+            <a:r>
+              <a:rPr lang="en-US" altLang="ko-Kore-KR" dirty="0" err="1">
+                <a:latin typeface="DM Mono" panose="020B0509040201040103" pitchFamily="49" charset="0"/>
+              </a:rPr>
+              <a:t>cnt</a:t>
+            </a:r>
+            <a:r>
+              <a:rPr lang="en-US" altLang="ko-Kore-KR" dirty="0">
+                <a:latin typeface="DM Mono" panose="020B0509040201040103" pitchFamily="49" charset="0"/>
+              </a:rPr>
+              <a:t> = 0;</a:t>
+            </a:r>
+          </a:p>
+          <a:p>
+            <a:endParaRPr lang="ko-Kore-KR" altLang="en-US" dirty="0">
+              <a:latin typeface="DM Mono" panose="020B0509040201040103" pitchFamily="49" charset="0"/>
+            </a:endParaRPr>
+          </a:p>
+        </p:txBody>
+      </p:sp>
+      <p:sp>
+        <p:nvSpPr>
+          <p:cNvPr id="6" name="직사각형 5">
+            <a:extLst>
+              <a:ext uri="{FF2B5EF4-FFF2-40B4-BE49-F238E27FC236}">
+                <a16:creationId xmlns:a16="http://schemas.microsoft.com/office/drawing/2014/main" id="{2A92322E-E005-0A20-9D74-251E76222306}"/>
+              </a:ext>
+            </a:extLst>
+          </p:cNvPr>
+          <p:cNvSpPr/>
+          <p:nvPr/>
+        </p:nvSpPr>
+        <p:spPr>
+          <a:xfrm>
+            <a:off x="10409925" y="348287"/>
+            <a:ext cx="1414732" cy="511624"/>
+          </a:xfrm>
+          <a:prstGeom prst="rect">
+            <a:avLst/>
+          </a:prstGeom>
+          <a:solidFill>
+            <a:srgbClr val="FFFF00"/>
+          </a:solidFill>
+        </p:spPr>
+        <p:style>
+          <a:lnRef idx="2">
+            <a:schemeClr val="accent1">
+              <a:shade val="15000"/>
+            </a:schemeClr>
+          </a:lnRef>
+          <a:fillRef idx="1">
+            <a:schemeClr val="accent1"/>
+          </a:fillRef>
+          <a:effectRef idx="0">
+            <a:schemeClr val="accent1"/>
+          </a:effectRef>
+          <a:fontRef idx="minor">
+            <a:schemeClr val="lt1"/>
+          </a:fontRef>
+        </p:style>
+        <p:txBody>
+          <a:bodyPr rtlCol="0" anchor="ctr"/>
+          <a:lstStyle/>
+          <a:p>
+            <a:pPr algn="ctr"/>
+            <a:r>
+              <a:rPr kumimoji="1" lang="en-US" altLang="ko-Kore-KR" dirty="0">
+                <a:solidFill>
+                  <a:schemeClr val="tx1"/>
+                </a:solidFill>
+                <a:latin typeface="DM Mono" panose="020B0509040201040103" pitchFamily="49" charset="0"/>
+              </a:rPr>
+              <a:t>0</a:t>
+            </a:r>
+            <a:endParaRPr kumimoji="1" lang="ko-Kore-KR" altLang="en-US" dirty="0">
+              <a:solidFill>
+                <a:schemeClr val="tx1"/>
+              </a:solidFill>
+              <a:latin typeface="DM Mono" panose="020B0509040201040103" pitchFamily="49" charset="0"/>
+            </a:endParaRPr>
+          </a:p>
+        </p:txBody>
+      </p:sp>
+      <p:sp>
+        <p:nvSpPr>
+          <p:cNvPr id="7" name="TextBox 6">
+            <a:extLst>
+              <a:ext uri="{FF2B5EF4-FFF2-40B4-BE49-F238E27FC236}">
+                <a16:creationId xmlns:a16="http://schemas.microsoft.com/office/drawing/2014/main" id="{C51C04A9-2494-0157-C512-2AB244F74D1F}"/>
+              </a:ext>
+            </a:extLst>
+          </p:cNvPr>
+          <p:cNvSpPr txBox="1"/>
+          <p:nvPr/>
+        </p:nvSpPr>
+        <p:spPr>
+          <a:xfrm>
+            <a:off x="8995193" y="419433"/>
+            <a:ext cx="1414732" cy="369332"/>
+          </a:xfrm>
+          <a:prstGeom prst="rect">
+            <a:avLst/>
+          </a:prstGeom>
+          <a:noFill/>
+        </p:spPr>
+        <p:txBody>
+          <a:bodyPr wrap="square">
+            <a:spAutoFit/>
+          </a:bodyPr>
+          <a:lstStyle/>
+          <a:p>
+            <a:pPr algn="r"/>
+            <a:r>
+              <a:rPr lang="en-US" altLang="ko-Kore-KR" dirty="0">
+                <a:latin typeface="DM Mono" panose="020B0509040201040103" pitchFamily="49" charset="0"/>
+              </a:rPr>
+              <a:t>Car::</a:t>
+            </a:r>
+            <a:r>
+              <a:rPr lang="en-US" altLang="ko-Kore-KR" dirty="0" err="1">
+                <a:latin typeface="DM Mono" panose="020B0509040201040103" pitchFamily="49" charset="0"/>
+              </a:rPr>
+              <a:t>cnt</a:t>
+            </a:r>
+            <a:endParaRPr lang="ko-Kore-KR" altLang="en-US" dirty="0"/>
+          </a:p>
+        </p:txBody>
+      </p:sp>
+      <p:sp>
+        <p:nvSpPr>
+          <p:cNvPr id="8" name="직사각형 7">
+            <a:extLst>
+              <a:ext uri="{FF2B5EF4-FFF2-40B4-BE49-F238E27FC236}">
+                <a16:creationId xmlns:a16="http://schemas.microsoft.com/office/drawing/2014/main" id="{B6BEC840-DFD3-5FD1-D119-6DD527166BE7}"/>
+              </a:ext>
+            </a:extLst>
+          </p:cNvPr>
+          <p:cNvSpPr/>
+          <p:nvPr/>
+        </p:nvSpPr>
+        <p:spPr>
+          <a:xfrm>
+            <a:off x="7822001" y="2757234"/>
+            <a:ext cx="1414732" cy="511624"/>
+          </a:xfrm>
+          <a:prstGeom prst="rect">
+            <a:avLst/>
+          </a:prstGeom>
+          <a:solidFill>
+            <a:srgbClr val="FFFF00"/>
+          </a:solidFill>
+        </p:spPr>
+        <p:style>
+          <a:lnRef idx="2">
+            <a:schemeClr val="accent1">
+              <a:shade val="15000"/>
+            </a:schemeClr>
+          </a:lnRef>
+          <a:fillRef idx="1">
+            <a:schemeClr val="accent1"/>
+          </a:fillRef>
+          <a:effectRef idx="0">
+            <a:schemeClr val="accent1"/>
+          </a:effectRef>
+          <a:fontRef idx="minor">
+            <a:schemeClr val="lt1"/>
+          </a:fontRef>
+        </p:style>
+        <p:txBody>
+          <a:bodyPr rtlCol="0" anchor="ctr"/>
+          <a:lstStyle/>
+          <a:p>
+            <a:pPr algn="ctr"/>
+            <a:endParaRPr kumimoji="1" lang="ko-Kore-KR" altLang="en-US" dirty="0">
+              <a:solidFill>
+                <a:schemeClr val="tx1"/>
+              </a:solidFill>
+              <a:latin typeface="DM Mono" panose="020B0509040201040103" pitchFamily="49" charset="0"/>
+            </a:endParaRPr>
+          </a:p>
+        </p:txBody>
+      </p:sp>
+      <p:sp>
+        <p:nvSpPr>
+          <p:cNvPr id="9" name="TextBox 8">
+            <a:extLst>
+              <a:ext uri="{FF2B5EF4-FFF2-40B4-BE49-F238E27FC236}">
+                <a16:creationId xmlns:a16="http://schemas.microsoft.com/office/drawing/2014/main" id="{DF96BAA0-0ADD-4BDD-ED10-BDB2233D3E19}"/>
+              </a:ext>
+            </a:extLst>
+          </p:cNvPr>
+          <p:cNvSpPr txBox="1"/>
+          <p:nvPr/>
+        </p:nvSpPr>
+        <p:spPr>
+          <a:xfrm>
+            <a:off x="7944929" y="2387902"/>
+            <a:ext cx="1164566" cy="369332"/>
+          </a:xfrm>
+          <a:prstGeom prst="rect">
+            <a:avLst/>
+          </a:prstGeom>
+          <a:noFill/>
+        </p:spPr>
+        <p:txBody>
+          <a:bodyPr wrap="square">
+            <a:spAutoFit/>
+          </a:bodyPr>
+          <a:lstStyle/>
+          <a:p>
+            <a:pPr algn="ctr"/>
+            <a:r>
+              <a:rPr lang="en-US" altLang="ko-Kore-KR" dirty="0">
+                <a:latin typeface="DM Mono" panose="020B0509040201040103" pitchFamily="49" charset="0"/>
+              </a:rPr>
+              <a:t>c1</a:t>
+            </a:r>
+            <a:endParaRPr lang="ko-Kore-KR" altLang="en-US" dirty="0"/>
+          </a:p>
+        </p:txBody>
+      </p:sp>
+      <p:sp>
+        <p:nvSpPr>
+          <p:cNvPr id="10" name="TextBox 9">
+            <a:extLst>
+              <a:ext uri="{FF2B5EF4-FFF2-40B4-BE49-F238E27FC236}">
+                <a16:creationId xmlns:a16="http://schemas.microsoft.com/office/drawing/2014/main" id="{01DCC538-A8AB-63A4-4384-0CD2DC5A5494}"/>
+              </a:ext>
+            </a:extLst>
+          </p:cNvPr>
+          <p:cNvSpPr txBox="1"/>
+          <p:nvPr/>
+        </p:nvSpPr>
+        <p:spPr>
+          <a:xfrm>
+            <a:off x="6814867" y="2828380"/>
+            <a:ext cx="1007133" cy="369332"/>
+          </a:xfrm>
+          <a:prstGeom prst="rect">
+            <a:avLst/>
+          </a:prstGeom>
+          <a:noFill/>
+        </p:spPr>
+        <p:txBody>
+          <a:bodyPr wrap="square">
+            <a:spAutoFit/>
+          </a:bodyPr>
+          <a:lstStyle/>
+          <a:p>
+            <a:pPr algn="r"/>
+            <a:r>
+              <a:rPr lang="en-US" altLang="ko-Kore-KR" dirty="0">
+                <a:latin typeface="DM Mono" panose="020B0509040201040103" pitchFamily="49" charset="0"/>
+              </a:rPr>
+              <a:t>color</a:t>
+            </a:r>
+            <a:endParaRPr lang="ko-Kore-KR" altLang="en-US" dirty="0"/>
+          </a:p>
+        </p:txBody>
+      </p:sp>
+      <p:sp>
+        <p:nvSpPr>
+          <p:cNvPr id="11" name="직사각형 10">
+            <a:extLst>
+              <a:ext uri="{FF2B5EF4-FFF2-40B4-BE49-F238E27FC236}">
+                <a16:creationId xmlns:a16="http://schemas.microsoft.com/office/drawing/2014/main" id="{749AE8AC-C238-20C5-DD54-0DDE98C9C505}"/>
+              </a:ext>
+            </a:extLst>
+          </p:cNvPr>
+          <p:cNvSpPr/>
+          <p:nvPr/>
+        </p:nvSpPr>
+        <p:spPr>
+          <a:xfrm>
+            <a:off x="7822001" y="3844955"/>
+            <a:ext cx="1414732" cy="511624"/>
+          </a:xfrm>
+          <a:prstGeom prst="rect">
+            <a:avLst/>
+          </a:prstGeom>
+          <a:solidFill>
+            <a:srgbClr val="FFFF00"/>
+          </a:solidFill>
+        </p:spPr>
+        <p:style>
+          <a:lnRef idx="2">
+            <a:schemeClr val="accent1">
+              <a:shade val="15000"/>
+            </a:schemeClr>
+          </a:lnRef>
+          <a:fillRef idx="1">
+            <a:schemeClr val="accent1"/>
+          </a:fillRef>
+          <a:effectRef idx="0">
+            <a:schemeClr val="accent1"/>
+          </a:effectRef>
+          <a:fontRef idx="minor">
+            <a:schemeClr val="lt1"/>
+          </a:fontRef>
+        </p:style>
+        <p:txBody>
+          <a:bodyPr rtlCol="0" anchor="ctr"/>
+          <a:lstStyle/>
+          <a:p>
+            <a:pPr algn="ctr"/>
+            <a:endParaRPr kumimoji="1" lang="ko-Kore-KR" altLang="en-US" dirty="0">
+              <a:solidFill>
+                <a:schemeClr val="tx1"/>
+              </a:solidFill>
+              <a:latin typeface="DM Mono" panose="020B0509040201040103" pitchFamily="49" charset="0"/>
+            </a:endParaRPr>
+          </a:p>
+        </p:txBody>
+      </p:sp>
+      <p:sp>
+        <p:nvSpPr>
+          <p:cNvPr id="12" name="TextBox 11">
+            <a:extLst>
+              <a:ext uri="{FF2B5EF4-FFF2-40B4-BE49-F238E27FC236}">
+                <a16:creationId xmlns:a16="http://schemas.microsoft.com/office/drawing/2014/main" id="{ED7747BF-BF7A-1768-E3D2-823E11F70BBF}"/>
+              </a:ext>
+            </a:extLst>
+          </p:cNvPr>
+          <p:cNvSpPr txBox="1"/>
+          <p:nvPr/>
+        </p:nvSpPr>
+        <p:spPr>
+          <a:xfrm>
+            <a:off x="7944929" y="3475623"/>
+            <a:ext cx="1164566" cy="369332"/>
+          </a:xfrm>
+          <a:prstGeom prst="rect">
+            <a:avLst/>
+          </a:prstGeom>
+          <a:noFill/>
+        </p:spPr>
+        <p:txBody>
+          <a:bodyPr wrap="square">
+            <a:spAutoFit/>
+          </a:bodyPr>
+          <a:lstStyle/>
+          <a:p>
+            <a:pPr algn="ctr"/>
+            <a:r>
+              <a:rPr lang="en-US" altLang="ko-Kore-KR" dirty="0">
+                <a:latin typeface="DM Mono" panose="020B0509040201040103" pitchFamily="49" charset="0"/>
+              </a:rPr>
+              <a:t>c2</a:t>
+            </a:r>
+            <a:endParaRPr lang="ko-Kore-KR" altLang="en-US" dirty="0"/>
+          </a:p>
+        </p:txBody>
+      </p:sp>
+      <p:sp>
+        <p:nvSpPr>
+          <p:cNvPr id="13" name="TextBox 12">
+            <a:extLst>
+              <a:ext uri="{FF2B5EF4-FFF2-40B4-BE49-F238E27FC236}">
+                <a16:creationId xmlns:a16="http://schemas.microsoft.com/office/drawing/2014/main" id="{5C4AE70E-AED3-91B4-8607-2C03A6BAA60E}"/>
+              </a:ext>
+            </a:extLst>
+          </p:cNvPr>
+          <p:cNvSpPr txBox="1"/>
+          <p:nvPr/>
+        </p:nvSpPr>
+        <p:spPr>
+          <a:xfrm>
+            <a:off x="6814867" y="3916101"/>
+            <a:ext cx="1007133" cy="369332"/>
+          </a:xfrm>
+          <a:prstGeom prst="rect">
+            <a:avLst/>
+          </a:prstGeom>
+          <a:noFill/>
+        </p:spPr>
+        <p:txBody>
+          <a:bodyPr wrap="square">
+            <a:spAutoFit/>
+          </a:bodyPr>
+          <a:lstStyle/>
+          <a:p>
+            <a:pPr algn="r"/>
+            <a:r>
+              <a:rPr lang="en-US" altLang="ko-Kore-KR" dirty="0">
+                <a:latin typeface="DM Mono" panose="020B0509040201040103" pitchFamily="49" charset="0"/>
+              </a:rPr>
+              <a:t>color</a:t>
+            </a:r>
+            <a:endParaRPr lang="ko-Kore-KR" altLang="en-US" dirty="0"/>
+          </a:p>
+        </p:txBody>
+      </p:sp>
+    </p:spTree>
+    <p:extLst>
+      <p:ext uri="{BB962C8B-B14F-4D97-AF65-F5344CB8AC3E}">
+        <p14:creationId xmlns:p14="http://schemas.microsoft.com/office/powerpoint/2010/main" val="2461180130"/>
       </p:ext>
     </p:extLst>
   </p:cSld>

--- a/230619.pptx
+++ b/230619.pptx
@@ -5,7 +5,7 @@
     <p:sldMasterId id="2147483648" r:id="rId1"/>
   </p:sldMasterIdLst>
   <p:notesMasterIdLst>
-    <p:notesMasterId r:id="rId27"/>
+    <p:notesMasterId r:id="rId29"/>
   </p:notesMasterIdLst>
   <p:sldIdLst>
     <p:sldId id="256" r:id="rId2"/>
@@ -33,6 +33,8 @@
     <p:sldId id="277" r:id="rId24"/>
     <p:sldId id="279" r:id="rId25"/>
     <p:sldId id="280" r:id="rId26"/>
+    <p:sldId id="281" r:id="rId27"/>
+    <p:sldId id="282" r:id="rId28"/>
   </p:sldIdLst>
   <p:sldSz cx="12192000" cy="6858000"/>
   <p:notesSz cx="6858000" cy="9144000"/>
@@ -18179,6 +18181,2177 @@
     <p:extLst>
       <p:ext uri="{BB962C8B-B14F-4D97-AF65-F5344CB8AC3E}">
         <p14:creationId xmlns:p14="http://schemas.microsoft.com/office/powerpoint/2010/main" val="2461180130"/>
+      </p:ext>
+    </p:extLst>
+  </p:cSld>
+  <p:clrMapOvr>
+    <a:masterClrMapping/>
+  </p:clrMapOvr>
+</p:sld>
+</file>
+
+<file path=ppt/slides/slide26.xml><?xml version="1.0" encoding="utf-8"?>
+<p:sld xmlns:a="http://schemas.openxmlformats.org/drawingml/2006/main" xmlns:r="http://schemas.openxmlformats.org/officeDocument/2006/relationships" xmlns:p="http://schemas.openxmlformats.org/presentationml/2006/main">
+  <p:cSld>
+    <p:spTree>
+      <p:nvGrpSpPr>
+        <p:cNvPr id="1" name=""/>
+        <p:cNvGrpSpPr/>
+        <p:nvPr/>
+      </p:nvGrpSpPr>
+      <p:grpSpPr>
+        <a:xfrm>
+          <a:off x="0" y="0"/>
+          <a:ext cx="0" cy="0"/>
+          <a:chOff x="0" y="0"/>
+          <a:chExt cx="0" cy="0"/>
+        </a:xfrm>
+      </p:grpSpPr>
+      <p:sp>
+        <p:nvSpPr>
+          <p:cNvPr id="5" name="TextBox 4">
+            <a:extLst>
+              <a:ext uri="{FF2B5EF4-FFF2-40B4-BE49-F238E27FC236}">
+                <a16:creationId xmlns:a16="http://schemas.microsoft.com/office/drawing/2014/main" id="{4AA80232-33D8-285B-B052-137805708EBF}"/>
+              </a:ext>
+            </a:extLst>
+          </p:cNvPr>
+          <p:cNvSpPr txBox="1"/>
+          <p:nvPr/>
+        </p:nvSpPr>
+        <p:spPr>
+          <a:xfrm>
+            <a:off x="598816" y="332509"/>
+            <a:ext cx="4102578" cy="3693319"/>
+          </a:xfrm>
+          <a:prstGeom prst="rect">
+            <a:avLst/>
+          </a:prstGeom>
+          <a:noFill/>
+        </p:spPr>
+        <p:txBody>
+          <a:bodyPr wrap="square">
+            <a:spAutoFit/>
+          </a:bodyPr>
+          <a:lstStyle/>
+          <a:p>
+            <a:r>
+              <a:rPr lang="ko-Kore-KR" altLang="en-US" dirty="0">
+                <a:latin typeface="DM Mono" panose="020B0509040201040103" pitchFamily="49" charset="0"/>
+              </a:rPr>
+              <a:t>class Dog {</a:t>
+            </a:r>
+          </a:p>
+          <a:p>
+            <a:r>
+              <a:rPr lang="en-US" altLang="ko-Kore-KR" dirty="0">
+                <a:latin typeface="DM Mono" panose="020B0509040201040103" pitchFamily="49" charset="0"/>
+              </a:rPr>
+              <a:t>    </a:t>
+            </a:r>
+            <a:r>
+              <a:rPr lang="ko-Kore-KR" altLang="en-US" dirty="0">
+                <a:solidFill>
+                  <a:srgbClr val="0070C0"/>
+                </a:solidFill>
+                <a:latin typeface="DM Mono" panose="020B0509040201040103" pitchFamily="49" charset="0"/>
+              </a:rPr>
+              <a:t>string name;</a:t>
+            </a:r>
+          </a:p>
+          <a:p>
+            <a:r>
+              <a:rPr lang="ko-Kore-KR" altLang="en-US" dirty="0">
+                <a:solidFill>
+                  <a:srgbClr val="0070C0"/>
+                </a:solidFill>
+                <a:latin typeface="DM Mono" panose="020B0509040201040103" pitchFamily="49" charset="0"/>
+              </a:rPr>
+              <a:t>    int color;</a:t>
+            </a:r>
+          </a:p>
+          <a:p>
+            <a:r>
+              <a:rPr lang="ko-Kore-KR" altLang="en-US" dirty="0">
+                <a:solidFill>
+                  <a:srgbClr val="0070C0"/>
+                </a:solidFill>
+                <a:latin typeface="DM Mono" panose="020B0509040201040103" pitchFamily="49" charset="0"/>
+              </a:rPr>
+              <a:t>    int age;</a:t>
+            </a:r>
+          </a:p>
+          <a:p>
+            <a:r>
+              <a:rPr lang="en-US" altLang="ko-Kore-KR" dirty="0">
+                <a:latin typeface="DM Mono" panose="020B0509040201040103" pitchFamily="49" charset="0"/>
+              </a:rPr>
+              <a:t>    </a:t>
+            </a:r>
+            <a:r>
+              <a:rPr lang="ko-Kore-KR" altLang="en-US" dirty="0">
+                <a:latin typeface="DM Mono" panose="020B0509040201040103" pitchFamily="49" charset="0"/>
+              </a:rPr>
+              <a:t>string owner;</a:t>
+            </a:r>
+          </a:p>
+          <a:p>
+            <a:r>
+              <a:rPr lang="ko-Kore-KR" altLang="en-US" dirty="0">
+                <a:latin typeface="DM Mono" panose="020B0509040201040103" pitchFamily="49" charset="0"/>
+              </a:rPr>
+              <a:t>};</a:t>
+            </a:r>
+          </a:p>
+          <a:p>
+            <a:endParaRPr lang="ko-Kore-KR" altLang="en-US" dirty="0">
+              <a:latin typeface="DM Mono" panose="020B0509040201040103" pitchFamily="49" charset="0"/>
+            </a:endParaRPr>
+          </a:p>
+          <a:p>
+            <a:r>
+              <a:rPr lang="ko-Kore-KR" altLang="en-US" dirty="0">
+                <a:latin typeface="DM Mono" panose="020B0509040201040103" pitchFamily="49" charset="0"/>
+              </a:rPr>
+              <a:t>class Cat {</a:t>
+            </a:r>
+          </a:p>
+          <a:p>
+            <a:r>
+              <a:rPr lang="ko-Kore-KR" altLang="en-US" dirty="0">
+                <a:solidFill>
+                  <a:srgbClr val="0070C0"/>
+                </a:solidFill>
+                <a:latin typeface="DM Mono" panose="020B0509040201040103" pitchFamily="49" charset="0"/>
+              </a:rPr>
+              <a:t>    string name;</a:t>
+            </a:r>
+          </a:p>
+          <a:p>
+            <a:r>
+              <a:rPr lang="ko-Kore-KR" altLang="en-US" dirty="0">
+                <a:solidFill>
+                  <a:srgbClr val="0070C0"/>
+                </a:solidFill>
+                <a:latin typeface="DM Mono" panose="020B0509040201040103" pitchFamily="49" charset="0"/>
+              </a:rPr>
+              <a:t>    int color;</a:t>
+            </a:r>
+          </a:p>
+          <a:p>
+            <a:r>
+              <a:rPr lang="ko-Kore-KR" altLang="en-US" dirty="0">
+                <a:solidFill>
+                  <a:srgbClr val="0070C0"/>
+                </a:solidFill>
+                <a:latin typeface="DM Mono" panose="020B0509040201040103" pitchFamily="49" charset="0"/>
+              </a:rPr>
+              <a:t>    int age;</a:t>
+            </a:r>
+          </a:p>
+          <a:p>
+            <a:r>
+              <a:rPr lang="ko-Kore-KR" altLang="en-US" dirty="0">
+                <a:latin typeface="DM Mono" panose="020B0509040201040103" pitchFamily="49" charset="0"/>
+              </a:rPr>
+              <a:t>    int speed;</a:t>
+            </a:r>
+          </a:p>
+          <a:p>
+            <a:r>
+              <a:rPr lang="ko-Kore-KR" altLang="en-US" dirty="0">
+                <a:latin typeface="DM Mono" panose="020B0509040201040103" pitchFamily="49" charset="0"/>
+              </a:rPr>
+              <a:t>};</a:t>
+            </a:r>
+          </a:p>
+        </p:txBody>
+      </p:sp>
+      <p:sp>
+        <p:nvSpPr>
+          <p:cNvPr id="6" name="직사각형 5">
+            <a:extLst>
+              <a:ext uri="{FF2B5EF4-FFF2-40B4-BE49-F238E27FC236}">
+                <a16:creationId xmlns:a16="http://schemas.microsoft.com/office/drawing/2014/main" id="{93BDEBED-0083-C551-625D-74FE08C60C48}"/>
+              </a:ext>
+            </a:extLst>
+          </p:cNvPr>
+          <p:cNvSpPr/>
+          <p:nvPr/>
+        </p:nvSpPr>
+        <p:spPr>
+          <a:xfrm>
+            <a:off x="5708529" y="3343830"/>
+            <a:ext cx="1414732" cy="511624"/>
+          </a:xfrm>
+          <a:prstGeom prst="rect">
+            <a:avLst/>
+          </a:prstGeom>
+          <a:solidFill>
+            <a:srgbClr val="FFFF00"/>
+          </a:solidFill>
+        </p:spPr>
+        <p:style>
+          <a:lnRef idx="2">
+            <a:schemeClr val="accent1">
+              <a:shade val="15000"/>
+            </a:schemeClr>
+          </a:lnRef>
+          <a:fillRef idx="1">
+            <a:schemeClr val="accent1"/>
+          </a:fillRef>
+          <a:effectRef idx="0">
+            <a:schemeClr val="accent1"/>
+          </a:effectRef>
+          <a:fontRef idx="minor">
+            <a:schemeClr val="lt1"/>
+          </a:fontRef>
+        </p:style>
+        <p:txBody>
+          <a:bodyPr rtlCol="0" anchor="ctr"/>
+          <a:lstStyle/>
+          <a:p>
+            <a:pPr algn="ctr"/>
+            <a:endParaRPr kumimoji="1" lang="ko-Kore-KR" altLang="en-US" dirty="0">
+              <a:solidFill>
+                <a:schemeClr val="tx1"/>
+              </a:solidFill>
+              <a:latin typeface="DM Mono" panose="020B0509040201040103" pitchFamily="49" charset="0"/>
+            </a:endParaRPr>
+          </a:p>
+        </p:txBody>
+      </p:sp>
+      <p:sp>
+        <p:nvSpPr>
+          <p:cNvPr id="7" name="TextBox 6">
+            <a:extLst>
+              <a:ext uri="{FF2B5EF4-FFF2-40B4-BE49-F238E27FC236}">
+                <a16:creationId xmlns:a16="http://schemas.microsoft.com/office/drawing/2014/main" id="{7A456568-1F67-1EFB-80B7-338B277E0CDD}"/>
+              </a:ext>
+            </a:extLst>
+          </p:cNvPr>
+          <p:cNvSpPr txBox="1"/>
+          <p:nvPr/>
+        </p:nvSpPr>
+        <p:spPr>
+          <a:xfrm>
+            <a:off x="5831457" y="2974498"/>
+            <a:ext cx="1164566" cy="369332"/>
+          </a:xfrm>
+          <a:prstGeom prst="rect">
+            <a:avLst/>
+          </a:prstGeom>
+          <a:noFill/>
+        </p:spPr>
+        <p:txBody>
+          <a:bodyPr wrap="square">
+            <a:spAutoFit/>
+          </a:bodyPr>
+          <a:lstStyle/>
+          <a:p>
+            <a:pPr algn="ctr"/>
+            <a:r>
+              <a:rPr lang="en-US" altLang="ko-Kore-KR" dirty="0">
+                <a:latin typeface="DM Mono" panose="020B0509040201040103" pitchFamily="49" charset="0"/>
+              </a:rPr>
+              <a:t>Dog d</a:t>
+            </a:r>
+            <a:endParaRPr lang="ko-Kore-KR" altLang="en-US" dirty="0"/>
+          </a:p>
+        </p:txBody>
+      </p:sp>
+      <p:sp>
+        <p:nvSpPr>
+          <p:cNvPr id="8" name="TextBox 7">
+            <a:extLst>
+              <a:ext uri="{FF2B5EF4-FFF2-40B4-BE49-F238E27FC236}">
+                <a16:creationId xmlns:a16="http://schemas.microsoft.com/office/drawing/2014/main" id="{CE3E60D9-BE32-B774-1826-B88DFCEF5464}"/>
+              </a:ext>
+            </a:extLst>
+          </p:cNvPr>
+          <p:cNvSpPr txBox="1"/>
+          <p:nvPr/>
+        </p:nvSpPr>
+        <p:spPr>
+          <a:xfrm>
+            <a:off x="4701395" y="3414976"/>
+            <a:ext cx="1007133" cy="369332"/>
+          </a:xfrm>
+          <a:prstGeom prst="rect">
+            <a:avLst/>
+          </a:prstGeom>
+          <a:noFill/>
+        </p:spPr>
+        <p:txBody>
+          <a:bodyPr wrap="square">
+            <a:spAutoFit/>
+          </a:bodyPr>
+          <a:lstStyle/>
+          <a:p>
+            <a:pPr algn="r"/>
+            <a:r>
+              <a:rPr lang="en-US" altLang="ko-Kore-KR" dirty="0">
+                <a:latin typeface="DM Mono" panose="020B0509040201040103" pitchFamily="49" charset="0"/>
+              </a:rPr>
+              <a:t>name</a:t>
+            </a:r>
+            <a:endParaRPr lang="ko-Kore-KR" altLang="en-US" dirty="0"/>
+          </a:p>
+        </p:txBody>
+      </p:sp>
+      <p:sp>
+        <p:nvSpPr>
+          <p:cNvPr id="9" name="직사각형 8">
+            <a:extLst>
+              <a:ext uri="{FF2B5EF4-FFF2-40B4-BE49-F238E27FC236}">
+                <a16:creationId xmlns:a16="http://schemas.microsoft.com/office/drawing/2014/main" id="{565A82FD-A19C-491A-943D-4981B534B7DE}"/>
+              </a:ext>
+            </a:extLst>
+          </p:cNvPr>
+          <p:cNvSpPr/>
+          <p:nvPr/>
+        </p:nvSpPr>
+        <p:spPr>
+          <a:xfrm>
+            <a:off x="5708529" y="3855454"/>
+            <a:ext cx="1414732" cy="511624"/>
+          </a:xfrm>
+          <a:prstGeom prst="rect">
+            <a:avLst/>
+          </a:prstGeom>
+          <a:solidFill>
+            <a:srgbClr val="FFFF00"/>
+          </a:solidFill>
+        </p:spPr>
+        <p:style>
+          <a:lnRef idx="2">
+            <a:schemeClr val="accent1">
+              <a:shade val="15000"/>
+            </a:schemeClr>
+          </a:lnRef>
+          <a:fillRef idx="1">
+            <a:schemeClr val="accent1"/>
+          </a:fillRef>
+          <a:effectRef idx="0">
+            <a:schemeClr val="accent1"/>
+          </a:effectRef>
+          <a:fontRef idx="minor">
+            <a:schemeClr val="lt1"/>
+          </a:fontRef>
+        </p:style>
+        <p:txBody>
+          <a:bodyPr rtlCol="0" anchor="ctr"/>
+          <a:lstStyle/>
+          <a:p>
+            <a:pPr algn="ctr"/>
+            <a:endParaRPr kumimoji="1" lang="ko-Kore-KR" altLang="en-US" dirty="0">
+              <a:solidFill>
+                <a:schemeClr val="tx1"/>
+              </a:solidFill>
+              <a:latin typeface="DM Mono" panose="020B0509040201040103" pitchFamily="49" charset="0"/>
+            </a:endParaRPr>
+          </a:p>
+        </p:txBody>
+      </p:sp>
+      <p:sp>
+        <p:nvSpPr>
+          <p:cNvPr id="10" name="TextBox 9">
+            <a:extLst>
+              <a:ext uri="{FF2B5EF4-FFF2-40B4-BE49-F238E27FC236}">
+                <a16:creationId xmlns:a16="http://schemas.microsoft.com/office/drawing/2014/main" id="{FC7B583B-9710-4DC2-9C13-82D2C32CCB61}"/>
+              </a:ext>
+            </a:extLst>
+          </p:cNvPr>
+          <p:cNvSpPr txBox="1"/>
+          <p:nvPr/>
+        </p:nvSpPr>
+        <p:spPr>
+          <a:xfrm>
+            <a:off x="4701395" y="3926600"/>
+            <a:ext cx="1007133" cy="369332"/>
+          </a:xfrm>
+          <a:prstGeom prst="rect">
+            <a:avLst/>
+          </a:prstGeom>
+          <a:noFill/>
+        </p:spPr>
+        <p:txBody>
+          <a:bodyPr wrap="square">
+            <a:spAutoFit/>
+          </a:bodyPr>
+          <a:lstStyle/>
+          <a:p>
+            <a:pPr algn="r"/>
+            <a:r>
+              <a:rPr lang="en-US" altLang="ko-Kore-KR" dirty="0">
+                <a:latin typeface="DM Mono" panose="020B0509040201040103" pitchFamily="49" charset="0"/>
+              </a:rPr>
+              <a:t>color</a:t>
+            </a:r>
+            <a:endParaRPr lang="ko-Kore-KR" altLang="en-US" dirty="0"/>
+          </a:p>
+        </p:txBody>
+      </p:sp>
+      <p:sp>
+        <p:nvSpPr>
+          <p:cNvPr id="16" name="직사각형 15">
+            <a:extLst>
+              <a:ext uri="{FF2B5EF4-FFF2-40B4-BE49-F238E27FC236}">
+                <a16:creationId xmlns:a16="http://schemas.microsoft.com/office/drawing/2014/main" id="{0C12B450-F67E-3706-4B6B-BF123990BB3F}"/>
+              </a:ext>
+            </a:extLst>
+          </p:cNvPr>
+          <p:cNvSpPr/>
+          <p:nvPr/>
+        </p:nvSpPr>
+        <p:spPr>
+          <a:xfrm>
+            <a:off x="5708529" y="4367078"/>
+            <a:ext cx="1414732" cy="511624"/>
+          </a:xfrm>
+          <a:prstGeom prst="rect">
+            <a:avLst/>
+          </a:prstGeom>
+          <a:solidFill>
+            <a:srgbClr val="FFFF00"/>
+          </a:solidFill>
+        </p:spPr>
+        <p:style>
+          <a:lnRef idx="2">
+            <a:schemeClr val="accent1">
+              <a:shade val="15000"/>
+            </a:schemeClr>
+          </a:lnRef>
+          <a:fillRef idx="1">
+            <a:schemeClr val="accent1"/>
+          </a:fillRef>
+          <a:effectRef idx="0">
+            <a:schemeClr val="accent1"/>
+          </a:effectRef>
+          <a:fontRef idx="minor">
+            <a:schemeClr val="lt1"/>
+          </a:fontRef>
+        </p:style>
+        <p:txBody>
+          <a:bodyPr rtlCol="0" anchor="ctr"/>
+          <a:lstStyle/>
+          <a:p>
+            <a:pPr algn="ctr"/>
+            <a:endParaRPr kumimoji="1" lang="ko-Kore-KR" altLang="en-US" dirty="0">
+              <a:solidFill>
+                <a:schemeClr val="tx1"/>
+              </a:solidFill>
+              <a:latin typeface="DM Mono" panose="020B0509040201040103" pitchFamily="49" charset="0"/>
+            </a:endParaRPr>
+          </a:p>
+        </p:txBody>
+      </p:sp>
+      <p:sp>
+        <p:nvSpPr>
+          <p:cNvPr id="17" name="TextBox 16">
+            <a:extLst>
+              <a:ext uri="{FF2B5EF4-FFF2-40B4-BE49-F238E27FC236}">
+                <a16:creationId xmlns:a16="http://schemas.microsoft.com/office/drawing/2014/main" id="{AFE04BFD-A2EC-88F4-C3B9-47E9B792092F}"/>
+              </a:ext>
+            </a:extLst>
+          </p:cNvPr>
+          <p:cNvSpPr txBox="1"/>
+          <p:nvPr/>
+        </p:nvSpPr>
+        <p:spPr>
+          <a:xfrm>
+            <a:off x="4701395" y="4438224"/>
+            <a:ext cx="1007133" cy="369332"/>
+          </a:xfrm>
+          <a:prstGeom prst="rect">
+            <a:avLst/>
+          </a:prstGeom>
+          <a:noFill/>
+        </p:spPr>
+        <p:txBody>
+          <a:bodyPr wrap="square">
+            <a:spAutoFit/>
+          </a:bodyPr>
+          <a:lstStyle/>
+          <a:p>
+            <a:pPr algn="r"/>
+            <a:r>
+              <a:rPr lang="en-US" altLang="ko-Kore-KR" dirty="0">
+                <a:latin typeface="DM Mono" panose="020B0509040201040103" pitchFamily="49" charset="0"/>
+              </a:rPr>
+              <a:t>age</a:t>
+            </a:r>
+            <a:endParaRPr lang="ko-Kore-KR" altLang="en-US" dirty="0"/>
+          </a:p>
+        </p:txBody>
+      </p:sp>
+      <p:sp>
+        <p:nvSpPr>
+          <p:cNvPr id="18" name="직사각형 17">
+            <a:extLst>
+              <a:ext uri="{FF2B5EF4-FFF2-40B4-BE49-F238E27FC236}">
+                <a16:creationId xmlns:a16="http://schemas.microsoft.com/office/drawing/2014/main" id="{F92B7180-E17F-15FC-B970-E1A3949BFDE2}"/>
+              </a:ext>
+            </a:extLst>
+          </p:cNvPr>
+          <p:cNvSpPr/>
+          <p:nvPr/>
+        </p:nvSpPr>
+        <p:spPr>
+          <a:xfrm>
+            <a:off x="5708529" y="4878702"/>
+            <a:ext cx="1414732" cy="511624"/>
+          </a:xfrm>
+          <a:prstGeom prst="rect">
+            <a:avLst/>
+          </a:prstGeom>
+          <a:solidFill>
+            <a:srgbClr val="FFFF00"/>
+          </a:solidFill>
+        </p:spPr>
+        <p:style>
+          <a:lnRef idx="2">
+            <a:schemeClr val="accent1">
+              <a:shade val="15000"/>
+            </a:schemeClr>
+          </a:lnRef>
+          <a:fillRef idx="1">
+            <a:schemeClr val="accent1"/>
+          </a:fillRef>
+          <a:effectRef idx="0">
+            <a:schemeClr val="accent1"/>
+          </a:effectRef>
+          <a:fontRef idx="minor">
+            <a:schemeClr val="lt1"/>
+          </a:fontRef>
+        </p:style>
+        <p:txBody>
+          <a:bodyPr rtlCol="0" anchor="ctr"/>
+          <a:lstStyle/>
+          <a:p>
+            <a:pPr algn="ctr"/>
+            <a:endParaRPr kumimoji="1" lang="ko-Kore-KR" altLang="en-US" dirty="0">
+              <a:solidFill>
+                <a:schemeClr val="tx1"/>
+              </a:solidFill>
+              <a:latin typeface="DM Mono" panose="020B0509040201040103" pitchFamily="49" charset="0"/>
+            </a:endParaRPr>
+          </a:p>
+        </p:txBody>
+      </p:sp>
+      <p:sp>
+        <p:nvSpPr>
+          <p:cNvPr id="19" name="TextBox 18">
+            <a:extLst>
+              <a:ext uri="{FF2B5EF4-FFF2-40B4-BE49-F238E27FC236}">
+                <a16:creationId xmlns:a16="http://schemas.microsoft.com/office/drawing/2014/main" id="{DCDAFBE2-BC45-5CEA-080E-AA6FB3F5E634}"/>
+              </a:ext>
+            </a:extLst>
+          </p:cNvPr>
+          <p:cNvSpPr txBox="1"/>
+          <p:nvPr/>
+        </p:nvSpPr>
+        <p:spPr>
+          <a:xfrm>
+            <a:off x="4701395" y="4949848"/>
+            <a:ext cx="1007133" cy="369332"/>
+          </a:xfrm>
+          <a:prstGeom prst="rect">
+            <a:avLst/>
+          </a:prstGeom>
+          <a:noFill/>
+        </p:spPr>
+        <p:txBody>
+          <a:bodyPr wrap="square">
+            <a:spAutoFit/>
+          </a:bodyPr>
+          <a:lstStyle/>
+          <a:p>
+            <a:pPr algn="r"/>
+            <a:r>
+              <a:rPr lang="en-US" altLang="ko-Kore-KR" dirty="0">
+                <a:latin typeface="DM Mono" panose="020B0509040201040103" pitchFamily="49" charset="0"/>
+              </a:rPr>
+              <a:t>owner</a:t>
+            </a:r>
+            <a:endParaRPr lang="ko-Kore-KR" altLang="en-US" dirty="0"/>
+          </a:p>
+        </p:txBody>
+      </p:sp>
+      <p:sp>
+        <p:nvSpPr>
+          <p:cNvPr id="20" name="직사각형 19">
+            <a:extLst>
+              <a:ext uri="{FF2B5EF4-FFF2-40B4-BE49-F238E27FC236}">
+                <a16:creationId xmlns:a16="http://schemas.microsoft.com/office/drawing/2014/main" id="{8946EE77-8E36-30F7-1999-AE74CA7A505C}"/>
+              </a:ext>
+            </a:extLst>
+          </p:cNvPr>
+          <p:cNvSpPr/>
+          <p:nvPr/>
+        </p:nvSpPr>
+        <p:spPr>
+          <a:xfrm>
+            <a:off x="8552371" y="3324420"/>
+            <a:ext cx="1414732" cy="511624"/>
+          </a:xfrm>
+          <a:prstGeom prst="rect">
+            <a:avLst/>
+          </a:prstGeom>
+          <a:solidFill>
+            <a:srgbClr val="FFFF00"/>
+          </a:solidFill>
+        </p:spPr>
+        <p:style>
+          <a:lnRef idx="2">
+            <a:schemeClr val="accent1">
+              <a:shade val="15000"/>
+            </a:schemeClr>
+          </a:lnRef>
+          <a:fillRef idx="1">
+            <a:schemeClr val="accent1"/>
+          </a:fillRef>
+          <a:effectRef idx="0">
+            <a:schemeClr val="accent1"/>
+          </a:effectRef>
+          <a:fontRef idx="minor">
+            <a:schemeClr val="lt1"/>
+          </a:fontRef>
+        </p:style>
+        <p:txBody>
+          <a:bodyPr rtlCol="0" anchor="ctr"/>
+          <a:lstStyle/>
+          <a:p>
+            <a:pPr algn="ctr"/>
+            <a:endParaRPr kumimoji="1" lang="ko-Kore-KR" altLang="en-US" dirty="0">
+              <a:solidFill>
+                <a:schemeClr val="tx1"/>
+              </a:solidFill>
+              <a:latin typeface="DM Mono" panose="020B0509040201040103" pitchFamily="49" charset="0"/>
+            </a:endParaRPr>
+          </a:p>
+        </p:txBody>
+      </p:sp>
+      <p:sp>
+        <p:nvSpPr>
+          <p:cNvPr id="21" name="TextBox 20">
+            <a:extLst>
+              <a:ext uri="{FF2B5EF4-FFF2-40B4-BE49-F238E27FC236}">
+                <a16:creationId xmlns:a16="http://schemas.microsoft.com/office/drawing/2014/main" id="{BF11E9D7-9947-A3D8-B75D-A40BD6CF480A}"/>
+              </a:ext>
+            </a:extLst>
+          </p:cNvPr>
+          <p:cNvSpPr txBox="1"/>
+          <p:nvPr/>
+        </p:nvSpPr>
+        <p:spPr>
+          <a:xfrm>
+            <a:off x="8675299" y="2955088"/>
+            <a:ext cx="1164566" cy="369332"/>
+          </a:xfrm>
+          <a:prstGeom prst="rect">
+            <a:avLst/>
+          </a:prstGeom>
+          <a:noFill/>
+        </p:spPr>
+        <p:txBody>
+          <a:bodyPr wrap="square">
+            <a:spAutoFit/>
+          </a:bodyPr>
+          <a:lstStyle/>
+          <a:p>
+            <a:pPr algn="ctr"/>
+            <a:r>
+              <a:rPr lang="en-US" altLang="ko-Kore-KR" dirty="0">
+                <a:latin typeface="DM Mono" panose="020B0509040201040103" pitchFamily="49" charset="0"/>
+              </a:rPr>
+              <a:t>Cat c</a:t>
+            </a:r>
+            <a:endParaRPr lang="ko-Kore-KR" altLang="en-US" dirty="0"/>
+          </a:p>
+        </p:txBody>
+      </p:sp>
+      <p:sp>
+        <p:nvSpPr>
+          <p:cNvPr id="22" name="TextBox 21">
+            <a:extLst>
+              <a:ext uri="{FF2B5EF4-FFF2-40B4-BE49-F238E27FC236}">
+                <a16:creationId xmlns:a16="http://schemas.microsoft.com/office/drawing/2014/main" id="{81204A8D-B0D5-E316-CC37-934201436418}"/>
+              </a:ext>
+            </a:extLst>
+          </p:cNvPr>
+          <p:cNvSpPr txBox="1"/>
+          <p:nvPr/>
+        </p:nvSpPr>
+        <p:spPr>
+          <a:xfrm>
+            <a:off x="7545237" y="3395566"/>
+            <a:ext cx="1007133" cy="369332"/>
+          </a:xfrm>
+          <a:prstGeom prst="rect">
+            <a:avLst/>
+          </a:prstGeom>
+          <a:noFill/>
+        </p:spPr>
+        <p:txBody>
+          <a:bodyPr wrap="square">
+            <a:spAutoFit/>
+          </a:bodyPr>
+          <a:lstStyle/>
+          <a:p>
+            <a:pPr algn="r"/>
+            <a:r>
+              <a:rPr lang="en-US" altLang="ko-Kore-KR" dirty="0">
+                <a:latin typeface="DM Mono" panose="020B0509040201040103" pitchFamily="49" charset="0"/>
+              </a:rPr>
+              <a:t>name</a:t>
+            </a:r>
+            <a:endParaRPr lang="ko-Kore-KR" altLang="en-US" dirty="0"/>
+          </a:p>
+        </p:txBody>
+      </p:sp>
+      <p:sp>
+        <p:nvSpPr>
+          <p:cNvPr id="23" name="직사각형 22">
+            <a:extLst>
+              <a:ext uri="{FF2B5EF4-FFF2-40B4-BE49-F238E27FC236}">
+                <a16:creationId xmlns:a16="http://schemas.microsoft.com/office/drawing/2014/main" id="{88D20976-76CF-C221-1333-FA6BBE995BD1}"/>
+              </a:ext>
+            </a:extLst>
+          </p:cNvPr>
+          <p:cNvSpPr/>
+          <p:nvPr/>
+        </p:nvSpPr>
+        <p:spPr>
+          <a:xfrm>
+            <a:off x="8552371" y="3836044"/>
+            <a:ext cx="1414732" cy="511624"/>
+          </a:xfrm>
+          <a:prstGeom prst="rect">
+            <a:avLst/>
+          </a:prstGeom>
+          <a:solidFill>
+            <a:srgbClr val="FFFF00"/>
+          </a:solidFill>
+        </p:spPr>
+        <p:style>
+          <a:lnRef idx="2">
+            <a:schemeClr val="accent1">
+              <a:shade val="15000"/>
+            </a:schemeClr>
+          </a:lnRef>
+          <a:fillRef idx="1">
+            <a:schemeClr val="accent1"/>
+          </a:fillRef>
+          <a:effectRef idx="0">
+            <a:schemeClr val="accent1"/>
+          </a:effectRef>
+          <a:fontRef idx="minor">
+            <a:schemeClr val="lt1"/>
+          </a:fontRef>
+        </p:style>
+        <p:txBody>
+          <a:bodyPr rtlCol="0" anchor="ctr"/>
+          <a:lstStyle/>
+          <a:p>
+            <a:pPr algn="ctr"/>
+            <a:endParaRPr kumimoji="1" lang="ko-Kore-KR" altLang="en-US" dirty="0">
+              <a:solidFill>
+                <a:schemeClr val="tx1"/>
+              </a:solidFill>
+              <a:latin typeface="DM Mono" panose="020B0509040201040103" pitchFamily="49" charset="0"/>
+            </a:endParaRPr>
+          </a:p>
+        </p:txBody>
+      </p:sp>
+      <p:sp>
+        <p:nvSpPr>
+          <p:cNvPr id="24" name="TextBox 23">
+            <a:extLst>
+              <a:ext uri="{FF2B5EF4-FFF2-40B4-BE49-F238E27FC236}">
+                <a16:creationId xmlns:a16="http://schemas.microsoft.com/office/drawing/2014/main" id="{C105F3EF-2A8E-F577-083B-430B342436FB}"/>
+              </a:ext>
+            </a:extLst>
+          </p:cNvPr>
+          <p:cNvSpPr txBox="1"/>
+          <p:nvPr/>
+        </p:nvSpPr>
+        <p:spPr>
+          <a:xfrm>
+            <a:off x="7545237" y="3907190"/>
+            <a:ext cx="1007133" cy="369332"/>
+          </a:xfrm>
+          <a:prstGeom prst="rect">
+            <a:avLst/>
+          </a:prstGeom>
+          <a:noFill/>
+        </p:spPr>
+        <p:txBody>
+          <a:bodyPr wrap="square">
+            <a:spAutoFit/>
+          </a:bodyPr>
+          <a:lstStyle/>
+          <a:p>
+            <a:pPr algn="r"/>
+            <a:r>
+              <a:rPr lang="en-US" altLang="ko-Kore-KR" dirty="0">
+                <a:latin typeface="DM Mono" panose="020B0509040201040103" pitchFamily="49" charset="0"/>
+              </a:rPr>
+              <a:t>color</a:t>
+            </a:r>
+            <a:endParaRPr lang="ko-Kore-KR" altLang="en-US" dirty="0"/>
+          </a:p>
+        </p:txBody>
+      </p:sp>
+      <p:sp>
+        <p:nvSpPr>
+          <p:cNvPr id="25" name="직사각형 24">
+            <a:extLst>
+              <a:ext uri="{FF2B5EF4-FFF2-40B4-BE49-F238E27FC236}">
+                <a16:creationId xmlns:a16="http://schemas.microsoft.com/office/drawing/2014/main" id="{29890AB5-0B5C-0B78-E916-785DFEAB2908}"/>
+              </a:ext>
+            </a:extLst>
+          </p:cNvPr>
+          <p:cNvSpPr/>
+          <p:nvPr/>
+        </p:nvSpPr>
+        <p:spPr>
+          <a:xfrm>
+            <a:off x="8552371" y="4347668"/>
+            <a:ext cx="1414732" cy="511624"/>
+          </a:xfrm>
+          <a:prstGeom prst="rect">
+            <a:avLst/>
+          </a:prstGeom>
+          <a:solidFill>
+            <a:srgbClr val="FFFF00"/>
+          </a:solidFill>
+        </p:spPr>
+        <p:style>
+          <a:lnRef idx="2">
+            <a:schemeClr val="accent1">
+              <a:shade val="15000"/>
+            </a:schemeClr>
+          </a:lnRef>
+          <a:fillRef idx="1">
+            <a:schemeClr val="accent1"/>
+          </a:fillRef>
+          <a:effectRef idx="0">
+            <a:schemeClr val="accent1"/>
+          </a:effectRef>
+          <a:fontRef idx="minor">
+            <a:schemeClr val="lt1"/>
+          </a:fontRef>
+        </p:style>
+        <p:txBody>
+          <a:bodyPr rtlCol="0" anchor="ctr"/>
+          <a:lstStyle/>
+          <a:p>
+            <a:pPr algn="ctr"/>
+            <a:endParaRPr kumimoji="1" lang="ko-Kore-KR" altLang="en-US" dirty="0">
+              <a:solidFill>
+                <a:schemeClr val="tx1"/>
+              </a:solidFill>
+              <a:latin typeface="DM Mono" panose="020B0509040201040103" pitchFamily="49" charset="0"/>
+            </a:endParaRPr>
+          </a:p>
+        </p:txBody>
+      </p:sp>
+      <p:sp>
+        <p:nvSpPr>
+          <p:cNvPr id="26" name="TextBox 25">
+            <a:extLst>
+              <a:ext uri="{FF2B5EF4-FFF2-40B4-BE49-F238E27FC236}">
+                <a16:creationId xmlns:a16="http://schemas.microsoft.com/office/drawing/2014/main" id="{E37D3B5E-C6C8-A45E-724E-28740619A3D7}"/>
+              </a:ext>
+            </a:extLst>
+          </p:cNvPr>
+          <p:cNvSpPr txBox="1"/>
+          <p:nvPr/>
+        </p:nvSpPr>
+        <p:spPr>
+          <a:xfrm>
+            <a:off x="7545237" y="4418814"/>
+            <a:ext cx="1007133" cy="369332"/>
+          </a:xfrm>
+          <a:prstGeom prst="rect">
+            <a:avLst/>
+          </a:prstGeom>
+          <a:noFill/>
+        </p:spPr>
+        <p:txBody>
+          <a:bodyPr wrap="square">
+            <a:spAutoFit/>
+          </a:bodyPr>
+          <a:lstStyle/>
+          <a:p>
+            <a:pPr algn="r"/>
+            <a:r>
+              <a:rPr lang="en-US" altLang="ko-Kore-KR" dirty="0">
+                <a:latin typeface="DM Mono" panose="020B0509040201040103" pitchFamily="49" charset="0"/>
+              </a:rPr>
+              <a:t>age</a:t>
+            </a:r>
+            <a:endParaRPr lang="ko-Kore-KR" altLang="en-US" dirty="0"/>
+          </a:p>
+        </p:txBody>
+      </p:sp>
+      <p:sp>
+        <p:nvSpPr>
+          <p:cNvPr id="27" name="직사각형 26">
+            <a:extLst>
+              <a:ext uri="{FF2B5EF4-FFF2-40B4-BE49-F238E27FC236}">
+                <a16:creationId xmlns:a16="http://schemas.microsoft.com/office/drawing/2014/main" id="{C729FEAF-2B97-0BA1-7290-78BBFE057356}"/>
+              </a:ext>
+            </a:extLst>
+          </p:cNvPr>
+          <p:cNvSpPr/>
+          <p:nvPr/>
+        </p:nvSpPr>
+        <p:spPr>
+          <a:xfrm>
+            <a:off x="8552371" y="4859292"/>
+            <a:ext cx="1414732" cy="511624"/>
+          </a:xfrm>
+          <a:prstGeom prst="rect">
+            <a:avLst/>
+          </a:prstGeom>
+          <a:solidFill>
+            <a:srgbClr val="FFFF00"/>
+          </a:solidFill>
+        </p:spPr>
+        <p:style>
+          <a:lnRef idx="2">
+            <a:schemeClr val="accent1">
+              <a:shade val="15000"/>
+            </a:schemeClr>
+          </a:lnRef>
+          <a:fillRef idx="1">
+            <a:schemeClr val="accent1"/>
+          </a:fillRef>
+          <a:effectRef idx="0">
+            <a:schemeClr val="accent1"/>
+          </a:effectRef>
+          <a:fontRef idx="minor">
+            <a:schemeClr val="lt1"/>
+          </a:fontRef>
+        </p:style>
+        <p:txBody>
+          <a:bodyPr rtlCol="0" anchor="ctr"/>
+          <a:lstStyle/>
+          <a:p>
+            <a:pPr algn="ctr"/>
+            <a:endParaRPr kumimoji="1" lang="ko-Kore-KR" altLang="en-US" dirty="0">
+              <a:solidFill>
+                <a:schemeClr val="tx1"/>
+              </a:solidFill>
+              <a:latin typeface="DM Mono" panose="020B0509040201040103" pitchFamily="49" charset="0"/>
+            </a:endParaRPr>
+          </a:p>
+        </p:txBody>
+      </p:sp>
+      <p:sp>
+        <p:nvSpPr>
+          <p:cNvPr id="28" name="TextBox 27">
+            <a:extLst>
+              <a:ext uri="{FF2B5EF4-FFF2-40B4-BE49-F238E27FC236}">
+                <a16:creationId xmlns:a16="http://schemas.microsoft.com/office/drawing/2014/main" id="{F2C61F48-890E-553E-8A3A-97CA4D4444A3}"/>
+              </a:ext>
+            </a:extLst>
+          </p:cNvPr>
+          <p:cNvSpPr txBox="1"/>
+          <p:nvPr/>
+        </p:nvSpPr>
+        <p:spPr>
+          <a:xfrm>
+            <a:off x="7545237" y="4930438"/>
+            <a:ext cx="1007133" cy="369332"/>
+          </a:xfrm>
+          <a:prstGeom prst="rect">
+            <a:avLst/>
+          </a:prstGeom>
+          <a:noFill/>
+        </p:spPr>
+        <p:txBody>
+          <a:bodyPr wrap="square">
+            <a:spAutoFit/>
+          </a:bodyPr>
+          <a:lstStyle/>
+          <a:p>
+            <a:pPr algn="r"/>
+            <a:r>
+              <a:rPr lang="en-US" altLang="ko-Kore-KR" dirty="0">
+                <a:latin typeface="DM Mono" panose="020B0509040201040103" pitchFamily="49" charset="0"/>
+              </a:rPr>
+              <a:t>speed</a:t>
+            </a:r>
+            <a:endParaRPr lang="ko-Kore-KR" altLang="en-US" dirty="0"/>
+          </a:p>
+        </p:txBody>
+      </p:sp>
+    </p:spTree>
+    <p:extLst>
+      <p:ext uri="{BB962C8B-B14F-4D97-AF65-F5344CB8AC3E}">
+        <p14:creationId xmlns:p14="http://schemas.microsoft.com/office/powerpoint/2010/main" val="1706132703"/>
+      </p:ext>
+    </p:extLst>
+  </p:cSld>
+  <p:clrMapOvr>
+    <a:masterClrMapping/>
+  </p:clrMapOvr>
+</p:sld>
+</file>
+
+<file path=ppt/slides/slide27.xml><?xml version="1.0" encoding="utf-8"?>
+<p:sld xmlns:a="http://schemas.openxmlformats.org/drawingml/2006/main" xmlns:r="http://schemas.openxmlformats.org/officeDocument/2006/relationships" xmlns:p="http://schemas.openxmlformats.org/presentationml/2006/main">
+  <p:cSld>
+    <p:spTree>
+      <p:nvGrpSpPr>
+        <p:cNvPr id="1" name=""/>
+        <p:cNvGrpSpPr/>
+        <p:nvPr/>
+      </p:nvGrpSpPr>
+      <p:grpSpPr>
+        <a:xfrm>
+          <a:off x="0" y="0"/>
+          <a:ext cx="0" cy="0"/>
+          <a:chOff x="0" y="0"/>
+          <a:chExt cx="0" cy="0"/>
+        </a:xfrm>
+      </p:grpSpPr>
+      <p:sp>
+        <p:nvSpPr>
+          <p:cNvPr id="5" name="TextBox 4">
+            <a:extLst>
+              <a:ext uri="{FF2B5EF4-FFF2-40B4-BE49-F238E27FC236}">
+                <a16:creationId xmlns:a16="http://schemas.microsoft.com/office/drawing/2014/main" id="{4AA80232-33D8-285B-B052-137805708EBF}"/>
+              </a:ext>
+            </a:extLst>
+          </p:cNvPr>
+          <p:cNvSpPr txBox="1"/>
+          <p:nvPr/>
+        </p:nvSpPr>
+        <p:spPr>
+          <a:xfrm>
+            <a:off x="598816" y="332509"/>
+            <a:ext cx="4102578" cy="3970318"/>
+          </a:xfrm>
+          <a:prstGeom prst="rect">
+            <a:avLst/>
+          </a:prstGeom>
+          <a:noFill/>
+        </p:spPr>
+        <p:txBody>
+          <a:bodyPr wrap="square">
+            <a:spAutoFit/>
+          </a:bodyPr>
+          <a:lstStyle/>
+          <a:p>
+            <a:endParaRPr lang="en" altLang="ko-Kore-KR" dirty="0">
+              <a:latin typeface="DM Mono" panose="020B0509040201040103" pitchFamily="49" charset="0"/>
+            </a:endParaRPr>
+          </a:p>
+          <a:p>
+            <a:r>
+              <a:rPr lang="en" altLang="ko-Kore-KR" dirty="0">
+                <a:latin typeface="DM Mono" panose="020B0509040201040103" pitchFamily="49" charset="0"/>
+              </a:rPr>
+              <a:t>class Animal {</a:t>
+            </a:r>
+          </a:p>
+          <a:p>
+            <a:r>
+              <a:rPr lang="en" altLang="ko-Kore-KR" dirty="0">
+                <a:latin typeface="DM Mono" panose="020B0509040201040103" pitchFamily="49" charset="0"/>
+              </a:rPr>
+              <a:t>    string name;</a:t>
+            </a:r>
+          </a:p>
+          <a:p>
+            <a:r>
+              <a:rPr lang="en" altLang="ko-Kore-KR" dirty="0">
+                <a:latin typeface="DM Mono" panose="020B0509040201040103" pitchFamily="49" charset="0"/>
+              </a:rPr>
+              <a:t>    int color;</a:t>
+            </a:r>
+          </a:p>
+          <a:p>
+            <a:r>
+              <a:rPr lang="en" altLang="ko-Kore-KR" dirty="0">
+                <a:latin typeface="DM Mono" panose="020B0509040201040103" pitchFamily="49" charset="0"/>
+              </a:rPr>
+              <a:t>    int age;</a:t>
+            </a:r>
+          </a:p>
+          <a:p>
+            <a:r>
+              <a:rPr lang="en" altLang="ko-Kore-KR" dirty="0">
+                <a:latin typeface="DM Mono" panose="020B0509040201040103" pitchFamily="49" charset="0"/>
+              </a:rPr>
+              <a:t>};</a:t>
+            </a:r>
+          </a:p>
+          <a:p>
+            <a:endParaRPr lang="en" altLang="ko-Kore-KR" dirty="0">
+              <a:latin typeface="DM Mono" panose="020B0509040201040103" pitchFamily="49" charset="0"/>
+            </a:endParaRPr>
+          </a:p>
+          <a:p>
+            <a:r>
+              <a:rPr lang="en" altLang="ko-Kore-KR" dirty="0">
+                <a:latin typeface="DM Mono" panose="020B0509040201040103" pitchFamily="49" charset="0"/>
+              </a:rPr>
+              <a:t>class Dog : public Animal {</a:t>
+            </a:r>
+          </a:p>
+          <a:p>
+            <a:r>
+              <a:rPr lang="en" altLang="ko-Kore-KR" dirty="0">
+                <a:latin typeface="DM Mono" panose="020B0509040201040103" pitchFamily="49" charset="0"/>
+              </a:rPr>
+              <a:t>    string owner;</a:t>
+            </a:r>
+          </a:p>
+          <a:p>
+            <a:r>
+              <a:rPr lang="en" altLang="ko-Kore-KR" dirty="0">
+                <a:latin typeface="DM Mono" panose="020B0509040201040103" pitchFamily="49" charset="0"/>
+              </a:rPr>
+              <a:t>};</a:t>
+            </a:r>
+          </a:p>
+          <a:p>
+            <a:endParaRPr lang="en" altLang="ko-Kore-KR" dirty="0">
+              <a:latin typeface="DM Mono" panose="020B0509040201040103" pitchFamily="49" charset="0"/>
+            </a:endParaRPr>
+          </a:p>
+          <a:p>
+            <a:r>
+              <a:rPr lang="en" altLang="ko-Kore-KR" dirty="0">
+                <a:latin typeface="DM Mono" panose="020B0509040201040103" pitchFamily="49" charset="0"/>
+              </a:rPr>
+              <a:t>class Cat : public Animal {</a:t>
+            </a:r>
+          </a:p>
+          <a:p>
+            <a:r>
+              <a:rPr lang="en" altLang="ko-Kore-KR" dirty="0">
+                <a:latin typeface="DM Mono" panose="020B0509040201040103" pitchFamily="49" charset="0"/>
+              </a:rPr>
+              <a:t>    int speed;</a:t>
+            </a:r>
+          </a:p>
+          <a:p>
+            <a:r>
+              <a:rPr lang="en" altLang="ko-Kore-KR" dirty="0">
+                <a:latin typeface="DM Mono" panose="020B0509040201040103" pitchFamily="49" charset="0"/>
+              </a:rPr>
+              <a:t>};</a:t>
+            </a:r>
+            <a:endParaRPr lang="ko-Kore-KR" altLang="en-US" dirty="0">
+              <a:latin typeface="DM Mono" panose="020B0509040201040103" pitchFamily="49" charset="0"/>
+            </a:endParaRPr>
+          </a:p>
+        </p:txBody>
+      </p:sp>
+      <p:sp>
+        <p:nvSpPr>
+          <p:cNvPr id="6" name="직사각형 5">
+            <a:extLst>
+              <a:ext uri="{FF2B5EF4-FFF2-40B4-BE49-F238E27FC236}">
+                <a16:creationId xmlns:a16="http://schemas.microsoft.com/office/drawing/2014/main" id="{93BDEBED-0083-C551-625D-74FE08C60C48}"/>
+              </a:ext>
+            </a:extLst>
+          </p:cNvPr>
+          <p:cNvSpPr/>
+          <p:nvPr/>
+        </p:nvSpPr>
+        <p:spPr>
+          <a:xfrm>
+            <a:off x="5708529" y="3343830"/>
+            <a:ext cx="1414732" cy="511624"/>
+          </a:xfrm>
+          <a:prstGeom prst="rect">
+            <a:avLst/>
+          </a:prstGeom>
+          <a:solidFill>
+            <a:srgbClr val="00B0F0"/>
+          </a:solidFill>
+        </p:spPr>
+        <p:style>
+          <a:lnRef idx="2">
+            <a:schemeClr val="accent1">
+              <a:shade val="15000"/>
+            </a:schemeClr>
+          </a:lnRef>
+          <a:fillRef idx="1">
+            <a:schemeClr val="accent1"/>
+          </a:fillRef>
+          <a:effectRef idx="0">
+            <a:schemeClr val="accent1"/>
+          </a:effectRef>
+          <a:fontRef idx="minor">
+            <a:schemeClr val="lt1"/>
+          </a:fontRef>
+        </p:style>
+        <p:txBody>
+          <a:bodyPr rtlCol="0" anchor="ctr"/>
+          <a:lstStyle/>
+          <a:p>
+            <a:pPr algn="ctr"/>
+            <a:endParaRPr kumimoji="1" lang="ko-Kore-KR" altLang="en-US" dirty="0">
+              <a:solidFill>
+                <a:schemeClr val="tx1"/>
+              </a:solidFill>
+              <a:latin typeface="DM Mono" panose="020B0509040201040103" pitchFamily="49" charset="0"/>
+            </a:endParaRPr>
+          </a:p>
+        </p:txBody>
+      </p:sp>
+      <p:sp>
+        <p:nvSpPr>
+          <p:cNvPr id="7" name="TextBox 6">
+            <a:extLst>
+              <a:ext uri="{FF2B5EF4-FFF2-40B4-BE49-F238E27FC236}">
+                <a16:creationId xmlns:a16="http://schemas.microsoft.com/office/drawing/2014/main" id="{7A456568-1F67-1EFB-80B7-338B277E0CDD}"/>
+              </a:ext>
+            </a:extLst>
+          </p:cNvPr>
+          <p:cNvSpPr txBox="1"/>
+          <p:nvPr/>
+        </p:nvSpPr>
+        <p:spPr>
+          <a:xfrm>
+            <a:off x="5831457" y="2974498"/>
+            <a:ext cx="1164566" cy="369332"/>
+          </a:xfrm>
+          <a:prstGeom prst="rect">
+            <a:avLst/>
+          </a:prstGeom>
+          <a:noFill/>
+        </p:spPr>
+        <p:txBody>
+          <a:bodyPr wrap="square">
+            <a:spAutoFit/>
+          </a:bodyPr>
+          <a:lstStyle/>
+          <a:p>
+            <a:pPr algn="ctr"/>
+            <a:r>
+              <a:rPr lang="en-US" altLang="ko-Kore-KR" dirty="0">
+                <a:latin typeface="DM Mono" panose="020B0509040201040103" pitchFamily="49" charset="0"/>
+              </a:rPr>
+              <a:t>Dog d</a:t>
+            </a:r>
+            <a:endParaRPr lang="ko-Kore-KR" altLang="en-US" dirty="0"/>
+          </a:p>
+        </p:txBody>
+      </p:sp>
+      <p:sp>
+        <p:nvSpPr>
+          <p:cNvPr id="8" name="TextBox 7">
+            <a:extLst>
+              <a:ext uri="{FF2B5EF4-FFF2-40B4-BE49-F238E27FC236}">
+                <a16:creationId xmlns:a16="http://schemas.microsoft.com/office/drawing/2014/main" id="{CE3E60D9-BE32-B774-1826-B88DFCEF5464}"/>
+              </a:ext>
+            </a:extLst>
+          </p:cNvPr>
+          <p:cNvSpPr txBox="1"/>
+          <p:nvPr/>
+        </p:nvSpPr>
+        <p:spPr>
+          <a:xfrm>
+            <a:off x="4701395" y="3414976"/>
+            <a:ext cx="1007133" cy="369332"/>
+          </a:xfrm>
+          <a:prstGeom prst="rect">
+            <a:avLst/>
+          </a:prstGeom>
+          <a:noFill/>
+        </p:spPr>
+        <p:txBody>
+          <a:bodyPr wrap="square">
+            <a:spAutoFit/>
+          </a:bodyPr>
+          <a:lstStyle/>
+          <a:p>
+            <a:pPr algn="r"/>
+            <a:r>
+              <a:rPr lang="en-US" altLang="ko-Kore-KR" dirty="0">
+                <a:latin typeface="DM Mono" panose="020B0509040201040103" pitchFamily="49" charset="0"/>
+              </a:rPr>
+              <a:t>name</a:t>
+            </a:r>
+            <a:endParaRPr lang="ko-Kore-KR" altLang="en-US" dirty="0"/>
+          </a:p>
+        </p:txBody>
+      </p:sp>
+      <p:sp>
+        <p:nvSpPr>
+          <p:cNvPr id="9" name="직사각형 8">
+            <a:extLst>
+              <a:ext uri="{FF2B5EF4-FFF2-40B4-BE49-F238E27FC236}">
+                <a16:creationId xmlns:a16="http://schemas.microsoft.com/office/drawing/2014/main" id="{565A82FD-A19C-491A-943D-4981B534B7DE}"/>
+              </a:ext>
+            </a:extLst>
+          </p:cNvPr>
+          <p:cNvSpPr/>
+          <p:nvPr/>
+        </p:nvSpPr>
+        <p:spPr>
+          <a:xfrm>
+            <a:off x="5708529" y="3855454"/>
+            <a:ext cx="1414732" cy="511624"/>
+          </a:xfrm>
+          <a:prstGeom prst="rect">
+            <a:avLst/>
+          </a:prstGeom>
+          <a:solidFill>
+            <a:srgbClr val="00B0F0"/>
+          </a:solidFill>
+        </p:spPr>
+        <p:style>
+          <a:lnRef idx="2">
+            <a:schemeClr val="accent1">
+              <a:shade val="15000"/>
+            </a:schemeClr>
+          </a:lnRef>
+          <a:fillRef idx="1">
+            <a:schemeClr val="accent1"/>
+          </a:fillRef>
+          <a:effectRef idx="0">
+            <a:schemeClr val="accent1"/>
+          </a:effectRef>
+          <a:fontRef idx="minor">
+            <a:schemeClr val="lt1"/>
+          </a:fontRef>
+        </p:style>
+        <p:txBody>
+          <a:bodyPr rtlCol="0" anchor="ctr"/>
+          <a:lstStyle/>
+          <a:p>
+            <a:pPr algn="ctr"/>
+            <a:endParaRPr kumimoji="1" lang="ko-Kore-KR" altLang="en-US" dirty="0">
+              <a:solidFill>
+                <a:schemeClr val="tx1"/>
+              </a:solidFill>
+              <a:latin typeface="DM Mono" panose="020B0509040201040103" pitchFamily="49" charset="0"/>
+            </a:endParaRPr>
+          </a:p>
+        </p:txBody>
+      </p:sp>
+      <p:sp>
+        <p:nvSpPr>
+          <p:cNvPr id="10" name="TextBox 9">
+            <a:extLst>
+              <a:ext uri="{FF2B5EF4-FFF2-40B4-BE49-F238E27FC236}">
+                <a16:creationId xmlns:a16="http://schemas.microsoft.com/office/drawing/2014/main" id="{FC7B583B-9710-4DC2-9C13-82D2C32CCB61}"/>
+              </a:ext>
+            </a:extLst>
+          </p:cNvPr>
+          <p:cNvSpPr txBox="1"/>
+          <p:nvPr/>
+        </p:nvSpPr>
+        <p:spPr>
+          <a:xfrm>
+            <a:off x="4701395" y="3926600"/>
+            <a:ext cx="1007133" cy="369332"/>
+          </a:xfrm>
+          <a:prstGeom prst="rect">
+            <a:avLst/>
+          </a:prstGeom>
+          <a:noFill/>
+        </p:spPr>
+        <p:txBody>
+          <a:bodyPr wrap="square">
+            <a:spAutoFit/>
+          </a:bodyPr>
+          <a:lstStyle/>
+          <a:p>
+            <a:pPr algn="r"/>
+            <a:r>
+              <a:rPr lang="en-US" altLang="ko-Kore-KR" dirty="0">
+                <a:latin typeface="DM Mono" panose="020B0509040201040103" pitchFamily="49" charset="0"/>
+              </a:rPr>
+              <a:t>color</a:t>
+            </a:r>
+            <a:endParaRPr lang="ko-Kore-KR" altLang="en-US" dirty="0"/>
+          </a:p>
+        </p:txBody>
+      </p:sp>
+      <p:sp>
+        <p:nvSpPr>
+          <p:cNvPr id="16" name="직사각형 15">
+            <a:extLst>
+              <a:ext uri="{FF2B5EF4-FFF2-40B4-BE49-F238E27FC236}">
+                <a16:creationId xmlns:a16="http://schemas.microsoft.com/office/drawing/2014/main" id="{0C12B450-F67E-3706-4B6B-BF123990BB3F}"/>
+              </a:ext>
+            </a:extLst>
+          </p:cNvPr>
+          <p:cNvSpPr/>
+          <p:nvPr/>
+        </p:nvSpPr>
+        <p:spPr>
+          <a:xfrm>
+            <a:off x="5708529" y="4367078"/>
+            <a:ext cx="1414732" cy="511624"/>
+          </a:xfrm>
+          <a:prstGeom prst="rect">
+            <a:avLst/>
+          </a:prstGeom>
+          <a:solidFill>
+            <a:srgbClr val="00B0F0"/>
+          </a:solidFill>
+        </p:spPr>
+        <p:style>
+          <a:lnRef idx="2">
+            <a:schemeClr val="accent1">
+              <a:shade val="15000"/>
+            </a:schemeClr>
+          </a:lnRef>
+          <a:fillRef idx="1">
+            <a:schemeClr val="accent1"/>
+          </a:fillRef>
+          <a:effectRef idx="0">
+            <a:schemeClr val="accent1"/>
+          </a:effectRef>
+          <a:fontRef idx="minor">
+            <a:schemeClr val="lt1"/>
+          </a:fontRef>
+        </p:style>
+        <p:txBody>
+          <a:bodyPr rtlCol="0" anchor="ctr"/>
+          <a:lstStyle/>
+          <a:p>
+            <a:pPr algn="ctr"/>
+            <a:endParaRPr kumimoji="1" lang="ko-Kore-KR" altLang="en-US" dirty="0">
+              <a:solidFill>
+                <a:schemeClr val="tx1"/>
+              </a:solidFill>
+              <a:latin typeface="DM Mono" panose="020B0509040201040103" pitchFamily="49" charset="0"/>
+            </a:endParaRPr>
+          </a:p>
+        </p:txBody>
+      </p:sp>
+      <p:sp>
+        <p:nvSpPr>
+          <p:cNvPr id="17" name="TextBox 16">
+            <a:extLst>
+              <a:ext uri="{FF2B5EF4-FFF2-40B4-BE49-F238E27FC236}">
+                <a16:creationId xmlns:a16="http://schemas.microsoft.com/office/drawing/2014/main" id="{AFE04BFD-A2EC-88F4-C3B9-47E9B792092F}"/>
+              </a:ext>
+            </a:extLst>
+          </p:cNvPr>
+          <p:cNvSpPr txBox="1"/>
+          <p:nvPr/>
+        </p:nvSpPr>
+        <p:spPr>
+          <a:xfrm>
+            <a:off x="4701395" y="4438224"/>
+            <a:ext cx="1007133" cy="369332"/>
+          </a:xfrm>
+          <a:prstGeom prst="rect">
+            <a:avLst/>
+          </a:prstGeom>
+          <a:noFill/>
+        </p:spPr>
+        <p:txBody>
+          <a:bodyPr wrap="square">
+            <a:spAutoFit/>
+          </a:bodyPr>
+          <a:lstStyle/>
+          <a:p>
+            <a:pPr algn="r"/>
+            <a:r>
+              <a:rPr lang="en-US" altLang="ko-Kore-KR" dirty="0">
+                <a:latin typeface="DM Mono" panose="020B0509040201040103" pitchFamily="49" charset="0"/>
+              </a:rPr>
+              <a:t>age</a:t>
+            </a:r>
+            <a:endParaRPr lang="ko-Kore-KR" altLang="en-US" dirty="0"/>
+          </a:p>
+        </p:txBody>
+      </p:sp>
+      <p:sp>
+        <p:nvSpPr>
+          <p:cNvPr id="18" name="직사각형 17">
+            <a:extLst>
+              <a:ext uri="{FF2B5EF4-FFF2-40B4-BE49-F238E27FC236}">
+                <a16:creationId xmlns:a16="http://schemas.microsoft.com/office/drawing/2014/main" id="{F92B7180-E17F-15FC-B970-E1A3949BFDE2}"/>
+              </a:ext>
+            </a:extLst>
+          </p:cNvPr>
+          <p:cNvSpPr/>
+          <p:nvPr/>
+        </p:nvSpPr>
+        <p:spPr>
+          <a:xfrm>
+            <a:off x="5708529" y="4878702"/>
+            <a:ext cx="1414732" cy="511624"/>
+          </a:xfrm>
+          <a:prstGeom prst="rect">
+            <a:avLst/>
+          </a:prstGeom>
+          <a:solidFill>
+            <a:srgbClr val="FFFF00"/>
+          </a:solidFill>
+        </p:spPr>
+        <p:style>
+          <a:lnRef idx="2">
+            <a:schemeClr val="accent1">
+              <a:shade val="15000"/>
+            </a:schemeClr>
+          </a:lnRef>
+          <a:fillRef idx="1">
+            <a:schemeClr val="accent1"/>
+          </a:fillRef>
+          <a:effectRef idx="0">
+            <a:schemeClr val="accent1"/>
+          </a:effectRef>
+          <a:fontRef idx="minor">
+            <a:schemeClr val="lt1"/>
+          </a:fontRef>
+        </p:style>
+        <p:txBody>
+          <a:bodyPr rtlCol="0" anchor="ctr"/>
+          <a:lstStyle/>
+          <a:p>
+            <a:pPr algn="ctr"/>
+            <a:endParaRPr kumimoji="1" lang="ko-Kore-KR" altLang="en-US" dirty="0">
+              <a:solidFill>
+                <a:schemeClr val="tx1"/>
+              </a:solidFill>
+              <a:latin typeface="DM Mono" panose="020B0509040201040103" pitchFamily="49" charset="0"/>
+            </a:endParaRPr>
+          </a:p>
+        </p:txBody>
+      </p:sp>
+      <p:sp>
+        <p:nvSpPr>
+          <p:cNvPr id="19" name="TextBox 18">
+            <a:extLst>
+              <a:ext uri="{FF2B5EF4-FFF2-40B4-BE49-F238E27FC236}">
+                <a16:creationId xmlns:a16="http://schemas.microsoft.com/office/drawing/2014/main" id="{DCDAFBE2-BC45-5CEA-080E-AA6FB3F5E634}"/>
+              </a:ext>
+            </a:extLst>
+          </p:cNvPr>
+          <p:cNvSpPr txBox="1"/>
+          <p:nvPr/>
+        </p:nvSpPr>
+        <p:spPr>
+          <a:xfrm>
+            <a:off x="4701395" y="4949848"/>
+            <a:ext cx="1007133" cy="369332"/>
+          </a:xfrm>
+          <a:prstGeom prst="rect">
+            <a:avLst/>
+          </a:prstGeom>
+          <a:noFill/>
+        </p:spPr>
+        <p:txBody>
+          <a:bodyPr wrap="square">
+            <a:spAutoFit/>
+          </a:bodyPr>
+          <a:lstStyle/>
+          <a:p>
+            <a:pPr algn="r"/>
+            <a:r>
+              <a:rPr lang="en-US" altLang="ko-Kore-KR" dirty="0">
+                <a:latin typeface="DM Mono" panose="020B0509040201040103" pitchFamily="49" charset="0"/>
+              </a:rPr>
+              <a:t>owner</a:t>
+            </a:r>
+            <a:endParaRPr lang="ko-Kore-KR" altLang="en-US" dirty="0"/>
+          </a:p>
+        </p:txBody>
+      </p:sp>
+      <p:sp>
+        <p:nvSpPr>
+          <p:cNvPr id="20" name="직사각형 19">
+            <a:extLst>
+              <a:ext uri="{FF2B5EF4-FFF2-40B4-BE49-F238E27FC236}">
+                <a16:creationId xmlns:a16="http://schemas.microsoft.com/office/drawing/2014/main" id="{8946EE77-8E36-30F7-1999-AE74CA7A505C}"/>
+              </a:ext>
+            </a:extLst>
+          </p:cNvPr>
+          <p:cNvSpPr/>
+          <p:nvPr/>
+        </p:nvSpPr>
+        <p:spPr>
+          <a:xfrm>
+            <a:off x="9260458" y="3343830"/>
+            <a:ext cx="1414732" cy="511624"/>
+          </a:xfrm>
+          <a:prstGeom prst="rect">
+            <a:avLst/>
+          </a:prstGeom>
+          <a:solidFill>
+            <a:srgbClr val="00B0F0"/>
+          </a:solidFill>
+        </p:spPr>
+        <p:style>
+          <a:lnRef idx="2">
+            <a:schemeClr val="accent1">
+              <a:shade val="15000"/>
+            </a:schemeClr>
+          </a:lnRef>
+          <a:fillRef idx="1">
+            <a:schemeClr val="accent1"/>
+          </a:fillRef>
+          <a:effectRef idx="0">
+            <a:schemeClr val="accent1"/>
+          </a:effectRef>
+          <a:fontRef idx="minor">
+            <a:schemeClr val="lt1"/>
+          </a:fontRef>
+        </p:style>
+        <p:txBody>
+          <a:bodyPr rtlCol="0" anchor="ctr"/>
+          <a:lstStyle/>
+          <a:p>
+            <a:pPr algn="ctr"/>
+            <a:endParaRPr kumimoji="1" lang="ko-Kore-KR" altLang="en-US" dirty="0">
+              <a:solidFill>
+                <a:schemeClr val="tx1"/>
+              </a:solidFill>
+              <a:latin typeface="DM Mono" panose="020B0509040201040103" pitchFamily="49" charset="0"/>
+            </a:endParaRPr>
+          </a:p>
+        </p:txBody>
+      </p:sp>
+      <p:sp>
+        <p:nvSpPr>
+          <p:cNvPr id="21" name="TextBox 20">
+            <a:extLst>
+              <a:ext uri="{FF2B5EF4-FFF2-40B4-BE49-F238E27FC236}">
+                <a16:creationId xmlns:a16="http://schemas.microsoft.com/office/drawing/2014/main" id="{BF11E9D7-9947-A3D8-B75D-A40BD6CF480A}"/>
+              </a:ext>
+            </a:extLst>
+          </p:cNvPr>
+          <p:cNvSpPr txBox="1"/>
+          <p:nvPr/>
+        </p:nvSpPr>
+        <p:spPr>
+          <a:xfrm>
+            <a:off x="9383386" y="2974498"/>
+            <a:ext cx="1164566" cy="369332"/>
+          </a:xfrm>
+          <a:prstGeom prst="rect">
+            <a:avLst/>
+          </a:prstGeom>
+          <a:noFill/>
+        </p:spPr>
+        <p:txBody>
+          <a:bodyPr wrap="square">
+            <a:spAutoFit/>
+          </a:bodyPr>
+          <a:lstStyle/>
+          <a:p>
+            <a:pPr algn="ctr"/>
+            <a:r>
+              <a:rPr lang="en-US" altLang="ko-Kore-KR" dirty="0">
+                <a:latin typeface="DM Mono" panose="020B0509040201040103" pitchFamily="49" charset="0"/>
+              </a:rPr>
+              <a:t>Cat c</a:t>
+            </a:r>
+            <a:endParaRPr lang="ko-Kore-KR" altLang="en-US" dirty="0"/>
+          </a:p>
+        </p:txBody>
+      </p:sp>
+      <p:sp>
+        <p:nvSpPr>
+          <p:cNvPr id="22" name="TextBox 21">
+            <a:extLst>
+              <a:ext uri="{FF2B5EF4-FFF2-40B4-BE49-F238E27FC236}">
+                <a16:creationId xmlns:a16="http://schemas.microsoft.com/office/drawing/2014/main" id="{81204A8D-B0D5-E316-CC37-934201436418}"/>
+              </a:ext>
+            </a:extLst>
+          </p:cNvPr>
+          <p:cNvSpPr txBox="1"/>
+          <p:nvPr/>
+        </p:nvSpPr>
+        <p:spPr>
+          <a:xfrm>
+            <a:off x="8253324" y="3414976"/>
+            <a:ext cx="1007133" cy="369332"/>
+          </a:xfrm>
+          <a:prstGeom prst="rect">
+            <a:avLst/>
+          </a:prstGeom>
+          <a:noFill/>
+        </p:spPr>
+        <p:txBody>
+          <a:bodyPr wrap="square">
+            <a:spAutoFit/>
+          </a:bodyPr>
+          <a:lstStyle/>
+          <a:p>
+            <a:pPr algn="r"/>
+            <a:r>
+              <a:rPr lang="en-US" altLang="ko-Kore-KR" dirty="0">
+                <a:latin typeface="DM Mono" panose="020B0509040201040103" pitchFamily="49" charset="0"/>
+              </a:rPr>
+              <a:t>name</a:t>
+            </a:r>
+            <a:endParaRPr lang="ko-Kore-KR" altLang="en-US" dirty="0"/>
+          </a:p>
+        </p:txBody>
+      </p:sp>
+      <p:sp>
+        <p:nvSpPr>
+          <p:cNvPr id="23" name="직사각형 22">
+            <a:extLst>
+              <a:ext uri="{FF2B5EF4-FFF2-40B4-BE49-F238E27FC236}">
+                <a16:creationId xmlns:a16="http://schemas.microsoft.com/office/drawing/2014/main" id="{88D20976-76CF-C221-1333-FA6BBE995BD1}"/>
+              </a:ext>
+            </a:extLst>
+          </p:cNvPr>
+          <p:cNvSpPr/>
+          <p:nvPr/>
+        </p:nvSpPr>
+        <p:spPr>
+          <a:xfrm>
+            <a:off x="9260458" y="3855454"/>
+            <a:ext cx="1414732" cy="511624"/>
+          </a:xfrm>
+          <a:prstGeom prst="rect">
+            <a:avLst/>
+          </a:prstGeom>
+          <a:solidFill>
+            <a:srgbClr val="00B0F0"/>
+          </a:solidFill>
+        </p:spPr>
+        <p:style>
+          <a:lnRef idx="2">
+            <a:schemeClr val="accent1">
+              <a:shade val="15000"/>
+            </a:schemeClr>
+          </a:lnRef>
+          <a:fillRef idx="1">
+            <a:schemeClr val="accent1"/>
+          </a:fillRef>
+          <a:effectRef idx="0">
+            <a:schemeClr val="accent1"/>
+          </a:effectRef>
+          <a:fontRef idx="minor">
+            <a:schemeClr val="lt1"/>
+          </a:fontRef>
+        </p:style>
+        <p:txBody>
+          <a:bodyPr rtlCol="0" anchor="ctr"/>
+          <a:lstStyle/>
+          <a:p>
+            <a:pPr algn="ctr"/>
+            <a:endParaRPr kumimoji="1" lang="ko-Kore-KR" altLang="en-US" dirty="0">
+              <a:solidFill>
+                <a:schemeClr val="tx1"/>
+              </a:solidFill>
+              <a:latin typeface="DM Mono" panose="020B0509040201040103" pitchFamily="49" charset="0"/>
+            </a:endParaRPr>
+          </a:p>
+        </p:txBody>
+      </p:sp>
+      <p:sp>
+        <p:nvSpPr>
+          <p:cNvPr id="24" name="TextBox 23">
+            <a:extLst>
+              <a:ext uri="{FF2B5EF4-FFF2-40B4-BE49-F238E27FC236}">
+                <a16:creationId xmlns:a16="http://schemas.microsoft.com/office/drawing/2014/main" id="{C105F3EF-2A8E-F577-083B-430B342436FB}"/>
+              </a:ext>
+            </a:extLst>
+          </p:cNvPr>
+          <p:cNvSpPr txBox="1"/>
+          <p:nvPr/>
+        </p:nvSpPr>
+        <p:spPr>
+          <a:xfrm>
+            <a:off x="8253324" y="3926600"/>
+            <a:ext cx="1007133" cy="369332"/>
+          </a:xfrm>
+          <a:prstGeom prst="rect">
+            <a:avLst/>
+          </a:prstGeom>
+          <a:noFill/>
+        </p:spPr>
+        <p:txBody>
+          <a:bodyPr wrap="square">
+            <a:spAutoFit/>
+          </a:bodyPr>
+          <a:lstStyle/>
+          <a:p>
+            <a:pPr algn="r"/>
+            <a:r>
+              <a:rPr lang="en-US" altLang="ko-Kore-KR" dirty="0">
+                <a:latin typeface="DM Mono" panose="020B0509040201040103" pitchFamily="49" charset="0"/>
+              </a:rPr>
+              <a:t>color</a:t>
+            </a:r>
+            <a:endParaRPr lang="ko-Kore-KR" altLang="en-US" dirty="0"/>
+          </a:p>
+        </p:txBody>
+      </p:sp>
+      <p:sp>
+        <p:nvSpPr>
+          <p:cNvPr id="25" name="직사각형 24">
+            <a:extLst>
+              <a:ext uri="{FF2B5EF4-FFF2-40B4-BE49-F238E27FC236}">
+                <a16:creationId xmlns:a16="http://schemas.microsoft.com/office/drawing/2014/main" id="{29890AB5-0B5C-0B78-E916-785DFEAB2908}"/>
+              </a:ext>
+            </a:extLst>
+          </p:cNvPr>
+          <p:cNvSpPr/>
+          <p:nvPr/>
+        </p:nvSpPr>
+        <p:spPr>
+          <a:xfrm>
+            <a:off x="9260458" y="4367078"/>
+            <a:ext cx="1414732" cy="511624"/>
+          </a:xfrm>
+          <a:prstGeom prst="rect">
+            <a:avLst/>
+          </a:prstGeom>
+          <a:solidFill>
+            <a:srgbClr val="00B0F0"/>
+          </a:solidFill>
+        </p:spPr>
+        <p:style>
+          <a:lnRef idx="2">
+            <a:schemeClr val="accent1">
+              <a:shade val="15000"/>
+            </a:schemeClr>
+          </a:lnRef>
+          <a:fillRef idx="1">
+            <a:schemeClr val="accent1"/>
+          </a:fillRef>
+          <a:effectRef idx="0">
+            <a:schemeClr val="accent1"/>
+          </a:effectRef>
+          <a:fontRef idx="minor">
+            <a:schemeClr val="lt1"/>
+          </a:fontRef>
+        </p:style>
+        <p:txBody>
+          <a:bodyPr rtlCol="0" anchor="ctr"/>
+          <a:lstStyle/>
+          <a:p>
+            <a:pPr algn="ctr"/>
+            <a:endParaRPr kumimoji="1" lang="ko-Kore-KR" altLang="en-US" dirty="0">
+              <a:solidFill>
+                <a:schemeClr val="tx1"/>
+              </a:solidFill>
+              <a:latin typeface="DM Mono" panose="020B0509040201040103" pitchFamily="49" charset="0"/>
+            </a:endParaRPr>
+          </a:p>
+        </p:txBody>
+      </p:sp>
+      <p:sp>
+        <p:nvSpPr>
+          <p:cNvPr id="26" name="TextBox 25">
+            <a:extLst>
+              <a:ext uri="{FF2B5EF4-FFF2-40B4-BE49-F238E27FC236}">
+                <a16:creationId xmlns:a16="http://schemas.microsoft.com/office/drawing/2014/main" id="{E37D3B5E-C6C8-A45E-724E-28740619A3D7}"/>
+              </a:ext>
+            </a:extLst>
+          </p:cNvPr>
+          <p:cNvSpPr txBox="1"/>
+          <p:nvPr/>
+        </p:nvSpPr>
+        <p:spPr>
+          <a:xfrm>
+            <a:off x="8253324" y="4438224"/>
+            <a:ext cx="1007133" cy="369332"/>
+          </a:xfrm>
+          <a:prstGeom prst="rect">
+            <a:avLst/>
+          </a:prstGeom>
+          <a:noFill/>
+        </p:spPr>
+        <p:txBody>
+          <a:bodyPr wrap="square">
+            <a:spAutoFit/>
+          </a:bodyPr>
+          <a:lstStyle/>
+          <a:p>
+            <a:pPr algn="r"/>
+            <a:r>
+              <a:rPr lang="en-US" altLang="ko-Kore-KR" dirty="0">
+                <a:latin typeface="DM Mono" panose="020B0509040201040103" pitchFamily="49" charset="0"/>
+              </a:rPr>
+              <a:t>age</a:t>
+            </a:r>
+            <a:endParaRPr lang="ko-Kore-KR" altLang="en-US" dirty="0"/>
+          </a:p>
+        </p:txBody>
+      </p:sp>
+      <p:sp>
+        <p:nvSpPr>
+          <p:cNvPr id="27" name="직사각형 26">
+            <a:extLst>
+              <a:ext uri="{FF2B5EF4-FFF2-40B4-BE49-F238E27FC236}">
+                <a16:creationId xmlns:a16="http://schemas.microsoft.com/office/drawing/2014/main" id="{C729FEAF-2B97-0BA1-7290-78BBFE057356}"/>
+              </a:ext>
+            </a:extLst>
+          </p:cNvPr>
+          <p:cNvSpPr/>
+          <p:nvPr/>
+        </p:nvSpPr>
+        <p:spPr>
+          <a:xfrm>
+            <a:off x="9260458" y="4878702"/>
+            <a:ext cx="1414732" cy="511624"/>
+          </a:xfrm>
+          <a:prstGeom prst="rect">
+            <a:avLst/>
+          </a:prstGeom>
+          <a:solidFill>
+            <a:srgbClr val="FFFF00"/>
+          </a:solidFill>
+        </p:spPr>
+        <p:style>
+          <a:lnRef idx="2">
+            <a:schemeClr val="accent1">
+              <a:shade val="15000"/>
+            </a:schemeClr>
+          </a:lnRef>
+          <a:fillRef idx="1">
+            <a:schemeClr val="accent1"/>
+          </a:fillRef>
+          <a:effectRef idx="0">
+            <a:schemeClr val="accent1"/>
+          </a:effectRef>
+          <a:fontRef idx="minor">
+            <a:schemeClr val="lt1"/>
+          </a:fontRef>
+        </p:style>
+        <p:txBody>
+          <a:bodyPr rtlCol="0" anchor="ctr"/>
+          <a:lstStyle/>
+          <a:p>
+            <a:pPr algn="ctr"/>
+            <a:endParaRPr kumimoji="1" lang="ko-Kore-KR" altLang="en-US" dirty="0">
+              <a:solidFill>
+                <a:schemeClr val="tx1"/>
+              </a:solidFill>
+              <a:latin typeface="DM Mono" panose="020B0509040201040103" pitchFamily="49" charset="0"/>
+            </a:endParaRPr>
+          </a:p>
+        </p:txBody>
+      </p:sp>
+      <p:sp>
+        <p:nvSpPr>
+          <p:cNvPr id="28" name="TextBox 27">
+            <a:extLst>
+              <a:ext uri="{FF2B5EF4-FFF2-40B4-BE49-F238E27FC236}">
+                <a16:creationId xmlns:a16="http://schemas.microsoft.com/office/drawing/2014/main" id="{F2C61F48-890E-553E-8A3A-97CA4D4444A3}"/>
+              </a:ext>
+            </a:extLst>
+          </p:cNvPr>
+          <p:cNvSpPr txBox="1"/>
+          <p:nvPr/>
+        </p:nvSpPr>
+        <p:spPr>
+          <a:xfrm>
+            <a:off x="8253324" y="4949848"/>
+            <a:ext cx="1007133" cy="369332"/>
+          </a:xfrm>
+          <a:prstGeom prst="rect">
+            <a:avLst/>
+          </a:prstGeom>
+          <a:noFill/>
+        </p:spPr>
+        <p:txBody>
+          <a:bodyPr wrap="square">
+            <a:spAutoFit/>
+          </a:bodyPr>
+          <a:lstStyle/>
+          <a:p>
+            <a:pPr algn="r"/>
+            <a:r>
+              <a:rPr lang="en-US" altLang="ko-Kore-KR" dirty="0">
+                <a:latin typeface="DM Mono" panose="020B0509040201040103" pitchFamily="49" charset="0"/>
+              </a:rPr>
+              <a:t>speed</a:t>
+            </a:r>
+            <a:endParaRPr lang="ko-Kore-KR" altLang="en-US" dirty="0"/>
+          </a:p>
+        </p:txBody>
+      </p:sp>
+      <p:sp>
+        <p:nvSpPr>
+          <p:cNvPr id="2" name="오른쪽 중괄호[R] 1">
+            <a:extLst>
+              <a:ext uri="{FF2B5EF4-FFF2-40B4-BE49-F238E27FC236}">
+                <a16:creationId xmlns:a16="http://schemas.microsoft.com/office/drawing/2014/main" id="{58D944E5-2FEE-0C23-2EE2-DD521CB86532}"/>
+              </a:ext>
+            </a:extLst>
+          </p:cNvPr>
+          <p:cNvSpPr/>
+          <p:nvPr/>
+        </p:nvSpPr>
+        <p:spPr>
+          <a:xfrm>
+            <a:off x="7341078" y="3414976"/>
+            <a:ext cx="258793" cy="1392580"/>
+          </a:xfrm>
+          <a:prstGeom prst="rightBrace">
+            <a:avLst/>
+          </a:prstGeom>
+          <a:ln>
+            <a:tailEnd type="triangle"/>
+          </a:ln>
+        </p:spPr>
+        <p:style>
+          <a:lnRef idx="1">
+            <a:schemeClr val="dk1"/>
+          </a:lnRef>
+          <a:fillRef idx="0">
+            <a:schemeClr val="dk1"/>
+          </a:fillRef>
+          <a:effectRef idx="0">
+            <a:schemeClr val="dk1"/>
+          </a:effectRef>
+          <a:fontRef idx="minor">
+            <a:schemeClr val="tx1"/>
+          </a:fontRef>
+        </p:style>
+        <p:txBody>
+          <a:bodyPr rtlCol="0" anchor="ctr"/>
+          <a:lstStyle/>
+          <a:p>
+            <a:pPr algn="ctr"/>
+            <a:endParaRPr kumimoji="1" lang="ko-Kore-KR" altLang="en-US"/>
+          </a:p>
+        </p:txBody>
+      </p:sp>
+      <p:sp>
+        <p:nvSpPr>
+          <p:cNvPr id="4" name="TextBox 3">
+            <a:extLst>
+              <a:ext uri="{FF2B5EF4-FFF2-40B4-BE49-F238E27FC236}">
+                <a16:creationId xmlns:a16="http://schemas.microsoft.com/office/drawing/2014/main" id="{42201B02-F458-2636-CA9E-52304A49760D}"/>
+              </a:ext>
+            </a:extLst>
+          </p:cNvPr>
+          <p:cNvSpPr txBox="1"/>
+          <p:nvPr/>
+        </p:nvSpPr>
+        <p:spPr>
+          <a:xfrm>
+            <a:off x="7470474" y="3972766"/>
+            <a:ext cx="1024386" cy="276999"/>
+          </a:xfrm>
+          <a:prstGeom prst="rect">
+            <a:avLst/>
+          </a:prstGeom>
+          <a:noFill/>
+        </p:spPr>
+        <p:txBody>
+          <a:bodyPr wrap="square">
+            <a:spAutoFit/>
+          </a:bodyPr>
+          <a:lstStyle/>
+          <a:p>
+            <a:pPr algn="ctr"/>
+            <a:r>
+              <a:rPr lang="en-US" altLang="ko-Kore-KR" sz="1200" dirty="0">
+                <a:latin typeface="DM Mono" panose="020B0509040201040103" pitchFamily="49" charset="0"/>
+              </a:rPr>
+              <a:t>Animal</a:t>
+            </a:r>
+            <a:endParaRPr lang="ko-Kore-KR" altLang="en-US" sz="1200" dirty="0"/>
+          </a:p>
+        </p:txBody>
+      </p:sp>
+      <p:sp>
+        <p:nvSpPr>
+          <p:cNvPr id="11" name="오른쪽 중괄호[R] 10">
+            <a:extLst>
+              <a:ext uri="{FF2B5EF4-FFF2-40B4-BE49-F238E27FC236}">
+                <a16:creationId xmlns:a16="http://schemas.microsoft.com/office/drawing/2014/main" id="{B1CF85CE-28EF-B31F-7390-329114ADC1F8}"/>
+              </a:ext>
+            </a:extLst>
+          </p:cNvPr>
+          <p:cNvSpPr/>
+          <p:nvPr/>
+        </p:nvSpPr>
+        <p:spPr>
+          <a:xfrm>
+            <a:off x="10791648" y="3414976"/>
+            <a:ext cx="258793" cy="1392580"/>
+          </a:xfrm>
+          <a:prstGeom prst="rightBrace">
+            <a:avLst/>
+          </a:prstGeom>
+          <a:ln>
+            <a:tailEnd type="triangle"/>
+          </a:ln>
+        </p:spPr>
+        <p:style>
+          <a:lnRef idx="1">
+            <a:schemeClr val="dk1"/>
+          </a:lnRef>
+          <a:fillRef idx="0">
+            <a:schemeClr val="dk1"/>
+          </a:fillRef>
+          <a:effectRef idx="0">
+            <a:schemeClr val="dk1"/>
+          </a:effectRef>
+          <a:fontRef idx="minor">
+            <a:schemeClr val="tx1"/>
+          </a:fontRef>
+        </p:style>
+        <p:txBody>
+          <a:bodyPr rtlCol="0" anchor="ctr"/>
+          <a:lstStyle/>
+          <a:p>
+            <a:pPr algn="ctr"/>
+            <a:endParaRPr kumimoji="1" lang="ko-Kore-KR" altLang="en-US"/>
+          </a:p>
+        </p:txBody>
+      </p:sp>
+      <p:sp>
+        <p:nvSpPr>
+          <p:cNvPr id="12" name="TextBox 11">
+            <a:extLst>
+              <a:ext uri="{FF2B5EF4-FFF2-40B4-BE49-F238E27FC236}">
+                <a16:creationId xmlns:a16="http://schemas.microsoft.com/office/drawing/2014/main" id="{9AADAD38-BDA4-47E5-4D5D-09A89D01E58D}"/>
+              </a:ext>
+            </a:extLst>
+          </p:cNvPr>
+          <p:cNvSpPr txBox="1"/>
+          <p:nvPr/>
+        </p:nvSpPr>
+        <p:spPr>
+          <a:xfrm>
+            <a:off x="10921044" y="3972766"/>
+            <a:ext cx="1024386" cy="276999"/>
+          </a:xfrm>
+          <a:prstGeom prst="rect">
+            <a:avLst/>
+          </a:prstGeom>
+          <a:noFill/>
+        </p:spPr>
+        <p:txBody>
+          <a:bodyPr wrap="square">
+            <a:spAutoFit/>
+          </a:bodyPr>
+          <a:lstStyle/>
+          <a:p>
+            <a:pPr algn="ctr"/>
+            <a:r>
+              <a:rPr lang="en-US" altLang="ko-Kore-KR" sz="1200" dirty="0">
+                <a:latin typeface="DM Mono" panose="020B0509040201040103" pitchFamily="49" charset="0"/>
+              </a:rPr>
+              <a:t>Animal</a:t>
+            </a:r>
+            <a:endParaRPr lang="ko-Kore-KR" altLang="en-US" sz="1200" dirty="0"/>
+          </a:p>
+        </p:txBody>
+      </p:sp>
+    </p:spTree>
+    <p:extLst>
+      <p:ext uri="{BB962C8B-B14F-4D97-AF65-F5344CB8AC3E}">
+        <p14:creationId xmlns:p14="http://schemas.microsoft.com/office/powerpoint/2010/main" val="3107837036"/>
       </p:ext>
     </p:extLst>
   </p:cSld>

--- a/230619.pptx
+++ b/230619.pptx
@@ -19262,6 +19262,9 @@
           <a:p>
             <a:r>
               <a:rPr lang="en" altLang="ko-Kore-KR" dirty="0">
+                <a:solidFill>
+                  <a:srgbClr val="0070C0"/>
+                </a:solidFill>
                 <a:latin typeface="DM Mono" panose="020B0509040201040103" pitchFamily="49" charset="0"/>
               </a:rPr>
               <a:t>    string name;</a:t>
@@ -19270,6 +19273,9 @@
           <a:p>
             <a:r>
               <a:rPr lang="en" altLang="ko-Kore-KR" dirty="0">
+                <a:solidFill>
+                  <a:srgbClr val="0070C0"/>
+                </a:solidFill>
                 <a:latin typeface="DM Mono" panose="020B0509040201040103" pitchFamily="49" charset="0"/>
               </a:rPr>
               <a:t>    int color;</a:t>
@@ -19278,9 +19284,18 @@
           <a:p>
             <a:r>
               <a:rPr lang="en" altLang="ko-Kore-KR" dirty="0">
-                <a:latin typeface="DM Mono" panose="020B0509040201040103" pitchFamily="49" charset="0"/>
-              </a:rPr>
-              <a:t>    int age;</a:t>
+                <a:solidFill>
+                  <a:srgbClr val="0070C0"/>
+                </a:solidFill>
+                <a:latin typeface="DM Mono" panose="020B0509040201040103" pitchFamily="49" charset="0"/>
+              </a:rPr>
+              <a:t>    int age</a:t>
+            </a:r>
+            <a:r>
+              <a:rPr lang="en" altLang="ko-Kore-KR" dirty="0">
+                <a:latin typeface="DM Mono" panose="020B0509040201040103" pitchFamily="49" charset="0"/>
+              </a:rPr>
+              <a:t>;</a:t>
             </a:r>
           </a:p>
           <a:p>

--- a/230619.pptx
+++ b/230619.pptx
@@ -5798,7 +5798,7 @@
           <a:solidFill>
             <a:srgbClr val="FFFF00"/>
           </a:solidFill>
-          <a:ln>
+          <a:ln w="38100">
             <a:solidFill>
               <a:srgbClr val="FF0000"/>
             </a:solidFill>

--- a/230619.pptx
+++ b/230619.pptx
@@ -19316,7 +19316,22 @@
               <a:rPr lang="en" altLang="ko-Kore-KR" dirty="0">
                 <a:latin typeface="DM Mono" panose="020B0509040201040103" pitchFamily="49" charset="0"/>
               </a:rPr>
-              <a:t>class Dog : public Animal {</a:t>
+              <a:t>class Dog </a:t>
+            </a:r>
+            <a:r>
+              <a:rPr lang="en" altLang="ko-Kore-KR" dirty="0">
+                <a:solidFill>
+                  <a:srgbClr val="0070C0"/>
+                </a:solidFill>
+                <a:latin typeface="DM Mono" panose="020B0509040201040103" pitchFamily="49" charset="0"/>
+              </a:rPr>
+              <a:t>: public Animal </a:t>
+            </a:r>
+            <a:r>
+              <a:rPr lang="en" altLang="ko-Kore-KR" dirty="0">
+                <a:latin typeface="DM Mono" panose="020B0509040201040103" pitchFamily="49" charset="0"/>
+              </a:rPr>
+              <a:t>{</a:t>
             </a:r>
           </a:p>
           <a:p>
@@ -19345,7 +19360,22 @@
               <a:rPr lang="en" altLang="ko-Kore-KR" dirty="0">
                 <a:latin typeface="DM Mono" panose="020B0509040201040103" pitchFamily="49" charset="0"/>
               </a:rPr>
-              <a:t>class Cat : public Animal {</a:t>
+              <a:t>class Cat </a:t>
+            </a:r>
+            <a:r>
+              <a:rPr lang="en" altLang="ko-Kore-KR" dirty="0">
+                <a:solidFill>
+                  <a:srgbClr val="0070C0"/>
+                </a:solidFill>
+                <a:latin typeface="DM Mono" panose="020B0509040201040103" pitchFamily="49" charset="0"/>
+              </a:rPr>
+              <a:t>: public Animal </a:t>
+            </a:r>
+            <a:r>
+              <a:rPr lang="en" altLang="ko-Kore-KR" dirty="0">
+                <a:latin typeface="DM Mono" panose="020B0509040201040103" pitchFamily="49" charset="0"/>
+              </a:rPr>
+              <a:t>{</a:t>
             </a:r>
           </a:p>
           <a:p>

--- a/230619.pptx
+++ b/230619.pptx
@@ -5,7 +5,7 @@
     <p:sldMasterId id="2147483648" r:id="rId1"/>
   </p:sldMasterIdLst>
   <p:notesMasterIdLst>
-    <p:notesMasterId r:id="rId29"/>
+    <p:notesMasterId r:id="rId30"/>
   </p:notesMasterIdLst>
   <p:sldIdLst>
     <p:sldId id="256" r:id="rId2"/>
@@ -35,6 +35,7 @@
     <p:sldId id="280" r:id="rId26"/>
     <p:sldId id="281" r:id="rId27"/>
     <p:sldId id="282" r:id="rId28"/>
+    <p:sldId id="283" r:id="rId29"/>
   </p:sldIdLst>
   <p:sldSz cx="12192000" cy="6858000"/>
   <p:notesSz cx="6858000" cy="9144000"/>
@@ -20397,6 +20398,522 @@
     <p:extLst>
       <p:ext uri="{BB962C8B-B14F-4D97-AF65-F5344CB8AC3E}">
         <p14:creationId xmlns:p14="http://schemas.microsoft.com/office/powerpoint/2010/main" val="3107837036"/>
+      </p:ext>
+    </p:extLst>
+  </p:cSld>
+  <p:clrMapOvr>
+    <a:masterClrMapping/>
+  </p:clrMapOvr>
+</p:sld>
+</file>
+
+<file path=ppt/slides/slide28.xml><?xml version="1.0" encoding="utf-8"?>
+<p:sld xmlns:a="http://schemas.openxmlformats.org/drawingml/2006/main" xmlns:r="http://schemas.openxmlformats.org/officeDocument/2006/relationships" xmlns:p="http://schemas.openxmlformats.org/presentationml/2006/main">
+  <p:cSld>
+    <p:spTree>
+      <p:nvGrpSpPr>
+        <p:cNvPr id="1" name=""/>
+        <p:cNvGrpSpPr/>
+        <p:nvPr/>
+      </p:nvGrpSpPr>
+      <p:grpSpPr>
+        <a:xfrm>
+          <a:off x="0" y="0"/>
+          <a:ext cx="0" cy="0"/>
+          <a:chOff x="0" y="0"/>
+          <a:chExt cx="0" cy="0"/>
+        </a:xfrm>
+      </p:grpSpPr>
+      <p:sp>
+        <p:nvSpPr>
+          <p:cNvPr id="4" name="직사각형 3">
+            <a:extLst>
+              <a:ext uri="{FF2B5EF4-FFF2-40B4-BE49-F238E27FC236}">
+                <a16:creationId xmlns:a16="http://schemas.microsoft.com/office/drawing/2014/main" id="{E20DD089-1103-CA66-6278-D5A31D495B09}"/>
+              </a:ext>
+            </a:extLst>
+          </p:cNvPr>
+          <p:cNvSpPr/>
+          <p:nvPr/>
+        </p:nvSpPr>
+        <p:spPr>
+          <a:xfrm>
+            <a:off x="2406771" y="1173192"/>
+            <a:ext cx="1216324" cy="1319842"/>
+          </a:xfrm>
+          <a:prstGeom prst="rect">
+            <a:avLst/>
+          </a:prstGeom>
+          <a:solidFill>
+            <a:srgbClr val="FFFF00"/>
+          </a:solidFill>
+        </p:spPr>
+        <p:style>
+          <a:lnRef idx="2">
+            <a:schemeClr val="accent1">
+              <a:shade val="15000"/>
+            </a:schemeClr>
+          </a:lnRef>
+          <a:fillRef idx="1">
+            <a:schemeClr val="accent1"/>
+          </a:fillRef>
+          <a:effectRef idx="0">
+            <a:schemeClr val="accent1"/>
+          </a:effectRef>
+          <a:fontRef idx="minor">
+            <a:schemeClr val="lt1"/>
+          </a:fontRef>
+        </p:style>
+        <p:txBody>
+          <a:bodyPr rtlCol="0" anchor="ctr"/>
+          <a:lstStyle/>
+          <a:p>
+            <a:pPr algn="ctr"/>
+            <a:endParaRPr kumimoji="1" lang="ko-Kore-KR" altLang="en-US" dirty="0">
+              <a:solidFill>
+                <a:schemeClr val="tx1"/>
+              </a:solidFill>
+              <a:latin typeface="DM Mono" panose="020B0509040201040103" pitchFamily="49" charset="0"/>
+            </a:endParaRPr>
+          </a:p>
+        </p:txBody>
+      </p:sp>
+      <p:sp>
+        <p:nvSpPr>
+          <p:cNvPr id="5" name="타원 4">
+            <a:extLst>
+              <a:ext uri="{FF2B5EF4-FFF2-40B4-BE49-F238E27FC236}">
+                <a16:creationId xmlns:a16="http://schemas.microsoft.com/office/drawing/2014/main" id="{C22ACDC7-FCAC-502E-2873-EDB9E9A2CC5E}"/>
+              </a:ext>
+            </a:extLst>
+          </p:cNvPr>
+          <p:cNvSpPr/>
+          <p:nvPr/>
+        </p:nvSpPr>
+        <p:spPr>
+          <a:xfrm>
+            <a:off x="5822830" y="1078302"/>
+            <a:ext cx="1268083" cy="1268083"/>
+          </a:xfrm>
+          <a:prstGeom prst="ellipse">
+            <a:avLst/>
+          </a:prstGeom>
+          <a:solidFill>
+            <a:srgbClr val="FFFF00"/>
+          </a:solidFill>
+        </p:spPr>
+        <p:style>
+          <a:lnRef idx="2">
+            <a:schemeClr val="accent1">
+              <a:shade val="15000"/>
+            </a:schemeClr>
+          </a:lnRef>
+          <a:fillRef idx="1">
+            <a:schemeClr val="accent1"/>
+          </a:fillRef>
+          <a:effectRef idx="0">
+            <a:schemeClr val="accent1"/>
+          </a:effectRef>
+          <a:fontRef idx="minor">
+            <a:schemeClr val="lt1"/>
+          </a:fontRef>
+        </p:style>
+        <p:txBody>
+          <a:bodyPr rtlCol="0" anchor="ctr"/>
+          <a:lstStyle/>
+          <a:p>
+            <a:pPr algn="ctr"/>
+            <a:endParaRPr kumimoji="1" lang="ko-Kore-KR" altLang="en-US" dirty="0">
+              <a:solidFill>
+                <a:schemeClr val="tx1"/>
+              </a:solidFill>
+              <a:latin typeface="DM Mono" panose="020B0509040201040103" pitchFamily="49" charset="0"/>
+            </a:endParaRPr>
+          </a:p>
+        </p:txBody>
+      </p:sp>
+      <p:sp>
+        <p:nvSpPr>
+          <p:cNvPr id="6" name="직사각형 5">
+            <a:extLst>
+              <a:ext uri="{FF2B5EF4-FFF2-40B4-BE49-F238E27FC236}">
+                <a16:creationId xmlns:a16="http://schemas.microsoft.com/office/drawing/2014/main" id="{83303C4C-70D9-B07F-F0A5-8ABF49B9D556}"/>
+              </a:ext>
+            </a:extLst>
+          </p:cNvPr>
+          <p:cNvSpPr/>
+          <p:nvPr/>
+        </p:nvSpPr>
+        <p:spPr>
+          <a:xfrm>
+            <a:off x="4879676" y="2769079"/>
+            <a:ext cx="1216324" cy="1319842"/>
+          </a:xfrm>
+          <a:prstGeom prst="rect">
+            <a:avLst/>
+          </a:prstGeom>
+          <a:solidFill>
+            <a:srgbClr val="FFFF00"/>
+          </a:solidFill>
+        </p:spPr>
+        <p:style>
+          <a:lnRef idx="2">
+            <a:schemeClr val="accent1">
+              <a:shade val="15000"/>
+            </a:schemeClr>
+          </a:lnRef>
+          <a:fillRef idx="1">
+            <a:schemeClr val="accent1"/>
+          </a:fillRef>
+          <a:effectRef idx="0">
+            <a:schemeClr val="accent1"/>
+          </a:effectRef>
+          <a:fontRef idx="minor">
+            <a:schemeClr val="lt1"/>
+          </a:fontRef>
+        </p:style>
+        <p:txBody>
+          <a:bodyPr rtlCol="0" anchor="ctr"/>
+          <a:lstStyle/>
+          <a:p>
+            <a:pPr algn="ctr"/>
+            <a:endParaRPr kumimoji="1" lang="ko-Kore-KR" altLang="en-US" dirty="0">
+              <a:solidFill>
+                <a:schemeClr val="tx1"/>
+              </a:solidFill>
+              <a:latin typeface="DM Mono" panose="020B0509040201040103" pitchFamily="49" charset="0"/>
+            </a:endParaRPr>
+          </a:p>
+        </p:txBody>
+      </p:sp>
+      <p:sp>
+        <p:nvSpPr>
+          <p:cNvPr id="7" name="타원 6">
+            <a:extLst>
+              <a:ext uri="{FF2B5EF4-FFF2-40B4-BE49-F238E27FC236}">
+                <a16:creationId xmlns:a16="http://schemas.microsoft.com/office/drawing/2014/main" id="{49D88C5E-2EC8-F334-4F10-D81EE01F9158}"/>
+              </a:ext>
+            </a:extLst>
+          </p:cNvPr>
+          <p:cNvSpPr/>
+          <p:nvPr/>
+        </p:nvSpPr>
+        <p:spPr>
+          <a:xfrm>
+            <a:off x="8883769" y="1644769"/>
+            <a:ext cx="1268083" cy="1268083"/>
+          </a:xfrm>
+          <a:prstGeom prst="ellipse">
+            <a:avLst/>
+          </a:prstGeom>
+          <a:solidFill>
+            <a:srgbClr val="FFFF00"/>
+          </a:solidFill>
+        </p:spPr>
+        <p:style>
+          <a:lnRef idx="2">
+            <a:schemeClr val="accent1">
+              <a:shade val="15000"/>
+            </a:schemeClr>
+          </a:lnRef>
+          <a:fillRef idx="1">
+            <a:schemeClr val="accent1"/>
+          </a:fillRef>
+          <a:effectRef idx="0">
+            <a:schemeClr val="accent1"/>
+          </a:effectRef>
+          <a:fontRef idx="minor">
+            <a:schemeClr val="lt1"/>
+          </a:fontRef>
+        </p:style>
+        <p:txBody>
+          <a:bodyPr rtlCol="0" anchor="ctr"/>
+          <a:lstStyle/>
+          <a:p>
+            <a:pPr algn="ctr"/>
+            <a:endParaRPr kumimoji="1" lang="ko-Kore-KR" altLang="en-US" dirty="0">
+              <a:solidFill>
+                <a:schemeClr val="tx1"/>
+              </a:solidFill>
+              <a:latin typeface="DM Mono" panose="020B0509040201040103" pitchFamily="49" charset="0"/>
+            </a:endParaRPr>
+          </a:p>
+        </p:txBody>
+      </p:sp>
+      <p:sp>
+        <p:nvSpPr>
+          <p:cNvPr id="8" name="직사각형 7">
+            <a:extLst>
+              <a:ext uri="{FF2B5EF4-FFF2-40B4-BE49-F238E27FC236}">
+                <a16:creationId xmlns:a16="http://schemas.microsoft.com/office/drawing/2014/main" id="{587904A0-D1D3-EEF0-6F18-40575F26048C}"/>
+              </a:ext>
+            </a:extLst>
+          </p:cNvPr>
+          <p:cNvSpPr/>
+          <p:nvPr/>
+        </p:nvSpPr>
+        <p:spPr>
+          <a:xfrm>
+            <a:off x="2133600" y="4172309"/>
+            <a:ext cx="1216324" cy="1319842"/>
+          </a:xfrm>
+          <a:prstGeom prst="rect">
+            <a:avLst/>
+          </a:prstGeom>
+          <a:solidFill>
+            <a:srgbClr val="FFFF00"/>
+          </a:solidFill>
+        </p:spPr>
+        <p:style>
+          <a:lnRef idx="2">
+            <a:schemeClr val="accent1">
+              <a:shade val="15000"/>
+            </a:schemeClr>
+          </a:lnRef>
+          <a:fillRef idx="1">
+            <a:schemeClr val="accent1"/>
+          </a:fillRef>
+          <a:effectRef idx="0">
+            <a:schemeClr val="accent1"/>
+          </a:effectRef>
+          <a:fontRef idx="minor">
+            <a:schemeClr val="lt1"/>
+          </a:fontRef>
+        </p:style>
+        <p:txBody>
+          <a:bodyPr rtlCol="0" anchor="ctr"/>
+          <a:lstStyle/>
+          <a:p>
+            <a:pPr algn="ctr"/>
+            <a:endParaRPr kumimoji="1" lang="ko-Kore-KR" altLang="en-US" dirty="0">
+              <a:solidFill>
+                <a:schemeClr val="tx1"/>
+              </a:solidFill>
+              <a:latin typeface="DM Mono" panose="020B0509040201040103" pitchFamily="49" charset="0"/>
+            </a:endParaRPr>
+          </a:p>
+        </p:txBody>
+      </p:sp>
+      <p:sp>
+        <p:nvSpPr>
+          <p:cNvPr id="9" name="타원 8">
+            <a:extLst>
+              <a:ext uri="{FF2B5EF4-FFF2-40B4-BE49-F238E27FC236}">
+                <a16:creationId xmlns:a16="http://schemas.microsoft.com/office/drawing/2014/main" id="{65F6AA19-DDD0-8322-6930-73F1D5A7AF31}"/>
+              </a:ext>
+            </a:extLst>
+          </p:cNvPr>
+          <p:cNvSpPr/>
+          <p:nvPr/>
+        </p:nvSpPr>
+        <p:spPr>
+          <a:xfrm>
+            <a:off x="8249727" y="3706483"/>
+            <a:ext cx="1268083" cy="1268083"/>
+          </a:xfrm>
+          <a:prstGeom prst="ellipse">
+            <a:avLst/>
+          </a:prstGeom>
+          <a:solidFill>
+            <a:srgbClr val="FFFF00"/>
+          </a:solidFill>
+        </p:spPr>
+        <p:style>
+          <a:lnRef idx="2">
+            <a:schemeClr val="accent1">
+              <a:shade val="15000"/>
+            </a:schemeClr>
+          </a:lnRef>
+          <a:fillRef idx="1">
+            <a:schemeClr val="accent1"/>
+          </a:fillRef>
+          <a:effectRef idx="0">
+            <a:schemeClr val="accent1"/>
+          </a:effectRef>
+          <a:fontRef idx="minor">
+            <a:schemeClr val="lt1"/>
+          </a:fontRef>
+        </p:style>
+        <p:txBody>
+          <a:bodyPr rtlCol="0" anchor="ctr"/>
+          <a:lstStyle/>
+          <a:p>
+            <a:pPr algn="ctr"/>
+            <a:endParaRPr kumimoji="1" lang="ko-Kore-KR" altLang="en-US" dirty="0">
+              <a:solidFill>
+                <a:schemeClr val="tx1"/>
+              </a:solidFill>
+              <a:latin typeface="DM Mono" panose="020B0509040201040103" pitchFamily="49" charset="0"/>
+            </a:endParaRPr>
+          </a:p>
+        </p:txBody>
+      </p:sp>
+      <p:sp>
+        <p:nvSpPr>
+          <p:cNvPr id="10" name="직사각형 9">
+            <a:extLst>
+              <a:ext uri="{FF2B5EF4-FFF2-40B4-BE49-F238E27FC236}">
+                <a16:creationId xmlns:a16="http://schemas.microsoft.com/office/drawing/2014/main" id="{E421F9BE-07D0-C1D5-11AD-C2C8F5244006}"/>
+              </a:ext>
+            </a:extLst>
+          </p:cNvPr>
+          <p:cNvSpPr/>
+          <p:nvPr/>
+        </p:nvSpPr>
+        <p:spPr>
+          <a:xfrm>
+            <a:off x="6308785" y="4340524"/>
+            <a:ext cx="1216324" cy="1319842"/>
+          </a:xfrm>
+          <a:prstGeom prst="rect">
+            <a:avLst/>
+          </a:prstGeom>
+          <a:solidFill>
+            <a:srgbClr val="FFFF00"/>
+          </a:solidFill>
+        </p:spPr>
+        <p:style>
+          <a:lnRef idx="2">
+            <a:schemeClr val="accent1">
+              <a:shade val="15000"/>
+            </a:schemeClr>
+          </a:lnRef>
+          <a:fillRef idx="1">
+            <a:schemeClr val="accent1"/>
+          </a:fillRef>
+          <a:effectRef idx="0">
+            <a:schemeClr val="accent1"/>
+          </a:effectRef>
+          <a:fontRef idx="minor">
+            <a:schemeClr val="lt1"/>
+          </a:fontRef>
+        </p:style>
+        <p:txBody>
+          <a:bodyPr rtlCol="0" anchor="ctr"/>
+          <a:lstStyle/>
+          <a:p>
+            <a:pPr algn="ctr"/>
+            <a:endParaRPr kumimoji="1" lang="ko-Kore-KR" altLang="en-US" dirty="0">
+              <a:solidFill>
+                <a:schemeClr val="tx1"/>
+              </a:solidFill>
+              <a:latin typeface="DM Mono" panose="020B0509040201040103" pitchFamily="49" charset="0"/>
+            </a:endParaRPr>
+          </a:p>
+        </p:txBody>
+      </p:sp>
+      <p:sp>
+        <p:nvSpPr>
+          <p:cNvPr id="11" name="타원 10">
+            <a:extLst>
+              <a:ext uri="{FF2B5EF4-FFF2-40B4-BE49-F238E27FC236}">
+                <a16:creationId xmlns:a16="http://schemas.microsoft.com/office/drawing/2014/main" id="{04EDD97D-E814-91E1-78A3-A7F31CE107E9}"/>
+              </a:ext>
+            </a:extLst>
+          </p:cNvPr>
+          <p:cNvSpPr/>
+          <p:nvPr/>
+        </p:nvSpPr>
+        <p:spPr>
+          <a:xfrm>
+            <a:off x="7604902" y="376686"/>
+            <a:ext cx="1268083" cy="1268083"/>
+          </a:xfrm>
+          <a:prstGeom prst="ellipse">
+            <a:avLst/>
+          </a:prstGeom>
+          <a:solidFill>
+            <a:srgbClr val="FFFF00"/>
+          </a:solidFill>
+        </p:spPr>
+        <p:style>
+          <a:lnRef idx="2">
+            <a:schemeClr val="accent1">
+              <a:shade val="15000"/>
+            </a:schemeClr>
+          </a:lnRef>
+          <a:fillRef idx="1">
+            <a:schemeClr val="accent1"/>
+          </a:fillRef>
+          <a:effectRef idx="0">
+            <a:schemeClr val="accent1"/>
+          </a:effectRef>
+          <a:fontRef idx="minor">
+            <a:schemeClr val="lt1"/>
+          </a:fontRef>
+        </p:style>
+        <p:txBody>
+          <a:bodyPr rtlCol="0" anchor="ctr"/>
+          <a:lstStyle/>
+          <a:p>
+            <a:pPr algn="ctr"/>
+            <a:endParaRPr kumimoji="1" lang="ko-Kore-KR" altLang="en-US" dirty="0">
+              <a:solidFill>
+                <a:schemeClr val="tx1"/>
+              </a:solidFill>
+              <a:latin typeface="DM Mono" panose="020B0509040201040103" pitchFamily="49" charset="0"/>
+            </a:endParaRPr>
+          </a:p>
+        </p:txBody>
+      </p:sp>
+      <p:sp>
+        <p:nvSpPr>
+          <p:cNvPr id="12" name="타원 11">
+            <a:extLst>
+              <a:ext uri="{FF2B5EF4-FFF2-40B4-BE49-F238E27FC236}">
+                <a16:creationId xmlns:a16="http://schemas.microsoft.com/office/drawing/2014/main" id="{F5024897-BBDD-976D-D3E9-3FEAFE8B0F91}"/>
+              </a:ext>
+            </a:extLst>
+          </p:cNvPr>
+          <p:cNvSpPr/>
+          <p:nvPr/>
+        </p:nvSpPr>
+        <p:spPr>
+          <a:xfrm>
+            <a:off x="10297061" y="3004867"/>
+            <a:ext cx="1268083" cy="1268083"/>
+          </a:xfrm>
+          <a:prstGeom prst="ellipse">
+            <a:avLst/>
+          </a:prstGeom>
+          <a:solidFill>
+            <a:srgbClr val="FFFF00"/>
+          </a:solidFill>
+        </p:spPr>
+        <p:style>
+          <a:lnRef idx="2">
+            <a:schemeClr val="accent1">
+              <a:shade val="15000"/>
+            </a:schemeClr>
+          </a:lnRef>
+          <a:fillRef idx="1">
+            <a:schemeClr val="accent1"/>
+          </a:fillRef>
+          <a:effectRef idx="0">
+            <a:schemeClr val="accent1"/>
+          </a:effectRef>
+          <a:fontRef idx="minor">
+            <a:schemeClr val="lt1"/>
+          </a:fontRef>
+        </p:style>
+        <p:txBody>
+          <a:bodyPr rtlCol="0" anchor="ctr"/>
+          <a:lstStyle/>
+          <a:p>
+            <a:pPr algn="ctr"/>
+            <a:endParaRPr kumimoji="1" lang="ko-Kore-KR" altLang="en-US" dirty="0">
+              <a:solidFill>
+                <a:schemeClr val="tx1"/>
+              </a:solidFill>
+              <a:latin typeface="DM Mono" panose="020B0509040201040103" pitchFamily="49" charset="0"/>
+            </a:endParaRPr>
+          </a:p>
+        </p:txBody>
+      </p:sp>
+    </p:spTree>
+    <p:extLst>
+      <p:ext uri="{BB962C8B-B14F-4D97-AF65-F5344CB8AC3E}">
+        <p14:creationId xmlns:p14="http://schemas.microsoft.com/office/powerpoint/2010/main" val="44454385"/>
       </p:ext>
     </p:extLst>
   </p:cSld>
